--- a/Doc/whitebai.pptx
+++ b/Doc/whitebai.pptx
@@ -5,20 +5,27 @@
     <p:sldMasterId id="2147483657" r:id="rId1"/>
   </p:sldMasterIdLst>
   <p:notesMasterIdLst>
-    <p:notesMasterId r:id="rId13"/>
+    <p:notesMasterId r:id="rId20"/>
   </p:notesMasterIdLst>
   <p:sldIdLst>
     <p:sldId id="256" r:id="rId2"/>
     <p:sldId id="450" r:id="rId3"/>
-    <p:sldId id="451" r:id="rId4"/>
-    <p:sldId id="459" r:id="rId5"/>
-    <p:sldId id="460" r:id="rId6"/>
-    <p:sldId id="461" r:id="rId7"/>
-    <p:sldId id="462" r:id="rId8"/>
-    <p:sldId id="463" r:id="rId9"/>
-    <p:sldId id="454" r:id="rId10"/>
-    <p:sldId id="458" r:id="rId11"/>
-    <p:sldId id="455" r:id="rId12"/>
+    <p:sldId id="468" r:id="rId4"/>
+    <p:sldId id="464" r:id="rId5"/>
+    <p:sldId id="469" r:id="rId6"/>
+    <p:sldId id="465" r:id="rId7"/>
+    <p:sldId id="466" r:id="rId8"/>
+    <p:sldId id="467" r:id="rId9"/>
+    <p:sldId id="459" r:id="rId10"/>
+    <p:sldId id="470" r:id="rId11"/>
+    <p:sldId id="471" r:id="rId12"/>
+    <p:sldId id="460" r:id="rId13"/>
+    <p:sldId id="461" r:id="rId14"/>
+    <p:sldId id="462" r:id="rId15"/>
+    <p:sldId id="463" r:id="rId16"/>
+    <p:sldId id="454" r:id="rId17"/>
+    <p:sldId id="458" r:id="rId18"/>
+    <p:sldId id="455" r:id="rId19"/>
   </p:sldIdLst>
   <p:sldSz cx="9144000" cy="6858000" type="screen4x3"/>
   <p:notesSz cx="6858000" cy="9144000"/>
@@ -279,7 +286,7 @@
         <p:nvSpPr>
           <p:cNvPr id="3076" name="Rectangle 4"/>
           <p:cNvSpPr>
-            <a:spLocks noRot="1" noChangeArrowheads="1"/>
+            <a:spLocks noGrp="1" noRot="1" noChangeAspect="1" noChangeArrowheads="1"/>
           </p:cNvSpPr>
           <p:nvPr>
             <p:ph type="sldImg" idx="2"/>
@@ -649,446 +656,6 @@
           <a:bodyPr/>
           <a:lstStyle/>
           <a:p>
-            <a:pPr eaLnBrk="1" hangingPunct="1"/>
-            <a:r>
-              <a:rPr lang="zh-CN" altLang="en-US" sz="1600" dirty="0" smtClean="0">
-                <a:latin typeface="微软雅黑" pitchFamily="34" charset="-122"/>
-                <a:ea typeface="微软雅黑" pitchFamily="34" charset="-122"/>
-              </a:rPr>
-              <a:t>开始在轩辕传奇</a:t>
-            </a:r>
-            <a:endParaRPr lang="en-US" altLang="zh-CN" sz="1600" dirty="0" smtClean="0">
-              <a:latin typeface="微软雅黑" pitchFamily="34" charset="-122"/>
-              <a:ea typeface="微软雅黑" pitchFamily="34" charset="-122"/>
-            </a:endParaRPr>
-          </a:p>
-          <a:p>
-            <a:pPr lvl="1" eaLnBrk="1" hangingPunct="1"/>
-            <a:r>
-              <a:rPr lang="zh-CN" altLang="en-US" sz="1400" dirty="0" smtClean="0">
-                <a:latin typeface="微软雅黑" pitchFamily="34" charset="-122"/>
-                <a:ea typeface="微软雅黑" pitchFamily="34" charset="-122"/>
-              </a:rPr>
-              <a:t>各类工具的开发：版本发布工具（类似于</a:t>
-            </a:r>
-            <a:r>
-              <a:rPr lang="en-US" altLang="zh-CN" sz="1400" dirty="0" err="1" smtClean="0">
-                <a:latin typeface="微软雅黑" pitchFamily="34" charset="-122"/>
-                <a:ea typeface="微软雅黑" pitchFamily="34" charset="-122"/>
-              </a:rPr>
-              <a:t>VisualBuilder</a:t>
-            </a:r>
-            <a:r>
-              <a:rPr lang="en-US" altLang="zh-CN" sz="1400" dirty="0" smtClean="0">
-                <a:latin typeface="微软雅黑" pitchFamily="34" charset="-122"/>
-                <a:ea typeface="微软雅黑" pitchFamily="34" charset="-122"/>
-              </a:rPr>
-              <a:t> </a:t>
-            </a:r>
-            <a:r>
-              <a:rPr lang="zh-CN" altLang="en-US" sz="1400" dirty="0" smtClean="0">
-                <a:latin typeface="微软雅黑" pitchFamily="34" charset="-122"/>
-                <a:ea typeface="微软雅黑" pitchFamily="34" charset="-122"/>
-              </a:rPr>
-              <a:t>），模型编辑器，需求</a:t>
-            </a:r>
-            <a:r>
-              <a:rPr lang="en-US" altLang="zh-CN" sz="1400" dirty="0" smtClean="0">
-                <a:latin typeface="微软雅黑" pitchFamily="34" charset="-122"/>
-                <a:ea typeface="微软雅黑" pitchFamily="34" charset="-122"/>
-              </a:rPr>
-              <a:t>/Bug</a:t>
-            </a:r>
-            <a:r>
-              <a:rPr lang="zh-CN" altLang="en-US" sz="1400" dirty="0" smtClean="0">
-                <a:latin typeface="微软雅黑" pitchFamily="34" charset="-122"/>
-                <a:ea typeface="微软雅黑" pitchFamily="34" charset="-122"/>
-              </a:rPr>
-              <a:t>追踪系统搭建（类似于</a:t>
-            </a:r>
-            <a:r>
-              <a:rPr lang="en-US" altLang="zh-CN" sz="1400" dirty="0" err="1" smtClean="0">
-                <a:latin typeface="微软雅黑" pitchFamily="34" charset="-122"/>
-                <a:ea typeface="微软雅黑" pitchFamily="34" charset="-122"/>
-              </a:rPr>
-              <a:t>Tapd</a:t>
-            </a:r>
-            <a:r>
-              <a:rPr lang="zh-CN" altLang="en-US" sz="1400" dirty="0" smtClean="0">
-                <a:latin typeface="微软雅黑" pitchFamily="34" charset="-122"/>
-                <a:ea typeface="微软雅黑" pitchFamily="34" charset="-122"/>
-              </a:rPr>
-              <a:t>），</a:t>
-            </a:r>
-            <a:r>
-              <a:rPr lang="en-US" altLang="zh-CN" sz="1400" dirty="0" smtClean="0">
-                <a:latin typeface="微软雅黑" pitchFamily="34" charset="-122"/>
-                <a:ea typeface="微软雅黑" pitchFamily="34" charset="-122"/>
-              </a:rPr>
-              <a:t>VFS</a:t>
-            </a:r>
-            <a:r>
-              <a:rPr lang="zh-CN" altLang="en-US" sz="1400" dirty="0" smtClean="0">
-                <a:latin typeface="微软雅黑" pitchFamily="34" charset="-122"/>
-                <a:ea typeface="微软雅黑" pitchFamily="34" charset="-122"/>
-              </a:rPr>
-              <a:t>工具。</a:t>
-            </a:r>
-            <a:endParaRPr lang="en-US" altLang="zh-CN" sz="1400" dirty="0" smtClean="0">
-              <a:latin typeface="微软雅黑" pitchFamily="34" charset="-122"/>
-              <a:ea typeface="微软雅黑" pitchFamily="34" charset="-122"/>
-            </a:endParaRPr>
-          </a:p>
-          <a:p>
-            <a:pPr lvl="1" eaLnBrk="1" hangingPunct="1"/>
-            <a:r>
-              <a:rPr lang="zh-CN" altLang="en-US" sz="1400" dirty="0" smtClean="0">
-                <a:latin typeface="微软雅黑" pitchFamily="34" charset="-122"/>
-                <a:ea typeface="微软雅黑" pitchFamily="34" charset="-122"/>
-              </a:rPr>
-              <a:t>开发各种特性，熟悉客户端的开发环境，熟悉项目组的开发流程，学习各种课程。</a:t>
-            </a:r>
-            <a:endParaRPr lang="en-US" altLang="zh-CN" sz="1400" dirty="0" smtClean="0">
-              <a:latin typeface="微软雅黑" pitchFamily="34" charset="-122"/>
-              <a:ea typeface="微软雅黑" pitchFamily="34" charset="-122"/>
-            </a:endParaRPr>
-          </a:p>
-          <a:p>
-            <a:pPr eaLnBrk="1" hangingPunct="1"/>
-            <a:r>
-              <a:rPr lang="zh-CN" altLang="en-US" sz="1600" dirty="0" smtClean="0">
-                <a:latin typeface="微软雅黑" pitchFamily="34" charset="-122"/>
-                <a:ea typeface="微软雅黑" pitchFamily="34" charset="-122"/>
-              </a:rPr>
-              <a:t>成长在轩辕传奇：</a:t>
-            </a:r>
-            <a:endParaRPr lang="en-US" altLang="zh-CN" sz="1600" dirty="0" smtClean="0">
-              <a:latin typeface="微软雅黑" pitchFamily="34" charset="-122"/>
-              <a:ea typeface="微软雅黑" pitchFamily="34" charset="-122"/>
-            </a:endParaRPr>
-          </a:p>
-          <a:p>
-            <a:pPr lvl="1" eaLnBrk="1" hangingPunct="1"/>
-            <a:r>
-              <a:rPr lang="zh-CN" altLang="en-US" sz="1400" dirty="0" smtClean="0">
-                <a:latin typeface="微软雅黑" pitchFamily="34" charset="-122"/>
-                <a:ea typeface="微软雅黑" pitchFamily="34" charset="-122"/>
-              </a:rPr>
-              <a:t>开发和优化客户端内部多个重要系统（</a:t>
-            </a:r>
-            <a:r>
-              <a:rPr lang="en-US" altLang="zh-CN" sz="1400" dirty="0" smtClean="0">
-                <a:latin typeface="微软雅黑" pitchFamily="34" charset="-122"/>
-                <a:ea typeface="微软雅黑" pitchFamily="34" charset="-122"/>
-              </a:rPr>
-              <a:t>NPC</a:t>
-            </a:r>
-            <a:r>
-              <a:rPr lang="zh-CN" altLang="en-US" sz="1400" dirty="0" smtClean="0">
-                <a:latin typeface="微软雅黑" pitchFamily="34" charset="-122"/>
-                <a:ea typeface="微软雅黑" pitchFamily="34" charset="-122"/>
-              </a:rPr>
-              <a:t>功能系统，任务系统，成就系统，游戏对象系统），使之具有可配置性，可扩展性和可维护性，从而让策划有更高的参与度，程序扩展更加方便，最后提升整体开发效率。</a:t>
-            </a:r>
-            <a:endParaRPr lang="en-US" altLang="zh-CN" sz="1400" dirty="0" smtClean="0">
-              <a:latin typeface="微软雅黑" pitchFamily="34" charset="-122"/>
-              <a:ea typeface="微软雅黑" pitchFamily="34" charset="-122"/>
-            </a:endParaRPr>
-          </a:p>
-          <a:p>
-            <a:pPr lvl="1" eaLnBrk="1" hangingPunct="1"/>
-            <a:r>
-              <a:rPr lang="zh-CN" altLang="en-US" sz="1400" dirty="0" smtClean="0">
-                <a:latin typeface="微软雅黑" pitchFamily="34" charset="-122"/>
-                <a:ea typeface="微软雅黑" pitchFamily="34" charset="-122"/>
-              </a:rPr>
-              <a:t>长期跟踪并解决客户端内存泄漏，崩溃和性能问题，从而提升客户端的稳定性。</a:t>
-            </a:r>
-            <a:endParaRPr lang="en-US" altLang="zh-CN" sz="1400" dirty="0" smtClean="0">
-              <a:latin typeface="微软雅黑" pitchFamily="34" charset="-122"/>
-              <a:ea typeface="微软雅黑" pitchFamily="34" charset="-122"/>
-            </a:endParaRPr>
-          </a:p>
-          <a:p>
-            <a:pPr lvl="1" eaLnBrk="1" hangingPunct="1"/>
-            <a:r>
-              <a:rPr lang="zh-CN" altLang="en-US" sz="1400" dirty="0" smtClean="0">
-                <a:latin typeface="微软雅黑" pitchFamily="34" charset="-122"/>
-                <a:ea typeface="微软雅黑" pitchFamily="34" charset="-122"/>
-              </a:rPr>
-              <a:t>底层系统优化：</a:t>
-            </a:r>
-            <a:endParaRPr lang="en-US" altLang="zh-CN" sz="1400" dirty="0" smtClean="0">
-              <a:latin typeface="微软雅黑" pitchFamily="34" charset="-122"/>
-              <a:ea typeface="微软雅黑" pitchFamily="34" charset="-122"/>
-            </a:endParaRPr>
-          </a:p>
-          <a:p>
-            <a:pPr lvl="2" eaLnBrk="1" hangingPunct="1"/>
-            <a:r>
-              <a:rPr lang="zh-CN" altLang="en-US" sz="1400" dirty="0" smtClean="0">
-                <a:latin typeface="微软雅黑" pitchFamily="34" charset="-122"/>
-                <a:ea typeface="微软雅黑" pitchFamily="34" charset="-122"/>
-              </a:rPr>
-              <a:t>后台加载优化，通过优先级和吞吐量提高加载成功率。</a:t>
-            </a:r>
-            <a:endParaRPr lang="en-US" altLang="zh-CN" sz="1400" dirty="0" smtClean="0">
-              <a:latin typeface="微软雅黑" pitchFamily="34" charset="-122"/>
-              <a:ea typeface="微软雅黑" pitchFamily="34" charset="-122"/>
-            </a:endParaRPr>
-          </a:p>
-          <a:p>
-            <a:pPr lvl="2" eaLnBrk="1" hangingPunct="1"/>
-            <a:r>
-              <a:rPr lang="zh-CN" altLang="en-US" sz="1400" dirty="0" smtClean="0">
-                <a:latin typeface="微软雅黑" pitchFamily="34" charset="-122"/>
-                <a:ea typeface="微软雅黑" pitchFamily="34" charset="-122"/>
-              </a:rPr>
-              <a:t>多线程优化，解决死锁和线程安全问题。</a:t>
-            </a:r>
-            <a:endParaRPr lang="en-US" altLang="zh-CN" sz="1400" dirty="0" smtClean="0">
-              <a:latin typeface="微软雅黑" pitchFamily="34" charset="-122"/>
-              <a:ea typeface="微软雅黑" pitchFamily="34" charset="-122"/>
-            </a:endParaRPr>
-          </a:p>
-          <a:p>
-            <a:pPr lvl="2" eaLnBrk="1" hangingPunct="1"/>
-            <a:r>
-              <a:rPr lang="zh-CN" altLang="en-US" sz="1400" dirty="0" smtClean="0">
-                <a:latin typeface="微软雅黑" pitchFamily="34" charset="-122"/>
-                <a:ea typeface="微软雅黑" pitchFamily="34" charset="-122"/>
-              </a:rPr>
-              <a:t>资源加载优化，通过分类和多级缓存提高资源加载效率。</a:t>
-            </a:r>
-            <a:endParaRPr lang="en-US" altLang="zh-CN" sz="1400" dirty="0" smtClean="0">
-              <a:latin typeface="微软雅黑" pitchFamily="34" charset="-122"/>
-              <a:ea typeface="微软雅黑" pitchFamily="34" charset="-122"/>
-            </a:endParaRPr>
-          </a:p>
-          <a:p>
-            <a:pPr lvl="2" eaLnBrk="1" hangingPunct="1"/>
-            <a:r>
-              <a:rPr lang="zh-CN" altLang="en-US" sz="1400" dirty="0" smtClean="0">
-                <a:latin typeface="微软雅黑" pitchFamily="34" charset="-122"/>
-                <a:ea typeface="微软雅黑" pitchFamily="34" charset="-122"/>
-              </a:rPr>
-              <a:t>网络包处理优化，通过重构大幅降低内存占用，通过吞吐量平滑处理消耗。</a:t>
-            </a:r>
-            <a:endParaRPr lang="en-US" altLang="zh-CN" sz="1400" dirty="0" smtClean="0">
-              <a:latin typeface="微软雅黑" pitchFamily="34" charset="-122"/>
-              <a:ea typeface="微软雅黑" pitchFamily="34" charset="-122"/>
-            </a:endParaRPr>
-          </a:p>
-          <a:p>
-            <a:pPr lvl="2" eaLnBrk="1" hangingPunct="1"/>
-            <a:r>
-              <a:rPr lang="zh-CN" altLang="en-US" sz="1400" dirty="0" smtClean="0">
-                <a:latin typeface="微软雅黑" pitchFamily="34" charset="-122"/>
-                <a:ea typeface="微软雅黑" pitchFamily="34" charset="-122"/>
-              </a:rPr>
-              <a:t>网络协议优化，通过降低网络包大小和网络包量来解决在大规模城战情况下服务器的性能问题和客户端表现不流畅，频繁拉拽等问题。</a:t>
-            </a:r>
-            <a:endParaRPr lang="en-US" altLang="zh-CN" sz="1400" dirty="0" smtClean="0">
-              <a:latin typeface="微软雅黑" pitchFamily="34" charset="-122"/>
-              <a:ea typeface="微软雅黑" pitchFamily="34" charset="-122"/>
-            </a:endParaRPr>
-          </a:p>
-          <a:p>
-            <a:pPr eaLnBrk="1" hangingPunct="1"/>
-            <a:r>
-              <a:rPr lang="zh-CN" altLang="en-US" sz="1600" dirty="0" smtClean="0">
-                <a:latin typeface="微软雅黑" pitchFamily="34" charset="-122"/>
-                <a:ea typeface="微软雅黑" pitchFamily="34" charset="-122"/>
-              </a:rPr>
-              <a:t>成长在轩辕传奇：</a:t>
-            </a:r>
-            <a:endParaRPr lang="en-US" altLang="zh-CN" sz="1600" dirty="0" smtClean="0">
-              <a:latin typeface="微软雅黑" pitchFamily="34" charset="-122"/>
-              <a:ea typeface="微软雅黑" pitchFamily="34" charset="-122"/>
-            </a:endParaRPr>
-          </a:p>
-          <a:p>
-            <a:pPr lvl="1" eaLnBrk="1" hangingPunct="1"/>
-            <a:r>
-              <a:rPr lang="en-US" altLang="zh-CN" sz="1400" dirty="0" err="1" smtClean="0">
-                <a:latin typeface="微软雅黑" pitchFamily="34" charset="-122"/>
-                <a:ea typeface="微软雅黑" pitchFamily="34" charset="-122"/>
-              </a:rPr>
-              <a:t>Lua</a:t>
-            </a:r>
-            <a:r>
-              <a:rPr lang="zh-CN" altLang="zh-CN" sz="1400" dirty="0" smtClean="0">
-                <a:latin typeface="微软雅黑" pitchFamily="34" charset="-122"/>
-                <a:ea typeface="微软雅黑" pitchFamily="34" charset="-122"/>
-              </a:rPr>
-              <a:t>脚本体系</a:t>
-            </a:r>
-            <a:r>
-              <a:rPr lang="zh-CN" altLang="en-US" sz="1400" dirty="0" smtClean="0">
-                <a:latin typeface="微软雅黑" pitchFamily="34" charset="-122"/>
-                <a:ea typeface="微软雅黑" pitchFamily="34" charset="-122"/>
-              </a:rPr>
-              <a:t>的架构设计和代码实现</a:t>
-            </a:r>
-            <a:r>
-              <a:rPr lang="zh-CN" altLang="zh-CN" sz="1400" dirty="0" smtClean="0">
-                <a:latin typeface="微软雅黑" pitchFamily="34" charset="-122"/>
-                <a:ea typeface="微软雅黑" pitchFamily="34" charset="-122"/>
-              </a:rPr>
-              <a:t>。</a:t>
-            </a:r>
-          </a:p>
-          <a:p>
-            <a:pPr lvl="1" eaLnBrk="1" hangingPunct="1"/>
-            <a:r>
-              <a:rPr lang="zh-CN" altLang="zh-CN" sz="1400" dirty="0" smtClean="0">
-                <a:latin typeface="微软雅黑" pitchFamily="34" charset="-122"/>
-                <a:ea typeface="微软雅黑" pitchFamily="34" charset="-122"/>
-              </a:rPr>
-              <a:t>逻辑开发体系</a:t>
-            </a:r>
-            <a:r>
-              <a:rPr lang="zh-CN" altLang="en-US" sz="1400" dirty="0" smtClean="0">
-                <a:latin typeface="微软雅黑" pitchFamily="34" charset="-122"/>
-                <a:ea typeface="微软雅黑" pitchFamily="34" charset="-122"/>
-              </a:rPr>
-              <a:t>的架构设计和代码实现</a:t>
-            </a:r>
-            <a:r>
-              <a:rPr lang="zh-CN" altLang="zh-CN" sz="1400" dirty="0" smtClean="0">
-                <a:latin typeface="微软雅黑" pitchFamily="34" charset="-122"/>
-                <a:ea typeface="微软雅黑" pitchFamily="34" charset="-122"/>
-              </a:rPr>
-              <a:t>。</a:t>
-            </a:r>
-            <a:endParaRPr lang="en-US" altLang="zh-CN" sz="1400" dirty="0" smtClean="0">
-              <a:latin typeface="微软雅黑" pitchFamily="34" charset="-122"/>
-              <a:ea typeface="微软雅黑" pitchFamily="34" charset="-122"/>
-            </a:endParaRPr>
-          </a:p>
-          <a:p>
-            <a:pPr lvl="1" eaLnBrk="1" hangingPunct="1"/>
-            <a:r>
-              <a:rPr lang="zh-CN" altLang="zh-CN" sz="1400" dirty="0" smtClean="0">
-                <a:latin typeface="微软雅黑" pitchFamily="34" charset="-122"/>
-                <a:ea typeface="微软雅黑" pitchFamily="34" charset="-122"/>
-              </a:rPr>
-              <a:t>调试体系</a:t>
-            </a:r>
-            <a:r>
-              <a:rPr lang="zh-CN" altLang="en-US" sz="1400" dirty="0" smtClean="0">
-                <a:latin typeface="微软雅黑" pitchFamily="34" charset="-122"/>
-                <a:ea typeface="微软雅黑" pitchFamily="34" charset="-122"/>
-              </a:rPr>
-              <a:t>的架构设计和代码实现</a:t>
-            </a:r>
-            <a:r>
-              <a:rPr lang="zh-CN" altLang="zh-CN" sz="1400" dirty="0" smtClean="0">
-                <a:latin typeface="微软雅黑" pitchFamily="34" charset="-122"/>
-                <a:ea typeface="微软雅黑" pitchFamily="34" charset="-122"/>
-              </a:rPr>
-              <a:t>：可扩展的日志系统实现，</a:t>
-            </a:r>
-            <a:r>
-              <a:rPr lang="en-US" altLang="zh-CN" sz="1400" dirty="0" err="1" smtClean="0">
-                <a:latin typeface="微软雅黑" pitchFamily="34" charset="-122"/>
-                <a:ea typeface="微软雅黑" pitchFamily="34" charset="-122"/>
-              </a:rPr>
-              <a:t>Tqos</a:t>
-            </a:r>
-            <a:r>
-              <a:rPr lang="zh-CN" altLang="zh-CN" sz="1400" dirty="0" smtClean="0">
-                <a:latin typeface="微软雅黑" pitchFamily="34" charset="-122"/>
-                <a:ea typeface="微软雅黑" pitchFamily="34" charset="-122"/>
-              </a:rPr>
-              <a:t>接入，</a:t>
-            </a:r>
-            <a:r>
-              <a:rPr lang="en-US" altLang="zh-CN" sz="1400" dirty="0" smtClean="0">
-                <a:latin typeface="微软雅黑" pitchFamily="34" charset="-122"/>
-                <a:ea typeface="微软雅黑" pitchFamily="34" charset="-122"/>
-              </a:rPr>
-              <a:t>Game Console</a:t>
-            </a:r>
-            <a:r>
-              <a:rPr lang="zh-CN" altLang="zh-CN" sz="1400" dirty="0" smtClean="0">
-                <a:latin typeface="微软雅黑" pitchFamily="34" charset="-122"/>
-                <a:ea typeface="微软雅黑" pitchFamily="34" charset="-122"/>
-              </a:rPr>
-              <a:t>（支持实时反馈调试信息，执行和扩展</a:t>
-            </a:r>
-            <a:r>
-              <a:rPr lang="en-US" altLang="zh-CN" sz="1400" dirty="0" smtClean="0">
-                <a:latin typeface="微软雅黑" pitchFamily="34" charset="-122"/>
-                <a:ea typeface="微软雅黑" pitchFamily="34" charset="-122"/>
-              </a:rPr>
-              <a:t>Command</a:t>
-            </a:r>
-            <a:r>
-              <a:rPr lang="zh-CN" altLang="zh-CN" sz="1400" dirty="0" smtClean="0">
-                <a:latin typeface="微软雅黑" pitchFamily="34" charset="-122"/>
-                <a:ea typeface="微软雅黑" pitchFamily="34" charset="-122"/>
-              </a:rPr>
-              <a:t>）实现，</a:t>
-            </a:r>
-            <a:r>
-              <a:rPr lang="en-US" altLang="zh-CN" sz="1400" dirty="0" smtClean="0">
-                <a:latin typeface="微软雅黑" pitchFamily="34" charset="-122"/>
-                <a:ea typeface="微软雅黑" pitchFamily="34" charset="-122"/>
-              </a:rPr>
-              <a:t>Game Error List</a:t>
-            </a:r>
-            <a:r>
-              <a:rPr lang="zh-CN" altLang="zh-CN" sz="1400" dirty="0" smtClean="0">
-                <a:latin typeface="微软雅黑" pitchFamily="34" charset="-122"/>
-                <a:ea typeface="微软雅黑" pitchFamily="34" charset="-122"/>
-              </a:rPr>
-              <a:t>（开发阶段游戏内输出错误日志），脚本重载机制，使得开发不需要重启客户端就可以快速的验证自己的实现，</a:t>
-            </a:r>
-            <a:r>
-              <a:rPr lang="zh-CN" altLang="en-US" sz="1400" dirty="0" smtClean="0">
-                <a:latin typeface="微软雅黑" pitchFamily="34" charset="-122"/>
-                <a:ea typeface="微软雅黑" pitchFamily="34" charset="-122"/>
-              </a:rPr>
-              <a:t>大幅</a:t>
-            </a:r>
-            <a:r>
-              <a:rPr lang="zh-CN" altLang="zh-CN" sz="1400" dirty="0" smtClean="0">
-                <a:latin typeface="微软雅黑" pitchFamily="34" charset="-122"/>
-                <a:ea typeface="微软雅黑" pitchFamily="34" charset="-122"/>
-              </a:rPr>
-              <a:t>提高了开发效率。</a:t>
-            </a:r>
-          </a:p>
-          <a:p>
-            <a:pPr lvl="1" eaLnBrk="1" hangingPunct="1"/>
-            <a:r>
-              <a:rPr lang="zh-CN" altLang="en-US" sz="1400" dirty="0" smtClean="0">
-                <a:latin typeface="微软雅黑" pitchFamily="34" charset="-122"/>
-                <a:ea typeface="微软雅黑" pitchFamily="34" charset="-122"/>
-              </a:rPr>
-              <a:t>微端资源管理体系的架构设计和代码实现：资源管理系统，资源智能投递系统（</a:t>
-            </a:r>
-            <a:r>
-              <a:rPr lang="zh-CN" altLang="zh-CN" sz="1400" dirty="0" smtClean="0">
-                <a:latin typeface="微软雅黑" pitchFamily="34" charset="-122"/>
-                <a:ea typeface="微软雅黑" pitchFamily="34" charset="-122"/>
-              </a:rPr>
-              <a:t>根据目标场景进行自动投递以及扩散投递，根据活动进行投递，根据必要资源进行投递，根据玩家游戏路线进行投递，以及可以进行手动投递</a:t>
-            </a:r>
-            <a:r>
-              <a:rPr lang="zh-CN" altLang="en-US" sz="1400" dirty="0" smtClean="0">
-                <a:latin typeface="微软雅黑" pitchFamily="34" charset="-122"/>
-                <a:ea typeface="微软雅黑" pitchFamily="34" charset="-122"/>
-              </a:rPr>
-              <a:t>），游戏对象资源替换机制（在资源未下载完毕的情况使用替代资源表现，下载完毕以后进行自动替换），资源预加载。</a:t>
-            </a:r>
-            <a:endParaRPr lang="zh-CN" altLang="zh-CN" sz="1400" dirty="0" smtClean="0">
-              <a:latin typeface="微软雅黑" pitchFamily="34" charset="-122"/>
-              <a:ea typeface="微软雅黑" pitchFamily="34" charset="-122"/>
-            </a:endParaRPr>
-          </a:p>
-          <a:p>
             <a:endParaRPr lang="zh-CN" altLang="en-US" dirty="0" smtClean="0">
               <a:latin typeface="Arial" charset="0"/>
               <a:ea typeface="宋体" charset="-122"/>
@@ -1130,7 +697,181 @@
 </p:notes>
 </file>
 
-<file path=ppt/notesSlides/notesSlide2.xml><?xml version="1.0" encoding="utf-8"?>
+<file path=ppt/notesSlides/notesSlide10.xml><?xml version="1.0" encoding="utf-8"?>
+<p:notes xmlns:a="http://schemas.openxmlformats.org/drawingml/2006/main" xmlns:r="http://schemas.openxmlformats.org/officeDocument/2006/relationships" xmlns:p="http://schemas.openxmlformats.org/presentationml/2006/main">
+  <p:cSld>
+    <p:spTree>
+      <p:nvGrpSpPr>
+        <p:cNvPr id="1" name=""/>
+        <p:cNvGrpSpPr/>
+        <p:nvPr/>
+      </p:nvGrpSpPr>
+      <p:grpSpPr>
+        <a:xfrm>
+          <a:off x="0" y="0"/>
+          <a:ext cx="0" cy="0"/>
+          <a:chOff x="0" y="0"/>
+          <a:chExt cx="0" cy="0"/>
+        </a:xfrm>
+      </p:grpSpPr>
+      <p:sp>
+        <p:nvSpPr>
+          <p:cNvPr id="2" name="幻灯片图像占位符 1"/>
+          <p:cNvSpPr>
+            <a:spLocks noGrp="1" noRot="1" noChangeAspect="1"/>
+          </p:cNvSpPr>
+          <p:nvPr>
+            <p:ph type="sldImg"/>
+          </p:nvPr>
+        </p:nvSpPr>
+        <p:spPr/>
+      </p:sp>
+      <p:sp>
+        <p:nvSpPr>
+          <p:cNvPr id="3" name="备注占位符 2"/>
+          <p:cNvSpPr>
+            <a:spLocks noGrp="1"/>
+          </p:cNvSpPr>
+          <p:nvPr>
+            <p:ph type="body" idx="1"/>
+          </p:nvPr>
+        </p:nvSpPr>
+        <p:spPr/>
+        <p:txBody>
+          <a:bodyPr>
+            <a:normAutofit/>
+          </a:bodyPr>
+          <a:lstStyle/>
+          <a:p>
+            <a:r>
+              <a:rPr lang="zh-CN" altLang="en-US" dirty="0" smtClean="0"/>
+              <a:t>现在问题是，简单功能还要若干个</a:t>
+            </a:r>
+            <a:r>
+              <a:rPr lang="en-US" altLang="zh-CN" dirty="0" smtClean="0"/>
+              <a:t>entity</a:t>
+            </a:r>
+            <a:r>
+              <a:rPr lang="zh-CN" altLang="en-US" dirty="0" smtClean="0"/>
+              <a:t>，麻烦</a:t>
+            </a:r>
+            <a:endParaRPr lang="en-US" altLang="zh-CN" dirty="0" smtClean="0"/>
+          </a:p>
+          <a:p>
+            <a:r>
+              <a:rPr lang="zh-CN" altLang="en-US" dirty="0" smtClean="0"/>
+              <a:t>如果</a:t>
+            </a:r>
+            <a:r>
+              <a:rPr lang="en-US" altLang="zh-CN" dirty="0" smtClean="0"/>
+              <a:t>C++</a:t>
+            </a:r>
+            <a:r>
+              <a:rPr lang="zh-CN" altLang="en-US" dirty="0" smtClean="0"/>
+              <a:t>的支持类变大，重用度又会降低，根本原因是一个</a:t>
+            </a:r>
+            <a:r>
+              <a:rPr lang="en-US" altLang="zh-CN" dirty="0" smtClean="0"/>
+              <a:t>entity</a:t>
+            </a:r>
+            <a:r>
+              <a:rPr lang="zh-CN" altLang="en-US" dirty="0" smtClean="0"/>
+              <a:t>只能绑定一个</a:t>
+            </a:r>
+            <a:r>
+              <a:rPr lang="en-US" altLang="zh-CN" dirty="0" smtClean="0"/>
+              <a:t>C++</a:t>
+            </a:r>
+            <a:r>
+              <a:rPr lang="zh-CN" altLang="en-US" dirty="0" smtClean="0"/>
+              <a:t>的类导致的</a:t>
+            </a:r>
+            <a:endParaRPr lang="en-US" altLang="zh-CN" dirty="0" smtClean="0"/>
+          </a:p>
+          <a:p>
+            <a:r>
+              <a:rPr lang="zh-CN" altLang="en-US" dirty="0" smtClean="0"/>
+              <a:t>改变</a:t>
+            </a:r>
+            <a:r>
+              <a:rPr lang="en-US" altLang="zh-CN" dirty="0" smtClean="0"/>
+              <a:t>entity</a:t>
+            </a:r>
+            <a:r>
+              <a:rPr lang="zh-CN" altLang="en-US" dirty="0" smtClean="0"/>
+              <a:t>生成流程</a:t>
+            </a:r>
+            <a:endParaRPr lang="en-US" altLang="zh-CN" dirty="0" smtClean="0"/>
+          </a:p>
+          <a:p>
+            <a:r>
+              <a:rPr lang="zh-CN" altLang="en-US" dirty="0" smtClean="0"/>
+              <a:t>阅读源代码发现系统支持多个</a:t>
+            </a:r>
+            <a:endParaRPr lang="en-US" altLang="zh-CN" dirty="0" smtClean="0"/>
+          </a:p>
+          <a:p>
+            <a:r>
+              <a:rPr lang="en-US" altLang="zh-CN" dirty="0" smtClean="0"/>
+              <a:t>LUA</a:t>
+            </a:r>
+            <a:r>
+              <a:rPr lang="zh-CN" altLang="en-US" dirty="0" smtClean="0"/>
+              <a:t>初始化流程里边可以创建两个</a:t>
+            </a:r>
+            <a:r>
+              <a:rPr lang="en-US" altLang="zh-CN" dirty="0" smtClean="0"/>
+              <a:t>C++</a:t>
+            </a:r>
+            <a:r>
+              <a:rPr lang="zh-CN" altLang="en-US" dirty="0" smtClean="0"/>
+              <a:t>类，用</a:t>
+            </a:r>
+            <a:r>
+              <a:rPr lang="en-US" altLang="zh-CN" dirty="0" err="1" smtClean="0"/>
+              <a:t>lua</a:t>
+            </a:r>
+            <a:r>
+              <a:rPr lang="zh-CN" altLang="en-US" dirty="0" smtClean="0"/>
+              <a:t>中定义的属性和方法去交互</a:t>
+            </a:r>
+            <a:endParaRPr lang="en-US" altLang="zh-CN" dirty="0" smtClean="0"/>
+          </a:p>
+        </p:txBody>
+      </p:sp>
+      <p:sp>
+        <p:nvSpPr>
+          <p:cNvPr id="4" name="灯片编号占位符 3"/>
+          <p:cNvSpPr>
+            <a:spLocks noGrp="1"/>
+          </p:cNvSpPr>
+          <p:nvPr>
+            <p:ph type="sldNum" sz="quarter" idx="10"/>
+          </p:nvPr>
+        </p:nvSpPr>
+        <p:spPr/>
+        <p:txBody>
+          <a:bodyPr/>
+          <a:lstStyle/>
+          <a:p>
+            <a:fld id="{287CCF68-D40B-4599-926A-7A0EC2D9742D}" type="slidenum">
+              <a:rPr lang="zh-CN" altLang="en-US" smtClean="0"/>
+              <a:pPr/>
+              <a:t>11</a:t>
+            </a:fld>
+            <a:endParaRPr lang="en-US" altLang="zh-CN"/>
+          </a:p>
+        </p:txBody>
+      </p:sp>
+    </p:spTree>
+  </p:cSld>
+  <p:clrMapOvr>
+    <a:masterClrMapping/>
+  </p:clrMapOvr>
+</p:notes>
+</file>
+
+<file path=ppt/notesSlides/notesSlide11.xml><?xml version="1.0" encoding="utf-8"?>
 <p:notes xmlns:a="http://schemas.openxmlformats.org/drawingml/2006/main" xmlns:r="http://schemas.openxmlformats.org/officeDocument/2006/relationships" xmlns:p="http://schemas.openxmlformats.org/presentationml/2006/main">
   <p:cSld>
     <p:spTree>
@@ -1179,27 +920,27 @@
           <a:p>
             <a:pPr marL="0" lvl="1"/>
             <a:r>
-              <a:rPr lang="zh-CN" altLang="zh-CN" sz="1600" smtClean="0">
+              <a:rPr lang="zh-CN" altLang="zh-CN" sz="1600" dirty="0" smtClean="0">
                 <a:latin typeface="Arial" charset="0"/>
                 <a:ea typeface="宋体" charset="-122"/>
               </a:rPr>
               <a:t>骨骼</a:t>
             </a:r>
             <a:r>
-              <a:rPr lang="en-US" altLang="zh-CN" sz="1600" smtClean="0">
+              <a:rPr lang="en-US" altLang="zh-CN" sz="1600" dirty="0" err="1" smtClean="0">
                 <a:latin typeface="Arial" charset="0"/>
                 <a:ea typeface="宋体" charset="-122"/>
               </a:rPr>
               <a:t>Lod</a:t>
             </a:r>
             <a:r>
-              <a:rPr lang="zh-CN" altLang="en-US" sz="1600" smtClean="0">
+              <a:rPr lang="zh-CN" altLang="en-US" sz="1600" dirty="0" smtClean="0">
                 <a:latin typeface="Arial" charset="0"/>
                 <a:ea typeface="宋体" charset="-122"/>
               </a:rPr>
               <a:t>：</a:t>
             </a:r>
-            <a:endParaRPr lang="en-US" altLang="zh-CN" sz="1600" smtClean="0">
+            <a:endParaRPr lang="en-US" altLang="zh-CN" sz="1600" dirty="0" smtClean="0">
               <a:latin typeface="Arial" charset="0"/>
               <a:ea typeface="宋体" charset="-122"/>
             </a:endParaRPr>
@@ -1207,62 +948,62 @@
           <a:p>
             <a:pPr marL="0" lvl="1"/>
             <a:r>
-              <a:rPr lang="en-US" altLang="zh-CN" sz="1600" smtClean="0">
+              <a:rPr lang="en-US" altLang="zh-CN" sz="1600" dirty="0" smtClean="0">
                 <a:latin typeface="Arial" charset="0"/>
                 <a:ea typeface="宋体" charset="-122"/>
               </a:rPr>
               <a:t>	</a:t>
             </a:r>
             <a:r>
-              <a:rPr lang="zh-CN" altLang="en-US" sz="1600" smtClean="0">
+              <a:rPr lang="zh-CN" altLang="en-US" sz="1600" dirty="0" smtClean="0">
                 <a:latin typeface="Arial" charset="0"/>
                 <a:ea typeface="宋体" charset="-122"/>
               </a:rPr>
               <a:t>服务器动画只需要关系骨骼树上的主干部分（</a:t>
             </a:r>
             <a:r>
-              <a:rPr lang="en-US" altLang="zh-CN" sz="1600" smtClean="0">
+              <a:rPr lang="en-US" altLang="zh-CN" sz="1600" dirty="0" smtClean="0">
                 <a:latin typeface="Arial" charset="0"/>
                 <a:ea typeface="宋体" charset="-122"/>
               </a:rPr>
               <a:t>14</a:t>
             </a:r>
             <a:r>
-              <a:rPr lang="zh-CN" altLang="en-US" sz="1600" smtClean="0">
+              <a:rPr lang="zh-CN" altLang="en-US" sz="1600" dirty="0" smtClean="0">
                 <a:latin typeface="Arial" charset="0"/>
                 <a:ea typeface="宋体" charset="-122"/>
               </a:rPr>
               <a:t>），而客户端需要完整表现的骨骼数量（</a:t>
             </a:r>
             <a:r>
-              <a:rPr lang="en-US" altLang="zh-CN" sz="1600" smtClean="0">
+              <a:rPr lang="en-US" altLang="zh-CN" sz="1600" dirty="0" smtClean="0">
                 <a:latin typeface="Arial" charset="0"/>
                 <a:ea typeface="宋体" charset="-122"/>
               </a:rPr>
               <a:t>55</a:t>
             </a:r>
             <a:r>
-              <a:rPr lang="zh-CN" altLang="en-US" sz="1600" smtClean="0">
+              <a:rPr lang="zh-CN" altLang="en-US" sz="1600" dirty="0" smtClean="0">
                 <a:latin typeface="Arial" charset="0"/>
                 <a:ea typeface="宋体" charset="-122"/>
               </a:rPr>
               <a:t>），通过</a:t>
             </a:r>
             <a:r>
-              <a:rPr lang="en-US" altLang="zh-CN" sz="1600" smtClean="0">
+              <a:rPr lang="en-US" altLang="zh-CN" sz="1600" dirty="0" smtClean="0">
                 <a:latin typeface="Arial" charset="0"/>
                 <a:ea typeface="宋体" charset="-122"/>
               </a:rPr>
               <a:t>LOD</a:t>
             </a:r>
             <a:r>
-              <a:rPr lang="zh-CN" altLang="en-US" sz="1600" smtClean="0">
+              <a:rPr lang="zh-CN" altLang="en-US" sz="1600" dirty="0" smtClean="0">
                 <a:latin typeface="Arial" charset="0"/>
                 <a:ea typeface="宋体" charset="-122"/>
               </a:rPr>
               <a:t>控制服务器动画只更新主干部分</a:t>
             </a:r>
-            <a:endParaRPr lang="en-US" altLang="zh-CN" sz="1600" smtClean="0">
+            <a:endParaRPr lang="en-US" altLang="zh-CN" sz="1600" dirty="0" smtClean="0">
               <a:latin typeface="Arial" charset="0"/>
               <a:ea typeface="宋体" charset="-122"/>
             </a:endParaRPr>
@@ -1270,284 +1011,291 @@
           <a:p>
             <a:pPr marL="0" lvl="1"/>
             <a:r>
-              <a:rPr lang="en-US" altLang="zh-CN" sz="1600" smtClean="0">
+              <a:rPr lang="en-US" altLang="zh-CN" sz="1600" dirty="0" smtClean="0">
                 <a:latin typeface="Arial" charset="0"/>
                 <a:ea typeface="宋体" charset="-122"/>
               </a:rPr>
               <a:t>Behavior Tree Reducing</a:t>
             </a:r>
             <a:r>
-              <a:rPr lang="zh-CN" altLang="en-US" sz="1600" smtClean="0">
+              <a:rPr lang="zh-CN" altLang="en-US" sz="1600" dirty="0" smtClean="0">
                 <a:latin typeface="Arial" charset="0"/>
                 <a:ea typeface="宋体" charset="-122"/>
               </a:rPr>
               <a:t>：</a:t>
             </a:r>
-            <a:endParaRPr lang="en-US" altLang="zh-CN" sz="1600" smtClean="0">
+            <a:endParaRPr lang="en-US" altLang="zh-CN" sz="1600" dirty="0" smtClean="0">
               <a:latin typeface="Arial" charset="0"/>
               <a:ea typeface="宋体" charset="-122"/>
             </a:endParaRPr>
           </a:p>
           <a:p>
             <a:r>
-              <a:rPr lang="en-US" altLang="zh-CN" smtClean="0">
+              <a:rPr lang="en-US" altLang="zh-CN" dirty="0" smtClean="0">
                 <a:latin typeface="Arial" charset="0"/>
                 <a:ea typeface="宋体" charset="-122"/>
               </a:rPr>
               <a:t>	</a:t>
             </a:r>
             <a:r>
-              <a:rPr lang="zh-CN" altLang="en-US" smtClean="0">
+              <a:rPr lang="zh-CN" altLang="en-US" dirty="0" smtClean="0">
                 <a:latin typeface="Arial" charset="0"/>
                 <a:ea typeface="宋体" charset="-122"/>
               </a:rPr>
               <a:t>简化动画行为树的实现，包括简化</a:t>
             </a:r>
             <a:r>
-              <a:rPr lang="en-US" altLang="zh-CN" smtClean="0">
+              <a:rPr lang="en-US" altLang="zh-CN" dirty="0" smtClean="0">
                 <a:latin typeface="Arial" charset="0"/>
                 <a:ea typeface="宋体" charset="-122"/>
               </a:rPr>
-              <a:t>Active Nodes</a:t>
-            </a:r>
-            <a:r>
-              <a:rPr lang="zh-CN" altLang="en-US" smtClean="0">
+              <a:t>Active </a:t>
+            </a:r>
+            <a:r>
+              <a:rPr lang="en-US" altLang="zh-CN" b="1" dirty="0" smtClean="0">
+                <a:latin typeface="Arial" charset="0"/>
+                <a:ea typeface="宋体" charset="-122"/>
+              </a:rPr>
+              <a:t>Nodes</a:t>
+            </a:r>
+            <a:r>
+              <a:rPr lang="zh-CN" altLang="en-US" dirty="0" smtClean="0">
                 <a:latin typeface="Arial" charset="0"/>
                 <a:ea typeface="宋体" charset="-122"/>
               </a:rPr>
               <a:t>，</a:t>
             </a:r>
             <a:r>
-              <a:rPr lang="en-US" altLang="zh-CN" smtClean="0">
+              <a:rPr lang="en-US" altLang="zh-CN" dirty="0" smtClean="0">
                 <a:latin typeface="Arial" charset="0"/>
                 <a:ea typeface="宋体" charset="-122"/>
               </a:rPr>
               <a:t>Layer</a:t>
             </a:r>
             <a:r>
-              <a:rPr lang="zh-CN" altLang="en-US" smtClean="0">
+              <a:rPr lang="zh-CN" altLang="en-US" dirty="0" smtClean="0">
                 <a:latin typeface="Arial" charset="0"/>
                 <a:ea typeface="宋体" charset="-122"/>
               </a:rPr>
               <a:t>，</a:t>
             </a:r>
             <a:r>
-              <a:rPr lang="en-US" altLang="zh-CN" smtClean="0">
+              <a:rPr lang="en-US" altLang="zh-CN" dirty="0" smtClean="0">
                 <a:latin typeface="Arial" charset="0"/>
                 <a:ea typeface="宋体" charset="-122"/>
               </a:rPr>
               <a:t>Tree Deep Level</a:t>
             </a:r>
             <a:r>
-              <a:rPr lang="zh-CN" altLang="en-US" smtClean="0">
+              <a:rPr lang="zh-CN" altLang="en-US" dirty="0" smtClean="0">
                 <a:latin typeface="Arial" charset="0"/>
                 <a:ea typeface="宋体" charset="-122"/>
               </a:rPr>
               <a:t>，从而提升动画更新的效率</a:t>
             </a:r>
-            <a:endParaRPr lang="en-US" altLang="zh-CN" smtClean="0">
+            <a:endParaRPr lang="en-US" altLang="zh-CN" dirty="0" smtClean="0">
               <a:latin typeface="Arial" charset="0"/>
               <a:ea typeface="宋体" charset="-122"/>
             </a:endParaRPr>
           </a:p>
           <a:p>
             <a:r>
-              <a:rPr lang="zh-CN" altLang="en-US" smtClean="0">
+              <a:rPr lang="zh-CN" altLang="en-US" dirty="0" smtClean="0">
                 <a:latin typeface="Arial" charset="0"/>
                 <a:ea typeface="宋体" charset="-122"/>
               </a:rPr>
               <a:t>关键刚体优先原则：</a:t>
             </a:r>
-            <a:endParaRPr lang="en-US" altLang="zh-CN" smtClean="0">
+            <a:endParaRPr lang="en-US" altLang="zh-CN" dirty="0" smtClean="0">
               <a:latin typeface="Arial" charset="0"/>
               <a:ea typeface="宋体" charset="-122"/>
             </a:endParaRPr>
           </a:p>
           <a:p>
             <a:r>
-              <a:rPr lang="en-US" altLang="zh-CN" smtClean="0">
+              <a:rPr lang="en-US" altLang="zh-CN" dirty="0" smtClean="0">
                 <a:latin typeface="Arial" charset="0"/>
                 <a:ea typeface="宋体" charset="-122"/>
               </a:rPr>
               <a:t>	</a:t>
             </a:r>
             <a:r>
-              <a:rPr lang="zh-CN" altLang="en-US" smtClean="0">
+              <a:rPr lang="zh-CN" altLang="en-US" dirty="0" smtClean="0">
                 <a:latin typeface="Arial" charset="0"/>
                 <a:ea typeface="宋体" charset="-122"/>
               </a:rPr>
               <a:t>参与物理碰撞的刚体只需要关键的头部，上半身和下半身以及武器</a:t>
             </a:r>
-            <a:endParaRPr lang="en-US" altLang="zh-CN" smtClean="0">
+            <a:endParaRPr lang="en-US" altLang="zh-CN" dirty="0" smtClean="0">
               <a:latin typeface="Arial" charset="0"/>
               <a:ea typeface="宋体" charset="-122"/>
             </a:endParaRPr>
           </a:p>
           <a:p>
             <a:r>
-              <a:rPr lang="zh-CN" altLang="en-US" smtClean="0">
+              <a:rPr lang="zh-CN" altLang="en-US" dirty="0" smtClean="0">
                 <a:latin typeface="Arial" charset="0"/>
                 <a:ea typeface="宋体" charset="-122"/>
               </a:rPr>
               <a:t>关键状态优先原则：</a:t>
             </a:r>
-            <a:endParaRPr lang="en-US" altLang="zh-CN" smtClean="0">
+            <a:endParaRPr lang="en-US" altLang="zh-CN" dirty="0" smtClean="0">
               <a:latin typeface="Arial" charset="0"/>
               <a:ea typeface="宋体" charset="-122"/>
             </a:endParaRPr>
           </a:p>
           <a:p>
             <a:r>
-              <a:rPr lang="en-US" altLang="zh-CN" smtClean="0">
+              <a:rPr lang="en-US" altLang="zh-CN" dirty="0" smtClean="0">
                 <a:latin typeface="Arial" charset="0"/>
                 <a:ea typeface="宋体" charset="-122"/>
               </a:rPr>
               <a:t>	</a:t>
             </a:r>
             <a:r>
-              <a:rPr lang="zh-CN" altLang="en-US" smtClean="0">
+              <a:rPr lang="zh-CN" altLang="en-US" dirty="0" smtClean="0">
                 <a:latin typeface="Arial" charset="0"/>
                 <a:ea typeface="宋体" charset="-122"/>
               </a:rPr>
               <a:t>会产生战斗结果的状态：攻击过程和防御过程</a:t>
             </a:r>
-            <a:endParaRPr lang="en-US" altLang="zh-CN" smtClean="0">
+            <a:endParaRPr lang="en-US" altLang="zh-CN" dirty="0" smtClean="0">
               <a:latin typeface="Arial" charset="0"/>
               <a:ea typeface="宋体" charset="-122"/>
             </a:endParaRPr>
           </a:p>
           <a:p>
             <a:r>
-              <a:rPr lang="en-US" altLang="zh-CN" smtClean="0">
+              <a:rPr lang="en-US" altLang="zh-CN" dirty="0" err="1" smtClean="0">
                 <a:latin typeface="Arial" charset="0"/>
                 <a:ea typeface="宋体" charset="-122"/>
               </a:rPr>
               <a:t>Keyframing</a:t>
             </a:r>
             <a:r>
-              <a:rPr lang="zh-CN" altLang="en-US" smtClean="0">
+              <a:rPr lang="zh-CN" altLang="en-US" dirty="0" smtClean="0">
                 <a:latin typeface="Arial" charset="0"/>
                 <a:ea typeface="宋体" charset="-122"/>
               </a:rPr>
               <a:t>：</a:t>
             </a:r>
-            <a:endParaRPr lang="en-US" altLang="zh-CN" smtClean="0">
+            <a:endParaRPr lang="en-US" altLang="zh-CN" dirty="0" smtClean="0">
               <a:latin typeface="Arial" charset="0"/>
               <a:ea typeface="宋体" charset="-122"/>
             </a:endParaRPr>
           </a:p>
           <a:p>
             <a:r>
-              <a:rPr lang="en-US" altLang="zh-CN" smtClean="0">
+              <a:rPr lang="en-US" altLang="zh-CN" dirty="0" smtClean="0">
                 <a:latin typeface="Arial" charset="0"/>
                 <a:ea typeface="宋体" charset="-122"/>
               </a:rPr>
               <a:t>	</a:t>
             </a:r>
             <a:r>
-              <a:rPr lang="zh-CN" altLang="en-US" smtClean="0">
+              <a:rPr lang="zh-CN" altLang="en-US" dirty="0" smtClean="0">
                 <a:latin typeface="Arial" charset="0"/>
                 <a:ea typeface="宋体" charset="-122"/>
               </a:rPr>
               <a:t>动画产生的骨骼</a:t>
             </a:r>
             <a:r>
-              <a:rPr lang="en-US" altLang="zh-CN" smtClean="0">
+              <a:rPr lang="en-US" altLang="zh-CN" dirty="0" smtClean="0">
                 <a:latin typeface="Arial" charset="0"/>
                 <a:ea typeface="宋体" charset="-122"/>
               </a:rPr>
               <a:t>Pose</a:t>
             </a:r>
             <a:r>
-              <a:rPr lang="zh-CN" altLang="en-US" smtClean="0">
+              <a:rPr lang="zh-CN" altLang="en-US" dirty="0" smtClean="0">
                 <a:latin typeface="Arial" charset="0"/>
                 <a:ea typeface="宋体" charset="-122"/>
               </a:rPr>
               <a:t>换算为对应刚体的线性速度和角速度，然后由物理世界模拟，在物理世界中直接设置刚体位置和通过速度移动到某个位置，前者性能消耗相当于重新更新了一次物理世界</a:t>
             </a:r>
-            <a:endParaRPr lang="en-US" altLang="zh-CN" smtClean="0">
+            <a:endParaRPr lang="en-US" altLang="zh-CN" dirty="0" smtClean="0">
               <a:latin typeface="Arial" charset="0"/>
               <a:ea typeface="宋体" charset="-122"/>
             </a:endParaRPr>
           </a:p>
           <a:p>
             <a:r>
-              <a:rPr lang="en-US" altLang="zh-CN" smtClean="0">
+              <a:rPr lang="en-US" altLang="zh-CN" dirty="0" smtClean="0">
                 <a:latin typeface="Arial" charset="0"/>
                 <a:ea typeface="宋体" charset="-122"/>
               </a:rPr>
               <a:t>	</a:t>
             </a:r>
             <a:r>
-              <a:rPr lang="zh-CN" altLang="en-US" smtClean="0">
+              <a:rPr lang="zh-CN" altLang="en-US" dirty="0" smtClean="0">
                 <a:latin typeface="Arial" charset="0"/>
                 <a:ea typeface="宋体" charset="-122"/>
               </a:rPr>
               <a:t>这样当有</a:t>
             </a:r>
             <a:r>
-              <a:rPr lang="en-US" altLang="zh-CN" smtClean="0">
+              <a:rPr lang="en-US" altLang="zh-CN" dirty="0" smtClean="0">
                 <a:latin typeface="Arial" charset="0"/>
                 <a:ea typeface="宋体" charset="-122"/>
               </a:rPr>
               <a:t>100</a:t>
             </a:r>
             <a:r>
-              <a:rPr lang="zh-CN" altLang="en-US" smtClean="0">
+              <a:rPr lang="zh-CN" altLang="en-US" dirty="0" smtClean="0">
                 <a:latin typeface="Arial" charset="0"/>
                 <a:ea typeface="宋体" charset="-122"/>
               </a:rPr>
               <a:t>个刚体时，前者相当于更新了</a:t>
             </a:r>
             <a:r>
-              <a:rPr lang="en-US" altLang="zh-CN" smtClean="0">
+              <a:rPr lang="en-US" altLang="zh-CN" dirty="0" smtClean="0">
                 <a:latin typeface="Arial" charset="0"/>
                 <a:ea typeface="宋体" charset="-122"/>
               </a:rPr>
               <a:t>100</a:t>
             </a:r>
             <a:r>
-              <a:rPr lang="zh-CN" altLang="en-US" smtClean="0">
+              <a:rPr lang="zh-CN" altLang="en-US" dirty="0" smtClean="0">
                 <a:latin typeface="Arial" charset="0"/>
                 <a:ea typeface="宋体" charset="-122"/>
               </a:rPr>
               <a:t>次物理世界，而后者只需要一次</a:t>
             </a:r>
-            <a:endParaRPr lang="en-US" altLang="zh-CN" smtClean="0">
+            <a:endParaRPr lang="en-US" altLang="zh-CN" dirty="0" smtClean="0">
               <a:latin typeface="Arial" charset="0"/>
               <a:ea typeface="宋体" charset="-122"/>
             </a:endParaRPr>
           </a:p>
           <a:p>
             <a:r>
-              <a:rPr lang="en-US" altLang="zh-CN" smtClean="0">
+              <a:rPr lang="en-US" altLang="zh-CN" dirty="0" smtClean="0">
                 <a:latin typeface="Arial" charset="0"/>
                 <a:ea typeface="宋体" charset="-122"/>
               </a:rPr>
               <a:t>TOI</a:t>
             </a:r>
             <a:r>
-              <a:rPr lang="zh-CN" altLang="en-US" smtClean="0">
+              <a:rPr lang="zh-CN" altLang="en-US" dirty="0" smtClean="0">
                 <a:latin typeface="Arial" charset="0"/>
                 <a:ea typeface="宋体" charset="-122"/>
               </a:rPr>
               <a:t>机制：</a:t>
             </a:r>
-            <a:endParaRPr lang="en-US" altLang="zh-CN" smtClean="0">
+            <a:endParaRPr lang="en-US" altLang="zh-CN" dirty="0" smtClean="0">
               <a:latin typeface="Arial" charset="0"/>
               <a:ea typeface="宋体" charset="-122"/>
             </a:endParaRPr>
           </a:p>
           <a:p>
             <a:r>
-              <a:rPr lang="en-US" altLang="zh-CN" smtClean="0">
+              <a:rPr lang="en-US" altLang="zh-CN" dirty="0" smtClean="0">
                 <a:latin typeface="Arial" charset="0"/>
                 <a:ea typeface="宋体" charset="-122"/>
               </a:rPr>
               <a:t>	</a:t>
             </a:r>
             <a:r>
-              <a:rPr lang="zh-CN" altLang="en-US" smtClean="0">
+              <a:rPr lang="zh-CN" altLang="en-US" dirty="0" smtClean="0">
                 <a:latin typeface="Arial" charset="0"/>
                 <a:ea typeface="宋体" charset="-122"/>
               </a:rPr>
@@ -1576,7 +1324,7 @@
             <a:fld id="{998AB4AB-AAD2-4EE6-B955-BB4D761210AC}" type="slidenum">
               <a:rPr lang="zh-CN" altLang="en-US"/>
               <a:pPr/>
-              <a:t>5</a:t>
+              <a:t>12</a:t>
             </a:fld>
             <a:endParaRPr lang="en-US" altLang="zh-CN"/>
           </a:p>
@@ -1590,7 +1338,7 @@
 </p:notes>
 </file>
 
-<file path=ppt/notesSlides/notesSlide3.xml><?xml version="1.0" encoding="utf-8"?>
+<file path=ppt/notesSlides/notesSlide12.xml><?xml version="1.0" encoding="utf-8"?>
 <p:notes xmlns:a="http://schemas.openxmlformats.org/drawingml/2006/main" xmlns:r="http://schemas.openxmlformats.org/officeDocument/2006/relationships" xmlns:p="http://schemas.openxmlformats.org/presentationml/2006/main">
   <p:cSld>
     <p:spTree>
@@ -1771,7 +1519,7 @@
             <a:fld id="{8C3FEFDE-2263-417D-8C97-29737050E476}" type="slidenum">
               <a:rPr lang="zh-CN" altLang="en-US"/>
               <a:pPr/>
-              <a:t>7</a:t>
+              <a:t>14</a:t>
             </a:fld>
             <a:endParaRPr lang="en-US" altLang="zh-CN"/>
           </a:p>
@@ -1785,7 +1533,7 @@
 </p:notes>
 </file>
 
-<file path=ppt/notesSlides/notesSlide4.xml><?xml version="1.0" encoding="utf-8"?>
+<file path=ppt/notesSlides/notesSlide13.xml><?xml version="1.0" encoding="utf-8"?>
 <p:notes xmlns:a="http://schemas.openxmlformats.org/drawingml/2006/main" xmlns:r="http://schemas.openxmlformats.org/officeDocument/2006/relationships" xmlns:p="http://schemas.openxmlformats.org/presentationml/2006/main">
   <p:cSld>
     <p:spTree>
@@ -1935,7 +1683,1101 @@
             <a:fld id="{1B4A423A-AC70-438E-9986-6DE11AC5C74F}" type="slidenum">
               <a:rPr lang="zh-CN" altLang="en-US"/>
               <a:pPr/>
+              <a:t>15</a:t>
+            </a:fld>
+            <a:endParaRPr lang="en-US" altLang="zh-CN"/>
+          </a:p>
+        </p:txBody>
+      </p:sp>
+    </p:spTree>
+  </p:cSld>
+  <p:clrMapOvr>
+    <a:masterClrMapping/>
+  </p:clrMapOvr>
+</p:notes>
+</file>
+
+<file path=ppt/notesSlides/notesSlide2.xml><?xml version="1.0" encoding="utf-8"?>
+<p:notes xmlns:a="http://schemas.openxmlformats.org/drawingml/2006/main" xmlns:r="http://schemas.openxmlformats.org/officeDocument/2006/relationships" xmlns:p="http://schemas.openxmlformats.org/presentationml/2006/main">
+  <p:cSld>
+    <p:spTree>
+      <p:nvGrpSpPr>
+        <p:cNvPr id="1" name=""/>
+        <p:cNvGrpSpPr/>
+        <p:nvPr/>
+      </p:nvGrpSpPr>
+      <p:grpSpPr>
+        <a:xfrm>
+          <a:off x="0" y="0"/>
+          <a:ext cx="0" cy="0"/>
+          <a:chOff x="0" y="0"/>
+          <a:chExt cx="0" cy="0"/>
+        </a:xfrm>
+      </p:grpSpPr>
+      <p:sp>
+        <p:nvSpPr>
+          <p:cNvPr id="2" name="幻灯片图像占位符 1"/>
+          <p:cNvSpPr>
+            <a:spLocks noGrp="1" noRot="1" noChangeAspect="1"/>
+          </p:cNvSpPr>
+          <p:nvPr>
+            <p:ph type="sldImg"/>
+          </p:nvPr>
+        </p:nvSpPr>
+        <p:spPr/>
+      </p:sp>
+      <p:sp>
+        <p:nvSpPr>
+          <p:cNvPr id="3" name="备注占位符 2"/>
+          <p:cNvSpPr>
+            <a:spLocks noGrp="1"/>
+          </p:cNvSpPr>
+          <p:nvPr>
+            <p:ph type="body" idx="1"/>
+          </p:nvPr>
+        </p:nvSpPr>
+        <p:spPr/>
+        <p:txBody>
+          <a:bodyPr>
+            <a:normAutofit/>
+          </a:bodyPr>
+          <a:lstStyle/>
+          <a:p>
+            <a:r>
+              <a:rPr lang="zh-CN" altLang="en-US" dirty="0" smtClean="0"/>
+              <a:t>简介</a:t>
+            </a:r>
+            <a:r>
+              <a:rPr lang="en-US" altLang="zh-CN" dirty="0" smtClean="0"/>
+              <a:t>CE</a:t>
+            </a:r>
+            <a:r>
+              <a:rPr lang="zh-CN" altLang="en-US" dirty="0" smtClean="0"/>
+              <a:t>的</a:t>
+            </a:r>
+            <a:r>
+              <a:rPr lang="en-US" altLang="zh-CN" dirty="0" smtClean="0"/>
+              <a:t>entity</a:t>
+            </a:r>
+            <a:r>
+              <a:rPr lang="zh-CN" altLang="en-US" dirty="0" smtClean="0"/>
+              <a:t>系统，各大模块</a:t>
+            </a:r>
+            <a:r>
+              <a:rPr lang="en-US" altLang="zh-CN" dirty="0" smtClean="0"/>
+              <a:t>proxy</a:t>
+            </a:r>
+          </a:p>
+          <a:p>
+            <a:r>
+              <a:rPr lang="en-US" altLang="zh-CN" dirty="0" err="1" smtClean="0"/>
+              <a:t>Lua</a:t>
+            </a:r>
+            <a:r>
+              <a:rPr lang="zh-CN" altLang="en-US" dirty="0" smtClean="0"/>
+              <a:t>主导，</a:t>
+            </a:r>
+            <a:r>
+              <a:rPr lang="en-US" altLang="zh-CN" dirty="0" err="1" smtClean="0"/>
+              <a:t>lua</a:t>
+            </a:r>
+            <a:r>
+              <a:rPr lang="zh-CN" altLang="en-US" dirty="0" smtClean="0"/>
+              <a:t>文件定义</a:t>
+            </a:r>
+            <a:r>
+              <a:rPr lang="en-US" altLang="zh-CN" dirty="0" smtClean="0"/>
+              <a:t>entity</a:t>
+            </a:r>
+            <a:r>
+              <a:rPr lang="zh-CN" altLang="en-US" dirty="0" smtClean="0"/>
+              <a:t>类型，定义属性和方法</a:t>
+            </a:r>
+            <a:endParaRPr lang="en-US" altLang="zh-CN" dirty="0" smtClean="0"/>
+          </a:p>
+          <a:p>
+            <a:r>
+              <a:rPr lang="zh-CN" altLang="en-US" dirty="0" smtClean="0"/>
+              <a:t>用</a:t>
+            </a:r>
+            <a:r>
+              <a:rPr lang="en-US" altLang="zh-CN" dirty="0" err="1" smtClean="0"/>
+              <a:t>lua</a:t>
+            </a:r>
+            <a:r>
+              <a:rPr lang="zh-CN" altLang="en-US" dirty="0" smtClean="0"/>
+              <a:t>创建，表复制，函数共享，通过</a:t>
+            </a:r>
+            <a:r>
+              <a:rPr lang="en-US" altLang="zh-CN" dirty="0" err="1" smtClean="0"/>
+              <a:t>lua</a:t>
+            </a:r>
+            <a:r>
+              <a:rPr lang="zh-CN" altLang="en-US" dirty="0" smtClean="0"/>
+              <a:t>初始化物理，渲染等</a:t>
+            </a:r>
+            <a:endParaRPr lang="en-US" altLang="zh-CN" dirty="0" smtClean="0"/>
+          </a:p>
+          <a:p>
+            <a:endParaRPr lang="zh-CN" altLang="en-US" dirty="0"/>
+          </a:p>
+        </p:txBody>
+      </p:sp>
+      <p:sp>
+        <p:nvSpPr>
+          <p:cNvPr id="4" name="灯片编号占位符 3"/>
+          <p:cNvSpPr>
+            <a:spLocks noGrp="1"/>
+          </p:cNvSpPr>
+          <p:nvPr>
+            <p:ph type="sldNum" sz="quarter" idx="10"/>
+          </p:nvPr>
+        </p:nvSpPr>
+        <p:spPr/>
+        <p:txBody>
+          <a:bodyPr/>
+          <a:lstStyle/>
+          <a:p>
+            <a:fld id="{287CCF68-D40B-4599-926A-7A0EC2D9742D}" type="slidenum">
+              <a:rPr lang="zh-CN" altLang="en-US" smtClean="0"/>
+              <a:pPr/>
+              <a:t>3</a:t>
+            </a:fld>
+            <a:endParaRPr lang="en-US" altLang="zh-CN"/>
+          </a:p>
+        </p:txBody>
+      </p:sp>
+    </p:spTree>
+  </p:cSld>
+  <p:clrMapOvr>
+    <a:masterClrMapping/>
+  </p:clrMapOvr>
+</p:notes>
+</file>
+
+<file path=ppt/notesSlides/notesSlide3.xml><?xml version="1.0" encoding="utf-8"?>
+<p:notes xmlns:a="http://schemas.openxmlformats.org/drawingml/2006/main" xmlns:r="http://schemas.openxmlformats.org/officeDocument/2006/relationships" xmlns:p="http://schemas.openxmlformats.org/presentationml/2006/main">
+  <p:cSld>
+    <p:spTree>
+      <p:nvGrpSpPr>
+        <p:cNvPr id="1" name=""/>
+        <p:cNvGrpSpPr/>
+        <p:nvPr/>
+      </p:nvGrpSpPr>
+      <p:grpSpPr>
+        <a:xfrm>
+          <a:off x="0" y="0"/>
+          <a:ext cx="0" cy="0"/>
+          <a:chOff x="0" y="0"/>
+          <a:chExt cx="0" cy="0"/>
+        </a:xfrm>
+      </p:grpSpPr>
+      <p:sp>
+        <p:nvSpPr>
+          <p:cNvPr id="2" name="幻灯片图像占位符 1"/>
+          <p:cNvSpPr>
+            <a:spLocks noGrp="1" noRot="1" noChangeAspect="1"/>
+          </p:cNvSpPr>
+          <p:nvPr>
+            <p:ph type="sldImg"/>
+          </p:nvPr>
+        </p:nvSpPr>
+        <p:spPr/>
+      </p:sp>
+      <p:sp>
+        <p:nvSpPr>
+          <p:cNvPr id="3" name="备注占位符 2"/>
+          <p:cNvSpPr>
+            <a:spLocks noGrp="1"/>
+          </p:cNvSpPr>
+          <p:nvPr>
+            <p:ph type="body" idx="1"/>
+          </p:nvPr>
+        </p:nvSpPr>
+        <p:spPr/>
+        <p:txBody>
+          <a:bodyPr>
+            <a:normAutofit/>
+          </a:bodyPr>
+          <a:lstStyle/>
+          <a:p>
+            <a:r>
+              <a:rPr lang="en-US" altLang="zh-CN" dirty="0" err="1" smtClean="0"/>
+              <a:t>Lua</a:t>
+            </a:r>
+            <a:r>
+              <a:rPr lang="zh-CN" altLang="en-US" dirty="0" smtClean="0"/>
+              <a:t>主导，</a:t>
+            </a:r>
+            <a:r>
+              <a:rPr lang="en-US" altLang="zh-CN" dirty="0" err="1" smtClean="0"/>
+              <a:t>lua</a:t>
+            </a:r>
+            <a:r>
+              <a:rPr lang="zh-CN" altLang="en-US" dirty="0" smtClean="0"/>
+              <a:t>文件定义</a:t>
+            </a:r>
+            <a:r>
+              <a:rPr lang="en-US" altLang="zh-CN" dirty="0" smtClean="0"/>
+              <a:t>entity</a:t>
+            </a:r>
+            <a:r>
+              <a:rPr lang="zh-CN" altLang="en-US" dirty="0" smtClean="0"/>
+              <a:t>类型，定义属性和方法</a:t>
+            </a:r>
+            <a:endParaRPr lang="en-US" altLang="zh-CN" dirty="0" smtClean="0"/>
+          </a:p>
+          <a:p>
+            <a:r>
+              <a:rPr lang="zh-CN" altLang="en-US" dirty="0" smtClean="0"/>
+              <a:t>用</a:t>
+            </a:r>
+            <a:r>
+              <a:rPr lang="en-US" altLang="zh-CN" dirty="0" err="1" smtClean="0"/>
+              <a:t>lua</a:t>
+            </a:r>
+            <a:r>
+              <a:rPr lang="zh-CN" altLang="en-US" dirty="0" smtClean="0"/>
+              <a:t>创建，表复制，函数共享，通过</a:t>
+            </a:r>
+            <a:r>
+              <a:rPr lang="en-US" altLang="zh-CN" dirty="0" err="1" smtClean="0"/>
+              <a:t>lua</a:t>
+            </a:r>
+            <a:r>
+              <a:rPr lang="zh-CN" altLang="en-US" dirty="0" smtClean="0"/>
+              <a:t>初始化物理，渲染等</a:t>
+            </a:r>
+            <a:endParaRPr lang="en-US" altLang="zh-CN" dirty="0" smtClean="0"/>
+          </a:p>
+          <a:p>
+            <a:endParaRPr lang="zh-CN" altLang="en-US" dirty="0"/>
+          </a:p>
+        </p:txBody>
+      </p:sp>
+      <p:sp>
+        <p:nvSpPr>
+          <p:cNvPr id="4" name="灯片编号占位符 3"/>
+          <p:cNvSpPr>
+            <a:spLocks noGrp="1"/>
+          </p:cNvSpPr>
+          <p:nvPr>
+            <p:ph type="sldNum" sz="quarter" idx="10"/>
+          </p:nvPr>
+        </p:nvSpPr>
+        <p:spPr/>
+        <p:txBody>
+          <a:bodyPr/>
+          <a:lstStyle/>
+          <a:p>
+            <a:fld id="{287CCF68-D40B-4599-926A-7A0EC2D9742D}" type="slidenum">
+              <a:rPr lang="zh-CN" altLang="en-US" smtClean="0"/>
+              <a:pPr/>
+              <a:t>4</a:t>
+            </a:fld>
+            <a:endParaRPr lang="en-US" altLang="zh-CN"/>
+          </a:p>
+        </p:txBody>
+      </p:sp>
+    </p:spTree>
+  </p:cSld>
+  <p:clrMapOvr>
+    <a:masterClrMapping/>
+  </p:clrMapOvr>
+</p:notes>
+</file>
+
+<file path=ppt/notesSlides/notesSlide4.xml><?xml version="1.0" encoding="utf-8"?>
+<p:notes xmlns:a="http://schemas.openxmlformats.org/drawingml/2006/main" xmlns:r="http://schemas.openxmlformats.org/officeDocument/2006/relationships" xmlns:p="http://schemas.openxmlformats.org/presentationml/2006/main">
+  <p:cSld>
+    <p:spTree>
+      <p:nvGrpSpPr>
+        <p:cNvPr id="1" name=""/>
+        <p:cNvGrpSpPr/>
+        <p:nvPr/>
+      </p:nvGrpSpPr>
+      <p:grpSpPr>
+        <a:xfrm>
+          <a:off x="0" y="0"/>
+          <a:ext cx="0" cy="0"/>
+          <a:chOff x="0" y="0"/>
+          <a:chExt cx="0" cy="0"/>
+        </a:xfrm>
+      </p:grpSpPr>
+      <p:sp>
+        <p:nvSpPr>
+          <p:cNvPr id="2" name="幻灯片图像占位符 1"/>
+          <p:cNvSpPr>
+            <a:spLocks noGrp="1" noRot="1" noChangeAspect="1"/>
+          </p:cNvSpPr>
+          <p:nvPr>
+            <p:ph type="sldImg"/>
+          </p:nvPr>
+        </p:nvSpPr>
+        <p:spPr/>
+      </p:sp>
+      <p:sp>
+        <p:nvSpPr>
+          <p:cNvPr id="3" name="备注占位符 2"/>
+          <p:cNvSpPr>
+            <a:spLocks noGrp="1"/>
+          </p:cNvSpPr>
+          <p:nvPr>
+            <p:ph type="body" idx="1"/>
+          </p:nvPr>
+        </p:nvSpPr>
+        <p:spPr/>
+        <p:txBody>
+          <a:bodyPr>
+            <a:normAutofit/>
+          </a:bodyPr>
+          <a:lstStyle/>
+          <a:p>
+            <a:r>
+              <a:rPr lang="en-US" altLang="zh-CN" dirty="0" smtClean="0"/>
+              <a:t>Flow</a:t>
+            </a:r>
+            <a:r>
+              <a:rPr lang="en-US" altLang="zh-CN" baseline="0" dirty="0" smtClean="0"/>
+              <a:t> graph a</a:t>
+            </a:r>
+            <a:r>
+              <a:rPr lang="zh-CN" altLang="en-US" baseline="0" dirty="0" smtClean="0"/>
+              <a:t>物件是可燃物（燃烧特效管理，燃烧传播）</a:t>
+            </a:r>
+            <a:endParaRPr lang="en-US" altLang="zh-CN" baseline="0" dirty="0" smtClean="0"/>
+          </a:p>
+          <a:p>
+            <a:r>
+              <a:rPr lang="en-US" altLang="zh-CN" baseline="0" dirty="0" smtClean="0"/>
+              <a:t>B</a:t>
+            </a:r>
+            <a:r>
+              <a:rPr lang="zh-CN" altLang="en-US" baseline="0" dirty="0" smtClean="0"/>
+              <a:t>是</a:t>
+            </a:r>
+            <a:r>
+              <a:rPr lang="en-US" altLang="zh-CN" baseline="0" dirty="0" err="1" smtClean="0"/>
+              <a:t>buffarea</a:t>
+            </a:r>
+            <a:r>
+              <a:rPr lang="zh-CN" altLang="en-US" baseline="0" dirty="0" smtClean="0"/>
+              <a:t>，可燃物当燃烧触发的时候可以</a:t>
+            </a:r>
+            <a:r>
+              <a:rPr lang="en-US" altLang="zh-CN" baseline="0" dirty="0" smtClean="0"/>
+              <a:t>enable </a:t>
+            </a:r>
+            <a:r>
+              <a:rPr lang="en-US" altLang="zh-CN" baseline="0" dirty="0" err="1" smtClean="0"/>
+              <a:t>buffarea</a:t>
+            </a:r>
+            <a:r>
+              <a:rPr lang="zh-CN" altLang="en-US" baseline="0" dirty="0" smtClean="0"/>
+              <a:t>生效，甚至设置加什么样的</a:t>
+            </a:r>
+            <a:r>
+              <a:rPr lang="en-US" altLang="zh-CN" baseline="0" dirty="0" smtClean="0"/>
+              <a:t>buff</a:t>
+            </a:r>
+          </a:p>
+          <a:p>
+            <a:r>
+              <a:rPr lang="zh-CN" altLang="en-US" baseline="0" dirty="0" smtClean="0"/>
+              <a:t>熄灭的时候</a:t>
+            </a:r>
+            <a:r>
+              <a:rPr lang="en-US" altLang="zh-CN" baseline="0" dirty="0" smtClean="0"/>
+              <a:t>disable </a:t>
+            </a:r>
+            <a:r>
+              <a:rPr lang="en-US" altLang="zh-CN" baseline="0" dirty="0" err="1" smtClean="0"/>
+              <a:t>buffarea</a:t>
+            </a:r>
+            <a:endParaRPr lang="zh-CN" altLang="en-US" dirty="0"/>
+          </a:p>
+        </p:txBody>
+      </p:sp>
+      <p:sp>
+        <p:nvSpPr>
+          <p:cNvPr id="4" name="灯片编号占位符 3"/>
+          <p:cNvSpPr>
+            <a:spLocks noGrp="1"/>
+          </p:cNvSpPr>
+          <p:nvPr>
+            <p:ph type="sldNum" sz="quarter" idx="10"/>
+          </p:nvPr>
+        </p:nvSpPr>
+        <p:spPr/>
+        <p:txBody>
+          <a:bodyPr/>
+          <a:lstStyle/>
+          <a:p>
+            <a:fld id="{287CCF68-D40B-4599-926A-7A0EC2D9742D}" type="slidenum">
+              <a:rPr lang="zh-CN" altLang="en-US" smtClean="0"/>
+              <a:pPr/>
+              <a:t>5</a:t>
+            </a:fld>
+            <a:endParaRPr lang="en-US" altLang="zh-CN"/>
+          </a:p>
+        </p:txBody>
+      </p:sp>
+    </p:spTree>
+  </p:cSld>
+  <p:clrMapOvr>
+    <a:masterClrMapping/>
+  </p:clrMapOvr>
+</p:notes>
+</file>
+
+<file path=ppt/notesSlides/notesSlide5.xml><?xml version="1.0" encoding="utf-8"?>
+<p:notes xmlns:a="http://schemas.openxmlformats.org/drawingml/2006/main" xmlns:r="http://schemas.openxmlformats.org/officeDocument/2006/relationships" xmlns:p="http://schemas.openxmlformats.org/presentationml/2006/main">
+  <p:cSld>
+    <p:spTree>
+      <p:nvGrpSpPr>
+        <p:cNvPr id="1" name=""/>
+        <p:cNvGrpSpPr/>
+        <p:nvPr/>
+      </p:nvGrpSpPr>
+      <p:grpSpPr>
+        <a:xfrm>
+          <a:off x="0" y="0"/>
+          <a:ext cx="0" cy="0"/>
+          <a:chOff x="0" y="0"/>
+          <a:chExt cx="0" cy="0"/>
+        </a:xfrm>
+      </p:grpSpPr>
+      <p:sp>
+        <p:nvSpPr>
+          <p:cNvPr id="2" name="幻灯片图像占位符 1"/>
+          <p:cNvSpPr>
+            <a:spLocks noGrp="1" noRot="1" noChangeAspect="1"/>
+          </p:cNvSpPr>
+          <p:nvPr>
+            <p:ph type="sldImg"/>
+          </p:nvPr>
+        </p:nvSpPr>
+        <p:spPr/>
+      </p:sp>
+      <p:sp>
+        <p:nvSpPr>
+          <p:cNvPr id="3" name="备注占位符 2"/>
+          <p:cNvSpPr>
+            <a:spLocks noGrp="1"/>
+          </p:cNvSpPr>
+          <p:nvPr>
+            <p:ph type="body" idx="1"/>
+          </p:nvPr>
+        </p:nvSpPr>
+        <p:spPr/>
+        <p:txBody>
+          <a:bodyPr>
+            <a:normAutofit/>
+          </a:bodyPr>
+          <a:lstStyle/>
+          <a:p>
+            <a:r>
+              <a:rPr lang="zh-CN" altLang="en-US" dirty="0" smtClean="0"/>
+              <a:t>简介</a:t>
+            </a:r>
+            <a:r>
+              <a:rPr lang="en-US" altLang="zh-CN" dirty="0" smtClean="0"/>
+              <a:t>CE</a:t>
+            </a:r>
+            <a:r>
+              <a:rPr lang="zh-CN" altLang="en-US" dirty="0" smtClean="0"/>
+              <a:t>的</a:t>
+            </a:r>
+            <a:r>
+              <a:rPr lang="en-US" altLang="zh-CN" dirty="0" smtClean="0"/>
+              <a:t>entity</a:t>
+            </a:r>
+            <a:r>
+              <a:rPr lang="zh-CN" altLang="en-US" dirty="0" smtClean="0"/>
+              <a:t>系统，</a:t>
+            </a:r>
+            <a:r>
+              <a:rPr lang="en-US" altLang="zh-CN" dirty="0" err="1" smtClean="0"/>
+              <a:t>lua</a:t>
+            </a:r>
+            <a:r>
+              <a:rPr lang="zh-CN" altLang="en-US" dirty="0" smtClean="0"/>
+              <a:t>主导，</a:t>
+            </a:r>
+            <a:r>
+              <a:rPr lang="en-US" altLang="zh-CN" dirty="0" smtClean="0"/>
+              <a:t>extension</a:t>
+            </a:r>
+            <a:r>
+              <a:rPr lang="zh-CN" altLang="en-US" dirty="0" smtClean="0"/>
+              <a:t>扩展方式约束</a:t>
+            </a:r>
+            <a:endParaRPr lang="zh-CN" altLang="en-US" dirty="0"/>
+          </a:p>
+        </p:txBody>
+      </p:sp>
+      <p:sp>
+        <p:nvSpPr>
+          <p:cNvPr id="4" name="灯片编号占位符 3"/>
+          <p:cNvSpPr>
+            <a:spLocks noGrp="1"/>
+          </p:cNvSpPr>
+          <p:nvPr>
+            <p:ph type="sldNum" sz="quarter" idx="10"/>
+          </p:nvPr>
+        </p:nvSpPr>
+        <p:spPr/>
+        <p:txBody>
+          <a:bodyPr/>
+          <a:lstStyle/>
+          <a:p>
+            <a:fld id="{287CCF68-D40B-4599-926A-7A0EC2D9742D}" type="slidenum">
+              <a:rPr lang="zh-CN" altLang="en-US" smtClean="0"/>
+              <a:pPr/>
+              <a:t>6</a:t>
+            </a:fld>
+            <a:endParaRPr lang="en-US" altLang="zh-CN"/>
+          </a:p>
+        </p:txBody>
+      </p:sp>
+    </p:spTree>
+  </p:cSld>
+  <p:clrMapOvr>
+    <a:masterClrMapping/>
+  </p:clrMapOvr>
+</p:notes>
+</file>
+
+<file path=ppt/notesSlides/notesSlide6.xml><?xml version="1.0" encoding="utf-8"?>
+<p:notes xmlns:a="http://schemas.openxmlformats.org/drawingml/2006/main" xmlns:r="http://schemas.openxmlformats.org/officeDocument/2006/relationships" xmlns:p="http://schemas.openxmlformats.org/presentationml/2006/main">
+  <p:cSld>
+    <p:spTree>
+      <p:nvGrpSpPr>
+        <p:cNvPr id="1" name=""/>
+        <p:cNvGrpSpPr/>
+        <p:nvPr/>
+      </p:nvGrpSpPr>
+      <p:grpSpPr>
+        <a:xfrm>
+          <a:off x="0" y="0"/>
+          <a:ext cx="0" cy="0"/>
+          <a:chOff x="0" y="0"/>
+          <a:chExt cx="0" cy="0"/>
+        </a:xfrm>
+      </p:grpSpPr>
+      <p:sp>
+        <p:nvSpPr>
+          <p:cNvPr id="2" name="幻灯片图像占位符 1"/>
+          <p:cNvSpPr>
+            <a:spLocks noGrp="1" noRot="1" noChangeAspect="1"/>
+          </p:cNvSpPr>
+          <p:nvPr>
+            <p:ph type="sldImg"/>
+          </p:nvPr>
+        </p:nvSpPr>
+        <p:spPr/>
+      </p:sp>
+      <p:sp>
+        <p:nvSpPr>
+          <p:cNvPr id="3" name="备注占位符 2"/>
+          <p:cNvSpPr>
+            <a:spLocks noGrp="1"/>
+          </p:cNvSpPr>
+          <p:nvPr>
+            <p:ph type="body" idx="1"/>
+          </p:nvPr>
+        </p:nvSpPr>
+        <p:spPr/>
+        <p:txBody>
+          <a:bodyPr>
+            <a:normAutofit/>
+          </a:bodyPr>
+          <a:lstStyle/>
+          <a:p>
+            <a:r>
+              <a:rPr lang="zh-CN" altLang="en-US" dirty="0" smtClean="0"/>
+              <a:t>简介</a:t>
+            </a:r>
+            <a:r>
+              <a:rPr lang="en-US" altLang="zh-CN" dirty="0" smtClean="0"/>
+              <a:t>CE</a:t>
+            </a:r>
+            <a:r>
+              <a:rPr lang="zh-CN" altLang="en-US" dirty="0" smtClean="0"/>
+              <a:t>的</a:t>
+            </a:r>
+            <a:r>
+              <a:rPr lang="en-US" altLang="zh-CN" dirty="0" smtClean="0"/>
+              <a:t>entity</a:t>
+            </a:r>
+            <a:r>
+              <a:rPr lang="zh-CN" altLang="en-US" dirty="0" smtClean="0"/>
+              <a:t>系统，</a:t>
+            </a:r>
+            <a:r>
+              <a:rPr lang="en-US" altLang="zh-CN" dirty="0" err="1" smtClean="0"/>
+              <a:t>lua</a:t>
+            </a:r>
+            <a:r>
+              <a:rPr lang="zh-CN" altLang="en-US" dirty="0" smtClean="0"/>
+              <a:t>主导，</a:t>
+            </a:r>
+            <a:r>
+              <a:rPr lang="en-US" altLang="zh-CN" dirty="0" smtClean="0"/>
+              <a:t>extension</a:t>
+            </a:r>
+            <a:r>
+              <a:rPr lang="zh-CN" altLang="en-US" dirty="0" smtClean="0"/>
+              <a:t>扩展方式约束</a:t>
+            </a:r>
+            <a:endParaRPr lang="zh-CN" altLang="en-US" dirty="0"/>
+          </a:p>
+        </p:txBody>
+      </p:sp>
+      <p:sp>
+        <p:nvSpPr>
+          <p:cNvPr id="4" name="灯片编号占位符 3"/>
+          <p:cNvSpPr>
+            <a:spLocks noGrp="1"/>
+          </p:cNvSpPr>
+          <p:nvPr>
+            <p:ph type="sldNum" sz="quarter" idx="10"/>
+          </p:nvPr>
+        </p:nvSpPr>
+        <p:spPr/>
+        <p:txBody>
+          <a:bodyPr/>
+          <a:lstStyle/>
+          <a:p>
+            <a:fld id="{287CCF68-D40B-4599-926A-7A0EC2D9742D}" type="slidenum">
+              <a:rPr lang="zh-CN" altLang="en-US" smtClean="0"/>
+              <a:pPr/>
+              <a:t>7</a:t>
+            </a:fld>
+            <a:endParaRPr lang="en-US" altLang="zh-CN"/>
+          </a:p>
+        </p:txBody>
+      </p:sp>
+    </p:spTree>
+  </p:cSld>
+  <p:clrMapOvr>
+    <a:masterClrMapping/>
+  </p:clrMapOvr>
+</p:notes>
+</file>
+
+<file path=ppt/notesSlides/notesSlide7.xml><?xml version="1.0" encoding="utf-8"?>
+<p:notes xmlns:a="http://schemas.openxmlformats.org/drawingml/2006/main" xmlns:r="http://schemas.openxmlformats.org/officeDocument/2006/relationships" xmlns:p="http://schemas.openxmlformats.org/presentationml/2006/main">
+  <p:cSld>
+    <p:spTree>
+      <p:nvGrpSpPr>
+        <p:cNvPr id="1" name=""/>
+        <p:cNvGrpSpPr/>
+        <p:nvPr/>
+      </p:nvGrpSpPr>
+      <p:grpSpPr>
+        <a:xfrm>
+          <a:off x="0" y="0"/>
+          <a:ext cx="0" cy="0"/>
+          <a:chOff x="0" y="0"/>
+          <a:chExt cx="0" cy="0"/>
+        </a:xfrm>
+      </p:grpSpPr>
+      <p:sp>
+        <p:nvSpPr>
+          <p:cNvPr id="2" name="幻灯片图像占位符 1"/>
+          <p:cNvSpPr>
+            <a:spLocks noGrp="1" noRot="1" noChangeAspect="1"/>
+          </p:cNvSpPr>
+          <p:nvPr>
+            <p:ph type="sldImg"/>
+          </p:nvPr>
+        </p:nvSpPr>
+        <p:spPr/>
+      </p:sp>
+      <p:sp>
+        <p:nvSpPr>
+          <p:cNvPr id="3" name="备注占位符 2"/>
+          <p:cNvSpPr>
+            <a:spLocks noGrp="1"/>
+          </p:cNvSpPr>
+          <p:nvPr>
+            <p:ph type="body" idx="1"/>
+          </p:nvPr>
+        </p:nvSpPr>
+        <p:spPr/>
+        <p:txBody>
+          <a:bodyPr>
+            <a:normAutofit/>
+          </a:bodyPr>
+          <a:lstStyle/>
+          <a:p>
+            <a:r>
+              <a:rPr lang="zh-CN" altLang="en-US" dirty="0" smtClean="0"/>
+              <a:t>简介</a:t>
+            </a:r>
+            <a:r>
+              <a:rPr lang="en-US" altLang="zh-CN" dirty="0" smtClean="0"/>
+              <a:t>CE</a:t>
+            </a:r>
+            <a:r>
+              <a:rPr lang="zh-CN" altLang="en-US" dirty="0" smtClean="0"/>
+              <a:t>的</a:t>
+            </a:r>
+            <a:r>
+              <a:rPr lang="en-US" altLang="zh-CN" dirty="0" smtClean="0"/>
+              <a:t>entity</a:t>
+            </a:r>
+            <a:r>
+              <a:rPr lang="zh-CN" altLang="en-US" dirty="0" smtClean="0"/>
+              <a:t>系统，</a:t>
+            </a:r>
+            <a:r>
+              <a:rPr lang="en-US" altLang="zh-CN" dirty="0" err="1" smtClean="0"/>
+              <a:t>lua</a:t>
+            </a:r>
+            <a:r>
+              <a:rPr lang="zh-CN" altLang="en-US" dirty="0" smtClean="0"/>
+              <a:t>主导，</a:t>
+            </a:r>
+            <a:r>
+              <a:rPr lang="en-US" altLang="zh-CN" dirty="0" smtClean="0"/>
+              <a:t>extension</a:t>
+            </a:r>
+            <a:r>
+              <a:rPr lang="zh-CN" altLang="en-US" dirty="0" smtClean="0"/>
+              <a:t>扩展方式约束</a:t>
+            </a:r>
+            <a:endParaRPr lang="zh-CN" altLang="en-US" dirty="0"/>
+          </a:p>
+        </p:txBody>
+      </p:sp>
+      <p:sp>
+        <p:nvSpPr>
+          <p:cNvPr id="4" name="灯片编号占位符 3"/>
+          <p:cNvSpPr>
+            <a:spLocks noGrp="1"/>
+          </p:cNvSpPr>
+          <p:nvPr>
+            <p:ph type="sldNum" sz="quarter" idx="10"/>
+          </p:nvPr>
+        </p:nvSpPr>
+        <p:spPr/>
+        <p:txBody>
+          <a:bodyPr/>
+          <a:lstStyle/>
+          <a:p>
+            <a:fld id="{287CCF68-D40B-4599-926A-7A0EC2D9742D}" type="slidenum">
+              <a:rPr lang="zh-CN" altLang="en-US" smtClean="0"/>
+              <a:pPr/>
               <a:t>8</a:t>
+            </a:fld>
+            <a:endParaRPr lang="en-US" altLang="zh-CN"/>
+          </a:p>
+        </p:txBody>
+      </p:sp>
+    </p:spTree>
+  </p:cSld>
+  <p:clrMapOvr>
+    <a:masterClrMapping/>
+  </p:clrMapOvr>
+</p:notes>
+</file>
+
+<file path=ppt/notesSlides/notesSlide8.xml><?xml version="1.0" encoding="utf-8"?>
+<p:notes xmlns:a="http://schemas.openxmlformats.org/drawingml/2006/main" xmlns:r="http://schemas.openxmlformats.org/officeDocument/2006/relationships" xmlns:p="http://schemas.openxmlformats.org/presentationml/2006/main">
+  <p:cSld>
+    <p:spTree>
+      <p:nvGrpSpPr>
+        <p:cNvPr id="1" name=""/>
+        <p:cNvGrpSpPr/>
+        <p:nvPr/>
+      </p:nvGrpSpPr>
+      <p:grpSpPr>
+        <a:xfrm>
+          <a:off x="0" y="0"/>
+          <a:ext cx="0" cy="0"/>
+          <a:chOff x="0" y="0"/>
+          <a:chExt cx="0" cy="0"/>
+        </a:xfrm>
+      </p:grpSpPr>
+      <p:sp>
+        <p:nvSpPr>
+          <p:cNvPr id="2" name="幻灯片图像占位符 1"/>
+          <p:cNvSpPr>
+            <a:spLocks noGrp="1" noRot="1" noChangeAspect="1"/>
+          </p:cNvSpPr>
+          <p:nvPr>
+            <p:ph type="sldImg"/>
+          </p:nvPr>
+        </p:nvSpPr>
+        <p:spPr/>
+      </p:sp>
+      <p:sp>
+        <p:nvSpPr>
+          <p:cNvPr id="3" name="备注占位符 2"/>
+          <p:cNvSpPr>
+            <a:spLocks noGrp="1"/>
+          </p:cNvSpPr>
+          <p:nvPr>
+            <p:ph type="body" idx="1"/>
+          </p:nvPr>
+        </p:nvSpPr>
+        <p:spPr/>
+        <p:txBody>
+          <a:bodyPr>
+            <a:normAutofit/>
+          </a:bodyPr>
+          <a:lstStyle/>
+          <a:p>
+            <a:r>
+              <a:rPr lang="zh-CN" altLang="en-US" dirty="0" smtClean="0"/>
+              <a:t>既可以被攻击，也具有加</a:t>
+            </a:r>
+            <a:r>
+              <a:rPr lang="en-US" altLang="zh-CN" dirty="0" smtClean="0"/>
+              <a:t>buff</a:t>
+            </a:r>
+            <a:r>
+              <a:rPr lang="zh-CN" altLang="en-US" dirty="0" smtClean="0"/>
+              <a:t>的能力，还可以发射飞行道具等等，如果一个简单的逻辑需要拖入几个</a:t>
+            </a:r>
+            <a:r>
+              <a:rPr lang="en-US" altLang="zh-CN" dirty="0" smtClean="0"/>
+              <a:t>entity</a:t>
+            </a:r>
+            <a:r>
+              <a:rPr lang="zh-CN" altLang="en-US" dirty="0" smtClean="0"/>
+              <a:t>相互配合</a:t>
+            </a:r>
+            <a:endParaRPr lang="en-US" altLang="zh-CN" dirty="0" smtClean="0"/>
+          </a:p>
+          <a:p>
+            <a:r>
+              <a:rPr lang="zh-CN" altLang="en-US" dirty="0" smtClean="0"/>
+              <a:t>如果</a:t>
+            </a:r>
+            <a:r>
+              <a:rPr lang="en-US" altLang="zh-CN" dirty="0" smtClean="0"/>
+              <a:t>C++</a:t>
+            </a:r>
+            <a:r>
+              <a:rPr lang="zh-CN" altLang="en-US" dirty="0" smtClean="0"/>
+              <a:t>的支持类变大，重用度就低了，一个小功能还要拖几个，麻烦，根本原因是一个</a:t>
+            </a:r>
+            <a:r>
+              <a:rPr lang="en-US" altLang="zh-CN" dirty="0" smtClean="0"/>
+              <a:t>entity</a:t>
+            </a:r>
+            <a:r>
+              <a:rPr lang="zh-CN" altLang="en-US" dirty="0" smtClean="0"/>
+              <a:t>只能绑定一个</a:t>
+            </a:r>
+            <a:r>
+              <a:rPr lang="en-US" altLang="zh-CN" dirty="0" smtClean="0"/>
+              <a:t>C++</a:t>
+            </a:r>
+            <a:r>
+              <a:rPr lang="zh-CN" altLang="en-US" dirty="0" smtClean="0"/>
+              <a:t>的类导致的</a:t>
+            </a:r>
+            <a:endParaRPr lang="zh-CN" altLang="en-US" dirty="0"/>
+          </a:p>
+        </p:txBody>
+      </p:sp>
+      <p:sp>
+        <p:nvSpPr>
+          <p:cNvPr id="4" name="灯片编号占位符 3"/>
+          <p:cNvSpPr>
+            <a:spLocks noGrp="1"/>
+          </p:cNvSpPr>
+          <p:nvPr>
+            <p:ph type="sldNum" sz="quarter" idx="10"/>
+          </p:nvPr>
+        </p:nvSpPr>
+        <p:spPr/>
+        <p:txBody>
+          <a:bodyPr/>
+          <a:lstStyle/>
+          <a:p>
+            <a:fld id="{287CCF68-D40B-4599-926A-7A0EC2D9742D}" type="slidenum">
+              <a:rPr lang="zh-CN" altLang="en-US" smtClean="0"/>
+              <a:pPr/>
+              <a:t>9</a:t>
+            </a:fld>
+            <a:endParaRPr lang="en-US" altLang="zh-CN"/>
+          </a:p>
+        </p:txBody>
+      </p:sp>
+    </p:spTree>
+  </p:cSld>
+  <p:clrMapOvr>
+    <a:masterClrMapping/>
+  </p:clrMapOvr>
+</p:notes>
+</file>
+
+<file path=ppt/notesSlides/notesSlide9.xml><?xml version="1.0" encoding="utf-8"?>
+<p:notes xmlns:a="http://schemas.openxmlformats.org/drawingml/2006/main" xmlns:r="http://schemas.openxmlformats.org/officeDocument/2006/relationships" xmlns:p="http://schemas.openxmlformats.org/presentationml/2006/main">
+  <p:cSld>
+    <p:spTree>
+      <p:nvGrpSpPr>
+        <p:cNvPr id="1" name=""/>
+        <p:cNvGrpSpPr/>
+        <p:nvPr/>
+      </p:nvGrpSpPr>
+      <p:grpSpPr>
+        <a:xfrm>
+          <a:off x="0" y="0"/>
+          <a:ext cx="0" cy="0"/>
+          <a:chOff x="0" y="0"/>
+          <a:chExt cx="0" cy="0"/>
+        </a:xfrm>
+      </p:grpSpPr>
+      <p:sp>
+        <p:nvSpPr>
+          <p:cNvPr id="2" name="幻灯片图像占位符 1"/>
+          <p:cNvSpPr>
+            <a:spLocks noGrp="1" noRot="1" noChangeAspect="1"/>
+          </p:cNvSpPr>
+          <p:nvPr>
+            <p:ph type="sldImg"/>
+          </p:nvPr>
+        </p:nvSpPr>
+        <p:spPr/>
+      </p:sp>
+      <p:sp>
+        <p:nvSpPr>
+          <p:cNvPr id="3" name="备注占位符 2"/>
+          <p:cNvSpPr>
+            <a:spLocks noGrp="1"/>
+          </p:cNvSpPr>
+          <p:nvPr>
+            <p:ph type="body" idx="1"/>
+          </p:nvPr>
+        </p:nvSpPr>
+        <p:spPr/>
+        <p:txBody>
+          <a:bodyPr>
+            <a:normAutofit/>
+          </a:bodyPr>
+          <a:lstStyle/>
+          <a:p>
+            <a:r>
+              <a:rPr lang="zh-CN" altLang="en-US" dirty="0" smtClean="0"/>
+              <a:t>现在问题是，简单功能还要若干个</a:t>
+            </a:r>
+            <a:r>
+              <a:rPr lang="en-US" altLang="zh-CN" dirty="0" smtClean="0"/>
+              <a:t>entity</a:t>
+            </a:r>
+            <a:r>
+              <a:rPr lang="zh-CN" altLang="en-US" dirty="0" smtClean="0"/>
+              <a:t>，麻烦</a:t>
+            </a:r>
+            <a:endParaRPr lang="en-US" altLang="zh-CN" dirty="0" smtClean="0"/>
+          </a:p>
+          <a:p>
+            <a:r>
+              <a:rPr lang="zh-CN" altLang="en-US" dirty="0" smtClean="0"/>
+              <a:t>如果</a:t>
+            </a:r>
+            <a:r>
+              <a:rPr lang="en-US" altLang="zh-CN" dirty="0" smtClean="0"/>
+              <a:t>C++</a:t>
+            </a:r>
+            <a:r>
+              <a:rPr lang="zh-CN" altLang="en-US" dirty="0" smtClean="0"/>
+              <a:t>的支持类变大，重用度又会降低，根本原因是一个</a:t>
+            </a:r>
+            <a:r>
+              <a:rPr lang="en-US" altLang="zh-CN" dirty="0" smtClean="0"/>
+              <a:t>entity</a:t>
+            </a:r>
+            <a:r>
+              <a:rPr lang="zh-CN" altLang="en-US" dirty="0" smtClean="0"/>
+              <a:t>只能绑定一个</a:t>
+            </a:r>
+            <a:r>
+              <a:rPr lang="en-US" altLang="zh-CN" dirty="0" smtClean="0"/>
+              <a:t>C++</a:t>
+            </a:r>
+            <a:r>
+              <a:rPr lang="zh-CN" altLang="en-US" dirty="0" smtClean="0"/>
+              <a:t>的类导致的</a:t>
+            </a:r>
+            <a:endParaRPr lang="en-US" altLang="zh-CN" dirty="0" smtClean="0"/>
+          </a:p>
+          <a:p>
+            <a:r>
+              <a:rPr lang="zh-CN" altLang="en-US" dirty="0" smtClean="0"/>
+              <a:t>改变</a:t>
+            </a:r>
+            <a:r>
+              <a:rPr lang="en-US" altLang="zh-CN" dirty="0" smtClean="0"/>
+              <a:t>entity</a:t>
+            </a:r>
+            <a:r>
+              <a:rPr lang="zh-CN" altLang="en-US" dirty="0" smtClean="0"/>
+              <a:t>生成流程</a:t>
+            </a:r>
+            <a:endParaRPr lang="en-US" altLang="zh-CN" dirty="0" smtClean="0"/>
+          </a:p>
+          <a:p>
+            <a:r>
+              <a:rPr lang="zh-CN" altLang="en-US" dirty="0" smtClean="0"/>
+              <a:t>阅读源代码发现系统支持多个</a:t>
+            </a:r>
+            <a:endParaRPr lang="en-US" altLang="zh-CN" dirty="0" smtClean="0"/>
+          </a:p>
+          <a:p>
+            <a:r>
+              <a:rPr lang="en-US" altLang="zh-CN" dirty="0" smtClean="0"/>
+              <a:t>LUA</a:t>
+            </a:r>
+            <a:r>
+              <a:rPr lang="zh-CN" altLang="en-US" dirty="0" smtClean="0"/>
+              <a:t>初始化流程里边可以创建两个</a:t>
+            </a:r>
+            <a:r>
+              <a:rPr lang="en-US" altLang="zh-CN" dirty="0" smtClean="0"/>
+              <a:t>C++</a:t>
+            </a:r>
+            <a:r>
+              <a:rPr lang="zh-CN" altLang="en-US" dirty="0" smtClean="0"/>
+              <a:t>类，用</a:t>
+            </a:r>
+            <a:r>
+              <a:rPr lang="en-US" altLang="zh-CN" dirty="0" err="1" smtClean="0"/>
+              <a:t>lua</a:t>
+            </a:r>
+            <a:r>
+              <a:rPr lang="zh-CN" altLang="en-US" dirty="0" smtClean="0"/>
+              <a:t>中定义的属性和方法去交互</a:t>
+            </a:r>
+            <a:endParaRPr lang="en-US" altLang="zh-CN" dirty="0" smtClean="0"/>
+          </a:p>
+        </p:txBody>
+      </p:sp>
+      <p:sp>
+        <p:nvSpPr>
+          <p:cNvPr id="4" name="灯片编号占位符 3"/>
+          <p:cNvSpPr>
+            <a:spLocks noGrp="1"/>
+          </p:cNvSpPr>
+          <p:nvPr>
+            <p:ph type="sldNum" sz="quarter" idx="10"/>
+          </p:nvPr>
+        </p:nvSpPr>
+        <p:spPr/>
+        <p:txBody>
+          <a:bodyPr/>
+          <a:lstStyle/>
+          <a:p>
+            <a:fld id="{287CCF68-D40B-4599-926A-7A0EC2D9742D}" type="slidenum">
+              <a:rPr lang="zh-CN" altLang="en-US" smtClean="0"/>
+              <a:pPr/>
+              <a:t>10</a:t>
             </a:fld>
             <a:endParaRPr lang="en-US" altLang="zh-CN"/>
           </a:p>
@@ -3602,7 +4444,7 @@
         <p:nvSpPr>
           <p:cNvPr id="1027" name="Rectangle 3"/>
           <p:cNvSpPr>
-            <a:spLocks noChangeArrowheads="1"/>
+            <a:spLocks noGrp="1" noChangeArrowheads="1"/>
           </p:cNvSpPr>
           <p:nvPr>
             <p:ph type="title"/>
@@ -3644,7 +4486,7 @@
         <p:nvSpPr>
           <p:cNvPr id="1028" name="Rectangle 4"/>
           <p:cNvSpPr>
-            <a:spLocks noChangeArrowheads="1"/>
+            <a:spLocks noGrp="1" noChangeArrowheads="1"/>
           </p:cNvSpPr>
           <p:nvPr>
             <p:ph type="body" idx="1"/>
@@ -4182,7 +5024,7 @@
         <p:nvSpPr>
           <p:cNvPr id="4098" name="Rectangle 2"/>
           <p:cNvSpPr>
-            <a:spLocks noChangeArrowheads="1"/>
+            <a:spLocks noGrp="1" noChangeArrowheads="1"/>
           </p:cNvSpPr>
           <p:nvPr>
             <p:ph type="ctrTitle" sz="quarter"/>
@@ -4223,24 +5065,9 @@
                 <a:ea typeface="黑体" pitchFamily="49" charset="-122"/>
               </a:rPr>
             </a:br>
-            <a:r>
-              <a:rPr lang="zh-CN" altLang="en-US" sz="2800" dirty="0" smtClean="0">
-                <a:ea typeface="黑体" pitchFamily="49" charset="-122"/>
-              </a:rPr>
-              <a:t>（适用</a:t>
-            </a:r>
-            <a:r>
-              <a:rPr lang="en-US" altLang="zh-CN" sz="2800" dirty="0" smtClean="0">
-                <a:ea typeface="黑体" pitchFamily="49" charset="-122"/>
-              </a:rPr>
-              <a:t>3</a:t>
-            </a:r>
-            <a:r>
-              <a:rPr lang="zh-CN" altLang="en-US" sz="2800" dirty="0" smtClean="0">
-                <a:ea typeface="黑体" pitchFamily="49" charset="-122"/>
-              </a:rPr>
-              <a:t>级评审）</a:t>
-            </a:r>
+            <a:endParaRPr lang="zh-CN" altLang="en-US" sz="2800" dirty="0" smtClean="0">
+              <a:ea typeface="黑体" pitchFamily="49" charset="-122"/>
+            </a:endParaRPr>
           </a:p>
         </p:txBody>
       </p:sp>
@@ -4371,37 +5198,9 @@
       </p:grpSpPr>
       <p:sp>
         <p:nvSpPr>
-          <p:cNvPr id="19458" name="Rectangle 2"/>
+          <p:cNvPr id="10243" name="Rectangle 3"/>
           <p:cNvSpPr>
-            <a:spLocks noChangeArrowheads="1"/>
-          </p:cNvSpPr>
-          <p:nvPr>
-            <p:ph type="title"/>
-          </p:nvPr>
-        </p:nvSpPr>
-        <p:spPr>
-          <a:xfrm>
-            <a:off x="304800" y="228600"/>
-            <a:ext cx="6011863" cy="838200"/>
-          </a:xfrm>
-        </p:spPr>
-        <p:txBody>
-          <a:bodyPr/>
-          <a:lstStyle/>
-          <a:p>
-            <a:pPr eaLnBrk="1" hangingPunct="1"/>
-            <a:r>
-              <a:rPr lang="zh-CN" altLang="en-US" smtClean="0"/>
-              <a:t>专业影响力和贡献</a:t>
-            </a:r>
-          </a:p>
-        </p:txBody>
-      </p:sp>
-      <p:sp>
-        <p:nvSpPr>
-          <p:cNvPr id="19459" name="Rectangle 3"/>
-          <p:cNvSpPr>
-            <a:spLocks noChangeArrowheads="1"/>
+            <a:spLocks noGrp="1" noChangeArrowheads="1"/>
           </p:cNvSpPr>
           <p:nvPr>
             <p:ph type="body" idx="1"/>
@@ -4409,8 +5208,8 @@
         </p:nvSpPr>
         <p:spPr>
           <a:xfrm>
-            <a:off x="609600" y="1295400"/>
-            <a:ext cx="7543800" cy="4419600"/>
+            <a:off x="685800" y="1219200"/>
+            <a:ext cx="8229600" cy="3886200"/>
           </a:xfrm>
         </p:spPr>
         <p:txBody>
@@ -4419,342 +5218,203 @@
           <a:p>
             <a:pPr eaLnBrk="1" hangingPunct="1"/>
             <a:r>
-              <a:rPr lang="zh-CN" altLang="en-US" sz="1600" smtClean="0"/>
-              <a:t>知识的分享与传承</a:t>
-            </a:r>
-            <a:endParaRPr lang="en-US" altLang="zh-CN" sz="1600" smtClean="0"/>
+              <a:rPr lang="zh-CN" altLang="en-US" dirty="0" smtClean="0"/>
+              <a:t>物件系统多样化和组合：</a:t>
+            </a:r>
+            <a:endParaRPr lang="en-US" altLang="zh-CN" b="0" dirty="0" smtClean="0">
+              <a:latin typeface="宋体" charset="-122"/>
+            </a:endParaRPr>
           </a:p>
           <a:p>
             <a:pPr lvl="1" eaLnBrk="1" hangingPunct="1"/>
             <a:r>
-              <a:rPr lang="zh-CN" altLang="en-US" sz="1200" b="0" smtClean="0"/>
-              <a:t>组内分享原创课程</a:t>
-            </a:r>
-            <a:r>
-              <a:rPr lang="en-US" altLang="zh-CN" sz="1200" b="0" smtClean="0"/>
-              <a:t>《C++</a:t>
-            </a:r>
-            <a:r>
-              <a:rPr lang="zh-CN" altLang="en-US" sz="1200" b="0" smtClean="0"/>
-              <a:t>析构与泄漏</a:t>
-            </a:r>
-            <a:r>
-              <a:rPr lang="en-US" altLang="zh-CN" sz="1200" b="0" smtClean="0"/>
-              <a:t>》</a:t>
-            </a:r>
+              <a:rPr lang="zh-CN" altLang="en-US" b="0" dirty="0" smtClean="0">
+                <a:latin typeface="宋体" charset="-122"/>
+              </a:rPr>
+              <a:t>系统本身支持多个扩展类绑定到一个</a:t>
+            </a:r>
+            <a:r>
+              <a:rPr lang="en-US" altLang="zh-CN" b="0" dirty="0" smtClean="0">
+                <a:latin typeface="宋体" charset="-122"/>
+              </a:rPr>
+              <a:t>entity</a:t>
+            </a:r>
+            <a:r>
+              <a:rPr lang="zh-CN" altLang="en-US" b="0" dirty="0" smtClean="0">
+                <a:latin typeface="宋体" charset="-122"/>
+              </a:rPr>
+              <a:t>，只是受流程约束</a:t>
+            </a:r>
+            <a:endParaRPr lang="en-US" altLang="zh-CN" b="0" dirty="0" smtClean="0">
+              <a:latin typeface="宋体" charset="-122"/>
+            </a:endParaRPr>
           </a:p>
           <a:p>
             <a:pPr lvl="1" eaLnBrk="1" hangingPunct="1"/>
             <a:r>
-              <a:rPr lang="zh-CN" altLang="en-US" sz="1200" b="0" smtClean="0"/>
-              <a:t>组内分享脚本体系和逻辑开发体系的设计</a:t>
-            </a:r>
-            <a:endParaRPr lang="en-US" altLang="zh-CN" sz="1200" b="0" smtClean="0"/>
+              <a:rPr lang="zh-CN" altLang="en-US" b="0" dirty="0" smtClean="0">
+                <a:latin typeface="宋体" charset="-122"/>
+              </a:rPr>
+              <a:t>改变了</a:t>
+            </a:r>
+            <a:r>
+              <a:rPr lang="en-US" altLang="zh-CN" b="0" dirty="0" smtClean="0">
+                <a:latin typeface="宋体" charset="-122"/>
+              </a:rPr>
+              <a:t>entity</a:t>
+            </a:r>
+            <a:r>
+              <a:rPr lang="zh-CN" altLang="en-US" b="0" dirty="0" smtClean="0">
+                <a:latin typeface="宋体" charset="-122"/>
+              </a:rPr>
+              <a:t>的生成流程，添加了在</a:t>
+            </a:r>
+            <a:r>
+              <a:rPr lang="en-US" altLang="zh-CN" b="0" dirty="0" smtClean="0">
+                <a:latin typeface="宋体" charset="-122"/>
+              </a:rPr>
+              <a:t>LUA</a:t>
+            </a:r>
+            <a:r>
+              <a:rPr lang="zh-CN" altLang="en-US" b="0" dirty="0" smtClean="0">
+                <a:latin typeface="宋体" charset="-122"/>
+              </a:rPr>
+              <a:t>中直接创建</a:t>
+            </a:r>
+            <a:r>
+              <a:rPr lang="en-US" altLang="zh-CN" b="0" dirty="0" smtClean="0">
+                <a:latin typeface="宋体" charset="-122"/>
+              </a:rPr>
+              <a:t>C++</a:t>
+            </a:r>
+            <a:r>
+              <a:rPr lang="zh-CN" altLang="en-US" b="0" dirty="0" smtClean="0">
+                <a:latin typeface="宋体" charset="-122"/>
+              </a:rPr>
+              <a:t>扩展类的功能</a:t>
+            </a:r>
+            <a:endParaRPr lang="en-US" altLang="zh-CN" b="0" dirty="0" smtClean="0">
+              <a:latin typeface="宋体" charset="-122"/>
+            </a:endParaRPr>
           </a:p>
           <a:p>
             <a:pPr lvl="1" eaLnBrk="1" hangingPunct="1"/>
             <a:r>
-              <a:rPr lang="en-US" altLang="zh-CN" sz="1200" b="0" smtClean="0"/>
-              <a:t>KM</a:t>
-            </a:r>
-            <a:r>
-              <a:rPr lang="zh-CN" altLang="en-US" sz="1200" b="0" smtClean="0"/>
-              <a:t>分享</a:t>
-            </a:r>
-            <a:r>
-              <a:rPr lang="en-US" altLang="zh-CN" sz="1200" b="0" smtClean="0"/>
-              <a:t>《C++</a:t>
-            </a:r>
-            <a:r>
-              <a:rPr lang="zh-CN" altLang="en-US" sz="1200" b="0" smtClean="0"/>
-              <a:t>析构与泄漏 之准备篇</a:t>
-            </a:r>
-            <a:r>
-              <a:rPr lang="en-US" altLang="zh-CN" sz="1200" b="0" smtClean="0"/>
-              <a:t>》</a:t>
-            </a:r>
-            <a:r>
-              <a:rPr lang="zh-CN" altLang="en-US" sz="1200" b="0" smtClean="0"/>
-              <a:t>：</a:t>
-            </a:r>
-            <a:r>
-              <a:rPr lang="en-US" altLang="zh-CN" sz="1200" b="0" smtClean="0"/>
-              <a:t> </a:t>
-            </a:r>
-            <a:r>
-              <a:rPr lang="en-US" altLang="zh-CN" sz="1200" b="0" smtClean="0">
-                <a:hlinkClick r:id="rId2"/>
+              <a:rPr lang="zh-CN" altLang="en-US" b="0" dirty="0" smtClean="0">
+                <a:latin typeface="宋体" charset="-122"/>
               </a:rPr>
-              <a:t>http://km.oa.com/articles/show/190379</a:t>
-            </a:r>
-            <a:endParaRPr lang="en-US" altLang="zh-CN" sz="1200" b="0" smtClean="0"/>
+              <a:t>带来问题，</a:t>
+            </a:r>
+            <a:r>
+              <a:rPr lang="en-US" altLang="zh-CN" b="0" dirty="0" smtClean="0">
+                <a:latin typeface="宋体" charset="-122"/>
+              </a:rPr>
+              <a:t>LUA</a:t>
+            </a:r>
+            <a:r>
+              <a:rPr lang="zh-CN" altLang="en-US" b="0" dirty="0" smtClean="0">
+                <a:latin typeface="宋体" charset="-122"/>
+              </a:rPr>
+              <a:t>中大量重复代码，难维护问题</a:t>
+            </a:r>
+            <a:endParaRPr lang="en-US" altLang="zh-CN" b="0" dirty="0" smtClean="0">
+              <a:latin typeface="宋体" charset="-122"/>
+            </a:endParaRPr>
           </a:p>
           <a:p>
             <a:pPr lvl="1" eaLnBrk="1" hangingPunct="1"/>
             <a:r>
-              <a:rPr lang="en-US" altLang="zh-CN" sz="1200" b="0" smtClean="0"/>
-              <a:t>KM</a:t>
-            </a:r>
-            <a:r>
-              <a:rPr lang="zh-CN" altLang="en-US" sz="1200" b="0" smtClean="0"/>
-              <a:t>分享</a:t>
-            </a:r>
-            <a:r>
-              <a:rPr lang="en-US" altLang="zh-CN" sz="1200" b="0" smtClean="0"/>
-              <a:t>《C++</a:t>
-            </a:r>
-            <a:r>
-              <a:rPr lang="zh-CN" altLang="en-US" sz="1200" b="0" smtClean="0"/>
-              <a:t>析构与泄漏 之深入篇</a:t>
-            </a:r>
-            <a:r>
-              <a:rPr lang="en-US" altLang="zh-CN" sz="1200" b="0" smtClean="0"/>
-              <a:t>》</a:t>
-            </a:r>
-            <a:r>
-              <a:rPr lang="zh-CN" altLang="en-US" sz="1200" b="0" smtClean="0"/>
-              <a:t>：</a:t>
-            </a:r>
-            <a:r>
-              <a:rPr lang="en-US" altLang="zh-CN" sz="1200" b="0" smtClean="0"/>
-              <a:t> </a:t>
-            </a:r>
-            <a:r>
-              <a:rPr lang="en-US" altLang="zh-CN" sz="1200" b="0" smtClean="0">
-                <a:hlinkClick r:id="rId3"/>
+              <a:rPr lang="zh-CN" altLang="en-US" b="0" dirty="0" smtClean="0">
+                <a:latin typeface="宋体" charset="-122"/>
               </a:rPr>
-              <a:t>http://km.oa.com/articles/show/190382</a:t>
-            </a:r>
-            <a:endParaRPr lang="en-US" altLang="zh-CN" sz="1200" b="0" smtClean="0"/>
+              <a:t>例如一个物件可破坏，同时可以加</a:t>
+            </a:r>
+            <a:r>
+              <a:rPr lang="en-US" altLang="zh-CN" b="0" dirty="0" smtClean="0">
+                <a:latin typeface="宋体" charset="-122"/>
+              </a:rPr>
+              <a:t>buff</a:t>
+            </a:r>
+            <a:r>
+              <a:rPr lang="zh-CN" altLang="en-US" b="0" dirty="0" smtClean="0">
+                <a:latin typeface="宋体" charset="-122"/>
+              </a:rPr>
+              <a:t>，另外一个可以加</a:t>
+            </a:r>
+            <a:r>
+              <a:rPr lang="en-US" altLang="zh-CN" b="0" dirty="0" smtClean="0">
+                <a:latin typeface="宋体" charset="-122"/>
+              </a:rPr>
+              <a:t>buff</a:t>
+            </a:r>
+            <a:r>
+              <a:rPr lang="zh-CN" altLang="en-US" b="0" dirty="0" smtClean="0">
+                <a:latin typeface="宋体" charset="-122"/>
+              </a:rPr>
+              <a:t>，同时可以发射</a:t>
+            </a:r>
+            <a:r>
+              <a:rPr lang="en-US" altLang="zh-CN" b="0" dirty="0" smtClean="0">
+                <a:latin typeface="宋体" charset="-122"/>
+              </a:rPr>
+              <a:t>projectile</a:t>
+            </a:r>
+            <a:r>
+              <a:rPr lang="zh-CN" altLang="en-US" b="0" dirty="0" smtClean="0">
+                <a:latin typeface="宋体" charset="-122"/>
+              </a:rPr>
+              <a:t>，关于</a:t>
+            </a:r>
+            <a:r>
+              <a:rPr lang="en-US" altLang="zh-CN" b="0" dirty="0" smtClean="0">
+                <a:latin typeface="宋体" charset="-122"/>
+              </a:rPr>
+              <a:t>buff</a:t>
+            </a:r>
+            <a:r>
+              <a:rPr lang="zh-CN" altLang="en-US" b="0" dirty="0" smtClean="0">
+                <a:latin typeface="宋体" charset="-122"/>
+              </a:rPr>
+              <a:t>相关的配置数据和函数就出现了代码级别的冗余，各种组合之后需要维护多份</a:t>
+            </a:r>
+            <a:endParaRPr lang="en-US" altLang="zh-CN" b="0" dirty="0" smtClean="0">
+              <a:latin typeface="宋体" charset="-122"/>
+            </a:endParaRPr>
           </a:p>
           <a:p>
             <a:pPr lvl="1" eaLnBrk="1" hangingPunct="1"/>
-            <a:r>
-              <a:rPr lang="en-US" altLang="zh-CN" sz="1200" b="0" smtClean="0"/>
-              <a:t>KM</a:t>
-            </a:r>
-            <a:r>
-              <a:rPr lang="zh-CN" altLang="en-US" sz="1200" b="0" smtClean="0"/>
-              <a:t>分享</a:t>
-            </a:r>
-            <a:r>
-              <a:rPr lang="en-US" altLang="zh-CN" sz="1200" b="0" smtClean="0"/>
-              <a:t>《C++</a:t>
-            </a:r>
-            <a:r>
-              <a:rPr lang="zh-CN" altLang="en-US" sz="1200" b="0" smtClean="0"/>
-              <a:t>析构与泄漏 之泄漏篇</a:t>
-            </a:r>
-            <a:r>
-              <a:rPr lang="en-US" altLang="zh-CN" sz="1200" b="0" smtClean="0"/>
-              <a:t>》</a:t>
-            </a:r>
-            <a:r>
-              <a:rPr lang="zh-CN" altLang="en-US" sz="1200" b="0" smtClean="0"/>
-              <a:t>：</a:t>
-            </a:r>
-            <a:r>
-              <a:rPr lang="en-US" altLang="zh-CN" sz="1200" b="0" smtClean="0"/>
-              <a:t> </a:t>
-            </a:r>
-            <a:r>
-              <a:rPr lang="en-US" altLang="zh-CN" sz="1200" b="0" smtClean="0">
-                <a:hlinkClick r:id="rId4"/>
-              </a:rPr>
-              <a:t>http://km.oa.com/articles/show/190383</a:t>
-            </a:r>
-            <a:endParaRPr lang="en-US" altLang="zh-CN" sz="1200" b="0" smtClean="0"/>
-          </a:p>
-          <a:p>
-            <a:pPr lvl="1" eaLnBrk="1" hangingPunct="1"/>
-            <a:r>
-              <a:rPr lang="en-US" altLang="zh-CN" sz="1200" b="0" smtClean="0"/>
-              <a:t>KM</a:t>
-            </a:r>
-            <a:r>
-              <a:rPr lang="zh-CN" altLang="en-US" sz="1200" b="0" smtClean="0"/>
-              <a:t>分享</a:t>
-            </a:r>
-            <a:r>
-              <a:rPr lang="en-US" altLang="zh-CN" sz="1200" b="0" smtClean="0"/>
-              <a:t>《[</a:t>
-            </a:r>
-            <a:r>
-              <a:rPr lang="zh-CN" altLang="en-US" sz="1200" b="0" smtClean="0"/>
-              <a:t>转载</a:t>
-            </a:r>
-            <a:r>
-              <a:rPr lang="en-US" altLang="zh-CN" sz="1200" b="0" smtClean="0"/>
-              <a:t>]Dead Reckoning: Latency Hiding for Networked Games》</a:t>
-            </a:r>
-            <a:r>
-              <a:rPr lang="zh-CN" altLang="en-US" sz="1200" b="0" smtClean="0"/>
-              <a:t>：</a:t>
-            </a:r>
-            <a:r>
-              <a:rPr lang="en-US" altLang="zh-CN" sz="1200" b="0" smtClean="0"/>
-              <a:t> </a:t>
-            </a:r>
-            <a:r>
-              <a:rPr lang="en-US" altLang="zh-CN" sz="1200" b="0" smtClean="0">
-                <a:hlinkClick r:id="rId5"/>
-              </a:rPr>
-              <a:t>http://km.oa.com/articles/show/190429</a:t>
-            </a:r>
-            <a:endParaRPr lang="en-US" altLang="zh-CN" sz="1200" b="0" smtClean="0"/>
-          </a:p>
-          <a:p>
-            <a:pPr lvl="1" eaLnBrk="1" hangingPunct="1"/>
-            <a:r>
-              <a:rPr lang="en-US" altLang="zh-CN" sz="1200" b="0" smtClean="0"/>
-              <a:t>KM</a:t>
-            </a:r>
-            <a:r>
-              <a:rPr lang="zh-CN" altLang="en-US" sz="1200" b="0" smtClean="0"/>
-              <a:t>分享</a:t>
-            </a:r>
-            <a:r>
-              <a:rPr lang="en-US" altLang="zh-CN" sz="1200" b="0" smtClean="0"/>
-              <a:t>《[</a:t>
-            </a:r>
-            <a:r>
-              <a:rPr lang="zh-CN" altLang="en-US" sz="1200" b="0" smtClean="0"/>
-              <a:t>转载</a:t>
-            </a:r>
-            <a:r>
-              <a:rPr lang="en-US" altLang="zh-CN" sz="1200" b="0" smtClean="0"/>
-              <a:t>]</a:t>
-            </a:r>
-            <a:r>
-              <a:rPr lang="zh-CN" altLang="en-US" sz="1200" b="0" smtClean="0"/>
-              <a:t>六种可定量分析的代码味道 </a:t>
-            </a:r>
-            <a:r>
-              <a:rPr lang="en-US" altLang="zh-CN" sz="1200" b="0" smtClean="0"/>
-              <a:t>》</a:t>
-            </a:r>
-            <a:r>
-              <a:rPr lang="zh-CN" altLang="en-US" sz="1200" b="0" smtClean="0"/>
-              <a:t>：</a:t>
-            </a:r>
-            <a:r>
-              <a:rPr lang="en-US" altLang="zh-CN" sz="1200" b="0" smtClean="0">
-                <a:hlinkClick r:id="rId6"/>
-              </a:rPr>
-              <a:t>http://km.oa.com/articles/show/190589</a:t>
-            </a:r>
-            <a:endParaRPr lang="en-US" altLang="zh-CN" sz="1200" b="0" smtClean="0"/>
-          </a:p>
+            <a:endParaRPr lang="en-US" altLang="zh-CN" b="0" dirty="0" smtClean="0">
+              <a:latin typeface="宋体" charset="-122"/>
+            </a:endParaRPr>
+          </a:p>
+          <a:p>
+            <a:endParaRPr lang="en-US" altLang="zh-CN" sz="1600" b="0" dirty="0" smtClean="0">
+              <a:latin typeface="宋体" charset="-122"/>
+            </a:endParaRPr>
+          </a:p>
+        </p:txBody>
+      </p:sp>
+      <p:sp>
+        <p:nvSpPr>
+          <p:cNvPr id="91" name="Rectangle 2"/>
+          <p:cNvSpPr>
+            <a:spLocks noGrp="1" noChangeArrowheads="1"/>
+          </p:cNvSpPr>
+          <p:nvPr>
+            <p:ph type="title"/>
+          </p:nvPr>
+        </p:nvSpPr>
+        <p:spPr/>
+        <p:txBody>
+          <a:bodyPr/>
+          <a:lstStyle/>
           <a:p>
             <a:pPr eaLnBrk="1" hangingPunct="1"/>
             <a:r>
-              <a:rPr lang="zh-CN" altLang="en-US" sz="1600" smtClean="0"/>
-              <a:t>专业课程的讲授</a:t>
-            </a:r>
-            <a:endParaRPr lang="en-US" altLang="zh-CN" sz="1600" smtClean="0"/>
-          </a:p>
-          <a:p>
-            <a:pPr lvl="1" eaLnBrk="1" hangingPunct="1"/>
-            <a:r>
-              <a:rPr lang="zh-CN" altLang="en-US" sz="1200" b="0" smtClean="0"/>
-              <a:t>讲授新员工培训课程</a:t>
-            </a:r>
-            <a:r>
-              <a:rPr lang="en-US" altLang="zh-CN" sz="1200" b="0" smtClean="0"/>
-              <a:t>《Windows</a:t>
-            </a:r>
-            <a:r>
-              <a:rPr lang="zh-CN" altLang="en-US" sz="1200" b="0" smtClean="0"/>
-              <a:t>程序调试</a:t>
-            </a:r>
-            <a:r>
-              <a:rPr lang="en-US" altLang="zh-CN" sz="1200" b="0" smtClean="0"/>
-              <a:t>》</a:t>
-            </a:r>
-          </a:p>
-          <a:p>
-            <a:pPr eaLnBrk="1" hangingPunct="1"/>
-            <a:r>
-              <a:rPr lang="zh-CN" altLang="en-US" sz="1600" smtClean="0"/>
-              <a:t>人员培养</a:t>
-            </a:r>
-            <a:endParaRPr lang="en-US" altLang="zh-CN" sz="1600" smtClean="0"/>
-          </a:p>
-          <a:p>
-            <a:pPr lvl="1" eaLnBrk="1" hangingPunct="1"/>
-            <a:r>
-              <a:rPr lang="zh-CN" altLang="en-US" sz="1200" b="0" smtClean="0"/>
-              <a:t>成功培养一个毕业生成为主要开发力量</a:t>
-            </a:r>
-            <a:endParaRPr lang="en-US" altLang="zh-CN" sz="1200" b="0" smtClean="0"/>
-          </a:p>
-          <a:p>
-            <a:pPr eaLnBrk="1" hangingPunct="1"/>
-            <a:r>
-              <a:rPr lang="zh-CN" altLang="en-US" sz="1600" smtClean="0"/>
-              <a:t>流程</a:t>
-            </a:r>
-            <a:r>
-              <a:rPr lang="en-US" altLang="zh-CN" sz="1600" smtClean="0"/>
-              <a:t>/</a:t>
-            </a:r>
-            <a:r>
-              <a:rPr lang="zh-CN" altLang="en-US" sz="1600" smtClean="0"/>
-              <a:t>方法</a:t>
-            </a:r>
-            <a:r>
-              <a:rPr lang="en-US" altLang="zh-CN" sz="1600" smtClean="0"/>
-              <a:t>/</a:t>
-            </a:r>
-            <a:r>
-              <a:rPr lang="zh-CN" altLang="en-US" sz="1600" smtClean="0"/>
-              <a:t>工具的优化</a:t>
-            </a:r>
-            <a:endParaRPr lang="en-US" altLang="zh-CN" sz="1600" smtClean="0"/>
-          </a:p>
-          <a:p>
-            <a:pPr lvl="1" eaLnBrk="1" hangingPunct="1"/>
-            <a:r>
-              <a:rPr lang="zh-CN" altLang="en-US" sz="1200" b="0" smtClean="0"/>
-              <a:t>轩辕逻辑开发流程优化，提高开发效率</a:t>
-            </a:r>
-            <a:endParaRPr lang="en-US" altLang="zh-CN" sz="1200" b="0" smtClean="0"/>
-          </a:p>
-          <a:p>
-            <a:pPr lvl="1" eaLnBrk="1" hangingPunct="1"/>
-            <a:r>
-              <a:rPr lang="zh-CN" altLang="en-US" sz="1200" b="0" smtClean="0"/>
-              <a:t>铁骑动画开发流程优化，实现动画并行开发</a:t>
-            </a:r>
-            <a:endParaRPr lang="en-US" altLang="zh-CN" sz="1200" b="0" smtClean="0"/>
-          </a:p>
-          <a:p>
-            <a:pPr lvl="1" eaLnBrk="1" hangingPunct="1"/>
-            <a:r>
-              <a:rPr lang="zh-CN" altLang="en-US" sz="1200" b="0" smtClean="0"/>
-              <a:t>轩辕</a:t>
-            </a:r>
-            <a:r>
-              <a:rPr lang="en-US" altLang="zh-CN" sz="1200" b="0" smtClean="0"/>
-              <a:t>UI</a:t>
-            </a:r>
-            <a:r>
-              <a:rPr lang="zh-CN" altLang="en-US" sz="1200" b="0" smtClean="0"/>
-              <a:t>编辑器优化，提高易用性</a:t>
-            </a:r>
-            <a:endParaRPr lang="en-US" altLang="zh-CN" sz="1200" smtClean="0"/>
-          </a:p>
-          <a:p>
-            <a:pPr lvl="1" eaLnBrk="1" hangingPunct="1"/>
-            <a:endParaRPr lang="en-US" altLang="zh-CN" sz="1600" smtClean="0"/>
-          </a:p>
-          <a:p>
-            <a:pPr lvl="1" eaLnBrk="1" hangingPunct="1"/>
-            <a:endParaRPr lang="en-US" altLang="zh-CN" sz="1600" smtClean="0"/>
-          </a:p>
-          <a:p>
-            <a:pPr lvl="1" eaLnBrk="1" hangingPunct="1"/>
-            <a:endParaRPr lang="en-US" altLang="zh-CN" sz="1600" smtClean="0"/>
+              <a:rPr lang="zh-CN" altLang="en-US" dirty="0" smtClean="0"/>
+              <a:t>灵活功能强大的场景物件系统</a:t>
+            </a:r>
+            <a:endParaRPr lang="zh-CN" altLang="en-US" dirty="0" smtClean="0"/>
           </a:p>
         </p:txBody>
       </p:sp>
@@ -4792,37 +5452,9 @@
       </p:grpSpPr>
       <p:sp>
         <p:nvSpPr>
-          <p:cNvPr id="20482" name="Rectangle 2"/>
+          <p:cNvPr id="10243" name="Rectangle 3"/>
           <p:cNvSpPr>
-            <a:spLocks noChangeArrowheads="1"/>
-          </p:cNvSpPr>
-          <p:nvPr>
-            <p:ph type="title"/>
-          </p:nvPr>
-        </p:nvSpPr>
-        <p:spPr>
-          <a:xfrm>
-            <a:off x="304800" y="228600"/>
-            <a:ext cx="6011863" cy="838200"/>
-          </a:xfrm>
-        </p:spPr>
-        <p:txBody>
-          <a:bodyPr/>
-          <a:lstStyle/>
-          <a:p>
-            <a:pPr eaLnBrk="1" hangingPunct="1"/>
-            <a:r>
-              <a:rPr lang="zh-CN" altLang="en-US" smtClean="0"/>
-              <a:t>其他</a:t>
-            </a:r>
-          </a:p>
-        </p:txBody>
-      </p:sp>
-      <p:sp>
-        <p:nvSpPr>
-          <p:cNvPr id="20483" name="Rectangle 3"/>
-          <p:cNvSpPr>
-            <a:spLocks noChangeArrowheads="1"/>
+            <a:spLocks noGrp="1" noChangeArrowheads="1"/>
           </p:cNvSpPr>
           <p:nvPr>
             <p:ph type="body" idx="1"/>
@@ -4830,8 +5462,8 @@
         </p:nvSpPr>
         <p:spPr>
           <a:xfrm>
-            <a:off x="609600" y="1295400"/>
-            <a:ext cx="7543800" cy="4419600"/>
+            <a:off x="685800" y="1219200"/>
+            <a:ext cx="8229600" cy="3886200"/>
           </a:xfrm>
         </p:spPr>
         <p:txBody>
@@ -4840,28 +5472,51 @@
           <a:p>
             <a:pPr eaLnBrk="1" hangingPunct="1"/>
             <a:r>
-              <a:rPr lang="zh-CN" altLang="en-US" sz="1600" smtClean="0"/>
-              <a:t>感悟：</a:t>
-            </a:r>
-            <a:r>
-              <a:rPr lang="zh-CN" altLang="en-US" sz="1600" b="0" smtClean="0"/>
-              <a:t>系统设计需要考虑其易用性，分析问题需要看清其本质，要勇于尝试敢于失败，多积累，多总结，多分享，沟通时需要真正的了解对方的意图，合理的安排时间提高开发效率，不要墨守陈规要经常思考现有的开发方式和开发流程是否合理。</a:t>
-            </a:r>
-            <a:r>
-              <a:rPr lang="zh-CN" sz="1600" b="0" smtClean="0"/>
-              <a:t/>
-            </a:r>
-            <a:br>
-              <a:rPr lang="zh-CN" sz="1600" b="0" smtClean="0"/>
-            </a:br>
-            <a:r>
-              <a:rPr lang="zh-CN" sz="2800" smtClean="0"/>
-              <a:t/>
-            </a:r>
-            <a:br>
-              <a:rPr lang="zh-CN" sz="2800" smtClean="0"/>
-            </a:br>
-            <a:endParaRPr lang="zh-CN" sz="2800" smtClean="0"/>
+              <a:rPr lang="zh-CN" altLang="en-US" dirty="0" smtClean="0"/>
+              <a:t>物件系统多样化和组合冗余解决：</a:t>
+            </a:r>
+            <a:endParaRPr lang="en-US" altLang="zh-CN" smtClean="0"/>
+          </a:p>
+          <a:p>
+            <a:pPr eaLnBrk="1" hangingPunct="1"/>
+            <a:endParaRPr lang="en-US" altLang="zh-CN" b="0" dirty="0" smtClean="0">
+              <a:latin typeface="宋体" charset="-122"/>
+            </a:endParaRPr>
+          </a:p>
+          <a:p>
+            <a:pPr lvl="1" eaLnBrk="1" hangingPunct="1"/>
+            <a:endParaRPr lang="en-US" altLang="zh-CN" b="0" dirty="0" smtClean="0">
+              <a:latin typeface="宋体" charset="-122"/>
+            </a:endParaRPr>
+          </a:p>
+          <a:p>
+            <a:endParaRPr lang="en-US" altLang="zh-CN" sz="1600" b="0" dirty="0" smtClean="0">
+              <a:latin typeface="宋体" charset="-122"/>
+            </a:endParaRPr>
+          </a:p>
+        </p:txBody>
+      </p:sp>
+      <p:sp>
+        <p:nvSpPr>
+          <p:cNvPr id="91" name="Rectangle 2"/>
+          <p:cNvSpPr>
+            <a:spLocks noGrp="1" noChangeArrowheads="1"/>
+          </p:cNvSpPr>
+          <p:nvPr>
+            <p:ph type="title"/>
+          </p:nvPr>
+        </p:nvSpPr>
+        <p:spPr/>
+        <p:txBody>
+          <a:bodyPr/>
+          <a:lstStyle/>
+          <a:p>
+            <a:pPr eaLnBrk="1" hangingPunct="1"/>
+            <a:r>
+              <a:rPr lang="zh-CN" altLang="en-US" dirty="0" smtClean="0"/>
+              <a:t>灵活功能强大的场景物件系统</a:t>
+            </a:r>
+            <a:endParaRPr lang="zh-CN" altLang="en-US" dirty="0" smtClean="0"/>
           </a:p>
         </p:txBody>
       </p:sp>
@@ -4880,3777 +5535,7 @@
 </p:sld>
 </file>
 
-<file path=ppt/slides/slide2.xml><?xml version="1.0" encoding="utf-8"?>
-<p:sld xmlns:a="http://schemas.openxmlformats.org/drawingml/2006/main" xmlns:r="http://schemas.openxmlformats.org/officeDocument/2006/relationships" xmlns:p="http://schemas.openxmlformats.org/presentationml/2006/main">
-  <p:cSld>
-    <p:spTree>
-      <p:nvGrpSpPr>
-        <p:cNvPr id="1" name=""/>
-        <p:cNvGrpSpPr/>
-        <p:nvPr/>
-      </p:nvGrpSpPr>
-      <p:grpSpPr>
-        <a:xfrm>
-          <a:off x="0" y="0"/>
-          <a:ext cx="0" cy="0"/>
-          <a:chOff x="0" y="0"/>
-          <a:chExt cx="0" cy="0"/>
-        </a:xfrm>
-      </p:grpSpPr>
-      <p:sp>
-        <p:nvSpPr>
-          <p:cNvPr id="5122" name="Rectangle 2"/>
-          <p:cNvSpPr>
-            <a:spLocks noChangeArrowheads="1"/>
-          </p:cNvSpPr>
-          <p:nvPr>
-            <p:ph type="title"/>
-          </p:nvPr>
-        </p:nvSpPr>
-        <p:spPr>
-          <a:xfrm>
-            <a:off x="228600" y="152400"/>
-            <a:ext cx="6011863" cy="838200"/>
-          </a:xfrm>
-        </p:spPr>
-        <p:txBody>
-          <a:bodyPr/>
-          <a:lstStyle/>
-          <a:p>
-            <a:pPr eaLnBrk="1" hangingPunct="1"/>
-            <a:r>
-              <a:rPr lang="zh-CN" altLang="en-US" smtClean="0"/>
-              <a:t>个人经历概述</a:t>
-            </a:r>
-          </a:p>
-        </p:txBody>
-      </p:sp>
-      <p:sp>
-        <p:nvSpPr>
-          <p:cNvPr id="5123" name="Rectangle 3"/>
-          <p:cNvSpPr>
-            <a:spLocks noChangeArrowheads="1"/>
-          </p:cNvSpPr>
-          <p:nvPr>
-            <p:ph type="body" idx="1"/>
-          </p:nvPr>
-        </p:nvSpPr>
-        <p:spPr>
-          <a:xfrm>
-            <a:off x="381000" y="1219200"/>
-            <a:ext cx="8382000" cy="3657600"/>
-          </a:xfrm>
-        </p:spPr>
-        <p:txBody>
-          <a:bodyPr/>
-          <a:lstStyle/>
-          <a:p>
-            <a:pPr eaLnBrk="1" hangingPunct="1"/>
-            <a:r>
-              <a:rPr lang="zh-CN" altLang="en-US" sz="1600" dirty="0" smtClean="0">
-                <a:latin typeface="宋体" charset="-122"/>
-              </a:rPr>
-              <a:t>在轩辕传奇项目组的个人经历</a:t>
-            </a:r>
-            <a:endParaRPr lang="en-US" altLang="zh-CN" sz="1600" dirty="0" smtClean="0">
-              <a:latin typeface="宋体" charset="-122"/>
-            </a:endParaRPr>
-          </a:p>
-          <a:p>
-            <a:pPr eaLnBrk="1" hangingPunct="1"/>
-            <a:r>
-              <a:rPr lang="zh-CN" altLang="en-US" sz="1600" dirty="0" smtClean="0">
-                <a:latin typeface="宋体" charset="-122"/>
-              </a:rPr>
-              <a:t>经历时间：</a:t>
-            </a:r>
-            <a:r>
-              <a:rPr lang="en-US" altLang="zh-CN" sz="1600" b="0" dirty="0" smtClean="0">
-                <a:latin typeface="宋体" charset="-122"/>
-              </a:rPr>
-              <a:t>2009.7-2014.8</a:t>
-            </a:r>
-            <a:endParaRPr lang="en-US" altLang="zh-CN" sz="1600" b="0" dirty="0" smtClean="0">
-              <a:latin typeface="宋体" charset="-122"/>
-            </a:endParaRPr>
-          </a:p>
-          <a:p>
-            <a:pPr eaLnBrk="1" hangingPunct="1"/>
-            <a:r>
-              <a:rPr lang="zh-CN" altLang="en-US" sz="1600" dirty="0" smtClean="0">
-                <a:latin typeface="宋体" charset="-122"/>
-              </a:rPr>
-              <a:t>经历阶段</a:t>
-            </a:r>
-            <a:r>
-              <a:rPr lang="zh-CN" altLang="en-US" sz="1600" dirty="0" smtClean="0">
-                <a:latin typeface="宋体" charset="-122"/>
-              </a:rPr>
-              <a:t>：</a:t>
-            </a:r>
-            <a:r>
-              <a:rPr lang="zh-CN" altLang="en-US" sz="1600" b="0" dirty="0" smtClean="0">
-                <a:latin typeface="宋体" charset="-122"/>
-              </a:rPr>
-              <a:t>第三</a:t>
-            </a:r>
-            <a:r>
-              <a:rPr lang="zh-CN" altLang="en-US" sz="1600" b="0" dirty="0" smtClean="0">
-                <a:latin typeface="宋体" charset="-122"/>
-              </a:rPr>
-              <a:t>次封闭测试</a:t>
-            </a:r>
-            <a:endParaRPr lang="en-US" altLang="zh-CN" sz="1600" b="0" dirty="0" smtClean="0">
-              <a:latin typeface="宋体" charset="-122"/>
-            </a:endParaRPr>
-          </a:p>
-          <a:p>
-            <a:pPr eaLnBrk="1" hangingPunct="1"/>
-            <a:r>
-              <a:rPr lang="zh-CN" altLang="en-US" sz="1600" dirty="0" smtClean="0">
-                <a:latin typeface="宋体" charset="-122"/>
-              </a:rPr>
-              <a:t>工作内容：</a:t>
-            </a:r>
-            <a:endParaRPr lang="en-US" altLang="zh-CN" sz="1600" dirty="0" smtClean="0">
-              <a:latin typeface="宋体" charset="-122"/>
-            </a:endParaRPr>
-          </a:p>
-          <a:p>
-            <a:pPr lvl="1" eaLnBrk="1" hangingPunct="1"/>
-            <a:r>
-              <a:rPr lang="zh-CN" altLang="en-US" sz="1600" b="0" dirty="0" smtClean="0">
-                <a:latin typeface="宋体" charset="-122"/>
-              </a:rPr>
-              <a:t>怪物猎人场景物件开发流程规范制定，系统搭建和需求实现以及后续优化，同步方案设计和实施</a:t>
-            </a:r>
-            <a:endParaRPr lang="en-US" altLang="zh-CN" sz="1600" b="0" dirty="0" smtClean="0">
-              <a:latin typeface="宋体" charset="-122"/>
-            </a:endParaRPr>
-          </a:p>
-          <a:p>
-            <a:pPr lvl="1" eaLnBrk="1" hangingPunct="1"/>
-            <a:r>
-              <a:rPr lang="zh-CN" altLang="en-US" sz="1600" b="0" dirty="0" smtClean="0">
-                <a:latin typeface="宋体" charset="-122"/>
-              </a:rPr>
-              <a:t>怪物特殊玩法实现，特殊移动，与物件的交互等</a:t>
-            </a:r>
-            <a:endParaRPr lang="en-US" altLang="zh-CN" sz="1600" b="0" dirty="0" smtClean="0">
-              <a:latin typeface="宋体" charset="-122"/>
-            </a:endParaRPr>
-          </a:p>
-          <a:p>
-            <a:pPr lvl="1" eaLnBrk="1" hangingPunct="1"/>
-            <a:r>
-              <a:rPr lang="zh-CN" altLang="en-US" sz="1600" b="0" dirty="0" smtClean="0">
-                <a:latin typeface="宋体" charset="-122"/>
-              </a:rPr>
-              <a:t>怪物群体</a:t>
-            </a:r>
-            <a:r>
-              <a:rPr lang="en-US" altLang="zh-CN" sz="1600" b="0" dirty="0" smtClean="0">
-                <a:latin typeface="宋体" charset="-122"/>
-              </a:rPr>
-              <a:t>AI</a:t>
-            </a:r>
-            <a:r>
-              <a:rPr lang="zh-CN" altLang="en-US" sz="1600" b="0" dirty="0" smtClean="0">
-                <a:latin typeface="宋体" charset="-122"/>
-              </a:rPr>
-              <a:t>系统的设计和实现</a:t>
-            </a:r>
-            <a:endParaRPr lang="en-US" altLang="zh-CN" sz="1600" b="0" dirty="0" smtClean="0">
-              <a:latin typeface="宋体" charset="-122"/>
-            </a:endParaRPr>
-          </a:p>
-          <a:p>
-            <a:pPr lvl="1" eaLnBrk="1" hangingPunct="1"/>
-            <a:r>
-              <a:rPr lang="zh-CN" altLang="en-US" sz="1600" b="0" dirty="0" smtClean="0">
-                <a:latin typeface="宋体" charset="-122"/>
-              </a:rPr>
-              <a:t>一些内存优化和系统重构工作</a:t>
-            </a:r>
-            <a:endParaRPr lang="en-US" altLang="zh-CN" sz="1600" b="0" dirty="0" smtClean="0">
-              <a:latin typeface="宋体" charset="-122"/>
-            </a:endParaRPr>
-          </a:p>
-          <a:p>
-            <a:pPr eaLnBrk="1" hangingPunct="1"/>
-            <a:endParaRPr lang="en-US" altLang="zh-CN" sz="1600" b="0" dirty="0" smtClean="0">
-              <a:latin typeface="宋体" charset="-122"/>
-            </a:endParaRPr>
-          </a:p>
-        </p:txBody>
-      </p:sp>
-    </p:spTree>
-  </p:cSld>
-  <p:clrMapOvr>
-    <a:masterClrMapping/>
-  </p:clrMapOvr>
-  <p:timing>
-    <p:tnLst>
-      <p:par>
-        <p:cTn id="1" dur="indefinite" restart="never" nodeType="tmRoot"/>
-      </p:par>
-    </p:tnLst>
-  </p:timing>
-</p:sld>
-</file>
-
-<file path=ppt/slides/slide3.xml><?xml version="1.0" encoding="utf-8"?>
-<p:sld xmlns:a="http://schemas.openxmlformats.org/drawingml/2006/main" xmlns:r="http://schemas.openxmlformats.org/officeDocument/2006/relationships" xmlns:p="http://schemas.openxmlformats.org/presentationml/2006/main">
-  <p:cSld>
-    <p:spTree>
-      <p:nvGrpSpPr>
-        <p:cNvPr id="1" name=""/>
-        <p:cNvGrpSpPr/>
-        <p:nvPr/>
-      </p:nvGrpSpPr>
-      <p:grpSpPr>
-        <a:xfrm>
-          <a:off x="0" y="0"/>
-          <a:ext cx="0" cy="0"/>
-          <a:chOff x="0" y="0"/>
-          <a:chExt cx="0" cy="0"/>
-        </a:xfrm>
-      </p:grpSpPr>
-      <p:sp>
-        <p:nvSpPr>
-          <p:cNvPr id="9218" name="Rectangle 2"/>
-          <p:cNvSpPr>
-            <a:spLocks noChangeArrowheads="1"/>
-          </p:cNvSpPr>
-          <p:nvPr>
-            <p:ph type="title"/>
-          </p:nvPr>
-        </p:nvSpPr>
-        <p:spPr>
-          <a:xfrm>
-            <a:off x="228600" y="228600"/>
-            <a:ext cx="6011863" cy="838200"/>
-          </a:xfrm>
-        </p:spPr>
-        <p:txBody>
-          <a:bodyPr/>
-          <a:lstStyle/>
-          <a:p>
-            <a:pPr eaLnBrk="1" hangingPunct="1"/>
-            <a:r>
-              <a:rPr lang="zh-CN" altLang="en-US" smtClean="0"/>
-              <a:t>高效稳定的防作弊战斗校验方案</a:t>
-            </a:r>
-          </a:p>
-        </p:txBody>
-      </p:sp>
-      <p:sp>
-        <p:nvSpPr>
-          <p:cNvPr id="9219" name="Rectangle 3"/>
-          <p:cNvSpPr>
-            <a:spLocks noChangeArrowheads="1"/>
-          </p:cNvSpPr>
-          <p:nvPr>
-            <p:ph type="body" idx="1"/>
-          </p:nvPr>
-        </p:nvSpPr>
-        <p:spPr>
-          <a:xfrm>
-            <a:off x="685800" y="1219200"/>
-            <a:ext cx="8229600" cy="3886200"/>
-          </a:xfrm>
-        </p:spPr>
-        <p:txBody>
-          <a:bodyPr/>
-          <a:lstStyle/>
-          <a:p>
-            <a:pPr eaLnBrk="1" hangingPunct="1"/>
-            <a:r>
-              <a:rPr lang="zh-CN" altLang="en-US" sz="1600" smtClean="0"/>
-              <a:t>常见方案：</a:t>
-            </a:r>
-            <a:r>
-              <a:rPr lang="zh-CN" altLang="zh-CN" sz="1600" smtClean="0"/>
-              <a:t>客户端产生碰撞结果触发请求服务器进行位置相关校验</a:t>
-            </a:r>
-            <a:endParaRPr lang="zh-CN" altLang="en-US" sz="1600" smtClean="0">
-              <a:latin typeface="宋体" charset="-122"/>
-            </a:endParaRPr>
-          </a:p>
-          <a:p>
-            <a:pPr eaLnBrk="1" hangingPunct="1"/>
-            <a:r>
-              <a:rPr lang="zh-CN" altLang="en-US" sz="1600" smtClean="0"/>
-              <a:t>优点：</a:t>
-            </a:r>
-            <a:endParaRPr lang="en-US" altLang="zh-CN" sz="1600" smtClean="0"/>
-          </a:p>
-          <a:p>
-            <a:pPr lvl="1" eaLnBrk="1" hangingPunct="1"/>
-            <a:r>
-              <a:rPr lang="zh-CN" altLang="en-US" sz="1600" b="0" smtClean="0"/>
-              <a:t>服务器不依赖动画和物理</a:t>
-            </a:r>
-            <a:endParaRPr lang="en-US" altLang="zh-CN" sz="1600" b="0" smtClean="0"/>
-          </a:p>
-          <a:p>
-            <a:pPr lvl="1" eaLnBrk="1" hangingPunct="1"/>
-            <a:r>
-              <a:rPr lang="zh-CN" altLang="en-US" sz="1600" b="0" smtClean="0"/>
-              <a:t>客户端动画表现更自由</a:t>
-            </a:r>
-            <a:endParaRPr lang="en-US" altLang="zh-CN" sz="1600" b="0" smtClean="0"/>
-          </a:p>
-          <a:p>
-            <a:pPr eaLnBrk="1" hangingPunct="1"/>
-            <a:r>
-              <a:rPr lang="zh-CN" altLang="en-US" sz="1600" smtClean="0"/>
-              <a:t>缺点：</a:t>
-            </a:r>
-            <a:endParaRPr lang="en-US" altLang="zh-CN" sz="1600" smtClean="0"/>
-          </a:p>
-          <a:p>
-            <a:pPr lvl="1" eaLnBrk="1" hangingPunct="1"/>
-            <a:r>
-              <a:rPr lang="zh-CN" altLang="en-US" sz="1600" b="0" smtClean="0">
-                <a:latin typeface="宋体" charset="-122"/>
-              </a:rPr>
-              <a:t>容易作弊</a:t>
-            </a:r>
-            <a:endParaRPr lang="en-US" altLang="zh-CN" sz="1600" b="0" smtClean="0">
-              <a:latin typeface="宋体" charset="-122"/>
-            </a:endParaRPr>
-          </a:p>
-          <a:p>
-            <a:pPr lvl="1" eaLnBrk="1" hangingPunct="1"/>
-            <a:r>
-              <a:rPr lang="zh-CN" altLang="en-US" sz="1600" b="0" smtClean="0">
-                <a:latin typeface="宋体" charset="-122"/>
-              </a:rPr>
-              <a:t>碰撞时机和校验时机很难一致</a:t>
-            </a:r>
-            <a:endParaRPr lang="en-US" altLang="zh-CN" sz="1600" b="0" smtClean="0">
-              <a:latin typeface="宋体" charset="-122"/>
-            </a:endParaRPr>
-          </a:p>
-          <a:p>
-            <a:pPr lvl="1" eaLnBrk="1" hangingPunct="1"/>
-            <a:r>
-              <a:rPr lang="zh-CN" altLang="en-US" sz="1600" b="0" smtClean="0">
-                <a:latin typeface="宋体" charset="-122"/>
-              </a:rPr>
-              <a:t>攻防双方结果不一致</a:t>
-            </a:r>
-            <a:endParaRPr lang="en-US" altLang="zh-CN" sz="1600" b="0" smtClean="0">
-              <a:latin typeface="宋体" charset="-122"/>
-            </a:endParaRPr>
-          </a:p>
-          <a:p>
-            <a:pPr eaLnBrk="1" hangingPunct="1"/>
-            <a:r>
-              <a:rPr lang="zh-CN" altLang="en-US" sz="1600" smtClean="0">
-                <a:latin typeface="宋体" charset="-122"/>
-              </a:rPr>
-              <a:t>解决方案：服务器同步驱动动画和物理产生碰撞结果</a:t>
-            </a:r>
-            <a:endParaRPr lang="en-US" altLang="zh-CN" sz="1600" smtClean="0">
-              <a:latin typeface="宋体" charset="-122"/>
-            </a:endParaRPr>
-          </a:p>
-          <a:p>
-            <a:pPr eaLnBrk="1" hangingPunct="1"/>
-            <a:r>
-              <a:rPr lang="zh-CN" altLang="en-US" sz="1600" smtClean="0">
-                <a:latin typeface="宋体" charset="-122"/>
-              </a:rPr>
-              <a:t>优点：</a:t>
-            </a:r>
-            <a:endParaRPr lang="en-US" altLang="zh-CN" sz="1600" smtClean="0">
-              <a:latin typeface="宋体" charset="-122"/>
-            </a:endParaRPr>
-          </a:p>
-          <a:p>
-            <a:pPr lvl="1" eaLnBrk="1" hangingPunct="1"/>
-            <a:r>
-              <a:rPr lang="zh-CN" altLang="en-US" sz="1600" b="0" smtClean="0">
-                <a:latin typeface="宋体" charset="-122"/>
-              </a:rPr>
-              <a:t>防止作弊</a:t>
-            </a:r>
-            <a:endParaRPr lang="en-US" altLang="zh-CN" sz="1600" b="0" smtClean="0">
-              <a:latin typeface="宋体" charset="-122"/>
-            </a:endParaRPr>
-          </a:p>
-          <a:p>
-            <a:pPr eaLnBrk="1" hangingPunct="1"/>
-            <a:r>
-              <a:rPr lang="zh-CN" altLang="en-US" sz="1600" smtClean="0">
-                <a:latin typeface="宋体" charset="-122"/>
-              </a:rPr>
-              <a:t>难点：</a:t>
-            </a:r>
-            <a:endParaRPr lang="en-US" altLang="zh-CN" sz="1600" smtClean="0">
-              <a:latin typeface="宋体" charset="-122"/>
-            </a:endParaRPr>
-          </a:p>
-          <a:p>
-            <a:pPr lvl="1" eaLnBrk="1" hangingPunct="1"/>
-            <a:r>
-              <a:rPr lang="zh-CN" altLang="en-US" sz="1600" b="0" smtClean="0">
-                <a:latin typeface="宋体" charset="-122"/>
-              </a:rPr>
-              <a:t>服务器和客户端动画一致性要求高</a:t>
-            </a:r>
-            <a:endParaRPr lang="en-US" altLang="zh-CN" sz="1600" b="0" smtClean="0">
-              <a:latin typeface="宋体" charset="-122"/>
-            </a:endParaRPr>
-          </a:p>
-          <a:p>
-            <a:pPr lvl="1" eaLnBrk="1" hangingPunct="1"/>
-            <a:r>
-              <a:rPr lang="zh-CN" altLang="en-US" sz="1600" b="0" smtClean="0">
-                <a:latin typeface="宋体" charset="-122"/>
-              </a:rPr>
-              <a:t>服务器性能的要求高</a:t>
-            </a:r>
-            <a:endParaRPr lang="zh-CN" sz="1600" b="0" smtClean="0">
-              <a:latin typeface="宋体" charset="-122"/>
-            </a:endParaRPr>
-          </a:p>
-        </p:txBody>
-      </p:sp>
-    </p:spTree>
-  </p:cSld>
-  <p:clrMapOvr>
-    <a:masterClrMapping/>
-  </p:clrMapOvr>
-  <p:timing>
-    <p:tnLst>
-      <p:par>
-        <p:cTn id="1" dur="indefinite" restart="never" nodeType="tmRoot"/>
-      </p:par>
-    </p:tnLst>
-  </p:timing>
-</p:sld>
-</file>
-
-<file path=ppt/slides/slide4.xml><?xml version="1.0" encoding="utf-8"?>
-<p:sld xmlns:a="http://schemas.openxmlformats.org/drawingml/2006/main" xmlns:r="http://schemas.openxmlformats.org/officeDocument/2006/relationships" xmlns:p="http://schemas.openxmlformats.org/presentationml/2006/main">
-  <p:cSld>
-    <p:spTree>
-      <p:nvGrpSpPr>
-        <p:cNvPr id="1" name=""/>
-        <p:cNvGrpSpPr/>
-        <p:nvPr/>
-      </p:nvGrpSpPr>
-      <p:grpSpPr>
-        <a:xfrm>
-          <a:off x="0" y="0"/>
-          <a:ext cx="0" cy="0"/>
-          <a:chOff x="0" y="0"/>
-          <a:chExt cx="0" cy="0"/>
-        </a:xfrm>
-      </p:grpSpPr>
-      <p:sp>
-        <p:nvSpPr>
-          <p:cNvPr id="10242" name="Rectangle 2"/>
-          <p:cNvSpPr>
-            <a:spLocks noChangeArrowheads="1"/>
-          </p:cNvSpPr>
-          <p:nvPr>
-            <p:ph type="title"/>
-          </p:nvPr>
-        </p:nvSpPr>
-        <p:spPr>
-          <a:xfrm>
-            <a:off x="228600" y="228600"/>
-            <a:ext cx="6011863" cy="838200"/>
-          </a:xfrm>
-        </p:spPr>
-        <p:txBody>
-          <a:bodyPr/>
-          <a:lstStyle/>
-          <a:p>
-            <a:pPr eaLnBrk="1" hangingPunct="1"/>
-            <a:r>
-              <a:rPr lang="zh-CN" altLang="en-US" smtClean="0"/>
-              <a:t>高效稳定的防作弊战斗校验方案</a:t>
-            </a:r>
-          </a:p>
-        </p:txBody>
-      </p:sp>
-      <p:sp>
-        <p:nvSpPr>
-          <p:cNvPr id="10243" name="Rectangle 3"/>
-          <p:cNvSpPr>
-            <a:spLocks noChangeArrowheads="1"/>
-          </p:cNvSpPr>
-          <p:nvPr>
-            <p:ph type="body" idx="1"/>
-          </p:nvPr>
-        </p:nvSpPr>
-        <p:spPr>
-          <a:xfrm>
-            <a:off x="685800" y="1219200"/>
-            <a:ext cx="8229600" cy="3886200"/>
-          </a:xfrm>
-        </p:spPr>
-        <p:txBody>
-          <a:bodyPr/>
-          <a:lstStyle/>
-          <a:p>
-            <a:r>
-              <a:rPr lang="zh-CN" altLang="zh-CN" sz="1600" smtClean="0"/>
-              <a:t>动画同步：</a:t>
-            </a:r>
-            <a:r>
-              <a:rPr lang="zh-CN" altLang="zh-CN" sz="1600" b="0" smtClean="0"/>
-              <a:t>服务器和客户端动画一致性要求高，客户端无明显的战斗</a:t>
-            </a:r>
-            <a:r>
-              <a:rPr lang="en-US" altLang="zh-CN" sz="1600" b="0" smtClean="0"/>
-              <a:t>Miss</a:t>
-            </a:r>
-            <a:r>
-              <a:rPr lang="zh-CN" altLang="zh-CN" sz="1600" b="0" smtClean="0"/>
-              <a:t>情况</a:t>
-            </a:r>
-            <a:endParaRPr lang="en-US" altLang="zh-CN" sz="1600" b="0" smtClean="0"/>
-          </a:p>
-          <a:p>
-            <a:r>
-              <a:rPr lang="zh-CN" altLang="en-US" sz="1600" smtClean="0"/>
-              <a:t>解决方法：</a:t>
-            </a:r>
-            <a:r>
-              <a:rPr lang="zh-CN" altLang="zh-CN" sz="1600" b="0" smtClean="0"/>
-              <a:t>动画同步点一致，动画执行过程一致</a:t>
-            </a:r>
-          </a:p>
-          <a:p>
-            <a:pPr eaLnBrk="1" hangingPunct="1"/>
-            <a:r>
-              <a:rPr lang="zh-CN" altLang="zh-CN" sz="1600" smtClean="0"/>
-              <a:t>动画同步点一致</a:t>
-            </a:r>
-            <a:r>
-              <a:rPr lang="zh-CN" altLang="en-US" sz="1600" smtClean="0"/>
-              <a:t>：</a:t>
-            </a:r>
-            <a:endParaRPr lang="en-US" altLang="zh-CN" sz="1600" smtClean="0"/>
-          </a:p>
-          <a:p>
-            <a:pPr lvl="1" eaLnBrk="1" hangingPunct="1"/>
-            <a:r>
-              <a:rPr lang="zh-CN" altLang="en-US" sz="1600" b="0" smtClean="0"/>
-              <a:t>延迟状态同步</a:t>
-            </a:r>
-            <a:endParaRPr lang="en-US" altLang="zh-CN" sz="1600" b="0" smtClean="0"/>
-          </a:p>
-          <a:p>
-            <a:pPr lvl="1" eaLnBrk="1" hangingPunct="1"/>
-            <a:r>
-              <a:rPr lang="zh-CN" altLang="en-US" sz="1600" b="0" smtClean="0"/>
-              <a:t>相对关系不变</a:t>
-            </a:r>
-            <a:endParaRPr lang="en-US" altLang="zh-CN" sz="1600" b="0" smtClean="0"/>
-          </a:p>
-          <a:p>
-            <a:pPr lvl="1" eaLnBrk="1" hangingPunct="1"/>
-            <a:r>
-              <a:rPr lang="zh-CN" altLang="en-US" sz="1600" b="0" smtClean="0"/>
-              <a:t>防止一定的网络波动</a:t>
-            </a:r>
-            <a:endParaRPr lang="en-US" altLang="zh-CN" sz="1600" b="0" smtClean="0"/>
-          </a:p>
-          <a:p>
-            <a:pPr lvl="1" eaLnBrk="1" hangingPunct="1"/>
-            <a:endParaRPr lang="en-US" altLang="zh-CN" sz="1600" smtClean="0"/>
-          </a:p>
-          <a:p>
-            <a:pPr lvl="1" eaLnBrk="1" hangingPunct="1"/>
-            <a:endParaRPr lang="en-US" altLang="zh-CN" sz="1600" smtClean="0"/>
-          </a:p>
-          <a:p>
-            <a:pPr eaLnBrk="1" hangingPunct="1"/>
-            <a:r>
-              <a:rPr lang="zh-CN" altLang="zh-CN" sz="1600" smtClean="0"/>
-              <a:t>动画执行过程一致</a:t>
-            </a:r>
-            <a:r>
-              <a:rPr lang="zh-CN" altLang="en-US" sz="1600" smtClean="0"/>
-              <a:t>：</a:t>
-            </a:r>
-            <a:endParaRPr lang="en-US" altLang="zh-CN" sz="1600" smtClean="0"/>
-          </a:p>
-          <a:p>
-            <a:pPr lvl="1" eaLnBrk="1" hangingPunct="1"/>
-            <a:r>
-              <a:rPr lang="zh-CN" altLang="en-US" sz="1600" b="0" smtClean="0"/>
-              <a:t>稳定帧更新</a:t>
-            </a:r>
-            <a:endParaRPr lang="en-US" altLang="zh-CN" sz="1600" b="0" smtClean="0"/>
-          </a:p>
-          <a:p>
-            <a:pPr lvl="1" eaLnBrk="1" hangingPunct="1"/>
-            <a:r>
-              <a:rPr lang="zh-CN" altLang="zh-CN" sz="1600" b="0" smtClean="0"/>
-              <a:t>防止帧率抖动</a:t>
-            </a:r>
-            <a:endParaRPr lang="en-US" altLang="zh-CN" sz="1600" b="0" smtClean="0">
-              <a:latin typeface="宋体" charset="-122"/>
-            </a:endParaRPr>
-          </a:p>
-          <a:p>
-            <a:pPr lvl="1" eaLnBrk="1" hangingPunct="1"/>
-            <a:r>
-              <a:rPr lang="zh-CN" altLang="zh-CN" sz="1600" b="0" smtClean="0"/>
-              <a:t>一致性高</a:t>
-            </a:r>
-            <a:endParaRPr lang="en-US" altLang="zh-CN" sz="1600" b="0" smtClean="0">
-              <a:latin typeface="宋体" charset="-122"/>
-            </a:endParaRPr>
-          </a:p>
-        </p:txBody>
-      </p:sp>
-      <p:grpSp>
-        <p:nvGrpSpPr>
-          <p:cNvPr id="10244" name="组合 6151"/>
-          <p:cNvGrpSpPr>
-            <a:grpSpLocks/>
-          </p:cNvGrpSpPr>
-          <p:nvPr/>
-        </p:nvGrpSpPr>
-        <p:grpSpPr bwMode="auto">
-          <a:xfrm>
-            <a:off x="3733800" y="1982788"/>
-            <a:ext cx="3581400" cy="1598612"/>
-            <a:chOff x="3810020" y="2137785"/>
-            <a:chExt cx="3581306" cy="1598464"/>
-          </a:xfrm>
-        </p:grpSpPr>
-        <p:grpSp>
-          <p:nvGrpSpPr>
-            <p:cNvPr id="10282" name="组合 6149"/>
-            <p:cNvGrpSpPr>
-              <a:grpSpLocks/>
-            </p:cNvGrpSpPr>
-            <p:nvPr/>
-          </p:nvGrpSpPr>
-          <p:grpSpPr bwMode="auto">
-            <a:xfrm>
-              <a:off x="3810020" y="2137785"/>
-              <a:ext cx="3581306" cy="1598464"/>
-              <a:chOff x="3962416" y="2215714"/>
-              <a:chExt cx="3581306" cy="1598464"/>
-            </a:xfrm>
-          </p:grpSpPr>
-          <p:grpSp>
-            <p:nvGrpSpPr>
-              <p:cNvPr id="10291" name="组合 16"/>
-              <p:cNvGrpSpPr>
-                <a:grpSpLocks/>
-              </p:cNvGrpSpPr>
-              <p:nvPr/>
-            </p:nvGrpSpPr>
-            <p:grpSpPr bwMode="auto">
-              <a:xfrm>
-                <a:off x="4397417" y="2984293"/>
-                <a:ext cx="3146305" cy="829885"/>
-                <a:chOff x="3730684" y="1918190"/>
-                <a:chExt cx="3146305" cy="829885"/>
-              </a:xfrm>
-            </p:grpSpPr>
-            <p:sp>
-              <p:nvSpPr>
-                <p:cNvPr id="10311" name="TextBox 14"/>
-                <p:cNvSpPr txBox="1">
-                  <a:spLocks noChangeArrowheads="1"/>
-                </p:cNvSpPr>
-                <p:nvPr/>
-              </p:nvSpPr>
-              <p:spPr bwMode="auto">
-                <a:xfrm>
-                  <a:off x="3769036" y="2072106"/>
-                  <a:ext cx="761980" cy="276999"/>
-                </a:xfrm>
-                <a:prstGeom prst="rect">
-                  <a:avLst/>
-                </a:prstGeom>
-                <a:noFill/>
-                <a:ln w="9525">
-                  <a:noFill/>
-                  <a:miter lim="800000"/>
-                  <a:headEnd/>
-                  <a:tailEnd/>
-                </a:ln>
-              </p:spPr>
-              <p:txBody>
-                <a:bodyPr>
-                  <a:spAutoFit/>
-                </a:bodyPr>
-                <a:lstStyle/>
-                <a:p>
-                  <a:pPr algn="ctr"/>
-                  <a:r>
-                    <a:rPr lang="en-US" altLang="zh-CN" sz="1200">
-                      <a:latin typeface="Verdana" pitchFamily="34" charset="0"/>
-                    </a:rPr>
-                    <a:t>client</a:t>
-                  </a:r>
-                  <a:endParaRPr lang="zh-CN" altLang="en-US" sz="1200">
-                    <a:latin typeface="Verdana" pitchFamily="34" charset="0"/>
-                  </a:endParaRPr>
-                </a:p>
-              </p:txBody>
-            </p:sp>
-            <p:grpSp>
-              <p:nvGrpSpPr>
-                <p:cNvPr id="10312" name="组合 15"/>
-                <p:cNvGrpSpPr>
-                  <a:grpSpLocks/>
-                </p:cNvGrpSpPr>
-                <p:nvPr/>
-              </p:nvGrpSpPr>
-              <p:grpSpPr bwMode="auto">
-                <a:xfrm>
-                  <a:off x="3730684" y="1918190"/>
-                  <a:ext cx="3146305" cy="829885"/>
-                  <a:chOff x="3730684" y="1918190"/>
-                  <a:chExt cx="3146305" cy="829885"/>
-                </a:xfrm>
-              </p:grpSpPr>
-              <p:cxnSp>
-                <p:nvCxnSpPr>
-                  <p:cNvPr id="3" name="直接连接符 2"/>
-                  <p:cNvCxnSpPr/>
-                  <p:nvPr/>
-                </p:nvCxnSpPr>
-                <p:spPr bwMode="auto">
-                  <a:xfrm>
-                    <a:off x="4456116" y="2209963"/>
-                    <a:ext cx="2057346" cy="0"/>
-                  </a:xfrm>
-                  <a:prstGeom prst="line">
-                    <a:avLst/>
-                  </a:prstGeom>
-                  <a:ln>
-                    <a:headEnd type="none" w="med" len="med"/>
-                    <a:tailEnd type="none" w="med" len="med"/>
-                  </a:ln>
-                </p:spPr>
-                <p:style>
-                  <a:lnRef idx="1">
-                    <a:schemeClr val="dk1"/>
-                  </a:lnRef>
-                  <a:fillRef idx="0">
-                    <a:schemeClr val="dk1"/>
-                  </a:fillRef>
-                  <a:effectRef idx="0">
-                    <a:schemeClr val="dk1"/>
-                  </a:effectRef>
-                  <a:fontRef idx="minor">
-                    <a:schemeClr val="tx1"/>
-                  </a:fontRef>
-                </p:style>
-              </p:cxnSp>
-              <p:cxnSp>
-                <p:nvCxnSpPr>
-                  <p:cNvPr id="10" name="直接连接符 9"/>
-                  <p:cNvCxnSpPr/>
-                  <p:nvPr/>
-                </p:nvCxnSpPr>
-                <p:spPr bwMode="auto">
-                  <a:xfrm flipH="1">
-                    <a:off x="5105386" y="2209963"/>
-                    <a:ext cx="0" cy="139687"/>
-                  </a:xfrm>
-                  <a:prstGeom prst="line">
-                    <a:avLst/>
-                  </a:prstGeom>
-                  <a:ln>
-                    <a:headEnd type="none" w="med" len="med"/>
-                    <a:tailEnd type="none" w="med" len="med"/>
-                  </a:ln>
-                </p:spPr>
-                <p:style>
-                  <a:lnRef idx="1">
-                    <a:schemeClr val="dk1"/>
-                  </a:lnRef>
-                  <a:fillRef idx="0">
-                    <a:schemeClr val="dk1"/>
-                  </a:fillRef>
-                  <a:effectRef idx="0">
-                    <a:schemeClr val="dk1"/>
-                  </a:effectRef>
-                  <a:fontRef idx="minor">
-                    <a:schemeClr val="tx1"/>
-                  </a:fontRef>
-                </p:style>
-              </p:cxnSp>
-              <p:sp>
-                <p:nvSpPr>
-                  <p:cNvPr id="10315" name="TextBox 14"/>
-                  <p:cNvSpPr txBox="1">
-                    <a:spLocks noChangeArrowheads="1"/>
-                  </p:cNvSpPr>
-                  <p:nvPr/>
-                </p:nvSpPr>
-                <p:spPr bwMode="auto">
-                  <a:xfrm>
-                    <a:off x="4724395" y="2306448"/>
-                    <a:ext cx="761980" cy="215444"/>
-                  </a:xfrm>
-                  <a:prstGeom prst="rect">
-                    <a:avLst/>
-                  </a:prstGeom>
-                  <a:noFill/>
-                  <a:ln w="9525">
-                    <a:noFill/>
-                    <a:miter lim="800000"/>
-                    <a:headEnd/>
-                    <a:tailEnd/>
-                  </a:ln>
-                </p:spPr>
-                <p:txBody>
-                  <a:bodyPr>
-                    <a:spAutoFit/>
-                  </a:bodyPr>
-                  <a:lstStyle/>
-                  <a:p>
-                    <a:pPr algn="ctr"/>
-                    <a:r>
-                      <a:rPr lang="en-US" altLang="zh-CN" sz="800">
-                        <a:latin typeface="Verdana" pitchFamily="34" charset="0"/>
-                      </a:rPr>
-                      <a:t>t1’</a:t>
-                    </a:r>
-                    <a:endParaRPr lang="zh-CN" altLang="en-US" sz="800">
-                      <a:latin typeface="Verdana" pitchFamily="34" charset="0"/>
-                    </a:endParaRPr>
-                  </a:p>
-                </p:txBody>
-              </p:sp>
-              <p:cxnSp>
-                <p:nvCxnSpPr>
-                  <p:cNvPr id="19" name="直接连接符 18"/>
-                  <p:cNvCxnSpPr/>
-                  <p:nvPr/>
-                </p:nvCxnSpPr>
-                <p:spPr bwMode="auto">
-                  <a:xfrm flipH="1">
-                    <a:off x="5600673" y="2209963"/>
-                    <a:ext cx="0" cy="139687"/>
-                  </a:xfrm>
-                  <a:prstGeom prst="line">
-                    <a:avLst/>
-                  </a:prstGeom>
-                  <a:ln>
-                    <a:headEnd type="none" w="med" len="med"/>
-                    <a:tailEnd type="none" w="med" len="med"/>
-                  </a:ln>
-                </p:spPr>
-                <p:style>
-                  <a:lnRef idx="1">
-                    <a:schemeClr val="dk1"/>
-                  </a:lnRef>
-                  <a:fillRef idx="0">
-                    <a:schemeClr val="dk1"/>
-                  </a:fillRef>
-                  <a:effectRef idx="0">
-                    <a:schemeClr val="dk1"/>
-                  </a:effectRef>
-                  <a:fontRef idx="minor">
-                    <a:schemeClr val="tx1"/>
-                  </a:fontRef>
-                </p:style>
-              </p:cxnSp>
-              <p:sp>
-                <p:nvSpPr>
-                  <p:cNvPr id="10317" name="TextBox 14"/>
-                  <p:cNvSpPr txBox="1">
-                    <a:spLocks noChangeArrowheads="1"/>
-                  </p:cNvSpPr>
-                  <p:nvPr/>
-                </p:nvSpPr>
-                <p:spPr bwMode="auto">
-                  <a:xfrm>
-                    <a:off x="5219683" y="2306448"/>
-                    <a:ext cx="761980" cy="215444"/>
-                  </a:xfrm>
-                  <a:prstGeom prst="rect">
-                    <a:avLst/>
-                  </a:prstGeom>
-                  <a:noFill/>
-                  <a:ln w="9525">
-                    <a:noFill/>
-                    <a:miter lim="800000"/>
-                    <a:headEnd/>
-                    <a:tailEnd/>
-                  </a:ln>
-                </p:spPr>
-                <p:txBody>
-                  <a:bodyPr>
-                    <a:spAutoFit/>
-                  </a:bodyPr>
-                  <a:lstStyle/>
-                  <a:p>
-                    <a:pPr algn="ctr"/>
-                    <a:r>
-                      <a:rPr lang="en-US" altLang="zh-CN" sz="800">
-                        <a:latin typeface="Verdana" pitchFamily="34" charset="0"/>
-                      </a:rPr>
-                      <a:t>t2’</a:t>
-                    </a:r>
-                    <a:endParaRPr lang="zh-CN" altLang="en-US" sz="800">
-                      <a:latin typeface="Verdana" pitchFamily="34" charset="0"/>
-                    </a:endParaRPr>
-                  </a:p>
-                </p:txBody>
-              </p:sp>
-              <p:cxnSp>
-                <p:nvCxnSpPr>
-                  <p:cNvPr id="21" name="直接连接符 20"/>
-                  <p:cNvCxnSpPr/>
-                  <p:nvPr/>
-                </p:nvCxnSpPr>
-                <p:spPr bwMode="auto">
-                  <a:xfrm flipH="1">
-                    <a:off x="6495999" y="2209963"/>
-                    <a:ext cx="0" cy="139687"/>
-                  </a:xfrm>
-                  <a:prstGeom prst="line">
-                    <a:avLst/>
-                  </a:prstGeom>
-                  <a:ln>
-                    <a:headEnd type="none" w="med" len="med"/>
-                    <a:tailEnd type="none" w="med" len="med"/>
-                  </a:ln>
-                </p:spPr>
-                <p:style>
-                  <a:lnRef idx="1">
-                    <a:schemeClr val="dk1"/>
-                  </a:lnRef>
-                  <a:fillRef idx="0">
-                    <a:schemeClr val="dk1"/>
-                  </a:fillRef>
-                  <a:effectRef idx="0">
-                    <a:schemeClr val="dk1"/>
-                  </a:effectRef>
-                  <a:fontRef idx="minor">
-                    <a:schemeClr val="tx1"/>
-                  </a:fontRef>
-                </p:style>
-              </p:cxnSp>
-              <p:sp>
-                <p:nvSpPr>
-                  <p:cNvPr id="10319" name="TextBox 14"/>
-                  <p:cNvSpPr txBox="1">
-                    <a:spLocks noChangeArrowheads="1"/>
-                  </p:cNvSpPr>
-                  <p:nvPr/>
-                </p:nvSpPr>
-                <p:spPr bwMode="auto">
-                  <a:xfrm>
-                    <a:off x="6115009" y="2306448"/>
-                    <a:ext cx="761980" cy="215444"/>
-                  </a:xfrm>
-                  <a:prstGeom prst="rect">
-                    <a:avLst/>
-                  </a:prstGeom>
-                  <a:noFill/>
-                  <a:ln w="9525">
-                    <a:noFill/>
-                    <a:miter lim="800000"/>
-                    <a:headEnd/>
-                    <a:tailEnd/>
-                  </a:ln>
-                </p:spPr>
-                <p:txBody>
-                  <a:bodyPr>
-                    <a:spAutoFit/>
-                  </a:bodyPr>
-                  <a:lstStyle/>
-                  <a:p>
-                    <a:pPr algn="ctr"/>
-                    <a:r>
-                      <a:rPr lang="en-US" altLang="zh-CN" sz="800">
-                        <a:latin typeface="Verdana" pitchFamily="34" charset="0"/>
-                      </a:rPr>
-                      <a:t>t3’</a:t>
-                    </a:r>
-                    <a:endParaRPr lang="zh-CN" altLang="en-US" sz="800">
-                      <a:latin typeface="Verdana" pitchFamily="34" charset="0"/>
-                    </a:endParaRPr>
-                  </a:p>
-                </p:txBody>
-              </p:sp>
-              <p:cxnSp>
-                <p:nvCxnSpPr>
-                  <p:cNvPr id="23" name="直接连接符 22"/>
-                  <p:cNvCxnSpPr/>
-                  <p:nvPr/>
-                </p:nvCxnSpPr>
-                <p:spPr bwMode="auto">
-                  <a:xfrm flipH="1">
-                    <a:off x="5105386" y="2102023"/>
-                    <a:ext cx="0" cy="139687"/>
-                  </a:xfrm>
-                  <a:prstGeom prst="line">
-                    <a:avLst/>
-                  </a:prstGeom>
-                  <a:ln>
-                    <a:headEnd type="none" w="med" len="med"/>
-                    <a:tailEnd type="none" w="med" len="med"/>
-                  </a:ln>
-                </p:spPr>
-                <p:style>
-                  <a:lnRef idx="1">
-                    <a:schemeClr val="dk1"/>
-                  </a:lnRef>
-                  <a:fillRef idx="0">
-                    <a:schemeClr val="dk1"/>
-                  </a:fillRef>
-                  <a:effectRef idx="0">
-                    <a:schemeClr val="dk1"/>
-                  </a:effectRef>
-                  <a:fontRef idx="minor">
-                    <a:schemeClr val="tx1"/>
-                  </a:fontRef>
-                </p:style>
-              </p:cxnSp>
-              <p:sp>
-                <p:nvSpPr>
-                  <p:cNvPr id="10321" name="TextBox 14"/>
-                  <p:cNvSpPr txBox="1">
-                    <a:spLocks noChangeArrowheads="1"/>
-                  </p:cNvSpPr>
-                  <p:nvPr/>
-                </p:nvSpPr>
-                <p:spPr bwMode="auto">
-                  <a:xfrm>
-                    <a:off x="4722472" y="1930096"/>
-                    <a:ext cx="761980" cy="215444"/>
-                  </a:xfrm>
-                  <a:prstGeom prst="rect">
-                    <a:avLst/>
-                  </a:prstGeom>
-                  <a:noFill/>
-                  <a:ln w="9525">
-                    <a:noFill/>
-                    <a:miter lim="800000"/>
-                    <a:headEnd/>
-                    <a:tailEnd/>
-                  </a:ln>
-                </p:spPr>
-                <p:txBody>
-                  <a:bodyPr>
-                    <a:spAutoFit/>
-                  </a:bodyPr>
-                  <a:lstStyle/>
-                  <a:p>
-                    <a:pPr algn="ctr"/>
-                    <a:r>
-                      <a:rPr lang="en-US" altLang="zh-CN" sz="800">
-                        <a:latin typeface="Verdana" pitchFamily="34" charset="0"/>
-                      </a:rPr>
-                      <a:t>s1</a:t>
-                    </a:r>
-                    <a:endParaRPr lang="zh-CN" altLang="en-US" sz="800">
-                      <a:latin typeface="Verdana" pitchFamily="34" charset="0"/>
-                    </a:endParaRPr>
-                  </a:p>
-                </p:txBody>
-              </p:sp>
-              <p:cxnSp>
-                <p:nvCxnSpPr>
-                  <p:cNvPr id="25" name="直接连接符 24"/>
-                  <p:cNvCxnSpPr/>
-                  <p:nvPr/>
-                </p:nvCxnSpPr>
-                <p:spPr bwMode="auto">
-                  <a:xfrm flipH="1">
-                    <a:off x="5595911" y="2098848"/>
-                    <a:ext cx="0" cy="138099"/>
-                  </a:xfrm>
-                  <a:prstGeom prst="line">
-                    <a:avLst/>
-                  </a:prstGeom>
-                  <a:ln>
-                    <a:headEnd type="none" w="med" len="med"/>
-                    <a:tailEnd type="none" w="med" len="med"/>
-                  </a:ln>
-                </p:spPr>
-                <p:style>
-                  <a:lnRef idx="1">
-                    <a:schemeClr val="dk1"/>
-                  </a:lnRef>
-                  <a:fillRef idx="0">
-                    <a:schemeClr val="dk1"/>
-                  </a:fillRef>
-                  <a:effectRef idx="0">
-                    <a:schemeClr val="dk1"/>
-                  </a:effectRef>
-                  <a:fontRef idx="minor">
-                    <a:schemeClr val="tx1"/>
-                  </a:fontRef>
-                </p:style>
-              </p:cxnSp>
-              <p:sp>
-                <p:nvSpPr>
-                  <p:cNvPr id="10323" name="TextBox 14"/>
-                  <p:cNvSpPr txBox="1">
-                    <a:spLocks noChangeArrowheads="1"/>
-                  </p:cNvSpPr>
-                  <p:nvPr/>
-                </p:nvSpPr>
-                <p:spPr bwMode="auto">
-                  <a:xfrm>
-                    <a:off x="5212986" y="1925910"/>
-                    <a:ext cx="761980" cy="215444"/>
-                  </a:xfrm>
-                  <a:prstGeom prst="rect">
-                    <a:avLst/>
-                  </a:prstGeom>
-                  <a:noFill/>
-                  <a:ln w="9525">
-                    <a:noFill/>
-                    <a:miter lim="800000"/>
-                    <a:headEnd/>
-                    <a:tailEnd/>
-                  </a:ln>
-                </p:spPr>
-                <p:txBody>
-                  <a:bodyPr>
-                    <a:spAutoFit/>
-                  </a:bodyPr>
-                  <a:lstStyle/>
-                  <a:p>
-                    <a:pPr algn="ctr"/>
-                    <a:r>
-                      <a:rPr lang="en-US" altLang="zh-CN" sz="800">
-                        <a:latin typeface="Verdana" pitchFamily="34" charset="0"/>
-                      </a:rPr>
-                      <a:t>s2</a:t>
-                    </a:r>
-                    <a:endParaRPr lang="zh-CN" altLang="en-US" sz="800">
-                      <a:latin typeface="Verdana" pitchFamily="34" charset="0"/>
-                    </a:endParaRPr>
-                  </a:p>
-                </p:txBody>
-              </p:sp>
-              <p:cxnSp>
-                <p:nvCxnSpPr>
-                  <p:cNvPr id="27" name="直接连接符 26"/>
-                  <p:cNvCxnSpPr/>
-                  <p:nvPr/>
-                </p:nvCxnSpPr>
-                <p:spPr bwMode="auto">
-                  <a:xfrm flipH="1">
-                    <a:off x="6495999" y="2090911"/>
-                    <a:ext cx="0" cy="138100"/>
-                  </a:xfrm>
-                  <a:prstGeom prst="line">
-                    <a:avLst/>
-                  </a:prstGeom>
-                  <a:ln>
-                    <a:headEnd type="none" w="med" len="med"/>
-                    <a:tailEnd type="none" w="med" len="med"/>
-                  </a:ln>
-                </p:spPr>
-                <p:style>
-                  <a:lnRef idx="1">
-                    <a:schemeClr val="dk1"/>
-                  </a:lnRef>
-                  <a:fillRef idx="0">
-                    <a:schemeClr val="dk1"/>
-                  </a:fillRef>
-                  <a:effectRef idx="0">
-                    <a:schemeClr val="dk1"/>
-                  </a:effectRef>
-                  <a:fontRef idx="minor">
-                    <a:schemeClr val="tx1"/>
-                  </a:fontRef>
-                </p:style>
-              </p:cxnSp>
-              <p:sp>
-                <p:nvSpPr>
-                  <p:cNvPr id="10325" name="TextBox 14"/>
-                  <p:cNvSpPr txBox="1">
-                    <a:spLocks noChangeArrowheads="1"/>
-                  </p:cNvSpPr>
-                  <p:nvPr/>
-                </p:nvSpPr>
-                <p:spPr bwMode="auto">
-                  <a:xfrm>
-                    <a:off x="6113031" y="1918190"/>
-                    <a:ext cx="761980" cy="215444"/>
-                  </a:xfrm>
-                  <a:prstGeom prst="rect">
-                    <a:avLst/>
-                  </a:prstGeom>
-                  <a:noFill/>
-                  <a:ln w="9525">
-                    <a:noFill/>
-                    <a:miter lim="800000"/>
-                    <a:headEnd/>
-                    <a:tailEnd/>
-                  </a:ln>
-                </p:spPr>
-                <p:txBody>
-                  <a:bodyPr>
-                    <a:spAutoFit/>
-                  </a:bodyPr>
-                  <a:lstStyle/>
-                  <a:p>
-                    <a:pPr algn="ctr"/>
-                    <a:r>
-                      <a:rPr lang="en-US" altLang="zh-CN" sz="800">
-                        <a:latin typeface="Verdana" pitchFamily="34" charset="0"/>
-                      </a:rPr>
-                      <a:t>s3</a:t>
-                    </a:r>
-                    <a:endParaRPr lang="zh-CN" altLang="en-US" sz="800">
-                      <a:latin typeface="Verdana" pitchFamily="34" charset="0"/>
-                    </a:endParaRPr>
-                  </a:p>
-                </p:txBody>
-              </p:sp>
-              <p:sp>
-                <p:nvSpPr>
-                  <p:cNvPr id="10326" name="TextBox 14"/>
-                  <p:cNvSpPr txBox="1">
-                    <a:spLocks noChangeArrowheads="1"/>
-                  </p:cNvSpPr>
-                  <p:nvPr/>
-                </p:nvSpPr>
-                <p:spPr bwMode="auto">
-                  <a:xfrm>
-                    <a:off x="3730684" y="2528640"/>
-                    <a:ext cx="761980" cy="215444"/>
-                  </a:xfrm>
-                  <a:prstGeom prst="rect">
-                    <a:avLst/>
-                  </a:prstGeom>
-                  <a:noFill/>
-                  <a:ln w="9525">
-                    <a:noFill/>
-                    <a:miter lim="800000"/>
-                    <a:headEnd/>
-                    <a:tailEnd/>
-                  </a:ln>
-                </p:spPr>
-                <p:txBody>
-                  <a:bodyPr>
-                    <a:spAutoFit/>
-                  </a:bodyPr>
-                  <a:lstStyle/>
-                  <a:p>
-                    <a:pPr algn="ctr"/>
-                    <a:r>
-                      <a:rPr lang="zh-CN" altLang="en-US" sz="800">
-                        <a:latin typeface="Verdana" pitchFamily="34" charset="0"/>
-                      </a:rPr>
-                      <a:t>网络接受点</a:t>
-                    </a:r>
-                  </a:p>
-                </p:txBody>
-              </p:sp>
-              <p:sp>
-                <p:nvSpPr>
-                  <p:cNvPr id="10327" name="TextBox 14"/>
-                  <p:cNvSpPr txBox="1">
-                    <a:spLocks noChangeArrowheads="1"/>
-                  </p:cNvSpPr>
-                  <p:nvPr/>
-                </p:nvSpPr>
-                <p:spPr bwMode="auto">
-                  <a:xfrm>
-                    <a:off x="4624297" y="2532631"/>
-                    <a:ext cx="761980" cy="215444"/>
-                  </a:xfrm>
-                  <a:prstGeom prst="rect">
-                    <a:avLst/>
-                  </a:prstGeom>
-                  <a:noFill/>
-                  <a:ln w="9525">
-                    <a:noFill/>
-                    <a:miter lim="800000"/>
-                    <a:headEnd/>
-                    <a:tailEnd/>
-                  </a:ln>
-                </p:spPr>
-                <p:txBody>
-                  <a:bodyPr>
-                    <a:spAutoFit/>
-                  </a:bodyPr>
-                  <a:lstStyle/>
-                  <a:p>
-                    <a:pPr algn="ctr"/>
-                    <a:r>
-                      <a:rPr lang="zh-CN" altLang="en-US" sz="800">
-                        <a:latin typeface="Verdana" pitchFamily="34" charset="0"/>
-                      </a:rPr>
-                      <a:t>同步执行点</a:t>
-                    </a:r>
-                  </a:p>
-                </p:txBody>
-              </p:sp>
-            </p:grpSp>
-          </p:grpSp>
-          <p:grpSp>
-            <p:nvGrpSpPr>
-              <p:cNvPr id="10292" name="组合 30"/>
-              <p:cNvGrpSpPr>
-                <a:grpSpLocks/>
-              </p:cNvGrpSpPr>
-              <p:nvPr/>
-            </p:nvGrpSpPr>
-            <p:grpSpPr bwMode="auto">
-              <a:xfrm>
-                <a:off x="3962416" y="2215714"/>
-                <a:ext cx="2819326" cy="603702"/>
-                <a:chOff x="4191010" y="1918190"/>
-                <a:chExt cx="2819326" cy="603702"/>
-              </a:xfrm>
-            </p:grpSpPr>
-            <p:sp>
-              <p:nvSpPr>
-                <p:cNvPr id="32" name="TextBox 14"/>
-                <p:cNvSpPr txBox="1">
-                  <a:spLocks noChangeArrowheads="1"/>
-                </p:cNvSpPr>
-                <p:nvPr/>
-              </p:nvSpPr>
-              <p:spPr bwMode="auto">
-                <a:xfrm>
-                  <a:off x="4191010" y="2072163"/>
-                  <a:ext cx="761980" cy="276199"/>
-                </a:xfrm>
-                <a:prstGeom prst="rect">
-                  <a:avLst/>
-                </a:prstGeom>
-                <a:noFill/>
-                <a:ln>
-                  <a:noFill/>
-                </a:ln>
-                <a:extLst>
-                  <a:ext uri="{909E8E84-426E-40DD-AFC4-6F175D3DCCD1}">
-                    <a14:hiddenFill xmlns:a14="http://schemas.microsoft.com/office/drawing/2010/main" xmlns="">
-                      <a:solidFill>
-                        <a:srgbClr val="FFFFFF"/>
-                      </a:solidFill>
-                    </a14:hiddenFill>
-                  </a:ext>
-                  <a:ext uri="{91240B29-F687-4F45-9708-019B960494DF}">
-                    <a14:hiddenLine xmlns:a14="http://schemas.microsoft.com/office/drawing/2010/main" xmlns="" w="9525">
-                      <a:solidFill>
-                        <a:srgbClr val="000000"/>
-                      </a:solidFill>
-                      <a:miter lim="800000"/>
-                      <a:headEnd/>
-                      <a:tailEnd/>
-                    </a14:hiddenLine>
-                  </a:ext>
-                </a:extLst>
-              </p:spPr>
-              <p:txBody>
-                <a:bodyPr>
-                  <a:spAutoFit/>
-                </a:bodyPr>
-                <a:lstStyle>
-                  <a:lvl1pPr>
-                    <a:defRPr sz="1600" b="1">
-                      <a:solidFill>
-                        <a:schemeClr val="tx1"/>
-                      </a:solidFill>
-                      <a:latin typeface="楷体" panose="02010609060101010101" pitchFamily="49" charset="-122"/>
-                      <a:ea typeface="楷体" panose="02010609060101010101" pitchFamily="49" charset="-122"/>
-                    </a:defRPr>
-                  </a:lvl1pPr>
-                  <a:lvl2pPr marL="742950" indent="-285750">
-                    <a:defRPr sz="1600" b="1">
-                      <a:solidFill>
-                        <a:schemeClr val="tx1"/>
-                      </a:solidFill>
-                      <a:latin typeface="楷体" panose="02010609060101010101" pitchFamily="49" charset="-122"/>
-                      <a:ea typeface="楷体" panose="02010609060101010101" pitchFamily="49" charset="-122"/>
-                    </a:defRPr>
-                  </a:lvl2pPr>
-                  <a:lvl3pPr marL="1143000" indent="-228600">
-                    <a:defRPr sz="1600" b="1">
-                      <a:solidFill>
-                        <a:schemeClr val="tx1"/>
-                      </a:solidFill>
-                      <a:latin typeface="楷体" panose="02010609060101010101" pitchFamily="49" charset="-122"/>
-                      <a:ea typeface="楷体" panose="02010609060101010101" pitchFamily="49" charset="-122"/>
-                    </a:defRPr>
-                  </a:lvl3pPr>
-                  <a:lvl4pPr marL="1600200" indent="-228600">
-                    <a:defRPr sz="1600" b="1">
-                      <a:solidFill>
-                        <a:schemeClr val="tx1"/>
-                      </a:solidFill>
-                      <a:latin typeface="楷体" panose="02010609060101010101" pitchFamily="49" charset="-122"/>
-                      <a:ea typeface="楷体" panose="02010609060101010101" pitchFamily="49" charset="-122"/>
-                    </a:defRPr>
-                  </a:lvl4pPr>
-                  <a:lvl5pPr marL="2057400" indent="-228600">
-                    <a:defRPr sz="1600" b="1">
-                      <a:solidFill>
-                        <a:schemeClr val="tx1"/>
-                      </a:solidFill>
-                      <a:latin typeface="楷体" panose="02010609060101010101" pitchFamily="49" charset="-122"/>
-                      <a:ea typeface="楷体" panose="02010609060101010101" pitchFamily="49" charset="-122"/>
-                    </a:defRPr>
-                  </a:lvl5pPr>
-                  <a:lvl6pPr marL="2514600" indent="-228600" eaLnBrk="0" fontAlgn="base" hangingPunct="0">
-                    <a:spcBef>
-                      <a:spcPct val="0"/>
-                    </a:spcBef>
-                    <a:spcAft>
-                      <a:spcPct val="0"/>
-                    </a:spcAft>
-                    <a:defRPr sz="1600" b="1">
-                      <a:solidFill>
-                        <a:schemeClr val="tx1"/>
-                      </a:solidFill>
-                      <a:latin typeface="楷体" panose="02010609060101010101" pitchFamily="49" charset="-122"/>
-                      <a:ea typeface="楷体" panose="02010609060101010101" pitchFamily="49" charset="-122"/>
-                    </a:defRPr>
-                  </a:lvl6pPr>
-                  <a:lvl7pPr marL="2971800" indent="-228600" eaLnBrk="0" fontAlgn="base" hangingPunct="0">
-                    <a:spcBef>
-                      <a:spcPct val="0"/>
-                    </a:spcBef>
-                    <a:spcAft>
-                      <a:spcPct val="0"/>
-                    </a:spcAft>
-                    <a:defRPr sz="1600" b="1">
-                      <a:solidFill>
-                        <a:schemeClr val="tx1"/>
-                      </a:solidFill>
-                      <a:latin typeface="楷体" panose="02010609060101010101" pitchFamily="49" charset="-122"/>
-                      <a:ea typeface="楷体" panose="02010609060101010101" pitchFamily="49" charset="-122"/>
-                    </a:defRPr>
-                  </a:lvl7pPr>
-                  <a:lvl8pPr marL="3429000" indent="-228600" eaLnBrk="0" fontAlgn="base" hangingPunct="0">
-                    <a:spcBef>
-                      <a:spcPct val="0"/>
-                    </a:spcBef>
-                    <a:spcAft>
-                      <a:spcPct val="0"/>
-                    </a:spcAft>
-                    <a:defRPr sz="1600" b="1">
-                      <a:solidFill>
-                        <a:schemeClr val="tx1"/>
-                      </a:solidFill>
-                      <a:latin typeface="楷体" panose="02010609060101010101" pitchFamily="49" charset="-122"/>
-                      <a:ea typeface="楷体" panose="02010609060101010101" pitchFamily="49" charset="-122"/>
-                    </a:defRPr>
-                  </a:lvl8pPr>
-                  <a:lvl9pPr marL="3886200" indent="-228600" eaLnBrk="0" fontAlgn="base" hangingPunct="0">
-                    <a:spcBef>
-                      <a:spcPct val="0"/>
-                    </a:spcBef>
-                    <a:spcAft>
-                      <a:spcPct val="0"/>
-                    </a:spcAft>
-                    <a:defRPr sz="1600" b="1">
-                      <a:solidFill>
-                        <a:schemeClr val="tx1"/>
-                      </a:solidFill>
-                      <a:latin typeface="楷体" panose="02010609060101010101" pitchFamily="49" charset="-122"/>
-                      <a:ea typeface="楷体" panose="02010609060101010101" pitchFamily="49" charset="-122"/>
-                    </a:defRPr>
-                  </a:lvl9pPr>
-                </a:lstStyle>
-                <a:p>
-                  <a:pPr algn="ctr">
-                    <a:defRPr/>
-                  </a:pPr>
-                  <a:r>
-                    <a:rPr lang="en-US" altLang="zh-CN" sz="1200" b="0" dirty="0" smtClean="0">
-                      <a:ln w="0"/>
-                      <a:effectLst>
-                        <a:outerShdw blurRad="38100" dist="19050" dir="2700000" algn="tl" rotWithShape="0">
-                          <a:schemeClr val="dk1">
-                            <a:alpha val="40000"/>
-                          </a:schemeClr>
-                        </a:outerShdw>
-                      </a:effectLst>
-                      <a:latin typeface="Verdana" panose="020B0604030504040204" pitchFamily="34" charset="0"/>
-                    </a:rPr>
-                    <a:t>server</a:t>
-                  </a:r>
-                  <a:endParaRPr lang="zh-CN" altLang="en-US" sz="1200" dirty="0" smtClean="0">
-                    <a:latin typeface="Verdana" panose="020B0604030504040204" pitchFamily="34" charset="0"/>
-                  </a:endParaRPr>
-                </a:p>
-              </p:txBody>
-            </p:sp>
-            <p:grpSp>
-              <p:nvGrpSpPr>
-                <p:cNvPr id="10297" name="组合 32"/>
-                <p:cNvGrpSpPr>
-                  <a:grpSpLocks/>
-                </p:cNvGrpSpPr>
-                <p:nvPr/>
-              </p:nvGrpSpPr>
-              <p:grpSpPr bwMode="auto">
-                <a:xfrm>
-                  <a:off x="4722472" y="1918190"/>
-                  <a:ext cx="2287864" cy="603702"/>
-                  <a:chOff x="4722472" y="1918190"/>
-                  <a:chExt cx="2287864" cy="603702"/>
-                </a:xfrm>
-              </p:grpSpPr>
-              <p:cxnSp>
-                <p:nvCxnSpPr>
-                  <p:cNvPr id="34" name="直接连接符 33"/>
-                  <p:cNvCxnSpPr/>
-                  <p:nvPr/>
-                </p:nvCxnSpPr>
-                <p:spPr bwMode="auto">
-                  <a:xfrm>
-                    <a:off x="4952990" y="2210263"/>
-                    <a:ext cx="2057346" cy="0"/>
-                  </a:xfrm>
-                  <a:prstGeom prst="line">
-                    <a:avLst/>
-                  </a:prstGeom>
-                  <a:ln>
-                    <a:headEnd type="none" w="med" len="med"/>
-                    <a:tailEnd type="none" w="med" len="med"/>
-                  </a:ln>
-                </p:spPr>
-                <p:style>
-                  <a:lnRef idx="1">
-                    <a:schemeClr val="dk1"/>
-                  </a:lnRef>
-                  <a:fillRef idx="0">
-                    <a:schemeClr val="dk1"/>
-                  </a:fillRef>
-                  <a:effectRef idx="0">
-                    <a:schemeClr val="dk1"/>
-                  </a:effectRef>
-                  <a:fontRef idx="minor">
-                    <a:schemeClr val="tx1"/>
-                  </a:fontRef>
-                </p:style>
-              </p:cxnSp>
-              <p:cxnSp>
-                <p:nvCxnSpPr>
-                  <p:cNvPr id="35" name="直接连接符 34"/>
-                  <p:cNvCxnSpPr/>
-                  <p:nvPr/>
-                </p:nvCxnSpPr>
-                <p:spPr bwMode="auto">
-                  <a:xfrm flipH="1">
-                    <a:off x="5105386" y="2210263"/>
-                    <a:ext cx="0" cy="138099"/>
-                  </a:xfrm>
-                  <a:prstGeom prst="line">
-                    <a:avLst/>
-                  </a:prstGeom>
-                  <a:ln>
-                    <a:headEnd type="none" w="med" len="med"/>
-                    <a:tailEnd type="none" w="med" len="med"/>
-                  </a:ln>
-                </p:spPr>
-                <p:style>
-                  <a:lnRef idx="1">
-                    <a:schemeClr val="dk1"/>
-                  </a:lnRef>
-                  <a:fillRef idx="0">
-                    <a:schemeClr val="dk1"/>
-                  </a:fillRef>
-                  <a:effectRef idx="0">
-                    <a:schemeClr val="dk1"/>
-                  </a:effectRef>
-                  <a:fontRef idx="minor">
-                    <a:schemeClr val="tx1"/>
-                  </a:fontRef>
-                </p:style>
-              </p:cxnSp>
-              <p:sp>
-                <p:nvSpPr>
-                  <p:cNvPr id="10300" name="TextBox 14"/>
-                  <p:cNvSpPr txBox="1">
-                    <a:spLocks noChangeArrowheads="1"/>
-                  </p:cNvSpPr>
-                  <p:nvPr/>
-                </p:nvSpPr>
-                <p:spPr bwMode="auto">
-                  <a:xfrm>
-                    <a:off x="4724395" y="2306448"/>
-                    <a:ext cx="761980" cy="215444"/>
-                  </a:xfrm>
-                  <a:prstGeom prst="rect">
-                    <a:avLst/>
-                  </a:prstGeom>
-                  <a:noFill/>
-                  <a:ln w="9525">
-                    <a:noFill/>
-                    <a:miter lim="800000"/>
-                    <a:headEnd/>
-                    <a:tailEnd/>
-                  </a:ln>
-                </p:spPr>
-                <p:txBody>
-                  <a:bodyPr>
-                    <a:spAutoFit/>
-                  </a:bodyPr>
-                  <a:lstStyle/>
-                  <a:p>
-                    <a:pPr algn="ctr"/>
-                    <a:r>
-                      <a:rPr lang="en-US" altLang="zh-CN" sz="800">
-                        <a:latin typeface="Verdana" pitchFamily="34" charset="0"/>
-                      </a:rPr>
-                      <a:t>t1</a:t>
-                    </a:r>
-                    <a:endParaRPr lang="zh-CN" altLang="en-US" sz="800">
-                      <a:latin typeface="Verdana" pitchFamily="34" charset="0"/>
-                    </a:endParaRPr>
-                  </a:p>
-                </p:txBody>
-              </p:sp>
-              <p:cxnSp>
-                <p:nvCxnSpPr>
-                  <p:cNvPr id="37" name="直接连接符 36"/>
-                  <p:cNvCxnSpPr/>
-                  <p:nvPr/>
-                </p:nvCxnSpPr>
-                <p:spPr bwMode="auto">
-                  <a:xfrm flipH="1">
-                    <a:off x="5600673" y="2210263"/>
-                    <a:ext cx="0" cy="138099"/>
-                  </a:xfrm>
-                  <a:prstGeom prst="line">
-                    <a:avLst/>
-                  </a:prstGeom>
-                  <a:ln>
-                    <a:headEnd type="none" w="med" len="med"/>
-                    <a:tailEnd type="none" w="med" len="med"/>
-                  </a:ln>
-                </p:spPr>
-                <p:style>
-                  <a:lnRef idx="1">
-                    <a:schemeClr val="dk1"/>
-                  </a:lnRef>
-                  <a:fillRef idx="0">
-                    <a:schemeClr val="dk1"/>
-                  </a:fillRef>
-                  <a:effectRef idx="0">
-                    <a:schemeClr val="dk1"/>
-                  </a:effectRef>
-                  <a:fontRef idx="minor">
-                    <a:schemeClr val="tx1"/>
-                  </a:fontRef>
-                </p:style>
-              </p:cxnSp>
-              <p:sp>
-                <p:nvSpPr>
-                  <p:cNvPr id="10302" name="TextBox 14"/>
-                  <p:cNvSpPr txBox="1">
-                    <a:spLocks noChangeArrowheads="1"/>
-                  </p:cNvSpPr>
-                  <p:nvPr/>
-                </p:nvSpPr>
-                <p:spPr bwMode="auto">
-                  <a:xfrm>
-                    <a:off x="5219683" y="2306448"/>
-                    <a:ext cx="761980" cy="215444"/>
-                  </a:xfrm>
-                  <a:prstGeom prst="rect">
-                    <a:avLst/>
-                  </a:prstGeom>
-                  <a:noFill/>
-                  <a:ln w="9525">
-                    <a:noFill/>
-                    <a:miter lim="800000"/>
-                    <a:headEnd/>
-                    <a:tailEnd/>
-                  </a:ln>
-                </p:spPr>
-                <p:txBody>
-                  <a:bodyPr>
-                    <a:spAutoFit/>
-                  </a:bodyPr>
-                  <a:lstStyle/>
-                  <a:p>
-                    <a:pPr algn="ctr"/>
-                    <a:r>
-                      <a:rPr lang="en-US" altLang="zh-CN" sz="800">
-                        <a:latin typeface="Verdana" pitchFamily="34" charset="0"/>
-                      </a:rPr>
-                      <a:t>t2</a:t>
-                    </a:r>
-                    <a:endParaRPr lang="zh-CN" altLang="en-US" sz="800">
-                      <a:latin typeface="Verdana" pitchFamily="34" charset="0"/>
-                    </a:endParaRPr>
-                  </a:p>
-                </p:txBody>
-              </p:sp>
-              <p:cxnSp>
-                <p:nvCxnSpPr>
-                  <p:cNvPr id="39" name="直接连接符 38"/>
-                  <p:cNvCxnSpPr/>
-                  <p:nvPr/>
-                </p:nvCxnSpPr>
-                <p:spPr bwMode="auto">
-                  <a:xfrm flipH="1">
-                    <a:off x="6495999" y="2210263"/>
-                    <a:ext cx="0" cy="138099"/>
-                  </a:xfrm>
-                  <a:prstGeom prst="line">
-                    <a:avLst/>
-                  </a:prstGeom>
-                  <a:ln>
-                    <a:headEnd type="none" w="med" len="med"/>
-                    <a:tailEnd type="none" w="med" len="med"/>
-                  </a:ln>
-                </p:spPr>
-                <p:style>
-                  <a:lnRef idx="1">
-                    <a:schemeClr val="dk1"/>
-                  </a:lnRef>
-                  <a:fillRef idx="0">
-                    <a:schemeClr val="dk1"/>
-                  </a:fillRef>
-                  <a:effectRef idx="0">
-                    <a:schemeClr val="dk1"/>
-                  </a:effectRef>
-                  <a:fontRef idx="minor">
-                    <a:schemeClr val="tx1"/>
-                  </a:fontRef>
-                </p:style>
-              </p:cxnSp>
-              <p:sp>
-                <p:nvSpPr>
-                  <p:cNvPr id="10304" name="TextBox 14"/>
-                  <p:cNvSpPr txBox="1">
-                    <a:spLocks noChangeArrowheads="1"/>
-                  </p:cNvSpPr>
-                  <p:nvPr/>
-                </p:nvSpPr>
-                <p:spPr bwMode="auto">
-                  <a:xfrm>
-                    <a:off x="6115009" y="2306448"/>
-                    <a:ext cx="761980" cy="215444"/>
-                  </a:xfrm>
-                  <a:prstGeom prst="rect">
-                    <a:avLst/>
-                  </a:prstGeom>
-                  <a:noFill/>
-                  <a:ln w="9525">
-                    <a:noFill/>
-                    <a:miter lim="800000"/>
-                    <a:headEnd/>
-                    <a:tailEnd/>
-                  </a:ln>
-                </p:spPr>
-                <p:txBody>
-                  <a:bodyPr>
-                    <a:spAutoFit/>
-                  </a:bodyPr>
-                  <a:lstStyle/>
-                  <a:p>
-                    <a:pPr algn="ctr"/>
-                    <a:r>
-                      <a:rPr lang="en-US" altLang="zh-CN" sz="800">
-                        <a:latin typeface="Verdana" pitchFamily="34" charset="0"/>
-                      </a:rPr>
-                      <a:t>t3</a:t>
-                    </a:r>
-                    <a:endParaRPr lang="zh-CN" altLang="en-US" sz="800">
-                      <a:latin typeface="Verdana" pitchFamily="34" charset="0"/>
-                    </a:endParaRPr>
-                  </a:p>
-                </p:txBody>
-              </p:sp>
-              <p:cxnSp>
-                <p:nvCxnSpPr>
-                  <p:cNvPr id="41" name="直接连接符 40"/>
-                  <p:cNvCxnSpPr/>
-                  <p:nvPr/>
-                </p:nvCxnSpPr>
-                <p:spPr bwMode="auto">
-                  <a:xfrm flipH="1">
-                    <a:off x="5105386" y="2102323"/>
-                    <a:ext cx="0" cy="138099"/>
-                  </a:xfrm>
-                  <a:prstGeom prst="line">
-                    <a:avLst/>
-                  </a:prstGeom>
-                  <a:ln>
-                    <a:headEnd type="none" w="med" len="med"/>
-                    <a:tailEnd type="none" w="med" len="med"/>
-                  </a:ln>
-                </p:spPr>
-                <p:style>
-                  <a:lnRef idx="1">
-                    <a:schemeClr val="dk1"/>
-                  </a:lnRef>
-                  <a:fillRef idx="0">
-                    <a:schemeClr val="dk1"/>
-                  </a:fillRef>
-                  <a:effectRef idx="0">
-                    <a:schemeClr val="dk1"/>
-                  </a:effectRef>
-                  <a:fontRef idx="minor">
-                    <a:schemeClr val="tx1"/>
-                  </a:fontRef>
-                </p:style>
-              </p:cxnSp>
-              <p:sp>
-                <p:nvSpPr>
-                  <p:cNvPr id="10306" name="TextBox 14"/>
-                  <p:cNvSpPr txBox="1">
-                    <a:spLocks noChangeArrowheads="1"/>
-                  </p:cNvSpPr>
-                  <p:nvPr/>
-                </p:nvSpPr>
-                <p:spPr bwMode="auto">
-                  <a:xfrm>
-                    <a:off x="4722472" y="1930096"/>
-                    <a:ext cx="761980" cy="215444"/>
-                  </a:xfrm>
-                  <a:prstGeom prst="rect">
-                    <a:avLst/>
-                  </a:prstGeom>
-                  <a:noFill/>
-                  <a:ln w="9525">
-                    <a:noFill/>
-                    <a:miter lim="800000"/>
-                    <a:headEnd/>
-                    <a:tailEnd/>
-                  </a:ln>
-                </p:spPr>
-                <p:txBody>
-                  <a:bodyPr>
-                    <a:spAutoFit/>
-                  </a:bodyPr>
-                  <a:lstStyle/>
-                  <a:p>
-                    <a:pPr algn="ctr"/>
-                    <a:r>
-                      <a:rPr lang="en-US" altLang="zh-CN" sz="800">
-                        <a:latin typeface="Verdana" pitchFamily="34" charset="0"/>
-                      </a:rPr>
-                      <a:t>s1</a:t>
-                    </a:r>
-                    <a:endParaRPr lang="zh-CN" altLang="en-US" sz="800">
-                      <a:latin typeface="Verdana" pitchFamily="34" charset="0"/>
-                    </a:endParaRPr>
-                  </a:p>
-                </p:txBody>
-              </p:sp>
-              <p:cxnSp>
-                <p:nvCxnSpPr>
-                  <p:cNvPr id="43" name="直接连接符 42"/>
-                  <p:cNvCxnSpPr/>
-                  <p:nvPr/>
-                </p:nvCxnSpPr>
-                <p:spPr bwMode="auto">
-                  <a:xfrm flipH="1">
-                    <a:off x="5602261" y="2091211"/>
-                    <a:ext cx="0" cy="138100"/>
-                  </a:xfrm>
-                  <a:prstGeom prst="line">
-                    <a:avLst/>
-                  </a:prstGeom>
-                  <a:ln>
-                    <a:headEnd type="none" w="med" len="med"/>
-                    <a:tailEnd type="none" w="med" len="med"/>
-                  </a:ln>
-                </p:spPr>
-                <p:style>
-                  <a:lnRef idx="1">
-                    <a:schemeClr val="dk1"/>
-                  </a:lnRef>
-                  <a:fillRef idx="0">
-                    <a:schemeClr val="dk1"/>
-                  </a:fillRef>
-                  <a:effectRef idx="0">
-                    <a:schemeClr val="dk1"/>
-                  </a:effectRef>
-                  <a:fontRef idx="minor">
-                    <a:schemeClr val="tx1"/>
-                  </a:fontRef>
-                </p:style>
-              </p:cxnSp>
-              <p:sp>
-                <p:nvSpPr>
-                  <p:cNvPr id="10308" name="TextBox 14"/>
-                  <p:cNvSpPr txBox="1">
-                    <a:spLocks noChangeArrowheads="1"/>
-                  </p:cNvSpPr>
-                  <p:nvPr/>
-                </p:nvSpPr>
-                <p:spPr bwMode="auto">
-                  <a:xfrm>
-                    <a:off x="5219683" y="1918190"/>
-                    <a:ext cx="761980" cy="215444"/>
-                  </a:xfrm>
-                  <a:prstGeom prst="rect">
-                    <a:avLst/>
-                  </a:prstGeom>
-                  <a:noFill/>
-                  <a:ln w="9525">
-                    <a:noFill/>
-                    <a:miter lim="800000"/>
-                    <a:headEnd/>
-                    <a:tailEnd/>
-                  </a:ln>
-                </p:spPr>
-                <p:txBody>
-                  <a:bodyPr>
-                    <a:spAutoFit/>
-                  </a:bodyPr>
-                  <a:lstStyle/>
-                  <a:p>
-                    <a:pPr algn="ctr"/>
-                    <a:r>
-                      <a:rPr lang="en-US" altLang="zh-CN" sz="800">
-                        <a:latin typeface="Verdana" pitchFamily="34" charset="0"/>
-                      </a:rPr>
-                      <a:t>s2</a:t>
-                    </a:r>
-                    <a:endParaRPr lang="zh-CN" altLang="en-US" sz="800">
-                      <a:latin typeface="Verdana" pitchFamily="34" charset="0"/>
-                    </a:endParaRPr>
-                  </a:p>
-                </p:txBody>
-              </p:sp>
-              <p:cxnSp>
-                <p:nvCxnSpPr>
-                  <p:cNvPr id="45" name="直接连接符 44"/>
-                  <p:cNvCxnSpPr/>
-                  <p:nvPr/>
-                </p:nvCxnSpPr>
-                <p:spPr bwMode="auto">
-                  <a:xfrm flipH="1">
-                    <a:off x="6495999" y="2091211"/>
-                    <a:ext cx="0" cy="138100"/>
-                  </a:xfrm>
-                  <a:prstGeom prst="line">
-                    <a:avLst/>
-                  </a:prstGeom>
-                  <a:ln>
-                    <a:headEnd type="none" w="med" len="med"/>
-                    <a:tailEnd type="none" w="med" len="med"/>
-                  </a:ln>
-                </p:spPr>
-                <p:style>
-                  <a:lnRef idx="1">
-                    <a:schemeClr val="dk1"/>
-                  </a:lnRef>
-                  <a:fillRef idx="0">
-                    <a:schemeClr val="dk1"/>
-                  </a:fillRef>
-                  <a:effectRef idx="0">
-                    <a:schemeClr val="dk1"/>
-                  </a:effectRef>
-                  <a:fontRef idx="minor">
-                    <a:schemeClr val="tx1"/>
-                  </a:fontRef>
-                </p:style>
-              </p:cxnSp>
-              <p:sp>
-                <p:nvSpPr>
-                  <p:cNvPr id="10310" name="TextBox 14"/>
-                  <p:cNvSpPr txBox="1">
-                    <a:spLocks noChangeArrowheads="1"/>
-                  </p:cNvSpPr>
-                  <p:nvPr/>
-                </p:nvSpPr>
-                <p:spPr bwMode="auto">
-                  <a:xfrm>
-                    <a:off x="6113031" y="1918190"/>
-                    <a:ext cx="761980" cy="215444"/>
-                  </a:xfrm>
-                  <a:prstGeom prst="rect">
-                    <a:avLst/>
-                  </a:prstGeom>
-                  <a:noFill/>
-                  <a:ln w="9525">
-                    <a:noFill/>
-                    <a:miter lim="800000"/>
-                    <a:headEnd/>
-                    <a:tailEnd/>
-                  </a:ln>
-                </p:spPr>
-                <p:txBody>
-                  <a:bodyPr>
-                    <a:spAutoFit/>
-                  </a:bodyPr>
-                  <a:lstStyle/>
-                  <a:p>
-                    <a:pPr algn="ctr"/>
-                    <a:r>
-                      <a:rPr lang="en-US" altLang="zh-CN" sz="800">
-                        <a:latin typeface="Verdana" pitchFamily="34" charset="0"/>
-                      </a:rPr>
-                      <a:t>s3</a:t>
-                    </a:r>
-                    <a:endParaRPr lang="zh-CN" altLang="en-US" sz="800">
-                      <a:latin typeface="Verdana" pitchFamily="34" charset="0"/>
-                    </a:endParaRPr>
-                  </a:p>
-                </p:txBody>
-              </p:sp>
-            </p:grpSp>
-          </p:grpSp>
-          <p:cxnSp>
-            <p:nvCxnSpPr>
-              <p:cNvPr id="54" name="直接箭头连接符 53"/>
-              <p:cNvCxnSpPr/>
-              <p:nvPr/>
-            </p:nvCxnSpPr>
-            <p:spPr bwMode="auto">
-              <a:xfrm>
-                <a:off x="4883142" y="2520486"/>
-                <a:ext cx="450838" cy="755580"/>
-              </a:xfrm>
-              <a:prstGeom prst="straightConnector1">
-                <a:avLst/>
-              </a:prstGeom>
-              <a:ln>
-                <a:prstDash val="sysDash"/>
-                <a:headEnd type="none" w="med" len="med"/>
-                <a:tailEnd type="triangle"/>
-              </a:ln>
-            </p:spPr>
-            <p:style>
-              <a:lnRef idx="1">
-                <a:schemeClr val="accent1"/>
-              </a:lnRef>
-              <a:fillRef idx="0">
-                <a:schemeClr val="accent1"/>
-              </a:fillRef>
-              <a:effectRef idx="0">
-                <a:schemeClr val="accent1"/>
-              </a:effectRef>
-              <a:fontRef idx="minor">
-                <a:schemeClr val="tx1"/>
-              </a:fontRef>
-            </p:style>
-          </p:cxnSp>
-          <p:cxnSp>
-            <p:nvCxnSpPr>
-              <p:cNvPr id="58" name="直接箭头连接符 57"/>
-              <p:cNvCxnSpPr/>
-              <p:nvPr/>
-            </p:nvCxnSpPr>
-            <p:spPr bwMode="auto">
-              <a:xfrm>
-                <a:off x="5362554" y="2491913"/>
-                <a:ext cx="704832" cy="784152"/>
-              </a:xfrm>
-              <a:prstGeom prst="straightConnector1">
-                <a:avLst/>
-              </a:prstGeom>
-              <a:ln>
-                <a:prstDash val="sysDash"/>
-                <a:headEnd type="none" w="med" len="med"/>
-                <a:tailEnd type="triangle"/>
-              </a:ln>
-            </p:spPr>
-            <p:style>
-              <a:lnRef idx="1">
-                <a:schemeClr val="accent1"/>
-              </a:lnRef>
-              <a:fillRef idx="0">
-                <a:schemeClr val="accent1"/>
-              </a:fillRef>
-              <a:effectRef idx="0">
-                <a:schemeClr val="accent1"/>
-              </a:effectRef>
-              <a:fontRef idx="minor">
-                <a:schemeClr val="tx1"/>
-              </a:fontRef>
-            </p:style>
-          </p:cxnSp>
-          <p:cxnSp>
-            <p:nvCxnSpPr>
-              <p:cNvPr id="60" name="直接箭头连接符 59"/>
-              <p:cNvCxnSpPr/>
-              <p:nvPr/>
-            </p:nvCxnSpPr>
-            <p:spPr bwMode="auto">
-              <a:xfrm>
-                <a:off x="6270580" y="2507787"/>
-                <a:ext cx="304792" cy="784152"/>
-              </a:xfrm>
-              <a:prstGeom prst="straightConnector1">
-                <a:avLst/>
-              </a:prstGeom>
-              <a:ln>
-                <a:prstDash val="sysDash"/>
-                <a:headEnd type="none" w="med" len="med"/>
-                <a:tailEnd type="triangle"/>
-              </a:ln>
-            </p:spPr>
-            <p:style>
-              <a:lnRef idx="1">
-                <a:schemeClr val="accent1"/>
-              </a:lnRef>
-              <a:fillRef idx="0">
-                <a:schemeClr val="accent1"/>
-              </a:fillRef>
-              <a:effectRef idx="0">
-                <a:schemeClr val="accent1"/>
-              </a:effectRef>
-              <a:fontRef idx="minor">
-                <a:schemeClr val="tx1"/>
-              </a:fontRef>
-            </p:style>
-          </p:cxnSp>
-        </p:grpSp>
-        <p:sp>
-          <p:nvSpPr>
-            <p:cNvPr id="10283" name="椭圆 6150"/>
-            <p:cNvSpPr>
-              <a:spLocks noChangeArrowheads="1"/>
-            </p:cNvSpPr>
-            <p:nvPr/>
-          </p:nvSpPr>
-          <p:spPr bwMode="auto">
-            <a:xfrm>
-              <a:off x="5144204" y="3171800"/>
-              <a:ext cx="76030" cy="63071"/>
-            </a:xfrm>
-            <a:prstGeom prst="ellipse">
-              <a:avLst/>
-            </a:prstGeom>
-            <a:solidFill>
-              <a:schemeClr val="accent1"/>
-            </a:solidFill>
-            <a:ln w="9525" algn="ctr">
-              <a:solidFill>
-                <a:schemeClr val="tx1"/>
-              </a:solidFill>
-              <a:round/>
-              <a:headEnd/>
-              <a:tailEnd/>
-            </a:ln>
-          </p:spPr>
-          <p:txBody>
-            <a:bodyPr lIns="90000" tIns="46800" rIns="90000" bIns="46800">
-              <a:spAutoFit/>
-            </a:bodyPr>
-            <a:lstStyle/>
-            <a:p>
-              <a:endParaRPr lang="zh-CN" altLang="en-US"/>
-            </a:p>
-          </p:txBody>
-        </p:sp>
-        <p:sp>
-          <p:nvSpPr>
-            <p:cNvPr id="10284" name="椭圆 72"/>
-            <p:cNvSpPr>
-              <a:spLocks noChangeArrowheads="1"/>
-            </p:cNvSpPr>
-            <p:nvPr/>
-          </p:nvSpPr>
-          <p:spPr bwMode="auto">
-            <a:xfrm>
-              <a:off x="5578739" y="3171800"/>
-              <a:ext cx="76030" cy="63071"/>
-            </a:xfrm>
-            <a:prstGeom prst="ellipse">
-              <a:avLst/>
-            </a:prstGeom>
-            <a:solidFill>
-              <a:srgbClr val="FF0000"/>
-            </a:solidFill>
-            <a:ln w="9525" algn="ctr">
-              <a:solidFill>
-                <a:schemeClr val="tx1"/>
-              </a:solidFill>
-              <a:round/>
-              <a:headEnd/>
-              <a:tailEnd/>
-            </a:ln>
-          </p:spPr>
-          <p:txBody>
-            <a:bodyPr lIns="90000" tIns="46800" rIns="90000" bIns="46800">
-              <a:spAutoFit/>
-            </a:bodyPr>
-            <a:lstStyle/>
-            <a:p>
-              <a:endParaRPr lang="zh-CN" altLang="en-US"/>
-            </a:p>
-          </p:txBody>
-        </p:sp>
-        <p:sp>
-          <p:nvSpPr>
-            <p:cNvPr id="10285" name="椭圆 73"/>
-            <p:cNvSpPr>
-              <a:spLocks noChangeArrowheads="1"/>
-            </p:cNvSpPr>
-            <p:nvPr/>
-          </p:nvSpPr>
-          <p:spPr bwMode="auto">
-            <a:xfrm>
-              <a:off x="6076250" y="3171800"/>
-              <a:ext cx="76030" cy="63071"/>
-            </a:xfrm>
-            <a:prstGeom prst="ellipse">
-              <a:avLst/>
-            </a:prstGeom>
-            <a:solidFill>
-              <a:srgbClr val="FF0000"/>
-            </a:solidFill>
-            <a:ln w="9525" algn="ctr">
-              <a:solidFill>
-                <a:schemeClr val="tx1"/>
-              </a:solidFill>
-              <a:round/>
-              <a:headEnd/>
-              <a:tailEnd/>
-            </a:ln>
-          </p:spPr>
-          <p:txBody>
-            <a:bodyPr lIns="90000" tIns="46800" rIns="90000" bIns="46800">
-              <a:spAutoFit/>
-            </a:bodyPr>
-            <a:lstStyle/>
-            <a:p>
-              <a:endParaRPr lang="zh-CN" altLang="en-US"/>
-            </a:p>
-          </p:txBody>
-        </p:sp>
-        <p:sp>
-          <p:nvSpPr>
-            <p:cNvPr id="10286" name="椭圆 74"/>
-            <p:cNvSpPr>
-              <a:spLocks noChangeArrowheads="1"/>
-            </p:cNvSpPr>
-            <p:nvPr/>
-          </p:nvSpPr>
-          <p:spPr bwMode="auto">
-            <a:xfrm>
-              <a:off x="6977453" y="3171800"/>
-              <a:ext cx="76030" cy="63071"/>
-            </a:xfrm>
-            <a:prstGeom prst="ellipse">
-              <a:avLst/>
-            </a:prstGeom>
-            <a:solidFill>
-              <a:srgbClr val="FF0000"/>
-            </a:solidFill>
-            <a:ln w="9525" algn="ctr">
-              <a:solidFill>
-                <a:schemeClr val="tx1"/>
-              </a:solidFill>
-              <a:round/>
-              <a:headEnd/>
-              <a:tailEnd/>
-            </a:ln>
-          </p:spPr>
-          <p:txBody>
-            <a:bodyPr lIns="90000" tIns="46800" rIns="90000" bIns="46800">
-              <a:spAutoFit/>
-            </a:bodyPr>
-            <a:lstStyle/>
-            <a:p>
-              <a:endParaRPr lang="zh-CN" altLang="en-US"/>
-            </a:p>
-          </p:txBody>
-        </p:sp>
-        <p:sp>
-          <p:nvSpPr>
-            <p:cNvPr id="10287" name="椭圆 77"/>
-            <p:cNvSpPr>
-              <a:spLocks noChangeArrowheads="1"/>
-            </p:cNvSpPr>
-            <p:nvPr/>
-          </p:nvSpPr>
-          <p:spPr bwMode="auto">
-            <a:xfrm>
-              <a:off x="4232472" y="3593001"/>
-              <a:ext cx="76030" cy="63071"/>
-            </a:xfrm>
-            <a:prstGeom prst="ellipse">
-              <a:avLst/>
-            </a:prstGeom>
-            <a:solidFill>
-              <a:schemeClr val="accent1"/>
-            </a:solidFill>
-            <a:ln w="9525" algn="ctr">
-              <a:solidFill>
-                <a:schemeClr val="tx1"/>
-              </a:solidFill>
-              <a:round/>
-              <a:headEnd/>
-              <a:tailEnd/>
-            </a:ln>
-          </p:spPr>
-          <p:txBody>
-            <a:bodyPr lIns="90000" tIns="46800" rIns="90000" bIns="46800">
-              <a:spAutoFit/>
-            </a:bodyPr>
-            <a:lstStyle/>
-            <a:p>
-              <a:endParaRPr lang="zh-CN" altLang="en-US"/>
-            </a:p>
-          </p:txBody>
-        </p:sp>
-        <p:sp>
-          <p:nvSpPr>
-            <p:cNvPr id="10288" name="椭圆 78"/>
-            <p:cNvSpPr>
-              <a:spLocks noChangeArrowheads="1"/>
-            </p:cNvSpPr>
-            <p:nvPr/>
-          </p:nvSpPr>
-          <p:spPr bwMode="auto">
-            <a:xfrm>
-              <a:off x="5867793" y="3179290"/>
-              <a:ext cx="76030" cy="63071"/>
-            </a:xfrm>
-            <a:prstGeom prst="ellipse">
-              <a:avLst/>
-            </a:prstGeom>
-            <a:solidFill>
-              <a:schemeClr val="accent1"/>
-            </a:solidFill>
-            <a:ln w="9525" algn="ctr">
-              <a:solidFill>
-                <a:schemeClr val="tx1"/>
-              </a:solidFill>
-              <a:round/>
-              <a:headEnd/>
-              <a:tailEnd/>
-            </a:ln>
-          </p:spPr>
-          <p:txBody>
-            <a:bodyPr lIns="90000" tIns="46800" rIns="90000" bIns="46800">
-              <a:spAutoFit/>
-            </a:bodyPr>
-            <a:lstStyle/>
-            <a:p>
-              <a:endParaRPr lang="zh-CN" altLang="en-US"/>
-            </a:p>
-          </p:txBody>
-        </p:sp>
-        <p:sp>
-          <p:nvSpPr>
-            <p:cNvPr id="10289" name="椭圆 80"/>
-            <p:cNvSpPr>
-              <a:spLocks noChangeArrowheads="1"/>
-            </p:cNvSpPr>
-            <p:nvPr/>
-          </p:nvSpPr>
-          <p:spPr bwMode="auto">
-            <a:xfrm>
-              <a:off x="6386054" y="3179290"/>
-              <a:ext cx="76030" cy="63071"/>
-            </a:xfrm>
-            <a:prstGeom prst="ellipse">
-              <a:avLst/>
-            </a:prstGeom>
-            <a:solidFill>
-              <a:schemeClr val="accent1"/>
-            </a:solidFill>
-            <a:ln w="9525" algn="ctr">
-              <a:solidFill>
-                <a:schemeClr val="tx1"/>
-              </a:solidFill>
-              <a:round/>
-              <a:headEnd/>
-              <a:tailEnd/>
-            </a:ln>
-          </p:spPr>
-          <p:txBody>
-            <a:bodyPr lIns="90000" tIns="46800" rIns="90000" bIns="46800">
-              <a:spAutoFit/>
-            </a:bodyPr>
-            <a:lstStyle/>
-            <a:p>
-              <a:endParaRPr lang="zh-CN" altLang="en-US"/>
-            </a:p>
-          </p:txBody>
-        </p:sp>
-        <p:sp>
-          <p:nvSpPr>
-            <p:cNvPr id="10290" name="椭圆 82"/>
-            <p:cNvSpPr>
-              <a:spLocks noChangeArrowheads="1"/>
-            </p:cNvSpPr>
-            <p:nvPr/>
-          </p:nvSpPr>
-          <p:spPr bwMode="auto">
-            <a:xfrm>
-              <a:off x="5116250" y="3596992"/>
-              <a:ext cx="76030" cy="63071"/>
-            </a:xfrm>
-            <a:prstGeom prst="ellipse">
-              <a:avLst/>
-            </a:prstGeom>
-            <a:solidFill>
-              <a:srgbClr val="FF0000"/>
-            </a:solidFill>
-            <a:ln w="9525" algn="ctr">
-              <a:solidFill>
-                <a:schemeClr val="tx1"/>
-              </a:solidFill>
-              <a:round/>
-              <a:headEnd/>
-              <a:tailEnd/>
-            </a:ln>
-          </p:spPr>
-          <p:txBody>
-            <a:bodyPr lIns="90000" tIns="46800" rIns="90000" bIns="46800">
-              <a:spAutoFit/>
-            </a:bodyPr>
-            <a:lstStyle/>
-            <a:p>
-              <a:endParaRPr lang="zh-CN" altLang="en-US"/>
-            </a:p>
-          </p:txBody>
-        </p:sp>
-      </p:grpSp>
-      <p:grpSp>
-        <p:nvGrpSpPr>
-          <p:cNvPr id="10245" name="组合 6160"/>
-          <p:cNvGrpSpPr>
-            <a:grpSpLocks/>
-          </p:cNvGrpSpPr>
-          <p:nvPr/>
-        </p:nvGrpSpPr>
-        <p:grpSpPr bwMode="auto">
-          <a:xfrm>
-            <a:off x="3797300" y="3730625"/>
-            <a:ext cx="3179763" cy="917575"/>
-            <a:chOff x="3796626" y="4464401"/>
-            <a:chExt cx="3180659" cy="918126"/>
-          </a:xfrm>
-        </p:grpSpPr>
-        <p:grpSp>
-          <p:nvGrpSpPr>
-            <p:cNvPr id="10246" name="组合 6159"/>
-            <p:cNvGrpSpPr>
-              <a:grpSpLocks/>
-            </p:cNvGrpSpPr>
-            <p:nvPr/>
-          </p:nvGrpSpPr>
-          <p:grpSpPr bwMode="auto">
-            <a:xfrm>
-              <a:off x="3796626" y="4464401"/>
-              <a:ext cx="3180659" cy="918126"/>
-              <a:chOff x="3796626" y="4464401"/>
-              <a:chExt cx="3180659" cy="918126"/>
-            </a:xfrm>
-          </p:grpSpPr>
-          <p:grpSp>
-            <p:nvGrpSpPr>
-              <p:cNvPr id="10249" name="组合 103"/>
-              <p:cNvGrpSpPr>
-                <a:grpSpLocks/>
-              </p:cNvGrpSpPr>
-              <p:nvPr/>
-            </p:nvGrpSpPr>
-            <p:grpSpPr bwMode="auto">
-              <a:xfrm>
-                <a:off x="3796626" y="4464401"/>
-                <a:ext cx="3180659" cy="918126"/>
-                <a:chOff x="4253814" y="2416054"/>
-                <a:chExt cx="3180659" cy="918126"/>
-              </a:xfrm>
-            </p:grpSpPr>
-            <p:cxnSp>
-              <p:nvCxnSpPr>
-                <p:cNvPr id="105" name="直接连接符 104"/>
-                <p:cNvCxnSpPr/>
-                <p:nvPr/>
-              </p:nvCxnSpPr>
-              <p:spPr bwMode="auto">
-                <a:xfrm>
-                  <a:off x="4418961" y="2701976"/>
-                  <a:ext cx="3015512" cy="0"/>
-                </a:xfrm>
-                <a:prstGeom prst="line">
-                  <a:avLst/>
-                </a:prstGeom>
-                <a:ln>
-                  <a:headEnd type="none" w="med" len="med"/>
-                  <a:tailEnd type="none" w="med" len="med"/>
-                </a:ln>
-              </p:spPr>
-              <p:style>
-                <a:lnRef idx="1">
-                  <a:schemeClr val="dk1"/>
-                </a:lnRef>
-                <a:fillRef idx="0">
-                  <a:schemeClr val="dk1"/>
-                </a:fillRef>
-                <a:effectRef idx="0">
-                  <a:schemeClr val="dk1"/>
-                </a:effectRef>
-                <a:fontRef idx="minor">
-                  <a:schemeClr val="tx1"/>
-                </a:fontRef>
-              </p:style>
-            </p:cxnSp>
-            <p:cxnSp>
-              <p:nvCxnSpPr>
-                <p:cNvPr id="106" name="直接连接符 105"/>
-                <p:cNvCxnSpPr/>
-                <p:nvPr/>
-              </p:nvCxnSpPr>
-              <p:spPr bwMode="auto">
-                <a:xfrm flipH="1">
-                  <a:off x="4636510" y="2703565"/>
-                  <a:ext cx="0" cy="138195"/>
-                </a:xfrm>
-                <a:prstGeom prst="line">
-                  <a:avLst/>
-                </a:prstGeom>
-                <a:ln>
-                  <a:headEnd type="none" w="med" len="med"/>
-                  <a:tailEnd type="none" w="med" len="med"/>
-                </a:ln>
-              </p:spPr>
-              <p:style>
-                <a:lnRef idx="1">
-                  <a:schemeClr val="dk1"/>
-                </a:lnRef>
-                <a:fillRef idx="0">
-                  <a:schemeClr val="dk1"/>
-                </a:fillRef>
-                <a:effectRef idx="0">
-                  <a:schemeClr val="dk1"/>
-                </a:effectRef>
-                <a:fontRef idx="minor">
-                  <a:schemeClr val="tx1"/>
-                </a:fontRef>
-              </p:style>
-            </p:cxnSp>
-            <p:sp>
-              <p:nvSpPr>
-                <p:cNvPr id="10262" name="TextBox 14"/>
-                <p:cNvSpPr txBox="1">
-                  <a:spLocks noChangeArrowheads="1"/>
-                </p:cNvSpPr>
-                <p:nvPr/>
-              </p:nvSpPr>
-              <p:spPr bwMode="auto">
-                <a:xfrm>
-                  <a:off x="4255737" y="2799008"/>
-                  <a:ext cx="761980" cy="215444"/>
-                </a:xfrm>
-                <a:prstGeom prst="rect">
-                  <a:avLst/>
-                </a:prstGeom>
-                <a:noFill/>
-                <a:ln w="9525">
-                  <a:noFill/>
-                  <a:miter lim="800000"/>
-                  <a:headEnd/>
-                  <a:tailEnd/>
-                </a:ln>
-              </p:spPr>
-              <p:txBody>
-                <a:bodyPr>
-                  <a:spAutoFit/>
-                </a:bodyPr>
-                <a:lstStyle/>
-                <a:p>
-                  <a:pPr algn="ctr"/>
-                  <a:r>
-                    <a:rPr lang="en-US" altLang="zh-CN" sz="800">
-                      <a:latin typeface="Verdana" pitchFamily="34" charset="0"/>
-                    </a:rPr>
-                    <a:t>t1</a:t>
-                  </a:r>
-                  <a:endParaRPr lang="zh-CN" altLang="en-US" sz="800">
-                    <a:latin typeface="Verdana" pitchFamily="34" charset="0"/>
-                  </a:endParaRPr>
-                </a:p>
-              </p:txBody>
-            </p:sp>
-            <p:cxnSp>
-              <p:nvCxnSpPr>
-                <p:cNvPr id="112" name="直接连接符 111"/>
-                <p:cNvCxnSpPr/>
-                <p:nvPr/>
-              </p:nvCxnSpPr>
-              <p:spPr bwMode="auto">
-                <a:xfrm flipH="1">
-                  <a:off x="4636510" y="2595550"/>
-                  <a:ext cx="0" cy="138195"/>
-                </a:xfrm>
-                <a:prstGeom prst="line">
-                  <a:avLst/>
-                </a:prstGeom>
-                <a:ln>
-                  <a:headEnd type="none" w="med" len="med"/>
-                  <a:tailEnd type="none" w="med" len="med"/>
-                </a:ln>
-              </p:spPr>
-              <p:style>
-                <a:lnRef idx="1">
-                  <a:schemeClr val="dk1"/>
-                </a:lnRef>
-                <a:fillRef idx="0">
-                  <a:schemeClr val="dk1"/>
-                </a:fillRef>
-                <a:effectRef idx="0">
-                  <a:schemeClr val="dk1"/>
-                </a:effectRef>
-                <a:fontRef idx="minor">
-                  <a:schemeClr val="tx1"/>
-                </a:fontRef>
-              </p:style>
-            </p:cxnSp>
-            <p:sp>
-              <p:nvSpPr>
-                <p:cNvPr id="10264" name="TextBox 14"/>
-                <p:cNvSpPr txBox="1">
-                  <a:spLocks noChangeArrowheads="1"/>
-                </p:cNvSpPr>
-                <p:nvPr/>
-              </p:nvSpPr>
-              <p:spPr bwMode="auto">
-                <a:xfrm>
-                  <a:off x="4253814" y="2422656"/>
-                  <a:ext cx="761980" cy="215444"/>
-                </a:xfrm>
-                <a:prstGeom prst="rect">
-                  <a:avLst/>
-                </a:prstGeom>
-                <a:noFill/>
-                <a:ln w="9525">
-                  <a:noFill/>
-                  <a:miter lim="800000"/>
-                  <a:headEnd/>
-                  <a:tailEnd/>
-                </a:ln>
-              </p:spPr>
-              <p:txBody>
-                <a:bodyPr>
-                  <a:spAutoFit/>
-                </a:bodyPr>
-                <a:lstStyle/>
-                <a:p>
-                  <a:pPr algn="ctr"/>
-                  <a:r>
-                    <a:rPr lang="en-US" altLang="zh-CN" sz="800">
-                      <a:latin typeface="Verdana" pitchFamily="34" charset="0"/>
-                    </a:rPr>
-                    <a:t>s1</a:t>
-                  </a:r>
-                  <a:endParaRPr lang="zh-CN" altLang="en-US" sz="800">
-                    <a:latin typeface="Verdana" pitchFamily="34" charset="0"/>
-                  </a:endParaRPr>
-                </a:p>
-              </p:txBody>
-            </p:sp>
-            <p:cxnSp>
-              <p:nvCxnSpPr>
-                <p:cNvPr id="137" name="直接连接符 136"/>
-                <p:cNvCxnSpPr/>
-                <p:nvPr/>
-              </p:nvCxnSpPr>
-              <p:spPr bwMode="auto">
-                <a:xfrm flipH="1">
-                  <a:off x="5305035" y="2697211"/>
-                  <a:ext cx="0" cy="138195"/>
-                </a:xfrm>
-                <a:prstGeom prst="line">
-                  <a:avLst/>
-                </a:prstGeom>
-                <a:ln>
-                  <a:headEnd type="none" w="med" len="med"/>
-                  <a:tailEnd type="none" w="med" len="med"/>
-                </a:ln>
-              </p:spPr>
-              <p:style>
-                <a:lnRef idx="1">
-                  <a:schemeClr val="dk1"/>
-                </a:lnRef>
-                <a:fillRef idx="0">
-                  <a:schemeClr val="dk1"/>
-                </a:fillRef>
-                <a:effectRef idx="0">
-                  <a:schemeClr val="dk1"/>
-                </a:effectRef>
-                <a:fontRef idx="minor">
-                  <a:schemeClr val="tx1"/>
-                </a:fontRef>
-              </p:style>
-            </p:cxnSp>
-            <p:sp>
-              <p:nvSpPr>
-                <p:cNvPr id="10266" name="TextBox 14"/>
-                <p:cNvSpPr txBox="1">
-                  <a:spLocks noChangeArrowheads="1"/>
-                </p:cNvSpPr>
-                <p:nvPr/>
-              </p:nvSpPr>
-              <p:spPr bwMode="auto">
-                <a:xfrm>
-                  <a:off x="4924395" y="2792406"/>
-                  <a:ext cx="761980" cy="215444"/>
-                </a:xfrm>
-                <a:prstGeom prst="rect">
-                  <a:avLst/>
-                </a:prstGeom>
-                <a:noFill/>
-                <a:ln w="9525">
-                  <a:noFill/>
-                  <a:miter lim="800000"/>
-                  <a:headEnd/>
-                  <a:tailEnd/>
-                </a:ln>
-              </p:spPr>
-              <p:txBody>
-                <a:bodyPr>
-                  <a:spAutoFit/>
-                </a:bodyPr>
-                <a:lstStyle/>
-                <a:p>
-                  <a:pPr algn="ctr"/>
-                  <a:r>
-                    <a:rPr lang="en-US" altLang="zh-CN" sz="800">
-                      <a:latin typeface="Verdana" pitchFamily="34" charset="0"/>
-                    </a:rPr>
-                    <a:t>t2</a:t>
-                  </a:r>
-                  <a:endParaRPr lang="zh-CN" altLang="en-US" sz="800">
-                    <a:latin typeface="Verdana" pitchFamily="34" charset="0"/>
-                  </a:endParaRPr>
-                </a:p>
-              </p:txBody>
-            </p:sp>
-            <p:cxnSp>
-              <p:nvCxnSpPr>
-                <p:cNvPr id="139" name="直接连接符 138"/>
-                <p:cNvCxnSpPr/>
-                <p:nvPr/>
-              </p:nvCxnSpPr>
-              <p:spPr bwMode="auto">
-                <a:xfrm flipH="1">
-                  <a:off x="5305035" y="2589196"/>
-                  <a:ext cx="0" cy="138195"/>
-                </a:xfrm>
-                <a:prstGeom prst="line">
-                  <a:avLst/>
-                </a:prstGeom>
-                <a:ln>
-                  <a:headEnd type="none" w="med" len="med"/>
-                  <a:tailEnd type="none" w="med" len="med"/>
-                </a:ln>
-              </p:spPr>
-              <p:style>
-                <a:lnRef idx="1">
-                  <a:schemeClr val="dk1"/>
-                </a:lnRef>
-                <a:fillRef idx="0">
-                  <a:schemeClr val="dk1"/>
-                </a:fillRef>
-                <a:effectRef idx="0">
-                  <a:schemeClr val="dk1"/>
-                </a:effectRef>
-                <a:fontRef idx="minor">
-                  <a:schemeClr val="tx1"/>
-                </a:fontRef>
-              </p:style>
-            </p:cxnSp>
-            <p:sp>
-              <p:nvSpPr>
-                <p:cNvPr id="10268" name="TextBox 14"/>
-                <p:cNvSpPr txBox="1">
-                  <a:spLocks noChangeArrowheads="1"/>
-                </p:cNvSpPr>
-                <p:nvPr/>
-              </p:nvSpPr>
-              <p:spPr bwMode="auto">
-                <a:xfrm>
-                  <a:off x="4922472" y="2416054"/>
-                  <a:ext cx="761980" cy="215444"/>
-                </a:xfrm>
-                <a:prstGeom prst="rect">
-                  <a:avLst/>
-                </a:prstGeom>
-                <a:noFill/>
-                <a:ln w="9525">
-                  <a:noFill/>
-                  <a:miter lim="800000"/>
-                  <a:headEnd/>
-                  <a:tailEnd/>
-                </a:ln>
-              </p:spPr>
-              <p:txBody>
-                <a:bodyPr>
-                  <a:spAutoFit/>
-                </a:bodyPr>
-                <a:lstStyle/>
-                <a:p>
-                  <a:pPr algn="ctr"/>
-                  <a:r>
-                    <a:rPr lang="en-US" altLang="zh-CN" sz="800">
-                      <a:latin typeface="Verdana" pitchFamily="34" charset="0"/>
-                    </a:rPr>
-                    <a:t>s2</a:t>
-                  </a:r>
-                  <a:endParaRPr lang="zh-CN" altLang="en-US" sz="800">
-                    <a:latin typeface="Verdana" pitchFamily="34" charset="0"/>
-                  </a:endParaRPr>
-                </a:p>
-              </p:txBody>
-            </p:sp>
-            <p:cxnSp>
-              <p:nvCxnSpPr>
-                <p:cNvPr id="145" name="直接连接符 144"/>
-                <p:cNvCxnSpPr/>
-                <p:nvPr/>
-              </p:nvCxnSpPr>
-              <p:spPr bwMode="auto">
-                <a:xfrm flipH="1">
-                  <a:off x="6727836" y="2697211"/>
-                  <a:ext cx="0" cy="138195"/>
-                </a:xfrm>
-                <a:prstGeom prst="line">
-                  <a:avLst/>
-                </a:prstGeom>
-                <a:ln>
-                  <a:headEnd type="none" w="med" len="med"/>
-                  <a:tailEnd type="none" w="med" len="med"/>
-                </a:ln>
-              </p:spPr>
-              <p:style>
-                <a:lnRef idx="1">
-                  <a:schemeClr val="dk1"/>
-                </a:lnRef>
-                <a:fillRef idx="0">
-                  <a:schemeClr val="dk1"/>
-                </a:fillRef>
-                <a:effectRef idx="0">
-                  <a:schemeClr val="dk1"/>
-                </a:effectRef>
-                <a:fontRef idx="minor">
-                  <a:schemeClr val="tx1"/>
-                </a:fontRef>
-              </p:style>
-            </p:cxnSp>
-            <p:sp>
-              <p:nvSpPr>
-                <p:cNvPr id="10270" name="TextBox 14"/>
-                <p:cNvSpPr txBox="1">
-                  <a:spLocks noChangeArrowheads="1"/>
-                </p:cNvSpPr>
-                <p:nvPr/>
-              </p:nvSpPr>
-              <p:spPr bwMode="auto">
-                <a:xfrm>
-                  <a:off x="6347089" y="2792406"/>
-                  <a:ext cx="761980" cy="215444"/>
-                </a:xfrm>
-                <a:prstGeom prst="rect">
-                  <a:avLst/>
-                </a:prstGeom>
-                <a:noFill/>
-                <a:ln w="9525">
-                  <a:noFill/>
-                  <a:miter lim="800000"/>
-                  <a:headEnd/>
-                  <a:tailEnd/>
-                </a:ln>
-              </p:spPr>
-              <p:txBody>
-                <a:bodyPr>
-                  <a:spAutoFit/>
-                </a:bodyPr>
-                <a:lstStyle/>
-                <a:p>
-                  <a:pPr algn="ctr"/>
-                  <a:r>
-                    <a:rPr lang="en-US" altLang="zh-CN" sz="800">
-                      <a:latin typeface="Verdana" pitchFamily="34" charset="0"/>
-                    </a:rPr>
-                    <a:t>t3</a:t>
-                  </a:r>
-                  <a:endParaRPr lang="zh-CN" altLang="en-US" sz="800">
-                    <a:latin typeface="Verdana" pitchFamily="34" charset="0"/>
-                  </a:endParaRPr>
-                </a:p>
-              </p:txBody>
-            </p:sp>
-            <p:cxnSp>
-              <p:nvCxnSpPr>
-                <p:cNvPr id="147" name="直接连接符 146"/>
-                <p:cNvCxnSpPr/>
-                <p:nvPr/>
-              </p:nvCxnSpPr>
-              <p:spPr bwMode="auto">
-                <a:xfrm flipH="1">
-                  <a:off x="6727836" y="2589196"/>
-                  <a:ext cx="0" cy="138195"/>
-                </a:xfrm>
-                <a:prstGeom prst="line">
-                  <a:avLst/>
-                </a:prstGeom>
-                <a:ln>
-                  <a:headEnd type="none" w="med" len="med"/>
-                  <a:tailEnd type="none" w="med" len="med"/>
-                </a:ln>
-              </p:spPr>
-              <p:style>
-                <a:lnRef idx="1">
-                  <a:schemeClr val="dk1"/>
-                </a:lnRef>
-                <a:fillRef idx="0">
-                  <a:schemeClr val="dk1"/>
-                </a:fillRef>
-                <a:effectRef idx="0">
-                  <a:schemeClr val="dk1"/>
-                </a:effectRef>
-                <a:fontRef idx="minor">
-                  <a:schemeClr val="tx1"/>
-                </a:fontRef>
-              </p:style>
-            </p:cxnSp>
-            <p:sp>
-              <p:nvSpPr>
-                <p:cNvPr id="10272" name="TextBox 14"/>
-                <p:cNvSpPr txBox="1">
-                  <a:spLocks noChangeArrowheads="1"/>
-                </p:cNvSpPr>
-                <p:nvPr/>
-              </p:nvSpPr>
-              <p:spPr bwMode="auto">
-                <a:xfrm>
-                  <a:off x="6345166" y="2416054"/>
-                  <a:ext cx="761980" cy="215444"/>
-                </a:xfrm>
-                <a:prstGeom prst="rect">
-                  <a:avLst/>
-                </a:prstGeom>
-                <a:noFill/>
-                <a:ln w="9525">
-                  <a:noFill/>
-                  <a:miter lim="800000"/>
-                  <a:headEnd/>
-                  <a:tailEnd/>
-                </a:ln>
-              </p:spPr>
-              <p:txBody>
-                <a:bodyPr>
-                  <a:spAutoFit/>
-                </a:bodyPr>
-                <a:lstStyle/>
-                <a:p>
-                  <a:pPr algn="ctr"/>
-                  <a:r>
-                    <a:rPr lang="en-US" altLang="zh-CN" sz="800">
-                      <a:latin typeface="Verdana" pitchFamily="34" charset="0"/>
-                    </a:rPr>
-                    <a:t>s3</a:t>
-                  </a:r>
-                  <a:endParaRPr lang="zh-CN" altLang="en-US" sz="800">
-                    <a:latin typeface="Verdana" pitchFamily="34" charset="0"/>
-                  </a:endParaRPr>
-                </a:p>
-              </p:txBody>
-            </p:sp>
-            <p:cxnSp>
-              <p:nvCxnSpPr>
-                <p:cNvPr id="156" name="直接连接符 155"/>
-                <p:cNvCxnSpPr/>
-                <p:nvPr/>
-              </p:nvCxnSpPr>
-              <p:spPr bwMode="auto">
-                <a:xfrm flipH="1">
-                  <a:off x="4892169" y="2595550"/>
-                  <a:ext cx="0" cy="138195"/>
-                </a:xfrm>
-                <a:prstGeom prst="line">
-                  <a:avLst/>
-                </a:prstGeom>
-                <a:ln>
-                  <a:headEnd type="none" w="med" len="med"/>
-                  <a:tailEnd type="none" w="med" len="med"/>
-                </a:ln>
-              </p:spPr>
-              <p:style>
-                <a:lnRef idx="1">
-                  <a:schemeClr val="dk1"/>
-                </a:lnRef>
-                <a:fillRef idx="0">
-                  <a:schemeClr val="dk1"/>
-                </a:fillRef>
-                <a:effectRef idx="0">
-                  <a:schemeClr val="dk1"/>
-                </a:effectRef>
-                <a:fontRef idx="minor">
-                  <a:schemeClr val="tx1"/>
-                </a:fontRef>
-              </p:style>
-            </p:cxnSp>
-            <p:cxnSp>
-              <p:nvCxnSpPr>
-                <p:cNvPr id="157" name="直接连接符 156"/>
-                <p:cNvCxnSpPr/>
-                <p:nvPr/>
-              </p:nvCxnSpPr>
-              <p:spPr bwMode="auto">
-                <a:xfrm flipH="1">
-                  <a:off x="5170060" y="2595550"/>
-                  <a:ext cx="0" cy="138195"/>
-                </a:xfrm>
-                <a:prstGeom prst="line">
-                  <a:avLst/>
-                </a:prstGeom>
-                <a:ln>
-                  <a:headEnd type="none" w="med" len="med"/>
-                  <a:tailEnd type="none" w="med" len="med"/>
-                </a:ln>
-              </p:spPr>
-              <p:style>
-                <a:lnRef idx="1">
-                  <a:schemeClr val="dk1"/>
-                </a:lnRef>
-                <a:fillRef idx="0">
-                  <a:schemeClr val="dk1"/>
-                </a:fillRef>
-                <a:effectRef idx="0">
-                  <a:schemeClr val="dk1"/>
-                </a:effectRef>
-                <a:fontRef idx="minor">
-                  <a:schemeClr val="tx1"/>
-                </a:fontRef>
-              </p:style>
-            </p:cxnSp>
-            <p:cxnSp>
-              <p:nvCxnSpPr>
-                <p:cNvPr id="158" name="直接连接符 157"/>
-                <p:cNvCxnSpPr/>
-                <p:nvPr/>
-              </p:nvCxnSpPr>
-              <p:spPr bwMode="auto">
-                <a:xfrm flipH="1">
-                  <a:off x="5559107" y="2595550"/>
-                  <a:ext cx="0" cy="138195"/>
-                </a:xfrm>
-                <a:prstGeom prst="line">
-                  <a:avLst/>
-                </a:prstGeom>
-                <a:ln>
-                  <a:headEnd type="none" w="med" len="med"/>
-                  <a:tailEnd type="none" w="med" len="med"/>
-                </a:ln>
-              </p:spPr>
-              <p:style>
-                <a:lnRef idx="1">
-                  <a:schemeClr val="dk1"/>
-                </a:lnRef>
-                <a:fillRef idx="0">
-                  <a:schemeClr val="dk1"/>
-                </a:fillRef>
-                <a:effectRef idx="0">
-                  <a:schemeClr val="dk1"/>
-                </a:effectRef>
-                <a:fontRef idx="minor">
-                  <a:schemeClr val="tx1"/>
-                </a:fontRef>
-              </p:style>
-            </p:cxnSp>
-            <p:cxnSp>
-              <p:nvCxnSpPr>
-                <p:cNvPr id="159" name="直接连接符 158"/>
-                <p:cNvCxnSpPr/>
-                <p:nvPr/>
-              </p:nvCxnSpPr>
-              <p:spPr bwMode="auto">
-                <a:xfrm flipH="1">
-                  <a:off x="5836998" y="2595550"/>
-                  <a:ext cx="0" cy="138195"/>
-                </a:xfrm>
-                <a:prstGeom prst="line">
-                  <a:avLst/>
-                </a:prstGeom>
-                <a:ln>
-                  <a:headEnd type="none" w="med" len="med"/>
-                  <a:tailEnd type="none" w="med" len="med"/>
-                </a:ln>
-              </p:spPr>
-              <p:style>
-                <a:lnRef idx="1">
-                  <a:schemeClr val="dk1"/>
-                </a:lnRef>
-                <a:fillRef idx="0">
-                  <a:schemeClr val="dk1"/>
-                </a:fillRef>
-                <a:effectRef idx="0">
-                  <a:schemeClr val="dk1"/>
-                </a:effectRef>
-                <a:fontRef idx="minor">
-                  <a:schemeClr val="tx1"/>
-                </a:fontRef>
-              </p:style>
-            </p:cxnSp>
-            <p:cxnSp>
-              <p:nvCxnSpPr>
-                <p:cNvPr id="160" name="直接连接符 159"/>
-                <p:cNvCxnSpPr/>
-                <p:nvPr/>
-              </p:nvCxnSpPr>
-              <p:spPr bwMode="auto">
-                <a:xfrm flipH="1">
-                  <a:off x="6110125" y="2595550"/>
-                  <a:ext cx="0" cy="138195"/>
-                </a:xfrm>
-                <a:prstGeom prst="line">
-                  <a:avLst/>
-                </a:prstGeom>
-                <a:ln>
-                  <a:headEnd type="none" w="med" len="med"/>
-                  <a:tailEnd type="none" w="med" len="med"/>
-                </a:ln>
-              </p:spPr>
-              <p:style>
-                <a:lnRef idx="1">
-                  <a:schemeClr val="dk1"/>
-                </a:lnRef>
-                <a:fillRef idx="0">
-                  <a:schemeClr val="dk1"/>
-                </a:fillRef>
-                <a:effectRef idx="0">
-                  <a:schemeClr val="dk1"/>
-                </a:effectRef>
-                <a:fontRef idx="minor">
-                  <a:schemeClr val="tx1"/>
-                </a:fontRef>
-              </p:style>
-            </p:cxnSp>
-            <p:cxnSp>
-              <p:nvCxnSpPr>
-                <p:cNvPr id="161" name="直接连接符 160"/>
-                <p:cNvCxnSpPr/>
-                <p:nvPr/>
-              </p:nvCxnSpPr>
-              <p:spPr bwMode="auto">
-                <a:xfrm flipH="1">
-                  <a:off x="6345141" y="2595550"/>
-                  <a:ext cx="0" cy="138195"/>
-                </a:xfrm>
-                <a:prstGeom prst="line">
-                  <a:avLst/>
-                </a:prstGeom>
-                <a:ln>
-                  <a:headEnd type="none" w="med" len="med"/>
-                  <a:tailEnd type="none" w="med" len="med"/>
-                </a:ln>
-              </p:spPr>
-              <p:style>
-                <a:lnRef idx="1">
-                  <a:schemeClr val="dk1"/>
-                </a:lnRef>
-                <a:fillRef idx="0">
-                  <a:schemeClr val="dk1"/>
-                </a:fillRef>
-                <a:effectRef idx="0">
-                  <a:schemeClr val="dk1"/>
-                </a:effectRef>
-                <a:fontRef idx="minor">
-                  <a:schemeClr val="tx1"/>
-                </a:fontRef>
-              </p:style>
-            </p:cxnSp>
-            <p:cxnSp>
-              <p:nvCxnSpPr>
-                <p:cNvPr id="162" name="直接连接符 161"/>
-                <p:cNvCxnSpPr/>
-                <p:nvPr/>
-              </p:nvCxnSpPr>
-              <p:spPr bwMode="auto">
-                <a:xfrm flipH="1">
-                  <a:off x="6618268" y="2595550"/>
-                  <a:ext cx="0" cy="138195"/>
-                </a:xfrm>
-                <a:prstGeom prst="line">
-                  <a:avLst/>
-                </a:prstGeom>
-                <a:ln>
-                  <a:headEnd type="none" w="med" len="med"/>
-                  <a:tailEnd type="none" w="med" len="med"/>
-                </a:ln>
-              </p:spPr>
-              <p:style>
-                <a:lnRef idx="1">
-                  <a:schemeClr val="dk1"/>
-                </a:lnRef>
-                <a:fillRef idx="0">
-                  <a:schemeClr val="dk1"/>
-                </a:fillRef>
-                <a:effectRef idx="0">
-                  <a:schemeClr val="dk1"/>
-                </a:effectRef>
-                <a:fontRef idx="minor">
-                  <a:schemeClr val="tx1"/>
-                </a:fontRef>
-              </p:style>
-            </p:cxnSp>
-            <p:sp>
-              <p:nvSpPr>
-                <p:cNvPr id="10280" name="TextBox 14"/>
-                <p:cNvSpPr txBox="1">
-                  <a:spLocks noChangeArrowheads="1"/>
-                </p:cNvSpPr>
-                <p:nvPr/>
-              </p:nvSpPr>
-              <p:spPr bwMode="auto">
-                <a:xfrm>
-                  <a:off x="4610917" y="3118736"/>
-                  <a:ext cx="723063" cy="215444"/>
-                </a:xfrm>
-                <a:prstGeom prst="rect">
-                  <a:avLst/>
-                </a:prstGeom>
-                <a:noFill/>
-                <a:ln w="9525">
-                  <a:noFill/>
-                  <a:miter lim="800000"/>
-                  <a:headEnd/>
-                  <a:tailEnd/>
-                </a:ln>
-              </p:spPr>
-              <p:txBody>
-                <a:bodyPr>
-                  <a:spAutoFit/>
-                </a:bodyPr>
-                <a:lstStyle/>
-                <a:p>
-                  <a:pPr algn="ctr"/>
-                  <a:r>
-                    <a:rPr lang="zh-CN" altLang="en-US" sz="800">
-                      <a:latin typeface="Verdana" pitchFamily="34" charset="0"/>
-                    </a:rPr>
-                    <a:t>动画同步点</a:t>
-                  </a:r>
-                </a:p>
-              </p:txBody>
-            </p:sp>
-            <p:sp>
-              <p:nvSpPr>
-                <p:cNvPr id="10281" name="TextBox 14"/>
-                <p:cNvSpPr txBox="1">
-                  <a:spLocks noChangeArrowheads="1"/>
-                </p:cNvSpPr>
-                <p:nvPr/>
-              </p:nvSpPr>
-              <p:spPr bwMode="auto">
-                <a:xfrm>
-                  <a:off x="5677689" y="3118736"/>
-                  <a:ext cx="723063" cy="215444"/>
-                </a:xfrm>
-                <a:prstGeom prst="rect">
-                  <a:avLst/>
-                </a:prstGeom>
-                <a:noFill/>
-                <a:ln w="9525">
-                  <a:noFill/>
-                  <a:miter lim="800000"/>
-                  <a:headEnd/>
-                  <a:tailEnd/>
-                </a:ln>
-              </p:spPr>
-              <p:txBody>
-                <a:bodyPr>
-                  <a:spAutoFit/>
-                </a:bodyPr>
-                <a:lstStyle/>
-                <a:p>
-                  <a:pPr algn="ctr"/>
-                  <a:r>
-                    <a:rPr lang="zh-CN" altLang="en-US" sz="800">
-                      <a:latin typeface="Verdana" pitchFamily="34" charset="0"/>
-                    </a:rPr>
-                    <a:t>稳定更新点</a:t>
-                  </a:r>
-                </a:p>
-              </p:txBody>
-            </p:sp>
-          </p:grpSp>
-          <p:sp>
-            <p:nvSpPr>
-              <p:cNvPr id="10250" name="椭圆 239"/>
-              <p:cNvSpPr>
-                <a:spLocks noChangeArrowheads="1"/>
-              </p:cNvSpPr>
-              <p:nvPr/>
-            </p:nvSpPr>
-            <p:spPr bwMode="auto">
-              <a:xfrm>
-                <a:off x="4399824" y="4713040"/>
-                <a:ext cx="76030" cy="63071"/>
-              </a:xfrm>
-              <a:prstGeom prst="ellipse">
-                <a:avLst/>
-              </a:prstGeom>
-              <a:solidFill>
-                <a:srgbClr val="FFFF00"/>
-              </a:solidFill>
-              <a:ln w="9525" algn="ctr">
-                <a:solidFill>
-                  <a:schemeClr val="tx1"/>
-                </a:solidFill>
-                <a:round/>
-                <a:headEnd/>
-                <a:tailEnd/>
-              </a:ln>
-            </p:spPr>
-            <p:txBody>
-              <a:bodyPr lIns="90000" tIns="46800" rIns="90000" bIns="46800">
-                <a:spAutoFit/>
-              </a:bodyPr>
-              <a:lstStyle/>
-              <a:p>
-                <a:endParaRPr lang="zh-CN" altLang="en-US"/>
-              </a:p>
-            </p:txBody>
-          </p:sp>
-          <p:sp>
-            <p:nvSpPr>
-              <p:cNvPr id="10251" name="椭圆 243"/>
-              <p:cNvSpPr>
-                <a:spLocks noChangeArrowheads="1"/>
-              </p:cNvSpPr>
-              <p:nvPr/>
-            </p:nvSpPr>
-            <p:spPr bwMode="auto">
-              <a:xfrm>
-                <a:off x="4672572" y="4713040"/>
-                <a:ext cx="76030" cy="63071"/>
-              </a:xfrm>
-              <a:prstGeom prst="ellipse">
-                <a:avLst/>
-              </a:prstGeom>
-              <a:solidFill>
-                <a:srgbClr val="FFFF00"/>
-              </a:solidFill>
-              <a:ln w="9525" algn="ctr">
-                <a:solidFill>
-                  <a:schemeClr val="tx1"/>
-                </a:solidFill>
-                <a:round/>
-                <a:headEnd/>
-                <a:tailEnd/>
-              </a:ln>
-            </p:spPr>
-            <p:txBody>
-              <a:bodyPr lIns="90000" tIns="46800" rIns="90000" bIns="46800">
-                <a:spAutoFit/>
-              </a:bodyPr>
-              <a:lstStyle/>
-              <a:p>
-                <a:endParaRPr lang="zh-CN" altLang="en-US"/>
-              </a:p>
-            </p:txBody>
-          </p:sp>
-          <p:sp>
-            <p:nvSpPr>
-              <p:cNvPr id="10252" name="椭圆 244"/>
-              <p:cNvSpPr>
-                <a:spLocks noChangeArrowheads="1"/>
-              </p:cNvSpPr>
-              <p:nvPr/>
-            </p:nvSpPr>
-            <p:spPr bwMode="auto">
-              <a:xfrm>
-                <a:off x="5069089" y="4713040"/>
-                <a:ext cx="76030" cy="63071"/>
-              </a:xfrm>
-              <a:prstGeom prst="ellipse">
-                <a:avLst/>
-              </a:prstGeom>
-              <a:solidFill>
-                <a:srgbClr val="FFFF00"/>
-              </a:solidFill>
-              <a:ln w="9525" algn="ctr">
-                <a:solidFill>
-                  <a:schemeClr val="tx1"/>
-                </a:solidFill>
-                <a:round/>
-                <a:headEnd/>
-                <a:tailEnd/>
-              </a:ln>
-            </p:spPr>
-            <p:txBody>
-              <a:bodyPr lIns="90000" tIns="46800" rIns="90000" bIns="46800">
-                <a:spAutoFit/>
-              </a:bodyPr>
-              <a:lstStyle/>
-              <a:p>
-                <a:endParaRPr lang="zh-CN" altLang="en-US"/>
-              </a:p>
-            </p:txBody>
-          </p:sp>
-          <p:sp>
-            <p:nvSpPr>
-              <p:cNvPr id="10253" name="椭圆 245"/>
-              <p:cNvSpPr>
-                <a:spLocks noChangeArrowheads="1"/>
-              </p:cNvSpPr>
-              <p:nvPr/>
-            </p:nvSpPr>
-            <p:spPr bwMode="auto">
-              <a:xfrm>
-                <a:off x="5335254" y="4713040"/>
-                <a:ext cx="76030" cy="63071"/>
-              </a:xfrm>
-              <a:prstGeom prst="ellipse">
-                <a:avLst/>
-              </a:prstGeom>
-              <a:solidFill>
-                <a:srgbClr val="FFFF00"/>
-              </a:solidFill>
-              <a:ln w="9525" algn="ctr">
-                <a:solidFill>
-                  <a:schemeClr val="tx1"/>
-                </a:solidFill>
-                <a:round/>
-                <a:headEnd/>
-                <a:tailEnd/>
-              </a:ln>
-            </p:spPr>
-            <p:txBody>
-              <a:bodyPr lIns="90000" tIns="46800" rIns="90000" bIns="46800">
-                <a:spAutoFit/>
-              </a:bodyPr>
-              <a:lstStyle/>
-              <a:p>
-                <a:endParaRPr lang="zh-CN" altLang="en-US"/>
-              </a:p>
-            </p:txBody>
-          </p:sp>
-          <p:sp>
-            <p:nvSpPr>
-              <p:cNvPr id="10254" name="椭圆 246"/>
-              <p:cNvSpPr>
-                <a:spLocks noChangeArrowheads="1"/>
-              </p:cNvSpPr>
-              <p:nvPr/>
-            </p:nvSpPr>
-            <p:spPr bwMode="auto">
-              <a:xfrm>
-                <a:off x="5616834" y="4713040"/>
-                <a:ext cx="76030" cy="63071"/>
-              </a:xfrm>
-              <a:prstGeom prst="ellipse">
-                <a:avLst/>
-              </a:prstGeom>
-              <a:solidFill>
-                <a:srgbClr val="FFFF00"/>
-              </a:solidFill>
-              <a:ln w="9525" algn="ctr">
-                <a:solidFill>
-                  <a:schemeClr val="tx1"/>
-                </a:solidFill>
-                <a:round/>
-                <a:headEnd/>
-                <a:tailEnd/>
-              </a:ln>
-            </p:spPr>
-            <p:txBody>
-              <a:bodyPr lIns="90000" tIns="46800" rIns="90000" bIns="46800">
-                <a:spAutoFit/>
-              </a:bodyPr>
-              <a:lstStyle/>
-              <a:p>
-                <a:endParaRPr lang="zh-CN" altLang="en-US"/>
-              </a:p>
-            </p:txBody>
-          </p:sp>
-          <p:sp>
-            <p:nvSpPr>
-              <p:cNvPr id="10255" name="椭圆 247"/>
-              <p:cNvSpPr>
-                <a:spLocks noChangeArrowheads="1"/>
-              </p:cNvSpPr>
-              <p:nvPr/>
-            </p:nvSpPr>
-            <p:spPr bwMode="auto">
-              <a:xfrm>
-                <a:off x="5855144" y="4713040"/>
-                <a:ext cx="76030" cy="63071"/>
-              </a:xfrm>
-              <a:prstGeom prst="ellipse">
-                <a:avLst/>
-              </a:prstGeom>
-              <a:solidFill>
-                <a:srgbClr val="FFFF00"/>
-              </a:solidFill>
-              <a:ln w="9525" algn="ctr">
-                <a:solidFill>
-                  <a:schemeClr val="tx1"/>
-                </a:solidFill>
-                <a:round/>
-                <a:headEnd/>
-                <a:tailEnd/>
-              </a:ln>
-            </p:spPr>
-            <p:txBody>
-              <a:bodyPr lIns="90000" tIns="46800" rIns="90000" bIns="46800">
-                <a:spAutoFit/>
-              </a:bodyPr>
-              <a:lstStyle/>
-              <a:p>
-                <a:endParaRPr lang="zh-CN" altLang="en-US"/>
-              </a:p>
-            </p:txBody>
-          </p:sp>
-          <p:sp>
-            <p:nvSpPr>
-              <p:cNvPr id="10256" name="椭圆 248"/>
-              <p:cNvSpPr>
-                <a:spLocks noChangeArrowheads="1"/>
-              </p:cNvSpPr>
-              <p:nvPr/>
-            </p:nvSpPr>
-            <p:spPr bwMode="auto">
-              <a:xfrm>
-                <a:off x="6117228" y="4713040"/>
-                <a:ext cx="76030" cy="63071"/>
-              </a:xfrm>
-              <a:prstGeom prst="ellipse">
-                <a:avLst/>
-              </a:prstGeom>
-              <a:solidFill>
-                <a:srgbClr val="FFFF00"/>
-              </a:solidFill>
-              <a:ln w="9525" algn="ctr">
-                <a:solidFill>
-                  <a:schemeClr val="tx1"/>
-                </a:solidFill>
-                <a:round/>
-                <a:headEnd/>
-                <a:tailEnd/>
-              </a:ln>
-            </p:spPr>
-            <p:txBody>
-              <a:bodyPr lIns="90000" tIns="46800" rIns="90000" bIns="46800">
-                <a:spAutoFit/>
-              </a:bodyPr>
-              <a:lstStyle/>
-              <a:p>
-                <a:endParaRPr lang="zh-CN" altLang="en-US"/>
-              </a:p>
-            </p:txBody>
-          </p:sp>
-          <p:sp>
-            <p:nvSpPr>
-              <p:cNvPr id="10257" name="椭圆 250"/>
-              <p:cNvSpPr>
-                <a:spLocks noChangeArrowheads="1"/>
-              </p:cNvSpPr>
-              <p:nvPr/>
-            </p:nvSpPr>
-            <p:spPr bwMode="auto">
-              <a:xfrm>
-                <a:off x="4137700" y="4713040"/>
-                <a:ext cx="76030" cy="63071"/>
-              </a:xfrm>
-              <a:prstGeom prst="ellipse">
-                <a:avLst/>
-              </a:prstGeom>
-              <a:solidFill>
-                <a:srgbClr val="FF0000"/>
-              </a:solidFill>
-              <a:ln w="9525" algn="ctr">
-                <a:solidFill>
-                  <a:schemeClr val="tx1"/>
-                </a:solidFill>
-                <a:round/>
-                <a:headEnd/>
-                <a:tailEnd/>
-              </a:ln>
-            </p:spPr>
-            <p:txBody>
-              <a:bodyPr lIns="90000" tIns="46800" rIns="90000" bIns="46800">
-                <a:spAutoFit/>
-              </a:bodyPr>
-              <a:lstStyle/>
-              <a:p>
-                <a:endParaRPr lang="zh-CN" altLang="en-US"/>
-              </a:p>
-            </p:txBody>
-          </p:sp>
-          <p:sp>
-            <p:nvSpPr>
-              <p:cNvPr id="10258" name="椭圆 251"/>
-              <p:cNvSpPr>
-                <a:spLocks noChangeArrowheads="1"/>
-              </p:cNvSpPr>
-              <p:nvPr/>
-            </p:nvSpPr>
-            <p:spPr bwMode="auto">
-              <a:xfrm>
-                <a:off x="4808259" y="4713040"/>
-                <a:ext cx="76030" cy="63071"/>
-              </a:xfrm>
-              <a:prstGeom prst="ellipse">
-                <a:avLst/>
-              </a:prstGeom>
-              <a:solidFill>
-                <a:srgbClr val="FF0000"/>
-              </a:solidFill>
-              <a:ln w="9525" algn="ctr">
-                <a:solidFill>
-                  <a:schemeClr val="tx1"/>
-                </a:solidFill>
-                <a:round/>
-                <a:headEnd/>
-                <a:tailEnd/>
-              </a:ln>
-            </p:spPr>
-            <p:txBody>
-              <a:bodyPr lIns="90000" tIns="46800" rIns="90000" bIns="46800">
-                <a:spAutoFit/>
-              </a:bodyPr>
-              <a:lstStyle/>
-              <a:p>
-                <a:endParaRPr lang="zh-CN" altLang="en-US"/>
-              </a:p>
-            </p:txBody>
-          </p:sp>
-          <p:sp>
-            <p:nvSpPr>
-              <p:cNvPr id="10259" name="椭圆 252"/>
-              <p:cNvSpPr>
-                <a:spLocks noChangeArrowheads="1"/>
-              </p:cNvSpPr>
-              <p:nvPr/>
-            </p:nvSpPr>
-            <p:spPr bwMode="auto">
-              <a:xfrm>
-                <a:off x="6233780" y="4713040"/>
-                <a:ext cx="76030" cy="63071"/>
-              </a:xfrm>
-              <a:prstGeom prst="ellipse">
-                <a:avLst/>
-              </a:prstGeom>
-              <a:solidFill>
-                <a:srgbClr val="FF0000"/>
-              </a:solidFill>
-              <a:ln w="9525" algn="ctr">
-                <a:solidFill>
-                  <a:schemeClr val="tx1"/>
-                </a:solidFill>
-                <a:round/>
-                <a:headEnd/>
-                <a:tailEnd/>
-              </a:ln>
-            </p:spPr>
-            <p:txBody>
-              <a:bodyPr lIns="90000" tIns="46800" rIns="90000" bIns="46800">
-                <a:spAutoFit/>
-              </a:bodyPr>
-              <a:lstStyle/>
-              <a:p>
-                <a:endParaRPr lang="zh-CN" altLang="en-US"/>
-              </a:p>
-            </p:txBody>
-          </p:sp>
-        </p:grpSp>
-        <p:sp>
-          <p:nvSpPr>
-            <p:cNvPr id="10247" name="椭圆 253"/>
-            <p:cNvSpPr>
-              <a:spLocks noChangeArrowheads="1"/>
-            </p:cNvSpPr>
-            <p:nvPr/>
-          </p:nvSpPr>
-          <p:spPr bwMode="auto">
-            <a:xfrm>
-              <a:off x="4115967" y="5246651"/>
-              <a:ext cx="76030" cy="63071"/>
-            </a:xfrm>
-            <a:prstGeom prst="ellipse">
-              <a:avLst/>
-            </a:prstGeom>
-            <a:solidFill>
-              <a:srgbClr val="FF0000"/>
-            </a:solidFill>
-            <a:ln w="9525" algn="ctr">
-              <a:solidFill>
-                <a:schemeClr val="tx1"/>
-              </a:solidFill>
-              <a:round/>
-              <a:headEnd/>
-              <a:tailEnd/>
-            </a:ln>
-          </p:spPr>
-          <p:txBody>
-            <a:bodyPr lIns="90000" tIns="46800" rIns="90000" bIns="46800">
-              <a:spAutoFit/>
-            </a:bodyPr>
-            <a:lstStyle/>
-            <a:p>
-              <a:endParaRPr lang="zh-CN" altLang="en-US"/>
-            </a:p>
-          </p:txBody>
-        </p:sp>
-        <p:sp>
-          <p:nvSpPr>
-            <p:cNvPr id="10248" name="椭圆 255"/>
-            <p:cNvSpPr>
-              <a:spLocks noChangeArrowheads="1"/>
-            </p:cNvSpPr>
-            <p:nvPr/>
-          </p:nvSpPr>
-          <p:spPr bwMode="auto">
-            <a:xfrm>
-              <a:off x="5174873" y="5246651"/>
-              <a:ext cx="76030" cy="63071"/>
-            </a:xfrm>
-            <a:prstGeom prst="ellipse">
-              <a:avLst/>
-            </a:prstGeom>
-            <a:solidFill>
-              <a:srgbClr val="FFFF00"/>
-            </a:solidFill>
-            <a:ln w="9525" algn="ctr">
-              <a:solidFill>
-                <a:schemeClr val="tx1"/>
-              </a:solidFill>
-              <a:round/>
-              <a:headEnd/>
-              <a:tailEnd/>
-            </a:ln>
-          </p:spPr>
-          <p:txBody>
-            <a:bodyPr lIns="90000" tIns="46800" rIns="90000" bIns="46800">
-              <a:spAutoFit/>
-            </a:bodyPr>
-            <a:lstStyle/>
-            <a:p>
-              <a:endParaRPr lang="zh-CN" altLang="en-US"/>
-            </a:p>
-          </p:txBody>
-        </p:sp>
-      </p:grpSp>
-    </p:spTree>
-  </p:cSld>
-  <p:clrMapOvr>
-    <a:masterClrMapping/>
-  </p:clrMapOvr>
-  <p:timing>
-    <p:tnLst>
-      <p:par>
-        <p:cTn id="1" dur="indefinite" restart="never" nodeType="tmRoot"/>
-      </p:par>
-    </p:tnLst>
-  </p:timing>
-</p:sld>
-</file>
-
-<file path=ppt/slides/slide5.xml><?xml version="1.0" encoding="utf-8"?>
+<file path=ppt/slides/slide12.xml><?xml version="1.0" encoding="utf-8"?>
 <p:sld xmlns:a="http://schemas.openxmlformats.org/drawingml/2006/main" xmlns:r="http://schemas.openxmlformats.org/officeDocument/2006/relationships" xmlns:p="http://schemas.openxmlformats.org/presentationml/2006/main">
   <p:cSld>
     <p:spTree>
@@ -8671,7 +5556,7 @@
         <p:nvSpPr>
           <p:cNvPr id="11266" name="Rectangle 2"/>
           <p:cNvSpPr>
-            <a:spLocks noChangeArrowheads="1"/>
+            <a:spLocks noGrp="1" noChangeArrowheads="1"/>
           </p:cNvSpPr>
           <p:nvPr>
             <p:ph type="title"/>
@@ -8699,7 +5584,7 @@
         <p:nvSpPr>
           <p:cNvPr id="11267" name="Rectangle 3"/>
           <p:cNvSpPr>
-            <a:spLocks noChangeArrowheads="1"/>
+            <a:spLocks noGrp="1" noChangeArrowheads="1"/>
           </p:cNvSpPr>
           <p:nvPr>
             <p:ph type="body" idx="1"/>
@@ -12029,14 +8914,14 @@
               </a:ln>
               <a:extLst>
                 <a:ext uri="{909E8E84-426E-40DD-AFC4-6F175D3DCCD1}">
-                  <a14:hiddenFill xmlns:a14="http://schemas.microsoft.com/office/drawing/2010/main" xmlns="">
+                  <a14:hiddenFill xmlns="" xmlns:a14="http://schemas.microsoft.com/office/drawing/2010/main">
                     <a:solidFill>
                       <a:srgbClr val="FFFFFF"/>
                     </a:solidFill>
                   </a14:hiddenFill>
                 </a:ext>
                 <a:ext uri="{91240B29-F687-4F45-9708-019B960494DF}">
-                  <a14:hiddenLine xmlns:a14="http://schemas.microsoft.com/office/drawing/2010/main" xmlns="" w="9525">
+                  <a14:hiddenLine xmlns="" xmlns:a14="http://schemas.microsoft.com/office/drawing/2010/main" w="9525">
                     <a:solidFill>
                       <a:srgbClr val="000000"/>
                     </a:solidFill>
@@ -12204,14 +9089,14 @@
               </a:ln>
               <a:extLst>
                 <a:ext uri="{909E8E84-426E-40DD-AFC4-6F175D3DCCD1}">
-                  <a14:hiddenFill xmlns:a14="http://schemas.microsoft.com/office/drawing/2010/main" xmlns="">
+                  <a14:hiddenFill xmlns="" xmlns:a14="http://schemas.microsoft.com/office/drawing/2010/main">
                     <a:solidFill>
                       <a:srgbClr val="FFFFFF"/>
                     </a:solidFill>
                   </a14:hiddenFill>
                 </a:ext>
                 <a:ext uri="{91240B29-F687-4F45-9708-019B960494DF}">
-                  <a14:hiddenLine xmlns:a14="http://schemas.microsoft.com/office/drawing/2010/main" xmlns="" w="9525">
+                  <a14:hiddenLine xmlns="" xmlns:a14="http://schemas.microsoft.com/office/drawing/2010/main" w="9525">
                     <a:solidFill>
                       <a:srgbClr val="000000"/>
                     </a:solidFill>
@@ -13388,7 +10273,7 @@
 </p:sld>
 </file>
 
-<file path=ppt/slides/slide6.xml><?xml version="1.0" encoding="utf-8"?>
+<file path=ppt/slides/slide13.xml><?xml version="1.0" encoding="utf-8"?>
 <p:sld xmlns:a="http://schemas.openxmlformats.org/drawingml/2006/main" xmlns:r="http://schemas.openxmlformats.org/officeDocument/2006/relationships" xmlns:p="http://schemas.openxmlformats.org/presentationml/2006/main">
   <p:cSld>
     <p:spTree>
@@ -13409,7 +10294,7 @@
         <p:nvSpPr>
           <p:cNvPr id="13314" name="Rectangle 2"/>
           <p:cNvSpPr>
-            <a:spLocks noChangeArrowheads="1"/>
+            <a:spLocks noGrp="1" noChangeArrowheads="1"/>
           </p:cNvSpPr>
           <p:nvPr>
             <p:ph type="title"/>
@@ -13438,7 +10323,7 @@
         <p:nvSpPr>
           <p:cNvPr id="13315" name="Rectangle 3"/>
           <p:cNvSpPr>
-            <a:spLocks noChangeArrowheads="1"/>
+            <a:spLocks noGrp="1" noChangeArrowheads="1"/>
           </p:cNvSpPr>
           <p:nvPr>
             <p:ph type="body" idx="1"/>
@@ -13617,7 +10502,7 @@
 </p:sld>
 </file>
 
-<file path=ppt/slides/slide7.xml><?xml version="1.0" encoding="utf-8"?>
+<file path=ppt/slides/slide14.xml><?xml version="1.0" encoding="utf-8"?>
 <p:sld xmlns:a="http://schemas.openxmlformats.org/drawingml/2006/main" xmlns:r="http://schemas.openxmlformats.org/officeDocument/2006/relationships" xmlns:p="http://schemas.openxmlformats.org/presentationml/2006/main">
   <p:cSld>
     <p:spTree>
@@ -13638,7 +10523,7 @@
         <p:nvSpPr>
           <p:cNvPr id="14338" name="Rectangle 2"/>
           <p:cNvSpPr>
-            <a:spLocks noChangeArrowheads="1"/>
+            <a:spLocks noGrp="1" noChangeArrowheads="1"/>
           </p:cNvSpPr>
           <p:nvPr>
             <p:ph type="title"/>
@@ -13667,7 +10552,7 @@
         <p:nvSpPr>
           <p:cNvPr id="14339" name="Rectangle 3"/>
           <p:cNvSpPr>
-            <a:spLocks noChangeArrowheads="1"/>
+            <a:spLocks noGrp="1" noChangeArrowheads="1"/>
           </p:cNvSpPr>
           <p:nvPr>
             <p:ph type="body" idx="1"/>
@@ -14319,14 +11204,14 @@
                   </a:ln>
                   <a:extLst>
                     <a:ext uri="{909E8E84-426E-40DD-AFC4-6F175D3DCCD1}">
-                      <a14:hiddenFill xmlns:a14="http://schemas.microsoft.com/office/drawing/2010/main" xmlns="">
+                      <a14:hiddenFill xmlns="" xmlns:a14="http://schemas.microsoft.com/office/drawing/2010/main">
                         <a:solidFill>
                           <a:srgbClr val="FFFFFF"/>
                         </a:solidFill>
                       </a14:hiddenFill>
                     </a:ext>
                     <a:ext uri="{91240B29-F687-4F45-9708-019B960494DF}">
-                      <a14:hiddenLine xmlns:a14="http://schemas.microsoft.com/office/drawing/2010/main" xmlns="" w="9525">
+                      <a14:hiddenLine xmlns="" xmlns:a14="http://schemas.microsoft.com/office/drawing/2010/main" w="9525">
                         <a:solidFill>
                           <a:srgbClr val="000000"/>
                         </a:solidFill>
@@ -15501,7 +12386,7 @@
 </p:sld>
 </file>
 
-<file path=ppt/slides/slide8.xml><?xml version="1.0" encoding="utf-8"?>
+<file path=ppt/slides/slide15.xml><?xml version="1.0" encoding="utf-8"?>
 <p:sld xmlns:a="http://schemas.openxmlformats.org/drawingml/2006/main" xmlns:r="http://schemas.openxmlformats.org/officeDocument/2006/relationships" xmlns:p="http://schemas.openxmlformats.org/presentationml/2006/main">
   <p:cSld>
     <p:spTree>
@@ -15522,7 +12407,7 @@
         <p:nvSpPr>
           <p:cNvPr id="16386" name="Rectangle 2"/>
           <p:cNvSpPr>
-            <a:spLocks noChangeArrowheads="1"/>
+            <a:spLocks noGrp="1" noChangeArrowheads="1"/>
           </p:cNvSpPr>
           <p:nvPr>
             <p:ph type="title"/>
@@ -17846,14 +14731,14 @@
                     </a:ln>
                     <a:extLst>
                       <a:ext uri="{909E8E84-426E-40DD-AFC4-6F175D3DCCD1}">
-                        <a14:hiddenFill xmlns:a14="http://schemas.microsoft.com/office/drawing/2010/main" xmlns="">
+                        <a14:hiddenFill xmlns="" xmlns:a14="http://schemas.microsoft.com/office/drawing/2010/main">
                           <a:solidFill>
                             <a:srgbClr val="FFFFFF"/>
                           </a:solidFill>
                         </a14:hiddenFill>
                       </a:ext>
                       <a:ext uri="{91240B29-F687-4F45-9708-019B960494DF}">
-                        <a14:hiddenLine xmlns:a14="http://schemas.microsoft.com/office/drawing/2010/main" xmlns="" w="9525">
+                        <a14:hiddenLine xmlns="" xmlns:a14="http://schemas.microsoft.com/office/drawing/2010/main" w="9525">
                           <a:solidFill>
                             <a:srgbClr val="000000"/>
                           </a:solidFill>
@@ -19787,7 +16672,7 @@
 </p:sld>
 </file>
 
-<file path=ppt/slides/slide9.xml><?xml version="1.0" encoding="utf-8"?>
+<file path=ppt/slides/slide16.xml><?xml version="1.0" encoding="utf-8"?>
 <p:sld xmlns:a="http://schemas.openxmlformats.org/drawingml/2006/main" xmlns:r="http://schemas.openxmlformats.org/officeDocument/2006/relationships" xmlns:p="http://schemas.openxmlformats.org/presentationml/2006/main">
   <p:cSld>
     <p:spTree>
@@ -19808,7 +16693,7 @@
         <p:nvSpPr>
           <p:cNvPr id="18434" name="Rectangle 2"/>
           <p:cNvSpPr>
-            <a:spLocks noChangeArrowheads="1"/>
+            <a:spLocks noGrp="1" noChangeArrowheads="1"/>
           </p:cNvSpPr>
           <p:nvPr>
             <p:ph type="title"/>
@@ -20313,6 +17198,1993 @@
             <a:endParaRPr lang="zh-CN" altLang="en-US" sz="1600" dirty="0" smtClean="0">
               <a:latin typeface="宋体" panose="02010600030101010101" pitchFamily="2" charset="-122"/>
             </a:endParaRPr>
+          </a:p>
+        </p:txBody>
+      </p:sp>
+    </p:spTree>
+  </p:cSld>
+  <p:clrMapOvr>
+    <a:masterClrMapping/>
+  </p:clrMapOvr>
+  <p:timing>
+    <p:tnLst>
+      <p:par>
+        <p:cTn id="1" dur="indefinite" restart="never" nodeType="tmRoot"/>
+      </p:par>
+    </p:tnLst>
+  </p:timing>
+</p:sld>
+</file>
+
+<file path=ppt/slides/slide17.xml><?xml version="1.0" encoding="utf-8"?>
+<p:sld xmlns:a="http://schemas.openxmlformats.org/drawingml/2006/main" xmlns:r="http://schemas.openxmlformats.org/officeDocument/2006/relationships" xmlns:p="http://schemas.openxmlformats.org/presentationml/2006/main">
+  <p:cSld>
+    <p:spTree>
+      <p:nvGrpSpPr>
+        <p:cNvPr id="1" name=""/>
+        <p:cNvGrpSpPr/>
+        <p:nvPr/>
+      </p:nvGrpSpPr>
+      <p:grpSpPr>
+        <a:xfrm>
+          <a:off x="0" y="0"/>
+          <a:ext cx="0" cy="0"/>
+          <a:chOff x="0" y="0"/>
+          <a:chExt cx="0" cy="0"/>
+        </a:xfrm>
+      </p:grpSpPr>
+      <p:sp>
+        <p:nvSpPr>
+          <p:cNvPr id="19458" name="Rectangle 2"/>
+          <p:cNvSpPr>
+            <a:spLocks noGrp="1" noChangeArrowheads="1"/>
+          </p:cNvSpPr>
+          <p:nvPr>
+            <p:ph type="title"/>
+          </p:nvPr>
+        </p:nvSpPr>
+        <p:spPr>
+          <a:xfrm>
+            <a:off x="304800" y="228600"/>
+            <a:ext cx="6011863" cy="838200"/>
+          </a:xfrm>
+        </p:spPr>
+        <p:txBody>
+          <a:bodyPr/>
+          <a:lstStyle/>
+          <a:p>
+            <a:pPr eaLnBrk="1" hangingPunct="1"/>
+            <a:r>
+              <a:rPr lang="zh-CN" altLang="en-US" smtClean="0"/>
+              <a:t>专业影响力和贡献</a:t>
+            </a:r>
+          </a:p>
+        </p:txBody>
+      </p:sp>
+      <p:sp>
+        <p:nvSpPr>
+          <p:cNvPr id="19459" name="Rectangle 3"/>
+          <p:cNvSpPr>
+            <a:spLocks noGrp="1" noChangeArrowheads="1"/>
+          </p:cNvSpPr>
+          <p:nvPr>
+            <p:ph type="body" idx="1"/>
+          </p:nvPr>
+        </p:nvSpPr>
+        <p:spPr>
+          <a:xfrm>
+            <a:off x="609600" y="1295400"/>
+            <a:ext cx="7543800" cy="4419600"/>
+          </a:xfrm>
+        </p:spPr>
+        <p:txBody>
+          <a:bodyPr/>
+          <a:lstStyle/>
+          <a:p>
+            <a:pPr eaLnBrk="1" hangingPunct="1"/>
+            <a:r>
+              <a:rPr lang="zh-CN" altLang="en-US" sz="1600" smtClean="0"/>
+              <a:t>知识的分享与传承</a:t>
+            </a:r>
+            <a:endParaRPr lang="en-US" altLang="zh-CN" sz="1600" smtClean="0"/>
+          </a:p>
+          <a:p>
+            <a:pPr lvl="1" eaLnBrk="1" hangingPunct="1"/>
+            <a:r>
+              <a:rPr lang="zh-CN" altLang="en-US" sz="1200" b="0" smtClean="0"/>
+              <a:t>组内分享原创课程</a:t>
+            </a:r>
+            <a:r>
+              <a:rPr lang="en-US" altLang="zh-CN" sz="1200" b="0" smtClean="0"/>
+              <a:t>《C++</a:t>
+            </a:r>
+            <a:r>
+              <a:rPr lang="zh-CN" altLang="en-US" sz="1200" b="0" smtClean="0"/>
+              <a:t>析构与泄漏</a:t>
+            </a:r>
+            <a:r>
+              <a:rPr lang="en-US" altLang="zh-CN" sz="1200" b="0" smtClean="0"/>
+              <a:t>》</a:t>
+            </a:r>
+          </a:p>
+          <a:p>
+            <a:pPr lvl="1" eaLnBrk="1" hangingPunct="1"/>
+            <a:r>
+              <a:rPr lang="zh-CN" altLang="en-US" sz="1200" b="0" smtClean="0"/>
+              <a:t>组内分享脚本体系和逻辑开发体系的设计</a:t>
+            </a:r>
+            <a:endParaRPr lang="en-US" altLang="zh-CN" sz="1200" b="0" smtClean="0"/>
+          </a:p>
+          <a:p>
+            <a:pPr lvl="1" eaLnBrk="1" hangingPunct="1"/>
+            <a:r>
+              <a:rPr lang="en-US" altLang="zh-CN" sz="1200" b="0" smtClean="0"/>
+              <a:t>KM</a:t>
+            </a:r>
+            <a:r>
+              <a:rPr lang="zh-CN" altLang="en-US" sz="1200" b="0" smtClean="0"/>
+              <a:t>分享</a:t>
+            </a:r>
+            <a:r>
+              <a:rPr lang="en-US" altLang="zh-CN" sz="1200" b="0" smtClean="0"/>
+              <a:t>《C++</a:t>
+            </a:r>
+            <a:r>
+              <a:rPr lang="zh-CN" altLang="en-US" sz="1200" b="0" smtClean="0"/>
+              <a:t>析构与泄漏 之准备篇</a:t>
+            </a:r>
+            <a:r>
+              <a:rPr lang="en-US" altLang="zh-CN" sz="1200" b="0" smtClean="0"/>
+              <a:t>》</a:t>
+            </a:r>
+            <a:r>
+              <a:rPr lang="zh-CN" altLang="en-US" sz="1200" b="0" smtClean="0"/>
+              <a:t>：</a:t>
+            </a:r>
+            <a:r>
+              <a:rPr lang="en-US" altLang="zh-CN" sz="1200" b="0" smtClean="0"/>
+              <a:t> </a:t>
+            </a:r>
+            <a:r>
+              <a:rPr lang="en-US" altLang="zh-CN" sz="1200" b="0" smtClean="0">
+                <a:hlinkClick r:id="rId2"/>
+              </a:rPr>
+              <a:t>http://km.oa.com/articles/show/190379</a:t>
+            </a:r>
+            <a:endParaRPr lang="en-US" altLang="zh-CN" sz="1200" b="0" smtClean="0"/>
+          </a:p>
+          <a:p>
+            <a:pPr lvl="1" eaLnBrk="1" hangingPunct="1"/>
+            <a:r>
+              <a:rPr lang="en-US" altLang="zh-CN" sz="1200" b="0" smtClean="0"/>
+              <a:t>KM</a:t>
+            </a:r>
+            <a:r>
+              <a:rPr lang="zh-CN" altLang="en-US" sz="1200" b="0" smtClean="0"/>
+              <a:t>分享</a:t>
+            </a:r>
+            <a:r>
+              <a:rPr lang="en-US" altLang="zh-CN" sz="1200" b="0" smtClean="0"/>
+              <a:t>《C++</a:t>
+            </a:r>
+            <a:r>
+              <a:rPr lang="zh-CN" altLang="en-US" sz="1200" b="0" smtClean="0"/>
+              <a:t>析构与泄漏 之深入篇</a:t>
+            </a:r>
+            <a:r>
+              <a:rPr lang="en-US" altLang="zh-CN" sz="1200" b="0" smtClean="0"/>
+              <a:t>》</a:t>
+            </a:r>
+            <a:r>
+              <a:rPr lang="zh-CN" altLang="en-US" sz="1200" b="0" smtClean="0"/>
+              <a:t>：</a:t>
+            </a:r>
+            <a:r>
+              <a:rPr lang="en-US" altLang="zh-CN" sz="1200" b="0" smtClean="0"/>
+              <a:t> </a:t>
+            </a:r>
+            <a:r>
+              <a:rPr lang="en-US" altLang="zh-CN" sz="1200" b="0" smtClean="0">
+                <a:hlinkClick r:id="rId3"/>
+              </a:rPr>
+              <a:t>http://km.oa.com/articles/show/190382</a:t>
+            </a:r>
+            <a:endParaRPr lang="en-US" altLang="zh-CN" sz="1200" b="0" smtClean="0"/>
+          </a:p>
+          <a:p>
+            <a:pPr lvl="1" eaLnBrk="1" hangingPunct="1"/>
+            <a:r>
+              <a:rPr lang="en-US" altLang="zh-CN" sz="1200" b="0" smtClean="0"/>
+              <a:t>KM</a:t>
+            </a:r>
+            <a:r>
+              <a:rPr lang="zh-CN" altLang="en-US" sz="1200" b="0" smtClean="0"/>
+              <a:t>分享</a:t>
+            </a:r>
+            <a:r>
+              <a:rPr lang="en-US" altLang="zh-CN" sz="1200" b="0" smtClean="0"/>
+              <a:t>《C++</a:t>
+            </a:r>
+            <a:r>
+              <a:rPr lang="zh-CN" altLang="en-US" sz="1200" b="0" smtClean="0"/>
+              <a:t>析构与泄漏 之泄漏篇</a:t>
+            </a:r>
+            <a:r>
+              <a:rPr lang="en-US" altLang="zh-CN" sz="1200" b="0" smtClean="0"/>
+              <a:t>》</a:t>
+            </a:r>
+            <a:r>
+              <a:rPr lang="zh-CN" altLang="en-US" sz="1200" b="0" smtClean="0"/>
+              <a:t>：</a:t>
+            </a:r>
+            <a:r>
+              <a:rPr lang="en-US" altLang="zh-CN" sz="1200" b="0" smtClean="0"/>
+              <a:t> </a:t>
+            </a:r>
+            <a:r>
+              <a:rPr lang="en-US" altLang="zh-CN" sz="1200" b="0" smtClean="0">
+                <a:hlinkClick r:id="rId4"/>
+              </a:rPr>
+              <a:t>http://km.oa.com/articles/show/190383</a:t>
+            </a:r>
+            <a:endParaRPr lang="en-US" altLang="zh-CN" sz="1200" b="0" smtClean="0"/>
+          </a:p>
+          <a:p>
+            <a:pPr lvl="1" eaLnBrk="1" hangingPunct="1"/>
+            <a:r>
+              <a:rPr lang="en-US" altLang="zh-CN" sz="1200" b="0" smtClean="0"/>
+              <a:t>KM</a:t>
+            </a:r>
+            <a:r>
+              <a:rPr lang="zh-CN" altLang="en-US" sz="1200" b="0" smtClean="0"/>
+              <a:t>分享</a:t>
+            </a:r>
+            <a:r>
+              <a:rPr lang="en-US" altLang="zh-CN" sz="1200" b="0" smtClean="0"/>
+              <a:t>《[</a:t>
+            </a:r>
+            <a:r>
+              <a:rPr lang="zh-CN" altLang="en-US" sz="1200" b="0" smtClean="0"/>
+              <a:t>转载</a:t>
+            </a:r>
+            <a:r>
+              <a:rPr lang="en-US" altLang="zh-CN" sz="1200" b="0" smtClean="0"/>
+              <a:t>]Dead Reckoning: Latency Hiding for Networked Games》</a:t>
+            </a:r>
+            <a:r>
+              <a:rPr lang="zh-CN" altLang="en-US" sz="1200" b="0" smtClean="0"/>
+              <a:t>：</a:t>
+            </a:r>
+            <a:r>
+              <a:rPr lang="en-US" altLang="zh-CN" sz="1200" b="0" smtClean="0"/>
+              <a:t> </a:t>
+            </a:r>
+            <a:r>
+              <a:rPr lang="en-US" altLang="zh-CN" sz="1200" b="0" smtClean="0">
+                <a:hlinkClick r:id="rId5"/>
+              </a:rPr>
+              <a:t>http://km.oa.com/articles/show/190429</a:t>
+            </a:r>
+            <a:endParaRPr lang="en-US" altLang="zh-CN" sz="1200" b="0" smtClean="0"/>
+          </a:p>
+          <a:p>
+            <a:pPr lvl="1" eaLnBrk="1" hangingPunct="1"/>
+            <a:r>
+              <a:rPr lang="en-US" altLang="zh-CN" sz="1200" b="0" smtClean="0"/>
+              <a:t>KM</a:t>
+            </a:r>
+            <a:r>
+              <a:rPr lang="zh-CN" altLang="en-US" sz="1200" b="0" smtClean="0"/>
+              <a:t>分享</a:t>
+            </a:r>
+            <a:r>
+              <a:rPr lang="en-US" altLang="zh-CN" sz="1200" b="0" smtClean="0"/>
+              <a:t>《[</a:t>
+            </a:r>
+            <a:r>
+              <a:rPr lang="zh-CN" altLang="en-US" sz="1200" b="0" smtClean="0"/>
+              <a:t>转载</a:t>
+            </a:r>
+            <a:r>
+              <a:rPr lang="en-US" altLang="zh-CN" sz="1200" b="0" smtClean="0"/>
+              <a:t>]</a:t>
+            </a:r>
+            <a:r>
+              <a:rPr lang="zh-CN" altLang="en-US" sz="1200" b="0" smtClean="0"/>
+              <a:t>六种可定量分析的代码味道 </a:t>
+            </a:r>
+            <a:r>
+              <a:rPr lang="en-US" altLang="zh-CN" sz="1200" b="0" smtClean="0"/>
+              <a:t>》</a:t>
+            </a:r>
+            <a:r>
+              <a:rPr lang="zh-CN" altLang="en-US" sz="1200" b="0" smtClean="0"/>
+              <a:t>：</a:t>
+            </a:r>
+            <a:r>
+              <a:rPr lang="en-US" altLang="zh-CN" sz="1200" b="0" smtClean="0">
+                <a:hlinkClick r:id="rId6"/>
+              </a:rPr>
+              <a:t>http://km.oa.com/articles/show/190589</a:t>
+            </a:r>
+            <a:endParaRPr lang="en-US" altLang="zh-CN" sz="1200" b="0" smtClean="0"/>
+          </a:p>
+          <a:p>
+            <a:pPr eaLnBrk="1" hangingPunct="1"/>
+            <a:r>
+              <a:rPr lang="zh-CN" altLang="en-US" sz="1600" smtClean="0"/>
+              <a:t>专业课程的讲授</a:t>
+            </a:r>
+            <a:endParaRPr lang="en-US" altLang="zh-CN" sz="1600" smtClean="0"/>
+          </a:p>
+          <a:p>
+            <a:pPr lvl="1" eaLnBrk="1" hangingPunct="1"/>
+            <a:r>
+              <a:rPr lang="zh-CN" altLang="en-US" sz="1200" b="0" smtClean="0"/>
+              <a:t>讲授新员工培训课程</a:t>
+            </a:r>
+            <a:r>
+              <a:rPr lang="en-US" altLang="zh-CN" sz="1200" b="0" smtClean="0"/>
+              <a:t>《Windows</a:t>
+            </a:r>
+            <a:r>
+              <a:rPr lang="zh-CN" altLang="en-US" sz="1200" b="0" smtClean="0"/>
+              <a:t>程序调试</a:t>
+            </a:r>
+            <a:r>
+              <a:rPr lang="en-US" altLang="zh-CN" sz="1200" b="0" smtClean="0"/>
+              <a:t>》</a:t>
+            </a:r>
+          </a:p>
+          <a:p>
+            <a:pPr eaLnBrk="1" hangingPunct="1"/>
+            <a:r>
+              <a:rPr lang="zh-CN" altLang="en-US" sz="1600" smtClean="0"/>
+              <a:t>人员培养</a:t>
+            </a:r>
+            <a:endParaRPr lang="en-US" altLang="zh-CN" sz="1600" smtClean="0"/>
+          </a:p>
+          <a:p>
+            <a:pPr lvl="1" eaLnBrk="1" hangingPunct="1"/>
+            <a:r>
+              <a:rPr lang="zh-CN" altLang="en-US" sz="1200" b="0" smtClean="0"/>
+              <a:t>成功培养一个毕业生成为主要开发力量</a:t>
+            </a:r>
+            <a:endParaRPr lang="en-US" altLang="zh-CN" sz="1200" b="0" smtClean="0"/>
+          </a:p>
+          <a:p>
+            <a:pPr eaLnBrk="1" hangingPunct="1"/>
+            <a:r>
+              <a:rPr lang="zh-CN" altLang="en-US" sz="1600" smtClean="0"/>
+              <a:t>流程</a:t>
+            </a:r>
+            <a:r>
+              <a:rPr lang="en-US" altLang="zh-CN" sz="1600" smtClean="0"/>
+              <a:t>/</a:t>
+            </a:r>
+            <a:r>
+              <a:rPr lang="zh-CN" altLang="en-US" sz="1600" smtClean="0"/>
+              <a:t>方法</a:t>
+            </a:r>
+            <a:r>
+              <a:rPr lang="en-US" altLang="zh-CN" sz="1600" smtClean="0"/>
+              <a:t>/</a:t>
+            </a:r>
+            <a:r>
+              <a:rPr lang="zh-CN" altLang="en-US" sz="1600" smtClean="0"/>
+              <a:t>工具的优化</a:t>
+            </a:r>
+            <a:endParaRPr lang="en-US" altLang="zh-CN" sz="1600" smtClean="0"/>
+          </a:p>
+          <a:p>
+            <a:pPr lvl="1" eaLnBrk="1" hangingPunct="1"/>
+            <a:r>
+              <a:rPr lang="zh-CN" altLang="en-US" sz="1200" b="0" smtClean="0"/>
+              <a:t>轩辕逻辑开发流程优化，提高开发效率</a:t>
+            </a:r>
+            <a:endParaRPr lang="en-US" altLang="zh-CN" sz="1200" b="0" smtClean="0"/>
+          </a:p>
+          <a:p>
+            <a:pPr lvl="1" eaLnBrk="1" hangingPunct="1"/>
+            <a:r>
+              <a:rPr lang="zh-CN" altLang="en-US" sz="1200" b="0" smtClean="0"/>
+              <a:t>铁骑动画开发流程优化，实现动画并行开发</a:t>
+            </a:r>
+            <a:endParaRPr lang="en-US" altLang="zh-CN" sz="1200" b="0" smtClean="0"/>
+          </a:p>
+          <a:p>
+            <a:pPr lvl="1" eaLnBrk="1" hangingPunct="1"/>
+            <a:r>
+              <a:rPr lang="zh-CN" altLang="en-US" sz="1200" b="0" smtClean="0"/>
+              <a:t>轩辕</a:t>
+            </a:r>
+            <a:r>
+              <a:rPr lang="en-US" altLang="zh-CN" sz="1200" b="0" smtClean="0"/>
+              <a:t>UI</a:t>
+            </a:r>
+            <a:r>
+              <a:rPr lang="zh-CN" altLang="en-US" sz="1200" b="0" smtClean="0"/>
+              <a:t>编辑器优化，提高易用性</a:t>
+            </a:r>
+            <a:endParaRPr lang="en-US" altLang="zh-CN" sz="1200" smtClean="0"/>
+          </a:p>
+          <a:p>
+            <a:pPr lvl="1" eaLnBrk="1" hangingPunct="1"/>
+            <a:endParaRPr lang="en-US" altLang="zh-CN" sz="1600" smtClean="0"/>
+          </a:p>
+          <a:p>
+            <a:pPr lvl="1" eaLnBrk="1" hangingPunct="1"/>
+            <a:endParaRPr lang="en-US" altLang="zh-CN" sz="1600" smtClean="0"/>
+          </a:p>
+          <a:p>
+            <a:pPr lvl="1" eaLnBrk="1" hangingPunct="1"/>
+            <a:endParaRPr lang="en-US" altLang="zh-CN" sz="1600" smtClean="0"/>
+          </a:p>
+        </p:txBody>
+      </p:sp>
+    </p:spTree>
+  </p:cSld>
+  <p:clrMapOvr>
+    <a:masterClrMapping/>
+  </p:clrMapOvr>
+  <p:timing>
+    <p:tnLst>
+      <p:par>
+        <p:cTn id="1" dur="indefinite" restart="never" nodeType="tmRoot"/>
+      </p:par>
+    </p:tnLst>
+  </p:timing>
+</p:sld>
+</file>
+
+<file path=ppt/slides/slide18.xml><?xml version="1.0" encoding="utf-8"?>
+<p:sld xmlns:a="http://schemas.openxmlformats.org/drawingml/2006/main" xmlns:r="http://schemas.openxmlformats.org/officeDocument/2006/relationships" xmlns:p="http://schemas.openxmlformats.org/presentationml/2006/main">
+  <p:cSld>
+    <p:spTree>
+      <p:nvGrpSpPr>
+        <p:cNvPr id="1" name=""/>
+        <p:cNvGrpSpPr/>
+        <p:nvPr/>
+      </p:nvGrpSpPr>
+      <p:grpSpPr>
+        <a:xfrm>
+          <a:off x="0" y="0"/>
+          <a:ext cx="0" cy="0"/>
+          <a:chOff x="0" y="0"/>
+          <a:chExt cx="0" cy="0"/>
+        </a:xfrm>
+      </p:grpSpPr>
+      <p:sp>
+        <p:nvSpPr>
+          <p:cNvPr id="20482" name="Rectangle 2"/>
+          <p:cNvSpPr>
+            <a:spLocks noGrp="1" noChangeArrowheads="1"/>
+          </p:cNvSpPr>
+          <p:nvPr>
+            <p:ph type="title"/>
+          </p:nvPr>
+        </p:nvSpPr>
+        <p:spPr>
+          <a:xfrm>
+            <a:off x="304800" y="228600"/>
+            <a:ext cx="6011863" cy="838200"/>
+          </a:xfrm>
+        </p:spPr>
+        <p:txBody>
+          <a:bodyPr/>
+          <a:lstStyle/>
+          <a:p>
+            <a:pPr eaLnBrk="1" hangingPunct="1"/>
+            <a:r>
+              <a:rPr lang="zh-CN" altLang="en-US" smtClean="0"/>
+              <a:t>其他</a:t>
+            </a:r>
+          </a:p>
+        </p:txBody>
+      </p:sp>
+      <p:sp>
+        <p:nvSpPr>
+          <p:cNvPr id="20483" name="Rectangle 3"/>
+          <p:cNvSpPr>
+            <a:spLocks noGrp="1" noChangeArrowheads="1"/>
+          </p:cNvSpPr>
+          <p:nvPr>
+            <p:ph type="body" idx="1"/>
+          </p:nvPr>
+        </p:nvSpPr>
+        <p:spPr>
+          <a:xfrm>
+            <a:off x="609600" y="1295400"/>
+            <a:ext cx="7543800" cy="4419600"/>
+          </a:xfrm>
+        </p:spPr>
+        <p:txBody>
+          <a:bodyPr/>
+          <a:lstStyle/>
+          <a:p>
+            <a:pPr eaLnBrk="1" hangingPunct="1"/>
+            <a:r>
+              <a:rPr lang="zh-CN" altLang="en-US" sz="1600" smtClean="0"/>
+              <a:t>感悟：</a:t>
+            </a:r>
+            <a:r>
+              <a:rPr lang="zh-CN" altLang="en-US" sz="1600" b="0" smtClean="0"/>
+              <a:t>系统设计需要考虑其易用性，分析问题需要看清其本质，要勇于尝试敢于失败，多积累，多总结，多分享，沟通时需要真正的了解对方的意图，合理的安排时间提高开发效率，不要墨守陈规要经常思考现有的开发方式和开发流程是否合理。</a:t>
+            </a:r>
+            <a:r>
+              <a:rPr lang="zh-CN" sz="1600" b="0" smtClean="0"/>
+              <a:t/>
+            </a:r>
+            <a:br>
+              <a:rPr lang="zh-CN" sz="1600" b="0" smtClean="0"/>
+            </a:br>
+            <a:r>
+              <a:rPr lang="zh-CN" sz="2800" smtClean="0"/>
+              <a:t/>
+            </a:r>
+            <a:br>
+              <a:rPr lang="zh-CN" sz="2800" smtClean="0"/>
+            </a:br>
+            <a:endParaRPr lang="zh-CN" sz="2800" smtClean="0"/>
+          </a:p>
+        </p:txBody>
+      </p:sp>
+    </p:spTree>
+  </p:cSld>
+  <p:clrMapOvr>
+    <a:masterClrMapping/>
+  </p:clrMapOvr>
+  <p:timing>
+    <p:tnLst>
+      <p:par>
+        <p:cTn id="1" dur="indefinite" restart="never" nodeType="tmRoot"/>
+      </p:par>
+    </p:tnLst>
+  </p:timing>
+</p:sld>
+</file>
+
+<file path=ppt/slides/slide2.xml><?xml version="1.0" encoding="utf-8"?>
+<p:sld xmlns:a="http://schemas.openxmlformats.org/drawingml/2006/main" xmlns:r="http://schemas.openxmlformats.org/officeDocument/2006/relationships" xmlns:p="http://schemas.openxmlformats.org/presentationml/2006/main">
+  <p:cSld>
+    <p:spTree>
+      <p:nvGrpSpPr>
+        <p:cNvPr id="1" name=""/>
+        <p:cNvGrpSpPr/>
+        <p:nvPr/>
+      </p:nvGrpSpPr>
+      <p:grpSpPr>
+        <a:xfrm>
+          <a:off x="0" y="0"/>
+          <a:ext cx="0" cy="0"/>
+          <a:chOff x="0" y="0"/>
+          <a:chExt cx="0" cy="0"/>
+        </a:xfrm>
+      </p:grpSpPr>
+      <p:sp>
+        <p:nvSpPr>
+          <p:cNvPr id="5122" name="Rectangle 2"/>
+          <p:cNvSpPr>
+            <a:spLocks noGrp="1" noChangeArrowheads="1"/>
+          </p:cNvSpPr>
+          <p:nvPr>
+            <p:ph type="title"/>
+          </p:nvPr>
+        </p:nvSpPr>
+        <p:spPr>
+          <a:xfrm>
+            <a:off x="228600" y="152400"/>
+            <a:ext cx="6011863" cy="838200"/>
+          </a:xfrm>
+        </p:spPr>
+        <p:txBody>
+          <a:bodyPr/>
+          <a:lstStyle/>
+          <a:p>
+            <a:pPr eaLnBrk="1" hangingPunct="1"/>
+            <a:r>
+              <a:rPr lang="zh-CN" altLang="en-US" smtClean="0"/>
+              <a:t>个人经历概述</a:t>
+            </a:r>
+          </a:p>
+        </p:txBody>
+      </p:sp>
+      <p:sp>
+        <p:nvSpPr>
+          <p:cNvPr id="5123" name="Rectangle 3"/>
+          <p:cNvSpPr>
+            <a:spLocks noGrp="1" noChangeArrowheads="1"/>
+          </p:cNvSpPr>
+          <p:nvPr>
+            <p:ph type="body" idx="1"/>
+          </p:nvPr>
+        </p:nvSpPr>
+        <p:spPr>
+          <a:xfrm>
+            <a:off x="381000" y="1219200"/>
+            <a:ext cx="8382000" cy="5257800"/>
+          </a:xfrm>
+        </p:spPr>
+        <p:txBody>
+          <a:bodyPr/>
+          <a:lstStyle/>
+          <a:p>
+            <a:pPr eaLnBrk="1" hangingPunct="1"/>
+            <a:r>
+              <a:rPr lang="zh-CN" altLang="en-US" sz="2400" dirty="0" smtClean="0">
+                <a:latin typeface="宋体" charset="-122"/>
+              </a:rPr>
+              <a:t>在怪物猎人个人</a:t>
+            </a:r>
+            <a:r>
+              <a:rPr lang="zh-CN" altLang="en-US" sz="2400" dirty="0" smtClean="0">
+                <a:latin typeface="宋体" charset="-122"/>
+              </a:rPr>
+              <a:t>经历</a:t>
+            </a:r>
+            <a:endParaRPr lang="en-US" altLang="zh-CN" sz="2400" dirty="0" smtClean="0">
+              <a:latin typeface="宋体" charset="-122"/>
+            </a:endParaRPr>
+          </a:p>
+          <a:p>
+            <a:pPr eaLnBrk="1" hangingPunct="1"/>
+            <a:r>
+              <a:rPr lang="zh-CN" altLang="en-US" sz="2400" dirty="0" smtClean="0">
+                <a:latin typeface="宋体" charset="-122"/>
+              </a:rPr>
+              <a:t>经历时间：</a:t>
+            </a:r>
+            <a:r>
+              <a:rPr lang="en-US" altLang="zh-CN" sz="2400" b="0" dirty="0" smtClean="0">
+                <a:latin typeface="宋体" charset="-122"/>
+              </a:rPr>
+              <a:t>2009.7-2014.8</a:t>
+            </a:r>
+          </a:p>
+          <a:p>
+            <a:pPr eaLnBrk="1" hangingPunct="1"/>
+            <a:r>
+              <a:rPr lang="zh-CN" altLang="en-US" sz="2400" dirty="0" smtClean="0">
+                <a:latin typeface="宋体" charset="-122"/>
+              </a:rPr>
+              <a:t>经历阶段</a:t>
+            </a:r>
+            <a:r>
+              <a:rPr lang="zh-CN" altLang="en-US" sz="2400" dirty="0" smtClean="0">
+                <a:latin typeface="宋体" charset="-122"/>
+              </a:rPr>
+              <a:t>：</a:t>
+            </a:r>
+            <a:r>
+              <a:rPr lang="zh-CN" altLang="en-US" sz="2400" b="0" dirty="0" smtClean="0">
+                <a:latin typeface="宋体" charset="-122"/>
+              </a:rPr>
+              <a:t>立项到第三</a:t>
+            </a:r>
+            <a:r>
+              <a:rPr lang="zh-CN" altLang="en-US" sz="2400" b="0" dirty="0" smtClean="0">
+                <a:latin typeface="宋体" charset="-122"/>
+              </a:rPr>
+              <a:t>次封闭测试</a:t>
+            </a:r>
+            <a:endParaRPr lang="en-US" altLang="zh-CN" sz="2400" b="0" dirty="0" smtClean="0">
+              <a:latin typeface="宋体" charset="-122"/>
+            </a:endParaRPr>
+          </a:p>
+          <a:p>
+            <a:pPr eaLnBrk="1" hangingPunct="1"/>
+            <a:r>
+              <a:rPr lang="zh-CN" altLang="en-US" sz="2400" dirty="0" smtClean="0">
+                <a:latin typeface="宋体" charset="-122"/>
+              </a:rPr>
+              <a:t>工作内容</a:t>
+            </a:r>
+            <a:r>
+              <a:rPr lang="zh-CN" altLang="en-US" sz="2400" dirty="0" smtClean="0">
+                <a:latin typeface="宋体" charset="-122"/>
+              </a:rPr>
+              <a:t>：</a:t>
+            </a:r>
+            <a:endParaRPr lang="en-US" altLang="zh-CN" sz="2400" dirty="0" smtClean="0">
+              <a:latin typeface="宋体" charset="-122"/>
+            </a:endParaRPr>
+          </a:p>
+          <a:p>
+            <a:pPr lvl="1" eaLnBrk="1" hangingPunct="1"/>
+            <a:r>
+              <a:rPr lang="zh-CN" altLang="en-US" sz="2400" b="0" dirty="0" smtClean="0">
+                <a:latin typeface="宋体" charset="-122"/>
+              </a:rPr>
+              <a:t>深圳用</a:t>
+            </a:r>
+            <a:r>
+              <a:rPr lang="en-US" altLang="zh-CN" sz="2400" b="0" dirty="0" err="1" smtClean="0">
+                <a:latin typeface="宋体" charset="-122"/>
+              </a:rPr>
+              <a:t>S</a:t>
+            </a:r>
+            <a:r>
+              <a:rPr lang="en-US" altLang="zh-CN" sz="2400" b="0" dirty="0" err="1" smtClean="0">
+                <a:latin typeface="宋体" charset="-122"/>
+              </a:rPr>
+              <a:t>caleform</a:t>
+            </a:r>
+            <a:r>
+              <a:rPr lang="zh-CN" altLang="en-US" sz="2400" b="0" dirty="0" smtClean="0">
+                <a:latin typeface="宋体" charset="-122"/>
+              </a:rPr>
+              <a:t>搭建怪物猎人的</a:t>
+            </a:r>
+            <a:r>
+              <a:rPr lang="en-US" altLang="zh-CN" sz="2400" b="0" dirty="0" smtClean="0">
+                <a:latin typeface="宋体" charset="-122"/>
+              </a:rPr>
+              <a:t>UI</a:t>
+            </a:r>
+          </a:p>
+          <a:p>
+            <a:pPr lvl="1" eaLnBrk="1" hangingPunct="1"/>
+            <a:r>
+              <a:rPr lang="zh-CN" altLang="en-US" sz="2400" b="0" dirty="0" smtClean="0">
+                <a:latin typeface="宋体" charset="-122"/>
+              </a:rPr>
+              <a:t>上海之后</a:t>
+            </a:r>
+            <a:r>
+              <a:rPr lang="en-US" altLang="zh-CN" sz="2400" b="0" dirty="0" smtClean="0">
+                <a:latin typeface="宋体" charset="-122"/>
+              </a:rPr>
+              <a:t>evolution</a:t>
+            </a:r>
+            <a:r>
+              <a:rPr lang="zh-CN" altLang="en-US" sz="2400" b="0" dirty="0" smtClean="0">
+                <a:latin typeface="宋体" charset="-122"/>
+              </a:rPr>
+              <a:t>引擎做过角色</a:t>
+            </a:r>
+            <a:endParaRPr lang="en-US" altLang="zh-CN" sz="2400" b="0" dirty="0" smtClean="0">
+              <a:latin typeface="宋体" charset="-122"/>
+            </a:endParaRPr>
+          </a:p>
+          <a:p>
+            <a:pPr lvl="1" eaLnBrk="1" hangingPunct="1"/>
+            <a:r>
+              <a:rPr lang="zh-CN" altLang="en-US" sz="2400" b="0" dirty="0" smtClean="0">
+                <a:latin typeface="宋体" charset="-122"/>
+              </a:rPr>
+              <a:t>怪物猎人使用</a:t>
+            </a:r>
+            <a:r>
+              <a:rPr lang="en-US" altLang="zh-CN" sz="2400" b="0" dirty="0" smtClean="0">
+                <a:latin typeface="宋体" charset="-122"/>
+              </a:rPr>
+              <a:t>cry3</a:t>
+            </a:r>
+            <a:r>
+              <a:rPr lang="zh-CN" altLang="en-US" sz="2400" b="0" dirty="0" smtClean="0">
+                <a:latin typeface="宋体" charset="-122"/>
+              </a:rPr>
+              <a:t>后初期做怪物</a:t>
+            </a:r>
+            <a:r>
+              <a:rPr lang="en-US" altLang="zh-CN" sz="2400" b="0" dirty="0" smtClean="0">
+                <a:latin typeface="宋体" charset="-122"/>
+              </a:rPr>
+              <a:t>AI</a:t>
+            </a:r>
+            <a:r>
+              <a:rPr lang="zh-CN" altLang="en-US" sz="2400" b="0" dirty="0" smtClean="0">
+                <a:latin typeface="宋体" charset="-122"/>
+              </a:rPr>
+              <a:t>开发</a:t>
+            </a:r>
+            <a:endParaRPr lang="en-US" altLang="zh-CN" sz="2400" b="0" dirty="0" smtClean="0">
+              <a:latin typeface="宋体" charset="-122"/>
+            </a:endParaRPr>
+          </a:p>
+          <a:p>
+            <a:pPr lvl="1" eaLnBrk="1" hangingPunct="1"/>
+            <a:r>
+              <a:rPr lang="zh-CN" altLang="en-US" sz="2400" b="0" dirty="0" smtClean="0">
+                <a:latin typeface="宋体" charset="-122"/>
+              </a:rPr>
+              <a:t>怪物猎人场景物件开发流程规范制定，系统搭建和需求实现以及后续优化，同步方案设计和</a:t>
+            </a:r>
+            <a:r>
+              <a:rPr lang="zh-CN" altLang="en-US" sz="2400" b="0" dirty="0" smtClean="0">
+                <a:latin typeface="宋体" charset="-122"/>
+              </a:rPr>
+              <a:t>实施</a:t>
+            </a:r>
+            <a:endParaRPr lang="en-US" altLang="zh-CN" sz="2400" b="0" dirty="0" smtClean="0">
+              <a:latin typeface="宋体" charset="-122"/>
+            </a:endParaRPr>
+          </a:p>
+          <a:p>
+            <a:pPr lvl="1" eaLnBrk="1" hangingPunct="1"/>
+            <a:r>
+              <a:rPr lang="zh-CN" altLang="en-US" sz="2400" b="0" dirty="0" smtClean="0">
+                <a:latin typeface="宋体" charset="-122"/>
+              </a:rPr>
+              <a:t>怪物特殊玩法实现，特殊移动，与物件的交互等</a:t>
+            </a:r>
+            <a:endParaRPr lang="en-US" altLang="zh-CN" sz="2400" b="0" dirty="0" smtClean="0">
+              <a:latin typeface="宋体" charset="-122"/>
+            </a:endParaRPr>
+          </a:p>
+          <a:p>
+            <a:pPr lvl="1" eaLnBrk="1" hangingPunct="1"/>
+            <a:r>
+              <a:rPr lang="zh-CN" altLang="en-US" sz="2400" b="0" dirty="0" smtClean="0">
+                <a:latin typeface="宋体" charset="-122"/>
+              </a:rPr>
+              <a:t>怪物群体</a:t>
+            </a:r>
+            <a:r>
+              <a:rPr lang="en-US" altLang="zh-CN" sz="2400" b="0" dirty="0" smtClean="0">
+                <a:latin typeface="宋体" charset="-122"/>
+              </a:rPr>
+              <a:t>AI</a:t>
+            </a:r>
+            <a:r>
+              <a:rPr lang="zh-CN" altLang="en-US" sz="2400" b="0" dirty="0" smtClean="0">
+                <a:latin typeface="宋体" charset="-122"/>
+              </a:rPr>
+              <a:t>系统的设计和实现</a:t>
+            </a:r>
+            <a:endParaRPr lang="en-US" altLang="zh-CN" sz="2400" b="0" dirty="0" smtClean="0">
+              <a:latin typeface="宋体" charset="-122"/>
+            </a:endParaRPr>
+          </a:p>
+          <a:p>
+            <a:pPr lvl="1" eaLnBrk="1" hangingPunct="1"/>
+            <a:r>
+              <a:rPr lang="zh-CN" altLang="en-US" sz="2400" b="0" dirty="0" smtClean="0">
+                <a:latin typeface="宋体" charset="-122"/>
+              </a:rPr>
+              <a:t>一些内存优化和系统重构工作</a:t>
+            </a:r>
+            <a:endParaRPr lang="en-US" altLang="zh-CN" sz="2400" b="0" dirty="0" smtClean="0">
+              <a:latin typeface="宋体" charset="-122"/>
+            </a:endParaRPr>
+          </a:p>
+          <a:p>
+            <a:pPr eaLnBrk="1" hangingPunct="1"/>
+            <a:endParaRPr lang="en-US" altLang="zh-CN" sz="1600" b="0" dirty="0" smtClean="0">
+              <a:latin typeface="宋体" charset="-122"/>
+            </a:endParaRPr>
+          </a:p>
+        </p:txBody>
+      </p:sp>
+    </p:spTree>
+  </p:cSld>
+  <p:clrMapOvr>
+    <a:masterClrMapping/>
+  </p:clrMapOvr>
+  <p:timing>
+    <p:tnLst>
+      <p:par>
+        <p:cTn id="1" dur="indefinite" restart="never" nodeType="tmRoot"/>
+      </p:par>
+    </p:tnLst>
+  </p:timing>
+</p:sld>
+</file>
+
+<file path=ppt/slides/slide3.xml><?xml version="1.0" encoding="utf-8"?>
+<p:sld xmlns:a="http://schemas.openxmlformats.org/drawingml/2006/main" xmlns:r="http://schemas.openxmlformats.org/officeDocument/2006/relationships" xmlns:p="http://schemas.openxmlformats.org/presentationml/2006/main">
+  <p:cSld>
+    <p:spTree>
+      <p:nvGrpSpPr>
+        <p:cNvPr id="1" name=""/>
+        <p:cNvGrpSpPr/>
+        <p:nvPr/>
+      </p:nvGrpSpPr>
+      <p:grpSpPr>
+        <a:xfrm>
+          <a:off x="0" y="0"/>
+          <a:ext cx="0" cy="0"/>
+          <a:chOff x="0" y="0"/>
+          <a:chExt cx="0" cy="0"/>
+        </a:xfrm>
+      </p:grpSpPr>
+      <p:sp>
+        <p:nvSpPr>
+          <p:cNvPr id="9218" name="Rectangle 2"/>
+          <p:cNvSpPr>
+            <a:spLocks noGrp="1" noChangeArrowheads="1"/>
+          </p:cNvSpPr>
+          <p:nvPr>
+            <p:ph type="title"/>
+          </p:nvPr>
+        </p:nvSpPr>
+        <p:spPr>
+          <a:xfrm>
+            <a:off x="228600" y="228600"/>
+            <a:ext cx="6011863" cy="838200"/>
+          </a:xfrm>
+        </p:spPr>
+        <p:txBody>
+          <a:bodyPr/>
+          <a:lstStyle/>
+          <a:p>
+            <a:pPr eaLnBrk="1" hangingPunct="1"/>
+            <a:r>
+              <a:rPr lang="zh-CN" altLang="en-US" dirty="0" smtClean="0"/>
+              <a:t>灵活功能强大的场景物件系统</a:t>
+            </a:r>
+            <a:endParaRPr lang="zh-CN" altLang="en-US" dirty="0" smtClean="0"/>
+          </a:p>
+        </p:txBody>
+      </p:sp>
+      <p:sp>
+        <p:nvSpPr>
+          <p:cNvPr id="9219" name="Rectangle 3"/>
+          <p:cNvSpPr>
+            <a:spLocks noGrp="1" noChangeArrowheads="1"/>
+          </p:cNvSpPr>
+          <p:nvPr>
+            <p:ph type="body" idx="1"/>
+          </p:nvPr>
+        </p:nvSpPr>
+        <p:spPr>
+          <a:xfrm>
+            <a:off x="685800" y="1219200"/>
+            <a:ext cx="8229600" cy="4572000"/>
+          </a:xfrm>
+        </p:spPr>
+        <p:txBody>
+          <a:bodyPr/>
+          <a:lstStyle/>
+          <a:p>
+            <a:pPr eaLnBrk="1" hangingPunct="1"/>
+            <a:r>
+              <a:rPr lang="en-US" altLang="zh-CN" dirty="0" smtClean="0"/>
+              <a:t>Cry3</a:t>
+            </a:r>
+            <a:r>
+              <a:rPr lang="zh-CN" altLang="en-US" dirty="0" smtClean="0"/>
+              <a:t>的</a:t>
+            </a:r>
+            <a:r>
+              <a:rPr lang="en-US" altLang="zh-CN" dirty="0" smtClean="0"/>
+              <a:t>entity</a:t>
+            </a:r>
+            <a:r>
+              <a:rPr lang="zh-CN" altLang="en-US" dirty="0" smtClean="0"/>
+              <a:t>系统简介</a:t>
+            </a:r>
+            <a:endParaRPr lang="en-US" altLang="zh-CN" dirty="0" smtClean="0"/>
+          </a:p>
+        </p:txBody>
+      </p:sp>
+      <p:pic>
+        <p:nvPicPr>
+          <p:cNvPr id="2050" name="Picture 2"/>
+          <p:cNvPicPr>
+            <a:picLocks noChangeAspect="1" noChangeArrowheads="1"/>
+          </p:cNvPicPr>
+          <p:nvPr/>
+        </p:nvPicPr>
+        <p:blipFill>
+          <a:blip r:embed="rId3"/>
+          <a:srcRect/>
+          <a:stretch>
+            <a:fillRect/>
+          </a:stretch>
+        </p:blipFill>
+        <p:spPr bwMode="auto">
+          <a:xfrm>
+            <a:off x="1295400" y="1752600"/>
+            <a:ext cx="6445561" cy="4114800"/>
+          </a:xfrm>
+          <a:prstGeom prst="rect">
+            <a:avLst/>
+          </a:prstGeom>
+          <a:noFill/>
+          <a:ln w="9525">
+            <a:noFill/>
+            <a:miter lim="800000"/>
+            <a:headEnd/>
+            <a:tailEnd/>
+          </a:ln>
+          <a:effectLst/>
+        </p:spPr>
+      </p:pic>
+    </p:spTree>
+  </p:cSld>
+  <p:clrMapOvr>
+    <a:masterClrMapping/>
+  </p:clrMapOvr>
+  <p:timing>
+    <p:tnLst>
+      <p:par>
+        <p:cTn id="1" dur="indefinite" restart="never" nodeType="tmRoot"/>
+      </p:par>
+    </p:tnLst>
+  </p:timing>
+</p:sld>
+</file>
+
+<file path=ppt/slides/slide4.xml><?xml version="1.0" encoding="utf-8"?>
+<p:sld xmlns:a="http://schemas.openxmlformats.org/drawingml/2006/main" xmlns:r="http://schemas.openxmlformats.org/officeDocument/2006/relationships" xmlns:p="http://schemas.openxmlformats.org/presentationml/2006/main">
+  <p:cSld>
+    <p:spTree>
+      <p:nvGrpSpPr>
+        <p:cNvPr id="1" name=""/>
+        <p:cNvGrpSpPr/>
+        <p:nvPr/>
+      </p:nvGrpSpPr>
+      <p:grpSpPr>
+        <a:xfrm>
+          <a:off x="0" y="0"/>
+          <a:ext cx="0" cy="0"/>
+          <a:chOff x="0" y="0"/>
+          <a:chExt cx="0" cy="0"/>
+        </a:xfrm>
+      </p:grpSpPr>
+      <p:sp>
+        <p:nvSpPr>
+          <p:cNvPr id="9218" name="Rectangle 2"/>
+          <p:cNvSpPr>
+            <a:spLocks noGrp="1" noChangeArrowheads="1"/>
+          </p:cNvSpPr>
+          <p:nvPr>
+            <p:ph type="title"/>
+          </p:nvPr>
+        </p:nvSpPr>
+        <p:spPr>
+          <a:xfrm>
+            <a:off x="228600" y="228600"/>
+            <a:ext cx="6011863" cy="838200"/>
+          </a:xfrm>
+        </p:spPr>
+        <p:txBody>
+          <a:bodyPr/>
+          <a:lstStyle/>
+          <a:p>
+            <a:pPr eaLnBrk="1" hangingPunct="1"/>
+            <a:r>
+              <a:rPr lang="zh-CN" altLang="en-US" dirty="0" smtClean="0"/>
+              <a:t>灵活功能强大的场景物件系统</a:t>
+            </a:r>
+            <a:endParaRPr lang="zh-CN" altLang="en-US" dirty="0" smtClean="0"/>
+          </a:p>
+        </p:txBody>
+      </p:sp>
+      <p:sp>
+        <p:nvSpPr>
+          <p:cNvPr id="9219" name="Rectangle 3"/>
+          <p:cNvSpPr>
+            <a:spLocks noGrp="1" noChangeArrowheads="1"/>
+          </p:cNvSpPr>
+          <p:nvPr>
+            <p:ph type="body" idx="1"/>
+          </p:nvPr>
+        </p:nvSpPr>
+        <p:spPr>
+          <a:xfrm>
+            <a:off x="685800" y="1219200"/>
+            <a:ext cx="8229600" cy="4953000"/>
+          </a:xfrm>
+        </p:spPr>
+        <p:txBody>
+          <a:bodyPr/>
+          <a:lstStyle/>
+          <a:p>
+            <a:pPr eaLnBrk="1" hangingPunct="1"/>
+            <a:r>
+              <a:rPr lang="en-US" altLang="zh-CN" dirty="0" smtClean="0"/>
+              <a:t>Cry3</a:t>
+            </a:r>
+            <a:r>
+              <a:rPr lang="zh-CN" altLang="en-US" dirty="0" smtClean="0"/>
+              <a:t>提供的物件系统</a:t>
+            </a:r>
+            <a:endParaRPr lang="en-US" altLang="zh-CN" dirty="0" smtClean="0"/>
+          </a:p>
+          <a:p>
+            <a:pPr eaLnBrk="1" hangingPunct="1"/>
+            <a:r>
+              <a:rPr lang="zh-CN" altLang="en-US" dirty="0" smtClean="0"/>
+              <a:t>用</a:t>
+            </a:r>
+            <a:r>
+              <a:rPr lang="en-US" altLang="zh-CN" dirty="0" smtClean="0"/>
+              <a:t>LUA</a:t>
+            </a:r>
+            <a:r>
+              <a:rPr lang="zh-CN" altLang="en-US" dirty="0" smtClean="0"/>
+              <a:t>来定义</a:t>
+            </a:r>
+            <a:r>
+              <a:rPr lang="en-US" altLang="zh-CN" dirty="0" smtClean="0"/>
+              <a:t>entity</a:t>
+            </a:r>
+            <a:r>
+              <a:rPr lang="zh-CN" altLang="en-US" dirty="0" smtClean="0"/>
+              <a:t>，假设</a:t>
+            </a:r>
+            <a:r>
+              <a:rPr lang="en-US" altLang="zh-CN" dirty="0" smtClean="0"/>
+              <a:t>A.lua</a:t>
+            </a:r>
+          </a:p>
+          <a:p>
+            <a:pPr eaLnBrk="1" hangingPunct="1">
+              <a:buNone/>
+            </a:pPr>
+            <a:r>
+              <a:rPr lang="en-US" altLang="zh-CN" b="0" dirty="0" smtClean="0"/>
+              <a:t>	A = </a:t>
+            </a:r>
+          </a:p>
+          <a:p>
+            <a:pPr eaLnBrk="1" hangingPunct="1">
+              <a:buNone/>
+            </a:pPr>
+            <a:r>
+              <a:rPr lang="en-US" altLang="zh-CN" b="0" dirty="0" smtClean="0"/>
+              <a:t>	{</a:t>
+            </a:r>
+          </a:p>
+          <a:p>
+            <a:pPr lvl="1" eaLnBrk="1" hangingPunct="1">
+              <a:buNone/>
+            </a:pPr>
+            <a:r>
+              <a:rPr lang="en-US" altLang="zh-CN" b="0" dirty="0" smtClean="0"/>
+              <a:t>	Properties = </a:t>
+            </a:r>
+          </a:p>
+          <a:p>
+            <a:pPr lvl="1" eaLnBrk="1" hangingPunct="1">
+              <a:buNone/>
+            </a:pPr>
+            <a:r>
+              <a:rPr lang="en-US" altLang="zh-CN" b="0" dirty="0" smtClean="0"/>
+              <a:t>	{</a:t>
+            </a:r>
+          </a:p>
+          <a:p>
+            <a:pPr lvl="2" eaLnBrk="1" hangingPunct="1">
+              <a:buNone/>
+            </a:pPr>
+            <a:r>
+              <a:rPr lang="en-US" altLang="zh-CN" b="0" dirty="0" smtClean="0"/>
+              <a:t>	Model = “objects/box.cga”,</a:t>
+            </a:r>
+          </a:p>
+          <a:p>
+            <a:pPr lvl="1" eaLnBrk="1" hangingPunct="1">
+              <a:buNone/>
+            </a:pPr>
+            <a:r>
+              <a:rPr lang="en-US" altLang="zh-CN" b="0" dirty="0" smtClean="0"/>
+              <a:t>	},</a:t>
+            </a:r>
+          </a:p>
+          <a:p>
+            <a:pPr eaLnBrk="1" hangingPunct="1">
+              <a:buNone/>
+            </a:pPr>
+            <a:r>
+              <a:rPr lang="en-US" altLang="zh-CN" b="0" dirty="0" smtClean="0"/>
+              <a:t>	}</a:t>
+            </a:r>
+          </a:p>
+          <a:p>
+            <a:pPr eaLnBrk="1" hangingPunct="1">
+              <a:buNone/>
+            </a:pPr>
+            <a:r>
+              <a:rPr lang="en-US" altLang="zh-CN" b="0" dirty="0" smtClean="0"/>
+              <a:t>	f</a:t>
+            </a:r>
+            <a:r>
+              <a:rPr lang="en-US" altLang="zh-CN" b="0" dirty="0" smtClean="0"/>
+              <a:t>unction A:OnSpawn()</a:t>
+            </a:r>
+          </a:p>
+          <a:p>
+            <a:pPr eaLnBrk="1" hangingPunct="1">
+              <a:buNone/>
+            </a:pPr>
+            <a:r>
+              <a:rPr lang="en-US" altLang="zh-CN" b="0" dirty="0" smtClean="0"/>
+              <a:t>		…</a:t>
+            </a:r>
+            <a:endParaRPr lang="en-US" altLang="zh-CN" b="0" dirty="0" smtClean="0"/>
+          </a:p>
+          <a:p>
+            <a:pPr eaLnBrk="1" hangingPunct="1">
+              <a:buNone/>
+            </a:pPr>
+            <a:r>
+              <a:rPr lang="en-US" altLang="zh-CN" b="0" dirty="0" smtClean="0"/>
+              <a:t>	end </a:t>
+            </a:r>
+          </a:p>
+          <a:p>
+            <a:pPr eaLnBrk="1" hangingPunct="1">
+              <a:buNone/>
+            </a:pPr>
+            <a:r>
+              <a:rPr lang="en-US" altLang="zh-CN" b="0" dirty="0" smtClean="0"/>
+              <a:t>	</a:t>
+            </a:r>
+            <a:r>
+              <a:rPr lang="en-US" altLang="zh-CN" b="0" dirty="0" err="1" smtClean="0"/>
+              <a:t>RegisterFactory</a:t>
+            </a:r>
+            <a:r>
+              <a:rPr lang="en-US" altLang="zh-CN" b="0" dirty="0" smtClean="0"/>
+              <a:t>(“</a:t>
+            </a:r>
+            <a:r>
+              <a:rPr lang="en-US" altLang="zh-CN" b="0" dirty="0" err="1" smtClean="0"/>
+              <a:t>A”,&amp;ClassACreator</a:t>
+            </a:r>
+            <a:r>
+              <a:rPr lang="en-US" altLang="zh-CN" b="0" dirty="0" smtClean="0"/>
+              <a:t>);     //C++</a:t>
+            </a:r>
+            <a:r>
+              <a:rPr lang="zh-CN" altLang="en-US" b="0" dirty="0" smtClean="0"/>
+              <a:t>中调用</a:t>
+            </a:r>
+            <a:endParaRPr lang="en-US" altLang="zh-CN" b="0" dirty="0" smtClean="0"/>
+          </a:p>
+        </p:txBody>
+      </p:sp>
+    </p:spTree>
+  </p:cSld>
+  <p:clrMapOvr>
+    <a:masterClrMapping/>
+  </p:clrMapOvr>
+  <p:timing>
+    <p:tnLst>
+      <p:par>
+        <p:cTn id="1" dur="indefinite" restart="never" nodeType="tmRoot"/>
+      </p:par>
+    </p:tnLst>
+  </p:timing>
+</p:sld>
+</file>
+
+<file path=ppt/slides/slide5.xml><?xml version="1.0" encoding="utf-8"?>
+<p:sld xmlns:a="http://schemas.openxmlformats.org/drawingml/2006/main" xmlns:r="http://schemas.openxmlformats.org/officeDocument/2006/relationships" xmlns:p="http://schemas.openxmlformats.org/presentationml/2006/main">
+  <p:cSld>
+    <p:spTree>
+      <p:nvGrpSpPr>
+        <p:cNvPr id="1" name=""/>
+        <p:cNvGrpSpPr/>
+        <p:nvPr/>
+      </p:nvGrpSpPr>
+      <p:grpSpPr>
+        <a:xfrm>
+          <a:off x="0" y="0"/>
+          <a:ext cx="0" cy="0"/>
+          <a:chOff x="0" y="0"/>
+          <a:chExt cx="0" cy="0"/>
+        </a:xfrm>
+      </p:grpSpPr>
+      <p:sp>
+        <p:nvSpPr>
+          <p:cNvPr id="9218" name="Rectangle 2"/>
+          <p:cNvSpPr>
+            <a:spLocks noGrp="1" noChangeArrowheads="1"/>
+          </p:cNvSpPr>
+          <p:nvPr>
+            <p:ph type="title"/>
+          </p:nvPr>
+        </p:nvSpPr>
+        <p:spPr>
+          <a:xfrm>
+            <a:off x="228600" y="228600"/>
+            <a:ext cx="6011863" cy="838200"/>
+          </a:xfrm>
+        </p:spPr>
+        <p:txBody>
+          <a:bodyPr/>
+          <a:lstStyle/>
+          <a:p>
+            <a:pPr eaLnBrk="1" hangingPunct="1"/>
+            <a:r>
+              <a:rPr lang="zh-CN" altLang="en-US" dirty="0" smtClean="0"/>
+              <a:t>灵活功能强大的场景物件系统</a:t>
+            </a:r>
+            <a:endParaRPr lang="zh-CN" altLang="en-US" dirty="0" smtClean="0"/>
+          </a:p>
+        </p:txBody>
+      </p:sp>
+      <p:sp>
+        <p:nvSpPr>
+          <p:cNvPr id="9219" name="Rectangle 3"/>
+          <p:cNvSpPr>
+            <a:spLocks noGrp="1" noChangeArrowheads="1"/>
+          </p:cNvSpPr>
+          <p:nvPr>
+            <p:ph type="body" idx="1"/>
+          </p:nvPr>
+        </p:nvSpPr>
+        <p:spPr>
+          <a:xfrm>
+            <a:off x="685800" y="1219200"/>
+            <a:ext cx="8229600" cy="4572000"/>
+          </a:xfrm>
+        </p:spPr>
+        <p:txBody>
+          <a:bodyPr/>
+          <a:lstStyle/>
+          <a:p>
+            <a:pPr eaLnBrk="1" hangingPunct="1"/>
+            <a:r>
+              <a:rPr lang="en-US" altLang="zh-CN" dirty="0" smtClean="0"/>
+              <a:t>Cry3</a:t>
+            </a:r>
+            <a:r>
+              <a:rPr lang="zh-CN" altLang="en-US" dirty="0" smtClean="0"/>
+              <a:t>提供的物件系统</a:t>
+            </a:r>
+            <a:endParaRPr lang="en-US" altLang="zh-CN" dirty="0" smtClean="0"/>
+          </a:p>
+          <a:p>
+            <a:pPr lvl="1" eaLnBrk="1" hangingPunct="1"/>
+            <a:r>
+              <a:rPr lang="zh-CN" altLang="en-US" sz="2400" b="0" dirty="0" smtClean="0"/>
+              <a:t>每个物件功能单一，与</a:t>
+            </a:r>
+            <a:r>
+              <a:rPr lang="en-US" altLang="zh-CN" sz="2400" b="0" dirty="0" smtClean="0"/>
+              <a:t>C++</a:t>
+            </a:r>
+            <a:r>
+              <a:rPr lang="zh-CN" altLang="en-US" sz="2400" b="0" dirty="0" smtClean="0"/>
+              <a:t>的对象唯一对应，</a:t>
+            </a:r>
+            <a:r>
+              <a:rPr lang="en-US" altLang="zh-CN" sz="2400" b="0" dirty="0" smtClean="0"/>
+              <a:t>game factory</a:t>
+            </a:r>
+            <a:r>
+              <a:rPr lang="zh-CN" altLang="en-US" sz="2400" b="0" dirty="0" smtClean="0"/>
+              <a:t>的</a:t>
+            </a:r>
+            <a:r>
+              <a:rPr lang="en-US" altLang="zh-CN" sz="2400" b="0" dirty="0" smtClean="0"/>
+              <a:t>key</a:t>
+            </a:r>
+            <a:r>
+              <a:rPr lang="zh-CN" altLang="en-US" sz="2400" b="0" dirty="0" smtClean="0"/>
+              <a:t>与</a:t>
+            </a:r>
+            <a:r>
+              <a:rPr lang="en-US" altLang="zh-CN" sz="2400" b="0" dirty="0" smtClean="0"/>
+              <a:t>LUA</a:t>
+            </a:r>
+            <a:r>
+              <a:rPr lang="zh-CN" altLang="en-US" sz="2400" b="0" dirty="0" smtClean="0"/>
+              <a:t>文件名</a:t>
+            </a:r>
+            <a:endParaRPr lang="en-US" altLang="zh-CN" sz="2400" b="0" dirty="0" smtClean="0"/>
+          </a:p>
+          <a:p>
+            <a:pPr lvl="1" eaLnBrk="1" hangingPunct="1"/>
+            <a:r>
+              <a:rPr lang="en-US" altLang="zh-CN" sz="2400" b="0" dirty="0" smtClean="0"/>
+              <a:t>Flow graph</a:t>
+            </a:r>
+            <a:r>
+              <a:rPr lang="zh-CN" altLang="en-US" sz="2400" b="0" dirty="0" smtClean="0"/>
+              <a:t>用来把各个物件</a:t>
+            </a:r>
+            <a:r>
+              <a:rPr lang="zh-CN" altLang="en-US" sz="2400" b="0" dirty="0" smtClean="0"/>
+              <a:t>串起来</a:t>
+            </a:r>
+            <a:endParaRPr lang="en-US" altLang="zh-CN" sz="2400" b="0" dirty="0" smtClean="0"/>
+          </a:p>
+          <a:p>
+            <a:pPr lvl="1" eaLnBrk="1" hangingPunct="1"/>
+            <a:r>
+              <a:rPr lang="zh-CN" altLang="en-US" sz="2400" b="0" dirty="0" smtClean="0"/>
+              <a:t>无同步和恢复逻辑（基本与</a:t>
+            </a:r>
+            <a:r>
+              <a:rPr lang="en-US" altLang="zh-CN" sz="2400" b="0" dirty="0" smtClean="0"/>
+              <a:t>game play</a:t>
+            </a:r>
+            <a:r>
+              <a:rPr lang="zh-CN" altLang="en-US" sz="2400" b="0" dirty="0" smtClean="0"/>
+              <a:t>无关，同步的是导致物件状态或者属性改变的事件，爆炸，进入离开等，或者是起到配置作用，重力场，出生点）</a:t>
+            </a:r>
+            <a:endParaRPr lang="en-US" altLang="zh-CN" sz="2400" b="0" dirty="0" smtClean="0"/>
+          </a:p>
+          <a:p>
+            <a:pPr lvl="1" eaLnBrk="1" hangingPunct="1"/>
+            <a:r>
+              <a:rPr lang="zh-CN" altLang="en-US" sz="2400" b="0" dirty="0" smtClean="0"/>
+              <a:t>动态生成的物件逻辑只能用</a:t>
+            </a:r>
+            <a:r>
+              <a:rPr lang="en-US" altLang="zh-CN" sz="2400" b="0" dirty="0" smtClean="0"/>
+              <a:t>LUA</a:t>
+            </a:r>
+            <a:r>
+              <a:rPr lang="zh-CN" altLang="en-US" sz="2400" b="0" dirty="0" smtClean="0"/>
+              <a:t>脚本编写逻辑</a:t>
+            </a:r>
+            <a:endParaRPr lang="en-US" altLang="zh-CN" sz="2400" b="0" dirty="0" smtClean="0"/>
+          </a:p>
+          <a:p>
+            <a:pPr lvl="1" eaLnBrk="1" hangingPunct="1"/>
+            <a:r>
+              <a:rPr lang="zh-CN" altLang="en-US" sz="2400" b="0" dirty="0" smtClean="0"/>
+              <a:t>大部分拖入场景的物件，基本属性保存在关卡数据内</a:t>
+            </a:r>
+            <a:endParaRPr lang="en-US" altLang="zh-CN" sz="2400" b="0" dirty="0" smtClean="0"/>
+          </a:p>
+          <a:p>
+            <a:pPr lvl="1" eaLnBrk="1" hangingPunct="1"/>
+            <a:r>
+              <a:rPr lang="zh-CN" altLang="en-US" sz="2400" b="0" dirty="0" smtClean="0"/>
+              <a:t>游戏一些基本元素水，植被等只有渲染逻辑，不可控制</a:t>
+            </a:r>
+            <a:endParaRPr lang="en-US" altLang="zh-CN" sz="2400" b="0" dirty="0" smtClean="0"/>
+          </a:p>
+        </p:txBody>
+      </p:sp>
+    </p:spTree>
+  </p:cSld>
+  <p:clrMapOvr>
+    <a:masterClrMapping/>
+  </p:clrMapOvr>
+  <p:timing>
+    <p:tnLst>
+      <p:par>
+        <p:cTn id="1" dur="indefinite" restart="never" nodeType="tmRoot"/>
+      </p:par>
+    </p:tnLst>
+  </p:timing>
+</p:sld>
+</file>
+
+<file path=ppt/slides/slide6.xml><?xml version="1.0" encoding="utf-8"?>
+<p:sld xmlns:a="http://schemas.openxmlformats.org/drawingml/2006/main" xmlns:r="http://schemas.openxmlformats.org/officeDocument/2006/relationships" xmlns:p="http://schemas.openxmlformats.org/presentationml/2006/main">
+  <p:cSld>
+    <p:spTree>
+      <p:nvGrpSpPr>
+        <p:cNvPr id="1" name=""/>
+        <p:cNvGrpSpPr/>
+        <p:nvPr/>
+      </p:nvGrpSpPr>
+      <p:grpSpPr>
+        <a:xfrm>
+          <a:off x="0" y="0"/>
+          <a:ext cx="0" cy="0"/>
+          <a:chOff x="0" y="0"/>
+          <a:chExt cx="0" cy="0"/>
+        </a:xfrm>
+      </p:grpSpPr>
+      <p:sp>
+        <p:nvSpPr>
+          <p:cNvPr id="9218" name="Rectangle 2"/>
+          <p:cNvSpPr>
+            <a:spLocks noGrp="1" noChangeArrowheads="1"/>
+          </p:cNvSpPr>
+          <p:nvPr>
+            <p:ph type="title"/>
+          </p:nvPr>
+        </p:nvSpPr>
+        <p:spPr>
+          <a:xfrm>
+            <a:off x="228600" y="228600"/>
+            <a:ext cx="6011863" cy="838200"/>
+          </a:xfrm>
+        </p:spPr>
+        <p:txBody>
+          <a:bodyPr/>
+          <a:lstStyle/>
+          <a:p>
+            <a:pPr eaLnBrk="1" hangingPunct="1"/>
+            <a:r>
+              <a:rPr lang="zh-CN" altLang="en-US" dirty="0" smtClean="0"/>
+              <a:t>灵活功能强大的场景物件系统</a:t>
+            </a:r>
+            <a:endParaRPr lang="zh-CN" altLang="en-US" dirty="0" smtClean="0"/>
+          </a:p>
+        </p:txBody>
+      </p:sp>
+      <p:sp>
+        <p:nvSpPr>
+          <p:cNvPr id="9219" name="Rectangle 3"/>
+          <p:cNvSpPr>
+            <a:spLocks noGrp="1" noChangeArrowheads="1"/>
+          </p:cNvSpPr>
+          <p:nvPr>
+            <p:ph type="body" idx="1"/>
+          </p:nvPr>
+        </p:nvSpPr>
+        <p:spPr>
+          <a:xfrm>
+            <a:off x="685800" y="1219200"/>
+            <a:ext cx="8229600" cy="4572000"/>
+          </a:xfrm>
+        </p:spPr>
+        <p:txBody>
+          <a:bodyPr/>
+          <a:lstStyle/>
+          <a:p>
+            <a:pPr eaLnBrk="1" hangingPunct="1"/>
+            <a:r>
+              <a:rPr lang="en-US" altLang="zh-CN" dirty="0" smtClean="0"/>
+              <a:t>Cry3</a:t>
+            </a:r>
+            <a:r>
+              <a:rPr lang="zh-CN" altLang="en-US" dirty="0" smtClean="0"/>
+              <a:t>的</a:t>
+            </a:r>
+            <a:r>
+              <a:rPr lang="en-US" altLang="zh-CN" dirty="0" smtClean="0"/>
+              <a:t>Flow Graph</a:t>
+            </a:r>
+          </a:p>
+          <a:p>
+            <a:pPr eaLnBrk="1" hangingPunct="1"/>
+            <a:r>
+              <a:rPr lang="zh-CN" altLang="en-US" dirty="0" smtClean="0"/>
+              <a:t>图</a:t>
+            </a:r>
+            <a:r>
+              <a:rPr lang="en-US" altLang="zh-CN" dirty="0" smtClean="0"/>
+              <a:t>1 </a:t>
+            </a:r>
+            <a:r>
+              <a:rPr lang="zh-CN" altLang="en-US" dirty="0" smtClean="0"/>
+              <a:t>两个球</a:t>
+            </a:r>
+            <a:endParaRPr lang="en-US" altLang="zh-CN" dirty="0" smtClean="0"/>
+          </a:p>
+        </p:txBody>
+      </p:sp>
+    </p:spTree>
+  </p:cSld>
+  <p:clrMapOvr>
+    <a:masterClrMapping/>
+  </p:clrMapOvr>
+  <p:timing>
+    <p:tnLst>
+      <p:par>
+        <p:cTn id="1" dur="indefinite" restart="never" nodeType="tmRoot"/>
+      </p:par>
+    </p:tnLst>
+  </p:timing>
+</p:sld>
+</file>
+
+<file path=ppt/slides/slide7.xml><?xml version="1.0" encoding="utf-8"?>
+<p:sld xmlns:a="http://schemas.openxmlformats.org/drawingml/2006/main" xmlns:r="http://schemas.openxmlformats.org/officeDocument/2006/relationships" xmlns:p="http://schemas.openxmlformats.org/presentationml/2006/main">
+  <p:cSld>
+    <p:spTree>
+      <p:nvGrpSpPr>
+        <p:cNvPr id="1" name=""/>
+        <p:cNvGrpSpPr/>
+        <p:nvPr/>
+      </p:nvGrpSpPr>
+      <p:grpSpPr>
+        <a:xfrm>
+          <a:off x="0" y="0"/>
+          <a:ext cx="0" cy="0"/>
+          <a:chOff x="0" y="0"/>
+          <a:chExt cx="0" cy="0"/>
+        </a:xfrm>
+      </p:grpSpPr>
+      <p:sp>
+        <p:nvSpPr>
+          <p:cNvPr id="9218" name="Rectangle 2"/>
+          <p:cNvSpPr>
+            <a:spLocks noGrp="1" noChangeArrowheads="1"/>
+          </p:cNvSpPr>
+          <p:nvPr>
+            <p:ph type="title"/>
+          </p:nvPr>
+        </p:nvSpPr>
+        <p:spPr>
+          <a:xfrm>
+            <a:off x="228600" y="228600"/>
+            <a:ext cx="6011863" cy="838200"/>
+          </a:xfrm>
+        </p:spPr>
+        <p:txBody>
+          <a:bodyPr/>
+          <a:lstStyle/>
+          <a:p>
+            <a:pPr eaLnBrk="1" hangingPunct="1"/>
+            <a:r>
+              <a:rPr lang="zh-CN" altLang="en-US" dirty="0" smtClean="0"/>
+              <a:t>灵活功能强大的场景物件系统</a:t>
+            </a:r>
+            <a:endParaRPr lang="zh-CN" altLang="en-US" dirty="0" smtClean="0"/>
+          </a:p>
+        </p:txBody>
+      </p:sp>
+      <p:sp>
+        <p:nvSpPr>
+          <p:cNvPr id="9219" name="Rectangle 3"/>
+          <p:cNvSpPr>
+            <a:spLocks noGrp="1" noChangeArrowheads="1"/>
+          </p:cNvSpPr>
+          <p:nvPr>
+            <p:ph type="body" idx="1"/>
+          </p:nvPr>
+        </p:nvSpPr>
+        <p:spPr>
+          <a:xfrm>
+            <a:off x="685800" y="1219200"/>
+            <a:ext cx="8229600" cy="4572000"/>
+          </a:xfrm>
+        </p:spPr>
+        <p:txBody>
+          <a:bodyPr/>
+          <a:lstStyle/>
+          <a:p>
+            <a:pPr eaLnBrk="1" hangingPunct="1"/>
+            <a:r>
+              <a:rPr lang="en-US" altLang="zh-CN" dirty="0" smtClean="0"/>
+              <a:t>Cry3</a:t>
+            </a:r>
+            <a:r>
+              <a:rPr lang="zh-CN" altLang="en-US" dirty="0" smtClean="0"/>
+              <a:t>的</a:t>
+            </a:r>
+            <a:r>
+              <a:rPr lang="en-US" altLang="zh-CN" dirty="0" smtClean="0"/>
+              <a:t>Flow Graph</a:t>
+            </a:r>
+          </a:p>
+          <a:p>
+            <a:pPr eaLnBrk="1" hangingPunct="1"/>
+            <a:r>
+              <a:rPr lang="zh-CN" altLang="en-US" dirty="0" smtClean="0"/>
+              <a:t>图</a:t>
+            </a:r>
+            <a:r>
+              <a:rPr lang="en-US" altLang="zh-CN" dirty="0" smtClean="0"/>
+              <a:t>2</a:t>
+            </a:r>
+            <a:r>
+              <a:rPr lang="zh-CN" altLang="en-US" dirty="0" smtClean="0"/>
+              <a:t>两</a:t>
+            </a:r>
+            <a:r>
+              <a:rPr lang="zh-CN" altLang="en-US" dirty="0" smtClean="0"/>
+              <a:t>个</a:t>
+            </a:r>
+            <a:r>
+              <a:rPr lang="en-US" altLang="zh-CN" dirty="0" smtClean="0"/>
+              <a:t>flow graph</a:t>
+            </a:r>
+            <a:endParaRPr lang="en-US" altLang="zh-CN" dirty="0" smtClean="0"/>
+          </a:p>
+        </p:txBody>
+      </p:sp>
+    </p:spTree>
+  </p:cSld>
+  <p:clrMapOvr>
+    <a:masterClrMapping/>
+  </p:clrMapOvr>
+  <p:timing>
+    <p:tnLst>
+      <p:par>
+        <p:cTn id="1" dur="indefinite" restart="never" nodeType="tmRoot"/>
+      </p:par>
+    </p:tnLst>
+  </p:timing>
+</p:sld>
+</file>
+
+<file path=ppt/slides/slide8.xml><?xml version="1.0" encoding="utf-8"?>
+<p:sld xmlns:a="http://schemas.openxmlformats.org/drawingml/2006/main" xmlns:r="http://schemas.openxmlformats.org/officeDocument/2006/relationships" xmlns:p="http://schemas.openxmlformats.org/presentationml/2006/main">
+  <p:cSld>
+    <p:spTree>
+      <p:nvGrpSpPr>
+        <p:cNvPr id="1" name=""/>
+        <p:cNvGrpSpPr/>
+        <p:nvPr/>
+      </p:nvGrpSpPr>
+      <p:grpSpPr>
+        <a:xfrm>
+          <a:off x="0" y="0"/>
+          <a:ext cx="0" cy="0"/>
+          <a:chOff x="0" y="0"/>
+          <a:chExt cx="0" cy="0"/>
+        </a:xfrm>
+      </p:grpSpPr>
+      <p:sp>
+        <p:nvSpPr>
+          <p:cNvPr id="9218" name="Rectangle 2"/>
+          <p:cNvSpPr>
+            <a:spLocks noGrp="1" noChangeArrowheads="1"/>
+          </p:cNvSpPr>
+          <p:nvPr>
+            <p:ph type="title"/>
+          </p:nvPr>
+        </p:nvSpPr>
+        <p:spPr>
+          <a:xfrm>
+            <a:off x="228600" y="228600"/>
+            <a:ext cx="6011863" cy="838200"/>
+          </a:xfrm>
+        </p:spPr>
+        <p:txBody>
+          <a:bodyPr/>
+          <a:lstStyle/>
+          <a:p>
+            <a:pPr eaLnBrk="1" hangingPunct="1"/>
+            <a:r>
+              <a:rPr lang="zh-CN" altLang="en-US" dirty="0" smtClean="0"/>
+              <a:t>灵活功能强大的场景物件系统</a:t>
+            </a:r>
+            <a:endParaRPr lang="zh-CN" altLang="en-US" dirty="0" smtClean="0"/>
+          </a:p>
+        </p:txBody>
+      </p:sp>
+      <p:sp>
+        <p:nvSpPr>
+          <p:cNvPr id="9219" name="Rectangle 3"/>
+          <p:cNvSpPr>
+            <a:spLocks noGrp="1" noChangeArrowheads="1"/>
+          </p:cNvSpPr>
+          <p:nvPr>
+            <p:ph type="body" idx="1"/>
+          </p:nvPr>
+        </p:nvSpPr>
+        <p:spPr>
+          <a:xfrm>
+            <a:off x="685800" y="1219200"/>
+            <a:ext cx="8229600" cy="4572000"/>
+          </a:xfrm>
+        </p:spPr>
+        <p:txBody>
+          <a:bodyPr/>
+          <a:lstStyle/>
+          <a:p>
+            <a:pPr eaLnBrk="1" hangingPunct="1"/>
+            <a:r>
+              <a:rPr lang="en-US" altLang="zh-CN" dirty="0" smtClean="0"/>
+              <a:t>Cry3</a:t>
+            </a:r>
+            <a:r>
+              <a:rPr lang="zh-CN" altLang="en-US" dirty="0" smtClean="0"/>
+              <a:t>的</a:t>
+            </a:r>
+            <a:r>
+              <a:rPr lang="en-US" altLang="zh-CN" dirty="0" smtClean="0"/>
+              <a:t>Flow Graph</a:t>
+            </a:r>
+          </a:p>
+          <a:p>
+            <a:pPr eaLnBrk="1" hangingPunct="1"/>
+            <a:r>
+              <a:rPr lang="zh-CN" altLang="en-US" dirty="0" smtClean="0"/>
+              <a:t>图</a:t>
+            </a:r>
+            <a:r>
+              <a:rPr lang="en-US" altLang="zh-CN" dirty="0" smtClean="0"/>
+              <a:t>3</a:t>
+            </a:r>
+            <a:r>
+              <a:rPr lang="zh-CN" altLang="en-US" dirty="0" smtClean="0"/>
+              <a:t>两个球消失</a:t>
+            </a:r>
+            <a:endParaRPr lang="en-US" altLang="zh-CN" dirty="0" smtClean="0"/>
+          </a:p>
+        </p:txBody>
+      </p:sp>
+    </p:spTree>
+  </p:cSld>
+  <p:clrMapOvr>
+    <a:masterClrMapping/>
+  </p:clrMapOvr>
+  <p:timing>
+    <p:tnLst>
+      <p:par>
+        <p:cTn id="1" dur="indefinite" restart="never" nodeType="tmRoot"/>
+      </p:par>
+    </p:tnLst>
+  </p:timing>
+</p:sld>
+</file>
+
+<file path=ppt/slides/slide9.xml><?xml version="1.0" encoding="utf-8"?>
+<p:sld xmlns:a="http://schemas.openxmlformats.org/drawingml/2006/main" xmlns:r="http://schemas.openxmlformats.org/officeDocument/2006/relationships" xmlns:p="http://schemas.openxmlformats.org/presentationml/2006/main">
+  <p:cSld>
+    <p:spTree>
+      <p:nvGrpSpPr>
+        <p:cNvPr id="1" name=""/>
+        <p:cNvGrpSpPr/>
+        <p:nvPr/>
+      </p:nvGrpSpPr>
+      <p:grpSpPr>
+        <a:xfrm>
+          <a:off x="0" y="0"/>
+          <a:ext cx="0" cy="0"/>
+          <a:chOff x="0" y="0"/>
+          <a:chExt cx="0" cy="0"/>
+        </a:xfrm>
+      </p:grpSpPr>
+      <p:sp>
+        <p:nvSpPr>
+          <p:cNvPr id="10243" name="Rectangle 3"/>
+          <p:cNvSpPr>
+            <a:spLocks noGrp="1" noChangeArrowheads="1"/>
+          </p:cNvSpPr>
+          <p:nvPr>
+            <p:ph type="body" idx="1"/>
+          </p:nvPr>
+        </p:nvSpPr>
+        <p:spPr>
+          <a:xfrm>
+            <a:off x="685800" y="1219200"/>
+            <a:ext cx="8229600" cy="3886200"/>
+          </a:xfrm>
+        </p:spPr>
+        <p:txBody>
+          <a:bodyPr/>
+          <a:lstStyle/>
+          <a:p>
+            <a:pPr eaLnBrk="1" hangingPunct="1"/>
+            <a:r>
+              <a:rPr lang="en-US" altLang="zh-CN" dirty="0" smtClean="0"/>
+              <a:t>Cry3</a:t>
+            </a:r>
+            <a:r>
+              <a:rPr lang="zh-CN" altLang="en-US" dirty="0" smtClean="0"/>
+              <a:t>物件系统的缺点</a:t>
+            </a:r>
+            <a:r>
+              <a:rPr lang="zh-CN" altLang="en-US" dirty="0" smtClean="0"/>
+              <a:t>：</a:t>
+            </a:r>
+            <a:endParaRPr lang="en-US" altLang="zh-CN" dirty="0" smtClean="0"/>
+          </a:p>
+          <a:p>
+            <a:pPr lvl="1" eaLnBrk="1" hangingPunct="1"/>
+            <a:r>
+              <a:rPr lang="zh-CN" altLang="en-US" b="0" dirty="0" smtClean="0">
+                <a:latin typeface="宋体" charset="-122"/>
+              </a:rPr>
+              <a:t>不能应对策划的复杂需求，比如物件的多样化和组合关系，尤其是组合关系</a:t>
+            </a:r>
+            <a:endParaRPr lang="en-US" altLang="zh-CN" b="0" dirty="0" smtClean="0">
+              <a:latin typeface="宋体" charset="-122"/>
+            </a:endParaRPr>
+          </a:p>
+          <a:p>
+            <a:pPr lvl="1" eaLnBrk="1" hangingPunct="1"/>
+            <a:r>
+              <a:rPr lang="zh-CN" altLang="en-US" b="0" dirty="0" smtClean="0">
+                <a:latin typeface="宋体" charset="-122"/>
+              </a:rPr>
+              <a:t>同步和恢复只能靠客户端自己计算（比如可破坏物件，同步的是爆炸，而不是物件的行为），计算结果可能不一致</a:t>
+            </a:r>
+            <a:endParaRPr lang="en-US" altLang="zh-CN" b="0" dirty="0" smtClean="0">
+              <a:latin typeface="宋体" charset="-122"/>
+            </a:endParaRPr>
+          </a:p>
+          <a:p>
+            <a:pPr lvl="1" eaLnBrk="1" hangingPunct="1"/>
+            <a:r>
+              <a:rPr lang="zh-CN" altLang="en-US" b="0" dirty="0" smtClean="0">
+                <a:latin typeface="宋体" charset="-122"/>
+              </a:rPr>
+              <a:t>动态物件开发只能在脚本中进行，策划和</a:t>
+            </a:r>
+            <a:r>
+              <a:rPr lang="en-US" altLang="zh-CN" b="0" dirty="0" smtClean="0">
+                <a:latin typeface="宋体" charset="-122"/>
+              </a:rPr>
+              <a:t>level designer</a:t>
+            </a:r>
+            <a:r>
+              <a:rPr lang="zh-CN" altLang="en-US" b="0" dirty="0" smtClean="0">
+                <a:latin typeface="宋体" charset="-122"/>
+              </a:rPr>
+              <a:t>参与度</a:t>
+            </a:r>
+            <a:r>
+              <a:rPr lang="zh-CN" altLang="en-US" b="0" dirty="0" smtClean="0">
+                <a:latin typeface="宋体" charset="-122"/>
+              </a:rPr>
+              <a:t>低</a:t>
+            </a:r>
+            <a:endParaRPr lang="en-US" altLang="zh-CN" b="0" dirty="0" smtClean="0">
+              <a:latin typeface="宋体" charset="-122"/>
+            </a:endParaRPr>
+          </a:p>
+          <a:p>
+            <a:pPr lvl="1" eaLnBrk="1" hangingPunct="1"/>
+            <a:r>
+              <a:rPr lang="zh-CN" altLang="en-US" b="0" dirty="0" smtClean="0">
+                <a:latin typeface="宋体" charset="-122"/>
+              </a:rPr>
+              <a:t>属性保存在关卡文件，当物件逻辑迭代的时候需要打开关卡修改，尤其是属性默认值发生修改的时候，由于之前的值已经写入关卡数据，新的默认值无法生效，</a:t>
+            </a:r>
+            <a:r>
+              <a:rPr lang="en-US" altLang="zh-CN" b="0" dirty="0" smtClean="0">
+                <a:latin typeface="宋体" charset="-122"/>
+              </a:rPr>
+              <a:t>LD</a:t>
+            </a:r>
+            <a:r>
+              <a:rPr lang="zh-CN" altLang="en-US" b="0" dirty="0" smtClean="0">
+                <a:latin typeface="宋体" charset="-122"/>
+              </a:rPr>
+              <a:t>需要逐个修改</a:t>
+            </a:r>
+            <a:endParaRPr lang="en-US" altLang="zh-CN" b="0" dirty="0" smtClean="0">
+              <a:latin typeface="宋体" charset="-122"/>
+            </a:endParaRPr>
+          </a:p>
+          <a:p>
+            <a:pPr lvl="1" eaLnBrk="1" hangingPunct="1"/>
+            <a:r>
+              <a:rPr lang="zh-CN" altLang="en-US" b="0" dirty="0" smtClean="0">
+                <a:latin typeface="宋体" charset="-122"/>
+              </a:rPr>
+              <a:t>一些功能缺失，比如水的升降，</a:t>
+            </a:r>
+            <a:r>
+              <a:rPr lang="en-US" altLang="zh-CN" b="0" dirty="0" smtClean="0">
+                <a:latin typeface="宋体" charset="-122"/>
+              </a:rPr>
+              <a:t>entity</a:t>
+            </a:r>
+            <a:r>
+              <a:rPr lang="zh-CN" altLang="en-US" b="0" dirty="0" smtClean="0">
+                <a:latin typeface="宋体" charset="-122"/>
+              </a:rPr>
+              <a:t>支持</a:t>
+            </a:r>
+            <a:r>
+              <a:rPr lang="en-US" altLang="zh-CN" b="0" dirty="0" smtClean="0">
+                <a:latin typeface="宋体" charset="-122"/>
+              </a:rPr>
+              <a:t>touch bending</a:t>
+            </a:r>
+            <a:endParaRPr lang="en-US" altLang="zh-CN" b="0" dirty="0" smtClean="0">
+              <a:latin typeface="宋体" charset="-122"/>
+            </a:endParaRPr>
+          </a:p>
+          <a:p>
+            <a:endParaRPr lang="en-US" altLang="zh-CN" sz="1600" b="0" dirty="0" smtClean="0">
+              <a:latin typeface="宋体" charset="-122"/>
+            </a:endParaRPr>
+          </a:p>
+        </p:txBody>
+      </p:sp>
+      <p:sp>
+        <p:nvSpPr>
+          <p:cNvPr id="91" name="Rectangle 2"/>
+          <p:cNvSpPr>
+            <a:spLocks noGrp="1" noChangeArrowheads="1"/>
+          </p:cNvSpPr>
+          <p:nvPr>
+            <p:ph type="title"/>
+          </p:nvPr>
+        </p:nvSpPr>
+        <p:spPr/>
+        <p:txBody>
+          <a:bodyPr/>
+          <a:lstStyle/>
+          <a:p>
+            <a:pPr eaLnBrk="1" hangingPunct="1"/>
+            <a:r>
+              <a:rPr lang="zh-CN" altLang="en-US" dirty="0" smtClean="0"/>
+              <a:t>灵活功能强大的场景物件系统</a:t>
+            </a:r>
+            <a:endParaRPr lang="zh-CN" altLang="en-US" dirty="0" smtClean="0"/>
           </a:p>
         </p:txBody>
       </p:sp>

--- a/Doc/whitebai.pptx
+++ b/Doc/whitebai.pptx
@@ -5,7 +5,7 @@
     <p:sldMasterId id="2147483657" r:id="rId1"/>
   </p:sldMasterIdLst>
   <p:notesMasterIdLst>
-    <p:notesMasterId r:id="rId20"/>
+    <p:notesMasterId r:id="rId25"/>
   </p:notesMasterIdLst>
   <p:sldIdLst>
     <p:sldId id="256" r:id="rId2"/>
@@ -19,13 +19,18 @@
     <p:sldId id="459" r:id="rId10"/>
     <p:sldId id="470" r:id="rId11"/>
     <p:sldId id="471" r:id="rId12"/>
-    <p:sldId id="460" r:id="rId13"/>
-    <p:sldId id="461" r:id="rId14"/>
-    <p:sldId id="462" r:id="rId15"/>
-    <p:sldId id="463" r:id="rId16"/>
-    <p:sldId id="454" r:id="rId17"/>
-    <p:sldId id="458" r:id="rId18"/>
-    <p:sldId id="455" r:id="rId19"/>
+    <p:sldId id="472" r:id="rId13"/>
+    <p:sldId id="474" r:id="rId14"/>
+    <p:sldId id="473" r:id="rId15"/>
+    <p:sldId id="475" r:id="rId16"/>
+    <p:sldId id="476" r:id="rId17"/>
+    <p:sldId id="460" r:id="rId18"/>
+    <p:sldId id="461" r:id="rId19"/>
+    <p:sldId id="462" r:id="rId20"/>
+    <p:sldId id="463" r:id="rId21"/>
+    <p:sldId id="454" r:id="rId22"/>
+    <p:sldId id="458" r:id="rId23"/>
+    <p:sldId id="455" r:id="rId24"/>
   </p:sldIdLst>
   <p:sldSz cx="9144000" cy="6858000" type="screen4x3"/>
   <p:notesSz cx="6858000" cy="9144000"/>
@@ -743,98 +748,6 @@
           </a:bodyPr>
           <a:lstStyle/>
           <a:p>
-            <a:r>
-              <a:rPr lang="zh-CN" altLang="en-US" dirty="0" smtClean="0"/>
-              <a:t>现在问题是，简单功能还要若干个</a:t>
-            </a:r>
-            <a:r>
-              <a:rPr lang="en-US" altLang="zh-CN" dirty="0" smtClean="0"/>
-              <a:t>entity</a:t>
-            </a:r>
-            <a:r>
-              <a:rPr lang="zh-CN" altLang="en-US" dirty="0" smtClean="0"/>
-              <a:t>，麻烦</a:t>
-            </a:r>
-            <a:endParaRPr lang="en-US" altLang="zh-CN" dirty="0" smtClean="0"/>
-          </a:p>
-          <a:p>
-            <a:r>
-              <a:rPr lang="zh-CN" altLang="en-US" dirty="0" smtClean="0"/>
-              <a:t>如果</a:t>
-            </a:r>
-            <a:r>
-              <a:rPr lang="en-US" altLang="zh-CN" dirty="0" smtClean="0"/>
-              <a:t>C++</a:t>
-            </a:r>
-            <a:r>
-              <a:rPr lang="zh-CN" altLang="en-US" dirty="0" smtClean="0"/>
-              <a:t>的支持类变大，重用度又会降低，根本原因是一个</a:t>
-            </a:r>
-            <a:r>
-              <a:rPr lang="en-US" altLang="zh-CN" dirty="0" smtClean="0"/>
-              <a:t>entity</a:t>
-            </a:r>
-            <a:r>
-              <a:rPr lang="zh-CN" altLang="en-US" dirty="0" smtClean="0"/>
-              <a:t>只能绑定一个</a:t>
-            </a:r>
-            <a:r>
-              <a:rPr lang="en-US" altLang="zh-CN" dirty="0" smtClean="0"/>
-              <a:t>C++</a:t>
-            </a:r>
-            <a:r>
-              <a:rPr lang="zh-CN" altLang="en-US" dirty="0" smtClean="0"/>
-              <a:t>的类导致的</a:t>
-            </a:r>
-            <a:endParaRPr lang="en-US" altLang="zh-CN" dirty="0" smtClean="0"/>
-          </a:p>
-          <a:p>
-            <a:r>
-              <a:rPr lang="zh-CN" altLang="en-US" dirty="0" smtClean="0"/>
-              <a:t>改变</a:t>
-            </a:r>
-            <a:r>
-              <a:rPr lang="en-US" altLang="zh-CN" dirty="0" smtClean="0"/>
-              <a:t>entity</a:t>
-            </a:r>
-            <a:r>
-              <a:rPr lang="zh-CN" altLang="en-US" dirty="0" smtClean="0"/>
-              <a:t>生成流程</a:t>
-            </a:r>
-            <a:endParaRPr lang="en-US" altLang="zh-CN" dirty="0" smtClean="0"/>
-          </a:p>
-          <a:p>
-            <a:r>
-              <a:rPr lang="zh-CN" altLang="en-US" dirty="0" smtClean="0"/>
-              <a:t>阅读源代码发现系统支持多个</a:t>
-            </a:r>
-            <a:endParaRPr lang="en-US" altLang="zh-CN" dirty="0" smtClean="0"/>
-          </a:p>
-          <a:p>
-            <a:r>
-              <a:rPr lang="en-US" altLang="zh-CN" dirty="0" smtClean="0"/>
-              <a:t>LUA</a:t>
-            </a:r>
-            <a:r>
-              <a:rPr lang="zh-CN" altLang="en-US" dirty="0" smtClean="0"/>
-              <a:t>初始化流程里边可以创建两个</a:t>
-            </a:r>
-            <a:r>
-              <a:rPr lang="en-US" altLang="zh-CN" dirty="0" smtClean="0"/>
-              <a:t>C++</a:t>
-            </a:r>
-            <a:r>
-              <a:rPr lang="zh-CN" altLang="en-US" dirty="0" smtClean="0"/>
-              <a:t>类，用</a:t>
-            </a:r>
-            <a:r>
-              <a:rPr lang="en-US" altLang="zh-CN" dirty="0" err="1" smtClean="0"/>
-              <a:t>lua</a:t>
-            </a:r>
-            <a:r>
-              <a:rPr lang="zh-CN" altLang="en-US" dirty="0" smtClean="0"/>
-              <a:t>中定义的属性和方法去交互</a:t>
-            </a:r>
             <a:endParaRPr lang="en-US" altLang="zh-CN" dirty="0" smtClean="0"/>
           </a:p>
         </p:txBody>
@@ -872,6 +785,638 @@
 </file>
 
 <file path=ppt/notesSlides/notesSlide11.xml><?xml version="1.0" encoding="utf-8"?>
+<p:notes xmlns:a="http://schemas.openxmlformats.org/drawingml/2006/main" xmlns:r="http://schemas.openxmlformats.org/officeDocument/2006/relationships" xmlns:p="http://schemas.openxmlformats.org/presentationml/2006/main">
+  <p:cSld>
+    <p:spTree>
+      <p:nvGrpSpPr>
+        <p:cNvPr id="1" name=""/>
+        <p:cNvGrpSpPr/>
+        <p:nvPr/>
+      </p:nvGrpSpPr>
+      <p:grpSpPr>
+        <a:xfrm>
+          <a:off x="0" y="0"/>
+          <a:ext cx="0" cy="0"/>
+          <a:chOff x="0" y="0"/>
+          <a:chExt cx="0" cy="0"/>
+        </a:xfrm>
+      </p:grpSpPr>
+      <p:sp>
+        <p:nvSpPr>
+          <p:cNvPr id="2" name="幻灯片图像占位符 1"/>
+          <p:cNvSpPr>
+            <a:spLocks noGrp="1" noRot="1" noChangeAspect="1"/>
+          </p:cNvSpPr>
+          <p:nvPr>
+            <p:ph type="sldImg"/>
+          </p:nvPr>
+        </p:nvSpPr>
+        <p:spPr/>
+      </p:sp>
+      <p:sp>
+        <p:nvSpPr>
+          <p:cNvPr id="3" name="备注占位符 2"/>
+          <p:cNvSpPr>
+            <a:spLocks noGrp="1"/>
+          </p:cNvSpPr>
+          <p:nvPr>
+            <p:ph type="body" idx="1"/>
+          </p:nvPr>
+        </p:nvSpPr>
+        <p:spPr/>
+        <p:txBody>
+          <a:bodyPr>
+            <a:normAutofit/>
+          </a:bodyPr>
+          <a:lstStyle/>
+          <a:p>
+            <a:endParaRPr lang="en-US" altLang="zh-CN" dirty="0" smtClean="0"/>
+          </a:p>
+        </p:txBody>
+      </p:sp>
+      <p:sp>
+        <p:nvSpPr>
+          <p:cNvPr id="4" name="灯片编号占位符 3"/>
+          <p:cNvSpPr>
+            <a:spLocks noGrp="1"/>
+          </p:cNvSpPr>
+          <p:nvPr>
+            <p:ph type="sldNum" sz="quarter" idx="10"/>
+          </p:nvPr>
+        </p:nvSpPr>
+        <p:spPr/>
+        <p:txBody>
+          <a:bodyPr/>
+          <a:lstStyle/>
+          <a:p>
+            <a:fld id="{287CCF68-D40B-4599-926A-7A0EC2D9742D}" type="slidenum">
+              <a:rPr lang="zh-CN" altLang="en-US" smtClean="0"/>
+              <a:pPr/>
+              <a:t>12</a:t>
+            </a:fld>
+            <a:endParaRPr lang="en-US" altLang="zh-CN"/>
+          </a:p>
+        </p:txBody>
+      </p:sp>
+    </p:spTree>
+  </p:cSld>
+  <p:clrMapOvr>
+    <a:masterClrMapping/>
+  </p:clrMapOvr>
+</p:notes>
+</file>
+
+<file path=ppt/notesSlides/notesSlide12.xml><?xml version="1.0" encoding="utf-8"?>
+<p:notes xmlns:a="http://schemas.openxmlformats.org/drawingml/2006/main" xmlns:r="http://schemas.openxmlformats.org/officeDocument/2006/relationships" xmlns:p="http://schemas.openxmlformats.org/presentationml/2006/main">
+  <p:cSld>
+    <p:spTree>
+      <p:nvGrpSpPr>
+        <p:cNvPr id="1" name=""/>
+        <p:cNvGrpSpPr/>
+        <p:nvPr/>
+      </p:nvGrpSpPr>
+      <p:grpSpPr>
+        <a:xfrm>
+          <a:off x="0" y="0"/>
+          <a:ext cx="0" cy="0"/>
+          <a:chOff x="0" y="0"/>
+          <a:chExt cx="0" cy="0"/>
+        </a:xfrm>
+      </p:grpSpPr>
+      <p:sp>
+        <p:nvSpPr>
+          <p:cNvPr id="2" name="幻灯片图像占位符 1"/>
+          <p:cNvSpPr>
+            <a:spLocks noGrp="1" noRot="1" noChangeAspect="1"/>
+          </p:cNvSpPr>
+          <p:nvPr>
+            <p:ph type="sldImg"/>
+          </p:nvPr>
+        </p:nvSpPr>
+        <p:spPr/>
+      </p:sp>
+      <p:sp>
+        <p:nvSpPr>
+          <p:cNvPr id="3" name="备注占位符 2"/>
+          <p:cNvSpPr>
+            <a:spLocks noGrp="1"/>
+          </p:cNvSpPr>
+          <p:nvPr>
+            <p:ph type="body" idx="1"/>
+          </p:nvPr>
+        </p:nvSpPr>
+        <p:spPr/>
+        <p:txBody>
+          <a:bodyPr>
+            <a:normAutofit/>
+          </a:bodyPr>
+          <a:lstStyle/>
+          <a:p>
+            <a:endParaRPr lang="en-US" altLang="zh-CN" dirty="0" smtClean="0"/>
+          </a:p>
+        </p:txBody>
+      </p:sp>
+      <p:sp>
+        <p:nvSpPr>
+          <p:cNvPr id="4" name="灯片编号占位符 3"/>
+          <p:cNvSpPr>
+            <a:spLocks noGrp="1"/>
+          </p:cNvSpPr>
+          <p:nvPr>
+            <p:ph type="sldNum" sz="quarter" idx="10"/>
+          </p:nvPr>
+        </p:nvSpPr>
+        <p:spPr/>
+        <p:txBody>
+          <a:bodyPr/>
+          <a:lstStyle/>
+          <a:p>
+            <a:fld id="{287CCF68-D40B-4599-926A-7A0EC2D9742D}" type="slidenum">
+              <a:rPr lang="zh-CN" altLang="en-US" smtClean="0"/>
+              <a:pPr/>
+              <a:t>13</a:t>
+            </a:fld>
+            <a:endParaRPr lang="en-US" altLang="zh-CN"/>
+          </a:p>
+        </p:txBody>
+      </p:sp>
+    </p:spTree>
+  </p:cSld>
+  <p:clrMapOvr>
+    <a:masterClrMapping/>
+  </p:clrMapOvr>
+</p:notes>
+</file>
+
+<file path=ppt/notesSlides/notesSlide13.xml><?xml version="1.0" encoding="utf-8"?>
+<p:notes xmlns:a="http://schemas.openxmlformats.org/drawingml/2006/main" xmlns:r="http://schemas.openxmlformats.org/officeDocument/2006/relationships" xmlns:p="http://schemas.openxmlformats.org/presentationml/2006/main">
+  <p:cSld>
+    <p:spTree>
+      <p:nvGrpSpPr>
+        <p:cNvPr id="1" name=""/>
+        <p:cNvGrpSpPr/>
+        <p:nvPr/>
+      </p:nvGrpSpPr>
+      <p:grpSpPr>
+        <a:xfrm>
+          <a:off x="0" y="0"/>
+          <a:ext cx="0" cy="0"/>
+          <a:chOff x="0" y="0"/>
+          <a:chExt cx="0" cy="0"/>
+        </a:xfrm>
+      </p:grpSpPr>
+      <p:sp>
+        <p:nvSpPr>
+          <p:cNvPr id="2" name="幻灯片图像占位符 1"/>
+          <p:cNvSpPr>
+            <a:spLocks noGrp="1" noRot="1" noChangeAspect="1"/>
+          </p:cNvSpPr>
+          <p:nvPr>
+            <p:ph type="sldImg"/>
+          </p:nvPr>
+        </p:nvSpPr>
+        <p:spPr/>
+      </p:sp>
+      <p:sp>
+        <p:nvSpPr>
+          <p:cNvPr id="3" name="备注占位符 2"/>
+          <p:cNvSpPr>
+            <a:spLocks noGrp="1"/>
+          </p:cNvSpPr>
+          <p:nvPr>
+            <p:ph type="body" idx="1"/>
+          </p:nvPr>
+        </p:nvSpPr>
+        <p:spPr/>
+        <p:txBody>
+          <a:bodyPr>
+            <a:normAutofit/>
+          </a:bodyPr>
+          <a:lstStyle/>
+          <a:p>
+            <a:r>
+              <a:rPr lang="zh-CN" altLang="en-US" dirty="0" smtClean="0"/>
+              <a:t>双向箭头含义，</a:t>
+            </a:r>
+            <a:r>
+              <a:rPr lang="en-US" altLang="zh-CN" dirty="0" smtClean="0"/>
+              <a:t>BT</a:t>
+            </a:r>
+            <a:r>
+              <a:rPr lang="zh-CN" altLang="en-US" dirty="0" smtClean="0"/>
+              <a:t>，</a:t>
+            </a:r>
+            <a:r>
+              <a:rPr lang="en-US" altLang="zh-CN" dirty="0" smtClean="0"/>
+              <a:t>FG</a:t>
+            </a:r>
+            <a:r>
+              <a:rPr lang="zh-CN" altLang="en-US" dirty="0" smtClean="0"/>
+              <a:t>会修改</a:t>
+            </a:r>
+            <a:r>
+              <a:rPr lang="en-US" altLang="zh-CN" dirty="0" smtClean="0"/>
+              <a:t>LUA</a:t>
+            </a:r>
+            <a:r>
+              <a:rPr lang="zh-CN" altLang="en-US" dirty="0" smtClean="0"/>
+              <a:t>内属性和状态，</a:t>
+            </a:r>
+            <a:r>
+              <a:rPr lang="en-US" altLang="zh-CN" dirty="0" smtClean="0"/>
+              <a:t>LUA</a:t>
+            </a:r>
+            <a:r>
+              <a:rPr lang="zh-CN" altLang="en-US" dirty="0" smtClean="0"/>
+              <a:t>也会</a:t>
+            </a:r>
+            <a:r>
+              <a:rPr lang="en-US" altLang="zh-CN" dirty="0" err="1" smtClean="0"/>
+              <a:t>executeBT</a:t>
+            </a:r>
+            <a:r>
+              <a:rPr lang="zh-CN" altLang="en-US" dirty="0" smtClean="0"/>
+              <a:t>，</a:t>
+            </a:r>
+            <a:r>
+              <a:rPr lang="en-US" altLang="zh-CN" dirty="0" smtClean="0"/>
+              <a:t>activate</a:t>
+            </a:r>
+            <a:r>
+              <a:rPr lang="en-US" altLang="zh-CN" baseline="0" dirty="0" smtClean="0"/>
+              <a:t> FG</a:t>
+            </a:r>
+            <a:r>
+              <a:rPr lang="zh-CN" altLang="en-US" baseline="0" dirty="0" smtClean="0"/>
+              <a:t>的</a:t>
+            </a:r>
+            <a:r>
+              <a:rPr lang="en-US" altLang="zh-CN" baseline="0" dirty="0" smtClean="0"/>
+              <a:t>output</a:t>
+            </a:r>
+            <a:r>
+              <a:rPr lang="zh-CN" altLang="en-US" baseline="0" dirty="0" smtClean="0"/>
+              <a:t>，本质就是产生</a:t>
+            </a:r>
+            <a:r>
+              <a:rPr lang="en-US" altLang="zh-CN" baseline="0" dirty="0" smtClean="0"/>
+              <a:t>FG</a:t>
+            </a:r>
+            <a:r>
+              <a:rPr lang="zh-CN" altLang="en-US" baseline="0" dirty="0" smtClean="0"/>
+              <a:t>事件</a:t>
+            </a:r>
+            <a:endParaRPr lang="en-US" altLang="zh-CN" baseline="0" dirty="0" smtClean="0"/>
+          </a:p>
+          <a:p>
+            <a:r>
+              <a:rPr lang="en-US" altLang="zh-CN" baseline="0" dirty="0" smtClean="0"/>
+              <a:t>LUA</a:t>
+            </a:r>
+            <a:r>
+              <a:rPr lang="zh-CN" altLang="en-US" baseline="0" dirty="0" smtClean="0"/>
+              <a:t>会创建初始化</a:t>
+            </a:r>
+            <a:r>
+              <a:rPr lang="en-US" altLang="zh-CN" baseline="0" dirty="0" smtClean="0"/>
+              <a:t>C++</a:t>
+            </a:r>
+            <a:r>
+              <a:rPr lang="zh-CN" altLang="en-US" baseline="0" dirty="0" smtClean="0"/>
+              <a:t>各种组件，组件在</a:t>
+            </a:r>
+            <a:r>
+              <a:rPr lang="en-US" altLang="zh-CN" baseline="0" dirty="0" smtClean="0"/>
+              <a:t>CE</a:t>
+            </a:r>
+            <a:r>
+              <a:rPr lang="zh-CN" altLang="en-US" baseline="0" dirty="0" smtClean="0"/>
+              <a:t>引擎内部产生的事件，比如碰撞，进入</a:t>
+            </a:r>
+            <a:r>
+              <a:rPr lang="en-US" altLang="zh-CN" baseline="0" dirty="0" smtClean="0"/>
+              <a:t>trigger</a:t>
+            </a:r>
+            <a:r>
+              <a:rPr lang="zh-CN" altLang="en-US" baseline="0" dirty="0" smtClean="0"/>
+              <a:t>等，调用</a:t>
+            </a:r>
+            <a:r>
+              <a:rPr lang="en-US" altLang="zh-CN" baseline="0" dirty="0" smtClean="0"/>
+              <a:t>LUA</a:t>
+            </a:r>
+            <a:r>
+              <a:rPr lang="zh-CN" altLang="en-US" baseline="0" dirty="0" smtClean="0"/>
+              <a:t>的事件回调</a:t>
+            </a:r>
+            <a:endParaRPr lang="en-US" altLang="zh-CN" baseline="0" dirty="0" smtClean="0"/>
+          </a:p>
+          <a:p>
+            <a:endParaRPr lang="en-US" altLang="zh-CN" baseline="0" dirty="0" smtClean="0"/>
+          </a:p>
+          <a:p>
+            <a:r>
+              <a:rPr lang="zh-CN" altLang="en-US" baseline="0" dirty="0" smtClean="0"/>
+              <a:t>水潭变成毒谭举例，</a:t>
+            </a:r>
+            <a:r>
+              <a:rPr lang="en-US" altLang="zh-CN" baseline="0" dirty="0" smtClean="0"/>
+              <a:t>LUA</a:t>
+            </a:r>
+            <a:r>
+              <a:rPr lang="zh-CN" altLang="en-US" baseline="0" dirty="0" smtClean="0"/>
+              <a:t>集成初始化水面控制器和</a:t>
+            </a:r>
+            <a:r>
+              <a:rPr lang="en-US" altLang="zh-CN" baseline="0" dirty="0" err="1" smtClean="0"/>
+              <a:t>buffarea</a:t>
+            </a:r>
+            <a:r>
+              <a:rPr lang="zh-CN" altLang="en-US" baseline="0" dirty="0" smtClean="0"/>
+              <a:t>，一旦有收到攻击事件从</a:t>
+            </a:r>
+            <a:r>
+              <a:rPr lang="en-US" altLang="zh-CN" baseline="0" dirty="0" err="1" smtClean="0"/>
+              <a:t>buffarea</a:t>
+            </a:r>
+            <a:r>
+              <a:rPr lang="zh-CN" altLang="en-US" baseline="0" dirty="0" smtClean="0"/>
+              <a:t>产生到</a:t>
+            </a:r>
+            <a:r>
+              <a:rPr lang="en-US" altLang="zh-CN" baseline="0" dirty="0" smtClean="0"/>
+              <a:t>LUA</a:t>
+            </a:r>
+            <a:r>
+              <a:rPr lang="zh-CN" altLang="en-US" baseline="0" dirty="0" smtClean="0"/>
+              <a:t>，通过</a:t>
+            </a:r>
+            <a:r>
+              <a:rPr lang="en-US" altLang="zh-CN" baseline="0" dirty="0" smtClean="0"/>
+              <a:t>FG</a:t>
+            </a:r>
+            <a:r>
+              <a:rPr lang="zh-CN" altLang="en-US" baseline="0" dirty="0" smtClean="0"/>
+              <a:t>处理后，设置</a:t>
+            </a:r>
+            <a:r>
+              <a:rPr lang="en-US" altLang="zh-CN" baseline="0" dirty="0" smtClean="0"/>
+              <a:t>LUA</a:t>
+            </a:r>
+            <a:r>
+              <a:rPr lang="zh-CN" altLang="en-US" baseline="0" dirty="0" smtClean="0"/>
+              <a:t>的属性，</a:t>
+            </a:r>
+            <a:endParaRPr lang="en-US" altLang="zh-CN" baseline="0" dirty="0" smtClean="0"/>
+          </a:p>
+          <a:p>
+            <a:r>
+              <a:rPr lang="zh-CN" altLang="en-US" baseline="0" dirty="0" smtClean="0"/>
+              <a:t>关于水面毒属性材质属性以及</a:t>
+            </a:r>
+            <a:r>
+              <a:rPr lang="en-US" altLang="zh-CN" baseline="0" dirty="0" err="1" smtClean="0"/>
+              <a:t>buffID</a:t>
+            </a:r>
+            <a:r>
+              <a:rPr lang="zh-CN" altLang="en-US" baseline="0" dirty="0" smtClean="0"/>
+              <a:t>，水面材质属性改变逻辑在</a:t>
+            </a:r>
+            <a:r>
+              <a:rPr lang="en-US" altLang="zh-CN" baseline="0" dirty="0" smtClean="0"/>
+              <a:t>LUA</a:t>
+            </a:r>
+            <a:r>
+              <a:rPr lang="zh-CN" altLang="en-US" baseline="0" dirty="0" smtClean="0"/>
+              <a:t>内定义，会触发水面材质渐变</a:t>
+            </a:r>
+            <a:endParaRPr lang="en-US" altLang="zh-CN" baseline="0" dirty="0" smtClean="0"/>
+          </a:p>
+        </p:txBody>
+      </p:sp>
+      <p:sp>
+        <p:nvSpPr>
+          <p:cNvPr id="4" name="灯片编号占位符 3"/>
+          <p:cNvSpPr>
+            <a:spLocks noGrp="1"/>
+          </p:cNvSpPr>
+          <p:nvPr>
+            <p:ph type="sldNum" sz="quarter" idx="10"/>
+          </p:nvPr>
+        </p:nvSpPr>
+        <p:spPr/>
+        <p:txBody>
+          <a:bodyPr/>
+          <a:lstStyle/>
+          <a:p>
+            <a:fld id="{287CCF68-D40B-4599-926A-7A0EC2D9742D}" type="slidenum">
+              <a:rPr lang="zh-CN" altLang="en-US" smtClean="0"/>
+              <a:pPr/>
+              <a:t>14</a:t>
+            </a:fld>
+            <a:endParaRPr lang="en-US" altLang="zh-CN"/>
+          </a:p>
+        </p:txBody>
+      </p:sp>
+    </p:spTree>
+  </p:cSld>
+  <p:clrMapOvr>
+    <a:masterClrMapping/>
+  </p:clrMapOvr>
+</p:notes>
+</file>
+
+<file path=ppt/notesSlides/notesSlide14.xml><?xml version="1.0" encoding="utf-8"?>
+<p:notes xmlns:a="http://schemas.openxmlformats.org/drawingml/2006/main" xmlns:r="http://schemas.openxmlformats.org/officeDocument/2006/relationships" xmlns:p="http://schemas.openxmlformats.org/presentationml/2006/main">
+  <p:cSld>
+    <p:spTree>
+      <p:nvGrpSpPr>
+        <p:cNvPr id="1" name=""/>
+        <p:cNvGrpSpPr/>
+        <p:nvPr/>
+      </p:nvGrpSpPr>
+      <p:grpSpPr>
+        <a:xfrm>
+          <a:off x="0" y="0"/>
+          <a:ext cx="0" cy="0"/>
+          <a:chOff x="0" y="0"/>
+          <a:chExt cx="0" cy="0"/>
+        </a:xfrm>
+      </p:grpSpPr>
+      <p:sp>
+        <p:nvSpPr>
+          <p:cNvPr id="2" name="幻灯片图像占位符 1"/>
+          <p:cNvSpPr>
+            <a:spLocks noGrp="1" noRot="1" noChangeAspect="1"/>
+          </p:cNvSpPr>
+          <p:nvPr>
+            <p:ph type="sldImg"/>
+          </p:nvPr>
+        </p:nvSpPr>
+        <p:spPr/>
+      </p:sp>
+      <p:sp>
+        <p:nvSpPr>
+          <p:cNvPr id="3" name="备注占位符 2"/>
+          <p:cNvSpPr>
+            <a:spLocks noGrp="1"/>
+          </p:cNvSpPr>
+          <p:nvPr>
+            <p:ph type="body" idx="1"/>
+          </p:nvPr>
+        </p:nvSpPr>
+        <p:spPr/>
+        <p:txBody>
+          <a:bodyPr>
+            <a:normAutofit/>
+          </a:bodyPr>
+          <a:lstStyle/>
+          <a:p>
+            <a:r>
+              <a:rPr lang="zh-CN" altLang="en-US" baseline="0" dirty="0" smtClean="0"/>
+              <a:t>飞行道具发射器，可以直接触发发射行为</a:t>
+            </a:r>
+            <a:endParaRPr lang="en-US" altLang="zh-CN" baseline="0" dirty="0" smtClean="0"/>
+          </a:p>
+          <a:p>
+            <a:r>
+              <a:rPr lang="zh-CN" altLang="en-US" baseline="0" dirty="0" smtClean="0"/>
+              <a:t>水面渐变行为，因为渐变完之后对物件外观影响，需要通过属性改变处理逻辑或者状态机的进入离开处理函数触发</a:t>
+            </a:r>
+            <a:endParaRPr lang="en-US" altLang="zh-CN" baseline="0" dirty="0" smtClean="0"/>
+          </a:p>
+        </p:txBody>
+      </p:sp>
+      <p:sp>
+        <p:nvSpPr>
+          <p:cNvPr id="4" name="灯片编号占位符 3"/>
+          <p:cNvSpPr>
+            <a:spLocks noGrp="1"/>
+          </p:cNvSpPr>
+          <p:nvPr>
+            <p:ph type="sldNum" sz="quarter" idx="10"/>
+          </p:nvPr>
+        </p:nvSpPr>
+        <p:spPr/>
+        <p:txBody>
+          <a:bodyPr/>
+          <a:lstStyle/>
+          <a:p>
+            <a:fld id="{287CCF68-D40B-4599-926A-7A0EC2D9742D}" type="slidenum">
+              <a:rPr lang="zh-CN" altLang="en-US" smtClean="0"/>
+              <a:pPr/>
+              <a:t>15</a:t>
+            </a:fld>
+            <a:endParaRPr lang="en-US" altLang="zh-CN"/>
+          </a:p>
+        </p:txBody>
+      </p:sp>
+    </p:spTree>
+  </p:cSld>
+  <p:clrMapOvr>
+    <a:masterClrMapping/>
+  </p:clrMapOvr>
+</p:notes>
+</file>
+
+<file path=ppt/notesSlides/notesSlide15.xml><?xml version="1.0" encoding="utf-8"?>
+<p:notes xmlns:a="http://schemas.openxmlformats.org/drawingml/2006/main" xmlns:r="http://schemas.openxmlformats.org/officeDocument/2006/relationships" xmlns:p="http://schemas.openxmlformats.org/presentationml/2006/main">
+  <p:cSld>
+    <p:spTree>
+      <p:nvGrpSpPr>
+        <p:cNvPr id="1" name=""/>
+        <p:cNvGrpSpPr/>
+        <p:nvPr/>
+      </p:nvGrpSpPr>
+      <p:grpSpPr>
+        <a:xfrm>
+          <a:off x="0" y="0"/>
+          <a:ext cx="0" cy="0"/>
+          <a:chOff x="0" y="0"/>
+          <a:chExt cx="0" cy="0"/>
+        </a:xfrm>
+      </p:grpSpPr>
+      <p:sp>
+        <p:nvSpPr>
+          <p:cNvPr id="2" name="幻灯片图像占位符 1"/>
+          <p:cNvSpPr>
+            <a:spLocks noGrp="1" noRot="1" noChangeAspect="1"/>
+          </p:cNvSpPr>
+          <p:nvPr>
+            <p:ph type="sldImg"/>
+          </p:nvPr>
+        </p:nvSpPr>
+        <p:spPr/>
+      </p:sp>
+      <p:sp>
+        <p:nvSpPr>
+          <p:cNvPr id="3" name="备注占位符 2"/>
+          <p:cNvSpPr>
+            <a:spLocks noGrp="1"/>
+          </p:cNvSpPr>
+          <p:nvPr>
+            <p:ph type="body" idx="1"/>
+          </p:nvPr>
+        </p:nvSpPr>
+        <p:spPr/>
+        <p:txBody>
+          <a:bodyPr>
+            <a:normAutofit/>
+          </a:bodyPr>
+          <a:lstStyle/>
+          <a:p>
+            <a:r>
+              <a:rPr lang="en-US" altLang="zh-CN" baseline="0" dirty="0" smtClean="0"/>
+              <a:t>Archetype</a:t>
+            </a:r>
+            <a:r>
+              <a:rPr lang="zh-CN" altLang="en-US" baseline="0" dirty="0" smtClean="0"/>
+              <a:t>的引入</a:t>
+            </a:r>
+            <a:endParaRPr lang="en-US" altLang="zh-CN" baseline="0" dirty="0" smtClean="0"/>
+          </a:p>
+          <a:p>
+            <a:r>
+              <a:rPr lang="zh-CN" altLang="en-US" baseline="0" dirty="0" smtClean="0"/>
+              <a:t>属性默认值问题</a:t>
+            </a:r>
+            <a:endParaRPr lang="en-US" altLang="zh-CN" baseline="0" dirty="0" smtClean="0"/>
+          </a:p>
+        </p:txBody>
+      </p:sp>
+      <p:sp>
+        <p:nvSpPr>
+          <p:cNvPr id="4" name="灯片编号占位符 3"/>
+          <p:cNvSpPr>
+            <a:spLocks noGrp="1"/>
+          </p:cNvSpPr>
+          <p:nvPr>
+            <p:ph type="sldNum" sz="quarter" idx="10"/>
+          </p:nvPr>
+        </p:nvSpPr>
+        <p:spPr/>
+        <p:txBody>
+          <a:bodyPr/>
+          <a:lstStyle/>
+          <a:p>
+            <a:fld id="{287CCF68-D40B-4599-926A-7A0EC2D9742D}" type="slidenum">
+              <a:rPr lang="zh-CN" altLang="en-US" smtClean="0"/>
+              <a:pPr/>
+              <a:t>16</a:t>
+            </a:fld>
+            <a:endParaRPr lang="en-US" altLang="zh-CN"/>
+          </a:p>
+        </p:txBody>
+      </p:sp>
+    </p:spTree>
+  </p:cSld>
+  <p:clrMapOvr>
+    <a:masterClrMapping/>
+  </p:clrMapOvr>
+</p:notes>
+</file>
+
+<file path=ppt/notesSlides/notesSlide16.xml><?xml version="1.0" encoding="utf-8"?>
 <p:notes xmlns:a="http://schemas.openxmlformats.org/drawingml/2006/main" xmlns:r="http://schemas.openxmlformats.org/officeDocument/2006/relationships" xmlns:p="http://schemas.openxmlformats.org/presentationml/2006/main">
   <p:cSld>
     <p:spTree>
@@ -1324,7 +1869,7 @@
             <a:fld id="{998AB4AB-AAD2-4EE6-B955-BB4D761210AC}" type="slidenum">
               <a:rPr lang="zh-CN" altLang="en-US"/>
               <a:pPr/>
-              <a:t>12</a:t>
+              <a:t>17</a:t>
             </a:fld>
             <a:endParaRPr lang="en-US" altLang="zh-CN"/>
           </a:p>
@@ -1338,7 +1883,7 @@
 </p:notes>
 </file>
 
-<file path=ppt/notesSlides/notesSlide12.xml><?xml version="1.0" encoding="utf-8"?>
+<file path=ppt/notesSlides/notesSlide17.xml><?xml version="1.0" encoding="utf-8"?>
 <p:notes xmlns:a="http://schemas.openxmlformats.org/drawingml/2006/main" xmlns:r="http://schemas.openxmlformats.org/officeDocument/2006/relationships" xmlns:p="http://schemas.openxmlformats.org/presentationml/2006/main">
   <p:cSld>
     <p:spTree>
@@ -1519,7 +2064,7 @@
             <a:fld id="{8C3FEFDE-2263-417D-8C97-29737050E476}" type="slidenum">
               <a:rPr lang="zh-CN" altLang="en-US"/>
               <a:pPr/>
-              <a:t>14</a:t>
+              <a:t>19</a:t>
             </a:fld>
             <a:endParaRPr lang="en-US" altLang="zh-CN"/>
           </a:p>
@@ -1533,7 +2078,7 @@
 </p:notes>
 </file>
 
-<file path=ppt/notesSlides/notesSlide13.xml><?xml version="1.0" encoding="utf-8"?>
+<file path=ppt/notesSlides/notesSlide18.xml><?xml version="1.0" encoding="utf-8"?>
 <p:notes xmlns:a="http://schemas.openxmlformats.org/drawingml/2006/main" xmlns:r="http://schemas.openxmlformats.org/officeDocument/2006/relationships" xmlns:p="http://schemas.openxmlformats.org/presentationml/2006/main">
   <p:cSld>
     <p:spTree>
@@ -1581,80 +2126,80 @@
           <a:lstStyle/>
           <a:p>
             <a:r>
-              <a:rPr lang="en-US" altLang="zh-CN" smtClean="0">
+              <a:rPr lang="en-US" altLang="zh-CN" dirty="0" err="1" smtClean="0">
                 <a:latin typeface="Arial" charset="0"/>
                 <a:ea typeface="宋体" charset="-122"/>
               </a:rPr>
               <a:t>Havok</a:t>
             </a:r>
             <a:r>
-              <a:rPr lang="zh-CN" altLang="en-US" smtClean="0">
+              <a:rPr lang="zh-CN" altLang="en-US" dirty="0" smtClean="0">
                 <a:latin typeface="Arial" charset="0"/>
                 <a:ea typeface="宋体" charset="-122"/>
               </a:rPr>
               <a:t>提供的移动模型</a:t>
             </a:r>
-            <a:endParaRPr lang="en-US" altLang="zh-CN" smtClean="0">
+            <a:endParaRPr lang="en-US" altLang="zh-CN" dirty="0" smtClean="0">
               <a:latin typeface="Arial" charset="0"/>
               <a:ea typeface="宋体" charset="-122"/>
             </a:endParaRPr>
           </a:p>
           <a:p>
             <a:r>
-              <a:rPr lang="zh-CN" altLang="en-US" smtClean="0">
+              <a:rPr lang="zh-CN" altLang="en-US" dirty="0" smtClean="0">
                 <a:latin typeface="Arial" charset="0"/>
                 <a:ea typeface="宋体" charset="-122"/>
               </a:rPr>
               <a:t>曲线模型：</a:t>
             </a:r>
-            <a:endParaRPr lang="en-US" altLang="zh-CN" smtClean="0">
+            <a:endParaRPr lang="en-US" altLang="zh-CN" dirty="0" smtClean="0">
               <a:latin typeface="Arial" charset="0"/>
               <a:ea typeface="宋体" charset="-122"/>
             </a:endParaRPr>
           </a:p>
           <a:p>
             <a:r>
-              <a:rPr lang="en-US" altLang="zh-CN" smtClean="0">
+              <a:rPr lang="en-US" altLang="zh-CN" dirty="0" smtClean="0">
                 <a:latin typeface="Arial" charset="0"/>
                 <a:ea typeface="宋体" charset="-122"/>
               </a:rPr>
               <a:t>	</a:t>
             </a:r>
             <a:r>
-              <a:rPr lang="zh-CN" altLang="en-US" smtClean="0">
+              <a:rPr lang="zh-CN" altLang="en-US" dirty="0" smtClean="0">
                 <a:latin typeface="Arial" charset="0"/>
                 <a:ea typeface="宋体" charset="-122"/>
               </a:rPr>
               <a:t>用于马的移动，马的转弯需要该模型</a:t>
             </a:r>
-            <a:endParaRPr lang="en-US" altLang="zh-CN" smtClean="0">
+            <a:endParaRPr lang="en-US" altLang="zh-CN" dirty="0" smtClean="0">
               <a:latin typeface="Arial" charset="0"/>
               <a:ea typeface="宋体" charset="-122"/>
             </a:endParaRPr>
           </a:p>
           <a:p>
             <a:r>
-              <a:rPr lang="zh-CN" altLang="en-US" smtClean="0">
+              <a:rPr lang="zh-CN" altLang="en-US" dirty="0" smtClean="0">
                 <a:latin typeface="Arial" charset="0"/>
                 <a:ea typeface="宋体" charset="-122"/>
               </a:rPr>
               <a:t>整体方案：</a:t>
             </a:r>
-            <a:endParaRPr lang="en-US" altLang="zh-CN" smtClean="0">
+            <a:endParaRPr lang="en-US" altLang="zh-CN" dirty="0" smtClean="0">
               <a:latin typeface="Arial" charset="0"/>
               <a:ea typeface="宋体" charset="-122"/>
             </a:endParaRPr>
           </a:p>
           <a:p>
             <a:r>
-              <a:rPr lang="en-US" altLang="zh-CN" smtClean="0">
+              <a:rPr lang="en-US" altLang="zh-CN" dirty="0" smtClean="0">
                 <a:latin typeface="Arial" charset="0"/>
                 <a:ea typeface="宋体" charset="-122"/>
               </a:rPr>
               <a:t>	</a:t>
             </a:r>
             <a:r>
-              <a:rPr lang="zh-CN" altLang="en-US" smtClean="0">
+              <a:rPr lang="zh-CN" altLang="en-US" dirty="0" smtClean="0">
                 <a:latin typeface="Arial" charset="0"/>
                 <a:ea typeface="宋体" charset="-122"/>
               </a:rPr>
@@ -1683,7 +2228,7 @@
             <a:fld id="{1B4A423A-AC70-438E-9986-6DE11AC5C74F}" type="slidenum">
               <a:rPr lang="zh-CN" altLang="en-US"/>
               <a:pPr/>
-              <a:t>15</a:t>
+              <a:t>20</a:t>
             </a:fld>
             <a:endParaRPr lang="en-US" altLang="zh-CN"/>
           </a:p>
@@ -1946,7 +2491,26 @@
             </a:r>
             <a:r>
               <a:rPr lang="zh-CN" altLang="en-US" dirty="0" smtClean="0"/>
-              <a:t>初始化物理，渲染等</a:t>
+              <a:t>初始化物理，渲染</a:t>
+            </a:r>
+            <a:r>
+              <a:rPr lang="zh-CN" altLang="en-US" dirty="0" smtClean="0"/>
+              <a:t>等</a:t>
+            </a:r>
+            <a:endParaRPr lang="en-US" altLang="zh-CN" dirty="0" smtClean="0"/>
+          </a:p>
+          <a:p>
+            <a:r>
+              <a:rPr lang="zh-CN" altLang="en-US" dirty="0" smtClean="0"/>
+              <a:t>对应创建的类也会提供</a:t>
+            </a:r>
+            <a:r>
+              <a:rPr lang="en-US" altLang="zh-CN" dirty="0" err="1" smtClean="0"/>
+              <a:t>lua</a:t>
+            </a:r>
+            <a:r>
+              <a:rPr lang="zh-CN" altLang="en-US" dirty="0" smtClean="0"/>
+              <a:t>回调初始化对象</a:t>
             </a:r>
             <a:endParaRPr lang="en-US" altLang="zh-CN" dirty="0" smtClean="0"/>
           </a:p>
@@ -2414,39 +2978,7 @@
           <a:p>
             <a:r>
               <a:rPr lang="zh-CN" altLang="en-US" dirty="0" smtClean="0"/>
-              <a:t>简介</a:t>
-            </a:r>
-            <a:r>
-              <a:rPr lang="en-US" altLang="zh-CN" dirty="0" smtClean="0"/>
-              <a:t>CE</a:t>
-            </a:r>
-            <a:r>
-              <a:rPr lang="zh-CN" altLang="en-US" dirty="0" smtClean="0"/>
-              <a:t>的</a:t>
-            </a:r>
-            <a:r>
-              <a:rPr lang="en-US" altLang="zh-CN" dirty="0" smtClean="0"/>
-              <a:t>entity</a:t>
-            </a:r>
-            <a:r>
-              <a:rPr lang="zh-CN" altLang="en-US" dirty="0" smtClean="0"/>
-              <a:t>系统，</a:t>
-            </a:r>
-            <a:r>
-              <a:rPr lang="en-US" altLang="zh-CN" dirty="0" err="1" smtClean="0"/>
-              <a:t>lua</a:t>
-            </a:r>
-            <a:r>
-              <a:rPr lang="zh-CN" altLang="en-US" dirty="0" smtClean="0"/>
-              <a:t>主导，</a:t>
-            </a:r>
-            <a:r>
-              <a:rPr lang="en-US" altLang="zh-CN" dirty="0" smtClean="0"/>
-              <a:t>extension</a:t>
-            </a:r>
-            <a:r>
-              <a:rPr lang="zh-CN" altLang="en-US" dirty="0" smtClean="0"/>
-              <a:t>扩展方式约束</a:t>
+              <a:t>两个球都消失了</a:t>
             </a:r>
             <a:endParaRPr lang="zh-CN" altLang="en-US" dirty="0"/>
           </a:p>
@@ -5414,7 +5946,6 @@
               <a:rPr lang="zh-CN" altLang="en-US" dirty="0" smtClean="0"/>
               <a:t>灵活功能强大的场景物件系统</a:t>
             </a:r>
-            <a:endParaRPr lang="zh-CN" altLang="en-US" dirty="0" smtClean="0"/>
           </a:p>
         </p:txBody>
       </p:sp>
@@ -5473,9 +6004,33 @@
             <a:pPr eaLnBrk="1" hangingPunct="1"/>
             <a:r>
               <a:rPr lang="zh-CN" altLang="en-US" dirty="0" smtClean="0"/>
-              <a:t>物件系统多样化和组合冗余解决：</a:t>
-            </a:r>
-            <a:endParaRPr lang="en-US" altLang="zh-CN" smtClean="0"/>
+              <a:t>物件系统多样化和组合冗余解决</a:t>
+            </a:r>
+            <a:r>
+              <a:rPr lang="zh-CN" altLang="en-US" dirty="0" smtClean="0"/>
+              <a:t>：</a:t>
+            </a:r>
+            <a:endParaRPr lang="en-US" altLang="zh-CN" dirty="0" smtClean="0"/>
+          </a:p>
+          <a:p>
+            <a:pPr eaLnBrk="1" hangingPunct="1"/>
+            <a:r>
+              <a:rPr lang="zh-CN" altLang="en-US" dirty="0" smtClean="0"/>
+              <a:t>充分利用</a:t>
+            </a:r>
+            <a:r>
+              <a:rPr lang="en-US" altLang="zh-CN" dirty="0" smtClean="0"/>
+              <a:t>LUA</a:t>
+            </a:r>
+            <a:r>
+              <a:rPr lang="zh-CN" altLang="en-US" dirty="0" smtClean="0"/>
+              <a:t>的动态语言特性</a:t>
+            </a:r>
+            <a:endParaRPr lang="en-US" altLang="zh-CN" dirty="0" smtClean="0"/>
+          </a:p>
+          <a:p>
+            <a:pPr eaLnBrk="1" hangingPunct="1"/>
+            <a:endParaRPr lang="en-US" altLang="zh-CN" dirty="0" smtClean="0"/>
           </a:p>
           <a:p>
             <a:pPr eaLnBrk="1" hangingPunct="1"/>
@@ -5516,7 +6071,401 @@
               <a:rPr lang="zh-CN" altLang="en-US" dirty="0" smtClean="0"/>
               <a:t>灵活功能强大的场景物件系统</a:t>
             </a:r>
-            <a:endParaRPr lang="zh-CN" altLang="en-US" dirty="0" smtClean="0"/>
+          </a:p>
+        </p:txBody>
+      </p:sp>
+      <p:pic>
+        <p:nvPicPr>
+          <p:cNvPr id="1027" name="Picture 3"/>
+          <p:cNvPicPr>
+            <a:picLocks noChangeAspect="1" noChangeArrowheads="1"/>
+          </p:cNvPicPr>
+          <p:nvPr/>
+        </p:nvPicPr>
+        <p:blipFill>
+          <a:blip r:embed="rId3"/>
+          <a:srcRect/>
+          <a:stretch>
+            <a:fillRect/>
+          </a:stretch>
+        </p:blipFill>
+        <p:spPr bwMode="auto">
+          <a:xfrm>
+            <a:off x="1219200" y="2438400"/>
+            <a:ext cx="6846938" cy="2947987"/>
+          </a:xfrm>
+          <a:prstGeom prst="rect">
+            <a:avLst/>
+          </a:prstGeom>
+          <a:noFill/>
+          <a:ln w="9525">
+            <a:noFill/>
+            <a:miter lim="800000"/>
+            <a:headEnd/>
+            <a:tailEnd/>
+          </a:ln>
+          <a:effectLst/>
+        </p:spPr>
+      </p:pic>
+    </p:spTree>
+  </p:cSld>
+  <p:clrMapOvr>
+    <a:masterClrMapping/>
+  </p:clrMapOvr>
+  <p:timing>
+    <p:tnLst>
+      <p:par>
+        <p:cTn id="1" dur="indefinite" restart="never" nodeType="tmRoot"/>
+      </p:par>
+    </p:tnLst>
+  </p:timing>
+</p:sld>
+</file>
+
+<file path=ppt/slides/slide12.xml><?xml version="1.0" encoding="utf-8"?>
+<p:sld xmlns:a="http://schemas.openxmlformats.org/drawingml/2006/main" xmlns:r="http://schemas.openxmlformats.org/officeDocument/2006/relationships" xmlns:p="http://schemas.openxmlformats.org/presentationml/2006/main">
+  <p:cSld>
+    <p:spTree>
+      <p:nvGrpSpPr>
+        <p:cNvPr id="1" name=""/>
+        <p:cNvGrpSpPr/>
+        <p:nvPr/>
+      </p:nvGrpSpPr>
+      <p:grpSpPr>
+        <a:xfrm>
+          <a:off x="0" y="0"/>
+          <a:ext cx="0" cy="0"/>
+          <a:chOff x="0" y="0"/>
+          <a:chExt cx="0" cy="0"/>
+        </a:xfrm>
+      </p:grpSpPr>
+      <p:sp>
+        <p:nvSpPr>
+          <p:cNvPr id="10243" name="Rectangle 3"/>
+          <p:cNvSpPr>
+            <a:spLocks noGrp="1" noChangeArrowheads="1"/>
+          </p:cNvSpPr>
+          <p:nvPr>
+            <p:ph type="body" idx="1"/>
+          </p:nvPr>
+        </p:nvSpPr>
+        <p:spPr>
+          <a:xfrm>
+            <a:off x="685800" y="1219200"/>
+            <a:ext cx="8229600" cy="4648200"/>
+          </a:xfrm>
+        </p:spPr>
+        <p:txBody>
+          <a:bodyPr/>
+          <a:lstStyle/>
+          <a:p>
+            <a:pPr eaLnBrk="1" hangingPunct="1"/>
+            <a:r>
+              <a:rPr lang="zh-CN" altLang="en-US" dirty="0" smtClean="0"/>
+              <a:t>物件系统多样化和组合：</a:t>
+            </a:r>
+            <a:endParaRPr lang="en-US" altLang="zh-CN" b="0" dirty="0" smtClean="0">
+              <a:latin typeface="宋体" charset="-122"/>
+            </a:endParaRPr>
+          </a:p>
+          <a:p>
+            <a:pPr lvl="1" eaLnBrk="1" hangingPunct="1"/>
+            <a:r>
+              <a:rPr lang="zh-CN" altLang="en-US" b="0" dirty="0" smtClean="0">
+                <a:latin typeface="宋体" charset="-122"/>
+              </a:rPr>
+              <a:t>利用</a:t>
+            </a:r>
+            <a:r>
+              <a:rPr lang="en-US" altLang="zh-CN" b="0" dirty="0" err="1" smtClean="0">
+                <a:latin typeface="宋体" charset="-122"/>
+              </a:rPr>
+              <a:t>dofile</a:t>
+            </a:r>
+            <a:r>
+              <a:rPr lang="zh-CN" altLang="en-US" b="0" dirty="0" smtClean="0">
+                <a:latin typeface="宋体" charset="-122"/>
+              </a:rPr>
+              <a:t>会执行全局函数的功能，预先定义各种全局函数</a:t>
+            </a:r>
+            <a:endParaRPr lang="en-US" altLang="zh-CN" b="0" dirty="0" smtClean="0">
+              <a:latin typeface="宋体" charset="-122"/>
+            </a:endParaRPr>
+          </a:p>
+          <a:p>
+            <a:pPr lvl="1" eaLnBrk="1" hangingPunct="1"/>
+            <a:r>
+              <a:rPr lang="en-US" altLang="zh-CN" b="0" dirty="0" smtClean="0">
+                <a:latin typeface="宋体" charset="-122"/>
+              </a:rPr>
+              <a:t>f</a:t>
+            </a:r>
+            <a:r>
+              <a:rPr lang="en-US" altLang="zh-CN" b="0" dirty="0" smtClean="0">
+                <a:latin typeface="宋体" charset="-122"/>
+              </a:rPr>
+              <a:t>unction </a:t>
+            </a:r>
+            <a:r>
+              <a:rPr lang="en-US" altLang="zh-CN" b="0" dirty="0" err="1" smtClean="0">
+                <a:latin typeface="宋体" charset="-122"/>
+              </a:rPr>
+              <a:t>makeBuffModule</a:t>
+            </a:r>
+            <a:r>
+              <a:rPr lang="en-US" altLang="zh-CN" b="0" dirty="0" smtClean="0">
+                <a:latin typeface="宋体" charset="-122"/>
+              </a:rPr>
+              <a:t>(table)</a:t>
+            </a:r>
+          </a:p>
+          <a:p>
+            <a:pPr lvl="2" eaLnBrk="1" hangingPunct="1">
+              <a:buNone/>
+            </a:pPr>
+            <a:r>
+              <a:rPr lang="en-US" altLang="zh-CN" b="0" dirty="0" smtClean="0">
+                <a:latin typeface="宋体" charset="-122"/>
+              </a:rPr>
+              <a:t>	</a:t>
+            </a:r>
+            <a:r>
+              <a:rPr lang="en-US" altLang="zh-CN" b="0" dirty="0" err="1" smtClean="0">
+                <a:latin typeface="宋体" charset="-122"/>
+              </a:rPr>
+              <a:t>table.Properties.buffInfo</a:t>
+            </a:r>
+            <a:r>
+              <a:rPr lang="en-US" altLang="zh-CN" b="0" dirty="0" smtClean="0">
+                <a:latin typeface="宋体" charset="-122"/>
+              </a:rPr>
+              <a:t> </a:t>
+            </a:r>
+            <a:r>
+              <a:rPr lang="en-US" altLang="zh-CN" b="0" dirty="0" smtClean="0">
+                <a:latin typeface="宋体" charset="-122"/>
+              </a:rPr>
+              <a:t>= {…}</a:t>
+            </a:r>
+          </a:p>
+          <a:p>
+            <a:pPr lvl="2" eaLnBrk="1" hangingPunct="1">
+              <a:buNone/>
+            </a:pPr>
+            <a:r>
+              <a:rPr lang="en-US" altLang="zh-CN" b="0" dirty="0" smtClean="0">
+                <a:latin typeface="宋体" charset="-122"/>
+              </a:rPr>
+              <a:t>	</a:t>
+            </a:r>
+            <a:r>
+              <a:rPr lang="en-US" altLang="zh-CN" b="0" dirty="0" smtClean="0">
+                <a:latin typeface="宋体" charset="-122"/>
+              </a:rPr>
+              <a:t> function </a:t>
+            </a:r>
+            <a:r>
+              <a:rPr lang="en-US" altLang="zh-CN" b="0" dirty="0" err="1" smtClean="0">
+                <a:latin typeface="宋体" charset="-122"/>
+              </a:rPr>
+              <a:t>table:AddBuff</a:t>
+            </a:r>
+            <a:r>
+              <a:rPr lang="en-US" altLang="zh-CN" b="0" dirty="0" smtClean="0">
+                <a:latin typeface="宋体" charset="-122"/>
+              </a:rPr>
+              <a:t>()</a:t>
+            </a:r>
+          </a:p>
+          <a:p>
+            <a:pPr lvl="2" eaLnBrk="1" hangingPunct="1">
+              <a:buNone/>
+            </a:pPr>
+            <a:r>
+              <a:rPr lang="en-US" altLang="zh-CN" b="0" dirty="0" smtClean="0">
+                <a:latin typeface="宋体" charset="-122"/>
+              </a:rPr>
+              <a:t>	</a:t>
+            </a:r>
+            <a:r>
+              <a:rPr lang="en-US" altLang="zh-CN" b="0" dirty="0" smtClean="0">
+                <a:latin typeface="宋体" charset="-122"/>
+              </a:rPr>
+              <a:t>	 add(</a:t>
+            </a:r>
+            <a:r>
+              <a:rPr lang="en-US" altLang="zh-CN" b="0" dirty="0" err="1" smtClean="0">
+                <a:latin typeface="宋体" charset="-122"/>
+              </a:rPr>
+              <a:t>self,buffstring</a:t>
+            </a:r>
+            <a:r>
+              <a:rPr lang="en-US" altLang="zh-CN" b="0" dirty="0" smtClean="0">
+                <a:latin typeface="宋体" charset="-122"/>
+              </a:rPr>
+              <a:t>)</a:t>
+            </a:r>
+          </a:p>
+          <a:p>
+            <a:pPr lvl="2" eaLnBrk="1" hangingPunct="1">
+              <a:buNone/>
+            </a:pPr>
+            <a:r>
+              <a:rPr lang="en-US" altLang="zh-CN" b="0" dirty="0" smtClean="0">
+                <a:latin typeface="宋体" charset="-122"/>
+              </a:rPr>
+              <a:t>	</a:t>
+            </a:r>
+            <a:r>
+              <a:rPr lang="en-US" altLang="zh-CN" b="0" dirty="0" smtClean="0">
+                <a:latin typeface="宋体" charset="-122"/>
+              </a:rPr>
+              <a:t>	 …</a:t>
+            </a:r>
+          </a:p>
+          <a:p>
+            <a:pPr lvl="2" eaLnBrk="1" hangingPunct="1">
+              <a:buNone/>
+            </a:pPr>
+            <a:r>
+              <a:rPr lang="en-US" altLang="zh-CN" b="0" dirty="0" smtClean="0">
+                <a:latin typeface="宋体" charset="-122"/>
+              </a:rPr>
+              <a:t>	</a:t>
+            </a:r>
+            <a:r>
+              <a:rPr lang="en-US" altLang="zh-CN" b="0" dirty="0" smtClean="0">
+                <a:latin typeface="宋体" charset="-122"/>
+              </a:rPr>
+              <a:t> end</a:t>
+            </a:r>
+            <a:endParaRPr lang="en-US" altLang="zh-CN" b="0" dirty="0" smtClean="0">
+              <a:latin typeface="宋体" charset="-122"/>
+            </a:endParaRPr>
+          </a:p>
+          <a:p>
+            <a:pPr lvl="1" eaLnBrk="1" hangingPunct="1">
+              <a:buNone/>
+            </a:pPr>
+            <a:r>
+              <a:rPr lang="en-US" altLang="zh-CN" b="0" dirty="0" smtClean="0">
+                <a:latin typeface="宋体" charset="-122"/>
+              </a:rPr>
+              <a:t>	end;</a:t>
+            </a:r>
+          </a:p>
+          <a:p>
+            <a:pPr lvl="1" eaLnBrk="1" hangingPunct="1"/>
+            <a:r>
+              <a:rPr lang="en-US" altLang="zh-CN" b="0" dirty="0" err="1" smtClean="0">
+                <a:latin typeface="宋体" charset="-122"/>
+              </a:rPr>
+              <a:t>makeBuffModule</a:t>
+            </a:r>
+            <a:r>
+              <a:rPr lang="en-US" altLang="zh-CN" b="0" dirty="0" smtClean="0">
+                <a:latin typeface="宋体" charset="-122"/>
+              </a:rPr>
+              <a:t>(A);</a:t>
+            </a:r>
+          </a:p>
+          <a:p>
+            <a:pPr lvl="1" eaLnBrk="1" hangingPunct="1">
+              <a:buNone/>
+            </a:pPr>
+            <a:r>
+              <a:rPr lang="en-US" altLang="zh-CN" b="0" dirty="0" smtClean="0">
+                <a:latin typeface="宋体" charset="-122"/>
+              </a:rPr>
+              <a:t>	A.lua</a:t>
+            </a:r>
+            <a:r>
+              <a:rPr lang="zh-CN" altLang="en-US" b="0" dirty="0" smtClean="0">
+                <a:latin typeface="宋体" charset="-122"/>
+              </a:rPr>
+              <a:t>中调用，</a:t>
+            </a:r>
+            <a:r>
+              <a:rPr lang="en-US" altLang="zh-CN" b="0" dirty="0" smtClean="0">
+                <a:latin typeface="宋体" charset="-122"/>
+              </a:rPr>
+              <a:t>A</a:t>
+            </a:r>
+            <a:r>
+              <a:rPr lang="zh-CN" altLang="en-US" b="0" dirty="0" smtClean="0">
+                <a:latin typeface="宋体" charset="-122"/>
+              </a:rPr>
+              <a:t>就有了</a:t>
+            </a:r>
+            <a:r>
+              <a:rPr lang="en-US" altLang="zh-CN" b="0" dirty="0" smtClean="0">
+                <a:latin typeface="宋体" charset="-122"/>
+              </a:rPr>
+              <a:t>buff</a:t>
+            </a:r>
+            <a:r>
+              <a:rPr lang="zh-CN" altLang="en-US" b="0" dirty="0" smtClean="0">
+                <a:latin typeface="宋体" charset="-122"/>
+              </a:rPr>
+              <a:t>模块的属性和功能等</a:t>
+            </a:r>
+            <a:endParaRPr lang="en-US" altLang="zh-CN" b="0" dirty="0" smtClean="0">
+              <a:latin typeface="宋体" charset="-122"/>
+            </a:endParaRPr>
+          </a:p>
+          <a:p>
+            <a:pPr lvl="1" eaLnBrk="1" hangingPunct="1">
+              <a:buNone/>
+            </a:pPr>
+            <a:r>
+              <a:rPr lang="en-US" altLang="zh-CN" b="0" dirty="0" smtClean="0">
+                <a:latin typeface="宋体" charset="-122"/>
+              </a:rPr>
+              <a:t>	</a:t>
+            </a:r>
+            <a:r>
+              <a:rPr lang="zh-CN" altLang="en-US" b="0" dirty="0" smtClean="0">
+                <a:latin typeface="宋体" charset="-122"/>
+              </a:rPr>
+              <a:t>调用完毕根据需要重载</a:t>
+            </a:r>
+            <a:endParaRPr lang="en-US" altLang="zh-CN" b="0" dirty="0" smtClean="0">
+              <a:latin typeface="宋体" charset="-122"/>
+            </a:endParaRPr>
+          </a:p>
+          <a:p>
+            <a:pPr lvl="1" eaLnBrk="1" hangingPunct="1"/>
+            <a:endParaRPr lang="en-US" altLang="zh-CN" b="0" dirty="0" smtClean="0">
+              <a:latin typeface="宋体" charset="-122"/>
+            </a:endParaRPr>
+          </a:p>
+          <a:p>
+            <a:endParaRPr lang="en-US" altLang="zh-CN" sz="1600" b="0" dirty="0" smtClean="0">
+              <a:latin typeface="宋体" charset="-122"/>
+            </a:endParaRPr>
+          </a:p>
+        </p:txBody>
+      </p:sp>
+      <p:sp>
+        <p:nvSpPr>
+          <p:cNvPr id="91" name="Rectangle 2"/>
+          <p:cNvSpPr>
+            <a:spLocks noGrp="1" noChangeArrowheads="1"/>
+          </p:cNvSpPr>
+          <p:nvPr>
+            <p:ph type="title"/>
+          </p:nvPr>
+        </p:nvSpPr>
+        <p:spPr/>
+        <p:txBody>
+          <a:bodyPr/>
+          <a:lstStyle/>
+          <a:p>
+            <a:pPr eaLnBrk="1" hangingPunct="1"/>
+            <a:r>
+              <a:rPr lang="zh-CN" altLang="en-US" dirty="0" smtClean="0"/>
+              <a:t>灵活功能强大的场景物件系统</a:t>
+            </a:r>
           </a:p>
         </p:txBody>
       </p:sp>
@@ -5535,7 +6484,775 @@
 </p:sld>
 </file>
 
-<file path=ppt/slides/slide12.xml><?xml version="1.0" encoding="utf-8"?>
+<file path=ppt/slides/slide13.xml><?xml version="1.0" encoding="utf-8"?>
+<p:sld xmlns:a="http://schemas.openxmlformats.org/drawingml/2006/main" xmlns:r="http://schemas.openxmlformats.org/officeDocument/2006/relationships" xmlns:p="http://schemas.openxmlformats.org/presentationml/2006/main">
+  <p:cSld>
+    <p:spTree>
+      <p:nvGrpSpPr>
+        <p:cNvPr id="1" name=""/>
+        <p:cNvGrpSpPr/>
+        <p:nvPr/>
+      </p:nvGrpSpPr>
+      <p:grpSpPr>
+        <a:xfrm>
+          <a:off x="0" y="0"/>
+          <a:ext cx="0" cy="0"/>
+          <a:chOff x="0" y="0"/>
+          <a:chExt cx="0" cy="0"/>
+        </a:xfrm>
+      </p:grpSpPr>
+      <p:sp>
+        <p:nvSpPr>
+          <p:cNvPr id="10243" name="Rectangle 3"/>
+          <p:cNvSpPr>
+            <a:spLocks noGrp="1" noChangeArrowheads="1"/>
+          </p:cNvSpPr>
+          <p:nvPr>
+            <p:ph type="body" idx="1"/>
+          </p:nvPr>
+        </p:nvSpPr>
+        <p:spPr>
+          <a:xfrm>
+            <a:off x="685800" y="1219200"/>
+            <a:ext cx="8229600" cy="4419600"/>
+          </a:xfrm>
+        </p:spPr>
+        <p:txBody>
+          <a:bodyPr/>
+          <a:lstStyle/>
+          <a:p>
+            <a:pPr eaLnBrk="1" hangingPunct="1"/>
+            <a:r>
+              <a:rPr lang="zh-CN" altLang="en-US" dirty="0" smtClean="0">
+                <a:latin typeface="宋体" charset="-122"/>
+              </a:rPr>
+              <a:t>动态物件的开发流程优化</a:t>
+            </a:r>
+            <a:endParaRPr lang="en-US" altLang="zh-CN" dirty="0" smtClean="0">
+              <a:latin typeface="宋体" charset="-122"/>
+            </a:endParaRPr>
+          </a:p>
+          <a:p>
+            <a:pPr lvl="1" eaLnBrk="1" hangingPunct="1"/>
+            <a:r>
+              <a:rPr lang="zh-CN" altLang="en-US" b="0" dirty="0" smtClean="0">
+                <a:latin typeface="宋体" charset="-122"/>
+              </a:rPr>
+              <a:t>动态物件引入了怪物</a:t>
+            </a:r>
+            <a:r>
+              <a:rPr lang="en-US" altLang="zh-CN" b="0" dirty="0" smtClean="0">
+                <a:latin typeface="宋体" charset="-122"/>
+              </a:rPr>
+              <a:t>AI</a:t>
+            </a:r>
+            <a:r>
+              <a:rPr lang="zh-CN" altLang="en-US" b="0" dirty="0" smtClean="0">
+                <a:latin typeface="宋体" charset="-122"/>
+              </a:rPr>
+              <a:t>中使用的</a:t>
+            </a:r>
+            <a:r>
+              <a:rPr lang="en-US" altLang="zh-CN" b="0" dirty="0" err="1" smtClean="0">
+                <a:latin typeface="宋体" charset="-122"/>
+              </a:rPr>
+              <a:t>behaviour</a:t>
+            </a:r>
+            <a:r>
+              <a:rPr lang="en-US" altLang="zh-CN" b="0" dirty="0" smtClean="0">
+                <a:latin typeface="宋体" charset="-122"/>
+              </a:rPr>
+              <a:t> tree</a:t>
+            </a:r>
+            <a:r>
+              <a:rPr lang="zh-CN" altLang="en-US" b="0" dirty="0" smtClean="0">
+                <a:latin typeface="宋体" charset="-122"/>
+              </a:rPr>
+              <a:t>系统，</a:t>
+            </a:r>
+            <a:r>
+              <a:rPr lang="en-US" altLang="zh-CN" b="0" dirty="0" err="1" smtClean="0">
+                <a:latin typeface="宋体" charset="-122"/>
+              </a:rPr>
+              <a:t>behaviour</a:t>
+            </a:r>
+            <a:r>
+              <a:rPr lang="en-US" altLang="zh-CN" b="0" dirty="0" smtClean="0">
+                <a:latin typeface="宋体" charset="-122"/>
+              </a:rPr>
+              <a:t> tree</a:t>
+            </a:r>
+            <a:r>
+              <a:rPr lang="zh-CN" altLang="en-US" b="0" dirty="0" smtClean="0">
+                <a:latin typeface="宋体" charset="-122"/>
+              </a:rPr>
+              <a:t>系统被扩展为组件供</a:t>
+            </a:r>
+            <a:r>
+              <a:rPr lang="en-US" altLang="zh-CN" b="0" dirty="0" smtClean="0">
+                <a:latin typeface="宋体" charset="-122"/>
+              </a:rPr>
+              <a:t>entity</a:t>
+            </a:r>
+            <a:r>
+              <a:rPr lang="zh-CN" altLang="en-US" b="0" dirty="0" smtClean="0">
+                <a:latin typeface="宋体" charset="-122"/>
+              </a:rPr>
+              <a:t>使用</a:t>
+            </a:r>
+            <a:endParaRPr lang="en-US" altLang="zh-CN" b="0" dirty="0" smtClean="0">
+              <a:latin typeface="宋体" charset="-122"/>
+            </a:endParaRPr>
+          </a:p>
+          <a:p>
+            <a:pPr lvl="1" eaLnBrk="1" hangingPunct="1"/>
+            <a:r>
+              <a:rPr lang="zh-CN" altLang="en-US" b="0" dirty="0" smtClean="0">
+                <a:latin typeface="宋体" charset="-122"/>
+              </a:rPr>
+              <a:t>由于每个组件很好的内聚性，</a:t>
+            </a:r>
+            <a:r>
+              <a:rPr lang="en-US" altLang="zh-CN" b="0" dirty="0" smtClean="0">
+                <a:latin typeface="宋体" charset="-122"/>
+              </a:rPr>
+              <a:t>entity</a:t>
+            </a:r>
+            <a:r>
+              <a:rPr lang="zh-CN" altLang="en-US" b="0" dirty="0" smtClean="0">
+                <a:latin typeface="宋体" charset="-122"/>
+              </a:rPr>
+              <a:t>实质的功能都在是组件内部，对于逻辑层来说，</a:t>
+            </a:r>
+            <a:r>
+              <a:rPr lang="en-US" altLang="zh-CN" b="0" dirty="0" err="1" smtClean="0">
+                <a:latin typeface="宋体" charset="-122"/>
+              </a:rPr>
+              <a:t>behaviour</a:t>
+            </a:r>
+            <a:r>
+              <a:rPr lang="en-US" altLang="zh-CN" b="0" dirty="0" smtClean="0">
+                <a:latin typeface="宋体" charset="-122"/>
+              </a:rPr>
+              <a:t> tree </a:t>
+            </a:r>
+            <a:r>
+              <a:rPr lang="zh-CN" altLang="en-US" b="0" dirty="0" smtClean="0">
+                <a:latin typeface="宋体" charset="-122"/>
+              </a:rPr>
+              <a:t>和</a:t>
+            </a:r>
+            <a:r>
+              <a:rPr lang="en-US" altLang="zh-CN" b="0" dirty="0" smtClean="0">
+                <a:latin typeface="宋体" charset="-122"/>
+              </a:rPr>
+              <a:t>flow graph</a:t>
+            </a:r>
+            <a:r>
+              <a:rPr lang="zh-CN" altLang="en-US" b="0" dirty="0" smtClean="0">
+                <a:latin typeface="宋体" charset="-122"/>
+              </a:rPr>
+              <a:t>都是等价的可视化脚本，用来做事件处理和流程</a:t>
+            </a:r>
+            <a:endParaRPr lang="en-US" altLang="zh-CN" b="0" dirty="0" smtClean="0">
+              <a:latin typeface="宋体" charset="-122"/>
+            </a:endParaRPr>
+          </a:p>
+          <a:p>
+            <a:pPr lvl="1" eaLnBrk="1" hangingPunct="1"/>
+            <a:r>
+              <a:rPr lang="en-US" altLang="zh-CN" b="0" dirty="0" smtClean="0">
+                <a:latin typeface="宋体" charset="-122"/>
+              </a:rPr>
+              <a:t>BT</a:t>
+            </a:r>
+            <a:r>
+              <a:rPr lang="zh-CN" altLang="en-US" b="0" dirty="0" smtClean="0">
+                <a:latin typeface="宋体" charset="-122"/>
+              </a:rPr>
+              <a:t>优势：支持动态创建，有项目内完善的编辑器和</a:t>
+            </a:r>
+            <a:r>
+              <a:rPr lang="en-US" altLang="zh-CN" b="0" dirty="0" smtClean="0">
+                <a:latin typeface="宋体" charset="-122"/>
+              </a:rPr>
+              <a:t>debug</a:t>
+            </a:r>
+            <a:r>
+              <a:rPr lang="zh-CN" altLang="en-US" b="0" dirty="0" smtClean="0">
+                <a:latin typeface="宋体" charset="-122"/>
+              </a:rPr>
+              <a:t>工具，支持远程调试 </a:t>
+            </a:r>
+            <a:endParaRPr lang="en-US" altLang="zh-CN" b="0" dirty="0" smtClean="0">
+              <a:latin typeface="宋体" charset="-122"/>
+            </a:endParaRPr>
+          </a:p>
+          <a:p>
+            <a:pPr lvl="1" eaLnBrk="1" hangingPunct="1"/>
+            <a:r>
+              <a:rPr lang="zh-CN" altLang="en-US" b="0" dirty="0" smtClean="0">
+                <a:latin typeface="宋体" charset="-122"/>
+              </a:rPr>
+              <a:t>缺点：物件间相互引用没有</a:t>
+            </a:r>
+            <a:r>
+              <a:rPr lang="en-US" altLang="zh-CN" b="0" dirty="0" smtClean="0">
+                <a:latin typeface="宋体" charset="-122"/>
+              </a:rPr>
+              <a:t>flow graph</a:t>
+            </a:r>
+            <a:r>
+              <a:rPr lang="zh-CN" altLang="en-US" b="0" dirty="0" smtClean="0">
+                <a:latin typeface="宋体" charset="-122"/>
+              </a:rPr>
+              <a:t>直观</a:t>
+            </a:r>
+            <a:endParaRPr lang="en-US" altLang="zh-CN" b="0" dirty="0" smtClean="0">
+              <a:latin typeface="宋体" charset="-122"/>
+            </a:endParaRPr>
+          </a:p>
+          <a:p>
+            <a:pPr lvl="1" eaLnBrk="1" hangingPunct="1"/>
+            <a:r>
+              <a:rPr lang="zh-CN" altLang="en-US" b="0" dirty="0" smtClean="0">
+                <a:latin typeface="宋体" charset="-122"/>
+              </a:rPr>
+              <a:t>由于动态物件是动态生成的，与其他物件的互动一般是通过各种逻辑触发实现，基本不会出现对确定的某物件产生依赖的逻辑，取长补短，成为</a:t>
+            </a:r>
+            <a:r>
+              <a:rPr lang="en-US" altLang="zh-CN" b="0" dirty="0" smtClean="0">
+                <a:latin typeface="宋体" charset="-122"/>
+              </a:rPr>
+              <a:t>flow graph</a:t>
+            </a:r>
+            <a:r>
+              <a:rPr lang="zh-CN" altLang="en-US" b="0" dirty="0" smtClean="0">
+                <a:latin typeface="宋体" charset="-122"/>
+              </a:rPr>
+              <a:t>的替代品</a:t>
+            </a:r>
+            <a:endParaRPr lang="en-US" altLang="zh-CN" b="0" dirty="0" smtClean="0">
+              <a:latin typeface="宋体" charset="-122"/>
+            </a:endParaRPr>
+          </a:p>
+          <a:p>
+            <a:endParaRPr lang="en-US" altLang="zh-CN" sz="1600" b="0" dirty="0" smtClean="0">
+              <a:latin typeface="宋体" charset="-122"/>
+            </a:endParaRPr>
+          </a:p>
+        </p:txBody>
+      </p:sp>
+      <p:sp>
+        <p:nvSpPr>
+          <p:cNvPr id="91" name="Rectangle 2"/>
+          <p:cNvSpPr>
+            <a:spLocks noGrp="1" noChangeArrowheads="1"/>
+          </p:cNvSpPr>
+          <p:nvPr>
+            <p:ph type="title"/>
+          </p:nvPr>
+        </p:nvSpPr>
+        <p:spPr/>
+        <p:txBody>
+          <a:bodyPr/>
+          <a:lstStyle/>
+          <a:p>
+            <a:pPr eaLnBrk="1" hangingPunct="1"/>
+            <a:r>
+              <a:rPr lang="zh-CN" altLang="en-US" dirty="0" smtClean="0"/>
+              <a:t>灵活功能强大的场景物件系统</a:t>
+            </a:r>
+          </a:p>
+        </p:txBody>
+      </p:sp>
+    </p:spTree>
+  </p:cSld>
+  <p:clrMapOvr>
+    <a:masterClrMapping/>
+  </p:clrMapOvr>
+  <p:timing>
+    <p:tnLst>
+      <p:par>
+        <p:cTn id="1" dur="indefinite" restart="never" nodeType="tmRoot"/>
+      </p:par>
+    </p:tnLst>
+  </p:timing>
+</p:sld>
+</file>
+
+<file path=ppt/slides/slide14.xml><?xml version="1.0" encoding="utf-8"?>
+<p:sld xmlns:a="http://schemas.openxmlformats.org/drawingml/2006/main" xmlns:r="http://schemas.openxmlformats.org/officeDocument/2006/relationships" xmlns:p="http://schemas.openxmlformats.org/presentationml/2006/main">
+  <p:cSld>
+    <p:spTree>
+      <p:nvGrpSpPr>
+        <p:cNvPr id="1" name=""/>
+        <p:cNvGrpSpPr/>
+        <p:nvPr/>
+      </p:nvGrpSpPr>
+      <p:grpSpPr>
+        <a:xfrm>
+          <a:off x="0" y="0"/>
+          <a:ext cx="0" cy="0"/>
+          <a:chOff x="0" y="0"/>
+          <a:chExt cx="0" cy="0"/>
+        </a:xfrm>
+      </p:grpSpPr>
+      <p:sp>
+        <p:nvSpPr>
+          <p:cNvPr id="10243" name="Rectangle 3"/>
+          <p:cNvSpPr>
+            <a:spLocks noGrp="1" noChangeArrowheads="1"/>
+          </p:cNvSpPr>
+          <p:nvPr>
+            <p:ph type="body" idx="1"/>
+          </p:nvPr>
+        </p:nvSpPr>
+        <p:spPr>
+          <a:xfrm>
+            <a:off x="685800" y="1219200"/>
+            <a:ext cx="8229600" cy="4419600"/>
+          </a:xfrm>
+        </p:spPr>
+        <p:txBody>
+          <a:bodyPr/>
+          <a:lstStyle/>
+          <a:p>
+            <a:pPr lvl="1" eaLnBrk="1" hangingPunct="1"/>
+            <a:r>
+              <a:rPr lang="zh-CN" altLang="en-US" dirty="0" smtClean="0">
+                <a:latin typeface="宋体" charset="-122"/>
+              </a:rPr>
+              <a:t>场景物件的层次结构</a:t>
+            </a:r>
+            <a:endParaRPr lang="en-US" altLang="zh-CN" sz="1600" b="0" dirty="0" smtClean="0">
+              <a:latin typeface="宋体" charset="-122"/>
+            </a:endParaRPr>
+          </a:p>
+        </p:txBody>
+      </p:sp>
+      <p:sp>
+        <p:nvSpPr>
+          <p:cNvPr id="91" name="Rectangle 2"/>
+          <p:cNvSpPr>
+            <a:spLocks noGrp="1" noChangeArrowheads="1"/>
+          </p:cNvSpPr>
+          <p:nvPr>
+            <p:ph type="title"/>
+          </p:nvPr>
+        </p:nvSpPr>
+        <p:spPr/>
+        <p:txBody>
+          <a:bodyPr/>
+          <a:lstStyle/>
+          <a:p>
+            <a:pPr eaLnBrk="1" hangingPunct="1"/>
+            <a:r>
+              <a:rPr lang="zh-CN" altLang="en-US" dirty="0" smtClean="0"/>
+              <a:t>灵活功能强大的场景物件系统</a:t>
+            </a:r>
+          </a:p>
+        </p:txBody>
+      </p:sp>
+      <p:pic>
+        <p:nvPicPr>
+          <p:cNvPr id="5122" name="Picture 2"/>
+          <p:cNvPicPr>
+            <a:picLocks noChangeAspect="1" noChangeArrowheads="1"/>
+          </p:cNvPicPr>
+          <p:nvPr/>
+        </p:nvPicPr>
+        <p:blipFill>
+          <a:blip r:embed="rId3"/>
+          <a:srcRect/>
+          <a:stretch>
+            <a:fillRect/>
+          </a:stretch>
+        </p:blipFill>
+        <p:spPr bwMode="auto">
+          <a:xfrm>
+            <a:off x="2438400" y="1752600"/>
+            <a:ext cx="4296229" cy="4572000"/>
+          </a:xfrm>
+          <a:prstGeom prst="rect">
+            <a:avLst/>
+          </a:prstGeom>
+          <a:noFill/>
+          <a:ln w="9525">
+            <a:noFill/>
+            <a:miter lim="800000"/>
+            <a:headEnd/>
+            <a:tailEnd/>
+          </a:ln>
+          <a:effectLst/>
+        </p:spPr>
+      </p:pic>
+    </p:spTree>
+  </p:cSld>
+  <p:clrMapOvr>
+    <a:masterClrMapping/>
+  </p:clrMapOvr>
+  <p:timing>
+    <p:tnLst>
+      <p:par>
+        <p:cTn id="1" dur="indefinite" restart="never" nodeType="tmRoot"/>
+      </p:par>
+    </p:tnLst>
+  </p:timing>
+</p:sld>
+</file>
+
+<file path=ppt/slides/slide15.xml><?xml version="1.0" encoding="utf-8"?>
+<p:sld xmlns:a="http://schemas.openxmlformats.org/drawingml/2006/main" xmlns:r="http://schemas.openxmlformats.org/officeDocument/2006/relationships" xmlns:p="http://schemas.openxmlformats.org/presentationml/2006/main">
+  <p:cSld>
+    <p:spTree>
+      <p:nvGrpSpPr>
+        <p:cNvPr id="1" name=""/>
+        <p:cNvGrpSpPr/>
+        <p:nvPr/>
+      </p:nvGrpSpPr>
+      <p:grpSpPr>
+        <a:xfrm>
+          <a:off x="0" y="0"/>
+          <a:ext cx="0" cy="0"/>
+          <a:chOff x="0" y="0"/>
+          <a:chExt cx="0" cy="0"/>
+        </a:xfrm>
+      </p:grpSpPr>
+      <p:sp>
+        <p:nvSpPr>
+          <p:cNvPr id="10243" name="Rectangle 3"/>
+          <p:cNvSpPr>
+            <a:spLocks noGrp="1" noChangeArrowheads="1"/>
+          </p:cNvSpPr>
+          <p:nvPr>
+            <p:ph type="body" idx="1"/>
+          </p:nvPr>
+        </p:nvSpPr>
+        <p:spPr>
+          <a:xfrm>
+            <a:off x="685800" y="1219200"/>
+            <a:ext cx="8229600" cy="4419600"/>
+          </a:xfrm>
+        </p:spPr>
+        <p:txBody>
+          <a:bodyPr/>
+          <a:lstStyle/>
+          <a:p>
+            <a:pPr lvl="1" eaLnBrk="1" hangingPunct="1"/>
+            <a:r>
+              <a:rPr lang="zh-CN" altLang="en-US" dirty="0" smtClean="0">
+                <a:latin typeface="宋体" charset="-122"/>
+              </a:rPr>
+              <a:t>场景物件的同步逻辑优化</a:t>
+            </a:r>
+            <a:endParaRPr lang="en-US" altLang="zh-CN" dirty="0" smtClean="0">
+              <a:latin typeface="宋体" charset="-122"/>
+            </a:endParaRPr>
+          </a:p>
+          <a:p>
+            <a:pPr lvl="1" eaLnBrk="1" hangingPunct="1"/>
+            <a:r>
+              <a:rPr lang="zh-CN" altLang="en-US" b="0" dirty="0" smtClean="0">
+                <a:latin typeface="宋体" charset="-122"/>
+              </a:rPr>
+              <a:t>逻辑</a:t>
+            </a:r>
+            <a:r>
+              <a:rPr lang="zh-CN" altLang="en-US" b="0" dirty="0" smtClean="0">
+                <a:latin typeface="宋体" charset="-122"/>
+              </a:rPr>
+              <a:t>层可以触发的行为分为两种，一种是需要恢复的，一种是不需要的，两者处理准则，需要恢复的，通过属性或者状态机触发，不需要恢复的，可以直接触发</a:t>
+            </a:r>
+            <a:endParaRPr lang="en-US" altLang="zh-CN" b="0" dirty="0" smtClean="0">
+              <a:latin typeface="宋体" charset="-122"/>
+            </a:endParaRPr>
+          </a:p>
+          <a:p>
+            <a:pPr lvl="1" eaLnBrk="1" hangingPunct="1"/>
+            <a:r>
+              <a:rPr lang="zh-CN" altLang="en-US" b="0" dirty="0" smtClean="0">
+                <a:latin typeface="宋体" charset="-122"/>
+              </a:rPr>
+              <a:t>如何处理上线后逻辑又执行一次的问题？</a:t>
+            </a:r>
+            <a:endParaRPr lang="en-US" altLang="zh-CN" b="0" dirty="0" smtClean="0">
+              <a:latin typeface="宋体" charset="-122"/>
+            </a:endParaRPr>
+          </a:p>
+          <a:p>
+            <a:pPr lvl="1" eaLnBrk="1" hangingPunct="1"/>
+            <a:r>
+              <a:rPr lang="en-US" altLang="zh-CN" b="0" dirty="0" smtClean="0">
+                <a:latin typeface="宋体" charset="-122"/>
+              </a:rPr>
+              <a:t>1.</a:t>
+            </a:r>
+            <a:r>
+              <a:rPr lang="zh-CN" altLang="en-US" b="0" dirty="0" smtClean="0">
+                <a:latin typeface="宋体" charset="-122"/>
+              </a:rPr>
+              <a:t>状态机做复杂些，分为正常，变色中，变色完成三个状态</a:t>
+            </a:r>
+            <a:endParaRPr lang="en-US" altLang="zh-CN" b="0" dirty="0" smtClean="0">
+              <a:latin typeface="宋体" charset="-122"/>
+            </a:endParaRPr>
+          </a:p>
+          <a:p>
+            <a:pPr lvl="1" eaLnBrk="1" hangingPunct="1"/>
+            <a:r>
+              <a:rPr lang="en-US" altLang="zh-CN" b="0" dirty="0" smtClean="0">
+                <a:latin typeface="宋体" charset="-122"/>
+              </a:rPr>
+              <a:t>2.</a:t>
+            </a:r>
+            <a:r>
+              <a:rPr lang="zh-CN" altLang="en-US" b="0" dirty="0" smtClean="0">
+                <a:latin typeface="宋体" charset="-122"/>
+              </a:rPr>
+              <a:t>做了持续一段时间的行为的加速版本</a:t>
+            </a:r>
+            <a:endParaRPr lang="en-US" altLang="zh-CN" b="0" dirty="0" smtClean="0">
+              <a:latin typeface="宋体" charset="-122"/>
+            </a:endParaRPr>
+          </a:p>
+          <a:p>
+            <a:pPr lvl="1" eaLnBrk="1" hangingPunct="1"/>
+            <a:r>
+              <a:rPr lang="zh-CN" altLang="en-US" b="0" dirty="0" smtClean="0">
+                <a:latin typeface="宋体" charset="-122"/>
+              </a:rPr>
+              <a:t>状态机，只考虑</a:t>
+            </a:r>
+            <a:r>
+              <a:rPr lang="en-US" altLang="zh-CN" b="0" dirty="0" err="1" smtClean="0">
+                <a:latin typeface="宋体" charset="-122"/>
+              </a:rPr>
+              <a:t>O</a:t>
+            </a:r>
+            <a:r>
+              <a:rPr lang="en-US" altLang="zh-CN" b="0" dirty="0" err="1" smtClean="0">
+                <a:latin typeface="宋体" charset="-122"/>
+              </a:rPr>
+              <a:t>nEnter</a:t>
+            </a:r>
+            <a:r>
+              <a:rPr lang="zh-CN" altLang="en-US" b="0" dirty="0" smtClean="0">
+                <a:latin typeface="宋体" charset="-122"/>
+              </a:rPr>
+              <a:t>，</a:t>
+            </a:r>
+            <a:r>
+              <a:rPr lang="en-US" altLang="zh-CN" b="0" dirty="0" err="1" smtClean="0">
+                <a:latin typeface="宋体" charset="-122"/>
+              </a:rPr>
+              <a:t>O</a:t>
+            </a:r>
+            <a:r>
+              <a:rPr lang="en-US" altLang="zh-CN" b="0" dirty="0" err="1" smtClean="0">
+                <a:latin typeface="宋体" charset="-122"/>
+              </a:rPr>
+              <a:t>nLeave</a:t>
+            </a:r>
+            <a:r>
+              <a:rPr lang="zh-CN" altLang="en-US" b="0" dirty="0" smtClean="0">
+                <a:latin typeface="宋体" charset="-122"/>
+              </a:rPr>
+              <a:t>的处理，属性改变逻辑也只考虑最少属性</a:t>
+            </a:r>
+            <a:endParaRPr lang="en-US" altLang="zh-CN" b="0" dirty="0" smtClean="0">
+              <a:latin typeface="宋体" charset="-122"/>
+            </a:endParaRPr>
+          </a:p>
+        </p:txBody>
+      </p:sp>
+      <p:sp>
+        <p:nvSpPr>
+          <p:cNvPr id="91" name="Rectangle 2"/>
+          <p:cNvSpPr>
+            <a:spLocks noGrp="1" noChangeArrowheads="1"/>
+          </p:cNvSpPr>
+          <p:nvPr>
+            <p:ph type="title"/>
+          </p:nvPr>
+        </p:nvSpPr>
+        <p:spPr/>
+        <p:txBody>
+          <a:bodyPr/>
+          <a:lstStyle/>
+          <a:p>
+            <a:pPr eaLnBrk="1" hangingPunct="1"/>
+            <a:r>
+              <a:rPr lang="zh-CN" altLang="en-US" dirty="0" smtClean="0"/>
+              <a:t>灵活功能强大的场景物件系统</a:t>
+            </a:r>
+          </a:p>
+        </p:txBody>
+      </p:sp>
+    </p:spTree>
+  </p:cSld>
+  <p:clrMapOvr>
+    <a:masterClrMapping/>
+  </p:clrMapOvr>
+  <p:timing>
+    <p:tnLst>
+      <p:par>
+        <p:cTn id="1" dur="indefinite" restart="never" nodeType="tmRoot"/>
+      </p:par>
+    </p:tnLst>
+  </p:timing>
+</p:sld>
+</file>
+
+<file path=ppt/slides/slide16.xml><?xml version="1.0" encoding="utf-8"?>
+<p:sld xmlns:a="http://schemas.openxmlformats.org/drawingml/2006/main" xmlns:r="http://schemas.openxmlformats.org/officeDocument/2006/relationships" xmlns:p="http://schemas.openxmlformats.org/presentationml/2006/main">
+  <p:cSld>
+    <p:spTree>
+      <p:nvGrpSpPr>
+        <p:cNvPr id="1" name=""/>
+        <p:cNvGrpSpPr/>
+        <p:nvPr/>
+      </p:nvGrpSpPr>
+      <p:grpSpPr>
+        <a:xfrm>
+          <a:off x="0" y="0"/>
+          <a:ext cx="0" cy="0"/>
+          <a:chOff x="0" y="0"/>
+          <a:chExt cx="0" cy="0"/>
+        </a:xfrm>
+      </p:grpSpPr>
+      <p:sp>
+        <p:nvSpPr>
+          <p:cNvPr id="10243" name="Rectangle 3"/>
+          <p:cNvSpPr>
+            <a:spLocks noGrp="1" noChangeArrowheads="1"/>
+          </p:cNvSpPr>
+          <p:nvPr>
+            <p:ph type="body" idx="1"/>
+          </p:nvPr>
+        </p:nvSpPr>
+        <p:spPr>
+          <a:xfrm>
+            <a:off x="685800" y="1219200"/>
+            <a:ext cx="8229600" cy="4419600"/>
+          </a:xfrm>
+        </p:spPr>
+        <p:txBody>
+          <a:bodyPr/>
+          <a:lstStyle/>
+          <a:p>
+            <a:pPr lvl="1" eaLnBrk="1" hangingPunct="1"/>
+            <a:r>
+              <a:rPr lang="zh-CN" altLang="en-US" dirty="0" smtClean="0">
+                <a:latin typeface="宋体" charset="-122"/>
+              </a:rPr>
+              <a:t>静态场景物件的开发流程改进</a:t>
+            </a:r>
+            <a:endParaRPr lang="en-US" altLang="zh-CN" dirty="0" smtClean="0">
+              <a:latin typeface="宋体" charset="-122"/>
+            </a:endParaRPr>
+          </a:p>
+          <a:p>
+            <a:pPr lvl="1" eaLnBrk="1" hangingPunct="1"/>
+            <a:r>
+              <a:rPr lang="zh-CN" altLang="en-US" b="0" dirty="0" smtClean="0">
+                <a:latin typeface="宋体" charset="-122"/>
+              </a:rPr>
+              <a:t>静态物件的</a:t>
+            </a:r>
+            <a:r>
+              <a:rPr lang="en-US" altLang="zh-CN" b="0" dirty="0" smtClean="0">
+                <a:latin typeface="宋体" charset="-122"/>
+              </a:rPr>
+              <a:t>archetype</a:t>
+            </a:r>
+          </a:p>
+          <a:p>
+            <a:pPr lvl="1" eaLnBrk="1" hangingPunct="1"/>
+            <a:r>
+              <a:rPr lang="en-US" altLang="zh-CN" b="0" dirty="0" smtClean="0">
+                <a:latin typeface="宋体" charset="-122"/>
+              </a:rPr>
+              <a:t>Cry3</a:t>
+            </a:r>
+            <a:r>
+              <a:rPr lang="zh-CN" altLang="en-US" b="0" dirty="0" smtClean="0">
+                <a:latin typeface="宋体" charset="-122"/>
+              </a:rPr>
+              <a:t>的</a:t>
+            </a:r>
+            <a:r>
+              <a:rPr lang="en-US" altLang="zh-CN" b="0" dirty="0" smtClean="0">
+                <a:latin typeface="宋体" charset="-122"/>
+              </a:rPr>
+              <a:t>archetype</a:t>
+            </a:r>
+            <a:r>
+              <a:rPr lang="zh-CN" altLang="en-US" b="0" dirty="0" smtClean="0">
+                <a:latin typeface="宋体" charset="-122"/>
+              </a:rPr>
+              <a:t>应用范围小</a:t>
+            </a:r>
+            <a:endParaRPr lang="en-US" altLang="zh-CN" b="0" dirty="0" smtClean="0">
+              <a:latin typeface="宋体" charset="-122"/>
+            </a:endParaRPr>
+          </a:p>
+          <a:p>
+            <a:pPr lvl="1" eaLnBrk="1" hangingPunct="1"/>
+            <a:r>
+              <a:rPr lang="zh-CN" altLang="en-US" b="0" dirty="0" smtClean="0">
+                <a:latin typeface="宋体" charset="-122"/>
+              </a:rPr>
+              <a:t>扩展的</a:t>
+            </a:r>
+            <a:r>
+              <a:rPr lang="en-US" altLang="zh-CN" b="0" dirty="0" smtClean="0">
+                <a:latin typeface="宋体" charset="-122"/>
+              </a:rPr>
+              <a:t>archetype</a:t>
+            </a:r>
+          </a:p>
+        </p:txBody>
+      </p:sp>
+      <p:sp>
+        <p:nvSpPr>
+          <p:cNvPr id="91" name="Rectangle 2"/>
+          <p:cNvSpPr>
+            <a:spLocks noGrp="1" noChangeArrowheads="1"/>
+          </p:cNvSpPr>
+          <p:nvPr>
+            <p:ph type="title"/>
+          </p:nvPr>
+        </p:nvSpPr>
+        <p:spPr/>
+        <p:txBody>
+          <a:bodyPr/>
+          <a:lstStyle/>
+          <a:p>
+            <a:pPr eaLnBrk="1" hangingPunct="1"/>
+            <a:r>
+              <a:rPr lang="zh-CN" altLang="en-US" dirty="0" smtClean="0"/>
+              <a:t>灵活功能强大的场景物件系统</a:t>
+            </a:r>
+          </a:p>
+        </p:txBody>
+      </p:sp>
+    </p:spTree>
+  </p:cSld>
+  <p:clrMapOvr>
+    <a:masterClrMapping/>
+  </p:clrMapOvr>
+  <p:timing>
+    <p:tnLst>
+      <p:par>
+        <p:cTn id="1" dur="indefinite" restart="never" nodeType="tmRoot"/>
+      </p:par>
+    </p:tnLst>
+  </p:timing>
+</p:sld>
+</file>
+
+<file path=ppt/slides/slide17.xml><?xml version="1.0" encoding="utf-8"?>
 <p:sld xmlns:a="http://schemas.openxmlformats.org/drawingml/2006/main" xmlns:r="http://schemas.openxmlformats.org/officeDocument/2006/relationships" xmlns:p="http://schemas.openxmlformats.org/presentationml/2006/main">
   <p:cSld>
     <p:spTree>
@@ -8914,14 +10631,14 @@
               </a:ln>
               <a:extLst>
                 <a:ext uri="{909E8E84-426E-40DD-AFC4-6F175D3DCCD1}">
-                  <a14:hiddenFill xmlns="" xmlns:a14="http://schemas.microsoft.com/office/drawing/2010/main">
+                  <a14:hiddenFill xmlns:a14="http://schemas.microsoft.com/office/drawing/2010/main" xmlns="">
                     <a:solidFill>
                       <a:srgbClr val="FFFFFF"/>
                     </a:solidFill>
                   </a14:hiddenFill>
                 </a:ext>
                 <a:ext uri="{91240B29-F687-4F45-9708-019B960494DF}">
-                  <a14:hiddenLine xmlns="" xmlns:a14="http://schemas.microsoft.com/office/drawing/2010/main" w="9525">
+                  <a14:hiddenLine xmlns:a14="http://schemas.microsoft.com/office/drawing/2010/main" xmlns="" w="9525">
                     <a:solidFill>
                       <a:srgbClr val="000000"/>
                     </a:solidFill>
@@ -9089,14 +10806,14 @@
               </a:ln>
               <a:extLst>
                 <a:ext uri="{909E8E84-426E-40DD-AFC4-6F175D3DCCD1}">
-                  <a14:hiddenFill xmlns="" xmlns:a14="http://schemas.microsoft.com/office/drawing/2010/main">
+                  <a14:hiddenFill xmlns:a14="http://schemas.microsoft.com/office/drawing/2010/main" xmlns="">
                     <a:solidFill>
                       <a:srgbClr val="FFFFFF"/>
                     </a:solidFill>
                   </a14:hiddenFill>
                 </a:ext>
                 <a:ext uri="{91240B29-F687-4F45-9708-019B960494DF}">
-                  <a14:hiddenLine xmlns="" xmlns:a14="http://schemas.microsoft.com/office/drawing/2010/main" w="9525">
+                  <a14:hiddenLine xmlns:a14="http://schemas.microsoft.com/office/drawing/2010/main" xmlns="" w="9525">
                     <a:solidFill>
                       <a:srgbClr val="000000"/>
                     </a:solidFill>
@@ -10273,7 +11990,7 @@
 </p:sld>
 </file>
 
-<file path=ppt/slides/slide13.xml><?xml version="1.0" encoding="utf-8"?>
+<file path=ppt/slides/slide18.xml><?xml version="1.0" encoding="utf-8"?>
 <p:sld xmlns:a="http://schemas.openxmlformats.org/drawingml/2006/main" xmlns:r="http://schemas.openxmlformats.org/officeDocument/2006/relationships" xmlns:p="http://schemas.openxmlformats.org/presentationml/2006/main">
   <p:cSld>
     <p:spTree>
@@ -10502,7 +12219,7 @@
 </p:sld>
 </file>
 
-<file path=ppt/slides/slide14.xml><?xml version="1.0" encoding="utf-8"?>
+<file path=ppt/slides/slide19.xml><?xml version="1.0" encoding="utf-8"?>
 <p:sld xmlns:a="http://schemas.openxmlformats.org/drawingml/2006/main" xmlns:r="http://schemas.openxmlformats.org/officeDocument/2006/relationships" xmlns:p="http://schemas.openxmlformats.org/presentationml/2006/main">
   <p:cSld>
     <p:spTree>
@@ -11204,14 +12921,14 @@
                   </a:ln>
                   <a:extLst>
                     <a:ext uri="{909E8E84-426E-40DD-AFC4-6F175D3DCCD1}">
-                      <a14:hiddenFill xmlns="" xmlns:a14="http://schemas.microsoft.com/office/drawing/2010/main">
+                      <a14:hiddenFill xmlns:a14="http://schemas.microsoft.com/office/drawing/2010/main" xmlns="">
                         <a:solidFill>
                           <a:srgbClr val="FFFFFF"/>
                         </a:solidFill>
                       </a14:hiddenFill>
                     </a:ext>
                     <a:ext uri="{91240B29-F687-4F45-9708-019B960494DF}">
-                      <a14:hiddenLine xmlns="" xmlns:a14="http://schemas.microsoft.com/office/drawing/2010/main" w="9525">
+                      <a14:hiddenLine xmlns:a14="http://schemas.microsoft.com/office/drawing/2010/main" xmlns="" w="9525">
                         <a:solidFill>
                           <a:srgbClr val="000000"/>
                         </a:solidFill>
@@ -12386,7 +14103,298 @@
 </p:sld>
 </file>
 
-<file path=ppt/slides/slide15.xml><?xml version="1.0" encoding="utf-8"?>
+<file path=ppt/slides/slide2.xml><?xml version="1.0" encoding="utf-8"?>
+<p:sld xmlns:a="http://schemas.openxmlformats.org/drawingml/2006/main" xmlns:r="http://schemas.openxmlformats.org/officeDocument/2006/relationships" xmlns:p="http://schemas.openxmlformats.org/presentationml/2006/main">
+  <p:cSld>
+    <p:spTree>
+      <p:nvGrpSpPr>
+        <p:cNvPr id="1" name=""/>
+        <p:cNvGrpSpPr/>
+        <p:nvPr/>
+      </p:nvGrpSpPr>
+      <p:grpSpPr>
+        <a:xfrm>
+          <a:off x="0" y="0"/>
+          <a:ext cx="0" cy="0"/>
+          <a:chOff x="0" y="0"/>
+          <a:chExt cx="0" cy="0"/>
+        </a:xfrm>
+      </p:grpSpPr>
+      <p:sp>
+        <p:nvSpPr>
+          <p:cNvPr id="5122" name="Rectangle 2"/>
+          <p:cNvSpPr>
+            <a:spLocks noGrp="1" noChangeArrowheads="1"/>
+          </p:cNvSpPr>
+          <p:nvPr>
+            <p:ph type="title"/>
+          </p:nvPr>
+        </p:nvSpPr>
+        <p:spPr>
+          <a:xfrm>
+            <a:off x="228600" y="152400"/>
+            <a:ext cx="6011863" cy="838200"/>
+          </a:xfrm>
+        </p:spPr>
+        <p:txBody>
+          <a:bodyPr/>
+          <a:lstStyle/>
+          <a:p>
+            <a:pPr eaLnBrk="1" hangingPunct="1"/>
+            <a:r>
+              <a:rPr lang="zh-CN" altLang="en-US" smtClean="0"/>
+              <a:t>个人经历概述</a:t>
+            </a:r>
+          </a:p>
+        </p:txBody>
+      </p:sp>
+      <p:sp>
+        <p:nvSpPr>
+          <p:cNvPr id="5123" name="Rectangle 3"/>
+          <p:cNvSpPr>
+            <a:spLocks noGrp="1" noChangeArrowheads="1"/>
+          </p:cNvSpPr>
+          <p:nvPr>
+            <p:ph type="body" idx="1"/>
+          </p:nvPr>
+        </p:nvSpPr>
+        <p:spPr>
+          <a:xfrm>
+            <a:off x="381000" y="1219200"/>
+            <a:ext cx="8382000" cy="5257800"/>
+          </a:xfrm>
+        </p:spPr>
+        <p:txBody>
+          <a:bodyPr/>
+          <a:lstStyle/>
+          <a:p>
+            <a:pPr eaLnBrk="1" hangingPunct="1"/>
+            <a:r>
+              <a:rPr lang="zh-CN" altLang="en-US" sz="2400" dirty="0" smtClean="0">
+                <a:latin typeface="宋体" charset="-122"/>
+              </a:rPr>
+              <a:t>在怪物猎人个人经历</a:t>
+            </a:r>
+            <a:endParaRPr lang="en-US" altLang="zh-CN" sz="2400" dirty="0" smtClean="0">
+              <a:latin typeface="宋体" charset="-122"/>
+            </a:endParaRPr>
+          </a:p>
+          <a:p>
+            <a:pPr eaLnBrk="1" hangingPunct="1"/>
+            <a:r>
+              <a:rPr lang="zh-CN" altLang="en-US" sz="2400" dirty="0" smtClean="0">
+                <a:latin typeface="宋体" charset="-122"/>
+              </a:rPr>
+              <a:t>经历时间：</a:t>
+            </a:r>
+            <a:r>
+              <a:rPr lang="en-US" altLang="zh-CN" sz="2400" b="0" dirty="0" smtClean="0">
+                <a:latin typeface="宋体" charset="-122"/>
+              </a:rPr>
+              <a:t>2009.7-2014.8</a:t>
+            </a:r>
+          </a:p>
+          <a:p>
+            <a:pPr eaLnBrk="1" hangingPunct="1"/>
+            <a:r>
+              <a:rPr lang="zh-CN" altLang="en-US" sz="2400" dirty="0" smtClean="0">
+                <a:latin typeface="宋体" charset="-122"/>
+              </a:rPr>
+              <a:t>经历阶段：</a:t>
+            </a:r>
+            <a:r>
+              <a:rPr lang="zh-CN" altLang="en-US" sz="2400" b="0" dirty="0" smtClean="0">
+                <a:latin typeface="宋体" charset="-122"/>
+              </a:rPr>
+              <a:t>立项到第三次封闭测试</a:t>
+            </a:r>
+            <a:endParaRPr lang="en-US" altLang="zh-CN" sz="2400" b="0" dirty="0" smtClean="0">
+              <a:latin typeface="宋体" charset="-122"/>
+            </a:endParaRPr>
+          </a:p>
+          <a:p>
+            <a:pPr eaLnBrk="1" hangingPunct="1"/>
+            <a:r>
+              <a:rPr lang="zh-CN" altLang="en-US" sz="2400" dirty="0" smtClean="0">
+                <a:latin typeface="宋体" charset="-122"/>
+              </a:rPr>
+              <a:t>工作内容：</a:t>
+            </a:r>
+            <a:endParaRPr lang="en-US" altLang="zh-CN" sz="2400" dirty="0" smtClean="0">
+              <a:latin typeface="宋体" charset="-122"/>
+            </a:endParaRPr>
+          </a:p>
+          <a:p>
+            <a:pPr lvl="1" eaLnBrk="1" hangingPunct="1"/>
+            <a:r>
+              <a:rPr lang="zh-CN" altLang="en-US" sz="2400" b="0" dirty="0" smtClean="0">
+                <a:latin typeface="宋体" charset="-122"/>
+              </a:rPr>
+              <a:t>深圳用</a:t>
+            </a:r>
+            <a:r>
+              <a:rPr lang="en-US" altLang="zh-CN" sz="2400" b="0" dirty="0" err="1" smtClean="0">
+                <a:latin typeface="宋体" charset="-122"/>
+              </a:rPr>
+              <a:t>Scaleform</a:t>
+            </a:r>
+            <a:r>
+              <a:rPr lang="zh-CN" altLang="en-US" sz="2400" b="0" dirty="0" smtClean="0">
+                <a:latin typeface="宋体" charset="-122"/>
+              </a:rPr>
+              <a:t>搭建怪物猎人的</a:t>
+            </a:r>
+            <a:r>
+              <a:rPr lang="en-US" altLang="zh-CN" sz="2400" b="0" dirty="0" smtClean="0">
+                <a:latin typeface="宋体" charset="-122"/>
+              </a:rPr>
+              <a:t>UI</a:t>
+            </a:r>
+          </a:p>
+          <a:p>
+            <a:pPr lvl="1" eaLnBrk="1" hangingPunct="1"/>
+            <a:r>
+              <a:rPr lang="zh-CN" altLang="en-US" sz="2400" b="0" dirty="0" smtClean="0">
+                <a:latin typeface="宋体" charset="-122"/>
+              </a:rPr>
+              <a:t>上海之后</a:t>
+            </a:r>
+            <a:r>
+              <a:rPr lang="en-US" altLang="zh-CN" sz="2400" b="0" dirty="0" smtClean="0">
+                <a:latin typeface="宋体" charset="-122"/>
+              </a:rPr>
+              <a:t>evolution</a:t>
+            </a:r>
+            <a:r>
+              <a:rPr lang="zh-CN" altLang="en-US" sz="2400" b="0" dirty="0" smtClean="0">
+                <a:latin typeface="宋体" charset="-122"/>
+              </a:rPr>
+              <a:t>引擎做过角色</a:t>
+            </a:r>
+            <a:endParaRPr lang="en-US" altLang="zh-CN" sz="2400" b="0" dirty="0" smtClean="0">
+              <a:latin typeface="宋体" charset="-122"/>
+            </a:endParaRPr>
+          </a:p>
+          <a:p>
+            <a:pPr lvl="1" eaLnBrk="1" hangingPunct="1"/>
+            <a:r>
+              <a:rPr lang="zh-CN" altLang="en-US" sz="2400" b="0" dirty="0" smtClean="0">
+                <a:latin typeface="宋体" charset="-122"/>
+              </a:rPr>
+              <a:t>怪物猎人使用</a:t>
+            </a:r>
+            <a:r>
+              <a:rPr lang="en-US" altLang="zh-CN" sz="2400" b="0" dirty="0" smtClean="0">
+                <a:latin typeface="宋体" charset="-122"/>
+              </a:rPr>
+              <a:t>cry3</a:t>
+            </a:r>
+            <a:r>
+              <a:rPr lang="zh-CN" altLang="en-US" sz="2400" b="0" dirty="0" smtClean="0">
+                <a:latin typeface="宋体" charset="-122"/>
+              </a:rPr>
+              <a:t>后初期做怪物</a:t>
+            </a:r>
+            <a:r>
+              <a:rPr lang="en-US" altLang="zh-CN" sz="2400" b="0" dirty="0" smtClean="0">
+                <a:latin typeface="宋体" charset="-122"/>
+              </a:rPr>
+              <a:t>AI</a:t>
+            </a:r>
+            <a:r>
+              <a:rPr lang="zh-CN" altLang="en-US" sz="2400" b="0" dirty="0" smtClean="0">
+                <a:latin typeface="宋体" charset="-122"/>
+              </a:rPr>
+              <a:t>开发</a:t>
+            </a:r>
+            <a:endParaRPr lang="en-US" altLang="zh-CN" sz="2400" b="0" dirty="0" smtClean="0">
+              <a:latin typeface="宋体" charset="-122"/>
+            </a:endParaRPr>
+          </a:p>
+          <a:p>
+            <a:pPr lvl="1" eaLnBrk="1" hangingPunct="1"/>
+            <a:r>
+              <a:rPr lang="zh-CN" altLang="en-US" sz="2400" b="0" dirty="0" smtClean="0">
+                <a:latin typeface="宋体" charset="-122"/>
+              </a:rPr>
+              <a:t>怪物猎人场景物件开发流程规范制定，系统搭建和需求实现以及后续优化，同步方案设计和实施</a:t>
+            </a:r>
+            <a:endParaRPr lang="en-US" altLang="zh-CN" sz="2400" b="0" dirty="0" smtClean="0">
+              <a:latin typeface="宋体" charset="-122"/>
+            </a:endParaRPr>
+          </a:p>
+          <a:p>
+            <a:pPr lvl="1" eaLnBrk="1" hangingPunct="1"/>
+            <a:r>
+              <a:rPr lang="zh-CN" altLang="en-US" sz="2400" b="0" dirty="0" smtClean="0">
+                <a:latin typeface="宋体" charset="-122"/>
+              </a:rPr>
+              <a:t>怪物特殊玩法实现，特殊移动，与物件的交互等</a:t>
+            </a:r>
+            <a:endParaRPr lang="en-US" altLang="zh-CN" sz="2400" b="0" dirty="0" smtClean="0">
+              <a:latin typeface="宋体" charset="-122"/>
+            </a:endParaRPr>
+          </a:p>
+          <a:p>
+            <a:pPr lvl="1" eaLnBrk="1" hangingPunct="1"/>
+            <a:r>
+              <a:rPr lang="zh-CN" altLang="en-US" sz="2400" b="0" dirty="0" smtClean="0">
+                <a:latin typeface="宋体" charset="-122"/>
+              </a:rPr>
+              <a:t>怪物群体</a:t>
+            </a:r>
+            <a:r>
+              <a:rPr lang="en-US" altLang="zh-CN" sz="2400" b="0" dirty="0" smtClean="0">
+                <a:latin typeface="宋体" charset="-122"/>
+              </a:rPr>
+              <a:t>AI</a:t>
+            </a:r>
+            <a:r>
+              <a:rPr lang="zh-CN" altLang="en-US" sz="2400" b="0" dirty="0" smtClean="0">
+                <a:latin typeface="宋体" charset="-122"/>
+              </a:rPr>
+              <a:t>系统的设计和实现</a:t>
+            </a:r>
+            <a:endParaRPr lang="en-US" altLang="zh-CN" sz="2400" b="0" dirty="0" smtClean="0">
+              <a:latin typeface="宋体" charset="-122"/>
+            </a:endParaRPr>
+          </a:p>
+          <a:p>
+            <a:pPr lvl="1" eaLnBrk="1" hangingPunct="1"/>
+            <a:r>
+              <a:rPr lang="zh-CN" altLang="en-US" sz="2400" b="0" dirty="0" smtClean="0">
+                <a:latin typeface="宋体" charset="-122"/>
+              </a:rPr>
+              <a:t>一些内存优化和系统重构工作</a:t>
+            </a:r>
+            <a:endParaRPr lang="en-US" altLang="zh-CN" sz="2400" b="0" dirty="0" smtClean="0">
+              <a:latin typeface="宋体" charset="-122"/>
+            </a:endParaRPr>
+          </a:p>
+          <a:p>
+            <a:pPr eaLnBrk="1" hangingPunct="1"/>
+            <a:endParaRPr lang="en-US" altLang="zh-CN" sz="1600" b="0" dirty="0" smtClean="0">
+              <a:latin typeface="宋体" charset="-122"/>
+            </a:endParaRPr>
+          </a:p>
+        </p:txBody>
+      </p:sp>
+    </p:spTree>
+  </p:cSld>
+  <p:clrMapOvr>
+    <a:masterClrMapping/>
+  </p:clrMapOvr>
+  <p:timing>
+    <p:tnLst>
+      <p:par>
+        <p:cTn id="1" dur="indefinite" restart="never" nodeType="tmRoot"/>
+      </p:par>
+    </p:tnLst>
+  </p:timing>
+</p:sld>
+</file>
+
+<file path=ppt/slides/slide20.xml><?xml version="1.0" encoding="utf-8"?>
 <p:sld xmlns:a="http://schemas.openxmlformats.org/drawingml/2006/main" xmlns:r="http://schemas.openxmlformats.org/officeDocument/2006/relationships" xmlns:p="http://schemas.openxmlformats.org/presentationml/2006/main">
   <p:cSld>
     <p:spTree>
@@ -14731,14 +16739,14 @@
                     </a:ln>
                     <a:extLst>
                       <a:ext uri="{909E8E84-426E-40DD-AFC4-6F175D3DCCD1}">
-                        <a14:hiddenFill xmlns="" xmlns:a14="http://schemas.microsoft.com/office/drawing/2010/main">
+                        <a14:hiddenFill xmlns:a14="http://schemas.microsoft.com/office/drawing/2010/main" xmlns="">
                           <a:solidFill>
                             <a:srgbClr val="FFFFFF"/>
                           </a:solidFill>
                         </a14:hiddenFill>
                       </a:ext>
                       <a:ext uri="{91240B29-F687-4F45-9708-019B960494DF}">
-                        <a14:hiddenLine xmlns="" xmlns:a14="http://schemas.microsoft.com/office/drawing/2010/main" w="9525">
+                        <a14:hiddenLine xmlns:a14="http://schemas.microsoft.com/office/drawing/2010/main" xmlns="" w="9525">
                           <a:solidFill>
                             <a:srgbClr val="000000"/>
                           </a:solidFill>
@@ -16672,7 +18680,7 @@
 </p:sld>
 </file>
 
-<file path=ppt/slides/slide16.xml><?xml version="1.0" encoding="utf-8"?>
+<file path=ppt/slides/slide21.xml><?xml version="1.0" encoding="utf-8"?>
 <p:sld xmlns:a="http://schemas.openxmlformats.org/drawingml/2006/main" xmlns:r="http://schemas.openxmlformats.org/officeDocument/2006/relationships" xmlns:p="http://schemas.openxmlformats.org/presentationml/2006/main">
   <p:cSld>
     <p:spTree>
@@ -17216,7 +19224,7 @@
 </p:sld>
 </file>
 
-<file path=ppt/slides/slide17.xml><?xml version="1.0" encoding="utf-8"?>
+<file path=ppt/slides/slide22.xml><?xml version="1.0" encoding="utf-8"?>
 <p:sld xmlns:a="http://schemas.openxmlformats.org/drawingml/2006/main" xmlns:r="http://schemas.openxmlformats.org/officeDocument/2006/relationships" xmlns:p="http://schemas.openxmlformats.org/presentationml/2006/main">
   <p:cSld>
     <p:spTree>
@@ -17637,7 +19645,7 @@
 </p:sld>
 </file>
 
-<file path=ppt/slides/slide18.xml><?xml version="1.0" encoding="utf-8"?>
+<file path=ppt/slides/slide23.xml><?xml version="1.0" encoding="utf-8"?>
 <p:sld xmlns:a="http://schemas.openxmlformats.org/drawingml/2006/main" xmlns:r="http://schemas.openxmlformats.org/officeDocument/2006/relationships" xmlns:p="http://schemas.openxmlformats.org/presentationml/2006/main">
   <p:cSld>
     <p:spTree>
@@ -17726,333 +19734,6 @@
               <a:rPr lang="zh-CN" sz="2800" smtClean="0"/>
             </a:br>
             <a:endParaRPr lang="zh-CN" sz="2800" smtClean="0"/>
-          </a:p>
-        </p:txBody>
-      </p:sp>
-    </p:spTree>
-  </p:cSld>
-  <p:clrMapOvr>
-    <a:masterClrMapping/>
-  </p:clrMapOvr>
-  <p:timing>
-    <p:tnLst>
-      <p:par>
-        <p:cTn id="1" dur="indefinite" restart="never" nodeType="tmRoot"/>
-      </p:par>
-    </p:tnLst>
-  </p:timing>
-</p:sld>
-</file>
-
-<file path=ppt/slides/slide2.xml><?xml version="1.0" encoding="utf-8"?>
-<p:sld xmlns:a="http://schemas.openxmlformats.org/drawingml/2006/main" xmlns:r="http://schemas.openxmlformats.org/officeDocument/2006/relationships" xmlns:p="http://schemas.openxmlformats.org/presentationml/2006/main">
-  <p:cSld>
-    <p:spTree>
-      <p:nvGrpSpPr>
-        <p:cNvPr id="1" name=""/>
-        <p:cNvGrpSpPr/>
-        <p:nvPr/>
-      </p:nvGrpSpPr>
-      <p:grpSpPr>
-        <a:xfrm>
-          <a:off x="0" y="0"/>
-          <a:ext cx="0" cy="0"/>
-          <a:chOff x="0" y="0"/>
-          <a:chExt cx="0" cy="0"/>
-        </a:xfrm>
-      </p:grpSpPr>
-      <p:sp>
-        <p:nvSpPr>
-          <p:cNvPr id="5122" name="Rectangle 2"/>
-          <p:cNvSpPr>
-            <a:spLocks noGrp="1" noChangeArrowheads="1"/>
-          </p:cNvSpPr>
-          <p:nvPr>
-            <p:ph type="title"/>
-          </p:nvPr>
-        </p:nvSpPr>
-        <p:spPr>
-          <a:xfrm>
-            <a:off x="228600" y="152400"/>
-            <a:ext cx="6011863" cy="838200"/>
-          </a:xfrm>
-        </p:spPr>
-        <p:txBody>
-          <a:bodyPr/>
-          <a:lstStyle/>
-          <a:p>
-            <a:pPr eaLnBrk="1" hangingPunct="1"/>
-            <a:r>
-              <a:rPr lang="zh-CN" altLang="en-US" smtClean="0"/>
-              <a:t>个人经历概述</a:t>
-            </a:r>
-          </a:p>
-        </p:txBody>
-      </p:sp>
-      <p:sp>
-        <p:nvSpPr>
-          <p:cNvPr id="5123" name="Rectangle 3"/>
-          <p:cNvSpPr>
-            <a:spLocks noGrp="1" noChangeArrowheads="1"/>
-          </p:cNvSpPr>
-          <p:nvPr>
-            <p:ph type="body" idx="1"/>
-          </p:nvPr>
-        </p:nvSpPr>
-        <p:spPr>
-          <a:xfrm>
-            <a:off x="381000" y="1219200"/>
-            <a:ext cx="8382000" cy="5257800"/>
-          </a:xfrm>
-        </p:spPr>
-        <p:txBody>
-          <a:bodyPr/>
-          <a:lstStyle/>
-          <a:p>
-            <a:pPr eaLnBrk="1" hangingPunct="1"/>
-            <a:r>
-              <a:rPr lang="zh-CN" altLang="en-US" sz="2400" dirty="0" smtClean="0">
-                <a:latin typeface="宋体" charset="-122"/>
-              </a:rPr>
-              <a:t>在怪物猎人个人</a:t>
-            </a:r>
-            <a:r>
-              <a:rPr lang="zh-CN" altLang="en-US" sz="2400" dirty="0" smtClean="0">
-                <a:latin typeface="宋体" charset="-122"/>
-              </a:rPr>
-              <a:t>经历</a:t>
-            </a:r>
-            <a:endParaRPr lang="en-US" altLang="zh-CN" sz="2400" dirty="0" smtClean="0">
-              <a:latin typeface="宋体" charset="-122"/>
-            </a:endParaRPr>
-          </a:p>
-          <a:p>
-            <a:pPr eaLnBrk="1" hangingPunct="1"/>
-            <a:r>
-              <a:rPr lang="zh-CN" altLang="en-US" sz="2400" dirty="0" smtClean="0">
-                <a:latin typeface="宋体" charset="-122"/>
-              </a:rPr>
-              <a:t>经历时间：</a:t>
-            </a:r>
-            <a:r>
-              <a:rPr lang="en-US" altLang="zh-CN" sz="2400" b="0" dirty="0" smtClean="0">
-                <a:latin typeface="宋体" charset="-122"/>
-              </a:rPr>
-              <a:t>2009.7-2014.8</a:t>
-            </a:r>
-          </a:p>
-          <a:p>
-            <a:pPr eaLnBrk="1" hangingPunct="1"/>
-            <a:r>
-              <a:rPr lang="zh-CN" altLang="en-US" sz="2400" dirty="0" smtClean="0">
-                <a:latin typeface="宋体" charset="-122"/>
-              </a:rPr>
-              <a:t>经历阶段</a:t>
-            </a:r>
-            <a:r>
-              <a:rPr lang="zh-CN" altLang="en-US" sz="2400" dirty="0" smtClean="0">
-                <a:latin typeface="宋体" charset="-122"/>
-              </a:rPr>
-              <a:t>：</a:t>
-            </a:r>
-            <a:r>
-              <a:rPr lang="zh-CN" altLang="en-US" sz="2400" b="0" dirty="0" smtClean="0">
-                <a:latin typeface="宋体" charset="-122"/>
-              </a:rPr>
-              <a:t>立项到第三</a:t>
-            </a:r>
-            <a:r>
-              <a:rPr lang="zh-CN" altLang="en-US" sz="2400" b="0" dirty="0" smtClean="0">
-                <a:latin typeface="宋体" charset="-122"/>
-              </a:rPr>
-              <a:t>次封闭测试</a:t>
-            </a:r>
-            <a:endParaRPr lang="en-US" altLang="zh-CN" sz="2400" b="0" dirty="0" smtClean="0">
-              <a:latin typeface="宋体" charset="-122"/>
-            </a:endParaRPr>
-          </a:p>
-          <a:p>
-            <a:pPr eaLnBrk="1" hangingPunct="1"/>
-            <a:r>
-              <a:rPr lang="zh-CN" altLang="en-US" sz="2400" dirty="0" smtClean="0">
-                <a:latin typeface="宋体" charset="-122"/>
-              </a:rPr>
-              <a:t>工作内容</a:t>
-            </a:r>
-            <a:r>
-              <a:rPr lang="zh-CN" altLang="en-US" sz="2400" dirty="0" smtClean="0">
-                <a:latin typeface="宋体" charset="-122"/>
-              </a:rPr>
-              <a:t>：</a:t>
-            </a:r>
-            <a:endParaRPr lang="en-US" altLang="zh-CN" sz="2400" dirty="0" smtClean="0">
-              <a:latin typeface="宋体" charset="-122"/>
-            </a:endParaRPr>
-          </a:p>
-          <a:p>
-            <a:pPr lvl="1" eaLnBrk="1" hangingPunct="1"/>
-            <a:r>
-              <a:rPr lang="zh-CN" altLang="en-US" sz="2400" b="0" dirty="0" smtClean="0">
-                <a:latin typeface="宋体" charset="-122"/>
-              </a:rPr>
-              <a:t>深圳用</a:t>
-            </a:r>
-            <a:r>
-              <a:rPr lang="en-US" altLang="zh-CN" sz="2400" b="0" dirty="0" err="1" smtClean="0">
-                <a:latin typeface="宋体" charset="-122"/>
-              </a:rPr>
-              <a:t>S</a:t>
-            </a:r>
-            <a:r>
-              <a:rPr lang="en-US" altLang="zh-CN" sz="2400" b="0" dirty="0" err="1" smtClean="0">
-                <a:latin typeface="宋体" charset="-122"/>
-              </a:rPr>
-              <a:t>caleform</a:t>
-            </a:r>
-            <a:r>
-              <a:rPr lang="zh-CN" altLang="en-US" sz="2400" b="0" dirty="0" smtClean="0">
-                <a:latin typeface="宋体" charset="-122"/>
-              </a:rPr>
-              <a:t>搭建怪物猎人的</a:t>
-            </a:r>
-            <a:r>
-              <a:rPr lang="en-US" altLang="zh-CN" sz="2400" b="0" dirty="0" smtClean="0">
-                <a:latin typeface="宋体" charset="-122"/>
-              </a:rPr>
-              <a:t>UI</a:t>
-            </a:r>
-          </a:p>
-          <a:p>
-            <a:pPr lvl="1" eaLnBrk="1" hangingPunct="1"/>
-            <a:r>
-              <a:rPr lang="zh-CN" altLang="en-US" sz="2400" b="0" dirty="0" smtClean="0">
-                <a:latin typeface="宋体" charset="-122"/>
-              </a:rPr>
-              <a:t>上海之后</a:t>
-            </a:r>
-            <a:r>
-              <a:rPr lang="en-US" altLang="zh-CN" sz="2400" b="0" dirty="0" smtClean="0">
-                <a:latin typeface="宋体" charset="-122"/>
-              </a:rPr>
-              <a:t>evolution</a:t>
-            </a:r>
-            <a:r>
-              <a:rPr lang="zh-CN" altLang="en-US" sz="2400" b="0" dirty="0" smtClean="0">
-                <a:latin typeface="宋体" charset="-122"/>
-              </a:rPr>
-              <a:t>引擎做过角色</a:t>
-            </a:r>
-            <a:endParaRPr lang="en-US" altLang="zh-CN" sz="2400" b="0" dirty="0" smtClean="0">
-              <a:latin typeface="宋体" charset="-122"/>
-            </a:endParaRPr>
-          </a:p>
-          <a:p>
-            <a:pPr lvl="1" eaLnBrk="1" hangingPunct="1"/>
-            <a:r>
-              <a:rPr lang="zh-CN" altLang="en-US" sz="2400" b="0" dirty="0" smtClean="0">
-                <a:latin typeface="宋体" charset="-122"/>
-              </a:rPr>
-              <a:t>怪物猎人使用</a:t>
-            </a:r>
-            <a:r>
-              <a:rPr lang="en-US" altLang="zh-CN" sz="2400" b="0" dirty="0" smtClean="0">
-                <a:latin typeface="宋体" charset="-122"/>
-              </a:rPr>
-              <a:t>cry3</a:t>
-            </a:r>
-            <a:r>
-              <a:rPr lang="zh-CN" altLang="en-US" sz="2400" b="0" dirty="0" smtClean="0">
-                <a:latin typeface="宋体" charset="-122"/>
-              </a:rPr>
-              <a:t>后初期做怪物</a:t>
-            </a:r>
-            <a:r>
-              <a:rPr lang="en-US" altLang="zh-CN" sz="2400" b="0" dirty="0" smtClean="0">
-                <a:latin typeface="宋体" charset="-122"/>
-              </a:rPr>
-              <a:t>AI</a:t>
-            </a:r>
-            <a:r>
-              <a:rPr lang="zh-CN" altLang="en-US" sz="2400" b="0" dirty="0" smtClean="0">
-                <a:latin typeface="宋体" charset="-122"/>
-              </a:rPr>
-              <a:t>开发</a:t>
-            </a:r>
-            <a:endParaRPr lang="en-US" altLang="zh-CN" sz="2400" b="0" dirty="0" smtClean="0">
-              <a:latin typeface="宋体" charset="-122"/>
-            </a:endParaRPr>
-          </a:p>
-          <a:p>
-            <a:pPr lvl="1" eaLnBrk="1" hangingPunct="1"/>
-            <a:r>
-              <a:rPr lang="zh-CN" altLang="en-US" sz="2400" b="0" dirty="0" smtClean="0">
-                <a:latin typeface="宋体" charset="-122"/>
-              </a:rPr>
-              <a:t>怪物猎人场景物件开发流程规范制定，系统搭建和需求实现以及后续优化，同步方案设计和</a:t>
-            </a:r>
-            <a:r>
-              <a:rPr lang="zh-CN" altLang="en-US" sz="2400" b="0" dirty="0" smtClean="0">
-                <a:latin typeface="宋体" charset="-122"/>
-              </a:rPr>
-              <a:t>实施</a:t>
-            </a:r>
-            <a:endParaRPr lang="en-US" altLang="zh-CN" sz="2400" b="0" dirty="0" smtClean="0">
-              <a:latin typeface="宋体" charset="-122"/>
-            </a:endParaRPr>
-          </a:p>
-          <a:p>
-            <a:pPr lvl="1" eaLnBrk="1" hangingPunct="1"/>
-            <a:r>
-              <a:rPr lang="zh-CN" altLang="en-US" sz="2400" b="0" dirty="0" smtClean="0">
-                <a:latin typeface="宋体" charset="-122"/>
-              </a:rPr>
-              <a:t>怪物特殊玩法实现，特殊移动，与物件的交互等</a:t>
-            </a:r>
-            <a:endParaRPr lang="en-US" altLang="zh-CN" sz="2400" b="0" dirty="0" smtClean="0">
-              <a:latin typeface="宋体" charset="-122"/>
-            </a:endParaRPr>
-          </a:p>
-          <a:p>
-            <a:pPr lvl="1" eaLnBrk="1" hangingPunct="1"/>
-            <a:r>
-              <a:rPr lang="zh-CN" altLang="en-US" sz="2400" b="0" dirty="0" smtClean="0">
-                <a:latin typeface="宋体" charset="-122"/>
-              </a:rPr>
-              <a:t>怪物群体</a:t>
-            </a:r>
-            <a:r>
-              <a:rPr lang="en-US" altLang="zh-CN" sz="2400" b="0" dirty="0" smtClean="0">
-                <a:latin typeface="宋体" charset="-122"/>
-              </a:rPr>
-              <a:t>AI</a:t>
-            </a:r>
-            <a:r>
-              <a:rPr lang="zh-CN" altLang="en-US" sz="2400" b="0" dirty="0" smtClean="0">
-                <a:latin typeface="宋体" charset="-122"/>
-              </a:rPr>
-              <a:t>系统的设计和实现</a:t>
-            </a:r>
-            <a:endParaRPr lang="en-US" altLang="zh-CN" sz="2400" b="0" dirty="0" smtClean="0">
-              <a:latin typeface="宋体" charset="-122"/>
-            </a:endParaRPr>
-          </a:p>
-          <a:p>
-            <a:pPr lvl="1" eaLnBrk="1" hangingPunct="1"/>
-            <a:r>
-              <a:rPr lang="zh-CN" altLang="en-US" sz="2400" b="0" dirty="0" smtClean="0">
-                <a:latin typeface="宋体" charset="-122"/>
-              </a:rPr>
-              <a:t>一些内存优化和系统重构工作</a:t>
-            </a:r>
-            <a:endParaRPr lang="en-US" altLang="zh-CN" sz="2400" b="0" dirty="0" smtClean="0">
-              <a:latin typeface="宋体" charset="-122"/>
-            </a:endParaRPr>
-          </a:p>
-          <a:p>
-            <a:pPr eaLnBrk="1" hangingPunct="1"/>
-            <a:endParaRPr lang="en-US" altLang="zh-CN" sz="1600" b="0" dirty="0" smtClean="0">
-              <a:latin typeface="宋体" charset="-122"/>
-            </a:endParaRPr>
           </a:p>
         </p:txBody>
       </p:sp>
@@ -18113,7 +19794,6 @@
               <a:rPr lang="zh-CN" altLang="en-US" dirty="0" smtClean="0"/>
               <a:t>灵活功能强大的场景物件系统</a:t>
             </a:r>
-            <a:endParaRPr lang="zh-CN" altLang="en-US" dirty="0" smtClean="0"/>
           </a:p>
         </p:txBody>
       </p:sp>
@@ -18248,7 +19928,6 @@
               <a:rPr lang="zh-CN" altLang="en-US" dirty="0" smtClean="0"/>
               <a:t>灵活功能强大的场景物件系统</a:t>
             </a:r>
-            <a:endParaRPr lang="zh-CN" altLang="en-US" dirty="0" smtClean="0"/>
           </a:p>
         </p:txBody>
       </p:sp>
@@ -18379,11 +20058,7 @@
             </a:pPr>
             <a:r>
               <a:rPr lang="en-US" altLang="zh-CN" b="0" dirty="0" smtClean="0"/>
-              <a:t>	f</a:t>
-            </a:r>
-            <a:r>
-              <a:rPr lang="en-US" altLang="zh-CN" b="0" dirty="0" smtClean="0"/>
-              <a:t>unction A:OnSpawn()</a:t>
+              <a:t>	function A:OnSpawn()</a:t>
             </a:r>
           </a:p>
           <a:p>
@@ -18394,7 +20069,6 @@
               <a:rPr lang="en-US" altLang="zh-CN" b="0" dirty="0" smtClean="0"/>
               <a:t>		…</a:t>
             </a:r>
-            <a:endParaRPr lang="en-US" altLang="zh-CN" b="0" dirty="0" smtClean="0"/>
           </a:p>
           <a:p>
             <a:pPr eaLnBrk="1" hangingPunct="1">
@@ -18494,7 +20168,6 @@
               <a:rPr lang="zh-CN" altLang="en-US" dirty="0" smtClean="0"/>
               <a:t>灵活功能强大的场景物件系统</a:t>
             </a:r>
-            <a:endParaRPr lang="zh-CN" altLang="en-US" dirty="0" smtClean="0"/>
           </a:p>
         </p:txBody>
       </p:sp>
@@ -18577,11 +20250,7 @@
             </a:r>
             <a:r>
               <a:rPr lang="zh-CN" altLang="en-US" sz="2400" b="0" dirty="0" smtClean="0"/>
-              <a:t>用来把各个物件</a:t>
-            </a:r>
-            <a:r>
-              <a:rPr lang="zh-CN" altLang="en-US" sz="2400" b="0" dirty="0" smtClean="0"/>
-              <a:t>串起来</a:t>
+              <a:t>用来把各个物件串起来</a:t>
             </a:r>
             <a:endParaRPr lang="en-US" altLang="zh-CN" sz="2400" b="0" dirty="0" smtClean="0"/>
           </a:p>
@@ -18692,7 +20361,6 @@
               <a:rPr lang="zh-CN" altLang="en-US" dirty="0" smtClean="0"/>
               <a:t>灵活功能强大的场景物件系统</a:t>
             </a:r>
-            <a:endParaRPr lang="zh-CN" altLang="en-US" dirty="0" smtClean="0"/>
           </a:p>
         </p:txBody>
       </p:sp>
@@ -18740,14 +20408,42 @@
               <a:rPr lang="en-US" altLang="zh-CN" dirty="0" smtClean="0"/>
               <a:t>1 </a:t>
             </a:r>
-            <a:r>
-              <a:rPr lang="zh-CN" altLang="en-US" dirty="0" smtClean="0"/>
-              <a:t>两个球</a:t>
-            </a:r>
-            <a:endParaRPr lang="en-US" altLang="zh-CN" dirty="0" smtClean="0"/>
           </a:p>
         </p:txBody>
       </p:sp>
+      <p:pic>
+        <p:nvPicPr>
+          <p:cNvPr id="2050" name="Picture 2"/>
+          <p:cNvPicPr>
+            <a:picLocks noChangeAspect="1" noChangeArrowheads="1"/>
+          </p:cNvPicPr>
+          <p:nvPr/>
+        </p:nvPicPr>
+        <p:blipFill>
+          <a:blip r:embed="rId3"/>
+          <a:srcRect/>
+          <a:stretch>
+            <a:fillRect/>
+          </a:stretch>
+        </p:blipFill>
+        <p:spPr bwMode="auto">
+          <a:xfrm>
+            <a:off x="1600200" y="2209800"/>
+            <a:ext cx="5819641" cy="3429000"/>
+          </a:xfrm>
+          <a:prstGeom prst="rect">
+            <a:avLst/>
+          </a:prstGeom>
+          <a:noFill/>
+          <a:ln w="9525">
+            <a:noFill/>
+            <a:miter lim="800000"/>
+            <a:headEnd/>
+            <a:tailEnd/>
+          </a:ln>
+          <a:effectLst/>
+        </p:spPr>
+      </p:pic>
     </p:spTree>
   </p:cSld>
   <p:clrMapOvr>
@@ -18805,7 +20501,6 @@
               <a:rPr lang="zh-CN" altLang="en-US" dirty="0" smtClean="0"/>
               <a:t>灵活功能强大的场景物件系统</a:t>
             </a:r>
-            <a:endParaRPr lang="zh-CN" altLang="en-US" dirty="0" smtClean="0"/>
           </a:p>
         </p:txBody>
       </p:sp>
@@ -18853,22 +20548,43 @@
               <a:rPr lang="en-US" altLang="zh-CN" dirty="0" smtClean="0"/>
               <a:t>2</a:t>
             </a:r>
-            <a:r>
-              <a:rPr lang="zh-CN" altLang="en-US" dirty="0" smtClean="0"/>
-              <a:t>两</a:t>
-            </a:r>
-            <a:r>
-              <a:rPr lang="zh-CN" altLang="en-US" dirty="0" smtClean="0"/>
-              <a:t>个</a:t>
-            </a:r>
-            <a:r>
-              <a:rPr lang="en-US" altLang="zh-CN" dirty="0" smtClean="0"/>
-              <a:t>flow graph</a:t>
-            </a:r>
             <a:endParaRPr lang="en-US" altLang="zh-CN" dirty="0" smtClean="0"/>
           </a:p>
         </p:txBody>
       </p:sp>
+      <p:pic>
+        <p:nvPicPr>
+          <p:cNvPr id="3074" name="Picture 2"/>
+          <p:cNvPicPr>
+            <a:picLocks noChangeAspect="1" noChangeArrowheads="1"/>
+          </p:cNvPicPr>
+          <p:nvPr/>
+        </p:nvPicPr>
+        <p:blipFill>
+          <a:blip r:embed="rId3"/>
+          <a:srcRect/>
+          <a:stretch>
+            <a:fillRect/>
+          </a:stretch>
+        </p:blipFill>
+        <p:spPr bwMode="auto">
+          <a:xfrm>
+            <a:off x="990600" y="1981200"/>
+            <a:ext cx="7147560" cy="3962400"/>
+          </a:xfrm>
+          <a:prstGeom prst="rect">
+            <a:avLst/>
+          </a:prstGeom>
+          <a:noFill/>
+          <a:ln w="9525">
+            <a:noFill/>
+            <a:miter lim="800000"/>
+            <a:headEnd/>
+            <a:tailEnd/>
+          </a:ln>
+          <a:effectLst/>
+        </p:spPr>
+      </p:pic>
     </p:spTree>
   </p:cSld>
   <p:clrMapOvr>
@@ -18926,7 +20642,6 @@
               <a:rPr lang="zh-CN" altLang="en-US" dirty="0" smtClean="0"/>
               <a:t>灵活功能强大的场景物件系统</a:t>
             </a:r>
-            <a:endParaRPr lang="zh-CN" altLang="en-US" dirty="0" smtClean="0"/>
           </a:p>
         </p:txBody>
       </p:sp>
@@ -18966,22 +20681,43 @@
           </a:p>
           <a:p>
             <a:pPr eaLnBrk="1" hangingPunct="1"/>
-            <a:r>
-              <a:rPr lang="zh-CN" altLang="en-US" dirty="0" smtClean="0"/>
-              <a:t>图</a:t>
-            </a:r>
-            <a:r>
-              <a:rPr lang="en-US" altLang="zh-CN" dirty="0" smtClean="0"/>
-              <a:t>3</a:t>
-            </a:r>
-            <a:r>
-              <a:rPr lang="zh-CN" altLang="en-US" dirty="0" smtClean="0"/>
-              <a:t>两个球消失</a:t>
-            </a:r>
             <a:endParaRPr lang="en-US" altLang="zh-CN" dirty="0" smtClean="0"/>
           </a:p>
         </p:txBody>
       </p:sp>
+      <p:pic>
+        <p:nvPicPr>
+          <p:cNvPr id="4098" name="Picture 2"/>
+          <p:cNvPicPr>
+            <a:picLocks noChangeAspect="1" noChangeArrowheads="1"/>
+          </p:cNvPicPr>
+          <p:nvPr/>
+        </p:nvPicPr>
+        <p:blipFill>
+          <a:blip r:embed="rId3"/>
+          <a:srcRect/>
+          <a:stretch>
+            <a:fillRect/>
+          </a:stretch>
+        </p:blipFill>
+        <p:spPr bwMode="auto">
+          <a:xfrm>
+            <a:off x="914399" y="1752600"/>
+            <a:ext cx="7644095" cy="4114800"/>
+          </a:xfrm>
+          <a:prstGeom prst="rect">
+            <a:avLst/>
+          </a:prstGeom>
+          <a:noFill/>
+          <a:ln w="9525">
+            <a:noFill/>
+            <a:miter lim="800000"/>
+            <a:headEnd/>
+            <a:tailEnd/>
+          </a:ln>
+          <a:effectLst/>
+        </p:spPr>
+      </p:pic>
     </p:spTree>
   </p:cSld>
   <p:clrMapOvr>
@@ -19041,11 +20777,7 @@
             </a:r>
             <a:r>
               <a:rPr lang="zh-CN" altLang="en-US" dirty="0" smtClean="0"/>
-              <a:t>物件系统的缺点</a:t>
-            </a:r>
-            <a:r>
-              <a:rPr lang="zh-CN" altLang="en-US" dirty="0" smtClean="0"/>
-              <a:t>：</a:t>
+              <a:t>物件系统的缺点：</a:t>
             </a:r>
             <a:endParaRPr lang="en-US" altLang="zh-CN" dirty="0" smtClean="0"/>
           </a:p>
@@ -19091,13 +20823,7 @@
               <a:rPr lang="zh-CN" altLang="en-US" b="0" dirty="0" smtClean="0">
                 <a:latin typeface="宋体" charset="-122"/>
               </a:rPr>
-              <a:t>参与度</a:t>
-            </a:r>
-            <a:r>
-              <a:rPr lang="zh-CN" altLang="en-US" b="0" dirty="0" smtClean="0">
-                <a:latin typeface="宋体" charset="-122"/>
-              </a:rPr>
-              <a:t>低</a:t>
+              <a:t>参与度低</a:t>
             </a:r>
             <a:endParaRPr lang="en-US" altLang="zh-CN" b="0" dirty="0" smtClean="0">
               <a:latin typeface="宋体" charset="-122"/>
@@ -19153,9 +20879,6 @@
               </a:rPr>
               <a:t>touch bending</a:t>
             </a:r>
-            <a:endParaRPr lang="en-US" altLang="zh-CN" b="0" dirty="0" smtClean="0">
-              <a:latin typeface="宋体" charset="-122"/>
-            </a:endParaRPr>
           </a:p>
           <a:p>
             <a:endParaRPr lang="en-US" altLang="zh-CN" sz="1600" b="0" dirty="0" smtClean="0">
@@ -19184,7 +20907,6 @@
               <a:rPr lang="zh-CN" altLang="en-US" dirty="0" smtClean="0"/>
               <a:t>灵活功能强大的场景物件系统</a:t>
             </a:r>
-            <a:endParaRPr lang="zh-CN" altLang="en-US" dirty="0" smtClean="0"/>
           </a:p>
         </p:txBody>
       </p:sp>

--- a/Doc/whitebai.pptx
+++ b/Doc/whitebai.pptx
@@ -5,7 +5,7 @@
     <p:sldMasterId id="2147483657" r:id="rId1"/>
   </p:sldMasterIdLst>
   <p:notesMasterIdLst>
-    <p:notesMasterId r:id="rId25"/>
+    <p:notesMasterId r:id="rId26"/>
   </p:notesMasterIdLst>
   <p:sldIdLst>
     <p:sldId id="256" r:id="rId2"/>
@@ -24,13 +24,14 @@
     <p:sldId id="473" r:id="rId15"/>
     <p:sldId id="475" r:id="rId16"/>
     <p:sldId id="476" r:id="rId17"/>
-    <p:sldId id="460" r:id="rId18"/>
-    <p:sldId id="461" r:id="rId19"/>
-    <p:sldId id="462" r:id="rId20"/>
-    <p:sldId id="463" r:id="rId21"/>
-    <p:sldId id="454" r:id="rId22"/>
-    <p:sldId id="458" r:id="rId23"/>
-    <p:sldId id="455" r:id="rId24"/>
+    <p:sldId id="477" r:id="rId18"/>
+    <p:sldId id="460" r:id="rId19"/>
+    <p:sldId id="461" r:id="rId20"/>
+    <p:sldId id="462" r:id="rId21"/>
+    <p:sldId id="463" r:id="rId22"/>
+    <p:sldId id="454" r:id="rId23"/>
+    <p:sldId id="458" r:id="rId24"/>
+    <p:sldId id="455" r:id="rId25"/>
   </p:sldIdLst>
   <p:sldSz cx="9144000" cy="6858000" type="screen4x3"/>
   <p:notesSz cx="6858000" cy="9144000"/>
@@ -912,6 +913,100 @@
           </a:bodyPr>
           <a:lstStyle/>
           <a:p>
+            <a:r>
+              <a:rPr lang="en-US" altLang="zh-CN" b="0" dirty="0" err="1" smtClean="0">
+                <a:latin typeface="宋体" charset="-122"/>
+              </a:rPr>
+              <a:t>Lua</a:t>
+            </a:r>
+            <a:r>
+              <a:rPr lang="zh-CN" altLang="en-US" b="0" smtClean="0">
+                <a:latin typeface="宋体" charset="-122"/>
+              </a:rPr>
+              <a:t>表达顺序完成的逻辑并且可能是多帧执行的，非常不直观</a:t>
+            </a:r>
+            <a:endParaRPr lang="en-US" altLang="zh-CN" b="0" smtClean="0">
+              <a:latin typeface="宋体" charset="-122"/>
+            </a:endParaRPr>
+          </a:p>
+          <a:p>
+            <a:r>
+              <a:rPr lang="zh-CN" altLang="en-US" b="0" dirty="0" smtClean="0">
+                <a:latin typeface="宋体" charset="-122"/>
+              </a:rPr>
+              <a:t>由于</a:t>
+            </a:r>
+            <a:r>
+              <a:rPr lang="zh-CN" altLang="en-US" b="0" dirty="0" smtClean="0">
+                <a:latin typeface="宋体" charset="-122"/>
+              </a:rPr>
+              <a:t>每个组件很好的内聚性，</a:t>
+            </a:r>
+            <a:r>
+              <a:rPr lang="en-US" altLang="zh-CN" b="0" dirty="0" smtClean="0">
+                <a:latin typeface="宋体" charset="-122"/>
+              </a:rPr>
+              <a:t>entity</a:t>
+            </a:r>
+            <a:r>
+              <a:rPr lang="zh-CN" altLang="en-US" b="0" dirty="0" smtClean="0">
+                <a:latin typeface="宋体" charset="-122"/>
+              </a:rPr>
+              <a:t>实质的功能都在是组件内部，对于逻辑层来说，</a:t>
+            </a:r>
+            <a:r>
+              <a:rPr lang="en-US" altLang="zh-CN" b="0" dirty="0" err="1" smtClean="0">
+                <a:latin typeface="宋体" charset="-122"/>
+              </a:rPr>
+              <a:t>behaviour</a:t>
+            </a:r>
+            <a:r>
+              <a:rPr lang="en-US" altLang="zh-CN" b="0" dirty="0" smtClean="0">
+                <a:latin typeface="宋体" charset="-122"/>
+              </a:rPr>
+              <a:t> tree </a:t>
+            </a:r>
+            <a:r>
+              <a:rPr lang="zh-CN" altLang="en-US" b="0" dirty="0" smtClean="0">
+                <a:latin typeface="宋体" charset="-122"/>
+              </a:rPr>
+              <a:t>和</a:t>
+            </a:r>
+            <a:r>
+              <a:rPr lang="en-US" altLang="zh-CN" b="0" dirty="0" smtClean="0">
+                <a:latin typeface="宋体" charset="-122"/>
+              </a:rPr>
+              <a:t>flow graph</a:t>
+            </a:r>
+            <a:r>
+              <a:rPr lang="zh-CN" altLang="en-US" b="0" dirty="0" smtClean="0">
+                <a:latin typeface="宋体" charset="-122"/>
+              </a:rPr>
+              <a:t>都是等价的可视化脚本，用来做事件处理和流程</a:t>
+            </a:r>
+            <a:endParaRPr lang="en-US" altLang="zh-CN" b="0" dirty="0" smtClean="0">
+              <a:latin typeface="宋体" charset="-122"/>
+            </a:endParaRPr>
+          </a:p>
+          <a:p>
+            <a:r>
+              <a:rPr lang="zh-CN" altLang="en-US" b="0" dirty="0" smtClean="0">
+                <a:latin typeface="宋体" charset="-122"/>
+              </a:rPr>
+              <a:t>件供</a:t>
+            </a:r>
+            <a:r>
+              <a:rPr lang="en-US" altLang="zh-CN" b="0" dirty="0" smtClean="0">
+                <a:latin typeface="宋体" charset="-122"/>
+              </a:rPr>
+              <a:t>entity</a:t>
+            </a:r>
+            <a:r>
+              <a:rPr lang="zh-CN" altLang="en-US" b="0" dirty="0" smtClean="0">
+                <a:latin typeface="宋体" charset="-122"/>
+              </a:rPr>
+              <a:t>使用</a:t>
+            </a:r>
             <a:endParaRPr lang="en-US" altLang="zh-CN" dirty="0" smtClean="0"/>
           </a:p>
         </p:txBody>
@@ -1285,6 +1380,13 @@
             </a:r>
             <a:endParaRPr lang="en-US" altLang="zh-CN" baseline="0" dirty="0" smtClean="0"/>
           </a:p>
+          <a:p>
+            <a:r>
+              <a:rPr lang="zh-CN" altLang="en-US" baseline="0" dirty="0" smtClean="0"/>
+              <a:t>开发流程与</a:t>
+            </a:r>
+            <a:endParaRPr lang="en-US" altLang="zh-CN" baseline="0" dirty="0" smtClean="0"/>
+          </a:p>
         </p:txBody>
       </p:sp>
       <p:sp>
@@ -1378,7 +1480,37 @@
           <a:p>
             <a:r>
               <a:rPr lang="zh-CN" altLang="en-US" baseline="0" dirty="0" smtClean="0"/>
+              <a:t>原版缺点：没有动态属性，所有静态属性是共享的，节约内存但是没有逻辑功能，一旦修改就全部修改</a:t>
+            </a:r>
+            <a:endParaRPr lang="en-US" altLang="zh-CN" baseline="0" dirty="0" smtClean="0"/>
+          </a:p>
+          <a:p>
+            <a:r>
+              <a:rPr lang="zh-CN" altLang="en-US" baseline="0" dirty="0" smtClean="0"/>
               <a:t>属性默认值问题</a:t>
+            </a:r>
+            <a:endParaRPr lang="en-US" altLang="zh-CN" baseline="0" dirty="0" smtClean="0"/>
+          </a:p>
+          <a:p>
+            <a:r>
+              <a:rPr lang="zh-CN" altLang="en-US" baseline="0" dirty="0" smtClean="0"/>
+              <a:t>我加入了动态</a:t>
+            </a:r>
+            <a:r>
+              <a:rPr lang="en-US" altLang="zh-CN" baseline="0" dirty="0" err="1" smtClean="0"/>
+              <a:t>lua</a:t>
+            </a:r>
+            <a:r>
+              <a:rPr lang="zh-CN" altLang="en-US" baseline="0" dirty="0" smtClean="0"/>
+              <a:t>属性的支持，在创建的时候创建动态</a:t>
+            </a:r>
+            <a:r>
+              <a:rPr lang="en-US" altLang="zh-CN" baseline="0" dirty="0" smtClean="0"/>
+              <a:t>table</a:t>
+            </a:r>
+            <a:r>
+              <a:rPr lang="zh-CN" altLang="en-US" baseline="0" dirty="0" smtClean="0"/>
+              <a:t>，</a:t>
             </a:r>
             <a:endParaRPr lang="en-US" altLang="zh-CN" baseline="0" dirty="0" smtClean="0"/>
           </a:p>
@@ -1417,6 +1549,131 @@
 </file>
 
 <file path=ppt/notesSlides/notesSlide16.xml><?xml version="1.0" encoding="utf-8"?>
+<p:notes xmlns:a="http://schemas.openxmlformats.org/drawingml/2006/main" xmlns:r="http://schemas.openxmlformats.org/officeDocument/2006/relationships" xmlns:p="http://schemas.openxmlformats.org/presentationml/2006/main">
+  <p:cSld>
+    <p:spTree>
+      <p:nvGrpSpPr>
+        <p:cNvPr id="1" name=""/>
+        <p:cNvGrpSpPr/>
+        <p:nvPr/>
+      </p:nvGrpSpPr>
+      <p:grpSpPr>
+        <a:xfrm>
+          <a:off x="0" y="0"/>
+          <a:ext cx="0" cy="0"/>
+          <a:chOff x="0" y="0"/>
+          <a:chExt cx="0" cy="0"/>
+        </a:xfrm>
+      </p:grpSpPr>
+      <p:sp>
+        <p:nvSpPr>
+          <p:cNvPr id="2" name="幻灯片图像占位符 1"/>
+          <p:cNvSpPr>
+            <a:spLocks noGrp="1" noRot="1" noChangeAspect="1"/>
+          </p:cNvSpPr>
+          <p:nvPr>
+            <p:ph type="sldImg"/>
+          </p:nvPr>
+        </p:nvSpPr>
+        <p:spPr/>
+      </p:sp>
+      <p:sp>
+        <p:nvSpPr>
+          <p:cNvPr id="3" name="备注占位符 2"/>
+          <p:cNvSpPr>
+            <a:spLocks noGrp="1"/>
+          </p:cNvSpPr>
+          <p:nvPr>
+            <p:ph type="body" idx="1"/>
+          </p:nvPr>
+        </p:nvSpPr>
+        <p:spPr/>
+        <p:txBody>
+          <a:bodyPr>
+            <a:normAutofit/>
+          </a:bodyPr>
+          <a:lstStyle/>
+          <a:p>
+            <a:r>
+              <a:rPr lang="zh-CN" altLang="en-US" baseline="0" dirty="0" smtClean="0"/>
+              <a:t>水面控制逻辑，水面物理化后会直接与</a:t>
+            </a:r>
+            <a:r>
+              <a:rPr lang="en-US" altLang="zh-CN" baseline="0" dirty="0" smtClean="0"/>
+              <a:t>physics area</a:t>
+            </a:r>
+            <a:r>
+              <a:rPr lang="zh-CN" altLang="en-US" baseline="0" dirty="0" smtClean="0"/>
+              <a:t>交互，</a:t>
+            </a:r>
+            <a:r>
+              <a:rPr lang="en-US" altLang="zh-CN" baseline="0" dirty="0" err="1" smtClean="0"/>
+              <a:t>raycast</a:t>
+            </a:r>
+            <a:r>
+              <a:rPr lang="zh-CN" altLang="en-US" baseline="0" dirty="0" smtClean="0"/>
+              <a:t>有</a:t>
+            </a:r>
+            <a:r>
+              <a:rPr lang="en-US" altLang="zh-CN" baseline="0" dirty="0" smtClean="0"/>
+              <a:t>bug</a:t>
+            </a:r>
+            <a:r>
+              <a:rPr lang="zh-CN" altLang="en-US" baseline="0" dirty="0" smtClean="0"/>
+              <a:t>，有时候会导致水面位置错误</a:t>
+            </a:r>
+            <a:endParaRPr lang="en-US" altLang="zh-CN" baseline="0" dirty="0" smtClean="0"/>
+          </a:p>
+          <a:p>
+            <a:r>
+              <a:rPr lang="zh-CN" altLang="en-US" baseline="0" dirty="0" smtClean="0"/>
+              <a:t>自己加了一个物理模块内获得</a:t>
+            </a:r>
+            <a:r>
+              <a:rPr lang="en-US" altLang="zh-CN" baseline="0" dirty="0" smtClean="0"/>
+              <a:t>physics area</a:t>
+            </a:r>
+            <a:r>
+              <a:rPr lang="zh-CN" altLang="en-US" baseline="0" dirty="0" smtClean="0"/>
+              <a:t>的功能，然后根据物件位置定位</a:t>
+            </a:r>
+            <a:endParaRPr lang="en-US" altLang="zh-CN" baseline="0" dirty="0" smtClean="0"/>
+          </a:p>
+        </p:txBody>
+      </p:sp>
+      <p:sp>
+        <p:nvSpPr>
+          <p:cNvPr id="4" name="灯片编号占位符 3"/>
+          <p:cNvSpPr>
+            <a:spLocks noGrp="1"/>
+          </p:cNvSpPr>
+          <p:nvPr>
+            <p:ph type="sldNum" sz="quarter" idx="10"/>
+          </p:nvPr>
+        </p:nvSpPr>
+        <p:spPr/>
+        <p:txBody>
+          <a:bodyPr/>
+          <a:lstStyle/>
+          <a:p>
+            <a:fld id="{287CCF68-D40B-4599-926A-7A0EC2D9742D}" type="slidenum">
+              <a:rPr lang="zh-CN" altLang="en-US" smtClean="0"/>
+              <a:pPr/>
+              <a:t>17</a:t>
+            </a:fld>
+            <a:endParaRPr lang="en-US" altLang="zh-CN"/>
+          </a:p>
+        </p:txBody>
+      </p:sp>
+    </p:spTree>
+  </p:cSld>
+  <p:clrMapOvr>
+    <a:masterClrMapping/>
+  </p:clrMapOvr>
+</p:notes>
+</file>
+
+<file path=ppt/notesSlides/notesSlide17.xml><?xml version="1.0" encoding="utf-8"?>
 <p:notes xmlns:a="http://schemas.openxmlformats.org/drawingml/2006/main" xmlns:r="http://schemas.openxmlformats.org/officeDocument/2006/relationships" xmlns:p="http://schemas.openxmlformats.org/presentationml/2006/main">
   <p:cSld>
     <p:spTree>
@@ -1869,7 +2126,7 @@
             <a:fld id="{998AB4AB-AAD2-4EE6-B955-BB4D761210AC}" type="slidenum">
               <a:rPr lang="zh-CN" altLang="en-US"/>
               <a:pPr/>
-              <a:t>17</a:t>
+              <a:t>18</a:t>
             </a:fld>
             <a:endParaRPr lang="en-US" altLang="zh-CN"/>
           </a:p>
@@ -1883,7 +2140,7 @@
 </p:notes>
 </file>
 
-<file path=ppt/notesSlides/notesSlide17.xml><?xml version="1.0" encoding="utf-8"?>
+<file path=ppt/notesSlides/notesSlide18.xml><?xml version="1.0" encoding="utf-8"?>
 <p:notes xmlns:a="http://schemas.openxmlformats.org/drawingml/2006/main" xmlns:r="http://schemas.openxmlformats.org/officeDocument/2006/relationships" xmlns:p="http://schemas.openxmlformats.org/presentationml/2006/main">
   <p:cSld>
     <p:spTree>
@@ -2064,7 +2321,7 @@
             <a:fld id="{8C3FEFDE-2263-417D-8C97-29737050E476}" type="slidenum">
               <a:rPr lang="zh-CN" altLang="en-US"/>
               <a:pPr/>
-              <a:t>19</a:t>
+              <a:t>20</a:t>
             </a:fld>
             <a:endParaRPr lang="en-US" altLang="zh-CN"/>
           </a:p>
@@ -2078,7 +2335,7 @@
 </p:notes>
 </file>
 
-<file path=ppt/notesSlides/notesSlide18.xml><?xml version="1.0" encoding="utf-8"?>
+<file path=ppt/notesSlides/notesSlide19.xml><?xml version="1.0" encoding="utf-8"?>
 <p:notes xmlns:a="http://schemas.openxmlformats.org/drawingml/2006/main" xmlns:r="http://schemas.openxmlformats.org/officeDocument/2006/relationships" xmlns:p="http://schemas.openxmlformats.org/presentationml/2006/main">
   <p:cSld>
     <p:spTree>
@@ -2228,7 +2485,7 @@
             <a:fld id="{1B4A423A-AC70-438E-9986-6DE11AC5C74F}" type="slidenum">
               <a:rPr lang="zh-CN" altLang="en-US"/>
               <a:pPr/>
-              <a:t>20</a:t>
+              <a:t>21</a:t>
             </a:fld>
             <a:endParaRPr lang="en-US" altLang="zh-CN"/>
           </a:p>
@@ -2491,11 +2748,7 @@
             </a:r>
             <a:r>
               <a:rPr lang="zh-CN" altLang="en-US" dirty="0" smtClean="0"/>
-              <a:t>初始化物理，渲染</a:t>
-            </a:r>
-            <a:r>
-              <a:rPr lang="zh-CN" altLang="en-US" dirty="0" smtClean="0"/>
-              <a:t>等</a:t>
+              <a:t>初始化物理，渲染等</a:t>
             </a:r>
             <a:endParaRPr lang="en-US" altLang="zh-CN" dirty="0" smtClean="0"/>
           </a:p>
@@ -6004,11 +6257,7 @@
             <a:pPr eaLnBrk="1" hangingPunct="1"/>
             <a:r>
               <a:rPr lang="zh-CN" altLang="en-US" dirty="0" smtClean="0"/>
-              <a:t>物件系统多样化和组合冗余解决</a:t>
-            </a:r>
-            <a:r>
-              <a:rPr lang="zh-CN" altLang="en-US" dirty="0" smtClean="0"/>
-              <a:t>：</a:t>
+              <a:t>物件系统多样化和组合冗余解决：</a:t>
             </a:r>
             <a:endParaRPr lang="en-US" altLang="zh-CN" dirty="0" smtClean="0"/>
           </a:p>
@@ -6198,13 +6447,7 @@
               <a:rPr lang="en-US" altLang="zh-CN" b="0" dirty="0" smtClean="0">
                 <a:latin typeface="宋体" charset="-122"/>
               </a:rPr>
-              <a:t>f</a:t>
-            </a:r>
-            <a:r>
-              <a:rPr lang="en-US" altLang="zh-CN" b="0" dirty="0" smtClean="0">
-                <a:latin typeface="宋体" charset="-122"/>
-              </a:rPr>
-              <a:t>unction </a:t>
+              <a:t>function </a:t>
             </a:r>
             <a:r>
               <a:rPr lang="en-US" altLang="zh-CN" b="0" dirty="0" err="1" smtClean="0">
@@ -6239,13 +6482,7 @@
               <a:rPr lang="en-US" altLang="zh-CN" b="0" dirty="0" smtClean="0">
                 <a:latin typeface="宋体" charset="-122"/>
               </a:rPr>
-              <a:t> </a:t>
-            </a:r>
-            <a:r>
-              <a:rPr lang="en-US" altLang="zh-CN" b="0" dirty="0" smtClean="0">
-                <a:latin typeface="宋体" charset="-122"/>
-              </a:rPr>
-              <a:t>= {…}</a:t>
+              <a:t> = {…}</a:t>
             </a:r>
           </a:p>
           <a:p>
@@ -6256,13 +6493,7 @@
               <a:rPr lang="en-US" altLang="zh-CN" b="0" dirty="0" smtClean="0">
                 <a:latin typeface="宋体" charset="-122"/>
               </a:rPr>
-              <a:t>	</a:t>
-            </a:r>
-            <a:r>
-              <a:rPr lang="en-US" altLang="zh-CN" b="0" dirty="0" smtClean="0">
-                <a:latin typeface="宋体" charset="-122"/>
-              </a:rPr>
-              <a:t> function </a:t>
+              <a:t>	 function </a:t>
             </a:r>
             <a:r>
               <a:rPr lang="en-US" altLang="zh-CN" b="0" dirty="0" err="1" smtClean="0">
@@ -6285,13 +6516,7 @@
               <a:rPr lang="en-US" altLang="zh-CN" b="0" dirty="0" smtClean="0">
                 <a:latin typeface="宋体" charset="-122"/>
               </a:rPr>
-              <a:t>	</a:t>
-            </a:r>
-            <a:r>
-              <a:rPr lang="en-US" altLang="zh-CN" b="0" dirty="0" smtClean="0">
-                <a:latin typeface="宋体" charset="-122"/>
-              </a:rPr>
-              <a:t>	 add(</a:t>
+              <a:t>		 add(</a:t>
             </a:r>
             <a:r>
               <a:rPr lang="en-US" altLang="zh-CN" b="0" dirty="0" err="1" smtClean="0">
@@ -6314,13 +6539,7 @@
               <a:rPr lang="en-US" altLang="zh-CN" b="0" dirty="0" smtClean="0">
                 <a:latin typeface="宋体" charset="-122"/>
               </a:rPr>
-              <a:t>	</a:t>
-            </a:r>
-            <a:r>
-              <a:rPr lang="en-US" altLang="zh-CN" b="0" dirty="0" smtClean="0">
-                <a:latin typeface="宋体" charset="-122"/>
-              </a:rPr>
-              <a:t>	 …</a:t>
+              <a:t>		 …</a:t>
             </a:r>
           </a:p>
           <a:p>
@@ -6331,13 +6550,74 @@
               <a:rPr lang="en-US" altLang="zh-CN" b="0" dirty="0" smtClean="0">
                 <a:latin typeface="宋体" charset="-122"/>
               </a:rPr>
-              <a:t>	</a:t>
-            </a:r>
+              <a:t>	 end</a:t>
+            </a:r>
+          </a:p>
+          <a:p>
+            <a:pPr lvl="1" eaLnBrk="1" hangingPunct="1">
+              <a:buNone/>
+            </a:pPr>
             <a:r>
               <a:rPr lang="en-US" altLang="zh-CN" b="0" dirty="0" smtClean="0">
                 <a:latin typeface="宋体" charset="-122"/>
               </a:rPr>
-              <a:t> end</a:t>
+              <a:t>	end;</a:t>
+            </a:r>
+          </a:p>
+          <a:p>
+            <a:pPr lvl="1" eaLnBrk="1" hangingPunct="1"/>
+            <a:r>
+              <a:rPr lang="en-US" altLang="zh-CN" b="0" dirty="0" err="1" smtClean="0">
+                <a:latin typeface="宋体" charset="-122"/>
+              </a:rPr>
+              <a:t>makeBuffModule</a:t>
+            </a:r>
+            <a:r>
+              <a:rPr lang="en-US" altLang="zh-CN" b="0" dirty="0" smtClean="0">
+                <a:latin typeface="宋体" charset="-122"/>
+              </a:rPr>
+              <a:t>(A);</a:t>
+            </a:r>
+          </a:p>
+          <a:p>
+            <a:pPr lvl="1" eaLnBrk="1" hangingPunct="1">
+              <a:buNone/>
+            </a:pPr>
+            <a:r>
+              <a:rPr lang="en-US" altLang="zh-CN" b="0" dirty="0" smtClean="0">
+                <a:latin typeface="宋体" charset="-122"/>
+              </a:rPr>
+              <a:t>	A.lua</a:t>
+            </a:r>
+            <a:r>
+              <a:rPr lang="zh-CN" altLang="en-US" b="0" dirty="0" smtClean="0">
+                <a:latin typeface="宋体" charset="-122"/>
+              </a:rPr>
+              <a:t>中调用，</a:t>
+            </a:r>
+            <a:r>
+              <a:rPr lang="en-US" altLang="zh-CN" b="0" dirty="0" smtClean="0">
+                <a:latin typeface="宋体" charset="-122"/>
+              </a:rPr>
+              <a:t>A</a:t>
+            </a:r>
+            <a:r>
+              <a:rPr lang="zh-CN" altLang="en-US" b="0" dirty="0" smtClean="0">
+                <a:latin typeface="宋体" charset="-122"/>
+              </a:rPr>
+              <a:t>就有了</a:t>
+            </a:r>
+            <a:r>
+              <a:rPr lang="en-US" altLang="zh-CN" b="0" dirty="0" smtClean="0">
+                <a:latin typeface="宋体" charset="-122"/>
+              </a:rPr>
+              <a:t>buff</a:t>
+            </a:r>
+            <a:r>
+              <a:rPr lang="zh-CN" altLang="en-US" b="0" dirty="0" smtClean="0">
+                <a:latin typeface="宋体" charset="-122"/>
+              </a:rPr>
+              <a:t>模块的属性和功能等</a:t>
             </a:r>
             <a:endParaRPr lang="en-US" altLang="zh-CN" b="0" dirty="0" smtClean="0">
               <a:latin typeface="宋体" charset="-122"/>
@@ -6351,83 +6631,19 @@
               <a:rPr lang="en-US" altLang="zh-CN" b="0" dirty="0" smtClean="0">
                 <a:latin typeface="宋体" charset="-122"/>
               </a:rPr>
-              <a:t>	end;</a:t>
-            </a:r>
-          </a:p>
-          <a:p>
-            <a:pPr lvl="1" eaLnBrk="1" hangingPunct="1"/>
-            <a:r>
-              <a:rPr lang="en-US" altLang="zh-CN" b="0" dirty="0" err="1" smtClean="0">
-                <a:latin typeface="宋体" charset="-122"/>
-              </a:rPr>
-              <a:t>makeBuffModule</a:t>
-            </a:r>
-            <a:r>
-              <a:rPr lang="en-US" altLang="zh-CN" b="0" dirty="0" smtClean="0">
-                <a:latin typeface="宋体" charset="-122"/>
-              </a:rPr>
-              <a:t>(A);</a:t>
-            </a:r>
-          </a:p>
-          <a:p>
-            <a:pPr lvl="1" eaLnBrk="1" hangingPunct="1">
-              <a:buNone/>
-            </a:pPr>
-            <a:r>
-              <a:rPr lang="en-US" altLang="zh-CN" b="0" dirty="0" smtClean="0">
-                <a:latin typeface="宋体" charset="-122"/>
-              </a:rPr>
-              <a:t>	A.lua</a:t>
+              <a:t>	</a:t>
             </a:r>
             <a:r>
               <a:rPr lang="zh-CN" altLang="en-US" b="0" dirty="0" smtClean="0">
                 <a:latin typeface="宋体" charset="-122"/>
               </a:rPr>
-              <a:t>中调用，</a:t>
-            </a:r>
-            <a:r>
-              <a:rPr lang="en-US" altLang="zh-CN" b="0" dirty="0" smtClean="0">
-                <a:latin typeface="宋体" charset="-122"/>
-              </a:rPr>
-              <a:t>A</a:t>
+              <a:t>调用完毕根据需要</a:t>
             </a:r>
             <a:r>
               <a:rPr lang="zh-CN" altLang="en-US" b="0" dirty="0" smtClean="0">
                 <a:latin typeface="宋体" charset="-122"/>
               </a:rPr>
-              <a:t>就有了</a:t>
-            </a:r>
-            <a:r>
-              <a:rPr lang="en-US" altLang="zh-CN" b="0" dirty="0" smtClean="0">
-                <a:latin typeface="宋体" charset="-122"/>
-              </a:rPr>
-              <a:t>buff</a:t>
-            </a:r>
-            <a:r>
-              <a:rPr lang="zh-CN" altLang="en-US" b="0" dirty="0" smtClean="0">
-                <a:latin typeface="宋体" charset="-122"/>
-              </a:rPr>
-              <a:t>模块的属性和功能等</a:t>
-            </a:r>
-            <a:endParaRPr lang="en-US" altLang="zh-CN" b="0" dirty="0" smtClean="0">
-              <a:latin typeface="宋体" charset="-122"/>
-            </a:endParaRPr>
-          </a:p>
-          <a:p>
-            <a:pPr lvl="1" eaLnBrk="1" hangingPunct="1">
-              <a:buNone/>
-            </a:pPr>
-            <a:r>
-              <a:rPr lang="en-US" altLang="zh-CN" b="0" dirty="0" smtClean="0">
-                <a:latin typeface="宋体" charset="-122"/>
-              </a:rPr>
-              <a:t>	</a:t>
-            </a:r>
-            <a:r>
-              <a:rPr lang="zh-CN" altLang="en-US" b="0" dirty="0" smtClean="0">
-                <a:latin typeface="宋体" charset="-122"/>
-              </a:rPr>
-              <a:t>调用完毕根据需要重载</a:t>
+              <a:t>重载默认函数</a:t>
             </a:r>
             <a:endParaRPr lang="en-US" altLang="zh-CN" b="0" dirty="0" smtClean="0">
               <a:latin typeface="宋体" charset="-122"/>
@@ -6570,36 +6786,6 @@
               </a:rPr>
               <a:t>系统，</a:t>
             </a:r>
-            <a:r>
-              <a:rPr lang="en-US" altLang="zh-CN" b="0" dirty="0" err="1" smtClean="0">
-                <a:latin typeface="宋体" charset="-122"/>
-              </a:rPr>
-              <a:t>behaviour</a:t>
-            </a:r>
-            <a:r>
-              <a:rPr lang="en-US" altLang="zh-CN" b="0" dirty="0" smtClean="0">
-                <a:latin typeface="宋体" charset="-122"/>
-              </a:rPr>
-              <a:t> tree</a:t>
-            </a:r>
-            <a:r>
-              <a:rPr lang="zh-CN" altLang="en-US" b="0" dirty="0" smtClean="0">
-                <a:latin typeface="宋体" charset="-122"/>
-              </a:rPr>
-              <a:t>系统被扩展为组件供</a:t>
-            </a:r>
-            <a:r>
-              <a:rPr lang="en-US" altLang="zh-CN" b="0" dirty="0" smtClean="0">
-                <a:latin typeface="宋体" charset="-122"/>
-              </a:rPr>
-              <a:t>entity</a:t>
-            </a:r>
-            <a:r>
-              <a:rPr lang="zh-CN" altLang="en-US" b="0" dirty="0" smtClean="0">
-                <a:latin typeface="宋体" charset="-122"/>
-              </a:rPr>
-              <a:t>使用</a:t>
-            </a:r>
             <a:endParaRPr lang="en-US" altLang="zh-CN" b="0" dirty="0" smtClean="0">
               <a:latin typeface="宋体" charset="-122"/>
             </a:endParaRPr>
@@ -6607,52 +6793,28 @@
           <a:p>
             <a:pPr lvl="1" eaLnBrk="1" hangingPunct="1"/>
             <a:r>
+              <a:rPr lang="en-US" altLang="zh-CN" b="0" dirty="0" smtClean="0">
+                <a:latin typeface="宋体" charset="-122"/>
+              </a:rPr>
+              <a:t>BT</a:t>
+            </a:r>
+            <a:r>
               <a:rPr lang="zh-CN" altLang="en-US" b="0" dirty="0" smtClean="0">
                 <a:latin typeface="宋体" charset="-122"/>
               </a:rPr>
-              <a:t>由于每个组件很好的内聚性，</a:t>
+              <a:t>优势：支持动态创建，有项目内完善的编辑器和</a:t>
             </a:r>
             <a:r>
               <a:rPr lang="en-US" altLang="zh-CN" b="0" dirty="0" smtClean="0">
                 <a:latin typeface="宋体" charset="-122"/>
               </a:rPr>
-              <a:t>entity</a:t>
+              <a:t>debug</a:t>
             </a:r>
             <a:r>
               <a:rPr lang="zh-CN" altLang="en-US" b="0" dirty="0" smtClean="0">
                 <a:latin typeface="宋体" charset="-122"/>
               </a:rPr>
-              <a:t>实质的功能都在是组件内部，对于逻辑层来说，</a:t>
-            </a:r>
-            <a:r>
-              <a:rPr lang="en-US" altLang="zh-CN" b="0" dirty="0" err="1" smtClean="0">
-                <a:latin typeface="宋体" charset="-122"/>
-              </a:rPr>
-              <a:t>behaviour</a:t>
-            </a:r>
-            <a:r>
-              <a:rPr lang="en-US" altLang="zh-CN" b="0" dirty="0" smtClean="0">
-                <a:latin typeface="宋体" charset="-122"/>
-              </a:rPr>
-              <a:t> tree </a:t>
-            </a:r>
-            <a:r>
-              <a:rPr lang="zh-CN" altLang="en-US" b="0" dirty="0" smtClean="0">
-                <a:latin typeface="宋体" charset="-122"/>
-              </a:rPr>
-              <a:t>和</a:t>
-            </a:r>
-            <a:r>
-              <a:rPr lang="en-US" altLang="zh-CN" b="0" dirty="0" smtClean="0">
-                <a:latin typeface="宋体" charset="-122"/>
-              </a:rPr>
-              <a:t>flow graph</a:t>
-            </a:r>
-            <a:r>
-              <a:rPr lang="zh-CN" altLang="en-US" b="0" dirty="0" smtClean="0">
-                <a:latin typeface="宋体" charset="-122"/>
-              </a:rPr>
-              <a:t>都是等价的可视化脚本，用来做事件处理和流程</a:t>
+              <a:t>工具，支持远程调试 </a:t>
             </a:r>
             <a:endParaRPr lang="en-US" altLang="zh-CN" b="0" dirty="0" smtClean="0">
               <a:latin typeface="宋体" charset="-122"/>
@@ -6661,28 +6823,22 @@
           <a:p>
             <a:pPr lvl="1" eaLnBrk="1" hangingPunct="1"/>
             <a:r>
+              <a:rPr lang="zh-CN" altLang="en-US" b="0" dirty="0" smtClean="0">
+                <a:latin typeface="宋体" charset="-122"/>
+              </a:rPr>
+              <a:t>缺点：物件间相互引用没有</a:t>
+            </a:r>
+            <a:r>
               <a:rPr lang="en-US" altLang="zh-CN" b="0" dirty="0" smtClean="0">
                 <a:latin typeface="宋体" charset="-122"/>
               </a:rPr>
-              <a:t>BT</a:t>
+              <a:t>flow graph</a:t>
             </a:r>
             <a:r>
               <a:rPr lang="zh-CN" altLang="en-US" b="0" dirty="0" smtClean="0">
                 <a:latin typeface="宋体" charset="-122"/>
               </a:rPr>
-              <a:t>优势：支持动态创建，有项目内完善的编辑器和</a:t>
-            </a:r>
-            <a:r>
-              <a:rPr lang="en-US" altLang="zh-CN" b="0" dirty="0" smtClean="0">
-                <a:latin typeface="宋体" charset="-122"/>
-              </a:rPr>
-              <a:t>debug</a:t>
-            </a:r>
-            <a:r>
-              <a:rPr lang="zh-CN" altLang="en-US" b="0" dirty="0" smtClean="0">
-                <a:latin typeface="宋体" charset="-122"/>
-              </a:rPr>
-              <a:t>工具，支持远程调试 </a:t>
+              <a:t>直观</a:t>
             </a:r>
             <a:endParaRPr lang="en-US" altLang="zh-CN" b="0" dirty="0" smtClean="0">
               <a:latin typeface="宋体" charset="-122"/>
@@ -6694,7 +6850,7 @@
               <a:rPr lang="zh-CN" altLang="en-US" b="0" dirty="0" smtClean="0">
                 <a:latin typeface="宋体" charset="-122"/>
               </a:rPr>
-              <a:t>缺点：物件间相互引用没有</a:t>
+              <a:t>由于动态物件是动态生成的，与其他物件的互动一般是通过各种逻辑触发实现，基本不会出现对确定的某物件产生依赖的逻辑，取长补短，成为</a:t>
             </a:r>
             <a:r>
               <a:rPr lang="en-US" altLang="zh-CN" b="0" dirty="0" smtClean="0">
@@ -6706,31 +6862,7 @@
               <a:rPr lang="zh-CN" altLang="en-US" b="0" dirty="0" smtClean="0">
                 <a:latin typeface="宋体" charset="-122"/>
               </a:rPr>
-              <a:t>直观</a:t>
-            </a:r>
-            <a:endParaRPr lang="en-US" altLang="zh-CN" b="0" dirty="0" smtClean="0">
-              <a:latin typeface="宋体" charset="-122"/>
-            </a:endParaRPr>
-          </a:p>
-          <a:p>
-            <a:pPr lvl="1" eaLnBrk="1" hangingPunct="1"/>
-            <a:r>
-              <a:rPr lang="zh-CN" altLang="en-US" b="0" dirty="0" smtClean="0">
-                <a:latin typeface="宋体" charset="-122"/>
-              </a:rPr>
-              <a:t>由于动态物件是动态生成的，与其他物件的互动一般是通过各种逻辑触发实现，基本不会出现对确定的某物件产生依赖的逻辑，取长补短，成为</a:t>
-            </a:r>
-            <a:r>
-              <a:rPr lang="en-US" altLang="zh-CN" b="0" dirty="0" smtClean="0">
-                <a:latin typeface="宋体" charset="-122"/>
-              </a:rPr>
-              <a:t>flow graph</a:t>
-            </a:r>
-            <a:r>
-              <a:rPr lang="zh-CN" altLang="en-US" b="0" dirty="0" smtClean="0">
-                <a:latin typeface="宋体" charset="-122"/>
-              </a:rPr>
-              <a:t>的替代品</a:t>
+              <a:t>的替代方案</a:t>
             </a:r>
             <a:endParaRPr lang="en-US" altLang="zh-CN" b="0" dirty="0" smtClean="0">
               <a:latin typeface="宋体" charset="-122"/>
@@ -6956,13 +7088,7 @@
               <a:rPr lang="zh-CN" altLang="en-US" b="0" dirty="0" smtClean="0">
                 <a:latin typeface="宋体" charset="-122"/>
               </a:rPr>
-              <a:t>逻辑</a:t>
-            </a:r>
-            <a:r>
-              <a:rPr lang="zh-CN" altLang="en-US" b="0" dirty="0" smtClean="0">
-                <a:latin typeface="宋体" charset="-122"/>
-              </a:rPr>
-              <a:t>层可以触发的行为分为两种，一种是需要恢复的，一种是不需要的，两者处理准则，需要恢复的，通过属性或者状态机触发，不需要恢复的，可以直接触发</a:t>
+              <a:t>逻辑层可以触发的行为分为两种，一种是需要恢复的，一种是不需要的，两者处理准则，需要恢复的，通过属性或者状态机触发，不需要恢复的，可以直接触发</a:t>
             </a:r>
             <a:endParaRPr lang="en-US" altLang="zh-CN" b="0" dirty="0" smtClean="0">
               <a:latin typeface="宋体" charset="-122"/>
@@ -7010,7 +7136,7 @@
               <a:rPr lang="zh-CN" altLang="en-US" b="0" dirty="0" smtClean="0">
                 <a:latin typeface="宋体" charset="-122"/>
               </a:rPr>
-              <a:t>做了持续一段时间的行为的加速版本</a:t>
+              <a:t>制作行为的加速版本</a:t>
             </a:r>
             <a:endParaRPr lang="en-US" altLang="zh-CN" b="0" dirty="0" smtClean="0">
               <a:latin typeface="宋体" charset="-122"/>
@@ -7028,31 +7154,19 @@
               <a:rPr lang="en-US" altLang="zh-CN" b="0" dirty="0" err="1" smtClean="0">
                 <a:latin typeface="宋体" charset="-122"/>
               </a:rPr>
-              <a:t>O</a:t>
+              <a:t>OnEnter</a:t>
+            </a:r>
+            <a:r>
+              <a:rPr lang="zh-CN" altLang="en-US" b="0" dirty="0" smtClean="0">
+                <a:latin typeface="宋体" charset="-122"/>
+              </a:rPr>
+              <a:t>，</a:t>
             </a:r>
             <a:r>
               <a:rPr lang="en-US" altLang="zh-CN" b="0" dirty="0" err="1" smtClean="0">
                 <a:latin typeface="宋体" charset="-122"/>
               </a:rPr>
-              <a:t>nEnter</a:t>
-            </a:r>
-            <a:r>
-              <a:rPr lang="zh-CN" altLang="en-US" b="0" dirty="0" smtClean="0">
-                <a:latin typeface="宋体" charset="-122"/>
-              </a:rPr>
-              <a:t>，</a:t>
-            </a:r>
-            <a:r>
-              <a:rPr lang="en-US" altLang="zh-CN" b="0" dirty="0" err="1" smtClean="0">
-                <a:latin typeface="宋体" charset="-122"/>
-              </a:rPr>
-              <a:t>O</a:t>
-            </a:r>
-            <a:r>
-              <a:rPr lang="en-US" altLang="zh-CN" b="0" dirty="0" err="1" smtClean="0">
-                <a:latin typeface="宋体" charset="-122"/>
-              </a:rPr>
-              <a:t>nLeave</a:t>
+              <a:t>OnLeave</a:t>
             </a:r>
             <a:r>
               <a:rPr lang="zh-CN" altLang="en-US" b="0" dirty="0" smtClean="0">
@@ -7253,6 +7367,181 @@
 </file>
 
 <file path=ppt/slides/slide17.xml><?xml version="1.0" encoding="utf-8"?>
+<p:sld xmlns:a="http://schemas.openxmlformats.org/drawingml/2006/main" xmlns:r="http://schemas.openxmlformats.org/officeDocument/2006/relationships" xmlns:p="http://schemas.openxmlformats.org/presentationml/2006/main">
+  <p:cSld>
+    <p:spTree>
+      <p:nvGrpSpPr>
+        <p:cNvPr id="1" name=""/>
+        <p:cNvGrpSpPr/>
+        <p:nvPr/>
+      </p:nvGrpSpPr>
+      <p:grpSpPr>
+        <a:xfrm>
+          <a:off x="0" y="0"/>
+          <a:ext cx="0" cy="0"/>
+          <a:chOff x="0" y="0"/>
+          <a:chExt cx="0" cy="0"/>
+        </a:xfrm>
+      </p:grpSpPr>
+      <p:sp>
+        <p:nvSpPr>
+          <p:cNvPr id="10243" name="Rectangle 3"/>
+          <p:cNvSpPr>
+            <a:spLocks noGrp="1" noChangeArrowheads="1"/>
+          </p:cNvSpPr>
+          <p:nvPr>
+            <p:ph type="body" idx="1"/>
+          </p:nvPr>
+        </p:nvSpPr>
+        <p:spPr>
+          <a:xfrm>
+            <a:off x="685800" y="1219200"/>
+            <a:ext cx="8229600" cy="4419600"/>
+          </a:xfrm>
+        </p:spPr>
+        <p:txBody>
+          <a:bodyPr/>
+          <a:lstStyle/>
+          <a:p>
+            <a:pPr lvl="1" eaLnBrk="1" hangingPunct="1"/>
+            <a:r>
+              <a:rPr lang="zh-CN" altLang="en-US" dirty="0" smtClean="0">
+                <a:latin typeface="宋体" charset="-122"/>
+              </a:rPr>
+              <a:t>场景物件的功能扩展和优化</a:t>
+            </a:r>
+            <a:endParaRPr lang="en-US" altLang="zh-CN" dirty="0" smtClean="0">
+              <a:latin typeface="宋体" charset="-122"/>
+            </a:endParaRPr>
+          </a:p>
+          <a:p>
+            <a:pPr lvl="1" eaLnBrk="1" hangingPunct="1"/>
+            <a:r>
+              <a:rPr lang="zh-CN" altLang="en-US" b="0" dirty="0" smtClean="0">
+                <a:latin typeface="宋体" charset="-122"/>
+              </a:rPr>
+              <a:t>水面控制逻辑，通过物理线程绑定</a:t>
+            </a:r>
+            <a:r>
+              <a:rPr lang="en-US" altLang="zh-CN" b="0" dirty="0" smtClean="0">
+                <a:latin typeface="宋体" charset="-122"/>
+              </a:rPr>
+              <a:t>Render Node</a:t>
+            </a:r>
+          </a:p>
+          <a:p>
+            <a:pPr lvl="1" eaLnBrk="1" hangingPunct="1"/>
+            <a:r>
+              <a:rPr lang="zh-CN" altLang="en-US" b="0" dirty="0" smtClean="0">
+                <a:latin typeface="宋体" charset="-122"/>
+              </a:rPr>
+              <a:t>物件支持静态</a:t>
+            </a:r>
+            <a:r>
+              <a:rPr lang="en-US" altLang="zh-CN" b="0" dirty="0" smtClean="0">
+                <a:latin typeface="宋体" charset="-122"/>
+              </a:rPr>
+              <a:t>mesh</a:t>
+            </a:r>
+            <a:r>
+              <a:rPr lang="zh-CN" altLang="en-US" b="0" dirty="0" smtClean="0">
+                <a:latin typeface="宋体" charset="-122"/>
+              </a:rPr>
+              <a:t>和</a:t>
+            </a:r>
+            <a:r>
+              <a:rPr lang="en-US" altLang="zh-CN" b="0" dirty="0" smtClean="0">
+                <a:latin typeface="宋体" charset="-122"/>
+              </a:rPr>
+              <a:t>skin mesh</a:t>
+            </a:r>
+            <a:r>
+              <a:rPr lang="zh-CN" altLang="en-US" b="0" dirty="0" smtClean="0">
+                <a:latin typeface="宋体" charset="-122"/>
+              </a:rPr>
+              <a:t>，不支持植被的</a:t>
+            </a:r>
+            <a:r>
+              <a:rPr lang="en-US" altLang="zh-CN" b="0" dirty="0" smtClean="0">
+                <a:latin typeface="宋体" charset="-122"/>
+              </a:rPr>
+              <a:t>detail bending</a:t>
+            </a:r>
+            <a:r>
+              <a:rPr lang="zh-CN" altLang="en-US" b="0" dirty="0" smtClean="0">
+                <a:latin typeface="宋体" charset="-122"/>
+              </a:rPr>
+              <a:t>和</a:t>
+            </a:r>
+            <a:r>
+              <a:rPr lang="en-US" altLang="zh-CN" b="0" dirty="0" smtClean="0">
+                <a:latin typeface="宋体" charset="-122"/>
+              </a:rPr>
+              <a:t>touch bending</a:t>
+            </a:r>
+            <a:r>
+              <a:rPr lang="zh-CN" altLang="en-US" b="0" smtClean="0">
+                <a:latin typeface="宋体" charset="-122"/>
+              </a:rPr>
+              <a:t>效果</a:t>
+            </a:r>
+            <a:endParaRPr lang="en-US" altLang="zh-CN" b="0" dirty="0" smtClean="0">
+              <a:latin typeface="宋体" charset="-122"/>
+            </a:endParaRPr>
+          </a:p>
+          <a:p>
+            <a:pPr lvl="1" eaLnBrk="1" hangingPunct="1"/>
+            <a:endParaRPr lang="en-US" altLang="zh-CN" b="0" dirty="0" smtClean="0">
+              <a:latin typeface="宋体" charset="-122"/>
+            </a:endParaRPr>
+          </a:p>
+          <a:p>
+            <a:pPr lvl="1" eaLnBrk="1" hangingPunct="1"/>
+            <a:endParaRPr lang="en-US" altLang="zh-CN" b="0" dirty="0" smtClean="0">
+              <a:latin typeface="宋体" charset="-122"/>
+            </a:endParaRPr>
+          </a:p>
+        </p:txBody>
+      </p:sp>
+      <p:sp>
+        <p:nvSpPr>
+          <p:cNvPr id="91" name="Rectangle 2"/>
+          <p:cNvSpPr>
+            <a:spLocks noGrp="1" noChangeArrowheads="1"/>
+          </p:cNvSpPr>
+          <p:nvPr>
+            <p:ph type="title"/>
+          </p:nvPr>
+        </p:nvSpPr>
+        <p:spPr/>
+        <p:txBody>
+          <a:bodyPr/>
+          <a:lstStyle/>
+          <a:p>
+            <a:pPr eaLnBrk="1" hangingPunct="1"/>
+            <a:r>
+              <a:rPr lang="zh-CN" altLang="en-US" dirty="0" smtClean="0"/>
+              <a:t>灵活功能强大的场景物件系统</a:t>
+            </a:r>
+          </a:p>
+        </p:txBody>
+      </p:sp>
+    </p:spTree>
+  </p:cSld>
+  <p:clrMapOvr>
+    <a:masterClrMapping/>
+  </p:clrMapOvr>
+  <p:timing>
+    <p:tnLst>
+      <p:par>
+        <p:cTn id="1" dur="indefinite" restart="never" nodeType="tmRoot"/>
+      </p:par>
+    </p:tnLst>
+  </p:timing>
+</p:sld>
+</file>
+
+<file path=ppt/slides/slide18.xml><?xml version="1.0" encoding="utf-8"?>
 <p:sld xmlns:a="http://schemas.openxmlformats.org/drawingml/2006/main" xmlns:r="http://schemas.openxmlformats.org/officeDocument/2006/relationships" xmlns:p="http://schemas.openxmlformats.org/presentationml/2006/main">
   <p:cSld>
     <p:spTree>
@@ -11990,7 +12279,7 @@
 </p:sld>
 </file>
 
-<file path=ppt/slides/slide18.xml><?xml version="1.0" encoding="utf-8"?>
+<file path=ppt/slides/slide19.xml><?xml version="1.0" encoding="utf-8"?>
 <p:sld xmlns:a="http://schemas.openxmlformats.org/drawingml/2006/main" xmlns:r="http://schemas.openxmlformats.org/officeDocument/2006/relationships" xmlns:p="http://schemas.openxmlformats.org/presentationml/2006/main">
   <p:cSld>
     <p:spTree>
@@ -12219,7 +12508,298 @@
 </p:sld>
 </file>
 
-<file path=ppt/slides/slide19.xml><?xml version="1.0" encoding="utf-8"?>
+<file path=ppt/slides/slide2.xml><?xml version="1.0" encoding="utf-8"?>
+<p:sld xmlns:a="http://schemas.openxmlformats.org/drawingml/2006/main" xmlns:r="http://schemas.openxmlformats.org/officeDocument/2006/relationships" xmlns:p="http://schemas.openxmlformats.org/presentationml/2006/main">
+  <p:cSld>
+    <p:spTree>
+      <p:nvGrpSpPr>
+        <p:cNvPr id="1" name=""/>
+        <p:cNvGrpSpPr/>
+        <p:nvPr/>
+      </p:nvGrpSpPr>
+      <p:grpSpPr>
+        <a:xfrm>
+          <a:off x="0" y="0"/>
+          <a:ext cx="0" cy="0"/>
+          <a:chOff x="0" y="0"/>
+          <a:chExt cx="0" cy="0"/>
+        </a:xfrm>
+      </p:grpSpPr>
+      <p:sp>
+        <p:nvSpPr>
+          <p:cNvPr id="5122" name="Rectangle 2"/>
+          <p:cNvSpPr>
+            <a:spLocks noGrp="1" noChangeArrowheads="1"/>
+          </p:cNvSpPr>
+          <p:nvPr>
+            <p:ph type="title"/>
+          </p:nvPr>
+        </p:nvSpPr>
+        <p:spPr>
+          <a:xfrm>
+            <a:off x="228600" y="152400"/>
+            <a:ext cx="6011863" cy="838200"/>
+          </a:xfrm>
+        </p:spPr>
+        <p:txBody>
+          <a:bodyPr/>
+          <a:lstStyle/>
+          <a:p>
+            <a:pPr eaLnBrk="1" hangingPunct="1"/>
+            <a:r>
+              <a:rPr lang="zh-CN" altLang="en-US" smtClean="0"/>
+              <a:t>个人经历概述</a:t>
+            </a:r>
+          </a:p>
+        </p:txBody>
+      </p:sp>
+      <p:sp>
+        <p:nvSpPr>
+          <p:cNvPr id="5123" name="Rectangle 3"/>
+          <p:cNvSpPr>
+            <a:spLocks noGrp="1" noChangeArrowheads="1"/>
+          </p:cNvSpPr>
+          <p:nvPr>
+            <p:ph type="body" idx="1"/>
+          </p:nvPr>
+        </p:nvSpPr>
+        <p:spPr>
+          <a:xfrm>
+            <a:off x="381000" y="1219200"/>
+            <a:ext cx="8382000" cy="5257800"/>
+          </a:xfrm>
+        </p:spPr>
+        <p:txBody>
+          <a:bodyPr/>
+          <a:lstStyle/>
+          <a:p>
+            <a:pPr eaLnBrk="1" hangingPunct="1"/>
+            <a:r>
+              <a:rPr lang="zh-CN" altLang="en-US" sz="2400" dirty="0" smtClean="0">
+                <a:latin typeface="宋体" charset="-122"/>
+              </a:rPr>
+              <a:t>在怪物猎人个人经历</a:t>
+            </a:r>
+            <a:endParaRPr lang="en-US" altLang="zh-CN" sz="2400" dirty="0" smtClean="0">
+              <a:latin typeface="宋体" charset="-122"/>
+            </a:endParaRPr>
+          </a:p>
+          <a:p>
+            <a:pPr eaLnBrk="1" hangingPunct="1"/>
+            <a:r>
+              <a:rPr lang="zh-CN" altLang="en-US" sz="2400" dirty="0" smtClean="0">
+                <a:latin typeface="宋体" charset="-122"/>
+              </a:rPr>
+              <a:t>经历时间：</a:t>
+            </a:r>
+            <a:r>
+              <a:rPr lang="en-US" altLang="zh-CN" sz="2400" b="0" dirty="0" smtClean="0">
+                <a:latin typeface="宋体" charset="-122"/>
+              </a:rPr>
+              <a:t>2009.7-2014.8</a:t>
+            </a:r>
+          </a:p>
+          <a:p>
+            <a:pPr eaLnBrk="1" hangingPunct="1"/>
+            <a:r>
+              <a:rPr lang="zh-CN" altLang="en-US" sz="2400" dirty="0" smtClean="0">
+                <a:latin typeface="宋体" charset="-122"/>
+              </a:rPr>
+              <a:t>经历阶段：</a:t>
+            </a:r>
+            <a:r>
+              <a:rPr lang="zh-CN" altLang="en-US" sz="2400" b="0" dirty="0" smtClean="0">
+                <a:latin typeface="宋体" charset="-122"/>
+              </a:rPr>
+              <a:t>立项到第三次封闭测试</a:t>
+            </a:r>
+            <a:endParaRPr lang="en-US" altLang="zh-CN" sz="2400" b="0" dirty="0" smtClean="0">
+              <a:latin typeface="宋体" charset="-122"/>
+            </a:endParaRPr>
+          </a:p>
+          <a:p>
+            <a:pPr eaLnBrk="1" hangingPunct="1"/>
+            <a:r>
+              <a:rPr lang="zh-CN" altLang="en-US" sz="2400" dirty="0" smtClean="0">
+                <a:latin typeface="宋体" charset="-122"/>
+              </a:rPr>
+              <a:t>工作内容：</a:t>
+            </a:r>
+            <a:endParaRPr lang="en-US" altLang="zh-CN" sz="2400" dirty="0" smtClean="0">
+              <a:latin typeface="宋体" charset="-122"/>
+            </a:endParaRPr>
+          </a:p>
+          <a:p>
+            <a:pPr lvl="1" eaLnBrk="1" hangingPunct="1"/>
+            <a:r>
+              <a:rPr lang="zh-CN" altLang="en-US" sz="2400" b="0" dirty="0" smtClean="0">
+                <a:latin typeface="宋体" charset="-122"/>
+              </a:rPr>
+              <a:t>深圳用</a:t>
+            </a:r>
+            <a:r>
+              <a:rPr lang="en-US" altLang="zh-CN" sz="2400" b="0" dirty="0" err="1" smtClean="0">
+                <a:latin typeface="宋体" charset="-122"/>
+              </a:rPr>
+              <a:t>Scaleform</a:t>
+            </a:r>
+            <a:r>
+              <a:rPr lang="zh-CN" altLang="en-US" sz="2400" b="0" dirty="0" smtClean="0">
+                <a:latin typeface="宋体" charset="-122"/>
+              </a:rPr>
+              <a:t>搭建怪物猎人的</a:t>
+            </a:r>
+            <a:r>
+              <a:rPr lang="en-US" altLang="zh-CN" sz="2400" b="0" dirty="0" smtClean="0">
+                <a:latin typeface="宋体" charset="-122"/>
+              </a:rPr>
+              <a:t>UI</a:t>
+            </a:r>
+          </a:p>
+          <a:p>
+            <a:pPr lvl="1" eaLnBrk="1" hangingPunct="1"/>
+            <a:r>
+              <a:rPr lang="zh-CN" altLang="en-US" sz="2400" b="0" dirty="0" smtClean="0">
+                <a:latin typeface="宋体" charset="-122"/>
+              </a:rPr>
+              <a:t>上海之后</a:t>
+            </a:r>
+            <a:r>
+              <a:rPr lang="en-US" altLang="zh-CN" sz="2400" b="0" dirty="0" smtClean="0">
+                <a:latin typeface="宋体" charset="-122"/>
+              </a:rPr>
+              <a:t>evolution</a:t>
+            </a:r>
+            <a:r>
+              <a:rPr lang="zh-CN" altLang="en-US" sz="2400" b="0" dirty="0" smtClean="0">
+                <a:latin typeface="宋体" charset="-122"/>
+              </a:rPr>
+              <a:t>引擎做过角色</a:t>
+            </a:r>
+            <a:endParaRPr lang="en-US" altLang="zh-CN" sz="2400" b="0" dirty="0" smtClean="0">
+              <a:latin typeface="宋体" charset="-122"/>
+            </a:endParaRPr>
+          </a:p>
+          <a:p>
+            <a:pPr lvl="1" eaLnBrk="1" hangingPunct="1"/>
+            <a:r>
+              <a:rPr lang="zh-CN" altLang="en-US" sz="2400" b="0" dirty="0" smtClean="0">
+                <a:latin typeface="宋体" charset="-122"/>
+              </a:rPr>
+              <a:t>怪物猎人使用</a:t>
+            </a:r>
+            <a:r>
+              <a:rPr lang="en-US" altLang="zh-CN" sz="2400" b="0" dirty="0" smtClean="0">
+                <a:latin typeface="宋体" charset="-122"/>
+              </a:rPr>
+              <a:t>cry3</a:t>
+            </a:r>
+            <a:r>
+              <a:rPr lang="zh-CN" altLang="en-US" sz="2400" b="0" dirty="0" smtClean="0">
+                <a:latin typeface="宋体" charset="-122"/>
+              </a:rPr>
+              <a:t>后初期做怪物</a:t>
+            </a:r>
+            <a:r>
+              <a:rPr lang="en-US" altLang="zh-CN" sz="2400" b="0" dirty="0" smtClean="0">
+                <a:latin typeface="宋体" charset="-122"/>
+              </a:rPr>
+              <a:t>AI</a:t>
+            </a:r>
+            <a:r>
+              <a:rPr lang="zh-CN" altLang="en-US" sz="2400" b="0" dirty="0" smtClean="0">
+                <a:latin typeface="宋体" charset="-122"/>
+              </a:rPr>
+              <a:t>开发</a:t>
+            </a:r>
+            <a:endParaRPr lang="en-US" altLang="zh-CN" sz="2400" b="0" dirty="0" smtClean="0">
+              <a:latin typeface="宋体" charset="-122"/>
+            </a:endParaRPr>
+          </a:p>
+          <a:p>
+            <a:pPr lvl="1" eaLnBrk="1" hangingPunct="1"/>
+            <a:r>
+              <a:rPr lang="zh-CN" altLang="en-US" sz="2400" b="0" dirty="0" smtClean="0">
+                <a:latin typeface="宋体" charset="-122"/>
+              </a:rPr>
+              <a:t>怪物猎人场景物件开发流程规范制定，系统搭建和需求实现以及后续优化，同步方案设计和实施</a:t>
+            </a:r>
+            <a:endParaRPr lang="en-US" altLang="zh-CN" sz="2400" b="0" dirty="0" smtClean="0">
+              <a:latin typeface="宋体" charset="-122"/>
+            </a:endParaRPr>
+          </a:p>
+          <a:p>
+            <a:pPr lvl="1" eaLnBrk="1" hangingPunct="1"/>
+            <a:r>
+              <a:rPr lang="zh-CN" altLang="en-US" sz="2400" b="0" dirty="0" smtClean="0">
+                <a:latin typeface="宋体" charset="-122"/>
+              </a:rPr>
+              <a:t>怪物特殊玩法实现，特殊移动，与物件的交互等</a:t>
+            </a:r>
+            <a:endParaRPr lang="en-US" altLang="zh-CN" sz="2400" b="0" dirty="0" smtClean="0">
+              <a:latin typeface="宋体" charset="-122"/>
+            </a:endParaRPr>
+          </a:p>
+          <a:p>
+            <a:pPr lvl="1" eaLnBrk="1" hangingPunct="1"/>
+            <a:r>
+              <a:rPr lang="zh-CN" altLang="en-US" sz="2400" b="0" dirty="0" smtClean="0">
+                <a:latin typeface="宋体" charset="-122"/>
+              </a:rPr>
+              <a:t>怪物群体</a:t>
+            </a:r>
+            <a:r>
+              <a:rPr lang="en-US" altLang="zh-CN" sz="2400" b="0" dirty="0" smtClean="0">
+                <a:latin typeface="宋体" charset="-122"/>
+              </a:rPr>
+              <a:t>AI</a:t>
+            </a:r>
+            <a:r>
+              <a:rPr lang="zh-CN" altLang="en-US" sz="2400" b="0" dirty="0" smtClean="0">
+                <a:latin typeface="宋体" charset="-122"/>
+              </a:rPr>
+              <a:t>系统的设计和实现</a:t>
+            </a:r>
+            <a:endParaRPr lang="en-US" altLang="zh-CN" sz="2400" b="0" dirty="0" smtClean="0">
+              <a:latin typeface="宋体" charset="-122"/>
+            </a:endParaRPr>
+          </a:p>
+          <a:p>
+            <a:pPr lvl="1" eaLnBrk="1" hangingPunct="1"/>
+            <a:r>
+              <a:rPr lang="zh-CN" altLang="en-US" sz="2400" b="0" dirty="0" smtClean="0">
+                <a:latin typeface="宋体" charset="-122"/>
+              </a:rPr>
+              <a:t>一些内存优化和系统重构工作</a:t>
+            </a:r>
+            <a:endParaRPr lang="en-US" altLang="zh-CN" sz="2400" b="0" dirty="0" smtClean="0">
+              <a:latin typeface="宋体" charset="-122"/>
+            </a:endParaRPr>
+          </a:p>
+          <a:p>
+            <a:pPr eaLnBrk="1" hangingPunct="1"/>
+            <a:endParaRPr lang="en-US" altLang="zh-CN" sz="1600" b="0" dirty="0" smtClean="0">
+              <a:latin typeface="宋体" charset="-122"/>
+            </a:endParaRPr>
+          </a:p>
+        </p:txBody>
+      </p:sp>
+    </p:spTree>
+  </p:cSld>
+  <p:clrMapOvr>
+    <a:masterClrMapping/>
+  </p:clrMapOvr>
+  <p:timing>
+    <p:tnLst>
+      <p:par>
+        <p:cTn id="1" dur="indefinite" restart="never" nodeType="tmRoot"/>
+      </p:par>
+    </p:tnLst>
+  </p:timing>
+</p:sld>
+</file>
+
+<file path=ppt/slides/slide20.xml><?xml version="1.0" encoding="utf-8"?>
 <p:sld xmlns:a="http://schemas.openxmlformats.org/drawingml/2006/main" xmlns:r="http://schemas.openxmlformats.org/officeDocument/2006/relationships" xmlns:p="http://schemas.openxmlformats.org/presentationml/2006/main">
   <p:cSld>
     <p:spTree>
@@ -14103,298 +14683,7 @@
 </p:sld>
 </file>
 
-<file path=ppt/slides/slide2.xml><?xml version="1.0" encoding="utf-8"?>
-<p:sld xmlns:a="http://schemas.openxmlformats.org/drawingml/2006/main" xmlns:r="http://schemas.openxmlformats.org/officeDocument/2006/relationships" xmlns:p="http://schemas.openxmlformats.org/presentationml/2006/main">
-  <p:cSld>
-    <p:spTree>
-      <p:nvGrpSpPr>
-        <p:cNvPr id="1" name=""/>
-        <p:cNvGrpSpPr/>
-        <p:nvPr/>
-      </p:nvGrpSpPr>
-      <p:grpSpPr>
-        <a:xfrm>
-          <a:off x="0" y="0"/>
-          <a:ext cx="0" cy="0"/>
-          <a:chOff x="0" y="0"/>
-          <a:chExt cx="0" cy="0"/>
-        </a:xfrm>
-      </p:grpSpPr>
-      <p:sp>
-        <p:nvSpPr>
-          <p:cNvPr id="5122" name="Rectangle 2"/>
-          <p:cNvSpPr>
-            <a:spLocks noGrp="1" noChangeArrowheads="1"/>
-          </p:cNvSpPr>
-          <p:nvPr>
-            <p:ph type="title"/>
-          </p:nvPr>
-        </p:nvSpPr>
-        <p:spPr>
-          <a:xfrm>
-            <a:off x="228600" y="152400"/>
-            <a:ext cx="6011863" cy="838200"/>
-          </a:xfrm>
-        </p:spPr>
-        <p:txBody>
-          <a:bodyPr/>
-          <a:lstStyle/>
-          <a:p>
-            <a:pPr eaLnBrk="1" hangingPunct="1"/>
-            <a:r>
-              <a:rPr lang="zh-CN" altLang="en-US" smtClean="0"/>
-              <a:t>个人经历概述</a:t>
-            </a:r>
-          </a:p>
-        </p:txBody>
-      </p:sp>
-      <p:sp>
-        <p:nvSpPr>
-          <p:cNvPr id="5123" name="Rectangle 3"/>
-          <p:cNvSpPr>
-            <a:spLocks noGrp="1" noChangeArrowheads="1"/>
-          </p:cNvSpPr>
-          <p:nvPr>
-            <p:ph type="body" idx="1"/>
-          </p:nvPr>
-        </p:nvSpPr>
-        <p:spPr>
-          <a:xfrm>
-            <a:off x="381000" y="1219200"/>
-            <a:ext cx="8382000" cy="5257800"/>
-          </a:xfrm>
-        </p:spPr>
-        <p:txBody>
-          <a:bodyPr/>
-          <a:lstStyle/>
-          <a:p>
-            <a:pPr eaLnBrk="1" hangingPunct="1"/>
-            <a:r>
-              <a:rPr lang="zh-CN" altLang="en-US" sz="2400" dirty="0" smtClean="0">
-                <a:latin typeface="宋体" charset="-122"/>
-              </a:rPr>
-              <a:t>在怪物猎人个人经历</a:t>
-            </a:r>
-            <a:endParaRPr lang="en-US" altLang="zh-CN" sz="2400" dirty="0" smtClean="0">
-              <a:latin typeface="宋体" charset="-122"/>
-            </a:endParaRPr>
-          </a:p>
-          <a:p>
-            <a:pPr eaLnBrk="1" hangingPunct="1"/>
-            <a:r>
-              <a:rPr lang="zh-CN" altLang="en-US" sz="2400" dirty="0" smtClean="0">
-                <a:latin typeface="宋体" charset="-122"/>
-              </a:rPr>
-              <a:t>经历时间：</a:t>
-            </a:r>
-            <a:r>
-              <a:rPr lang="en-US" altLang="zh-CN" sz="2400" b="0" dirty="0" smtClean="0">
-                <a:latin typeface="宋体" charset="-122"/>
-              </a:rPr>
-              <a:t>2009.7-2014.8</a:t>
-            </a:r>
-          </a:p>
-          <a:p>
-            <a:pPr eaLnBrk="1" hangingPunct="1"/>
-            <a:r>
-              <a:rPr lang="zh-CN" altLang="en-US" sz="2400" dirty="0" smtClean="0">
-                <a:latin typeface="宋体" charset="-122"/>
-              </a:rPr>
-              <a:t>经历阶段：</a:t>
-            </a:r>
-            <a:r>
-              <a:rPr lang="zh-CN" altLang="en-US" sz="2400" b="0" dirty="0" smtClean="0">
-                <a:latin typeface="宋体" charset="-122"/>
-              </a:rPr>
-              <a:t>立项到第三次封闭测试</a:t>
-            </a:r>
-            <a:endParaRPr lang="en-US" altLang="zh-CN" sz="2400" b="0" dirty="0" smtClean="0">
-              <a:latin typeface="宋体" charset="-122"/>
-            </a:endParaRPr>
-          </a:p>
-          <a:p>
-            <a:pPr eaLnBrk="1" hangingPunct="1"/>
-            <a:r>
-              <a:rPr lang="zh-CN" altLang="en-US" sz="2400" dirty="0" smtClean="0">
-                <a:latin typeface="宋体" charset="-122"/>
-              </a:rPr>
-              <a:t>工作内容：</a:t>
-            </a:r>
-            <a:endParaRPr lang="en-US" altLang="zh-CN" sz="2400" dirty="0" smtClean="0">
-              <a:latin typeface="宋体" charset="-122"/>
-            </a:endParaRPr>
-          </a:p>
-          <a:p>
-            <a:pPr lvl="1" eaLnBrk="1" hangingPunct="1"/>
-            <a:r>
-              <a:rPr lang="zh-CN" altLang="en-US" sz="2400" b="0" dirty="0" smtClean="0">
-                <a:latin typeface="宋体" charset="-122"/>
-              </a:rPr>
-              <a:t>深圳用</a:t>
-            </a:r>
-            <a:r>
-              <a:rPr lang="en-US" altLang="zh-CN" sz="2400" b="0" dirty="0" err="1" smtClean="0">
-                <a:latin typeface="宋体" charset="-122"/>
-              </a:rPr>
-              <a:t>Scaleform</a:t>
-            </a:r>
-            <a:r>
-              <a:rPr lang="zh-CN" altLang="en-US" sz="2400" b="0" dirty="0" smtClean="0">
-                <a:latin typeface="宋体" charset="-122"/>
-              </a:rPr>
-              <a:t>搭建怪物猎人的</a:t>
-            </a:r>
-            <a:r>
-              <a:rPr lang="en-US" altLang="zh-CN" sz="2400" b="0" dirty="0" smtClean="0">
-                <a:latin typeface="宋体" charset="-122"/>
-              </a:rPr>
-              <a:t>UI</a:t>
-            </a:r>
-          </a:p>
-          <a:p>
-            <a:pPr lvl="1" eaLnBrk="1" hangingPunct="1"/>
-            <a:r>
-              <a:rPr lang="zh-CN" altLang="en-US" sz="2400" b="0" dirty="0" smtClean="0">
-                <a:latin typeface="宋体" charset="-122"/>
-              </a:rPr>
-              <a:t>上海之后</a:t>
-            </a:r>
-            <a:r>
-              <a:rPr lang="en-US" altLang="zh-CN" sz="2400" b="0" dirty="0" smtClean="0">
-                <a:latin typeface="宋体" charset="-122"/>
-              </a:rPr>
-              <a:t>evolution</a:t>
-            </a:r>
-            <a:r>
-              <a:rPr lang="zh-CN" altLang="en-US" sz="2400" b="0" dirty="0" smtClean="0">
-                <a:latin typeface="宋体" charset="-122"/>
-              </a:rPr>
-              <a:t>引擎做过角色</a:t>
-            </a:r>
-            <a:endParaRPr lang="en-US" altLang="zh-CN" sz="2400" b="0" dirty="0" smtClean="0">
-              <a:latin typeface="宋体" charset="-122"/>
-            </a:endParaRPr>
-          </a:p>
-          <a:p>
-            <a:pPr lvl="1" eaLnBrk="1" hangingPunct="1"/>
-            <a:r>
-              <a:rPr lang="zh-CN" altLang="en-US" sz="2400" b="0" dirty="0" smtClean="0">
-                <a:latin typeface="宋体" charset="-122"/>
-              </a:rPr>
-              <a:t>怪物猎人使用</a:t>
-            </a:r>
-            <a:r>
-              <a:rPr lang="en-US" altLang="zh-CN" sz="2400" b="0" dirty="0" smtClean="0">
-                <a:latin typeface="宋体" charset="-122"/>
-              </a:rPr>
-              <a:t>cry3</a:t>
-            </a:r>
-            <a:r>
-              <a:rPr lang="zh-CN" altLang="en-US" sz="2400" b="0" dirty="0" smtClean="0">
-                <a:latin typeface="宋体" charset="-122"/>
-              </a:rPr>
-              <a:t>后初期做怪物</a:t>
-            </a:r>
-            <a:r>
-              <a:rPr lang="en-US" altLang="zh-CN" sz="2400" b="0" dirty="0" smtClean="0">
-                <a:latin typeface="宋体" charset="-122"/>
-              </a:rPr>
-              <a:t>AI</a:t>
-            </a:r>
-            <a:r>
-              <a:rPr lang="zh-CN" altLang="en-US" sz="2400" b="0" dirty="0" smtClean="0">
-                <a:latin typeface="宋体" charset="-122"/>
-              </a:rPr>
-              <a:t>开发</a:t>
-            </a:r>
-            <a:endParaRPr lang="en-US" altLang="zh-CN" sz="2400" b="0" dirty="0" smtClean="0">
-              <a:latin typeface="宋体" charset="-122"/>
-            </a:endParaRPr>
-          </a:p>
-          <a:p>
-            <a:pPr lvl="1" eaLnBrk="1" hangingPunct="1"/>
-            <a:r>
-              <a:rPr lang="zh-CN" altLang="en-US" sz="2400" b="0" dirty="0" smtClean="0">
-                <a:latin typeface="宋体" charset="-122"/>
-              </a:rPr>
-              <a:t>怪物猎人场景物件开发流程规范制定，系统搭建和需求实现以及后续优化，同步方案设计和实施</a:t>
-            </a:r>
-            <a:endParaRPr lang="en-US" altLang="zh-CN" sz="2400" b="0" dirty="0" smtClean="0">
-              <a:latin typeface="宋体" charset="-122"/>
-            </a:endParaRPr>
-          </a:p>
-          <a:p>
-            <a:pPr lvl="1" eaLnBrk="1" hangingPunct="1"/>
-            <a:r>
-              <a:rPr lang="zh-CN" altLang="en-US" sz="2400" b="0" dirty="0" smtClean="0">
-                <a:latin typeface="宋体" charset="-122"/>
-              </a:rPr>
-              <a:t>怪物特殊玩法实现，特殊移动，与物件的交互等</a:t>
-            </a:r>
-            <a:endParaRPr lang="en-US" altLang="zh-CN" sz="2400" b="0" dirty="0" smtClean="0">
-              <a:latin typeface="宋体" charset="-122"/>
-            </a:endParaRPr>
-          </a:p>
-          <a:p>
-            <a:pPr lvl="1" eaLnBrk="1" hangingPunct="1"/>
-            <a:r>
-              <a:rPr lang="zh-CN" altLang="en-US" sz="2400" b="0" dirty="0" smtClean="0">
-                <a:latin typeface="宋体" charset="-122"/>
-              </a:rPr>
-              <a:t>怪物群体</a:t>
-            </a:r>
-            <a:r>
-              <a:rPr lang="en-US" altLang="zh-CN" sz="2400" b="0" dirty="0" smtClean="0">
-                <a:latin typeface="宋体" charset="-122"/>
-              </a:rPr>
-              <a:t>AI</a:t>
-            </a:r>
-            <a:r>
-              <a:rPr lang="zh-CN" altLang="en-US" sz="2400" b="0" dirty="0" smtClean="0">
-                <a:latin typeface="宋体" charset="-122"/>
-              </a:rPr>
-              <a:t>系统的设计和实现</a:t>
-            </a:r>
-            <a:endParaRPr lang="en-US" altLang="zh-CN" sz="2400" b="0" dirty="0" smtClean="0">
-              <a:latin typeface="宋体" charset="-122"/>
-            </a:endParaRPr>
-          </a:p>
-          <a:p>
-            <a:pPr lvl="1" eaLnBrk="1" hangingPunct="1"/>
-            <a:r>
-              <a:rPr lang="zh-CN" altLang="en-US" sz="2400" b="0" dirty="0" smtClean="0">
-                <a:latin typeface="宋体" charset="-122"/>
-              </a:rPr>
-              <a:t>一些内存优化和系统重构工作</a:t>
-            </a:r>
-            <a:endParaRPr lang="en-US" altLang="zh-CN" sz="2400" b="0" dirty="0" smtClean="0">
-              <a:latin typeface="宋体" charset="-122"/>
-            </a:endParaRPr>
-          </a:p>
-          <a:p>
-            <a:pPr eaLnBrk="1" hangingPunct="1"/>
-            <a:endParaRPr lang="en-US" altLang="zh-CN" sz="1600" b="0" dirty="0" smtClean="0">
-              <a:latin typeface="宋体" charset="-122"/>
-            </a:endParaRPr>
-          </a:p>
-        </p:txBody>
-      </p:sp>
-    </p:spTree>
-  </p:cSld>
-  <p:clrMapOvr>
-    <a:masterClrMapping/>
-  </p:clrMapOvr>
-  <p:timing>
-    <p:tnLst>
-      <p:par>
-        <p:cTn id="1" dur="indefinite" restart="never" nodeType="tmRoot"/>
-      </p:par>
-    </p:tnLst>
-  </p:timing>
-</p:sld>
-</file>
-
-<file path=ppt/slides/slide20.xml><?xml version="1.0" encoding="utf-8"?>
+<file path=ppt/slides/slide21.xml><?xml version="1.0" encoding="utf-8"?>
 <p:sld xmlns:a="http://schemas.openxmlformats.org/drawingml/2006/main" xmlns:r="http://schemas.openxmlformats.org/officeDocument/2006/relationships" xmlns:p="http://schemas.openxmlformats.org/presentationml/2006/main">
   <p:cSld>
     <p:spTree>
@@ -18680,7 +18969,7 @@
 </p:sld>
 </file>
 
-<file path=ppt/slides/slide21.xml><?xml version="1.0" encoding="utf-8"?>
+<file path=ppt/slides/slide22.xml><?xml version="1.0" encoding="utf-8"?>
 <p:sld xmlns:a="http://schemas.openxmlformats.org/drawingml/2006/main" xmlns:r="http://schemas.openxmlformats.org/officeDocument/2006/relationships" xmlns:p="http://schemas.openxmlformats.org/presentationml/2006/main">
   <p:cSld>
     <p:spTree>
@@ -19224,7 +19513,7 @@
 </p:sld>
 </file>
 
-<file path=ppt/slides/slide22.xml><?xml version="1.0" encoding="utf-8"?>
+<file path=ppt/slides/slide23.xml><?xml version="1.0" encoding="utf-8"?>
 <p:sld xmlns:a="http://schemas.openxmlformats.org/drawingml/2006/main" xmlns:r="http://schemas.openxmlformats.org/officeDocument/2006/relationships" xmlns:p="http://schemas.openxmlformats.org/presentationml/2006/main">
   <p:cSld>
     <p:spTree>
@@ -19645,7 +19934,7 @@
 </p:sld>
 </file>
 
-<file path=ppt/slides/slide23.xml><?xml version="1.0" encoding="utf-8"?>
+<file path=ppt/slides/slide24.xml><?xml version="1.0" encoding="utf-8"?>
 <p:sld xmlns:a="http://schemas.openxmlformats.org/drawingml/2006/main" xmlns:r="http://schemas.openxmlformats.org/officeDocument/2006/relationships" xmlns:p="http://schemas.openxmlformats.org/presentationml/2006/main">
   <p:cSld>
     <p:spTree>
@@ -20548,7 +20837,6 @@
               <a:rPr lang="en-US" altLang="zh-CN" dirty="0" smtClean="0"/>
               <a:t>2</a:t>
             </a:r>
-            <a:endParaRPr lang="en-US" altLang="zh-CN" dirty="0" smtClean="0"/>
           </a:p>
         </p:txBody>
       </p:sp>
@@ -20859,13 +21147,25 @@
               <a:rPr lang="zh-CN" altLang="en-US" b="0" dirty="0" smtClean="0">
                 <a:latin typeface="宋体" charset="-122"/>
               </a:rPr>
-              <a:t>一些功能缺失，比如水的升降，</a:t>
+              <a:t>一些功能缺失，比如水的升降</a:t>
+            </a:r>
+            <a:r>
+              <a:rPr lang="zh-CN" altLang="en-US" b="0" dirty="0" smtClean="0">
+                <a:latin typeface="宋体" charset="-122"/>
+              </a:rPr>
+              <a:t>，</a:t>
             </a:r>
             <a:r>
               <a:rPr lang="en-US" altLang="zh-CN" b="0" dirty="0" smtClean="0">
                 <a:latin typeface="宋体" charset="-122"/>
               </a:rPr>
-              <a:t>entity</a:t>
+              <a:t>entity </a:t>
+            </a:r>
+            <a:r>
+              <a:rPr lang="zh-CN" altLang="en-US" b="0" dirty="0" smtClean="0">
+                <a:latin typeface="宋体" charset="-122"/>
+              </a:rPr>
+              <a:t>模型</a:t>
             </a:r>
             <a:r>
               <a:rPr lang="zh-CN" altLang="en-US" b="0" dirty="0" smtClean="0">

--- a/Doc/whitebai.pptx
+++ b/Doc/whitebai.pptx
@@ -748,6 +748,14 @@
           </a:bodyPr>
           <a:lstStyle/>
           <a:p>
+            <a:r>
+              <a:rPr lang="en-US" altLang="zh-CN" dirty="0" err="1" smtClean="0"/>
+              <a:t>Dofile</a:t>
+            </a:r>
+            <a:r>
+              <a:rPr lang="zh-CN" altLang="en-US" dirty="0" smtClean="0"/>
+              <a:t>的时候可以动态修改配置表格的</a:t>
+            </a:r>
             <a:endParaRPr lang="en-US" altLang="zh-CN" dirty="0" smtClean="0"/>
           </a:p>
         </p:txBody>
@@ -1276,11 +1284,7 @@
             </a:r>
             <a:r>
               <a:rPr lang="zh-CN" altLang="en-US" baseline="0" dirty="0" smtClean="0"/>
-              <a:t>内定义，会触发水面材质</a:t>
-            </a:r>
-            <a:r>
-              <a:rPr lang="zh-CN" altLang="en-US" baseline="0" dirty="0" smtClean="0"/>
-              <a:t>渐变</a:t>
+              <a:t>内定义，会触发水面材质渐变</a:t>
             </a:r>
             <a:endParaRPr lang="en-US" altLang="zh-CN" baseline="0" dirty="0" smtClean="0"/>
           </a:p>
@@ -1509,22 +1513,14 @@
             </a:r>
             <a:r>
               <a:rPr lang="zh-CN" altLang="en-US" baseline="0" dirty="0" smtClean="0"/>
-              <a:t>的</a:t>
-            </a:r>
+              <a:t>的引入</a:t>
+            </a:r>
+            <a:endParaRPr lang="en-US" altLang="zh-CN" baseline="0" dirty="0" smtClean="0"/>
+          </a:p>
+          <a:p>
             <a:r>
               <a:rPr lang="zh-CN" altLang="en-US" baseline="0" dirty="0" smtClean="0"/>
-              <a:t>引入</a:t>
-            </a:r>
-            <a:endParaRPr lang="en-US" altLang="zh-CN" baseline="0" dirty="0" smtClean="0"/>
-          </a:p>
-          <a:p>
-            <a:r>
-              <a:rPr lang="zh-CN" altLang="en-US" baseline="0" dirty="0" smtClean="0"/>
-              <a:t>所有</a:t>
-            </a:r>
-            <a:r>
-              <a:rPr lang="zh-CN" altLang="en-US" baseline="0" dirty="0" smtClean="0"/>
-              <a:t>静态属性是共享的，节约内存但是没有逻辑功能，一旦修改就全部修改</a:t>
+              <a:t>所有静态属性是共享的，节约内存但是没有逻辑功能，一旦修改就全部修改</a:t>
             </a:r>
             <a:endParaRPr lang="en-US" altLang="zh-CN" baseline="0" dirty="0" smtClean="0"/>
           </a:p>
@@ -1538,11 +1534,7 @@
           <a:p>
             <a:r>
               <a:rPr lang="zh-CN" altLang="en-US" baseline="0" dirty="0" smtClean="0"/>
-              <a:t>加入</a:t>
-            </a:r>
-            <a:r>
-              <a:rPr lang="zh-CN" altLang="en-US" baseline="0" dirty="0" smtClean="0"/>
-              <a:t>了动态</a:t>
+              <a:t>加入了动态</a:t>
             </a:r>
             <a:r>
               <a:rPr lang="en-US" altLang="zh-CN" baseline="0" dirty="0" err="1" smtClean="0"/>
@@ -1683,26 +1675,34 @@
             </a:r>
             <a:r>
               <a:rPr lang="zh-CN" altLang="en-US" baseline="0" dirty="0" smtClean="0"/>
-              <a:t>，有时候</a:t>
-            </a:r>
+              <a:t>，有时候会找不到水</a:t>
+            </a:r>
+            <a:endParaRPr lang="en-US" altLang="zh-CN" baseline="0" dirty="0" smtClean="0"/>
+          </a:p>
+          <a:p>
             <a:r>
               <a:rPr lang="zh-CN" altLang="en-US" baseline="0" dirty="0" smtClean="0"/>
-              <a:t>会找不到水</a:t>
-            </a:r>
-            <a:endParaRPr lang="en-US" altLang="zh-CN" baseline="0" dirty="0" smtClean="0"/>
-          </a:p>
-          <a:p>
+              <a:t>自己加了一个物理模块现成安全的函数遍历</a:t>
+            </a:r>
+            <a:r>
+              <a:rPr lang="en-US" altLang="zh-CN" baseline="0" dirty="0" smtClean="0"/>
+              <a:t>physics area</a:t>
+            </a:r>
             <a:r>
               <a:rPr lang="zh-CN" altLang="en-US" baseline="0" dirty="0" smtClean="0"/>
-              <a:t>自己加了一个</a:t>
+              <a:t>的功能，</a:t>
             </a:r>
             <a:r>
               <a:rPr lang="zh-CN" altLang="en-US" baseline="0" dirty="0" smtClean="0"/>
-              <a:t>物理模块现成安全的函数遍历</a:t>
+              <a:t>然后找到</a:t>
             </a:r>
             <a:r>
               <a:rPr lang="en-US" altLang="zh-CN" baseline="0" dirty="0" smtClean="0"/>
-              <a:t>physics </a:t>
+              <a:t>water render node</a:t>
+            </a:r>
+            <a:r>
+              <a:rPr lang="zh-CN" altLang="en-US" baseline="0" dirty="0" smtClean="0"/>
+              <a:t>得到顶点数据用射线检测法判定是否在</a:t>
             </a:r>
             <a:r>
               <a:rPr lang="en-US" altLang="zh-CN" baseline="0" dirty="0" smtClean="0"/>
@@ -1710,42 +1710,30 @@
             </a:r>
             <a:r>
               <a:rPr lang="zh-CN" altLang="en-US" baseline="0" dirty="0" smtClean="0"/>
-              <a:t>的功能，然后根据</a:t>
+              <a:t>内，然后与</a:t>
             </a:r>
             <a:r>
               <a:rPr lang="zh-CN" altLang="en-US" baseline="0" dirty="0" smtClean="0"/>
-              <a:t>物件摆放位置是否在</a:t>
+              <a:t>物件关联</a:t>
+            </a:r>
+            <a:endParaRPr lang="en-US" altLang="zh-CN" baseline="0" dirty="0" smtClean="0"/>
+          </a:p>
+          <a:p>
+            <a:r>
+              <a:rPr lang="zh-CN" altLang="en-US" baseline="0" dirty="0" smtClean="0"/>
+              <a:t>植被本来是美术刷出来</a:t>
+            </a:r>
+            <a:r>
+              <a:rPr lang="zh-CN" altLang="en-US" baseline="0" dirty="0" smtClean="0"/>
+              <a:t>的，扩展渲染引擎接口可以在逻辑层创建和修改</a:t>
             </a:r>
             <a:r>
               <a:rPr lang="en-US" altLang="zh-CN" baseline="0" dirty="0" smtClean="0"/>
-              <a:t>area</a:t>
+              <a:t>vegetation</a:t>
             </a:r>
             <a:r>
               <a:rPr lang="zh-CN" altLang="en-US" baseline="0" dirty="0" smtClean="0"/>
-              <a:t>内决定是否讲</a:t>
-            </a:r>
-            <a:r>
-              <a:rPr lang="en-US" altLang="zh-CN" baseline="0" dirty="0" smtClean="0"/>
-              <a:t>physics area</a:t>
-            </a:r>
-            <a:r>
-              <a:rPr lang="zh-CN" altLang="en-US" baseline="0" dirty="0" smtClean="0"/>
-              <a:t>绑定的</a:t>
-            </a:r>
-            <a:r>
-              <a:rPr lang="en-US" altLang="zh-CN" baseline="0" dirty="0" smtClean="0"/>
-              <a:t>render node</a:t>
-            </a:r>
-            <a:r>
-              <a:rPr lang="zh-CN" altLang="en-US" baseline="0" dirty="0" smtClean="0"/>
-              <a:t>与物件关联</a:t>
-            </a:r>
-            <a:endParaRPr lang="en-US" altLang="zh-CN" baseline="0" dirty="0" smtClean="0"/>
-          </a:p>
-          <a:p>
-            <a:r>
-              <a:rPr lang="zh-CN" altLang="en-US" baseline="0" dirty="0" smtClean="0"/>
-              <a:t>植被本来是美术刷出来的</a:t>
+              <a:t>，既可以享受渲染合并的高效，也可以附加逻辑</a:t>
             </a:r>
             <a:endParaRPr lang="en-US" altLang="zh-CN" baseline="0" dirty="0" smtClean="0"/>
           </a:p>
@@ -1862,7 +1850,11 @@
             </a:r>
             <a:r>
               <a:rPr lang="zh-CN" altLang="en-US" baseline="0" dirty="0" smtClean="0"/>
-              <a:t>来决定是哪类，后来直接加彭状态的</a:t>
+              <a:t>来决定是哪类，</a:t>
+            </a:r>
+            <a:r>
+              <a:rPr lang="zh-CN" altLang="en-US" baseline="0" dirty="0" smtClean="0"/>
+              <a:t>后来扩展物理的</a:t>
             </a:r>
             <a:r>
               <a:rPr lang="en-US" altLang="zh-CN" baseline="0" dirty="0" smtClean="0"/>
@@ -2120,7 +2112,11 @@
           <a:p>
             <a:r>
               <a:rPr lang="zh-CN" altLang="en-US" dirty="0" smtClean="0"/>
-              <a:t>随口说的，或者来自抱怨</a:t>
+              <a:t>随口说的，或者来自</a:t>
+            </a:r>
+            <a:r>
+              <a:rPr lang="zh-CN" altLang="en-US" dirty="0" smtClean="0"/>
+              <a:t>抱怨，水和植被扩展</a:t>
             </a:r>
             <a:endParaRPr lang="zh-CN" altLang="en-US" dirty="0"/>
           </a:p>
@@ -2364,7 +2360,19 @@
           <a:p>
             <a:r>
               <a:rPr lang="zh-CN" altLang="en-US" dirty="0" smtClean="0"/>
-              <a:t>一般是先在组内试讲，大家觉得不错才会开课</a:t>
+              <a:t>一般是先在组内试讲，大家觉得不错才会</a:t>
+            </a:r>
+            <a:r>
+              <a:rPr lang="zh-CN" altLang="en-US" dirty="0" smtClean="0"/>
+              <a:t>开课，</a:t>
+            </a:r>
+            <a:r>
+              <a:rPr lang="en-US" altLang="zh-CN" dirty="0" smtClean="0"/>
+              <a:t>KM</a:t>
+            </a:r>
+            <a:r>
+              <a:rPr lang="zh-CN" altLang="en-US" dirty="0" smtClean="0"/>
+              <a:t>的文章都会附加测试用例程序，亲测可用的</a:t>
             </a:r>
             <a:endParaRPr lang="zh-CN" altLang="en-US" dirty="0"/>
           </a:p>
@@ -2467,7 +2475,7 @@
           </a:p>
           <a:p>
             <a:r>
-              <a:rPr lang="zh-CN" altLang="en-US" smtClean="0"/>
+              <a:rPr lang="zh-CN" altLang="en-US" dirty="0" smtClean="0"/>
               <a:t>超出决策者这个角色</a:t>
             </a:r>
             <a:endParaRPr lang="en-US" altLang="zh-CN" dirty="0" smtClean="0"/>
@@ -3230,11 +3238,7 @@
             </a:r>
             <a:r>
               <a:rPr lang="zh-CN" altLang="en-US" dirty="0" smtClean="0"/>
-              <a:t>的类导致</a:t>
-            </a:r>
-            <a:r>
-              <a:rPr lang="zh-CN" altLang="en-US" dirty="0" smtClean="0"/>
-              <a:t>的</a:t>
+              <a:t>的类导致的</a:t>
             </a:r>
             <a:endParaRPr lang="en-US" altLang="zh-CN" dirty="0" smtClean="0"/>
           </a:p>
@@ -6826,19 +6830,7 @@
               <a:rPr lang="zh-CN" altLang="en-US" dirty="0" smtClean="0">
                 <a:latin typeface="宋体" charset="-122"/>
               </a:rPr>
-              <a:t>场景</a:t>
-            </a:r>
-            <a:r>
-              <a:rPr lang="zh-CN" altLang="en-US" dirty="0" smtClean="0">
-                <a:latin typeface="宋体" charset="-122"/>
-              </a:rPr>
-              <a:t>物件系统的</a:t>
-            </a:r>
-            <a:r>
-              <a:rPr lang="zh-CN" altLang="en-US" dirty="0" smtClean="0">
-                <a:latin typeface="宋体" charset="-122"/>
-              </a:rPr>
-              <a:t>层次结构</a:t>
+              <a:t>场景物件系统的层次结构</a:t>
             </a:r>
             <a:endParaRPr lang="en-US" altLang="zh-CN" sz="1600" b="0" dirty="0" smtClean="0">
               <a:latin typeface="宋体" charset="-122"/>
@@ -7182,7 +7174,7 @@
               <a:rPr lang="zh-CN" altLang="en-US" b="0" dirty="0" smtClean="0">
                 <a:latin typeface="宋体" charset="-122"/>
               </a:rPr>
-              <a:t>属性</a:t>
+              <a:t>静态属性</a:t>
             </a:r>
             <a:r>
               <a:rPr lang="en-US" altLang="zh-CN" b="0" dirty="0" smtClean="0">
@@ -7194,7 +7186,7 @@
               <a:rPr lang="zh-CN" altLang="en-US" b="0" dirty="0" smtClean="0">
                 <a:latin typeface="宋体" charset="-122"/>
               </a:rPr>
-              <a:t>共享</a:t>
+              <a:t>共享，动态专有</a:t>
             </a:r>
             <a:endParaRPr lang="en-US" altLang="zh-CN" b="0" dirty="0" smtClean="0">
               <a:latin typeface="宋体" charset="-122"/>
@@ -7206,19 +7198,19 @@
               <a:rPr lang="zh-CN" altLang="en-US" b="0" dirty="0" smtClean="0">
                 <a:latin typeface="宋体" charset="-122"/>
               </a:rPr>
-              <a:t>扩展的</a:t>
-            </a:r>
-            <a:r>
-              <a:rPr lang="en-US" altLang="zh-CN" b="0" dirty="0" smtClean="0">
-                <a:latin typeface="宋体" charset="-122"/>
-              </a:rPr>
-              <a:t>archetype</a:t>
+              <a:t>配置</a:t>
             </a:r>
             <a:r>
               <a:rPr lang="zh-CN" altLang="en-US" b="0" dirty="0" smtClean="0">
                 <a:latin typeface="宋体" charset="-122"/>
               </a:rPr>
-              <a:t>，加入动态属性</a:t>
+              <a:t>数据脱离关卡，添加删除修改属性关卡不需要</a:t>
+            </a:r>
+            <a:r>
+              <a:rPr lang="zh-CN" altLang="en-US" b="0" dirty="0" smtClean="0">
+                <a:latin typeface="宋体" charset="-122"/>
+              </a:rPr>
+              <a:t>修改</a:t>
             </a:r>
             <a:endParaRPr lang="en-US" altLang="zh-CN" b="0" dirty="0" smtClean="0">
               <a:latin typeface="宋体" charset="-122"/>
@@ -7230,7 +7222,7 @@
               <a:rPr lang="zh-CN" altLang="en-US" b="0" dirty="0" smtClean="0">
                 <a:latin typeface="宋体" charset="-122"/>
               </a:rPr>
-              <a:t>内存节省，配置数据脱离关卡，添加删除修改属性关卡不需要修改</a:t>
+              <a:t>内存节省</a:t>
             </a:r>
             <a:endParaRPr lang="en-US" altLang="zh-CN" b="0" dirty="0" smtClean="0">
               <a:latin typeface="宋体" charset="-122"/>
@@ -7318,13 +7310,7 @@
               <a:rPr lang="zh-CN" altLang="en-US" dirty="0" smtClean="0">
                 <a:latin typeface="宋体" charset="-122"/>
               </a:rPr>
-              <a:t>场景物件的功能扩展和</a:t>
-            </a:r>
-            <a:r>
-              <a:rPr lang="zh-CN" altLang="en-US" dirty="0" smtClean="0">
-                <a:latin typeface="宋体" charset="-122"/>
-              </a:rPr>
-              <a:t>优化</a:t>
+              <a:t>场景物件的功能扩展和优化</a:t>
             </a:r>
             <a:endParaRPr lang="en-US" altLang="zh-CN" dirty="0" smtClean="0">
               <a:latin typeface="宋体" charset="-122"/>
@@ -7639,9 +7625,6 @@
               </a:rPr>
               <a:t>AI</a:t>
             </a:r>
-            <a:endParaRPr lang="en-US" altLang="zh-CN" dirty="0" smtClean="0">
-              <a:latin typeface="宋体" charset="-122"/>
-            </a:endParaRPr>
           </a:p>
           <a:p>
             <a:pPr lvl="1" eaLnBrk="1" hangingPunct="1"/>
@@ -7689,7 +7672,6 @@
               <a:rPr lang="zh-CN" altLang="en-US" dirty="0" smtClean="0"/>
               <a:t>丰富多样的怪物特殊玩法</a:t>
             </a:r>
-            <a:endParaRPr lang="zh-CN" altLang="en-US" dirty="0" smtClean="0"/>
           </a:p>
         </p:txBody>
       </p:sp>
@@ -7938,14 +7920,7 @@
                 <a:latin typeface="宋体" panose="02010600030101010101" pitchFamily="2" charset="-122"/>
                 <a:cs typeface="+mn-cs"/>
               </a:rPr>
-              <a:t>系统</a:t>
-            </a:r>
-            <a:r>
-              <a:rPr lang="zh-CN" altLang="en-US" dirty="0" smtClean="0">
-                <a:latin typeface="宋体" panose="02010600030101010101" pitchFamily="2" charset="-122"/>
-                <a:cs typeface="+mn-cs"/>
-              </a:rPr>
-              <a:t>设计</a:t>
+              <a:t>系统设计</a:t>
             </a:r>
             <a:r>
               <a:rPr lang="zh-CN" altLang="en-US" dirty="0">
@@ -8539,14 +8514,7 @@
                 <a:latin typeface="宋体" panose="02010600030101010101" pitchFamily="2" charset="-122"/>
                 <a:cs typeface="+mn-cs"/>
               </a:rPr>
-              <a:t>C</a:t>
-            </a:r>
-            <a:r>
-              <a:rPr lang="en-US" altLang="zh-CN" b="0" dirty="0" err="1" smtClean="0">
-                <a:latin typeface="宋体" panose="02010600030101010101" pitchFamily="2" charset="-122"/>
-                <a:cs typeface="+mn-cs"/>
-              </a:rPr>
-              <a:t>ryEngine</a:t>
+              <a:t>CryEngine</a:t>
             </a:r>
             <a:r>
               <a:rPr lang="zh-CN" altLang="en-US" b="0" dirty="0" smtClean="0">
@@ -8751,17 +8719,12 @@
               <a:rPr lang="en-US" altLang="zh-CN" b="0" dirty="0" smtClean="0"/>
               <a:t>》</a:t>
             </a:r>
-            <a:endParaRPr lang="en-US" altLang="zh-CN" b="0" dirty="0" smtClean="0"/>
           </a:p>
           <a:p>
             <a:pPr lvl="1" eaLnBrk="1" hangingPunct="1"/>
             <a:r>
               <a:rPr lang="zh-CN" altLang="en-US" b="0" dirty="0" smtClean="0"/>
-              <a:t>组内</a:t>
-            </a:r>
-            <a:r>
-              <a:rPr lang="zh-CN" altLang="en-US" b="0" dirty="0" smtClean="0"/>
-              <a:t>分享场景物件系统的设计</a:t>
+              <a:t>组内分享场景物件系统的设计</a:t>
             </a:r>
             <a:endParaRPr lang="en-US" altLang="zh-CN" b="0" dirty="0" smtClean="0"/>
           </a:p>
@@ -8777,11 +8740,23 @@
             </a:r>
             <a:r>
               <a:rPr lang="en-US" altLang="zh-CN" b="0" dirty="0" smtClean="0"/>
-              <a:t>《C++</a:t>
+              <a:t>《</a:t>
+            </a:r>
+            <a:r>
+              <a:rPr lang="en-US" b="0" dirty="0" smtClean="0"/>
+              <a:t> LUA</a:t>
             </a:r>
             <a:r>
               <a:rPr lang="zh-CN" altLang="en-US" b="0" dirty="0" smtClean="0"/>
-              <a:t>析构与泄漏 之准备篇</a:t>
+              <a:t>中的</a:t>
+            </a:r>
+            <a:r>
+              <a:rPr lang="en-US" b="0" dirty="0" err="1" smtClean="0"/>
+              <a:t>userdata</a:t>
+            </a:r>
+            <a:r>
+              <a:rPr lang="zh-CN" altLang="en-US" b="0" dirty="0" smtClean="0"/>
+              <a:t>的进阶用法</a:t>
             </a:r>
             <a:r>
               <a:rPr lang="en-US" altLang="zh-CN" b="0" dirty="0" smtClean="0"/>
@@ -8791,15 +8766,15 @@
               <a:rPr lang="zh-CN" altLang="en-US" b="0" dirty="0" smtClean="0"/>
               <a:t>：</a:t>
             </a:r>
-            <a:r>
-              <a:rPr lang="en-US" altLang="zh-CN" b="0" dirty="0" smtClean="0"/>
-              <a:t> </a:t>
-            </a:r>
+            <a:endParaRPr lang="en-US" altLang="zh-CN" b="0" dirty="0" smtClean="0"/>
+          </a:p>
+          <a:p>
+            <a:pPr lvl="1" eaLnBrk="1" hangingPunct="1"/>
             <a:r>
               <a:rPr lang="en-US" altLang="zh-CN" b="0" dirty="0" smtClean="0">
                 <a:hlinkClick r:id="rId3"/>
               </a:rPr>
-              <a:t>http://km.oa.com/articles/show/190379</a:t>
+              <a:t>http://km.oa.com/group/11892/articles/show/198557</a:t>
             </a:r>
             <a:endParaRPr lang="en-US" altLang="zh-CN" b="0" dirty="0" smtClean="0"/>
           </a:p>
@@ -8815,11 +8790,23 @@
             </a:r>
             <a:r>
               <a:rPr lang="en-US" altLang="zh-CN" b="0" dirty="0" smtClean="0"/>
-              <a:t>《C++</a:t>
+              <a:t>《</a:t>
+            </a:r>
+            <a:r>
+              <a:rPr lang="en-US" b="0" dirty="0" smtClean="0"/>
+              <a:t>CryEngine3</a:t>
             </a:r>
             <a:r>
               <a:rPr lang="zh-CN" altLang="en-US" b="0" dirty="0" smtClean="0"/>
-              <a:t>析构与泄漏 之深入篇</a:t>
+              <a:t>的</a:t>
+            </a:r>
+            <a:r>
+              <a:rPr lang="en-US" b="0" dirty="0" smtClean="0"/>
+              <a:t>LUA</a:t>
+            </a:r>
+            <a:r>
+              <a:rPr lang="zh-CN" altLang="en-US" b="0" dirty="0" smtClean="0"/>
+              <a:t>框架分享</a:t>
             </a:r>
             <a:r>
               <a:rPr lang="en-US" altLang="zh-CN" b="0" dirty="0" smtClean="0"/>
@@ -8829,15 +8816,15 @@
               <a:rPr lang="zh-CN" altLang="en-US" b="0" dirty="0" smtClean="0"/>
               <a:t>：</a:t>
             </a:r>
-            <a:r>
-              <a:rPr lang="en-US" altLang="zh-CN" b="0" dirty="0" smtClean="0"/>
-              <a:t> </a:t>
-            </a:r>
+            <a:endParaRPr lang="en-US" altLang="zh-CN" b="0" dirty="0" smtClean="0"/>
+          </a:p>
+          <a:p>
+            <a:pPr lvl="1" eaLnBrk="1" hangingPunct="1"/>
             <a:r>
               <a:rPr lang="en-US" altLang="zh-CN" b="0" dirty="0" smtClean="0">
                 <a:hlinkClick r:id="rId4"/>
               </a:rPr>
-              <a:t>http://km.oa.com/articles/show/190382</a:t>
+              <a:t>http://km.oa.com/group/11892/articles/show/193069</a:t>
             </a:r>
             <a:endParaRPr lang="en-US" altLang="zh-CN" b="0" dirty="0" smtClean="0"/>
           </a:p>
@@ -8853,11 +8840,15 @@
             </a:r>
             <a:r>
               <a:rPr lang="en-US" altLang="zh-CN" b="0" dirty="0" smtClean="0"/>
-              <a:t>《C++</a:t>
+              <a:t>《</a:t>
+            </a:r>
+            <a:r>
+              <a:rPr lang="en-US" b="0" dirty="0" smtClean="0"/>
+              <a:t> LUA</a:t>
             </a:r>
             <a:r>
               <a:rPr lang="zh-CN" altLang="en-US" b="0" dirty="0" smtClean="0"/>
-              <a:t>析构与泄漏 之泄漏篇</a:t>
+              <a:t>中注册类的任意成员函数</a:t>
             </a:r>
             <a:r>
               <a:rPr lang="en-US" altLang="zh-CN" b="0" dirty="0" smtClean="0"/>
@@ -8867,15 +8858,15 @@
               <a:rPr lang="zh-CN" altLang="en-US" b="0" dirty="0" smtClean="0"/>
               <a:t>：</a:t>
             </a:r>
-            <a:r>
-              <a:rPr lang="en-US" altLang="zh-CN" b="0" dirty="0" smtClean="0"/>
-              <a:t> </a:t>
-            </a:r>
+            <a:endParaRPr lang="en-US" altLang="zh-CN" b="0" dirty="0" smtClean="0"/>
+          </a:p>
+          <a:p>
+            <a:pPr lvl="1" eaLnBrk="1" hangingPunct="1"/>
             <a:r>
               <a:rPr lang="en-US" altLang="zh-CN" b="0" dirty="0" smtClean="0">
                 <a:hlinkClick r:id="rId5"/>
               </a:rPr>
-              <a:t>http://km.oa.com/articles/show/190383</a:t>
+              <a:t>http://km.oa.com/group/11892/articles/show/192023</a:t>
             </a:r>
             <a:endParaRPr lang="en-US" altLang="zh-CN" b="0" dirty="0" smtClean="0"/>
           </a:p>
@@ -9023,7 +9014,15 @@
             </a:r>
             <a:r>
               <a:rPr lang="zh-CN" altLang="en-US" b="0" dirty="0" smtClean="0"/>
-              <a:t>不断降低迭代成本，场景设计师几乎无返工现象</a:t>
+              <a:t>不断降低迭代成本</a:t>
+            </a:r>
+            <a:r>
+              <a:rPr lang="zh-CN" altLang="en-US" b="0" dirty="0" smtClean="0"/>
+              <a:t>，后期场景</a:t>
+            </a:r>
+            <a:r>
+              <a:rPr lang="zh-CN" altLang="en-US" b="0" dirty="0" smtClean="0"/>
+              <a:t>设计师几乎无返工现象</a:t>
             </a:r>
             <a:endParaRPr lang="en-US" altLang="zh-CN" b="0" dirty="0" smtClean="0"/>
           </a:p>
@@ -9039,11 +9038,7 @@
             </a:r>
             <a:r>
               <a:rPr lang="zh-CN" altLang="en-US" b="0" dirty="0" smtClean="0"/>
-              <a:t>逻辑的</a:t>
-            </a:r>
-            <a:r>
-              <a:rPr lang="zh-CN" altLang="en-US" b="0" dirty="0" smtClean="0"/>
-              <a:t>使用</a:t>
+              <a:t>逻辑的使用</a:t>
             </a:r>
             <a:endParaRPr lang="en-US" altLang="zh-CN" b="0" dirty="0" smtClean="0"/>
           </a:p>
@@ -9067,11 +9062,23 @@
             <a:pPr lvl="1" eaLnBrk="1" hangingPunct="1"/>
             <a:r>
               <a:rPr lang="zh-CN" altLang="en-US" b="0" dirty="0" smtClean="0"/>
-              <a:t>逻辑实现分层的功能推动怪物</a:t>
-            </a:r>
-            <a:r>
-              <a:rPr lang="zh-CN" altLang="en-US" b="0" smtClean="0"/>
-              <a:t>的一些系统开发</a:t>
+              <a:t>逻辑实现分层</a:t>
+            </a:r>
+            <a:r>
+              <a:rPr lang="zh-CN" altLang="en-US" b="0" dirty="0" smtClean="0"/>
+              <a:t>的</a:t>
+            </a:r>
+            <a:r>
+              <a:rPr lang="zh-CN" altLang="en-US" b="0" dirty="0" smtClean="0"/>
+              <a:t>思路</a:t>
+            </a:r>
+            <a:r>
+              <a:rPr lang="zh-CN" altLang="en-US" b="0" dirty="0" smtClean="0"/>
+              <a:t>推动</a:t>
+            </a:r>
+            <a:r>
+              <a:rPr lang="zh-CN" altLang="en-US" b="0" dirty="0" smtClean="0"/>
+              <a:t>怪物的一些系统开发</a:t>
             </a:r>
             <a:endParaRPr lang="en-US" altLang="zh-CN" b="0" dirty="0" smtClean="0"/>
           </a:p>
@@ -9134,7 +9141,6 @@
               <a:rPr lang="zh-CN" altLang="en-US" dirty="0" smtClean="0"/>
               <a:t>工作感言</a:t>
             </a:r>
-            <a:endParaRPr lang="zh-CN" altLang="en-US" dirty="0" smtClean="0"/>
           </a:p>
         </p:txBody>
       </p:sp>

--- a/Doc/whitebai.pptx
+++ b/Doc/whitebai.pptx
@@ -5,32 +5,39 @@
     <p:sldMasterId id="2147483657" r:id="rId1"/>
   </p:sldMasterIdLst>
   <p:notesMasterIdLst>
-    <p:notesMasterId r:id="rId25"/>
+    <p:notesMasterId r:id="rId32"/>
   </p:notesMasterIdLst>
   <p:sldIdLst>
     <p:sldId id="256" r:id="rId2"/>
     <p:sldId id="450" r:id="rId3"/>
     <p:sldId id="468" r:id="rId4"/>
-    <p:sldId id="464" r:id="rId5"/>
-    <p:sldId id="469" r:id="rId6"/>
-    <p:sldId id="465" r:id="rId7"/>
-    <p:sldId id="466" r:id="rId8"/>
-    <p:sldId id="467" r:id="rId9"/>
-    <p:sldId id="459" r:id="rId10"/>
-    <p:sldId id="470" r:id="rId11"/>
-    <p:sldId id="471" r:id="rId12"/>
-    <p:sldId id="472" r:id="rId13"/>
-    <p:sldId id="474" r:id="rId14"/>
-    <p:sldId id="473" r:id="rId15"/>
-    <p:sldId id="475" r:id="rId16"/>
-    <p:sldId id="476" r:id="rId17"/>
-    <p:sldId id="477" r:id="rId18"/>
-    <p:sldId id="478" r:id="rId19"/>
-    <p:sldId id="454" r:id="rId20"/>
-    <p:sldId id="479" r:id="rId21"/>
-    <p:sldId id="458" r:id="rId22"/>
-    <p:sldId id="481" r:id="rId23"/>
-    <p:sldId id="480" r:id="rId24"/>
+    <p:sldId id="467" r:id="rId5"/>
+    <p:sldId id="464" r:id="rId6"/>
+    <p:sldId id="470" r:id="rId7"/>
+    <p:sldId id="472" r:id="rId8"/>
+    <p:sldId id="474" r:id="rId9"/>
+    <p:sldId id="482" r:id="rId10"/>
+    <p:sldId id="473" r:id="rId11"/>
+    <p:sldId id="484" r:id="rId12"/>
+    <p:sldId id="483" r:id="rId13"/>
+    <p:sldId id="485" r:id="rId14"/>
+    <p:sldId id="476" r:id="rId15"/>
+    <p:sldId id="477" r:id="rId16"/>
+    <p:sldId id="486" r:id="rId17"/>
+    <p:sldId id="487" r:id="rId18"/>
+    <p:sldId id="488" r:id="rId19"/>
+    <p:sldId id="489" r:id="rId20"/>
+    <p:sldId id="490" r:id="rId21"/>
+    <p:sldId id="491" r:id="rId22"/>
+    <p:sldId id="492" r:id="rId23"/>
+    <p:sldId id="495" r:id="rId24"/>
+    <p:sldId id="493" r:id="rId25"/>
+    <p:sldId id="494" r:id="rId26"/>
+    <p:sldId id="454" r:id="rId27"/>
+    <p:sldId id="479" r:id="rId28"/>
+    <p:sldId id="458" r:id="rId29"/>
+    <p:sldId id="481" r:id="rId30"/>
+    <p:sldId id="480" r:id="rId31"/>
   </p:sldIdLst>
   <p:sldSz cx="9144000" cy="6858000" type="screen4x3"/>
   <p:notesSz cx="6858000" cy="9144000"/>
@@ -633,9 +640,9 @@
       </p:grpSpPr>
       <p:sp>
         <p:nvSpPr>
-          <p:cNvPr id="6146" name="幻灯片图像占位符 1"/>
-          <p:cNvSpPr>
-            <a:spLocks noGrp="1" noRot="1" noChangeAspect="1" noTextEdit="1"/>
+          <p:cNvPr id="2" name="幻灯片图像占位符 1"/>
+          <p:cNvSpPr>
+            <a:spLocks noGrp="1" noRot="1" noChangeAspect="1"/>
           </p:cNvSpPr>
           <p:nvPr>
             <p:ph type="sldImg"/>
@@ -645,7 +652,7 @@
       </p:sp>
       <p:sp>
         <p:nvSpPr>
-          <p:cNvPr id="6147" name="备注占位符 2"/>
+          <p:cNvPr id="3" name="备注占位符 2"/>
           <p:cNvSpPr>
             <a:spLocks noGrp="1"/>
           </p:cNvSpPr>
@@ -653,42 +660,36 @@
             <p:ph type="body" idx="1"/>
           </p:nvPr>
         </p:nvSpPr>
-        <p:spPr>
-          <a:noFill/>
-          <a:ln/>
-        </p:spPr>
+        <p:spPr/>
+        <p:txBody>
+          <a:bodyPr>
+            <a:normAutofit/>
+          </a:bodyPr>
+          <a:lstStyle/>
+          <a:p>
+            <a:endParaRPr lang="zh-CN" altLang="en-US" dirty="0"/>
+          </a:p>
+        </p:txBody>
+      </p:sp>
+      <p:sp>
+        <p:nvSpPr>
+          <p:cNvPr id="4" name="灯片编号占位符 3"/>
+          <p:cNvSpPr>
+            <a:spLocks noGrp="1"/>
+          </p:cNvSpPr>
+          <p:nvPr>
+            <p:ph type="sldNum" sz="quarter" idx="10"/>
+          </p:nvPr>
+        </p:nvSpPr>
+        <p:spPr/>
         <p:txBody>
           <a:bodyPr/>
           <a:lstStyle/>
           <a:p>
-            <a:endParaRPr lang="zh-CN" altLang="en-US" dirty="0" smtClean="0">
-              <a:latin typeface="Arial" charset="0"/>
-              <a:ea typeface="宋体" charset="-122"/>
-            </a:endParaRPr>
-          </a:p>
-        </p:txBody>
-      </p:sp>
-      <p:sp>
-        <p:nvSpPr>
-          <p:cNvPr id="6148" name="灯片编号占位符 3"/>
-          <p:cNvSpPr>
-            <a:spLocks noGrp="1"/>
-          </p:cNvSpPr>
-          <p:nvPr>
-            <p:ph type="sldNum" sz="quarter" idx="5"/>
-          </p:nvPr>
-        </p:nvSpPr>
-        <p:spPr>
-          <a:noFill/>
-        </p:spPr>
-        <p:txBody>
-          <a:bodyPr/>
-          <a:lstStyle/>
-          <a:p>
-            <a:fld id="{099C1776-6F55-4DC4-B6DA-4097D7BE4D41}" type="slidenum">
-              <a:rPr lang="zh-CN" altLang="en-US"/>
+            <a:fld id="{287CCF68-D40B-4599-926A-7A0EC2D9742D}" type="slidenum">
+              <a:rPr lang="zh-CN" altLang="en-US" smtClean="0"/>
               <a:pPr/>
-              <a:t>2</a:t>
+              <a:t>1</a:t>
             </a:fld>
             <a:endParaRPr lang="en-US" altLang="zh-CN"/>
           </a:p>
@@ -749,14 +750,18 @@
           <a:lstStyle/>
           <a:p>
             <a:r>
-              <a:rPr lang="en-US" altLang="zh-CN" dirty="0" err="1" smtClean="0"/>
-              <a:t>Dofile</a:t>
-            </a:r>
-            <a:r>
-              <a:rPr lang="zh-CN" altLang="en-US" dirty="0" smtClean="0"/>
-              <a:t>的时候可以动态修改配置表格的</a:t>
-            </a:r>
-            <a:endParaRPr lang="en-US" altLang="zh-CN" dirty="0" smtClean="0"/>
+              <a:rPr lang="zh-CN" altLang="en-US" baseline="0" dirty="0" smtClean="0"/>
+              <a:t>客户端进入一个</a:t>
+            </a:r>
+            <a:r>
+              <a:rPr lang="en-US" altLang="zh-CN" baseline="0" dirty="0" smtClean="0"/>
+              <a:t>trigger</a:t>
+            </a:r>
+            <a:r>
+              <a:rPr lang="zh-CN" altLang="en-US" baseline="0" dirty="0" smtClean="0"/>
+              <a:t>，物件发射一个毒箭</a:t>
+            </a:r>
+            <a:endParaRPr lang="en-US" altLang="zh-CN" baseline="0" dirty="0" smtClean="0"/>
           </a:p>
         </p:txBody>
       </p:sp>
@@ -838,7 +843,26 @@
           </a:bodyPr>
           <a:lstStyle/>
           <a:p>
-            <a:endParaRPr lang="en-US" altLang="zh-CN" dirty="0" smtClean="0"/>
+            <a:r>
+              <a:rPr lang="zh-CN" altLang="en-US" baseline="0" dirty="0" smtClean="0"/>
+              <a:t>可破坏物件同步举例</a:t>
+            </a:r>
+            <a:endParaRPr lang="en-US" altLang="zh-CN" baseline="0" dirty="0" smtClean="0"/>
+          </a:p>
+          <a:p>
+            <a:r>
+              <a:rPr lang="zh-CN" altLang="en-US" baseline="0" dirty="0" smtClean="0"/>
+              <a:t>客户端打击判定，服务器伤害计算，进入</a:t>
+            </a:r>
+            <a:r>
+              <a:rPr lang="en-US" altLang="zh-CN" baseline="0" dirty="0" smtClean="0"/>
+              <a:t>1</a:t>
+            </a:r>
+            <a:r>
+              <a:rPr lang="zh-CN" altLang="en-US" baseline="0" dirty="0" smtClean="0"/>
+              <a:t>段破坏状态，（模型更换，重新物理化）</a:t>
+            </a:r>
+            <a:endParaRPr lang="en-US" altLang="zh-CN" baseline="0" dirty="0" smtClean="0"/>
           </a:p>
         </p:txBody>
       </p:sp>
@@ -920,95 +944,128 @@
           </a:bodyPr>
           <a:lstStyle/>
           <a:p>
-            <a:r>
-              <a:rPr lang="en-US" altLang="zh-CN" b="0" dirty="0" err="1" smtClean="0">
+            <a:pPr lvl="1" eaLnBrk="1" hangingPunct="1"/>
+            <a:r>
+              <a:rPr lang="zh-CN" altLang="en-US" dirty="0" smtClean="0">
                 <a:latin typeface="宋体" charset="-122"/>
               </a:rPr>
-              <a:t>Lua</a:t>
-            </a:r>
+              <a:t>场景物件的同步逻辑优化</a:t>
+            </a:r>
+            <a:endParaRPr lang="en-US" altLang="zh-CN" dirty="0" smtClean="0">
+              <a:latin typeface="宋体" charset="-122"/>
+            </a:endParaRPr>
+          </a:p>
+          <a:p>
+            <a:pPr lvl="1" eaLnBrk="1" hangingPunct="1"/>
+            <a:r>
+              <a:rPr lang="zh-CN" altLang="en-US" dirty="0" smtClean="0">
+                <a:latin typeface="宋体" charset="-122"/>
+              </a:rPr>
+              <a:t>花的闪光 盛开逻辑</a:t>
+            </a:r>
+            <a:endParaRPr lang="en-US" altLang="zh-CN" dirty="0" smtClean="0">
+              <a:latin typeface="宋体" charset="-122"/>
+            </a:endParaRPr>
+          </a:p>
+          <a:p>
+            <a:pPr lvl="1" eaLnBrk="1" hangingPunct="1"/>
             <a:r>
               <a:rPr lang="zh-CN" altLang="en-US" b="0" dirty="0" smtClean="0">
                 <a:latin typeface="宋体" charset="-122"/>
               </a:rPr>
-              <a:t>表达顺序完成的逻辑并且可能是多帧执行的，非常不直观</a:t>
+              <a:t>如何处理上线后逻辑又执行一次的问题？瞬间生效的无问题</a:t>
             </a:r>
             <a:endParaRPr lang="en-US" altLang="zh-CN" b="0" dirty="0" smtClean="0">
               <a:latin typeface="宋体" charset="-122"/>
             </a:endParaRPr>
           </a:p>
           <a:p>
+            <a:pPr lvl="1" eaLnBrk="1" hangingPunct="1"/>
+            <a:r>
+              <a:rPr lang="en-US" altLang="zh-CN" b="0" dirty="0" smtClean="0">
+                <a:latin typeface="宋体" charset="-122"/>
+              </a:rPr>
+              <a:t>1.</a:t>
+            </a:r>
             <a:r>
               <a:rPr lang="zh-CN" altLang="en-US" b="0" dirty="0" smtClean="0">
                 <a:latin typeface="宋体" charset="-122"/>
               </a:rPr>
-              <a:t>由于每个组件很好的内聚性，</a:t>
-            </a:r>
-            <a:r>
-              <a:rPr lang="en-US" altLang="zh-CN" b="0" dirty="0" smtClean="0">
-                <a:latin typeface="宋体" charset="-122"/>
-              </a:rPr>
-              <a:t>entity</a:t>
-            </a:r>
-            <a:r>
-              <a:rPr lang="zh-CN" altLang="en-US" b="0" dirty="0" smtClean="0">
-                <a:latin typeface="宋体" charset="-122"/>
-              </a:rPr>
-              <a:t>实质的功能都在是组件内部，对于逻辑层来说，</a:t>
-            </a:r>
-            <a:r>
-              <a:rPr lang="en-US" altLang="zh-CN" b="0" dirty="0" err="1" smtClean="0">
-                <a:latin typeface="宋体" charset="-122"/>
-              </a:rPr>
-              <a:t>behaviour</a:t>
-            </a:r>
-            <a:r>
-              <a:rPr lang="en-US" altLang="zh-CN" b="0" dirty="0" smtClean="0">
-                <a:latin typeface="宋体" charset="-122"/>
-              </a:rPr>
-              <a:t> tree </a:t>
-            </a:r>
-            <a:r>
-              <a:rPr lang="zh-CN" altLang="en-US" b="0" dirty="0" smtClean="0">
-                <a:latin typeface="宋体" charset="-122"/>
-              </a:rPr>
-              <a:t>和</a:t>
-            </a:r>
-            <a:r>
-              <a:rPr lang="en-US" altLang="zh-CN" b="0" dirty="0" smtClean="0">
-                <a:latin typeface="宋体" charset="-122"/>
-              </a:rPr>
-              <a:t>flow graph</a:t>
-            </a:r>
-            <a:r>
-              <a:rPr lang="zh-CN" altLang="en-US" b="0" dirty="0" smtClean="0">
-                <a:latin typeface="宋体" charset="-122"/>
-              </a:rPr>
-              <a:t>都是等价的可视化脚本，用来做事件处理和流程</a:t>
+              <a:t>状态机做复杂些，分为正常，变色中，变色完成三个状态</a:t>
             </a:r>
             <a:endParaRPr lang="en-US" altLang="zh-CN" b="0" dirty="0" smtClean="0">
               <a:latin typeface="宋体" charset="-122"/>
             </a:endParaRPr>
           </a:p>
           <a:p>
+            <a:pPr lvl="1" eaLnBrk="1" hangingPunct="1"/>
+            <a:r>
+              <a:rPr lang="en-US" altLang="zh-CN" b="0" dirty="0" smtClean="0">
+                <a:latin typeface="宋体" charset="-122"/>
+              </a:rPr>
+              <a:t>2.</a:t>
+            </a:r>
             <a:r>
               <a:rPr lang="zh-CN" altLang="en-US" b="0" dirty="0" smtClean="0">
                 <a:latin typeface="宋体" charset="-122"/>
               </a:rPr>
-              <a:t>件供</a:t>
-            </a:r>
+              <a:t>单独写上线恢复逻辑</a:t>
+            </a:r>
+            <a:endParaRPr lang="en-US" altLang="zh-CN" b="0" dirty="0" smtClean="0">
+              <a:latin typeface="宋体" charset="-122"/>
+            </a:endParaRPr>
+          </a:p>
+          <a:p>
+            <a:pPr lvl="1" eaLnBrk="1" hangingPunct="1"/>
+            <a:r>
+              <a:rPr lang="zh-CN" altLang="en-US" b="0" dirty="0" smtClean="0">
+                <a:latin typeface="宋体" charset="-122"/>
+              </a:rPr>
+              <a:t>再次盛开逻辑</a:t>
+            </a:r>
+            <a:endParaRPr lang="en-US" altLang="zh-CN" b="0" dirty="0" smtClean="0">
+              <a:latin typeface="宋体" charset="-122"/>
+            </a:endParaRPr>
+          </a:p>
+          <a:p>
+            <a:pPr lvl="1" eaLnBrk="1" hangingPunct="1"/>
             <a:r>
               <a:rPr lang="en-US" altLang="zh-CN" b="0" dirty="0" smtClean="0">
                 <a:latin typeface="宋体" charset="-122"/>
               </a:rPr>
-              <a:t>entity</a:t>
+              <a:t>2.</a:t>
             </a:r>
             <a:r>
               <a:rPr lang="zh-CN" altLang="en-US" b="0" dirty="0" smtClean="0">
                 <a:latin typeface="宋体" charset="-122"/>
               </a:rPr>
-              <a:t>使用</a:t>
-            </a:r>
-            <a:endParaRPr lang="en-US" altLang="zh-CN" dirty="0" smtClean="0"/>
+              <a:t>制作行为的加速版本</a:t>
+            </a:r>
+            <a:endParaRPr lang="en-US" altLang="zh-CN" b="0" dirty="0" smtClean="0">
+              <a:latin typeface="宋体" charset="-122"/>
+            </a:endParaRPr>
+          </a:p>
+          <a:p>
+            <a:r>
+              <a:rPr lang="en-US" altLang="zh-CN" baseline="0" dirty="0" smtClean="0"/>
+              <a:t>       </a:t>
+            </a:r>
+            <a:r>
+              <a:rPr lang="zh-CN" altLang="en-US" baseline="0" dirty="0" smtClean="0"/>
+              <a:t>基本实现像单机一样做逻辑，只需要区分一件事儿，这个行为如果是需要恢复的，需要用属性状态来启动行为，不能直接触发行为</a:t>
+            </a:r>
+            <a:endParaRPr lang="en-US" altLang="zh-CN" baseline="0" dirty="0" smtClean="0"/>
+          </a:p>
+          <a:p>
+            <a:r>
+              <a:rPr lang="en-US" altLang="zh-CN" baseline="0" dirty="0" smtClean="0"/>
+              <a:t>       </a:t>
+            </a:r>
+            <a:r>
+              <a:rPr lang="zh-CN" altLang="en-US" baseline="0" dirty="0" smtClean="0"/>
+              <a:t>缺点：如果服务器路基正在进行中，有一点小瑕疵</a:t>
+            </a:r>
+            <a:endParaRPr lang="en-US" altLang="zh-CN" baseline="0" dirty="0" smtClean="0"/>
           </a:p>
         </p:txBody>
       </p:sp>
@@ -1091,207 +1148,92 @@
           <a:lstStyle/>
           <a:p>
             <a:r>
-              <a:rPr lang="zh-CN" altLang="en-US" dirty="0" smtClean="0"/>
-              <a:t>双向箭头含义，</a:t>
-            </a:r>
-            <a:r>
-              <a:rPr lang="en-US" altLang="zh-CN" dirty="0" smtClean="0"/>
-              <a:t>BT</a:t>
-            </a:r>
-            <a:r>
-              <a:rPr lang="zh-CN" altLang="en-US" dirty="0" smtClean="0"/>
-              <a:t>，</a:t>
-            </a:r>
-            <a:r>
-              <a:rPr lang="en-US" altLang="zh-CN" dirty="0" smtClean="0"/>
-              <a:t>FG</a:t>
-            </a:r>
-            <a:r>
-              <a:rPr lang="zh-CN" altLang="en-US" dirty="0" smtClean="0"/>
-              <a:t>会修改</a:t>
-            </a:r>
-            <a:r>
-              <a:rPr lang="en-US" altLang="zh-CN" dirty="0" smtClean="0"/>
-              <a:t>LUA</a:t>
-            </a:r>
-            <a:r>
-              <a:rPr lang="zh-CN" altLang="en-US" dirty="0" smtClean="0"/>
-              <a:t>内属性和状态，</a:t>
-            </a:r>
-            <a:r>
-              <a:rPr lang="en-US" altLang="zh-CN" dirty="0" smtClean="0"/>
-              <a:t>LUA</a:t>
-            </a:r>
-            <a:r>
-              <a:rPr lang="zh-CN" altLang="en-US" dirty="0" smtClean="0"/>
-              <a:t>也会</a:t>
-            </a:r>
-            <a:r>
-              <a:rPr lang="en-US" altLang="zh-CN" dirty="0" err="1" smtClean="0"/>
-              <a:t>executeBT</a:t>
-            </a:r>
-            <a:r>
-              <a:rPr lang="zh-CN" altLang="en-US" dirty="0" smtClean="0"/>
-              <a:t>，</a:t>
-            </a:r>
-            <a:r>
-              <a:rPr lang="en-US" altLang="zh-CN" dirty="0" smtClean="0"/>
-              <a:t>activate</a:t>
-            </a:r>
+              <a:rPr lang="zh-CN" altLang="en-US" baseline="0" dirty="0" smtClean="0"/>
+              <a:t>属性</a:t>
+            </a:r>
+            <a:r>
+              <a:rPr lang="zh-CN" altLang="en-US" baseline="0" dirty="0" smtClean="0"/>
+              <a:t>默认值</a:t>
+            </a:r>
+            <a:r>
+              <a:rPr lang="zh-CN" altLang="en-US" baseline="0" dirty="0" smtClean="0"/>
+              <a:t>问题</a:t>
+            </a:r>
+            <a:endParaRPr lang="en-US" altLang="zh-CN" baseline="0" dirty="0" smtClean="0"/>
+          </a:p>
+          <a:p>
+            <a:r>
+              <a:rPr lang="zh-CN" altLang="en-US" baseline="0" dirty="0" smtClean="0"/>
+              <a:t>关卡提交流程复杂，修改，导出，验证</a:t>
+            </a:r>
+            <a:endParaRPr lang="en-US" altLang="zh-CN" baseline="0" dirty="0" smtClean="0"/>
+          </a:p>
+          <a:p>
+            <a:pPr marL="0" marR="0" indent="0" algn="l" defTabSz="914400" rtl="0" eaLnBrk="0" fontAlgn="base" latinLnBrk="0" hangingPunct="0">
+              <a:lnSpc>
+                <a:spcPct val="100000"/>
+              </a:lnSpc>
+              <a:spcBef>
+                <a:spcPct val="30000"/>
+              </a:spcBef>
+              <a:spcAft>
+                <a:spcPct val="0"/>
+              </a:spcAft>
+              <a:buClrTx/>
+              <a:buSzTx/>
+              <a:buFontTx/>
+              <a:buNone/>
+              <a:tabLst/>
+              <a:defRPr/>
+            </a:pPr>
             <a:r>
               <a:rPr lang="en-US" altLang="zh-CN" baseline="0" dirty="0" smtClean="0"/>
-              <a:t> FG</a:t>
+              <a:t>Archetype</a:t>
             </a:r>
             <a:r>
               <a:rPr lang="zh-CN" altLang="en-US" baseline="0" dirty="0" smtClean="0"/>
-              <a:t>的</a:t>
-            </a:r>
+              <a:t>的引入</a:t>
+            </a:r>
+            <a:endParaRPr lang="en-US" altLang="zh-CN" baseline="0" dirty="0" smtClean="0"/>
+          </a:p>
+          <a:p>
+            <a:pPr marL="0" marR="0" indent="0" algn="l" defTabSz="914400" rtl="0" eaLnBrk="0" fontAlgn="base" latinLnBrk="0" hangingPunct="0">
+              <a:lnSpc>
+                <a:spcPct val="100000"/>
+              </a:lnSpc>
+              <a:spcBef>
+                <a:spcPct val="30000"/>
+              </a:spcBef>
+              <a:spcAft>
+                <a:spcPct val="0"/>
+              </a:spcAft>
+              <a:buClrTx/>
+              <a:buSzTx/>
+              <a:buFontTx/>
+              <a:buNone/>
+              <a:tabLst/>
+              <a:defRPr/>
+            </a:pPr>
             <a:r>
               <a:rPr lang="en-US" altLang="zh-CN" baseline="0" dirty="0" smtClean="0"/>
-              <a:t>output</a:t>
+              <a:t>Archetype</a:t>
             </a:r>
             <a:r>
               <a:rPr lang="zh-CN" altLang="en-US" baseline="0" dirty="0" smtClean="0"/>
-              <a:t>，本质就是产生</a:t>
+              <a:t>简介，实例化成</a:t>
             </a:r>
             <a:r>
               <a:rPr lang="en-US" altLang="zh-CN" baseline="0" dirty="0" smtClean="0"/>
-              <a:t>FG</a:t>
-            </a:r>
+              <a:t>xml</a:t>
+            </a:r>
+          </a:p>
+          <a:p>
+            <a:endParaRPr lang="en-US" altLang="zh-CN" baseline="0" dirty="0" smtClean="0"/>
+          </a:p>
+          <a:p>
             <a:r>
               <a:rPr lang="zh-CN" altLang="en-US" baseline="0" dirty="0" smtClean="0"/>
-              <a:t>事件</a:t>
-            </a:r>
-            <a:endParaRPr lang="en-US" altLang="zh-CN" baseline="0" dirty="0" smtClean="0"/>
-          </a:p>
-          <a:p>
-            <a:r>
-              <a:rPr lang="en-US" altLang="zh-CN" baseline="0" dirty="0" smtClean="0"/>
-              <a:t>LUA</a:t>
-            </a:r>
-            <a:r>
-              <a:rPr lang="zh-CN" altLang="en-US" baseline="0" dirty="0" smtClean="0"/>
-              <a:t>会创建初始化</a:t>
-            </a:r>
-            <a:r>
-              <a:rPr lang="en-US" altLang="zh-CN" baseline="0" dirty="0" smtClean="0"/>
-              <a:t>C++</a:t>
-            </a:r>
-            <a:r>
-              <a:rPr lang="zh-CN" altLang="en-US" baseline="0" dirty="0" smtClean="0"/>
-              <a:t>各种组件，组件在</a:t>
-            </a:r>
-            <a:r>
-              <a:rPr lang="en-US" altLang="zh-CN" baseline="0" dirty="0" smtClean="0"/>
-              <a:t>CE</a:t>
-            </a:r>
-            <a:r>
-              <a:rPr lang="zh-CN" altLang="en-US" baseline="0" dirty="0" smtClean="0"/>
-              <a:t>引擎内部产生的事件，比如碰撞，进入</a:t>
-            </a:r>
-            <a:r>
-              <a:rPr lang="en-US" altLang="zh-CN" baseline="0" dirty="0" smtClean="0"/>
-              <a:t>trigger</a:t>
-            </a:r>
-            <a:r>
-              <a:rPr lang="zh-CN" altLang="en-US" baseline="0" dirty="0" smtClean="0"/>
-              <a:t>等，调用</a:t>
-            </a:r>
-            <a:r>
-              <a:rPr lang="en-US" altLang="zh-CN" baseline="0" dirty="0" smtClean="0"/>
-              <a:t>LUA</a:t>
-            </a:r>
-            <a:r>
-              <a:rPr lang="zh-CN" altLang="en-US" baseline="0" dirty="0" smtClean="0"/>
-              <a:t>的事件回调</a:t>
-            </a:r>
-            <a:endParaRPr lang="en-US" altLang="zh-CN" baseline="0" dirty="0" smtClean="0"/>
-          </a:p>
-          <a:p>
-            <a:endParaRPr lang="en-US" altLang="zh-CN" baseline="0" dirty="0" smtClean="0"/>
-          </a:p>
-          <a:p>
-            <a:r>
-              <a:rPr lang="zh-CN" altLang="en-US" baseline="0" dirty="0" smtClean="0"/>
-              <a:t>水潭变成毒谭举例，</a:t>
-            </a:r>
-            <a:r>
-              <a:rPr lang="en-US" altLang="zh-CN" baseline="0" dirty="0" smtClean="0"/>
-              <a:t>LUA</a:t>
-            </a:r>
-            <a:r>
-              <a:rPr lang="zh-CN" altLang="en-US" baseline="0" dirty="0" smtClean="0"/>
-              <a:t>集成初始化水面控制器和</a:t>
-            </a:r>
-            <a:r>
-              <a:rPr lang="en-US" altLang="zh-CN" baseline="0" dirty="0" err="1" smtClean="0"/>
-              <a:t>buffarea</a:t>
-            </a:r>
-            <a:r>
-              <a:rPr lang="zh-CN" altLang="en-US" baseline="0" dirty="0" smtClean="0"/>
-              <a:t>，一旦有收到攻击事件从</a:t>
-            </a:r>
-            <a:r>
-              <a:rPr lang="en-US" altLang="zh-CN" baseline="0" dirty="0" err="1" smtClean="0"/>
-              <a:t>buffarea</a:t>
-            </a:r>
-            <a:r>
-              <a:rPr lang="zh-CN" altLang="en-US" baseline="0" dirty="0" smtClean="0"/>
-              <a:t>产生到</a:t>
-            </a:r>
-            <a:r>
-              <a:rPr lang="en-US" altLang="zh-CN" baseline="0" dirty="0" smtClean="0"/>
-              <a:t>LUA</a:t>
-            </a:r>
-            <a:r>
-              <a:rPr lang="zh-CN" altLang="en-US" baseline="0" dirty="0" smtClean="0"/>
-              <a:t>，通过</a:t>
-            </a:r>
-            <a:r>
-              <a:rPr lang="en-US" altLang="zh-CN" baseline="0" dirty="0" smtClean="0"/>
-              <a:t>FG</a:t>
-            </a:r>
-            <a:r>
-              <a:rPr lang="zh-CN" altLang="en-US" baseline="0" dirty="0" smtClean="0"/>
-              <a:t>处理后，设置</a:t>
-            </a:r>
-            <a:r>
-              <a:rPr lang="en-US" altLang="zh-CN" baseline="0" dirty="0" smtClean="0"/>
-              <a:t>LUA</a:t>
-            </a:r>
-            <a:r>
-              <a:rPr lang="zh-CN" altLang="en-US" baseline="0" dirty="0" smtClean="0"/>
-              <a:t>的属性，</a:t>
-            </a:r>
-            <a:endParaRPr lang="en-US" altLang="zh-CN" baseline="0" dirty="0" smtClean="0"/>
-          </a:p>
-          <a:p>
-            <a:r>
-              <a:rPr lang="zh-CN" altLang="en-US" baseline="0" dirty="0" smtClean="0"/>
-              <a:t>关于水面毒属性材质属性以及</a:t>
-            </a:r>
-            <a:r>
-              <a:rPr lang="en-US" altLang="zh-CN" baseline="0" dirty="0" err="1" smtClean="0"/>
-              <a:t>buffID</a:t>
-            </a:r>
-            <a:r>
-              <a:rPr lang="zh-CN" altLang="en-US" baseline="0" dirty="0" smtClean="0"/>
-              <a:t>，水面材质属性改变逻辑在</a:t>
-            </a:r>
-            <a:r>
-              <a:rPr lang="en-US" altLang="zh-CN" baseline="0" dirty="0" smtClean="0"/>
-              <a:t>LUA</a:t>
-            </a:r>
-            <a:r>
-              <a:rPr lang="zh-CN" altLang="en-US" baseline="0" dirty="0" smtClean="0"/>
-              <a:t>内定义，会触发水面材质渐变</a:t>
-            </a:r>
-            <a:endParaRPr lang="en-US" altLang="zh-CN" baseline="0" dirty="0" smtClean="0"/>
-          </a:p>
-          <a:p>
-            <a:r>
-              <a:rPr lang="zh-CN" altLang="en-US" baseline="0" dirty="0" smtClean="0"/>
-              <a:t>组件产生的时间之所以经过</a:t>
+              <a:t>加入了动态</a:t>
             </a:r>
             <a:r>
               <a:rPr lang="en-US" altLang="zh-CN" baseline="0" dirty="0" err="1" smtClean="0"/>
@@ -1299,31 +1241,34 @@
             </a:r>
             <a:r>
               <a:rPr lang="zh-CN" altLang="en-US" baseline="0" dirty="0" smtClean="0"/>
-              <a:t>传递给</a:t>
+              <a:t>属性的支持，在创建的时候创建动态</a:t>
             </a:r>
             <a:r>
               <a:rPr lang="en-US" altLang="zh-CN" baseline="0" dirty="0" smtClean="0"/>
-              <a:t>BT</a:t>
+              <a:t>table</a:t>
             </a:r>
             <a:r>
               <a:rPr lang="zh-CN" altLang="en-US" baseline="0" dirty="0" smtClean="0"/>
-              <a:t>和</a:t>
+              <a:t>，这样既可以发挥</a:t>
             </a:r>
             <a:r>
               <a:rPr lang="en-US" altLang="zh-CN" baseline="0" dirty="0" smtClean="0"/>
-              <a:t>FG</a:t>
+              <a:t>archetype</a:t>
             </a:r>
             <a:r>
               <a:rPr lang="zh-CN" altLang="en-US" baseline="0" dirty="0" smtClean="0"/>
-              <a:t>，减少耦合同时也兼容了</a:t>
-            </a:r>
-            <a:r>
-              <a:rPr lang="en-US" altLang="zh-CN" baseline="0" dirty="0" smtClean="0"/>
-              <a:t>cry</a:t>
-            </a:r>
+              <a:t>的属性共享功能，每个物件可以有自己的状态逻辑</a:t>
+            </a:r>
+            <a:endParaRPr lang="en-US" altLang="zh-CN" baseline="0" dirty="0" smtClean="0"/>
+          </a:p>
+          <a:p>
             <a:r>
               <a:rPr lang="zh-CN" altLang="en-US" baseline="0" dirty="0" smtClean="0"/>
-              <a:t>的开发方式，对于逻辑简单，无相互引用，参数多变的物件类更合适</a:t>
+              <a:t>影响更大的作用是，数据外置，</a:t>
+            </a:r>
+            <a:r>
+              <a:rPr lang="zh-CN" altLang="en-US" baseline="0" dirty="0" smtClean="0"/>
+              <a:t>解决返工问题</a:t>
             </a:r>
             <a:endParaRPr lang="en-US" altLang="zh-CN" baseline="0" dirty="0" smtClean="0"/>
           </a:p>
@@ -1409,21 +1354,100 @@
           <a:p>
             <a:r>
               <a:rPr lang="zh-CN" altLang="en-US" baseline="0" dirty="0" smtClean="0"/>
-              <a:t>飞行道具发射器，可以直接触发发射行为</a:t>
+              <a:t>水面控制逻辑，水面物理化后会直接与</a:t>
+            </a:r>
+            <a:r>
+              <a:rPr lang="en-US" altLang="zh-CN" baseline="0" dirty="0" smtClean="0"/>
+              <a:t>physics area</a:t>
+            </a:r>
+            <a:r>
+              <a:rPr lang="zh-CN" altLang="en-US" baseline="0" dirty="0" smtClean="0"/>
+              <a:t>交互，</a:t>
+            </a:r>
+            <a:r>
+              <a:rPr lang="en-US" altLang="zh-CN" baseline="0" dirty="0" err="1" smtClean="0"/>
+              <a:t>raycast</a:t>
+            </a:r>
+            <a:r>
+              <a:rPr lang="zh-CN" altLang="en-US" baseline="0" dirty="0" smtClean="0"/>
+              <a:t>有</a:t>
+            </a:r>
+            <a:r>
+              <a:rPr lang="en-US" altLang="zh-CN" baseline="0" dirty="0" smtClean="0"/>
+              <a:t>bug</a:t>
+            </a:r>
+            <a:r>
+              <a:rPr lang="zh-CN" altLang="en-US" baseline="0" dirty="0" smtClean="0"/>
+              <a:t>，有时候会找不到水</a:t>
             </a:r>
             <a:endParaRPr lang="en-US" altLang="zh-CN" baseline="0" dirty="0" smtClean="0"/>
           </a:p>
           <a:p>
             <a:r>
               <a:rPr lang="zh-CN" altLang="en-US" baseline="0" dirty="0" smtClean="0"/>
-              <a:t>水面渐变行为，因为渐变完之后对物件外观影响，需要通过属性改变处理逻辑或者状态机的进入离开处理函数触发</a:t>
+              <a:t>自己加了一个物理模块现成安全的函数遍历</a:t>
+            </a:r>
+            <a:r>
+              <a:rPr lang="en-US" altLang="zh-CN" baseline="0" dirty="0" smtClean="0"/>
+              <a:t>physics area</a:t>
+            </a:r>
+            <a:r>
+              <a:rPr lang="zh-CN" altLang="en-US" baseline="0" dirty="0" smtClean="0"/>
+              <a:t>的功能，然后找到</a:t>
+            </a:r>
+            <a:r>
+              <a:rPr lang="en-US" altLang="zh-CN" baseline="0" dirty="0" smtClean="0"/>
+              <a:t>water render node</a:t>
+            </a:r>
+            <a:r>
+              <a:rPr lang="zh-CN" altLang="en-US" baseline="0" dirty="0" smtClean="0"/>
+              <a:t>得到顶点数据用射线检测法判定是否在</a:t>
+            </a:r>
+            <a:r>
+              <a:rPr lang="en-US" altLang="zh-CN" baseline="0" dirty="0" smtClean="0"/>
+              <a:t>area</a:t>
+            </a:r>
+            <a:r>
+              <a:rPr lang="zh-CN" altLang="en-US" baseline="0" dirty="0" smtClean="0"/>
+              <a:t>内，然后与物件关联</a:t>
             </a:r>
             <a:endParaRPr lang="en-US" altLang="zh-CN" baseline="0" dirty="0" smtClean="0"/>
           </a:p>
           <a:p>
             <a:r>
               <a:rPr lang="zh-CN" altLang="en-US" baseline="0" dirty="0" smtClean="0"/>
-              <a:t>开发流程与</a:t>
+              <a:t>植被本来是美术刷出来的，扩展渲染引擎接口可以在逻辑层创建和修改</a:t>
+            </a:r>
+            <a:r>
+              <a:rPr lang="en-US" altLang="zh-CN" baseline="0" dirty="0" smtClean="0"/>
+              <a:t>vegetation</a:t>
+            </a:r>
+            <a:r>
+              <a:rPr lang="zh-CN" altLang="en-US" baseline="0" dirty="0" smtClean="0"/>
+              <a:t>，既可以享受渲染合并的高效，也可以附加逻辑</a:t>
+            </a:r>
+            <a:endParaRPr lang="en-US" altLang="zh-CN" baseline="0" dirty="0" smtClean="0"/>
+          </a:p>
+          <a:p>
+            <a:r>
+              <a:rPr lang="zh-CN" altLang="en-US" baseline="0" dirty="0" smtClean="0"/>
+              <a:t>解决植被物件绑定多个物理代理体导致</a:t>
+            </a:r>
+            <a:r>
+              <a:rPr lang="en-US" altLang="zh-CN" baseline="0" dirty="0" smtClean="0"/>
+              <a:t>touch bending</a:t>
+            </a:r>
+            <a:r>
+              <a:rPr lang="zh-CN" altLang="en-US" baseline="0" dirty="0" smtClean="0"/>
+              <a:t>异常问题，开发植被系统的单轴缩放功能，水面的顶点修改，</a:t>
+            </a:r>
+            <a:r>
+              <a:rPr lang="en-US" altLang="zh-CN" baseline="0" dirty="0" smtClean="0"/>
+              <a:t>vegetation</a:t>
+            </a:r>
+            <a:r>
+              <a:rPr lang="zh-CN" altLang="en-US" baseline="0" dirty="0" smtClean="0"/>
+              <a:t>缩放过程中关掉物理化</a:t>
             </a:r>
             <a:endParaRPr lang="en-US" altLang="zh-CN" baseline="0" dirty="0" smtClean="0"/>
           </a:p>
@@ -1508,64 +1532,16 @@
           <a:lstStyle/>
           <a:p>
             <a:r>
-              <a:rPr lang="en-US" altLang="zh-CN" baseline="0" dirty="0" smtClean="0"/>
-              <a:t>Archetype</a:t>
-            </a:r>
-            <a:r>
               <a:rPr lang="zh-CN" altLang="en-US" baseline="0" dirty="0" smtClean="0"/>
-              <a:t>的引入</a:t>
-            </a:r>
-            <a:endParaRPr lang="en-US" altLang="zh-CN" baseline="0" dirty="0" smtClean="0"/>
-          </a:p>
-          <a:p>
+              <a:t>难在</a:t>
+            </a:r>
+            <a:r>
+              <a:rPr lang="en-US" altLang="zh-CN" baseline="0" dirty="0" err="1" smtClean="0"/>
+              <a:t>gameplay</a:t>
+            </a:r>
             <a:r>
               <a:rPr lang="zh-CN" altLang="en-US" baseline="0" dirty="0" smtClean="0"/>
-              <a:t>所有静态属性是共享的，节约内存但是没有逻辑功能，一旦修改就全部修改</a:t>
-            </a:r>
-            <a:endParaRPr lang="en-US" altLang="zh-CN" baseline="0" dirty="0" smtClean="0"/>
-          </a:p>
-          <a:p>
-            <a:r>
-              <a:rPr lang="zh-CN" altLang="en-US" baseline="0" dirty="0" smtClean="0"/>
-              <a:t>属性默认值问题</a:t>
-            </a:r>
-            <a:endParaRPr lang="en-US" altLang="zh-CN" baseline="0" dirty="0" smtClean="0"/>
-          </a:p>
-          <a:p>
-            <a:r>
-              <a:rPr lang="zh-CN" altLang="en-US" baseline="0" dirty="0" smtClean="0"/>
-              <a:t>加入了动态</a:t>
-            </a:r>
-            <a:r>
-              <a:rPr lang="en-US" altLang="zh-CN" baseline="0" dirty="0" err="1" smtClean="0"/>
-              <a:t>lua</a:t>
-            </a:r>
-            <a:r>
-              <a:rPr lang="zh-CN" altLang="en-US" baseline="0" dirty="0" smtClean="0"/>
-              <a:t>属性的支持，在创建的时候创建动态</a:t>
-            </a:r>
-            <a:r>
-              <a:rPr lang="en-US" altLang="zh-CN" baseline="0" dirty="0" smtClean="0"/>
-              <a:t>table</a:t>
-            </a:r>
-            <a:r>
-              <a:rPr lang="zh-CN" altLang="en-US" baseline="0" dirty="0" smtClean="0"/>
-              <a:t>，这样既可以发挥</a:t>
-            </a:r>
-            <a:r>
-              <a:rPr lang="en-US" altLang="zh-CN" baseline="0" dirty="0" smtClean="0"/>
-              <a:t>archetype</a:t>
-            </a:r>
-            <a:r>
-              <a:rPr lang="zh-CN" altLang="en-US" baseline="0" dirty="0" smtClean="0"/>
-              <a:t>的属性共享功能，每个物件可以有自己的状态逻辑</a:t>
-            </a:r>
-            <a:endParaRPr lang="en-US" altLang="zh-CN" baseline="0" dirty="0" smtClean="0"/>
-          </a:p>
-          <a:p>
-            <a:r>
-              <a:rPr lang="zh-CN" altLang="en-US" baseline="0" dirty="0" smtClean="0"/>
-              <a:t>影响更大的作用是，数据外置，解决</a:t>
+              <a:t>层无法直接找到控制的水的渲染对象</a:t>
             </a:r>
             <a:endParaRPr lang="en-US" altLang="zh-CN" baseline="0" dirty="0" smtClean="0"/>
           </a:p>
@@ -1651,112 +1627,15 @@
           <a:p>
             <a:r>
               <a:rPr lang="zh-CN" altLang="en-US" baseline="0" dirty="0" smtClean="0"/>
-              <a:t>水面控制逻辑，水面物理化后会直接与</a:t>
-            </a:r>
-            <a:r>
-              <a:rPr lang="en-US" altLang="zh-CN" baseline="0" dirty="0" smtClean="0"/>
-              <a:t>physics area</a:t>
+              <a:t>通过在物理系统添加现成安全的函数导出所有的水的物理代理体，通过</a:t>
+            </a:r>
+            <a:r>
+              <a:rPr lang="en-US" altLang="zh-CN" baseline="0" dirty="0" err="1" smtClean="0"/>
+              <a:t>userdata</a:t>
             </a:r>
             <a:r>
               <a:rPr lang="zh-CN" altLang="en-US" baseline="0" dirty="0" smtClean="0"/>
-              <a:t>交互，</a:t>
-            </a:r>
-            <a:r>
-              <a:rPr lang="en-US" altLang="zh-CN" baseline="0" dirty="0" err="1" smtClean="0"/>
-              <a:t>raycast</a:t>
-            </a:r>
-            <a:r>
-              <a:rPr lang="zh-CN" altLang="en-US" baseline="0" dirty="0" smtClean="0"/>
-              <a:t>有</a:t>
-            </a:r>
-            <a:r>
-              <a:rPr lang="en-US" altLang="zh-CN" baseline="0" dirty="0" smtClean="0"/>
-              <a:t>bug</a:t>
-            </a:r>
-            <a:r>
-              <a:rPr lang="zh-CN" altLang="en-US" baseline="0" dirty="0" smtClean="0"/>
-              <a:t>，有时候会找不到水</a:t>
-            </a:r>
-            <a:endParaRPr lang="en-US" altLang="zh-CN" baseline="0" dirty="0" smtClean="0"/>
-          </a:p>
-          <a:p>
-            <a:r>
-              <a:rPr lang="zh-CN" altLang="en-US" baseline="0" dirty="0" smtClean="0"/>
-              <a:t>自己加了一个物理模块现成安全的函数遍历</a:t>
-            </a:r>
-            <a:r>
-              <a:rPr lang="en-US" altLang="zh-CN" baseline="0" dirty="0" smtClean="0"/>
-              <a:t>physics area</a:t>
-            </a:r>
-            <a:r>
-              <a:rPr lang="zh-CN" altLang="en-US" baseline="0" dirty="0" smtClean="0"/>
-              <a:t>的功能，</a:t>
-            </a:r>
-            <a:r>
-              <a:rPr lang="zh-CN" altLang="en-US" baseline="0" dirty="0" smtClean="0"/>
-              <a:t>然后找到</a:t>
-            </a:r>
-            <a:r>
-              <a:rPr lang="en-US" altLang="zh-CN" baseline="0" dirty="0" smtClean="0"/>
-              <a:t>water render node</a:t>
-            </a:r>
-            <a:r>
-              <a:rPr lang="zh-CN" altLang="en-US" baseline="0" dirty="0" smtClean="0"/>
-              <a:t>得到顶点数据用射线检测法判定是否在</a:t>
-            </a:r>
-            <a:r>
-              <a:rPr lang="en-US" altLang="zh-CN" baseline="0" dirty="0" smtClean="0"/>
-              <a:t>area</a:t>
-            </a:r>
-            <a:r>
-              <a:rPr lang="zh-CN" altLang="en-US" baseline="0" dirty="0" smtClean="0"/>
-              <a:t>内，然后与</a:t>
-            </a:r>
-            <a:r>
-              <a:rPr lang="zh-CN" altLang="en-US" baseline="0" dirty="0" smtClean="0"/>
-              <a:t>物件关联</a:t>
-            </a:r>
-            <a:endParaRPr lang="en-US" altLang="zh-CN" baseline="0" dirty="0" smtClean="0"/>
-          </a:p>
-          <a:p>
-            <a:r>
-              <a:rPr lang="zh-CN" altLang="en-US" baseline="0" dirty="0" smtClean="0"/>
-              <a:t>植被本来是美术刷出来</a:t>
-            </a:r>
-            <a:r>
-              <a:rPr lang="zh-CN" altLang="en-US" baseline="0" dirty="0" smtClean="0"/>
-              <a:t>的，扩展渲染引擎接口可以在逻辑层创建和修改</a:t>
-            </a:r>
-            <a:r>
-              <a:rPr lang="en-US" altLang="zh-CN" baseline="0" dirty="0" smtClean="0"/>
-              <a:t>vegetation</a:t>
-            </a:r>
-            <a:r>
-              <a:rPr lang="zh-CN" altLang="en-US" baseline="0" dirty="0" smtClean="0"/>
-              <a:t>，既可以享受渲染合并的高效，也可以附加逻辑</a:t>
-            </a:r>
-            <a:endParaRPr lang="en-US" altLang="zh-CN" baseline="0" dirty="0" smtClean="0"/>
-          </a:p>
-          <a:p>
-            <a:r>
-              <a:rPr lang="zh-CN" altLang="en-US" baseline="0" dirty="0" smtClean="0"/>
-              <a:t>解决植被物件绑定多个物理代理体导致</a:t>
-            </a:r>
-            <a:r>
-              <a:rPr lang="en-US" altLang="zh-CN" baseline="0" dirty="0" smtClean="0"/>
-              <a:t>touch bending</a:t>
-            </a:r>
-            <a:r>
-              <a:rPr lang="zh-CN" altLang="en-US" baseline="0" dirty="0" smtClean="0"/>
-              <a:t>异常问题，开发植被系统的单轴缩放功能，水面的顶点修改，</a:t>
-            </a:r>
-            <a:r>
-              <a:rPr lang="en-US" altLang="zh-CN" baseline="0" dirty="0" smtClean="0"/>
-              <a:t>vegetation</a:t>
-            </a:r>
-            <a:r>
-              <a:rPr lang="zh-CN" altLang="en-US" baseline="0" dirty="0" smtClean="0"/>
-              <a:t>缩放过程中关掉物理化</a:t>
+              <a:t>找到水</a:t>
             </a:r>
             <a:endParaRPr lang="en-US" altLang="zh-CN" baseline="0" dirty="0" smtClean="0"/>
           </a:p>
@@ -1842,49 +1721,23 @@
           <a:p>
             <a:r>
               <a:rPr lang="zh-CN" altLang="en-US" baseline="0" dirty="0" smtClean="0"/>
-              <a:t>初期通过判断</a:t>
+              <a:t>在水中保存了初始顶点，构建的</a:t>
             </a:r>
             <a:r>
               <a:rPr lang="en-US" altLang="zh-CN" baseline="0" dirty="0" smtClean="0"/>
-              <a:t>normal</a:t>
+              <a:t>area</a:t>
             </a:r>
             <a:r>
               <a:rPr lang="zh-CN" altLang="en-US" baseline="0" dirty="0" smtClean="0"/>
-              <a:t>来决定是哪类，</a:t>
+              <a:t>，分别检测是否在</a:t>
+            </a:r>
+            <a:r>
+              <a:rPr lang="en-US" altLang="zh-CN" baseline="0" dirty="0" smtClean="0"/>
+              <a:t>area</a:t>
             </a:r>
             <a:r>
               <a:rPr lang="zh-CN" altLang="en-US" baseline="0" dirty="0" smtClean="0"/>
-              <a:t>后来扩展物理的</a:t>
-            </a:r>
-            <a:r>
-              <a:rPr lang="en-US" altLang="zh-CN" baseline="0" dirty="0" smtClean="0"/>
-              <a:t>flag</a:t>
-            </a:r>
-            <a:r>
-              <a:rPr lang="zh-CN" altLang="en-US" baseline="0" dirty="0" smtClean="0"/>
-              <a:t>类型判断</a:t>
-            </a:r>
-            <a:endParaRPr lang="en-US" altLang="zh-CN" baseline="0" dirty="0" smtClean="0"/>
-          </a:p>
-          <a:p>
-            <a:r>
-              <a:rPr lang="zh-CN" altLang="en-US" baseline="0" dirty="0" smtClean="0"/>
-              <a:t>怪物吐出的火球生成火海，冰球生成冰山等逻辑</a:t>
-            </a:r>
-            <a:endParaRPr lang="en-US" altLang="zh-CN" baseline="0" dirty="0" smtClean="0"/>
-          </a:p>
-          <a:p>
-            <a:r>
-              <a:rPr lang="zh-CN" altLang="en-US" baseline="0" dirty="0" smtClean="0"/>
-              <a:t>群体</a:t>
-            </a:r>
-            <a:r>
-              <a:rPr lang="en-US" altLang="zh-CN" baseline="0" dirty="0" smtClean="0"/>
-              <a:t>AI</a:t>
-            </a:r>
-            <a:r>
-              <a:rPr lang="zh-CN" altLang="en-US" baseline="0" dirty="0" smtClean="0"/>
-              <a:t>系统的设计思想与物件系统类似</a:t>
+              <a:t>内</a:t>
             </a:r>
             <a:endParaRPr lang="en-US" altLang="zh-CN" baseline="0" dirty="0" smtClean="0"/>
           </a:p>
@@ -1969,66 +1822,10 @@
           <a:lstStyle/>
           <a:p>
             <a:r>
-              <a:rPr lang="en-US" altLang="zh-CN" dirty="0" err="1" smtClean="0"/>
-              <a:t>Lua</a:t>
-            </a:r>
-            <a:r>
-              <a:rPr lang="zh-CN" altLang="en-US" dirty="0" smtClean="0"/>
-              <a:t>的通用方案，特殊用法，</a:t>
-            </a:r>
-            <a:r>
-              <a:rPr lang="en-US" altLang="zh-CN" dirty="0" err="1" smtClean="0"/>
-              <a:t>metatable</a:t>
-            </a:r>
-            <a:r>
-              <a:rPr lang="zh-CN" altLang="en-US" dirty="0" smtClean="0"/>
-              <a:t>，</a:t>
-            </a:r>
-            <a:r>
-              <a:rPr lang="en-US" altLang="zh-CN" dirty="0" err="1" smtClean="0"/>
-              <a:t>userdata</a:t>
-            </a:r>
-            <a:r>
-              <a:rPr lang="zh-CN" altLang="en-US" dirty="0" smtClean="0"/>
-              <a:t>，</a:t>
-            </a:r>
-            <a:r>
-              <a:rPr lang="en-US" altLang="zh-CN" dirty="0" smtClean="0"/>
-              <a:t>ref</a:t>
-            </a:r>
-          </a:p>
-          <a:p>
-            <a:r>
-              <a:rPr lang="en-US" altLang="zh-CN" dirty="0" smtClean="0"/>
-              <a:t>Cry3</a:t>
-            </a:r>
-            <a:r>
-              <a:rPr lang="zh-CN" altLang="en-US" dirty="0" smtClean="0"/>
-              <a:t>体现的是系统的定制和结合，宏观上如何用</a:t>
-            </a:r>
-            <a:r>
-              <a:rPr lang="en-US" altLang="zh-CN" dirty="0" err="1" smtClean="0"/>
-              <a:t>lua</a:t>
-            </a:r>
-            <a:r>
-              <a:rPr lang="zh-CN" altLang="en-US" dirty="0" smtClean="0"/>
-              <a:t>搭建自己的系统</a:t>
-            </a:r>
-            <a:endParaRPr lang="en-US" altLang="zh-CN" dirty="0" smtClean="0"/>
-          </a:p>
-          <a:p>
-            <a:r>
-              <a:rPr lang="zh-CN" altLang="en-US" dirty="0" smtClean="0"/>
-              <a:t>一些设计的基本原则往往是在没有那么做而产生问题的时候，才认识的更清楚</a:t>
-            </a:r>
-            <a:endParaRPr lang="en-US" altLang="zh-CN" dirty="0" smtClean="0"/>
-          </a:p>
-          <a:p>
-            <a:r>
-              <a:rPr lang="zh-CN" altLang="en-US" dirty="0" smtClean="0"/>
-              <a:t>同时支持多个模块的单例类的设计</a:t>
-            </a:r>
-            <a:endParaRPr lang="zh-CN" altLang="en-US" dirty="0"/>
+              <a:rPr lang="zh-CN" altLang="en-US" baseline="0" dirty="0" smtClean="0"/>
+              <a:t>绑定后开发水的功能，顶点修改和材质改变</a:t>
+            </a:r>
+            <a:endParaRPr lang="en-US" altLang="zh-CN" baseline="0" dirty="0" smtClean="0"/>
           </a:p>
         </p:txBody>
       </p:sp>
@@ -2111,14 +1908,10 @@
           <a:lstStyle/>
           <a:p>
             <a:r>
-              <a:rPr lang="zh-CN" altLang="en-US" dirty="0" smtClean="0"/>
-              <a:t>随口说的，或者来自</a:t>
-            </a:r>
-            <a:r>
-              <a:rPr lang="zh-CN" altLang="en-US" dirty="0" smtClean="0"/>
-              <a:t>抱怨，水和植被扩展</a:t>
-            </a:r>
-            <a:endParaRPr lang="zh-CN" altLang="en-US" dirty="0"/>
+              <a:rPr lang="zh-CN" altLang="en-US" baseline="0" dirty="0" smtClean="0"/>
+              <a:t>创建一个植被容易，但是与其他逻辑协同工作出现问题</a:t>
+            </a:r>
+            <a:endParaRPr lang="en-US" altLang="zh-CN" baseline="0" dirty="0" smtClean="0"/>
           </a:p>
         </p:txBody>
       </p:sp>
@@ -2173,9 +1966,9 @@
       </p:grpSpPr>
       <p:sp>
         <p:nvSpPr>
-          <p:cNvPr id="2" name="幻灯片图像占位符 1"/>
-          <p:cNvSpPr>
-            <a:spLocks noGrp="1" noRot="1" noChangeAspect="1"/>
+          <p:cNvPr id="6146" name="幻灯片图像占位符 1"/>
+          <p:cNvSpPr>
+            <a:spLocks noGrp="1" noRot="1" noChangeAspect="1" noTextEdit="1"/>
           </p:cNvSpPr>
           <p:nvPr>
             <p:ph type="sldImg"/>
@@ -2185,7 +1978,7 @@
       </p:sp>
       <p:sp>
         <p:nvSpPr>
-          <p:cNvPr id="3" name="备注占位符 2"/>
+          <p:cNvPr id="6147" name="备注占位符 2"/>
           <p:cNvSpPr>
             <a:spLocks noGrp="1"/>
           </p:cNvSpPr>
@@ -2193,112 +1986,42 @@
             <p:ph type="body" idx="1"/>
           </p:nvPr>
         </p:nvSpPr>
-        <p:spPr/>
-        <p:txBody>
-          <a:bodyPr>
-            <a:normAutofit/>
-          </a:bodyPr>
-          <a:lstStyle/>
-          <a:p>
-            <a:r>
-              <a:rPr lang="zh-CN" altLang="en-US" dirty="0" smtClean="0"/>
-              <a:t>简介</a:t>
-            </a:r>
-            <a:r>
-              <a:rPr lang="en-US" altLang="zh-CN" dirty="0" smtClean="0"/>
-              <a:t>CE</a:t>
-            </a:r>
-            <a:r>
-              <a:rPr lang="zh-CN" altLang="en-US" dirty="0" smtClean="0"/>
-              <a:t>的</a:t>
-            </a:r>
-            <a:r>
-              <a:rPr lang="en-US" altLang="zh-CN" dirty="0" smtClean="0"/>
-              <a:t>entity</a:t>
-            </a:r>
-            <a:r>
-              <a:rPr lang="zh-CN" altLang="en-US" dirty="0" smtClean="0"/>
-              <a:t>系统，各大模块</a:t>
-            </a:r>
-            <a:r>
-              <a:rPr lang="en-US" altLang="zh-CN" dirty="0" smtClean="0"/>
-              <a:t>proxy</a:t>
-            </a:r>
-          </a:p>
-          <a:p>
-            <a:r>
-              <a:rPr lang="en-US" altLang="zh-CN" dirty="0" err="1" smtClean="0"/>
-              <a:t>Lua</a:t>
-            </a:r>
-            <a:r>
-              <a:rPr lang="zh-CN" altLang="en-US" dirty="0" smtClean="0"/>
-              <a:t>主导，</a:t>
-            </a:r>
-            <a:r>
-              <a:rPr lang="en-US" altLang="zh-CN" dirty="0" err="1" smtClean="0"/>
-              <a:t>lua</a:t>
-            </a:r>
-            <a:r>
-              <a:rPr lang="zh-CN" altLang="en-US" dirty="0" smtClean="0"/>
-              <a:t>文件定义</a:t>
-            </a:r>
-            <a:r>
-              <a:rPr lang="en-US" altLang="zh-CN" dirty="0" smtClean="0"/>
-              <a:t>entity</a:t>
-            </a:r>
-            <a:r>
-              <a:rPr lang="zh-CN" altLang="en-US" dirty="0" smtClean="0"/>
-              <a:t>类型，定义属性和方法</a:t>
-            </a:r>
-            <a:endParaRPr lang="en-US" altLang="zh-CN" dirty="0" smtClean="0"/>
-          </a:p>
-          <a:p>
-            <a:r>
-              <a:rPr lang="zh-CN" altLang="en-US" dirty="0" smtClean="0"/>
-              <a:t>用</a:t>
-            </a:r>
-            <a:r>
-              <a:rPr lang="en-US" altLang="zh-CN" dirty="0" err="1" smtClean="0"/>
-              <a:t>lua</a:t>
-            </a:r>
-            <a:r>
-              <a:rPr lang="zh-CN" altLang="en-US" dirty="0" smtClean="0"/>
-              <a:t>创建，表复制，函数共享，通过</a:t>
-            </a:r>
-            <a:r>
-              <a:rPr lang="en-US" altLang="zh-CN" dirty="0" err="1" smtClean="0"/>
-              <a:t>lua</a:t>
-            </a:r>
-            <a:r>
-              <a:rPr lang="zh-CN" altLang="en-US" dirty="0" smtClean="0"/>
-              <a:t>初始化物理，渲染等</a:t>
-            </a:r>
-            <a:endParaRPr lang="en-US" altLang="zh-CN" dirty="0" smtClean="0"/>
-          </a:p>
-          <a:p>
-            <a:endParaRPr lang="zh-CN" altLang="en-US" dirty="0"/>
-          </a:p>
-        </p:txBody>
-      </p:sp>
-      <p:sp>
-        <p:nvSpPr>
-          <p:cNvPr id="4" name="灯片编号占位符 3"/>
+        <p:spPr>
+          <a:noFill/>
+          <a:ln/>
+        </p:spPr>
+        <p:txBody>
+          <a:bodyPr/>
+          <a:lstStyle/>
+          <a:p>
+            <a:endParaRPr lang="zh-CN" altLang="en-US" dirty="0" smtClean="0">
+              <a:latin typeface="Arial" charset="0"/>
+              <a:ea typeface="宋体" charset="-122"/>
+            </a:endParaRPr>
+          </a:p>
+        </p:txBody>
+      </p:sp>
+      <p:sp>
+        <p:nvSpPr>
+          <p:cNvPr id="6148" name="灯片编号占位符 3"/>
           <p:cNvSpPr>
             <a:spLocks noGrp="1"/>
           </p:cNvSpPr>
           <p:nvPr>
-            <p:ph type="sldNum" sz="quarter" idx="10"/>
-          </p:nvPr>
-        </p:nvSpPr>
-        <p:spPr/>
+            <p:ph type="sldNum" sz="quarter" idx="5"/>
+          </p:nvPr>
+        </p:nvSpPr>
+        <p:spPr>
+          <a:noFill/>
+        </p:spPr>
         <p:txBody>
           <a:bodyPr/>
           <a:lstStyle/>
           <a:p>
-            <a:fld id="{287CCF68-D40B-4599-926A-7A0EC2D9742D}" type="slidenum">
-              <a:rPr lang="zh-CN" altLang="en-US" smtClean="0"/>
+            <a:fld id="{099C1776-6F55-4DC4-B6DA-4097D7BE4D41}" type="slidenum">
+              <a:rPr lang="zh-CN" altLang="en-US"/>
               <a:pPr/>
-              <a:t>3</a:t>
+              <a:t>2</a:t>
             </a:fld>
             <a:endParaRPr lang="en-US" altLang="zh-CN"/>
           </a:p>
@@ -2359,22 +2082,26 @@
           <a:lstStyle/>
           <a:p>
             <a:r>
-              <a:rPr lang="zh-CN" altLang="en-US" dirty="0" smtClean="0"/>
-              <a:t>一般是先在组内试讲，大家觉得不错才会</a:t>
-            </a:r>
-            <a:r>
-              <a:rPr lang="zh-CN" altLang="en-US" dirty="0" smtClean="0"/>
-              <a:t>开课，</a:t>
-            </a:r>
-            <a:r>
-              <a:rPr lang="en-US" altLang="zh-CN" dirty="0" smtClean="0"/>
-              <a:t>KM</a:t>
-            </a:r>
-            <a:r>
-              <a:rPr lang="zh-CN" altLang="en-US" dirty="0" smtClean="0"/>
-              <a:t>的文章都会附加测试用例程序，亲测可用的</a:t>
-            </a:r>
-            <a:endParaRPr lang="zh-CN" altLang="en-US" dirty="0"/>
+              <a:rPr lang="zh-CN" altLang="en-US" baseline="0" dirty="0" smtClean="0"/>
+              <a:t>角色还没有碰到植被，植被与自身绑定的包围盒发生了碰撞，扩展物理系统，找到</a:t>
+            </a:r>
+            <a:r>
+              <a:rPr lang="en-US" altLang="zh-CN" baseline="0" dirty="0" smtClean="0"/>
+              <a:t>touch bending</a:t>
+            </a:r>
+            <a:r>
+              <a:rPr lang="zh-CN" altLang="en-US" baseline="0" dirty="0" smtClean="0"/>
+              <a:t>逻辑，在对周围</a:t>
+            </a:r>
+            <a:r>
+              <a:rPr lang="en-US" altLang="zh-CN" baseline="0" dirty="0" smtClean="0"/>
+              <a:t>geometry</a:t>
+            </a:r>
+            <a:r>
+              <a:rPr lang="zh-CN" altLang="en-US" baseline="0" dirty="0" smtClean="0"/>
+              <a:t>搜索时加入筛选逻辑解决</a:t>
+            </a:r>
+            <a:endParaRPr lang="en-US" altLang="zh-CN" baseline="0" dirty="0" smtClean="0"/>
           </a:p>
         </p:txBody>
       </p:sp>
@@ -2457,45 +2184,10 @@
           <a:lstStyle/>
           <a:p>
             <a:r>
-              <a:rPr lang="en-US" altLang="zh-CN" dirty="0" smtClean="0"/>
-              <a:t>Locomotion</a:t>
-            </a:r>
-            <a:r>
-              <a:rPr lang="zh-CN" altLang="en-US" dirty="0" smtClean="0"/>
-              <a:t>系统</a:t>
-            </a:r>
-            <a:endParaRPr lang="en-US" altLang="zh-CN" dirty="0" smtClean="0"/>
-          </a:p>
-          <a:p>
-            <a:r>
-              <a:rPr lang="zh-CN" altLang="en-US" dirty="0" smtClean="0"/>
-              <a:t>部位破坏</a:t>
-            </a:r>
-            <a:endParaRPr lang="en-US" altLang="zh-CN" dirty="0" smtClean="0"/>
-          </a:p>
-          <a:p>
-            <a:r>
-              <a:rPr lang="zh-CN" altLang="en-US" dirty="0" smtClean="0"/>
-              <a:t>超出决策者这个角色</a:t>
-            </a:r>
-            <a:endParaRPr lang="en-US" altLang="zh-CN" dirty="0" smtClean="0"/>
-          </a:p>
-          <a:p>
-            <a:r>
-              <a:rPr lang="zh-CN" altLang="en-US" dirty="0" smtClean="0"/>
-              <a:t>角色物品产生物件</a:t>
-            </a:r>
-            <a:endParaRPr lang="en-US" altLang="zh-CN" dirty="0" smtClean="0"/>
-          </a:p>
-          <a:p>
-            <a:r>
-              <a:rPr lang="zh-CN" altLang="en-US" dirty="0" smtClean="0"/>
-              <a:t>技能产生物件</a:t>
-            </a:r>
-            <a:endParaRPr lang="en-US" altLang="zh-CN" dirty="0" smtClean="0"/>
-          </a:p>
-          <a:p>
-            <a:endParaRPr lang="en-US" altLang="zh-CN" dirty="0" smtClean="0"/>
+              <a:rPr lang="zh-CN" altLang="en-US" baseline="0" dirty="0" smtClean="0"/>
+              <a:t>效果还好</a:t>
+            </a:r>
+            <a:endParaRPr lang="en-US" altLang="zh-CN" baseline="0" dirty="0" smtClean="0"/>
           </a:p>
         </p:txBody>
       </p:sp>
@@ -2518,6 +2210,783 @@
               <a:rPr lang="zh-CN" altLang="en-US" smtClean="0"/>
               <a:pPr/>
               <a:t>22</a:t>
+            </a:fld>
+            <a:endParaRPr lang="en-US" altLang="zh-CN"/>
+          </a:p>
+        </p:txBody>
+      </p:sp>
+    </p:spTree>
+  </p:cSld>
+  <p:clrMapOvr>
+    <a:masterClrMapping/>
+  </p:clrMapOvr>
+</p:notes>
+</file>
+
+<file path=ppt/notesSlides/notesSlide22.xml><?xml version="1.0" encoding="utf-8"?>
+<p:notes xmlns:a="http://schemas.openxmlformats.org/drawingml/2006/main" xmlns:r="http://schemas.openxmlformats.org/officeDocument/2006/relationships" xmlns:p="http://schemas.openxmlformats.org/presentationml/2006/main">
+  <p:cSld>
+    <p:spTree>
+      <p:nvGrpSpPr>
+        <p:cNvPr id="1" name=""/>
+        <p:cNvGrpSpPr/>
+        <p:nvPr/>
+      </p:nvGrpSpPr>
+      <p:grpSpPr>
+        <a:xfrm>
+          <a:off x="0" y="0"/>
+          <a:ext cx="0" cy="0"/>
+          <a:chOff x="0" y="0"/>
+          <a:chExt cx="0" cy="0"/>
+        </a:xfrm>
+      </p:grpSpPr>
+      <p:sp>
+        <p:nvSpPr>
+          <p:cNvPr id="2" name="幻灯片图像占位符 1"/>
+          <p:cNvSpPr>
+            <a:spLocks noGrp="1" noRot="1" noChangeAspect="1"/>
+          </p:cNvSpPr>
+          <p:nvPr>
+            <p:ph type="sldImg"/>
+          </p:nvPr>
+        </p:nvSpPr>
+        <p:spPr/>
+      </p:sp>
+      <p:sp>
+        <p:nvSpPr>
+          <p:cNvPr id="3" name="备注占位符 2"/>
+          <p:cNvSpPr>
+            <a:spLocks noGrp="1"/>
+          </p:cNvSpPr>
+          <p:nvPr>
+            <p:ph type="body" idx="1"/>
+          </p:nvPr>
+        </p:nvSpPr>
+        <p:spPr/>
+        <p:txBody>
+          <a:bodyPr>
+            <a:normAutofit/>
+          </a:bodyPr>
+          <a:lstStyle/>
+          <a:p>
+            <a:r>
+              <a:rPr lang="zh-CN" altLang="en-US" baseline="0" dirty="0" smtClean="0"/>
+              <a:t>效果还好</a:t>
+            </a:r>
+            <a:endParaRPr lang="en-US" altLang="zh-CN" baseline="0" dirty="0" smtClean="0"/>
+          </a:p>
+        </p:txBody>
+      </p:sp>
+      <p:sp>
+        <p:nvSpPr>
+          <p:cNvPr id="4" name="灯片编号占位符 3"/>
+          <p:cNvSpPr>
+            <a:spLocks noGrp="1"/>
+          </p:cNvSpPr>
+          <p:nvPr>
+            <p:ph type="sldNum" sz="quarter" idx="10"/>
+          </p:nvPr>
+        </p:nvSpPr>
+        <p:spPr/>
+        <p:txBody>
+          <a:bodyPr/>
+          <a:lstStyle/>
+          <a:p>
+            <a:fld id="{287CCF68-D40B-4599-926A-7A0EC2D9742D}" type="slidenum">
+              <a:rPr lang="zh-CN" altLang="en-US" smtClean="0"/>
+              <a:pPr/>
+              <a:t>23</a:t>
+            </a:fld>
+            <a:endParaRPr lang="en-US" altLang="zh-CN"/>
+          </a:p>
+        </p:txBody>
+      </p:sp>
+    </p:spTree>
+  </p:cSld>
+  <p:clrMapOvr>
+    <a:masterClrMapping/>
+  </p:clrMapOvr>
+</p:notes>
+</file>
+
+<file path=ppt/notesSlides/notesSlide23.xml><?xml version="1.0" encoding="utf-8"?>
+<p:notes xmlns:a="http://schemas.openxmlformats.org/drawingml/2006/main" xmlns:r="http://schemas.openxmlformats.org/officeDocument/2006/relationships" xmlns:p="http://schemas.openxmlformats.org/presentationml/2006/main">
+  <p:cSld>
+    <p:spTree>
+      <p:nvGrpSpPr>
+        <p:cNvPr id="1" name=""/>
+        <p:cNvGrpSpPr/>
+        <p:nvPr/>
+      </p:nvGrpSpPr>
+      <p:grpSpPr>
+        <a:xfrm>
+          <a:off x="0" y="0"/>
+          <a:ext cx="0" cy="0"/>
+          <a:chOff x="0" y="0"/>
+          <a:chExt cx="0" cy="0"/>
+        </a:xfrm>
+      </p:grpSpPr>
+      <p:sp>
+        <p:nvSpPr>
+          <p:cNvPr id="2" name="幻灯片图像占位符 1"/>
+          <p:cNvSpPr>
+            <a:spLocks noGrp="1" noRot="1" noChangeAspect="1"/>
+          </p:cNvSpPr>
+          <p:nvPr>
+            <p:ph type="sldImg"/>
+          </p:nvPr>
+        </p:nvSpPr>
+        <p:spPr/>
+      </p:sp>
+      <p:sp>
+        <p:nvSpPr>
+          <p:cNvPr id="3" name="备注占位符 2"/>
+          <p:cNvSpPr>
+            <a:spLocks noGrp="1"/>
+          </p:cNvSpPr>
+          <p:nvPr>
+            <p:ph type="body" idx="1"/>
+          </p:nvPr>
+        </p:nvSpPr>
+        <p:spPr/>
+        <p:txBody>
+          <a:bodyPr>
+            <a:normAutofit/>
+          </a:bodyPr>
+          <a:lstStyle/>
+          <a:p>
+            <a:r>
+              <a:rPr lang="zh-CN" altLang="en-US" baseline="0" dirty="0" smtClean="0"/>
+              <a:t>初期通过判断</a:t>
+            </a:r>
+            <a:r>
+              <a:rPr lang="en-US" altLang="zh-CN" baseline="0" dirty="0" smtClean="0"/>
+              <a:t>normal</a:t>
+            </a:r>
+            <a:r>
+              <a:rPr lang="zh-CN" altLang="en-US" baseline="0" dirty="0" smtClean="0"/>
+              <a:t>来决定是哪类，后来扩展物理的</a:t>
+            </a:r>
+            <a:r>
+              <a:rPr lang="en-US" altLang="zh-CN" baseline="0" dirty="0" smtClean="0"/>
+              <a:t>flag</a:t>
+            </a:r>
+            <a:r>
+              <a:rPr lang="zh-CN" altLang="en-US" baseline="0" dirty="0" smtClean="0"/>
+              <a:t>类型判断</a:t>
+            </a:r>
+            <a:endParaRPr lang="en-US" altLang="zh-CN" baseline="0" dirty="0" smtClean="0"/>
+          </a:p>
+          <a:p>
+            <a:r>
+              <a:rPr lang="zh-CN" altLang="en-US" baseline="0" dirty="0" smtClean="0"/>
+              <a:t>怪物吐出的火球生成火海，冰球生成冰山等逻辑</a:t>
+            </a:r>
+            <a:endParaRPr lang="en-US" altLang="zh-CN" baseline="0" dirty="0" smtClean="0"/>
+          </a:p>
+          <a:p>
+            <a:r>
+              <a:rPr lang="zh-CN" altLang="en-US" baseline="0" dirty="0" smtClean="0"/>
+              <a:t>群体</a:t>
+            </a:r>
+            <a:r>
+              <a:rPr lang="en-US" altLang="zh-CN" baseline="0" dirty="0" smtClean="0"/>
+              <a:t>AI</a:t>
+            </a:r>
+            <a:r>
+              <a:rPr lang="zh-CN" altLang="en-US" baseline="0" dirty="0" smtClean="0"/>
+              <a:t>系统的设计思想与物件系统类似</a:t>
+            </a:r>
+            <a:endParaRPr lang="en-US" altLang="zh-CN" baseline="0" dirty="0" smtClean="0"/>
+          </a:p>
+        </p:txBody>
+      </p:sp>
+      <p:sp>
+        <p:nvSpPr>
+          <p:cNvPr id="4" name="灯片编号占位符 3"/>
+          <p:cNvSpPr>
+            <a:spLocks noGrp="1"/>
+          </p:cNvSpPr>
+          <p:nvPr>
+            <p:ph type="sldNum" sz="quarter" idx="10"/>
+          </p:nvPr>
+        </p:nvSpPr>
+        <p:spPr/>
+        <p:txBody>
+          <a:bodyPr/>
+          <a:lstStyle/>
+          <a:p>
+            <a:fld id="{287CCF68-D40B-4599-926A-7A0EC2D9742D}" type="slidenum">
+              <a:rPr lang="zh-CN" altLang="en-US" smtClean="0"/>
+              <a:pPr/>
+              <a:t>24</a:t>
+            </a:fld>
+            <a:endParaRPr lang="en-US" altLang="zh-CN"/>
+          </a:p>
+        </p:txBody>
+      </p:sp>
+    </p:spTree>
+  </p:cSld>
+  <p:clrMapOvr>
+    <a:masterClrMapping/>
+  </p:clrMapOvr>
+</p:notes>
+</file>
+
+<file path=ppt/notesSlides/notesSlide24.xml><?xml version="1.0" encoding="utf-8"?>
+<p:notes xmlns:a="http://schemas.openxmlformats.org/drawingml/2006/main" xmlns:r="http://schemas.openxmlformats.org/officeDocument/2006/relationships" xmlns:p="http://schemas.openxmlformats.org/presentationml/2006/main">
+  <p:cSld>
+    <p:spTree>
+      <p:nvGrpSpPr>
+        <p:cNvPr id="1" name=""/>
+        <p:cNvGrpSpPr/>
+        <p:nvPr/>
+      </p:nvGrpSpPr>
+      <p:grpSpPr>
+        <a:xfrm>
+          <a:off x="0" y="0"/>
+          <a:ext cx="0" cy="0"/>
+          <a:chOff x="0" y="0"/>
+          <a:chExt cx="0" cy="0"/>
+        </a:xfrm>
+      </p:grpSpPr>
+      <p:sp>
+        <p:nvSpPr>
+          <p:cNvPr id="2" name="幻灯片图像占位符 1"/>
+          <p:cNvSpPr>
+            <a:spLocks noGrp="1" noRot="1" noChangeAspect="1"/>
+          </p:cNvSpPr>
+          <p:nvPr>
+            <p:ph type="sldImg"/>
+          </p:nvPr>
+        </p:nvSpPr>
+        <p:spPr/>
+      </p:sp>
+      <p:sp>
+        <p:nvSpPr>
+          <p:cNvPr id="3" name="备注占位符 2"/>
+          <p:cNvSpPr>
+            <a:spLocks noGrp="1"/>
+          </p:cNvSpPr>
+          <p:nvPr>
+            <p:ph type="body" idx="1"/>
+          </p:nvPr>
+        </p:nvSpPr>
+        <p:spPr/>
+        <p:txBody>
+          <a:bodyPr>
+            <a:normAutofit/>
+          </a:bodyPr>
+          <a:lstStyle/>
+          <a:p>
+            <a:r>
+              <a:rPr lang="zh-CN" altLang="en-US" baseline="0" dirty="0" smtClean="0"/>
+              <a:t>初期通过判断</a:t>
+            </a:r>
+            <a:r>
+              <a:rPr lang="en-US" altLang="zh-CN" baseline="0" dirty="0" smtClean="0"/>
+              <a:t>normal</a:t>
+            </a:r>
+            <a:r>
+              <a:rPr lang="zh-CN" altLang="en-US" baseline="0" dirty="0" smtClean="0"/>
+              <a:t>来决定是哪类，后来扩展物理的</a:t>
+            </a:r>
+            <a:r>
+              <a:rPr lang="en-US" altLang="zh-CN" baseline="0" dirty="0" smtClean="0"/>
+              <a:t>flag</a:t>
+            </a:r>
+            <a:r>
+              <a:rPr lang="zh-CN" altLang="en-US" baseline="0" dirty="0" smtClean="0"/>
+              <a:t>类型判断</a:t>
+            </a:r>
+            <a:endParaRPr lang="en-US" altLang="zh-CN" baseline="0" dirty="0" smtClean="0"/>
+          </a:p>
+          <a:p>
+            <a:r>
+              <a:rPr lang="zh-CN" altLang="en-US" baseline="0" dirty="0" smtClean="0"/>
+              <a:t>怪物吐出的火球生成火海，冰球生成冰山等逻辑</a:t>
+            </a:r>
+            <a:endParaRPr lang="en-US" altLang="zh-CN" baseline="0" dirty="0" smtClean="0"/>
+          </a:p>
+          <a:p>
+            <a:r>
+              <a:rPr lang="zh-CN" altLang="en-US" baseline="0" dirty="0" smtClean="0"/>
+              <a:t>群体</a:t>
+            </a:r>
+            <a:r>
+              <a:rPr lang="en-US" altLang="zh-CN" baseline="0" dirty="0" smtClean="0"/>
+              <a:t>AI</a:t>
+            </a:r>
+            <a:r>
+              <a:rPr lang="zh-CN" altLang="en-US" baseline="0" dirty="0" smtClean="0"/>
+              <a:t>系统的设计思想与物件系统类似</a:t>
+            </a:r>
+            <a:endParaRPr lang="en-US" altLang="zh-CN" baseline="0" dirty="0" smtClean="0"/>
+          </a:p>
+        </p:txBody>
+      </p:sp>
+      <p:sp>
+        <p:nvSpPr>
+          <p:cNvPr id="4" name="灯片编号占位符 3"/>
+          <p:cNvSpPr>
+            <a:spLocks noGrp="1"/>
+          </p:cNvSpPr>
+          <p:nvPr>
+            <p:ph type="sldNum" sz="quarter" idx="10"/>
+          </p:nvPr>
+        </p:nvSpPr>
+        <p:spPr/>
+        <p:txBody>
+          <a:bodyPr/>
+          <a:lstStyle/>
+          <a:p>
+            <a:fld id="{287CCF68-D40B-4599-926A-7A0EC2D9742D}" type="slidenum">
+              <a:rPr lang="zh-CN" altLang="en-US" smtClean="0"/>
+              <a:pPr/>
+              <a:t>25</a:t>
+            </a:fld>
+            <a:endParaRPr lang="en-US" altLang="zh-CN"/>
+          </a:p>
+        </p:txBody>
+      </p:sp>
+    </p:spTree>
+  </p:cSld>
+  <p:clrMapOvr>
+    <a:masterClrMapping/>
+  </p:clrMapOvr>
+</p:notes>
+</file>
+
+<file path=ppt/notesSlides/notesSlide25.xml><?xml version="1.0" encoding="utf-8"?>
+<p:notes xmlns:a="http://schemas.openxmlformats.org/drawingml/2006/main" xmlns:r="http://schemas.openxmlformats.org/officeDocument/2006/relationships" xmlns:p="http://schemas.openxmlformats.org/presentationml/2006/main">
+  <p:cSld>
+    <p:spTree>
+      <p:nvGrpSpPr>
+        <p:cNvPr id="1" name=""/>
+        <p:cNvGrpSpPr/>
+        <p:nvPr/>
+      </p:nvGrpSpPr>
+      <p:grpSpPr>
+        <a:xfrm>
+          <a:off x="0" y="0"/>
+          <a:ext cx="0" cy="0"/>
+          <a:chOff x="0" y="0"/>
+          <a:chExt cx="0" cy="0"/>
+        </a:xfrm>
+      </p:grpSpPr>
+      <p:sp>
+        <p:nvSpPr>
+          <p:cNvPr id="2" name="幻灯片图像占位符 1"/>
+          <p:cNvSpPr>
+            <a:spLocks noGrp="1" noRot="1" noChangeAspect="1"/>
+          </p:cNvSpPr>
+          <p:nvPr>
+            <p:ph type="sldImg"/>
+          </p:nvPr>
+        </p:nvSpPr>
+        <p:spPr/>
+      </p:sp>
+      <p:sp>
+        <p:nvSpPr>
+          <p:cNvPr id="3" name="备注占位符 2"/>
+          <p:cNvSpPr>
+            <a:spLocks noGrp="1"/>
+          </p:cNvSpPr>
+          <p:nvPr>
+            <p:ph type="body" idx="1"/>
+          </p:nvPr>
+        </p:nvSpPr>
+        <p:spPr/>
+        <p:txBody>
+          <a:bodyPr>
+            <a:normAutofit/>
+          </a:bodyPr>
+          <a:lstStyle/>
+          <a:p>
+            <a:r>
+              <a:rPr lang="en-US" altLang="zh-CN" dirty="0" err="1" smtClean="0"/>
+              <a:t>Lua</a:t>
+            </a:r>
+            <a:r>
+              <a:rPr lang="zh-CN" altLang="en-US" dirty="0" smtClean="0"/>
+              <a:t>的通用方案，特殊用法，</a:t>
+            </a:r>
+            <a:r>
+              <a:rPr lang="en-US" altLang="zh-CN" dirty="0" err="1" smtClean="0"/>
+              <a:t>metatable</a:t>
+            </a:r>
+            <a:r>
+              <a:rPr lang="zh-CN" altLang="en-US" dirty="0" smtClean="0"/>
+              <a:t>，</a:t>
+            </a:r>
+            <a:r>
+              <a:rPr lang="en-US" altLang="zh-CN" dirty="0" err="1" smtClean="0"/>
+              <a:t>userdata</a:t>
+            </a:r>
+            <a:r>
+              <a:rPr lang="zh-CN" altLang="en-US" dirty="0" smtClean="0"/>
+              <a:t>，</a:t>
+            </a:r>
+            <a:r>
+              <a:rPr lang="en-US" altLang="zh-CN" dirty="0" smtClean="0"/>
+              <a:t>ref</a:t>
+            </a:r>
+          </a:p>
+          <a:p>
+            <a:r>
+              <a:rPr lang="en-US" altLang="zh-CN" dirty="0" smtClean="0"/>
+              <a:t>Cry3</a:t>
+            </a:r>
+            <a:r>
+              <a:rPr lang="zh-CN" altLang="en-US" dirty="0" smtClean="0"/>
+              <a:t>体现的是系统的定制和结合，宏观上如何用</a:t>
+            </a:r>
+            <a:r>
+              <a:rPr lang="en-US" altLang="zh-CN" dirty="0" err="1" smtClean="0"/>
+              <a:t>lua</a:t>
+            </a:r>
+            <a:r>
+              <a:rPr lang="zh-CN" altLang="en-US" dirty="0" smtClean="0"/>
+              <a:t>搭建自己的系统</a:t>
+            </a:r>
+            <a:endParaRPr lang="en-US" altLang="zh-CN" dirty="0" smtClean="0"/>
+          </a:p>
+          <a:p>
+            <a:r>
+              <a:rPr lang="zh-CN" altLang="en-US" dirty="0" smtClean="0"/>
+              <a:t>一些设计的基本原则往往是在没有那么做而产生问题的时候，才认识的更清楚</a:t>
+            </a:r>
+            <a:endParaRPr lang="en-US" altLang="zh-CN" dirty="0" smtClean="0"/>
+          </a:p>
+          <a:p>
+            <a:r>
+              <a:rPr lang="zh-CN" altLang="en-US" dirty="0" smtClean="0"/>
+              <a:t>同时支持多个模块的单例类的设计</a:t>
+            </a:r>
+            <a:endParaRPr lang="zh-CN" altLang="en-US" dirty="0"/>
+          </a:p>
+        </p:txBody>
+      </p:sp>
+      <p:sp>
+        <p:nvSpPr>
+          <p:cNvPr id="4" name="灯片编号占位符 3"/>
+          <p:cNvSpPr>
+            <a:spLocks noGrp="1"/>
+          </p:cNvSpPr>
+          <p:nvPr>
+            <p:ph type="sldNum" sz="quarter" idx="10"/>
+          </p:nvPr>
+        </p:nvSpPr>
+        <p:spPr/>
+        <p:txBody>
+          <a:bodyPr/>
+          <a:lstStyle/>
+          <a:p>
+            <a:fld id="{287CCF68-D40B-4599-926A-7A0EC2D9742D}" type="slidenum">
+              <a:rPr lang="zh-CN" altLang="en-US" smtClean="0"/>
+              <a:pPr/>
+              <a:t>26</a:t>
+            </a:fld>
+            <a:endParaRPr lang="en-US" altLang="zh-CN"/>
+          </a:p>
+        </p:txBody>
+      </p:sp>
+    </p:spTree>
+  </p:cSld>
+  <p:clrMapOvr>
+    <a:masterClrMapping/>
+  </p:clrMapOvr>
+</p:notes>
+</file>
+
+<file path=ppt/notesSlides/notesSlide26.xml><?xml version="1.0" encoding="utf-8"?>
+<p:notes xmlns:a="http://schemas.openxmlformats.org/drawingml/2006/main" xmlns:r="http://schemas.openxmlformats.org/officeDocument/2006/relationships" xmlns:p="http://schemas.openxmlformats.org/presentationml/2006/main">
+  <p:cSld>
+    <p:spTree>
+      <p:nvGrpSpPr>
+        <p:cNvPr id="1" name=""/>
+        <p:cNvGrpSpPr/>
+        <p:nvPr/>
+      </p:nvGrpSpPr>
+      <p:grpSpPr>
+        <a:xfrm>
+          <a:off x="0" y="0"/>
+          <a:ext cx="0" cy="0"/>
+          <a:chOff x="0" y="0"/>
+          <a:chExt cx="0" cy="0"/>
+        </a:xfrm>
+      </p:grpSpPr>
+      <p:sp>
+        <p:nvSpPr>
+          <p:cNvPr id="2" name="幻灯片图像占位符 1"/>
+          <p:cNvSpPr>
+            <a:spLocks noGrp="1" noRot="1" noChangeAspect="1"/>
+          </p:cNvSpPr>
+          <p:nvPr>
+            <p:ph type="sldImg"/>
+          </p:nvPr>
+        </p:nvSpPr>
+        <p:spPr/>
+      </p:sp>
+      <p:sp>
+        <p:nvSpPr>
+          <p:cNvPr id="3" name="备注占位符 2"/>
+          <p:cNvSpPr>
+            <a:spLocks noGrp="1"/>
+          </p:cNvSpPr>
+          <p:nvPr>
+            <p:ph type="body" idx="1"/>
+          </p:nvPr>
+        </p:nvSpPr>
+        <p:spPr/>
+        <p:txBody>
+          <a:bodyPr>
+            <a:normAutofit/>
+          </a:bodyPr>
+          <a:lstStyle/>
+          <a:p>
+            <a:r>
+              <a:rPr lang="zh-CN" altLang="en-US" dirty="0" smtClean="0"/>
+              <a:t>随口说的，或者来自抱怨，水和植被扩展</a:t>
+            </a:r>
+            <a:endParaRPr lang="zh-CN" altLang="en-US" dirty="0"/>
+          </a:p>
+        </p:txBody>
+      </p:sp>
+      <p:sp>
+        <p:nvSpPr>
+          <p:cNvPr id="4" name="灯片编号占位符 3"/>
+          <p:cNvSpPr>
+            <a:spLocks noGrp="1"/>
+          </p:cNvSpPr>
+          <p:nvPr>
+            <p:ph type="sldNum" sz="quarter" idx="10"/>
+          </p:nvPr>
+        </p:nvSpPr>
+        <p:spPr/>
+        <p:txBody>
+          <a:bodyPr/>
+          <a:lstStyle/>
+          <a:p>
+            <a:fld id="{287CCF68-D40B-4599-926A-7A0EC2D9742D}" type="slidenum">
+              <a:rPr lang="zh-CN" altLang="en-US" smtClean="0"/>
+              <a:pPr/>
+              <a:t>27</a:t>
+            </a:fld>
+            <a:endParaRPr lang="en-US" altLang="zh-CN"/>
+          </a:p>
+        </p:txBody>
+      </p:sp>
+    </p:spTree>
+  </p:cSld>
+  <p:clrMapOvr>
+    <a:masterClrMapping/>
+  </p:clrMapOvr>
+</p:notes>
+</file>
+
+<file path=ppt/notesSlides/notesSlide27.xml><?xml version="1.0" encoding="utf-8"?>
+<p:notes xmlns:a="http://schemas.openxmlformats.org/drawingml/2006/main" xmlns:r="http://schemas.openxmlformats.org/officeDocument/2006/relationships" xmlns:p="http://schemas.openxmlformats.org/presentationml/2006/main">
+  <p:cSld>
+    <p:spTree>
+      <p:nvGrpSpPr>
+        <p:cNvPr id="1" name=""/>
+        <p:cNvGrpSpPr/>
+        <p:nvPr/>
+      </p:nvGrpSpPr>
+      <p:grpSpPr>
+        <a:xfrm>
+          <a:off x="0" y="0"/>
+          <a:ext cx="0" cy="0"/>
+          <a:chOff x="0" y="0"/>
+          <a:chExt cx="0" cy="0"/>
+        </a:xfrm>
+      </p:grpSpPr>
+      <p:sp>
+        <p:nvSpPr>
+          <p:cNvPr id="2" name="幻灯片图像占位符 1"/>
+          <p:cNvSpPr>
+            <a:spLocks noGrp="1" noRot="1" noChangeAspect="1"/>
+          </p:cNvSpPr>
+          <p:nvPr>
+            <p:ph type="sldImg"/>
+          </p:nvPr>
+        </p:nvSpPr>
+        <p:spPr/>
+      </p:sp>
+      <p:sp>
+        <p:nvSpPr>
+          <p:cNvPr id="3" name="备注占位符 2"/>
+          <p:cNvSpPr>
+            <a:spLocks noGrp="1"/>
+          </p:cNvSpPr>
+          <p:nvPr>
+            <p:ph type="body" idx="1"/>
+          </p:nvPr>
+        </p:nvSpPr>
+        <p:spPr/>
+        <p:txBody>
+          <a:bodyPr>
+            <a:normAutofit/>
+          </a:bodyPr>
+          <a:lstStyle/>
+          <a:p>
+            <a:r>
+              <a:rPr lang="zh-CN" altLang="en-US" dirty="0" smtClean="0"/>
+              <a:t>一般是先在组内试讲，大家觉得不错才会开课，</a:t>
+            </a:r>
+            <a:r>
+              <a:rPr lang="en-US" altLang="zh-CN" dirty="0" smtClean="0"/>
+              <a:t>KM</a:t>
+            </a:r>
+            <a:r>
+              <a:rPr lang="zh-CN" altLang="en-US" dirty="0" smtClean="0"/>
+              <a:t>的文章都会附加测试用例程序，亲测可用的</a:t>
+            </a:r>
+            <a:endParaRPr lang="zh-CN" altLang="en-US" dirty="0"/>
+          </a:p>
+        </p:txBody>
+      </p:sp>
+      <p:sp>
+        <p:nvSpPr>
+          <p:cNvPr id="4" name="灯片编号占位符 3"/>
+          <p:cNvSpPr>
+            <a:spLocks noGrp="1"/>
+          </p:cNvSpPr>
+          <p:nvPr>
+            <p:ph type="sldNum" sz="quarter" idx="10"/>
+          </p:nvPr>
+        </p:nvSpPr>
+        <p:spPr/>
+        <p:txBody>
+          <a:bodyPr/>
+          <a:lstStyle/>
+          <a:p>
+            <a:fld id="{287CCF68-D40B-4599-926A-7A0EC2D9742D}" type="slidenum">
+              <a:rPr lang="zh-CN" altLang="en-US" smtClean="0"/>
+              <a:pPr/>
+              <a:t>28</a:t>
+            </a:fld>
+            <a:endParaRPr lang="en-US" altLang="zh-CN"/>
+          </a:p>
+        </p:txBody>
+      </p:sp>
+    </p:spTree>
+  </p:cSld>
+  <p:clrMapOvr>
+    <a:masterClrMapping/>
+  </p:clrMapOvr>
+</p:notes>
+</file>
+
+<file path=ppt/notesSlides/notesSlide28.xml><?xml version="1.0" encoding="utf-8"?>
+<p:notes xmlns:a="http://schemas.openxmlformats.org/drawingml/2006/main" xmlns:r="http://schemas.openxmlformats.org/officeDocument/2006/relationships" xmlns:p="http://schemas.openxmlformats.org/presentationml/2006/main">
+  <p:cSld>
+    <p:spTree>
+      <p:nvGrpSpPr>
+        <p:cNvPr id="1" name=""/>
+        <p:cNvGrpSpPr/>
+        <p:nvPr/>
+      </p:nvGrpSpPr>
+      <p:grpSpPr>
+        <a:xfrm>
+          <a:off x="0" y="0"/>
+          <a:ext cx="0" cy="0"/>
+          <a:chOff x="0" y="0"/>
+          <a:chExt cx="0" cy="0"/>
+        </a:xfrm>
+      </p:grpSpPr>
+      <p:sp>
+        <p:nvSpPr>
+          <p:cNvPr id="2" name="幻灯片图像占位符 1"/>
+          <p:cNvSpPr>
+            <a:spLocks noGrp="1" noRot="1" noChangeAspect="1"/>
+          </p:cNvSpPr>
+          <p:nvPr>
+            <p:ph type="sldImg"/>
+          </p:nvPr>
+        </p:nvSpPr>
+        <p:spPr/>
+      </p:sp>
+      <p:sp>
+        <p:nvSpPr>
+          <p:cNvPr id="3" name="备注占位符 2"/>
+          <p:cNvSpPr>
+            <a:spLocks noGrp="1"/>
+          </p:cNvSpPr>
+          <p:nvPr>
+            <p:ph type="body" idx="1"/>
+          </p:nvPr>
+        </p:nvSpPr>
+        <p:spPr/>
+        <p:txBody>
+          <a:bodyPr>
+            <a:normAutofit/>
+          </a:bodyPr>
+          <a:lstStyle/>
+          <a:p>
+            <a:r>
+              <a:rPr lang="en-US" altLang="zh-CN" dirty="0" smtClean="0"/>
+              <a:t>Locomotion</a:t>
+            </a:r>
+            <a:r>
+              <a:rPr lang="zh-CN" altLang="en-US" dirty="0" smtClean="0"/>
+              <a:t>系统</a:t>
+            </a:r>
+            <a:endParaRPr lang="en-US" altLang="zh-CN" dirty="0" smtClean="0"/>
+          </a:p>
+          <a:p>
+            <a:r>
+              <a:rPr lang="zh-CN" altLang="en-US" dirty="0" smtClean="0"/>
+              <a:t>部位破坏</a:t>
+            </a:r>
+            <a:endParaRPr lang="en-US" altLang="zh-CN" dirty="0" smtClean="0"/>
+          </a:p>
+          <a:p>
+            <a:r>
+              <a:rPr lang="zh-CN" altLang="en-US" dirty="0" smtClean="0"/>
+              <a:t>超出决策者这个角色</a:t>
+            </a:r>
+            <a:endParaRPr lang="en-US" altLang="zh-CN" dirty="0" smtClean="0"/>
+          </a:p>
+          <a:p>
+            <a:r>
+              <a:rPr lang="zh-CN" altLang="en-US" dirty="0" smtClean="0"/>
+              <a:t>角色物品产生物件</a:t>
+            </a:r>
+            <a:endParaRPr lang="en-US" altLang="zh-CN" dirty="0" smtClean="0"/>
+          </a:p>
+          <a:p>
+            <a:r>
+              <a:rPr lang="zh-CN" altLang="en-US" dirty="0" smtClean="0"/>
+              <a:t>技能产生物件</a:t>
+            </a:r>
+            <a:endParaRPr lang="en-US" altLang="zh-CN" dirty="0" smtClean="0"/>
+          </a:p>
+          <a:p>
+            <a:endParaRPr lang="en-US" altLang="zh-CN" dirty="0" smtClean="0"/>
+          </a:p>
+        </p:txBody>
+      </p:sp>
+      <p:sp>
+        <p:nvSpPr>
+          <p:cNvPr id="4" name="灯片编号占位符 3"/>
+          <p:cNvSpPr>
+            <a:spLocks noGrp="1"/>
+          </p:cNvSpPr>
+          <p:nvPr>
+            <p:ph type="sldNum" sz="quarter" idx="10"/>
+          </p:nvPr>
+        </p:nvSpPr>
+        <p:spPr/>
+        <p:txBody>
+          <a:bodyPr/>
+          <a:lstStyle/>
+          <a:p>
+            <a:fld id="{287CCF68-D40B-4599-926A-7A0EC2D9742D}" type="slidenum">
+              <a:rPr lang="zh-CN" altLang="en-US" smtClean="0"/>
+              <a:pPr/>
+              <a:t>29</a:t>
             </a:fld>
             <a:endParaRPr lang="en-US" altLang="zh-CN"/>
           </a:p>
@@ -2578,6 +3047,32 @@
           <a:lstStyle/>
           <a:p>
             <a:r>
+              <a:rPr lang="zh-CN" altLang="en-US" dirty="0" smtClean="0"/>
+              <a:t>简介</a:t>
+            </a:r>
+            <a:r>
+              <a:rPr lang="en-US" altLang="zh-CN" dirty="0" smtClean="0"/>
+              <a:t>CE</a:t>
+            </a:r>
+            <a:r>
+              <a:rPr lang="zh-CN" altLang="en-US" dirty="0" smtClean="0"/>
+              <a:t>的</a:t>
+            </a:r>
+            <a:r>
+              <a:rPr lang="en-US" altLang="zh-CN" dirty="0" smtClean="0"/>
+              <a:t>entity</a:t>
+            </a:r>
+            <a:r>
+              <a:rPr lang="zh-CN" altLang="en-US" dirty="0" smtClean="0"/>
+              <a:t>系统，各大模块</a:t>
+            </a:r>
+            <a:r>
+              <a:rPr lang="en-US" altLang="zh-CN" dirty="0" smtClean="0"/>
+              <a:t>proxy</a:t>
+            </a:r>
+          </a:p>
+          <a:p>
+            <a:r>
               <a:rPr lang="en-US" altLang="zh-CN" dirty="0" err="1" smtClean="0"/>
               <a:t>Lua</a:t>
             </a:r>
@@ -2606,43 +3101,28 @@
           <a:p>
             <a:r>
               <a:rPr lang="zh-CN" altLang="en-US" dirty="0" smtClean="0"/>
-              <a:t>用</a:t>
-            </a:r>
-            <a:r>
-              <a:rPr lang="en-US" altLang="zh-CN" dirty="0" err="1" smtClean="0"/>
-              <a:t>lua</a:t>
+              <a:t>创建后通过</a:t>
+            </a:r>
+            <a:r>
+              <a:rPr lang="en-US" altLang="zh-CN" dirty="0" smtClean="0"/>
+              <a:t>LUA</a:t>
             </a:r>
             <a:r>
               <a:rPr lang="zh-CN" altLang="en-US" dirty="0" smtClean="0"/>
-              <a:t>创建，表复制，函数共享，通过</a:t>
-            </a:r>
-            <a:r>
-              <a:rPr lang="en-US" altLang="zh-CN" dirty="0" err="1" smtClean="0"/>
-              <a:t>lua</a:t>
+              <a:t>属性初始化</a:t>
+            </a:r>
+            <a:r>
+              <a:rPr lang="en-US" altLang="zh-CN" dirty="0" smtClean="0"/>
+              <a:t>entity</a:t>
             </a:r>
             <a:r>
               <a:rPr lang="zh-CN" altLang="en-US" dirty="0" smtClean="0"/>
-              <a:t>初始化物理，渲染等</a:t>
-            </a:r>
-            <a:endParaRPr lang="en-US" altLang="zh-CN" dirty="0" smtClean="0"/>
-          </a:p>
-          <a:p>
-            <a:r>
-              <a:rPr lang="zh-CN" altLang="en-US" dirty="0" smtClean="0"/>
-              <a:t>对应创建的类也会提供</a:t>
-            </a:r>
-            <a:r>
-              <a:rPr lang="en-US" altLang="zh-CN" dirty="0" err="1" smtClean="0"/>
-              <a:t>lua</a:t>
-            </a:r>
-            <a:r>
-              <a:rPr lang="zh-CN" altLang="en-US" dirty="0" smtClean="0"/>
-              <a:t>回调初始化对象</a:t>
-            </a:r>
-            <a:endParaRPr lang="en-US" altLang="zh-CN" dirty="0" smtClean="0"/>
-          </a:p>
-          <a:p>
-            <a:endParaRPr lang="zh-CN" altLang="en-US" dirty="0"/>
+              <a:t>，加载模型，物理化，创建</a:t>
+            </a:r>
+            <a:r>
+              <a:rPr lang="en-US" altLang="zh-CN" dirty="0" smtClean="0"/>
+              <a:t>extension</a:t>
+            </a:r>
           </a:p>
         </p:txBody>
       </p:sp>
@@ -2664,7 +3144,7 @@
             <a:fld id="{287CCF68-D40B-4599-926A-7A0EC2D9742D}" type="slidenum">
               <a:rPr lang="zh-CN" altLang="en-US" smtClean="0"/>
               <a:pPr/>
-              <a:t>4</a:t>
+              <a:t>3</a:t>
             </a:fld>
             <a:endParaRPr lang="en-US" altLang="zh-CN"/>
           </a:p>
@@ -2725,65 +3205,8 @@
           <a:lstStyle/>
           <a:p>
             <a:r>
-              <a:rPr lang="en-US" altLang="zh-CN" dirty="0" smtClean="0"/>
-              <a:t>Flow</a:t>
-            </a:r>
-            <a:r>
-              <a:rPr lang="en-US" altLang="zh-CN" baseline="0" dirty="0" smtClean="0"/>
-              <a:t> graph a</a:t>
-            </a:r>
-            <a:r>
-              <a:rPr lang="zh-CN" altLang="en-US" baseline="0" dirty="0" smtClean="0"/>
-              <a:t>物件是可燃物（燃烧特效管理，燃烧传播）</a:t>
-            </a:r>
-            <a:endParaRPr lang="en-US" altLang="zh-CN" baseline="0" dirty="0" smtClean="0"/>
-          </a:p>
-          <a:p>
-            <a:r>
-              <a:rPr lang="en-US" altLang="zh-CN" baseline="0" dirty="0" smtClean="0"/>
-              <a:t>B</a:t>
-            </a:r>
-            <a:r>
-              <a:rPr lang="zh-CN" altLang="en-US" baseline="0" dirty="0" smtClean="0"/>
-              <a:t>是</a:t>
-            </a:r>
-            <a:r>
-              <a:rPr lang="en-US" altLang="zh-CN" baseline="0" dirty="0" err="1" smtClean="0"/>
-              <a:t>buffarea</a:t>
-            </a:r>
-            <a:r>
-              <a:rPr lang="zh-CN" altLang="en-US" baseline="0" dirty="0" smtClean="0"/>
-              <a:t>，可燃物当燃烧触发的时候可以</a:t>
-            </a:r>
-            <a:r>
-              <a:rPr lang="en-US" altLang="zh-CN" baseline="0" dirty="0" smtClean="0"/>
-              <a:t>enable </a:t>
-            </a:r>
-            <a:r>
-              <a:rPr lang="en-US" altLang="zh-CN" baseline="0" dirty="0" err="1" smtClean="0"/>
-              <a:t>buffarea</a:t>
-            </a:r>
-            <a:r>
-              <a:rPr lang="zh-CN" altLang="en-US" baseline="0" dirty="0" smtClean="0"/>
-              <a:t>生效，甚至设置加什么样的</a:t>
-            </a:r>
-            <a:r>
-              <a:rPr lang="en-US" altLang="zh-CN" baseline="0" dirty="0" smtClean="0"/>
-              <a:t>buff</a:t>
-            </a:r>
-          </a:p>
-          <a:p>
-            <a:r>
-              <a:rPr lang="zh-CN" altLang="en-US" baseline="0" dirty="0" smtClean="0"/>
-              <a:t>熄灭的时候</a:t>
-            </a:r>
-            <a:r>
-              <a:rPr lang="en-US" altLang="zh-CN" baseline="0" dirty="0" smtClean="0"/>
-              <a:t>disable </a:t>
-            </a:r>
-            <a:r>
-              <a:rPr lang="en-US" altLang="zh-CN" baseline="0" dirty="0" err="1" smtClean="0"/>
-              <a:t>buffarea</a:t>
+              <a:rPr lang="zh-CN" altLang="en-US" dirty="0" smtClean="0"/>
+              <a:t>物件的相互引用很方便</a:t>
             </a:r>
             <a:endParaRPr lang="zh-CN" altLang="en-US" dirty="0"/>
           </a:p>
@@ -2807,7 +3230,7 @@
             <a:fld id="{287CCF68-D40B-4599-926A-7A0EC2D9742D}" type="slidenum">
               <a:rPr lang="zh-CN" altLang="en-US" smtClean="0"/>
               <a:pPr/>
-              <a:t>5</a:t>
+              <a:t>4</a:t>
             </a:fld>
             <a:endParaRPr lang="en-US" altLang="zh-CN"/>
           </a:p>
@@ -2869,15 +3292,22 @@
           <a:p>
             <a:r>
               <a:rPr lang="zh-CN" altLang="en-US" dirty="0" smtClean="0"/>
-              <a:t>简介</a:t>
+              <a:t>动态生成，</a:t>
             </a:r>
             <a:r>
               <a:rPr lang="en-US" altLang="zh-CN" dirty="0" smtClean="0"/>
-              <a:t>CE</a:t>
+              <a:t>FG</a:t>
             </a:r>
             <a:r>
               <a:rPr lang="zh-CN" altLang="en-US" dirty="0" smtClean="0"/>
-              <a:t>的</a:t>
+              <a:t>无法使用，</a:t>
+            </a:r>
+            <a:endParaRPr lang="en-US" altLang="zh-CN" dirty="0" smtClean="0"/>
+          </a:p>
+          <a:p>
+            <a:r>
+              <a:rPr lang="zh-CN" altLang="en-US" dirty="0" smtClean="0"/>
+              <a:t>多个</a:t>
             </a:r>
             <a:r>
               <a:rPr lang="en-US" altLang="zh-CN" dirty="0" smtClean="0"/>
@@ -2885,23 +3315,14 @@
             </a:r>
             <a:r>
               <a:rPr lang="zh-CN" altLang="en-US" dirty="0" smtClean="0"/>
-              <a:t>系统，</a:t>
-            </a:r>
-            <a:r>
-              <a:rPr lang="en-US" altLang="zh-CN" dirty="0" err="1" smtClean="0"/>
-              <a:t>lua</a:t>
-            </a:r>
+              <a:t>相互引用困难</a:t>
+            </a:r>
+            <a:endParaRPr lang="en-US" altLang="zh-CN" dirty="0" smtClean="0"/>
+          </a:p>
+          <a:p>
             <a:r>
               <a:rPr lang="zh-CN" altLang="en-US" dirty="0" smtClean="0"/>
-              <a:t>主导，</a:t>
-            </a:r>
-            <a:r>
-              <a:rPr lang="en-US" altLang="zh-CN" dirty="0" smtClean="0"/>
-              <a:t>extension</a:t>
-            </a:r>
-            <a:r>
-              <a:rPr lang="zh-CN" altLang="en-US" dirty="0" smtClean="0"/>
-              <a:t>扩展方式约束</a:t>
+              <a:t>做成一个自定义消息解决问题，防止超类发生</a:t>
             </a:r>
             <a:endParaRPr lang="zh-CN" altLang="en-US" dirty="0"/>
           </a:p>
@@ -2925,7 +3346,7 @@
             <a:fld id="{287CCF68-D40B-4599-926A-7A0EC2D9742D}" type="slidenum">
               <a:rPr lang="zh-CN" altLang="en-US" smtClean="0"/>
               <a:pPr/>
-              <a:t>6</a:t>
+              <a:t>5</a:t>
             </a:fld>
             <a:endParaRPr lang="en-US" altLang="zh-CN"/>
           </a:p>
@@ -2985,43 +3406,85 @@
           </a:bodyPr>
           <a:lstStyle/>
           <a:p>
-            <a:r>
-              <a:rPr lang="zh-CN" altLang="en-US" dirty="0" smtClean="0"/>
-              <a:t>简介</a:t>
-            </a:r>
-            <a:r>
-              <a:rPr lang="en-US" altLang="zh-CN" dirty="0" smtClean="0"/>
-              <a:t>CE</a:t>
-            </a:r>
-            <a:r>
-              <a:rPr lang="zh-CN" altLang="en-US" dirty="0" smtClean="0"/>
-              <a:t>的</a:t>
-            </a:r>
-            <a:r>
-              <a:rPr lang="en-US" altLang="zh-CN" dirty="0" smtClean="0"/>
-              <a:t>entity</a:t>
-            </a:r>
-            <a:r>
-              <a:rPr lang="zh-CN" altLang="en-US" dirty="0" smtClean="0"/>
-              <a:t>系统，</a:t>
-            </a:r>
-            <a:r>
-              <a:rPr lang="en-US" altLang="zh-CN" dirty="0" err="1" smtClean="0"/>
-              <a:t>lua</a:t>
-            </a:r>
-            <a:r>
-              <a:rPr lang="zh-CN" altLang="en-US" dirty="0" smtClean="0"/>
-              <a:t>主导，</a:t>
-            </a:r>
-            <a:r>
-              <a:rPr lang="en-US" altLang="zh-CN" dirty="0" smtClean="0"/>
-              <a:t>extension</a:t>
-            </a:r>
-            <a:r>
-              <a:rPr lang="zh-CN" altLang="en-US" dirty="0" smtClean="0"/>
-              <a:t>扩展方式约束</a:t>
-            </a:r>
-            <a:endParaRPr lang="zh-CN" altLang="en-US" dirty="0"/>
+            <a:pPr lvl="1" eaLnBrk="1" hangingPunct="1"/>
+            <a:r>
+              <a:rPr lang="en-US" altLang="zh-CN" b="0" dirty="0" smtClean="0">
+                <a:latin typeface="宋体" charset="-122"/>
+              </a:rPr>
+              <a:t>LUA</a:t>
+            </a:r>
+            <a:r>
+              <a:rPr lang="zh-CN" altLang="en-US" b="0" dirty="0" smtClean="0">
+                <a:latin typeface="宋体" charset="-122"/>
+              </a:rPr>
+              <a:t>中大量重复代码，难维护问题</a:t>
+            </a:r>
+            <a:endParaRPr lang="en-US" altLang="zh-CN" b="0" dirty="0" smtClean="0">
+              <a:latin typeface="宋体" charset="-122"/>
+            </a:endParaRPr>
+          </a:p>
+          <a:p>
+            <a:pPr lvl="1" eaLnBrk="1" hangingPunct="1"/>
+            <a:r>
+              <a:rPr lang="zh-CN" altLang="en-US" b="0" dirty="0" smtClean="0">
+                <a:latin typeface="宋体" charset="-122"/>
+              </a:rPr>
+              <a:t>例如一个物件可破坏，同时可以加</a:t>
+            </a:r>
+            <a:r>
+              <a:rPr lang="en-US" altLang="zh-CN" b="0" dirty="0" smtClean="0">
+                <a:latin typeface="宋体" charset="-122"/>
+              </a:rPr>
+              <a:t>buff</a:t>
+            </a:r>
+            <a:r>
+              <a:rPr lang="zh-CN" altLang="en-US" b="0" dirty="0" smtClean="0">
+                <a:latin typeface="宋体" charset="-122"/>
+              </a:rPr>
+              <a:t>，另外一个可以加</a:t>
+            </a:r>
+            <a:r>
+              <a:rPr lang="en-US" altLang="zh-CN" b="0" dirty="0" smtClean="0">
+                <a:latin typeface="宋体" charset="-122"/>
+              </a:rPr>
+              <a:t>buff</a:t>
+            </a:r>
+            <a:r>
+              <a:rPr lang="zh-CN" altLang="en-US" b="0" dirty="0" smtClean="0">
+                <a:latin typeface="宋体" charset="-122"/>
+              </a:rPr>
+              <a:t>，同时可以发射</a:t>
+            </a:r>
+            <a:r>
+              <a:rPr lang="en-US" altLang="zh-CN" b="0" dirty="0" smtClean="0">
+                <a:latin typeface="宋体" charset="-122"/>
+              </a:rPr>
+              <a:t>projectile</a:t>
+            </a:r>
+            <a:r>
+              <a:rPr lang="zh-CN" altLang="en-US" b="0" dirty="0" smtClean="0">
+                <a:latin typeface="宋体" charset="-122"/>
+              </a:rPr>
+              <a:t>，关于</a:t>
+            </a:r>
+            <a:r>
+              <a:rPr lang="en-US" altLang="zh-CN" b="0" dirty="0" smtClean="0">
+                <a:latin typeface="宋体" charset="-122"/>
+              </a:rPr>
+              <a:t>buff</a:t>
+            </a:r>
+            <a:r>
+              <a:rPr lang="zh-CN" altLang="en-US" b="0" dirty="0" smtClean="0">
+                <a:latin typeface="宋体" charset="-122"/>
+              </a:rPr>
+              <a:t>相关的配置数据和函数就出现了代码级别的冗余，各种组合之后需要维护多份</a:t>
+            </a:r>
+            <a:endParaRPr lang="en-US" altLang="zh-CN" b="0" dirty="0" smtClean="0">
+              <a:latin typeface="宋体" charset="-122"/>
+            </a:endParaRPr>
+          </a:p>
+          <a:p>
+            <a:endParaRPr lang="en-US" altLang="zh-CN" dirty="0" smtClean="0"/>
           </a:p>
         </p:txBody>
       </p:sp>
@@ -3043,7 +3506,7 @@
             <a:fld id="{287CCF68-D40B-4599-926A-7A0EC2D9742D}" type="slidenum">
               <a:rPr lang="zh-CN" altLang="en-US" smtClean="0"/>
               <a:pPr/>
-              <a:t>7</a:t>
+              <a:t>6</a:t>
             </a:fld>
             <a:endParaRPr lang="en-US" altLang="zh-CN"/>
           </a:p>
@@ -3105,9 +3568,47 @@
           <a:p>
             <a:r>
               <a:rPr lang="zh-CN" altLang="en-US" dirty="0" smtClean="0"/>
-              <a:t>两个球都消失了</a:t>
-            </a:r>
-            <a:endParaRPr lang="zh-CN" altLang="en-US" dirty="0"/>
+              <a:t>像</a:t>
+            </a:r>
+            <a:r>
+              <a:rPr lang="en-US" altLang="zh-CN" dirty="0" smtClean="0"/>
+              <a:t>C++</a:t>
+            </a:r>
+            <a:r>
+              <a:rPr lang="zh-CN" altLang="en-US" dirty="0" smtClean="0"/>
+              <a:t>定义宏一样，写一些全局函数可以动态修改定义脚本</a:t>
+            </a:r>
+            <a:endParaRPr lang="en-US" altLang="zh-CN" dirty="0" smtClean="0"/>
+          </a:p>
+          <a:p>
+            <a:r>
+              <a:rPr lang="zh-CN" altLang="en-US" dirty="0" smtClean="0"/>
+              <a:t>组件模型，</a:t>
+            </a:r>
+            <a:r>
+              <a:rPr lang="en-US" altLang="zh-CN" dirty="0" smtClean="0"/>
+              <a:t>C++</a:t>
+            </a:r>
+            <a:r>
+              <a:rPr lang="zh-CN" altLang="en-US" dirty="0" smtClean="0"/>
+              <a:t>端单一功能类的组合重用，</a:t>
+            </a:r>
+            <a:r>
+              <a:rPr lang="en-US" altLang="zh-CN" dirty="0" smtClean="0"/>
+              <a:t>LUA</a:t>
+            </a:r>
+            <a:r>
+              <a:rPr lang="zh-CN" altLang="en-US" dirty="0" smtClean="0"/>
+              <a:t>这边动态语言只需要定义一遍属性和方法</a:t>
+            </a:r>
+            <a:endParaRPr lang="en-US" altLang="zh-CN" dirty="0" smtClean="0"/>
+          </a:p>
+          <a:p>
+            <a:r>
+              <a:rPr lang="zh-CN" altLang="en-US" dirty="0" smtClean="0"/>
+              <a:t>解决了基础组件相互引用而没有出现超类问题</a:t>
+            </a:r>
+            <a:endParaRPr lang="en-US" altLang="zh-CN" dirty="0" smtClean="0"/>
           </a:p>
         </p:txBody>
       </p:sp>
@@ -3129,7 +3630,7 @@
             <a:fld id="{287CCF68-D40B-4599-926A-7A0EC2D9742D}" type="slidenum">
               <a:rPr lang="zh-CN" altLang="en-US" smtClean="0"/>
               <a:pPr/>
-              <a:t>8</a:t>
+              <a:t>7</a:t>
             </a:fld>
             <a:endParaRPr lang="en-US" altLang="zh-CN"/>
           </a:p>
@@ -3190,64 +3691,55 @@
           <a:lstStyle/>
           <a:p>
             <a:r>
-              <a:rPr lang="zh-CN" altLang="en-US" dirty="0" smtClean="0"/>
-              <a:t>既可以被攻击，也具有加</a:t>
-            </a:r>
-            <a:r>
-              <a:rPr lang="en-US" altLang="zh-CN" dirty="0" smtClean="0"/>
-              <a:t>buff</a:t>
-            </a:r>
-            <a:r>
-              <a:rPr lang="zh-CN" altLang="en-US" dirty="0" smtClean="0"/>
-              <a:t>的能力，还可以发射飞行道具等等，如果一个简单的逻辑需要拖入几个</a:t>
-            </a:r>
-            <a:r>
-              <a:rPr lang="en-US" altLang="zh-CN" dirty="0" smtClean="0"/>
-              <a:t>entity</a:t>
-            </a:r>
-            <a:r>
-              <a:rPr lang="zh-CN" altLang="en-US" dirty="0" smtClean="0"/>
-              <a:t>相互配合</a:t>
-            </a:r>
-            <a:endParaRPr lang="en-US" altLang="zh-CN" dirty="0" smtClean="0"/>
-          </a:p>
-          <a:p>
-            <a:r>
-              <a:rPr lang="zh-CN" altLang="en-US" dirty="0" smtClean="0"/>
-              <a:t>如果</a:t>
-            </a:r>
-            <a:r>
-              <a:rPr lang="en-US" altLang="zh-CN" dirty="0" smtClean="0"/>
-              <a:t>C++</a:t>
-            </a:r>
-            <a:r>
-              <a:rPr lang="zh-CN" altLang="en-US" dirty="0" smtClean="0"/>
-              <a:t>的支持类变大，重用度就低了，一个小功能还要拖几个，麻烦，根本原因是一个</a:t>
-            </a:r>
-            <a:r>
-              <a:rPr lang="en-US" altLang="zh-CN" dirty="0" smtClean="0"/>
-              <a:t>entity</a:t>
-            </a:r>
-            <a:r>
-              <a:rPr lang="zh-CN" altLang="en-US" dirty="0" smtClean="0"/>
-              <a:t>只能绑定一个</a:t>
-            </a:r>
-            <a:r>
-              <a:rPr lang="en-US" altLang="zh-CN" dirty="0" smtClean="0"/>
-              <a:t>C++</a:t>
-            </a:r>
-            <a:r>
-              <a:rPr lang="zh-CN" altLang="en-US" dirty="0" smtClean="0"/>
-              <a:t>的类导致的</a:t>
-            </a:r>
-            <a:endParaRPr lang="en-US" altLang="zh-CN" dirty="0" smtClean="0"/>
-          </a:p>
-          <a:p>
-            <a:r>
-              <a:rPr lang="zh-CN" altLang="en-US" dirty="0" smtClean="0"/>
-              <a:t>飞行道具落地生成冰山，毒谭等</a:t>
-            </a:r>
-            <a:endParaRPr lang="zh-CN" altLang="en-US" dirty="0"/>
+              <a:rPr lang="en-US" altLang="zh-CN" b="0" dirty="0" err="1" smtClean="0">
+                <a:latin typeface="宋体" charset="-122"/>
+              </a:rPr>
+              <a:t>Lua</a:t>
+            </a:r>
+            <a:r>
+              <a:rPr lang="zh-CN" altLang="en-US" b="0" dirty="0" smtClean="0">
+                <a:latin typeface="宋体" charset="-122"/>
+              </a:rPr>
+              <a:t>表达顺序</a:t>
+            </a:r>
+            <a:r>
+              <a:rPr lang="zh-CN" altLang="en-US" b="0" smtClean="0">
+                <a:latin typeface="宋体" charset="-122"/>
+              </a:rPr>
+              <a:t>完成</a:t>
+            </a:r>
+            <a:r>
+              <a:rPr lang="zh-CN" altLang="en-US" b="0" smtClean="0">
+                <a:latin typeface="宋体" charset="-122"/>
+              </a:rPr>
+              <a:t>的序列逻辑</a:t>
+            </a:r>
+            <a:r>
+              <a:rPr lang="zh-CN" altLang="en-US" b="0" dirty="0" smtClean="0">
+                <a:latin typeface="宋体" charset="-122"/>
+              </a:rPr>
+              <a:t>并且可能是多帧执行的，非常不</a:t>
+            </a:r>
+            <a:r>
+              <a:rPr lang="zh-CN" altLang="en-US" b="0" dirty="0" smtClean="0">
+                <a:latin typeface="宋体" charset="-122"/>
+              </a:rPr>
+              <a:t>直观</a:t>
+            </a:r>
+            <a:endParaRPr lang="en-US" altLang="zh-CN" b="0" dirty="0" smtClean="0">
+              <a:latin typeface="宋体" charset="-122"/>
+            </a:endParaRPr>
+          </a:p>
+          <a:p>
+            <a:r>
+              <a:rPr lang="zh-CN" altLang="en-US" b="0" dirty="0" smtClean="0">
+                <a:latin typeface="宋体" charset="-122"/>
+              </a:rPr>
+              <a:t>远程调试，查看运行状态，单步执行</a:t>
+            </a:r>
+            <a:endParaRPr lang="en-US" altLang="zh-CN" b="0" dirty="0" smtClean="0">
+              <a:latin typeface="宋体" charset="-122"/>
+            </a:endParaRPr>
           </a:p>
         </p:txBody>
       </p:sp>
@@ -3269,7 +3761,7 @@
             <a:fld id="{287CCF68-D40B-4599-926A-7A0EC2D9742D}" type="slidenum">
               <a:rPr lang="zh-CN" altLang="en-US" smtClean="0"/>
               <a:pPr/>
-              <a:t>9</a:t>
+              <a:t>8</a:t>
             </a:fld>
             <a:endParaRPr lang="en-US" altLang="zh-CN"/>
           </a:p>
@@ -3330,98 +3822,124 @@
           <a:lstStyle/>
           <a:p>
             <a:r>
-              <a:rPr lang="zh-CN" altLang="en-US" dirty="0" smtClean="0"/>
-              <a:t>现在问题是，简单功能还要若干个</a:t>
-            </a:r>
-            <a:r>
-              <a:rPr lang="en-US" altLang="zh-CN" dirty="0" smtClean="0"/>
-              <a:t>entity</a:t>
-            </a:r>
-            <a:r>
-              <a:rPr lang="zh-CN" altLang="en-US" dirty="0" smtClean="0"/>
-              <a:t>，麻烦</a:t>
-            </a:r>
-            <a:endParaRPr lang="en-US" altLang="zh-CN" dirty="0" smtClean="0"/>
-          </a:p>
-          <a:p>
-            <a:r>
-              <a:rPr lang="zh-CN" altLang="en-US" dirty="0" smtClean="0"/>
-              <a:t>如果</a:t>
-            </a:r>
-            <a:r>
-              <a:rPr lang="en-US" altLang="zh-CN" dirty="0" smtClean="0"/>
-              <a:t>C++</a:t>
-            </a:r>
-            <a:r>
-              <a:rPr lang="zh-CN" altLang="en-US" dirty="0" smtClean="0"/>
-              <a:t>的支持类变大，重用度又会降低，根本原因是一个</a:t>
-            </a:r>
-            <a:r>
-              <a:rPr lang="en-US" altLang="zh-CN" dirty="0" smtClean="0"/>
-              <a:t>entity</a:t>
-            </a:r>
-            <a:r>
-              <a:rPr lang="zh-CN" altLang="en-US" dirty="0" smtClean="0"/>
-              <a:t>只能绑定一个</a:t>
-            </a:r>
-            <a:r>
-              <a:rPr lang="en-US" altLang="zh-CN" dirty="0" smtClean="0"/>
-              <a:t>C++</a:t>
-            </a:r>
-            <a:r>
-              <a:rPr lang="zh-CN" altLang="en-US" dirty="0" smtClean="0"/>
-              <a:t>的类导致的</a:t>
-            </a:r>
-            <a:endParaRPr lang="en-US" altLang="zh-CN" dirty="0" smtClean="0"/>
-          </a:p>
-          <a:p>
-            <a:r>
-              <a:rPr lang="zh-CN" altLang="en-US" dirty="0" smtClean="0"/>
-              <a:t>改变</a:t>
-            </a:r>
-            <a:r>
-              <a:rPr lang="en-US" altLang="zh-CN" dirty="0" smtClean="0"/>
-              <a:t>entity</a:t>
-            </a:r>
-            <a:r>
-              <a:rPr lang="zh-CN" altLang="en-US" dirty="0" smtClean="0"/>
-              <a:t>生成流程</a:t>
-            </a:r>
-            <a:endParaRPr lang="en-US" altLang="zh-CN" dirty="0" smtClean="0"/>
-          </a:p>
-          <a:p>
-            <a:r>
-              <a:rPr lang="zh-CN" altLang="en-US" dirty="0" smtClean="0"/>
-              <a:t>阅读源代码发现系统支持多个</a:t>
-            </a:r>
-            <a:endParaRPr lang="en-US" altLang="zh-CN" dirty="0" smtClean="0"/>
-          </a:p>
-          <a:p>
-            <a:r>
-              <a:rPr lang="en-US" altLang="zh-CN" dirty="0" smtClean="0"/>
+              <a:rPr lang="zh-CN" altLang="en-US" baseline="0" dirty="0" smtClean="0"/>
+              <a:t>水潭</a:t>
+            </a:r>
+            <a:r>
+              <a:rPr lang="zh-CN" altLang="en-US" baseline="0" dirty="0" smtClean="0"/>
+              <a:t>变成毒谭举例，</a:t>
+            </a:r>
+            <a:r>
+              <a:rPr lang="en-US" altLang="zh-CN" baseline="0" dirty="0" smtClean="0"/>
               <a:t>LUA</a:t>
             </a:r>
             <a:r>
-              <a:rPr lang="zh-CN" altLang="en-US" dirty="0" smtClean="0"/>
-              <a:t>初始化流程里边可以创建两个</a:t>
-            </a:r>
-            <a:r>
-              <a:rPr lang="en-US" altLang="zh-CN" dirty="0" smtClean="0"/>
-              <a:t>C++</a:t>
-            </a:r>
-            <a:r>
-              <a:rPr lang="zh-CN" altLang="en-US" dirty="0" smtClean="0"/>
-              <a:t>类，用</a:t>
-            </a:r>
-            <a:r>
-              <a:rPr lang="en-US" altLang="zh-CN" dirty="0" err="1" smtClean="0"/>
+              <a:rPr lang="zh-CN" altLang="en-US" baseline="0" dirty="0" smtClean="0"/>
+              <a:t>集成初始化水面控制器和</a:t>
+            </a:r>
+            <a:r>
+              <a:rPr lang="en-US" altLang="zh-CN" baseline="0" dirty="0" err="1" smtClean="0"/>
+              <a:t>buffarea</a:t>
+            </a:r>
+            <a:r>
+              <a:rPr lang="zh-CN" altLang="en-US" baseline="0" dirty="0" smtClean="0"/>
+              <a:t>，一旦有收到攻击事件从</a:t>
+            </a:r>
+            <a:r>
+              <a:rPr lang="en-US" altLang="zh-CN" baseline="0" dirty="0" err="1" smtClean="0"/>
+              <a:t>buffarea</a:t>
+            </a:r>
+            <a:r>
+              <a:rPr lang="zh-CN" altLang="en-US" baseline="0" dirty="0" smtClean="0"/>
+              <a:t>产生到</a:t>
+            </a:r>
+            <a:r>
+              <a:rPr lang="en-US" altLang="zh-CN" baseline="0" dirty="0" smtClean="0"/>
+              <a:t>LUA</a:t>
+            </a:r>
+            <a:r>
+              <a:rPr lang="zh-CN" altLang="en-US" baseline="0" dirty="0" smtClean="0"/>
+              <a:t>，通过</a:t>
+            </a:r>
+            <a:r>
+              <a:rPr lang="en-US" altLang="zh-CN" baseline="0" dirty="0" smtClean="0"/>
+              <a:t>FG</a:t>
+            </a:r>
+            <a:r>
+              <a:rPr lang="zh-CN" altLang="en-US" baseline="0" dirty="0" smtClean="0"/>
+              <a:t>处理后，设置</a:t>
+            </a:r>
+            <a:r>
+              <a:rPr lang="en-US" altLang="zh-CN" baseline="0" dirty="0" smtClean="0"/>
+              <a:t>LUA</a:t>
+            </a:r>
+            <a:r>
+              <a:rPr lang="zh-CN" altLang="en-US" baseline="0" dirty="0" smtClean="0"/>
+              <a:t>的属性，</a:t>
+            </a:r>
+            <a:endParaRPr lang="en-US" altLang="zh-CN" baseline="0" dirty="0" smtClean="0"/>
+          </a:p>
+          <a:p>
+            <a:r>
+              <a:rPr lang="zh-CN" altLang="en-US" baseline="0" dirty="0" smtClean="0"/>
+              <a:t>关于水面毒属性材质属性以及</a:t>
+            </a:r>
+            <a:r>
+              <a:rPr lang="en-US" altLang="zh-CN" baseline="0" dirty="0" err="1" smtClean="0"/>
+              <a:t>buffID</a:t>
+            </a:r>
+            <a:r>
+              <a:rPr lang="zh-CN" altLang="en-US" baseline="0" dirty="0" smtClean="0"/>
+              <a:t>，水面材质属性改变逻辑在</a:t>
+            </a:r>
+            <a:r>
+              <a:rPr lang="en-US" altLang="zh-CN" baseline="0" dirty="0" smtClean="0"/>
+              <a:t>LUA</a:t>
+            </a:r>
+            <a:r>
+              <a:rPr lang="zh-CN" altLang="en-US" baseline="0" dirty="0" smtClean="0"/>
+              <a:t>内定义，会触发水面材质渐变</a:t>
+            </a:r>
+            <a:endParaRPr lang="en-US" altLang="zh-CN" baseline="0" dirty="0" smtClean="0"/>
+          </a:p>
+          <a:p>
+            <a:r>
+              <a:rPr lang="zh-CN" altLang="en-US" baseline="0" dirty="0" smtClean="0"/>
+              <a:t>组件产生的时间之所以经过</a:t>
+            </a:r>
+            <a:r>
+              <a:rPr lang="en-US" altLang="zh-CN" baseline="0" dirty="0" err="1" smtClean="0"/>
               <a:t>lua</a:t>
             </a:r>
             <a:r>
-              <a:rPr lang="zh-CN" altLang="en-US" dirty="0" smtClean="0"/>
-              <a:t>中定义的属性和方法去交互</a:t>
-            </a:r>
-            <a:endParaRPr lang="en-US" altLang="zh-CN" dirty="0" smtClean="0"/>
+              <a:rPr lang="zh-CN" altLang="en-US" baseline="0" dirty="0" smtClean="0"/>
+              <a:t>传递给</a:t>
+            </a:r>
+            <a:r>
+              <a:rPr lang="en-US" altLang="zh-CN" baseline="0" dirty="0" smtClean="0"/>
+              <a:t>BT</a:t>
+            </a:r>
+            <a:r>
+              <a:rPr lang="zh-CN" altLang="en-US" baseline="0" dirty="0" smtClean="0"/>
+              <a:t>和</a:t>
+            </a:r>
+            <a:r>
+              <a:rPr lang="en-US" altLang="zh-CN" baseline="0" dirty="0" smtClean="0"/>
+              <a:t>FG</a:t>
+            </a:r>
+            <a:r>
+              <a:rPr lang="zh-CN" altLang="en-US" baseline="0" dirty="0" smtClean="0"/>
+              <a:t>，减少耦合同时也兼容了</a:t>
+            </a:r>
+            <a:r>
+              <a:rPr lang="en-US" altLang="zh-CN" baseline="0" dirty="0" smtClean="0"/>
+              <a:t>cry</a:t>
+            </a:r>
+            <a:r>
+              <a:rPr lang="zh-CN" altLang="en-US" baseline="0" dirty="0" smtClean="0"/>
+              <a:t>的开发方式，对于逻辑简单，无相互引用，参数多变的物件类更合适</a:t>
+            </a:r>
+            <a:endParaRPr lang="en-US" altLang="zh-CN" baseline="0" dirty="0" smtClean="0"/>
           </a:p>
         </p:txBody>
       </p:sp>
@@ -5875,185 +6393,38 @@
         <p:spPr>
           <a:xfrm>
             <a:off x="685800" y="1219200"/>
-            <a:ext cx="8229600" cy="3886200"/>
+            <a:ext cx="8229600" cy="5257800"/>
           </a:xfrm>
         </p:spPr>
         <p:txBody>
           <a:bodyPr/>
           <a:lstStyle/>
           <a:p>
-            <a:pPr eaLnBrk="1" hangingPunct="1"/>
-            <a:r>
-              <a:rPr lang="zh-CN" altLang="en-US" dirty="0" smtClean="0"/>
-              <a:t>物件系统多样化和组合：</a:t>
-            </a:r>
-            <a:endParaRPr lang="en-US" altLang="zh-CN" b="0" dirty="0" smtClean="0">
-              <a:latin typeface="宋体" charset="-122"/>
-            </a:endParaRPr>
-          </a:p>
-          <a:p>
             <a:pPr lvl="1" eaLnBrk="1" hangingPunct="1"/>
             <a:r>
-              <a:rPr lang="zh-CN" altLang="en-US" b="0" dirty="0" smtClean="0">
+              <a:rPr lang="zh-CN" altLang="en-US" dirty="0" smtClean="0">
                 <a:latin typeface="宋体" charset="-122"/>
               </a:rPr>
-              <a:t>系统本身支持多个扩展类绑定到一个</a:t>
-            </a:r>
-            <a:r>
-              <a:rPr lang="en-US" altLang="zh-CN" b="0" dirty="0" smtClean="0">
+              <a:t>场景物件系统</a:t>
+            </a:r>
+            <a:r>
+              <a:rPr lang="zh-CN" altLang="en-US" dirty="0" smtClean="0">
                 <a:latin typeface="宋体" charset="-122"/>
               </a:rPr>
-              <a:t>entity</a:t>
-            </a:r>
-            <a:r>
-              <a:rPr lang="zh-CN" altLang="en-US" b="0" dirty="0" smtClean="0">
+              <a:t>的</a:t>
+            </a:r>
+            <a:r>
+              <a:rPr lang="zh-CN" altLang="en-US" dirty="0" smtClean="0">
                 <a:latin typeface="宋体" charset="-122"/>
               </a:rPr>
-              <a:t>，只是受流程约束</a:t>
-            </a:r>
-            <a:endParaRPr lang="en-US" altLang="zh-CN" b="0" dirty="0" smtClean="0">
-              <a:latin typeface="宋体" charset="-122"/>
-            </a:endParaRPr>
-          </a:p>
-          <a:p>
-            <a:pPr lvl="1" eaLnBrk="1" hangingPunct="1"/>
-            <a:r>
-              <a:rPr lang="zh-CN" altLang="en-US" b="0" dirty="0" smtClean="0">
+              <a:t>模块划分</a:t>
+            </a:r>
+            <a:r>
+              <a:rPr lang="zh-CN" altLang="en-US" dirty="0" smtClean="0">
                 <a:latin typeface="宋体" charset="-122"/>
               </a:rPr>
-              <a:t>改变了</a:t>
-            </a:r>
-            <a:r>
-              <a:rPr lang="en-US" altLang="zh-CN" b="0" dirty="0" smtClean="0">
-                <a:latin typeface="宋体" charset="-122"/>
-              </a:rPr>
-              <a:t>entity</a:t>
-            </a:r>
-            <a:r>
-              <a:rPr lang="zh-CN" altLang="en-US" b="0" dirty="0" smtClean="0">
-                <a:latin typeface="宋体" charset="-122"/>
-              </a:rPr>
-              <a:t>的生成流程，添加了在</a:t>
-            </a:r>
-            <a:r>
-              <a:rPr lang="en-US" altLang="zh-CN" b="0" dirty="0" smtClean="0">
-                <a:latin typeface="宋体" charset="-122"/>
-              </a:rPr>
-              <a:t>LUA</a:t>
-            </a:r>
-            <a:r>
-              <a:rPr lang="zh-CN" altLang="en-US" b="0" dirty="0" smtClean="0">
-                <a:latin typeface="宋体" charset="-122"/>
-              </a:rPr>
-              <a:t>中直接创建</a:t>
-            </a:r>
-            <a:r>
-              <a:rPr lang="en-US" altLang="zh-CN" b="0" dirty="0" smtClean="0">
-                <a:latin typeface="宋体" charset="-122"/>
-              </a:rPr>
-              <a:t>C++</a:t>
-            </a:r>
-            <a:r>
-              <a:rPr lang="zh-CN" altLang="en-US" b="0" dirty="0" smtClean="0">
-                <a:latin typeface="宋体" charset="-122"/>
-              </a:rPr>
-              <a:t>扩展类的功能</a:t>
-            </a:r>
-            <a:endParaRPr lang="en-US" altLang="zh-CN" b="0" dirty="0" smtClean="0">
-              <a:latin typeface="宋体" charset="-122"/>
-            </a:endParaRPr>
-          </a:p>
-          <a:p>
-            <a:pPr lvl="1" eaLnBrk="1" hangingPunct="1"/>
-            <a:r>
-              <a:rPr lang="zh-CN" altLang="en-US" b="0" dirty="0" smtClean="0">
-                <a:latin typeface="宋体" charset="-122"/>
-              </a:rPr>
-              <a:t>带来问题，</a:t>
-            </a:r>
-            <a:r>
-              <a:rPr lang="en-US" altLang="zh-CN" b="0" dirty="0" smtClean="0">
-                <a:latin typeface="宋体" charset="-122"/>
-              </a:rPr>
-              <a:t>LUA</a:t>
-            </a:r>
-            <a:r>
-              <a:rPr lang="zh-CN" altLang="en-US" b="0" dirty="0" smtClean="0">
-                <a:latin typeface="宋体" charset="-122"/>
-              </a:rPr>
-              <a:t>中大量重复代码，难维护问题</a:t>
-            </a:r>
-            <a:endParaRPr lang="en-US" altLang="zh-CN" b="0" dirty="0" smtClean="0">
-              <a:latin typeface="宋体" charset="-122"/>
-            </a:endParaRPr>
-          </a:p>
-          <a:p>
-            <a:pPr lvl="1" eaLnBrk="1" hangingPunct="1"/>
-            <a:r>
-              <a:rPr lang="zh-CN" altLang="en-US" b="0" dirty="0" smtClean="0">
-                <a:latin typeface="宋体" charset="-122"/>
-              </a:rPr>
-              <a:t>例如一个物件可破坏，同时可以加</a:t>
-            </a:r>
-            <a:r>
-              <a:rPr lang="en-US" altLang="zh-CN" b="0" dirty="0" smtClean="0">
-                <a:latin typeface="宋体" charset="-122"/>
-              </a:rPr>
-              <a:t>buff</a:t>
-            </a:r>
-            <a:r>
-              <a:rPr lang="zh-CN" altLang="en-US" b="0" dirty="0" smtClean="0">
-                <a:latin typeface="宋体" charset="-122"/>
-              </a:rPr>
-              <a:t>，另外一个可以加</a:t>
-            </a:r>
-            <a:r>
-              <a:rPr lang="en-US" altLang="zh-CN" b="0" dirty="0" smtClean="0">
-                <a:latin typeface="宋体" charset="-122"/>
-              </a:rPr>
-              <a:t>buff</a:t>
-            </a:r>
-            <a:r>
-              <a:rPr lang="zh-CN" altLang="en-US" b="0" dirty="0" smtClean="0">
-                <a:latin typeface="宋体" charset="-122"/>
-              </a:rPr>
-              <a:t>，同时可以发射</a:t>
-            </a:r>
-            <a:r>
-              <a:rPr lang="en-US" altLang="zh-CN" b="0" dirty="0" smtClean="0">
-                <a:latin typeface="宋体" charset="-122"/>
-              </a:rPr>
-              <a:t>projectile</a:t>
-            </a:r>
-            <a:r>
-              <a:rPr lang="zh-CN" altLang="en-US" b="0" dirty="0" smtClean="0">
-                <a:latin typeface="宋体" charset="-122"/>
-              </a:rPr>
-              <a:t>，关于</a:t>
-            </a:r>
-            <a:r>
-              <a:rPr lang="en-US" altLang="zh-CN" b="0" dirty="0" smtClean="0">
-                <a:latin typeface="宋体" charset="-122"/>
-              </a:rPr>
-              <a:t>buff</a:t>
-            </a:r>
-            <a:r>
-              <a:rPr lang="zh-CN" altLang="en-US" b="0" dirty="0" smtClean="0">
-                <a:latin typeface="宋体" charset="-122"/>
-              </a:rPr>
-              <a:t>相关的配置数据和函数就出现了代码级别的冗余，各种组合之后需要维护多份</a:t>
-            </a:r>
-            <a:endParaRPr lang="en-US" altLang="zh-CN" b="0" dirty="0" smtClean="0">
-              <a:latin typeface="宋体" charset="-122"/>
-            </a:endParaRPr>
-          </a:p>
-          <a:p>
-            <a:pPr lvl="1" eaLnBrk="1" hangingPunct="1"/>
-            <a:endParaRPr lang="en-US" altLang="zh-CN" b="0" dirty="0" smtClean="0">
-              <a:latin typeface="宋体" charset="-122"/>
-            </a:endParaRPr>
-          </a:p>
-          <a:p>
+              <a:t>和交互</a:t>
+            </a:r>
             <a:endParaRPr lang="en-US" altLang="zh-CN" sz="1600" b="0" dirty="0" smtClean="0">
               <a:latin typeface="宋体" charset="-122"/>
             </a:endParaRPr>
@@ -6078,11 +6449,45 @@
             <a:pPr eaLnBrk="1" hangingPunct="1"/>
             <a:r>
               <a:rPr lang="zh-CN" altLang="en-US" dirty="0" smtClean="0"/>
-              <a:t>灵活功能强大的场景物件系统</a:t>
-            </a:r>
-          </a:p>
-        </p:txBody>
-      </p:sp>
+              <a:t>场景物件系统架构</a:t>
+            </a:r>
+            <a:endParaRPr lang="zh-CN" altLang="en-US" dirty="0" smtClean="0"/>
+          </a:p>
+        </p:txBody>
+      </p:sp>
+      <p:pic>
+        <p:nvPicPr>
+          <p:cNvPr id="3077" name="Picture 5"/>
+          <p:cNvPicPr>
+            <a:picLocks noChangeAspect="1" noChangeArrowheads="1"/>
+          </p:cNvPicPr>
+          <p:nvPr/>
+        </p:nvPicPr>
+        <p:blipFill>
+          <a:blip r:embed="rId3"/>
+          <a:srcRect/>
+          <a:stretch>
+            <a:fillRect/>
+          </a:stretch>
+        </p:blipFill>
+        <p:spPr bwMode="auto">
+          <a:xfrm>
+            <a:off x="1981200" y="2047875"/>
+            <a:ext cx="5010150" cy="3590925"/>
+          </a:xfrm>
+          <a:prstGeom prst="rect">
+            <a:avLst/>
+          </a:prstGeom>
+          <a:noFill/>
+          <a:ln w="9525">
+            <a:noFill/>
+            <a:miter lim="800000"/>
+            <a:headEnd/>
+            <a:tailEnd/>
+          </a:ln>
+          <a:effectLst/>
+        </p:spPr>
+      </p:pic>
     </p:spTree>
   </p:cSld>
   <p:clrMapOvr>
@@ -6128,53 +6533,16 @@
         <p:spPr>
           <a:xfrm>
             <a:off x="685800" y="1219200"/>
-            <a:ext cx="8229600" cy="3886200"/>
+            <a:ext cx="8229600" cy="5257800"/>
           </a:xfrm>
         </p:spPr>
         <p:txBody>
           <a:bodyPr/>
           <a:lstStyle/>
           <a:p>
-            <a:pPr eaLnBrk="1" hangingPunct="1"/>
-            <a:r>
-              <a:rPr lang="zh-CN" altLang="en-US" dirty="0" smtClean="0"/>
-              <a:t>物件系统多样化和组合冗余解决：</a:t>
-            </a:r>
-            <a:endParaRPr lang="en-US" altLang="zh-CN" dirty="0" smtClean="0"/>
-          </a:p>
-          <a:p>
-            <a:pPr eaLnBrk="1" hangingPunct="1"/>
-            <a:r>
-              <a:rPr lang="zh-CN" altLang="en-US" dirty="0" smtClean="0"/>
-              <a:t>充分利用</a:t>
-            </a:r>
-            <a:r>
-              <a:rPr lang="en-US" altLang="zh-CN" dirty="0" smtClean="0"/>
-              <a:t>LUA</a:t>
-            </a:r>
-            <a:r>
-              <a:rPr lang="zh-CN" altLang="en-US" dirty="0" smtClean="0"/>
-              <a:t>的动态语言特性</a:t>
-            </a:r>
-            <a:endParaRPr lang="en-US" altLang="zh-CN" dirty="0" smtClean="0"/>
-          </a:p>
-          <a:p>
-            <a:pPr eaLnBrk="1" hangingPunct="1"/>
-            <a:endParaRPr lang="en-US" altLang="zh-CN" dirty="0" smtClean="0"/>
-          </a:p>
-          <a:p>
-            <a:pPr eaLnBrk="1" hangingPunct="1"/>
-            <a:endParaRPr lang="en-US" altLang="zh-CN" b="0" dirty="0" smtClean="0">
-              <a:latin typeface="宋体" charset="-122"/>
-            </a:endParaRPr>
-          </a:p>
-          <a:p>
-            <a:pPr lvl="1" eaLnBrk="1" hangingPunct="1"/>
-            <a:endParaRPr lang="en-US" altLang="zh-CN" b="0" dirty="0" smtClean="0">
-              <a:latin typeface="宋体" charset="-122"/>
-            </a:endParaRPr>
-          </a:p>
-          <a:p>
+            <a:pPr lvl="1" eaLnBrk="1" hangingPunct="1">
+              <a:buNone/>
+            </a:pPr>
             <a:endParaRPr lang="en-US" altLang="zh-CN" sz="1600" b="0" dirty="0" smtClean="0">
               <a:latin typeface="宋体" charset="-122"/>
             </a:endParaRPr>
@@ -6198,15 +6566,36 @@
           <a:p>
             <a:pPr eaLnBrk="1" hangingPunct="1"/>
             <a:r>
-              <a:rPr lang="zh-CN" altLang="en-US" dirty="0" smtClean="0"/>
-              <a:t>灵活功能强大的场景物件系统</a:t>
-            </a:r>
+              <a:rPr lang="zh-CN" altLang="en-US" dirty="0" smtClean="0">
+                <a:latin typeface="微软雅黑" pitchFamily="34" charset="-122"/>
+                <a:ea typeface="微软雅黑" pitchFamily="34" charset="-122"/>
+              </a:rPr>
+              <a:t>场景</a:t>
+            </a:r>
+            <a:r>
+              <a:rPr lang="zh-CN" altLang="en-US" dirty="0" smtClean="0">
+                <a:latin typeface="微软雅黑" pitchFamily="34" charset="-122"/>
+                <a:ea typeface="微软雅黑" pitchFamily="34" charset="-122"/>
+              </a:rPr>
+              <a:t>不</a:t>
+            </a:r>
+            <a:r>
+              <a:rPr lang="zh-CN" altLang="en-US" dirty="0" smtClean="0">
+                <a:latin typeface="微软雅黑" pitchFamily="34" charset="-122"/>
+                <a:ea typeface="微软雅黑" pitchFamily="34" charset="-122"/>
+              </a:rPr>
+              <a:t>需要恢复逻辑同步方案</a:t>
+            </a:r>
+            <a:endParaRPr lang="zh-CN" altLang="en-US" dirty="0" smtClean="0">
+              <a:latin typeface="微软雅黑" pitchFamily="34" charset="-122"/>
+              <a:ea typeface="微软雅黑" pitchFamily="34" charset="-122"/>
+            </a:endParaRPr>
           </a:p>
         </p:txBody>
       </p:sp>
       <p:pic>
         <p:nvPicPr>
-          <p:cNvPr id="1027" name="Picture 3"/>
+          <p:cNvPr id="6146" name="Picture 2"/>
           <p:cNvPicPr>
             <a:picLocks noChangeAspect="1" noChangeArrowheads="1"/>
           </p:cNvPicPr>
@@ -6221,8 +6610,8 @@
         </p:blipFill>
         <p:spPr bwMode="auto">
           <a:xfrm>
-            <a:off x="1219200" y="2438400"/>
-            <a:ext cx="6846938" cy="2947987"/>
+            <a:off x="2105025" y="1752600"/>
+            <a:ext cx="4829175" cy="3962400"/>
           </a:xfrm>
           <a:prstGeom prst="rect">
             <a:avLst/>
@@ -6282,255 +6671,16 @@
         <p:spPr>
           <a:xfrm>
             <a:off x="685800" y="1219200"/>
-            <a:ext cx="8229600" cy="4648200"/>
+            <a:ext cx="8229600" cy="5257800"/>
           </a:xfrm>
         </p:spPr>
         <p:txBody>
           <a:bodyPr/>
           <a:lstStyle/>
-          <a:p>
-            <a:pPr eaLnBrk="1" hangingPunct="1"/>
-            <a:r>
-              <a:rPr lang="zh-CN" altLang="en-US" dirty="0" smtClean="0"/>
-              <a:t>物件系统多样化和组合：</a:t>
-            </a:r>
-            <a:endParaRPr lang="en-US" altLang="zh-CN" b="0" dirty="0" smtClean="0">
-              <a:latin typeface="宋体" charset="-122"/>
-            </a:endParaRPr>
-          </a:p>
-          <a:p>
-            <a:pPr lvl="1" eaLnBrk="1" hangingPunct="1"/>
-            <a:r>
-              <a:rPr lang="zh-CN" altLang="en-US" b="0" dirty="0" smtClean="0">
-                <a:latin typeface="宋体" charset="-122"/>
-              </a:rPr>
-              <a:t>利用</a:t>
-            </a:r>
-            <a:r>
-              <a:rPr lang="en-US" altLang="zh-CN" b="0" dirty="0" err="1" smtClean="0">
-                <a:latin typeface="宋体" charset="-122"/>
-              </a:rPr>
-              <a:t>dofile</a:t>
-            </a:r>
-            <a:r>
-              <a:rPr lang="zh-CN" altLang="en-US" b="0" dirty="0" smtClean="0">
-                <a:latin typeface="宋体" charset="-122"/>
-              </a:rPr>
-              <a:t>会执行全局函数的功能，预先定义各种全局函数</a:t>
-            </a:r>
-            <a:endParaRPr lang="en-US" altLang="zh-CN" b="0" dirty="0" smtClean="0">
-              <a:latin typeface="宋体" charset="-122"/>
-            </a:endParaRPr>
-          </a:p>
-          <a:p>
-            <a:pPr lvl="1" eaLnBrk="1" hangingPunct="1"/>
-            <a:r>
-              <a:rPr lang="en-US" altLang="zh-CN" b="0" dirty="0" smtClean="0">
-                <a:latin typeface="宋体" charset="-122"/>
-              </a:rPr>
-              <a:t>function </a:t>
-            </a:r>
-            <a:r>
-              <a:rPr lang="en-US" altLang="zh-CN" b="0" dirty="0" err="1" smtClean="0">
-                <a:latin typeface="宋体" charset="-122"/>
-              </a:rPr>
-              <a:t>makeBuffModule</a:t>
-            </a:r>
-            <a:r>
-              <a:rPr lang="en-US" altLang="zh-CN" b="0" dirty="0" smtClean="0">
-                <a:latin typeface="宋体" charset="-122"/>
-              </a:rPr>
-              <a:t>(table)</a:t>
-            </a:r>
-          </a:p>
-          <a:p>
-            <a:pPr lvl="2" eaLnBrk="1" hangingPunct="1">
-              <a:buNone/>
-            </a:pPr>
-            <a:r>
-              <a:rPr lang="en-US" altLang="zh-CN" b="0" dirty="0" smtClean="0">
-                <a:latin typeface="宋体" charset="-122"/>
-              </a:rPr>
-              <a:t>	</a:t>
-            </a:r>
-            <a:r>
-              <a:rPr lang="en-US" altLang="zh-CN" b="0" dirty="0" err="1" smtClean="0">
-                <a:latin typeface="宋体" charset="-122"/>
-              </a:rPr>
-              <a:t>table.Properties.buffInfo</a:t>
-            </a:r>
-            <a:r>
-              <a:rPr lang="en-US" altLang="zh-CN" b="0" dirty="0" smtClean="0">
-                <a:latin typeface="宋体" charset="-122"/>
-              </a:rPr>
-              <a:t> = {…}</a:t>
-            </a:r>
-          </a:p>
-          <a:p>
-            <a:pPr lvl="2" eaLnBrk="1" hangingPunct="1">
-              <a:buNone/>
-            </a:pPr>
-            <a:r>
-              <a:rPr lang="en-US" altLang="zh-CN" b="0" dirty="0" smtClean="0">
-                <a:latin typeface="宋体" charset="-122"/>
-              </a:rPr>
-              <a:t>	 function </a:t>
-            </a:r>
-            <a:r>
-              <a:rPr lang="en-US" altLang="zh-CN" b="0" dirty="0" err="1" smtClean="0">
-                <a:latin typeface="宋体" charset="-122"/>
-              </a:rPr>
-              <a:t>table:AddBuff</a:t>
-            </a:r>
-            <a:r>
-              <a:rPr lang="en-US" altLang="zh-CN" b="0" dirty="0" smtClean="0">
-                <a:latin typeface="宋体" charset="-122"/>
-              </a:rPr>
-              <a:t>()</a:t>
-            </a:r>
-          </a:p>
-          <a:p>
-            <a:pPr lvl="2" eaLnBrk="1" hangingPunct="1">
-              <a:buNone/>
-            </a:pPr>
-            <a:r>
-              <a:rPr lang="en-US" altLang="zh-CN" b="0" dirty="0" smtClean="0">
-                <a:latin typeface="宋体" charset="-122"/>
-              </a:rPr>
-              <a:t>		 add(</a:t>
-            </a:r>
-            <a:r>
-              <a:rPr lang="en-US" altLang="zh-CN" b="0" dirty="0" err="1" smtClean="0">
-                <a:latin typeface="宋体" charset="-122"/>
-              </a:rPr>
-              <a:t>self,buffstring</a:t>
-            </a:r>
-            <a:r>
-              <a:rPr lang="en-US" altLang="zh-CN" b="0" dirty="0" smtClean="0">
-                <a:latin typeface="宋体" charset="-122"/>
-              </a:rPr>
-              <a:t>)</a:t>
-            </a:r>
-          </a:p>
-          <a:p>
-            <a:pPr lvl="2" eaLnBrk="1" hangingPunct="1">
-              <a:buNone/>
-            </a:pPr>
-            <a:r>
-              <a:rPr lang="en-US" altLang="zh-CN" b="0" dirty="0" smtClean="0">
-                <a:latin typeface="宋体" charset="-122"/>
-              </a:rPr>
-              <a:t>		 …</a:t>
-            </a:r>
-          </a:p>
-          <a:p>
-            <a:pPr lvl="2" eaLnBrk="1" hangingPunct="1">
-              <a:buNone/>
-            </a:pPr>
-            <a:r>
-              <a:rPr lang="en-US" altLang="zh-CN" b="0" dirty="0" smtClean="0">
-                <a:latin typeface="宋体" charset="-122"/>
-              </a:rPr>
-              <a:t>	 end</a:t>
-            </a:r>
-          </a:p>
           <a:p>
             <a:pPr lvl="1" eaLnBrk="1" hangingPunct="1">
               <a:buNone/>
             </a:pPr>
-            <a:r>
-              <a:rPr lang="en-US" altLang="zh-CN" b="0" dirty="0" smtClean="0">
-                <a:latin typeface="宋体" charset="-122"/>
-              </a:rPr>
-              <a:t>	end;</a:t>
-            </a:r>
-          </a:p>
-          <a:p>
-            <a:pPr lvl="1" eaLnBrk="1" hangingPunct="1"/>
-            <a:r>
-              <a:rPr lang="en-US" altLang="zh-CN" b="0" dirty="0" err="1" smtClean="0">
-                <a:latin typeface="宋体" charset="-122"/>
-              </a:rPr>
-              <a:t>makeBuffModule</a:t>
-            </a:r>
-            <a:r>
-              <a:rPr lang="en-US" altLang="zh-CN" b="0" dirty="0" smtClean="0">
-                <a:latin typeface="宋体" charset="-122"/>
-              </a:rPr>
-              <a:t>(A);</a:t>
-            </a:r>
-          </a:p>
-          <a:p>
-            <a:pPr lvl="1" eaLnBrk="1" hangingPunct="1">
-              <a:buNone/>
-            </a:pPr>
-            <a:r>
-              <a:rPr lang="en-US" altLang="zh-CN" b="0" dirty="0" smtClean="0">
-                <a:latin typeface="宋体" charset="-122"/>
-              </a:rPr>
-              <a:t>	A.lua</a:t>
-            </a:r>
-            <a:r>
-              <a:rPr lang="zh-CN" altLang="en-US" b="0" dirty="0" smtClean="0">
-                <a:latin typeface="宋体" charset="-122"/>
-              </a:rPr>
-              <a:t>中调用，</a:t>
-            </a:r>
-            <a:r>
-              <a:rPr lang="en-US" altLang="zh-CN" b="0" dirty="0" smtClean="0">
-                <a:latin typeface="宋体" charset="-122"/>
-              </a:rPr>
-              <a:t>A</a:t>
-            </a:r>
-            <a:r>
-              <a:rPr lang="zh-CN" altLang="en-US" b="0" dirty="0" smtClean="0">
-                <a:latin typeface="宋体" charset="-122"/>
-              </a:rPr>
-              <a:t>就有了</a:t>
-            </a:r>
-            <a:r>
-              <a:rPr lang="en-US" altLang="zh-CN" b="0" dirty="0" smtClean="0">
-                <a:latin typeface="宋体" charset="-122"/>
-              </a:rPr>
-              <a:t>buff</a:t>
-            </a:r>
-            <a:r>
-              <a:rPr lang="zh-CN" altLang="en-US" b="0" dirty="0" smtClean="0">
-                <a:latin typeface="宋体" charset="-122"/>
-              </a:rPr>
-              <a:t>模块的属性和功能等</a:t>
-            </a:r>
-            <a:endParaRPr lang="en-US" altLang="zh-CN" b="0" dirty="0" smtClean="0">
-              <a:latin typeface="宋体" charset="-122"/>
-            </a:endParaRPr>
-          </a:p>
-          <a:p>
-            <a:pPr lvl="1" eaLnBrk="1" hangingPunct="1">
-              <a:buNone/>
-            </a:pPr>
-            <a:r>
-              <a:rPr lang="en-US" altLang="zh-CN" b="0" dirty="0" smtClean="0">
-                <a:latin typeface="宋体" charset="-122"/>
-              </a:rPr>
-              <a:t>	</a:t>
-            </a:r>
-            <a:r>
-              <a:rPr lang="zh-CN" altLang="en-US" b="0" dirty="0" smtClean="0">
-                <a:latin typeface="宋体" charset="-122"/>
-              </a:rPr>
-              <a:t>调用完毕根据需要重载默认函数</a:t>
-            </a:r>
-            <a:endParaRPr lang="en-US" altLang="zh-CN" b="0" dirty="0" smtClean="0">
-              <a:latin typeface="宋体" charset="-122"/>
-            </a:endParaRPr>
-          </a:p>
-          <a:p>
-            <a:pPr lvl="1" eaLnBrk="1" hangingPunct="1"/>
-            <a:endParaRPr lang="en-US" altLang="zh-CN" b="0" dirty="0" smtClean="0">
-              <a:latin typeface="宋体" charset="-122"/>
-            </a:endParaRPr>
-          </a:p>
-          <a:p>
             <a:endParaRPr lang="en-US" altLang="zh-CN" sz="1600" b="0" dirty="0" smtClean="0">
               <a:latin typeface="宋体" charset="-122"/>
             </a:endParaRPr>
@@ -6554,12 +6704,52 @@
           <a:p>
             <a:pPr eaLnBrk="1" hangingPunct="1"/>
             <a:r>
-              <a:rPr lang="zh-CN" altLang="en-US" dirty="0" smtClean="0"/>
-              <a:t>灵活功能强大的场景物件系统</a:t>
-            </a:r>
-          </a:p>
-        </p:txBody>
-      </p:sp>
+              <a:rPr lang="zh-CN" altLang="en-US" dirty="0" smtClean="0">
+                <a:latin typeface="微软雅黑" pitchFamily="34" charset="-122"/>
+                <a:ea typeface="微软雅黑" pitchFamily="34" charset="-122"/>
+              </a:rPr>
+              <a:t>场景需要恢复逻辑同步方案</a:t>
+            </a:r>
+            <a:endParaRPr lang="zh-CN" altLang="en-US" dirty="0" smtClean="0">
+              <a:latin typeface="微软雅黑" pitchFamily="34" charset="-122"/>
+              <a:ea typeface="微软雅黑" pitchFamily="34" charset="-122"/>
+            </a:endParaRPr>
+          </a:p>
+        </p:txBody>
+      </p:sp>
+      <p:pic>
+        <p:nvPicPr>
+          <p:cNvPr id="5127" name="Picture 7"/>
+          <p:cNvPicPr>
+            <a:picLocks noChangeAspect="1" noChangeArrowheads="1"/>
+          </p:cNvPicPr>
+          <p:nvPr/>
+        </p:nvPicPr>
+        <p:blipFill>
+          <a:blip r:embed="rId3"/>
+          <a:srcRect/>
+          <a:stretch>
+            <a:fillRect/>
+          </a:stretch>
+        </p:blipFill>
+        <p:spPr bwMode="auto">
+          <a:xfrm>
+            <a:off x="2095500" y="1752600"/>
+            <a:ext cx="5067300" cy="3962400"/>
+          </a:xfrm>
+          <a:prstGeom prst="rect">
+            <a:avLst/>
+          </a:prstGeom>
+          <a:noFill/>
+          <a:ln w="9525">
+            <a:noFill/>
+            <a:miter lim="800000"/>
+            <a:headEnd/>
+            <a:tailEnd/>
+          </a:ln>
+          <a:effectLst/>
+        </p:spPr>
+      </p:pic>
     </p:spTree>
   </p:cSld>
   <p:clrMapOvr>
@@ -6605,145 +6795,16 @@
         <p:spPr>
           <a:xfrm>
             <a:off x="685800" y="1219200"/>
-            <a:ext cx="8229600" cy="4419600"/>
+            <a:ext cx="8229600" cy="5257800"/>
           </a:xfrm>
         </p:spPr>
         <p:txBody>
           <a:bodyPr/>
           <a:lstStyle/>
           <a:p>
-            <a:pPr eaLnBrk="1" hangingPunct="1"/>
-            <a:r>
-              <a:rPr lang="zh-CN" altLang="en-US" dirty="0" smtClean="0">
-                <a:latin typeface="宋体" charset="-122"/>
-              </a:rPr>
-              <a:t>动态物件的开发流程优化</a:t>
-            </a:r>
-            <a:endParaRPr lang="en-US" altLang="zh-CN" dirty="0" smtClean="0">
-              <a:latin typeface="宋体" charset="-122"/>
-            </a:endParaRPr>
-          </a:p>
-          <a:p>
-            <a:pPr lvl="1" eaLnBrk="1" hangingPunct="1"/>
-            <a:r>
-              <a:rPr lang="zh-CN" altLang="en-US" b="0" dirty="0" smtClean="0">
-                <a:latin typeface="宋体" charset="-122"/>
-              </a:rPr>
-              <a:t>动态物件引入了怪物</a:t>
-            </a:r>
-            <a:r>
-              <a:rPr lang="en-US" altLang="zh-CN" b="0" dirty="0" smtClean="0">
-                <a:latin typeface="宋体" charset="-122"/>
-              </a:rPr>
-              <a:t>AI</a:t>
-            </a:r>
-            <a:r>
-              <a:rPr lang="zh-CN" altLang="en-US" b="0" dirty="0" smtClean="0">
-                <a:latin typeface="宋体" charset="-122"/>
-              </a:rPr>
-              <a:t>中使用的</a:t>
-            </a:r>
-            <a:r>
-              <a:rPr lang="en-US" altLang="zh-CN" b="0" dirty="0" err="1" smtClean="0">
-                <a:latin typeface="宋体" charset="-122"/>
-              </a:rPr>
-              <a:t>behaviour</a:t>
-            </a:r>
-            <a:r>
-              <a:rPr lang="en-US" altLang="zh-CN" b="0" dirty="0" smtClean="0">
-                <a:latin typeface="宋体" charset="-122"/>
-              </a:rPr>
-              <a:t> tree</a:t>
-            </a:r>
-            <a:r>
-              <a:rPr lang="zh-CN" altLang="en-US" b="0" dirty="0" smtClean="0">
-                <a:latin typeface="宋体" charset="-122"/>
-              </a:rPr>
-              <a:t>系统，</a:t>
-            </a:r>
-            <a:endParaRPr lang="en-US" altLang="zh-CN" b="0" dirty="0" smtClean="0">
-              <a:latin typeface="宋体" charset="-122"/>
-            </a:endParaRPr>
-          </a:p>
-          <a:p>
-            <a:pPr lvl="1" eaLnBrk="1" hangingPunct="1"/>
-            <a:r>
-              <a:rPr lang="en-US" altLang="zh-CN" b="0" dirty="0" smtClean="0">
-                <a:latin typeface="宋体" charset="-122"/>
-              </a:rPr>
-              <a:t>BT</a:t>
-            </a:r>
-            <a:r>
-              <a:rPr lang="zh-CN" altLang="en-US" b="0" dirty="0" smtClean="0">
-                <a:latin typeface="宋体" charset="-122"/>
-              </a:rPr>
-              <a:t>优势：支持动态创建，有项目内完善的编辑器和</a:t>
-            </a:r>
-            <a:r>
-              <a:rPr lang="en-US" altLang="zh-CN" b="0" dirty="0" smtClean="0">
-                <a:latin typeface="宋体" charset="-122"/>
-              </a:rPr>
-              <a:t>debug</a:t>
-            </a:r>
-            <a:r>
-              <a:rPr lang="zh-CN" altLang="en-US" b="0" dirty="0" smtClean="0">
-                <a:latin typeface="宋体" charset="-122"/>
-              </a:rPr>
-              <a:t>工具，支持远程调试 </a:t>
-            </a:r>
-            <a:endParaRPr lang="en-US" altLang="zh-CN" b="0" dirty="0" smtClean="0">
-              <a:latin typeface="宋体" charset="-122"/>
-            </a:endParaRPr>
-          </a:p>
-          <a:p>
-            <a:pPr lvl="1" eaLnBrk="1" hangingPunct="1"/>
-            <a:r>
-              <a:rPr lang="zh-CN" altLang="en-US" b="0" dirty="0" smtClean="0">
-                <a:latin typeface="宋体" charset="-122"/>
-              </a:rPr>
-              <a:t>缺点：物件间相互引用没有</a:t>
-            </a:r>
-            <a:r>
-              <a:rPr lang="en-US" altLang="zh-CN" b="0" dirty="0" smtClean="0">
-                <a:latin typeface="宋体" charset="-122"/>
-              </a:rPr>
-              <a:t>flow graph</a:t>
-            </a:r>
-            <a:r>
-              <a:rPr lang="zh-CN" altLang="en-US" b="0" dirty="0" smtClean="0">
-                <a:latin typeface="宋体" charset="-122"/>
-              </a:rPr>
-              <a:t>直观</a:t>
-            </a:r>
-            <a:endParaRPr lang="en-US" altLang="zh-CN" b="0" dirty="0" smtClean="0">
-              <a:latin typeface="宋体" charset="-122"/>
-            </a:endParaRPr>
-          </a:p>
-          <a:p>
-            <a:pPr lvl="1" eaLnBrk="1" hangingPunct="1"/>
-            <a:r>
-              <a:rPr lang="zh-CN" altLang="en-US" b="0" dirty="0" smtClean="0">
-                <a:latin typeface="宋体" charset="-122"/>
-              </a:rPr>
-              <a:t>由于动态物件是动态生成的，与其他物件的互动一般是通过各种逻辑触发实现，基本不会出现对确定的某物件产生依赖的逻辑，取长补短，成为</a:t>
-            </a:r>
-            <a:r>
-              <a:rPr lang="en-US" altLang="zh-CN" b="0" dirty="0" smtClean="0">
-                <a:latin typeface="宋体" charset="-122"/>
-              </a:rPr>
-              <a:t>flow graph</a:t>
-            </a:r>
-            <a:r>
-              <a:rPr lang="zh-CN" altLang="en-US" b="0" dirty="0" smtClean="0">
-                <a:latin typeface="宋体" charset="-122"/>
-              </a:rPr>
-              <a:t>的替代方案</a:t>
-            </a:r>
-            <a:endParaRPr lang="en-US" altLang="zh-CN" b="0" dirty="0" smtClean="0">
-              <a:latin typeface="宋体" charset="-122"/>
-            </a:endParaRPr>
-          </a:p>
-          <a:p>
+            <a:pPr lvl="1" eaLnBrk="1" hangingPunct="1">
+              <a:buNone/>
+            </a:pPr>
             <a:endParaRPr lang="en-US" altLang="zh-CN" sz="1600" b="0" dirty="0" smtClean="0">
               <a:latin typeface="宋体" charset="-122"/>
             </a:endParaRPr>
@@ -6767,12 +6828,52 @@
           <a:p>
             <a:pPr eaLnBrk="1" hangingPunct="1"/>
             <a:r>
-              <a:rPr lang="zh-CN" altLang="en-US" dirty="0" smtClean="0"/>
-              <a:t>灵活功能强大的场景物件系统</a:t>
-            </a:r>
-          </a:p>
-        </p:txBody>
-      </p:sp>
+              <a:rPr lang="zh-CN" altLang="en-US" dirty="0" smtClean="0">
+                <a:latin typeface="微软雅黑" pitchFamily="34" charset="-122"/>
+                <a:ea typeface="微软雅黑" pitchFamily="34" charset="-122"/>
+              </a:rPr>
+              <a:t>场景恢复逻辑方案及优化</a:t>
+            </a:r>
+            <a:endParaRPr lang="zh-CN" altLang="en-US" dirty="0" smtClean="0">
+              <a:latin typeface="微软雅黑" pitchFamily="34" charset="-122"/>
+              <a:ea typeface="微软雅黑" pitchFamily="34" charset="-122"/>
+            </a:endParaRPr>
+          </a:p>
+        </p:txBody>
+      </p:sp>
+      <p:pic>
+        <p:nvPicPr>
+          <p:cNvPr id="7170" name="Picture 2"/>
+          <p:cNvPicPr>
+            <a:picLocks noChangeAspect="1" noChangeArrowheads="1"/>
+          </p:cNvPicPr>
+          <p:nvPr/>
+        </p:nvPicPr>
+        <p:blipFill>
+          <a:blip r:embed="rId3"/>
+          <a:srcRect/>
+          <a:stretch>
+            <a:fillRect/>
+          </a:stretch>
+        </p:blipFill>
+        <p:spPr bwMode="auto">
+          <a:xfrm>
+            <a:off x="2871788" y="1724025"/>
+            <a:ext cx="3400425" cy="3409950"/>
+          </a:xfrm>
+          <a:prstGeom prst="rect">
+            <a:avLst/>
+          </a:prstGeom>
+          <a:noFill/>
+          <a:ln w="9525">
+            <a:noFill/>
+            <a:miter lim="800000"/>
+            <a:headEnd/>
+            <a:tailEnd/>
+          </a:ln>
+          <a:effectLst/>
+        </p:spPr>
+      </p:pic>
     </p:spTree>
   </p:cSld>
   <p:clrMapOvr>
@@ -6818,7 +6919,7 @@
         <p:spPr>
           <a:xfrm>
             <a:off x="685800" y="1219200"/>
-            <a:ext cx="8229600" cy="5257800"/>
+            <a:ext cx="8229600" cy="4419600"/>
           </a:xfrm>
         </p:spPr>
         <p:txBody>
@@ -6827,73 +6928,98 @@
           <a:p>
             <a:pPr lvl="1" eaLnBrk="1" hangingPunct="1"/>
             <a:r>
+              <a:rPr lang="zh-CN" altLang="en-US" b="0" dirty="0" smtClean="0">
+                <a:latin typeface="微软雅黑" pitchFamily="34" charset="-122"/>
+                <a:ea typeface="微软雅黑" pitchFamily="34" charset="-122"/>
+              </a:rPr>
+              <a:t>系统迭代导致关卡数据返工问题</a:t>
+            </a:r>
+            <a:endParaRPr lang="en-US" altLang="zh-CN" b="0" dirty="0" smtClean="0">
+              <a:latin typeface="微软雅黑" pitchFamily="34" charset="-122"/>
+              <a:ea typeface="微软雅黑" pitchFamily="34" charset="-122"/>
+            </a:endParaRPr>
+          </a:p>
+          <a:p>
+            <a:pPr lvl="1" eaLnBrk="1" hangingPunct="1"/>
+            <a:r>
+              <a:rPr lang="en-US" altLang="zh-CN" b="0" dirty="0" smtClean="0">
+                <a:latin typeface="微软雅黑" pitchFamily="34" charset="-122"/>
+                <a:ea typeface="微软雅黑" pitchFamily="34" charset="-122"/>
+              </a:rPr>
+              <a:t>Archetype</a:t>
+            </a:r>
+            <a:r>
+              <a:rPr lang="zh-CN" altLang="en-US" b="0" dirty="0" smtClean="0">
+                <a:latin typeface="微软雅黑" pitchFamily="34" charset="-122"/>
+                <a:ea typeface="微软雅黑" pitchFamily="34" charset="-122"/>
+              </a:rPr>
+              <a:t>配置数据外置</a:t>
+            </a:r>
+            <a:endParaRPr lang="en-US" altLang="zh-CN" b="0" dirty="0" smtClean="0">
+              <a:latin typeface="微软雅黑" pitchFamily="34" charset="-122"/>
+              <a:ea typeface="微软雅黑" pitchFamily="34" charset="-122"/>
+            </a:endParaRPr>
+          </a:p>
+          <a:p>
+            <a:pPr lvl="1" eaLnBrk="1" hangingPunct="1"/>
+            <a:r>
+              <a:rPr lang="zh-CN" altLang="en-US" b="0" dirty="0" smtClean="0">
+                <a:latin typeface="微软雅黑" pitchFamily="34" charset="-122"/>
+                <a:ea typeface="微软雅黑" pitchFamily="34" charset="-122"/>
+              </a:rPr>
+              <a:t>静态属性内存共享</a:t>
+            </a:r>
+            <a:endParaRPr lang="en-US" altLang="zh-CN" b="0" dirty="0" smtClean="0">
+              <a:latin typeface="微软雅黑" pitchFamily="34" charset="-122"/>
+              <a:ea typeface="微软雅黑" pitchFamily="34" charset="-122"/>
+            </a:endParaRPr>
+          </a:p>
+          <a:p>
+            <a:pPr lvl="1" eaLnBrk="1" hangingPunct="1"/>
+            <a:r>
+              <a:rPr lang="zh-CN" altLang="en-US" b="0" dirty="0" smtClean="0">
+                <a:latin typeface="微软雅黑" pitchFamily="34" charset="-122"/>
+                <a:ea typeface="微软雅黑" pitchFamily="34" charset="-122"/>
+              </a:rPr>
+              <a:t>动态属性独占，同步</a:t>
+            </a:r>
+            <a:endParaRPr lang="en-US" altLang="zh-CN" b="0" dirty="0" smtClean="0">
+              <a:latin typeface="微软雅黑" pitchFamily="34" charset="-122"/>
+              <a:ea typeface="微软雅黑" pitchFamily="34" charset="-122"/>
+            </a:endParaRPr>
+          </a:p>
+        </p:txBody>
+      </p:sp>
+      <p:sp>
+        <p:nvSpPr>
+          <p:cNvPr id="91" name="Rectangle 2"/>
+          <p:cNvSpPr>
+            <a:spLocks noGrp="1" noChangeArrowheads="1"/>
+          </p:cNvSpPr>
+          <p:nvPr>
+            <p:ph type="title"/>
+          </p:nvPr>
+        </p:nvSpPr>
+        <p:spPr/>
+        <p:txBody>
+          <a:bodyPr/>
+          <a:lstStyle/>
+          <a:p>
+            <a:pPr eaLnBrk="1" hangingPunct="1"/>
+            <a:r>
               <a:rPr lang="zh-CN" altLang="en-US" dirty="0" smtClean="0">
-                <a:latin typeface="宋体" charset="-122"/>
-              </a:rPr>
-              <a:t>场景物件系统的层次结构</a:t>
-            </a:r>
-            <a:endParaRPr lang="en-US" altLang="zh-CN" sz="1600" b="0" dirty="0" smtClean="0">
-              <a:latin typeface="宋体" charset="-122"/>
+                <a:latin typeface="微软雅黑" pitchFamily="34" charset="-122"/>
+                <a:ea typeface="微软雅黑" pitchFamily="34" charset="-122"/>
+              </a:rPr>
+              <a:t>场景物件关卡设计流程改进</a:t>
+            </a:r>
+            <a:endParaRPr lang="zh-CN" altLang="en-US" dirty="0" smtClean="0">
+              <a:latin typeface="微软雅黑" pitchFamily="34" charset="-122"/>
+              <a:ea typeface="微软雅黑" pitchFamily="34" charset="-122"/>
             </a:endParaRPr>
           </a:p>
         </p:txBody>
       </p:sp>
-      <p:sp>
-        <p:nvSpPr>
-          <p:cNvPr id="91" name="Rectangle 2"/>
-          <p:cNvSpPr>
-            <a:spLocks noGrp="1" noChangeArrowheads="1"/>
-          </p:cNvSpPr>
-          <p:nvPr>
-            <p:ph type="title"/>
-          </p:nvPr>
-        </p:nvSpPr>
-        <p:spPr/>
-        <p:txBody>
-          <a:bodyPr/>
-          <a:lstStyle/>
-          <a:p>
-            <a:pPr eaLnBrk="1" hangingPunct="1"/>
-            <a:r>
-              <a:rPr lang="zh-CN" altLang="en-US" dirty="0" smtClean="0"/>
-              <a:t>灵活功能强大的场景物件系统</a:t>
-            </a:r>
-          </a:p>
-        </p:txBody>
-      </p:sp>
-      <p:pic>
-        <p:nvPicPr>
-          <p:cNvPr id="5122" name="Picture 2"/>
-          <p:cNvPicPr>
-            <a:picLocks noChangeAspect="1" noChangeArrowheads="1"/>
-          </p:cNvPicPr>
-          <p:nvPr/>
-        </p:nvPicPr>
-        <p:blipFill>
-          <a:blip r:embed="rId3"/>
-          <a:srcRect/>
-          <a:stretch>
-            <a:fillRect/>
-          </a:stretch>
-        </p:blipFill>
-        <p:spPr bwMode="auto">
-          <a:xfrm>
-            <a:off x="2438400" y="1752600"/>
-            <a:ext cx="4296229" cy="4572000"/>
-          </a:xfrm>
-          <a:prstGeom prst="rect">
-            <a:avLst/>
-          </a:prstGeom>
-          <a:noFill/>
-          <a:ln w="9525">
-            <a:noFill/>
-            <a:miter lim="800000"/>
-            <a:headEnd/>
-            <a:tailEnd/>
-          </a:ln>
-          <a:effectLst/>
-        </p:spPr>
-      </p:pic>
     </p:spTree>
   </p:cSld>
   <p:clrMapOvr>
@@ -6951,7 +7077,7 @@
               <a:rPr lang="zh-CN" altLang="en-US" dirty="0" smtClean="0">
                 <a:latin typeface="宋体" charset="-122"/>
               </a:rPr>
-              <a:t>场景物件的同步逻辑优化</a:t>
+              <a:t>水面控制逻辑扩展</a:t>
             </a:r>
             <a:endParaRPr lang="en-US" altLang="zh-CN" dirty="0" smtClean="0">
               <a:latin typeface="宋体" charset="-122"/>
@@ -6960,121 +7086,68 @@
           <a:p>
             <a:pPr lvl="1" eaLnBrk="1" hangingPunct="1"/>
             <a:r>
-              <a:rPr lang="zh-CN" altLang="en-US" b="0" dirty="0" smtClean="0">
+              <a:rPr lang="zh-CN" altLang="en-US" dirty="0" smtClean="0">
                 <a:latin typeface="宋体" charset="-122"/>
               </a:rPr>
-              <a:t>逻辑层可以触发的行为分为两种，一种是需要恢复的，一种是不需要的，两者处理准则，需要恢复的，通过属性或者状态机触发，不需要恢复的，可以直接触发</a:t>
-            </a:r>
+              <a:t>植被系统引入</a:t>
+            </a:r>
+            <a:r>
+              <a:rPr lang="en-US" altLang="zh-CN" dirty="0" smtClean="0">
+                <a:latin typeface="宋体" charset="-122"/>
+              </a:rPr>
+              <a:t>Game Play</a:t>
+            </a:r>
+            <a:endParaRPr lang="en-US" altLang="zh-CN" dirty="0" smtClean="0">
+              <a:latin typeface="宋体" charset="-122"/>
+            </a:endParaRPr>
+          </a:p>
+          <a:p>
+            <a:pPr lvl="1" eaLnBrk="1" hangingPunct="1"/>
+            <a:endParaRPr lang="en-US" altLang="zh-CN" dirty="0" smtClean="0">
+              <a:latin typeface="宋体" charset="-122"/>
+            </a:endParaRPr>
+          </a:p>
+          <a:p>
+            <a:pPr lvl="1" eaLnBrk="1" hangingPunct="1"/>
             <a:endParaRPr lang="en-US" altLang="zh-CN" b="0" dirty="0" smtClean="0">
               <a:latin typeface="宋体" charset="-122"/>
             </a:endParaRPr>
           </a:p>
           <a:p>
             <a:pPr lvl="1" eaLnBrk="1" hangingPunct="1"/>
-            <a:r>
-              <a:rPr lang="zh-CN" altLang="en-US" b="0" dirty="0" smtClean="0">
-                <a:latin typeface="宋体" charset="-122"/>
-              </a:rPr>
-              <a:t>如何处理上线后逻辑又执行一次的问题？</a:t>
-            </a:r>
             <a:endParaRPr lang="en-US" altLang="zh-CN" b="0" dirty="0" smtClean="0">
               <a:latin typeface="宋体" charset="-122"/>
             </a:endParaRPr>
           </a:p>
-          <a:p>
-            <a:pPr lvl="1" eaLnBrk="1" hangingPunct="1"/>
-            <a:r>
-              <a:rPr lang="en-US" altLang="zh-CN" b="0" dirty="0" smtClean="0">
-                <a:latin typeface="宋体" charset="-122"/>
-              </a:rPr>
-              <a:t>1.</a:t>
-            </a:r>
-            <a:r>
-              <a:rPr lang="zh-CN" altLang="en-US" b="0" dirty="0" smtClean="0">
-                <a:latin typeface="宋体" charset="-122"/>
-              </a:rPr>
-              <a:t>状态机做复杂些，分为正常，变色中，变色完成三个状态</a:t>
-            </a:r>
-            <a:endParaRPr lang="en-US" altLang="zh-CN" b="0" dirty="0" smtClean="0">
-              <a:latin typeface="宋体" charset="-122"/>
+        </p:txBody>
+      </p:sp>
+      <p:sp>
+        <p:nvSpPr>
+          <p:cNvPr id="91" name="Rectangle 2"/>
+          <p:cNvSpPr>
+            <a:spLocks noGrp="1" noChangeArrowheads="1"/>
+          </p:cNvSpPr>
+          <p:nvPr>
+            <p:ph type="title"/>
+          </p:nvPr>
+        </p:nvSpPr>
+        <p:spPr/>
+        <p:txBody>
+          <a:bodyPr/>
+          <a:lstStyle/>
+          <a:p>
+            <a:pPr eaLnBrk="1" hangingPunct="1"/>
+            <a:r>
+              <a:rPr lang="zh-CN" altLang="en-US" dirty="0" smtClean="0">
+                <a:latin typeface="微软雅黑" pitchFamily="34" charset="-122"/>
+                <a:ea typeface="微软雅黑" pitchFamily="34" charset="-122"/>
+              </a:rPr>
+              <a:t>场景物件的表现力强化</a:t>
+            </a:r>
+            <a:endParaRPr lang="zh-CN" altLang="en-US" dirty="0" smtClean="0">
+              <a:latin typeface="微软雅黑" pitchFamily="34" charset="-122"/>
+              <a:ea typeface="微软雅黑" pitchFamily="34" charset="-122"/>
             </a:endParaRPr>
-          </a:p>
-          <a:p>
-            <a:pPr lvl="1" eaLnBrk="1" hangingPunct="1"/>
-            <a:r>
-              <a:rPr lang="en-US" altLang="zh-CN" b="0" dirty="0" smtClean="0">
-                <a:latin typeface="宋体" charset="-122"/>
-              </a:rPr>
-              <a:t>2.</a:t>
-            </a:r>
-            <a:r>
-              <a:rPr lang="zh-CN" altLang="en-US" b="0" dirty="0" smtClean="0">
-                <a:latin typeface="宋体" charset="-122"/>
-              </a:rPr>
-              <a:t>制作行为的加速版本</a:t>
-            </a:r>
-            <a:endParaRPr lang="en-US" altLang="zh-CN" b="0" dirty="0" smtClean="0">
-              <a:latin typeface="宋体" charset="-122"/>
-            </a:endParaRPr>
-          </a:p>
-          <a:p>
-            <a:pPr lvl="1" eaLnBrk="1" hangingPunct="1"/>
-            <a:r>
-              <a:rPr lang="zh-CN" altLang="en-US" b="0" dirty="0" smtClean="0">
-                <a:latin typeface="宋体" charset="-122"/>
-              </a:rPr>
-              <a:t>状态机，只考虑</a:t>
-            </a:r>
-            <a:r>
-              <a:rPr lang="en-US" altLang="zh-CN" b="0" dirty="0" err="1" smtClean="0">
-                <a:latin typeface="宋体" charset="-122"/>
-              </a:rPr>
-              <a:t>OnEnter</a:t>
-            </a:r>
-            <a:r>
-              <a:rPr lang="zh-CN" altLang="en-US" b="0" dirty="0" smtClean="0">
-                <a:latin typeface="宋体" charset="-122"/>
-              </a:rPr>
-              <a:t>，</a:t>
-            </a:r>
-            <a:r>
-              <a:rPr lang="en-US" altLang="zh-CN" b="0" dirty="0" err="1" smtClean="0">
-                <a:latin typeface="宋体" charset="-122"/>
-              </a:rPr>
-              <a:t>OnLeave</a:t>
-            </a:r>
-            <a:r>
-              <a:rPr lang="zh-CN" altLang="en-US" b="0" dirty="0" smtClean="0">
-                <a:latin typeface="宋体" charset="-122"/>
-              </a:rPr>
-              <a:t>的处理，属性改变逻辑也只考虑最少属性</a:t>
-            </a:r>
-            <a:endParaRPr lang="en-US" altLang="zh-CN" b="0" dirty="0" smtClean="0">
-              <a:latin typeface="宋体" charset="-122"/>
-            </a:endParaRPr>
-          </a:p>
-        </p:txBody>
-      </p:sp>
-      <p:sp>
-        <p:nvSpPr>
-          <p:cNvPr id="91" name="Rectangle 2"/>
-          <p:cNvSpPr>
-            <a:spLocks noGrp="1" noChangeArrowheads="1"/>
-          </p:cNvSpPr>
-          <p:nvPr>
-            <p:ph type="title"/>
-          </p:nvPr>
-        </p:nvSpPr>
-        <p:spPr/>
-        <p:txBody>
-          <a:bodyPr/>
-          <a:lstStyle/>
-          <a:p>
-            <a:pPr eaLnBrk="1" hangingPunct="1"/>
-            <a:r>
-              <a:rPr lang="zh-CN" altLang="en-US" dirty="0" smtClean="0"/>
-              <a:t>灵活功能强大的场景物件系统</a:t>
-            </a:r>
           </a:p>
         </p:txBody>
       </p:sp>
@@ -7131,128 +7204,81 @@
           <a:lstStyle/>
           <a:p>
             <a:pPr lvl="1" eaLnBrk="1" hangingPunct="1"/>
-            <a:r>
-              <a:rPr lang="zh-CN" altLang="en-US" dirty="0" smtClean="0">
-                <a:latin typeface="宋体" charset="-122"/>
-              </a:rPr>
-              <a:t>静态场景物件的开发流程改进</a:t>
-            </a:r>
-            <a:endParaRPr lang="en-US" altLang="zh-CN" dirty="0" smtClean="0">
-              <a:latin typeface="宋体" charset="-122"/>
-            </a:endParaRPr>
-          </a:p>
-          <a:p>
-            <a:pPr lvl="1" eaLnBrk="1" hangingPunct="1"/>
-            <a:r>
-              <a:rPr lang="zh-CN" altLang="en-US" b="0" dirty="0" smtClean="0">
-                <a:latin typeface="宋体" charset="-122"/>
-              </a:rPr>
-              <a:t>静态物件的</a:t>
-            </a:r>
-            <a:r>
-              <a:rPr lang="en-US" altLang="zh-CN" b="0" dirty="0" smtClean="0">
-                <a:latin typeface="宋体" charset="-122"/>
-              </a:rPr>
-              <a:t>archetype</a:t>
-            </a:r>
-          </a:p>
-          <a:p>
-            <a:pPr lvl="1" eaLnBrk="1" hangingPunct="1"/>
-            <a:r>
-              <a:rPr lang="zh-CN" altLang="en-US" b="0" dirty="0" smtClean="0">
-                <a:latin typeface="宋体" charset="-122"/>
-              </a:rPr>
-              <a:t>属性划分为静态和动态</a:t>
-            </a:r>
             <a:endParaRPr lang="en-US" altLang="zh-CN" b="0" dirty="0" smtClean="0">
               <a:latin typeface="宋体" charset="-122"/>
             </a:endParaRPr>
           </a:p>
           <a:p>
             <a:pPr lvl="1" eaLnBrk="1" hangingPunct="1"/>
-            <a:r>
-              <a:rPr lang="zh-CN" altLang="en-US" b="0" dirty="0" smtClean="0">
-                <a:latin typeface="宋体" charset="-122"/>
-              </a:rPr>
-              <a:t>静态属性</a:t>
-            </a:r>
-            <a:r>
-              <a:rPr lang="en-US" altLang="zh-CN" b="0" dirty="0" smtClean="0">
-                <a:latin typeface="宋体" charset="-122"/>
-              </a:rPr>
-              <a:t>table</a:t>
-            </a:r>
-            <a:r>
-              <a:rPr lang="zh-CN" altLang="en-US" b="0" dirty="0" smtClean="0">
-                <a:latin typeface="宋体" charset="-122"/>
-              </a:rPr>
-              <a:t>共享，动态专有</a:t>
-            </a:r>
             <a:endParaRPr lang="en-US" altLang="zh-CN" b="0" dirty="0" smtClean="0">
               <a:latin typeface="宋体" charset="-122"/>
             </a:endParaRPr>
           </a:p>
-          <a:p>
-            <a:pPr lvl="1" eaLnBrk="1" hangingPunct="1"/>
-            <a:r>
-              <a:rPr lang="zh-CN" altLang="en-US" b="0" dirty="0" smtClean="0">
-                <a:latin typeface="宋体" charset="-122"/>
-              </a:rPr>
-              <a:t>配置</a:t>
-            </a:r>
-            <a:r>
-              <a:rPr lang="zh-CN" altLang="en-US" b="0" dirty="0" smtClean="0">
-                <a:latin typeface="宋体" charset="-122"/>
-              </a:rPr>
-              <a:t>数据脱离关卡，添加删除修改属性关卡不需要</a:t>
-            </a:r>
-            <a:r>
-              <a:rPr lang="zh-CN" altLang="en-US" b="0" dirty="0" smtClean="0">
-                <a:latin typeface="宋体" charset="-122"/>
-              </a:rPr>
-              <a:t>修改</a:t>
-            </a:r>
-            <a:endParaRPr lang="en-US" altLang="zh-CN" b="0" dirty="0" smtClean="0">
-              <a:latin typeface="宋体" charset="-122"/>
+        </p:txBody>
+      </p:sp>
+      <p:sp>
+        <p:nvSpPr>
+          <p:cNvPr id="91" name="Rectangle 2"/>
+          <p:cNvSpPr>
+            <a:spLocks noGrp="1" noChangeArrowheads="1"/>
+          </p:cNvSpPr>
+          <p:nvPr>
+            <p:ph type="title"/>
+          </p:nvPr>
+        </p:nvSpPr>
+        <p:spPr/>
+        <p:txBody>
+          <a:bodyPr/>
+          <a:lstStyle/>
+          <a:p>
+            <a:pPr eaLnBrk="1" hangingPunct="1"/>
+            <a:r>
+              <a:rPr lang="zh-CN" altLang="en-US" dirty="0" smtClean="0">
+                <a:latin typeface="微软雅黑" pitchFamily="34" charset="-122"/>
+                <a:ea typeface="微软雅黑" pitchFamily="34" charset="-122"/>
+              </a:rPr>
+              <a:t>场景物件的表现力强化</a:t>
+            </a:r>
+            <a:endParaRPr lang="zh-CN" altLang="en-US" dirty="0" smtClean="0">
+              <a:latin typeface="微软雅黑" pitchFamily="34" charset="-122"/>
+              <a:ea typeface="微软雅黑" pitchFamily="34" charset="-122"/>
             </a:endParaRPr>
           </a:p>
-          <a:p>
-            <a:pPr lvl="1" eaLnBrk="1" hangingPunct="1"/>
-            <a:r>
-              <a:rPr lang="zh-CN" altLang="en-US" b="0" dirty="0" smtClean="0">
-                <a:latin typeface="宋体" charset="-122"/>
-              </a:rPr>
-              <a:t>内存节省</a:t>
-            </a:r>
-            <a:endParaRPr lang="en-US" altLang="zh-CN" b="0" dirty="0" smtClean="0">
-              <a:latin typeface="宋体" charset="-122"/>
-            </a:endParaRPr>
-          </a:p>
-        </p:txBody>
-      </p:sp>
-      <p:sp>
-        <p:nvSpPr>
-          <p:cNvPr id="91" name="Rectangle 2"/>
-          <p:cNvSpPr>
-            <a:spLocks noGrp="1" noChangeArrowheads="1"/>
-          </p:cNvSpPr>
-          <p:nvPr>
-            <p:ph type="title"/>
-          </p:nvPr>
-        </p:nvSpPr>
-        <p:spPr/>
-        <p:txBody>
-          <a:bodyPr/>
-          <a:lstStyle/>
-          <a:p>
-            <a:pPr eaLnBrk="1" hangingPunct="1"/>
-            <a:r>
-              <a:rPr lang="zh-CN" altLang="en-US" dirty="0" smtClean="0"/>
-              <a:t>灵活功能强大的场景物件系统</a:t>
-            </a:r>
-          </a:p>
-        </p:txBody>
-      </p:sp>
+        </p:txBody>
+      </p:sp>
+      <p:pic>
+        <p:nvPicPr>
+          <p:cNvPr id="8195" name="Picture 3"/>
+          <p:cNvPicPr>
+            <a:picLocks noChangeAspect="1" noChangeArrowheads="1"/>
+          </p:cNvPicPr>
+          <p:nvPr/>
+        </p:nvPicPr>
+        <p:blipFill>
+          <a:blip r:embed="rId3"/>
+          <a:srcRect/>
+          <a:stretch>
+            <a:fillRect/>
+          </a:stretch>
+        </p:blipFill>
+        <p:spPr bwMode="auto">
+          <a:xfrm>
+            <a:off x="2143125" y="1371600"/>
+            <a:ext cx="4857750" cy="4114800"/>
+          </a:xfrm>
+          <a:prstGeom prst="rect">
+            <a:avLst/>
+          </a:prstGeom>
+          <a:noFill/>
+          <a:ln w="9525">
+            <a:noFill/>
+            <a:miter lim="800000"/>
+            <a:headEnd/>
+            <a:tailEnd/>
+          </a:ln>
+          <a:effectLst/>
+        </p:spPr>
+      </p:pic>
     </p:spTree>
   </p:cSld>
   <p:clrMapOvr>
@@ -7306,135 +7332,6 @@
           <a:lstStyle/>
           <a:p>
             <a:pPr lvl="1" eaLnBrk="1" hangingPunct="1"/>
-            <a:r>
-              <a:rPr lang="zh-CN" altLang="en-US" dirty="0" smtClean="0">
-                <a:latin typeface="宋体" charset="-122"/>
-              </a:rPr>
-              <a:t>场景物件的功能扩展和优化</a:t>
-            </a:r>
-            <a:endParaRPr lang="en-US" altLang="zh-CN" dirty="0" smtClean="0">
-              <a:latin typeface="宋体" charset="-122"/>
-            </a:endParaRPr>
-          </a:p>
-          <a:p>
-            <a:pPr lvl="1" eaLnBrk="1" hangingPunct="1"/>
-            <a:r>
-              <a:rPr lang="zh-CN" altLang="en-US" dirty="0" smtClean="0">
-                <a:latin typeface="宋体" charset="-122"/>
-              </a:rPr>
-              <a:t>功能扩展</a:t>
-            </a:r>
-            <a:endParaRPr lang="en-US" altLang="zh-CN" dirty="0" smtClean="0">
-              <a:latin typeface="宋体" charset="-122"/>
-            </a:endParaRPr>
-          </a:p>
-          <a:p>
-            <a:pPr lvl="1" eaLnBrk="1" hangingPunct="1"/>
-            <a:r>
-              <a:rPr lang="zh-CN" altLang="en-US" b="0" dirty="0" smtClean="0">
-                <a:latin typeface="宋体" charset="-122"/>
-              </a:rPr>
-              <a:t>水面控制逻辑，通过物理线程绑定</a:t>
-            </a:r>
-            <a:r>
-              <a:rPr lang="en-US" altLang="zh-CN" b="0" dirty="0" smtClean="0">
-                <a:latin typeface="宋体" charset="-122"/>
-              </a:rPr>
-              <a:t>Render Node</a:t>
-            </a:r>
-          </a:p>
-          <a:p>
-            <a:pPr lvl="1" eaLnBrk="1" hangingPunct="1"/>
-            <a:r>
-              <a:rPr lang="zh-CN" altLang="en-US" b="0" dirty="0" smtClean="0">
-                <a:latin typeface="宋体" charset="-122"/>
-              </a:rPr>
-              <a:t>物件支持静态</a:t>
-            </a:r>
-            <a:r>
-              <a:rPr lang="en-US" altLang="zh-CN" b="0" dirty="0" smtClean="0">
-                <a:latin typeface="宋体" charset="-122"/>
-              </a:rPr>
-              <a:t>mesh</a:t>
-            </a:r>
-            <a:r>
-              <a:rPr lang="zh-CN" altLang="en-US" b="0" dirty="0" smtClean="0">
-                <a:latin typeface="宋体" charset="-122"/>
-              </a:rPr>
-              <a:t>和</a:t>
-            </a:r>
-            <a:r>
-              <a:rPr lang="en-US" altLang="zh-CN" b="0" dirty="0" smtClean="0">
-                <a:latin typeface="宋体" charset="-122"/>
-              </a:rPr>
-              <a:t>skin mesh</a:t>
-            </a:r>
-            <a:r>
-              <a:rPr lang="zh-CN" altLang="en-US" b="0" dirty="0" smtClean="0">
-                <a:latin typeface="宋体" charset="-122"/>
-              </a:rPr>
-              <a:t>，不支持植被的</a:t>
-            </a:r>
-            <a:r>
-              <a:rPr lang="en-US" altLang="zh-CN" b="0" dirty="0" smtClean="0">
-                <a:latin typeface="宋体" charset="-122"/>
-              </a:rPr>
-              <a:t>detail bending</a:t>
-            </a:r>
-            <a:r>
-              <a:rPr lang="zh-CN" altLang="en-US" b="0" dirty="0" smtClean="0">
-                <a:latin typeface="宋体" charset="-122"/>
-              </a:rPr>
-              <a:t>和</a:t>
-            </a:r>
-            <a:r>
-              <a:rPr lang="en-US" altLang="zh-CN" b="0" dirty="0" smtClean="0">
-                <a:latin typeface="宋体" charset="-122"/>
-              </a:rPr>
-              <a:t>touch bending</a:t>
-            </a:r>
-            <a:r>
-              <a:rPr lang="zh-CN" altLang="en-US" b="0" dirty="0" smtClean="0">
-                <a:latin typeface="宋体" charset="-122"/>
-              </a:rPr>
-              <a:t>效果，解决</a:t>
-            </a:r>
-            <a:r>
-              <a:rPr lang="en-US" altLang="zh-CN" b="0" dirty="0" smtClean="0">
-                <a:latin typeface="宋体" charset="-122"/>
-              </a:rPr>
-              <a:t>vegetation</a:t>
-            </a:r>
-            <a:r>
-              <a:rPr lang="zh-CN" altLang="en-US" b="0" dirty="0" smtClean="0">
-                <a:latin typeface="宋体" charset="-122"/>
-              </a:rPr>
-              <a:t>绑定多个包围盒导致效果错误问题</a:t>
-            </a:r>
-            <a:endParaRPr lang="en-US" altLang="zh-CN" b="0" dirty="0" smtClean="0">
-              <a:latin typeface="宋体" charset="-122"/>
-            </a:endParaRPr>
-          </a:p>
-          <a:p>
-            <a:pPr lvl="1" eaLnBrk="1" hangingPunct="1"/>
-            <a:r>
-              <a:rPr lang="zh-CN" altLang="en-US" dirty="0" smtClean="0">
-                <a:latin typeface="宋体" charset="-122"/>
-              </a:rPr>
-              <a:t>优化</a:t>
-            </a:r>
-            <a:endParaRPr lang="en-US" altLang="zh-CN" dirty="0" smtClean="0">
-              <a:latin typeface="宋体" charset="-122"/>
-            </a:endParaRPr>
-          </a:p>
-          <a:p>
-            <a:pPr lvl="1" eaLnBrk="1" hangingPunct="1"/>
-            <a:r>
-              <a:rPr lang="zh-CN" altLang="en-US" b="0" dirty="0" smtClean="0">
-                <a:latin typeface="宋体" charset="-122"/>
-              </a:rPr>
-              <a:t>效果与效率的平衡，属性不断变换过程中物理化暂停</a:t>
-            </a:r>
             <a:endParaRPr lang="en-US" altLang="zh-CN" b="0" dirty="0" smtClean="0">
               <a:latin typeface="宋体" charset="-122"/>
             </a:endParaRPr>
@@ -7445,37 +7342,71 @@
               <a:latin typeface="宋体" charset="-122"/>
             </a:endParaRPr>
           </a:p>
-          <a:p>
-            <a:pPr lvl="1" eaLnBrk="1" hangingPunct="1"/>
-            <a:endParaRPr lang="en-US" altLang="zh-CN" b="0" dirty="0" smtClean="0">
-              <a:latin typeface="宋体" charset="-122"/>
+        </p:txBody>
+      </p:sp>
+      <p:sp>
+        <p:nvSpPr>
+          <p:cNvPr id="91" name="Rectangle 2"/>
+          <p:cNvSpPr>
+            <a:spLocks noGrp="1" noChangeArrowheads="1"/>
+          </p:cNvSpPr>
+          <p:nvPr>
+            <p:ph type="title"/>
+          </p:nvPr>
+        </p:nvSpPr>
+        <p:spPr/>
+        <p:txBody>
+          <a:bodyPr/>
+          <a:lstStyle/>
+          <a:p>
+            <a:pPr eaLnBrk="1" hangingPunct="1"/>
+            <a:r>
+              <a:rPr lang="zh-CN" altLang="en-US" dirty="0" smtClean="0">
+                <a:latin typeface="微软雅黑" pitchFamily="34" charset="-122"/>
+                <a:ea typeface="微软雅黑" pitchFamily="34" charset="-122"/>
+              </a:rPr>
+              <a:t>场景物件的表现力强化</a:t>
+            </a:r>
+            <a:endParaRPr lang="zh-CN" altLang="en-US" dirty="0" smtClean="0">
+              <a:latin typeface="微软雅黑" pitchFamily="34" charset="-122"/>
+              <a:ea typeface="微软雅黑" pitchFamily="34" charset="-122"/>
             </a:endParaRPr>
           </a:p>
         </p:txBody>
       </p:sp>
-      <p:sp>
-        <p:nvSpPr>
-          <p:cNvPr id="91" name="Rectangle 2"/>
-          <p:cNvSpPr>
-            <a:spLocks noGrp="1" noChangeArrowheads="1"/>
-          </p:cNvSpPr>
-          <p:nvPr>
-            <p:ph type="title"/>
-          </p:nvPr>
-        </p:nvSpPr>
-        <p:spPr/>
-        <p:txBody>
-          <a:bodyPr/>
-          <a:lstStyle/>
-          <a:p>
-            <a:pPr eaLnBrk="1" hangingPunct="1"/>
-            <a:r>
-              <a:rPr lang="zh-CN" altLang="en-US" dirty="0" smtClean="0"/>
-              <a:t>灵活功能强大的场景物件系统</a:t>
-            </a:r>
-          </a:p>
-        </p:txBody>
-      </p:sp>
+      <p:pic>
+        <p:nvPicPr>
+          <p:cNvPr id="9220" name="Picture 4"/>
+          <p:cNvPicPr>
+            <a:picLocks noChangeAspect="1" noChangeArrowheads="1"/>
+          </p:cNvPicPr>
+          <p:nvPr/>
+        </p:nvPicPr>
+        <p:blipFill>
+          <a:blip r:embed="rId3"/>
+          <a:srcRect/>
+          <a:stretch>
+            <a:fillRect/>
+          </a:stretch>
+        </p:blipFill>
+        <p:spPr bwMode="auto">
+          <a:xfrm>
+            <a:off x="2143125" y="1371600"/>
+            <a:ext cx="4857750" cy="4114800"/>
+          </a:xfrm>
+          <a:prstGeom prst="rect">
+            <a:avLst/>
+          </a:prstGeom>
+          <a:noFill/>
+          <a:ln w="9525">
+            <a:noFill/>
+            <a:miter lim="800000"/>
+            <a:headEnd/>
+            <a:tailEnd/>
+          </a:ln>
+          <a:effectLst/>
+        </p:spPr>
+      </p:pic>
     </p:spTree>
   </p:cSld>
   <p:clrMapOvr>
@@ -7529,152 +7460,81 @@
           <a:lstStyle/>
           <a:p>
             <a:pPr lvl="1" eaLnBrk="1" hangingPunct="1"/>
-            <a:r>
-              <a:rPr lang="zh-CN" altLang="en-US" dirty="0" smtClean="0">
-                <a:latin typeface="宋体" charset="-122"/>
-              </a:rPr>
-              <a:t>特殊地形的移动</a:t>
-            </a:r>
-            <a:endParaRPr lang="en-US" altLang="zh-CN" dirty="0" smtClean="0">
-              <a:latin typeface="宋体" charset="-122"/>
-            </a:endParaRPr>
-          </a:p>
-          <a:p>
-            <a:pPr lvl="1" eaLnBrk="1" hangingPunct="1"/>
-            <a:r>
-              <a:rPr lang="zh-CN" altLang="en-US" b="0" dirty="0" smtClean="0">
-                <a:latin typeface="宋体" charset="-122"/>
-              </a:rPr>
-              <a:t>在顶部和侧面墙壁的移动逻辑，编辑器到物理系统到</a:t>
-            </a:r>
-            <a:r>
-              <a:rPr lang="en-US" altLang="zh-CN" b="0" dirty="0" smtClean="0">
-                <a:latin typeface="宋体" charset="-122"/>
-              </a:rPr>
-              <a:t>locomotion</a:t>
-            </a:r>
-            <a:r>
-              <a:rPr lang="zh-CN" altLang="en-US" b="0" dirty="0" smtClean="0">
-                <a:latin typeface="宋体" charset="-122"/>
-              </a:rPr>
-              <a:t>系统的开发，扩展物理系统加快</a:t>
-            </a:r>
-            <a:r>
-              <a:rPr lang="en-US" altLang="zh-CN" b="0" dirty="0" err="1" smtClean="0">
-                <a:latin typeface="宋体" charset="-122"/>
-              </a:rPr>
-              <a:t>raycast</a:t>
-            </a:r>
-            <a:r>
-              <a:rPr lang="zh-CN" altLang="en-US" b="0" dirty="0" smtClean="0">
-                <a:latin typeface="宋体" charset="-122"/>
-              </a:rPr>
-              <a:t>的速度</a:t>
-            </a:r>
             <a:endParaRPr lang="en-US" altLang="zh-CN" b="0" dirty="0" smtClean="0">
               <a:latin typeface="宋体" charset="-122"/>
             </a:endParaRPr>
           </a:p>
           <a:p>
             <a:pPr lvl="1" eaLnBrk="1" hangingPunct="1"/>
-            <a:r>
-              <a:rPr lang="zh-CN" altLang="en-US" dirty="0" smtClean="0">
-                <a:latin typeface="宋体" charset="-122"/>
-              </a:rPr>
-              <a:t>物件系统集成</a:t>
-            </a:r>
-            <a:endParaRPr lang="en-US" altLang="zh-CN" dirty="0" smtClean="0">
-              <a:latin typeface="宋体" charset="-122"/>
-            </a:endParaRPr>
-          </a:p>
-          <a:p>
-            <a:pPr lvl="1" eaLnBrk="1" hangingPunct="1"/>
-            <a:r>
-              <a:rPr lang="zh-CN" altLang="en-US" b="0" dirty="0" smtClean="0">
-                <a:latin typeface="宋体" charset="-122"/>
-              </a:rPr>
-              <a:t>特殊物件的生成，集成的是物件系统的玩法，用</a:t>
-            </a:r>
-            <a:r>
-              <a:rPr lang="en-US" altLang="zh-CN" b="0" dirty="0" smtClean="0">
-                <a:latin typeface="宋体" charset="-122"/>
-              </a:rPr>
-              <a:t>BT</a:t>
-            </a:r>
-            <a:r>
-              <a:rPr lang="zh-CN" altLang="en-US" b="0" dirty="0" smtClean="0">
-                <a:latin typeface="宋体" charset="-122"/>
-              </a:rPr>
-              <a:t>制作逻辑</a:t>
-            </a:r>
             <a:endParaRPr lang="en-US" altLang="zh-CN" b="0" dirty="0" smtClean="0">
               <a:latin typeface="宋体" charset="-122"/>
             </a:endParaRPr>
           </a:p>
-          <a:p>
-            <a:pPr lvl="1" eaLnBrk="1" hangingPunct="1"/>
+        </p:txBody>
+      </p:sp>
+      <p:sp>
+        <p:nvSpPr>
+          <p:cNvPr id="91" name="Rectangle 2"/>
+          <p:cNvSpPr>
+            <a:spLocks noGrp="1" noChangeArrowheads="1"/>
+          </p:cNvSpPr>
+          <p:nvPr>
+            <p:ph type="title"/>
+          </p:nvPr>
+        </p:nvSpPr>
+        <p:spPr/>
+        <p:txBody>
+          <a:bodyPr/>
+          <a:lstStyle/>
+          <a:p>
+            <a:pPr eaLnBrk="1" hangingPunct="1"/>
             <a:r>
               <a:rPr lang="zh-CN" altLang="en-US" dirty="0" smtClean="0">
-                <a:latin typeface="宋体" charset="-122"/>
-              </a:rPr>
-              <a:t>群体</a:t>
-            </a:r>
-            <a:r>
-              <a:rPr lang="en-US" altLang="zh-CN" dirty="0" smtClean="0">
-                <a:latin typeface="宋体" charset="-122"/>
-              </a:rPr>
-              <a:t>AI</a:t>
-            </a:r>
-          </a:p>
-          <a:p>
-            <a:pPr lvl="1" eaLnBrk="1" hangingPunct="1"/>
-            <a:r>
-              <a:rPr lang="zh-CN" altLang="en-US" b="0" dirty="0" smtClean="0">
-                <a:latin typeface="宋体" charset="-122"/>
-              </a:rPr>
-              <a:t>怪物的群体</a:t>
-            </a:r>
-            <a:r>
-              <a:rPr lang="en-US" altLang="zh-CN" b="0" dirty="0" smtClean="0">
-                <a:latin typeface="宋体" charset="-122"/>
-              </a:rPr>
-              <a:t>AI</a:t>
-            </a:r>
-            <a:r>
-              <a:rPr lang="zh-CN" altLang="en-US" b="0" dirty="0" smtClean="0">
-                <a:latin typeface="宋体" charset="-122"/>
-              </a:rPr>
-              <a:t>系统基础框架开发</a:t>
-            </a:r>
-            <a:endParaRPr lang="en-US" altLang="zh-CN" b="0" dirty="0" smtClean="0">
-              <a:latin typeface="宋体" charset="-122"/>
+                <a:latin typeface="微软雅黑" pitchFamily="34" charset="-122"/>
+                <a:ea typeface="微软雅黑" pitchFamily="34" charset="-122"/>
+              </a:rPr>
+              <a:t>场景物件的表现力强化</a:t>
+            </a:r>
+            <a:endParaRPr lang="zh-CN" altLang="en-US" dirty="0" smtClean="0">
+              <a:latin typeface="微软雅黑" pitchFamily="34" charset="-122"/>
+              <a:ea typeface="微软雅黑" pitchFamily="34" charset="-122"/>
             </a:endParaRPr>
           </a:p>
         </p:txBody>
       </p:sp>
-      <p:sp>
-        <p:nvSpPr>
-          <p:cNvPr id="91" name="Rectangle 2"/>
-          <p:cNvSpPr>
-            <a:spLocks noGrp="1" noChangeArrowheads="1"/>
-          </p:cNvSpPr>
-          <p:nvPr>
-            <p:ph type="title"/>
-          </p:nvPr>
-        </p:nvSpPr>
-        <p:spPr/>
-        <p:txBody>
-          <a:bodyPr/>
-          <a:lstStyle/>
-          <a:p>
-            <a:pPr eaLnBrk="1" hangingPunct="1"/>
-            <a:r>
-              <a:rPr lang="zh-CN" altLang="en-US" dirty="0" smtClean="0"/>
-              <a:t>丰富多样的怪物特殊玩法</a:t>
-            </a:r>
-          </a:p>
-        </p:txBody>
-      </p:sp>
+      <p:pic>
+        <p:nvPicPr>
+          <p:cNvPr id="10242" name="Picture 2"/>
+          <p:cNvPicPr>
+            <a:picLocks noChangeAspect="1" noChangeArrowheads="1"/>
+          </p:cNvPicPr>
+          <p:nvPr/>
+        </p:nvPicPr>
+        <p:blipFill>
+          <a:blip r:embed="rId3"/>
+          <a:srcRect/>
+          <a:stretch>
+            <a:fillRect/>
+          </a:stretch>
+        </p:blipFill>
+        <p:spPr bwMode="auto">
+          <a:xfrm>
+            <a:off x="2143125" y="1371600"/>
+            <a:ext cx="4857750" cy="4114800"/>
+          </a:xfrm>
+          <a:prstGeom prst="rect">
+            <a:avLst/>
+          </a:prstGeom>
+          <a:noFill/>
+          <a:ln w="9525">
+            <a:noFill/>
+            <a:miter lim="800000"/>
+            <a:headEnd/>
+            <a:tailEnd/>
+          </a:ln>
+          <a:effectLst/>
+        </p:spPr>
+      </p:pic>
     </p:spTree>
   </p:cSld>
   <p:clrMapOvr>
@@ -7709,35 +7569,7 @@
       </p:grpSpPr>
       <p:sp>
         <p:nvSpPr>
-          <p:cNvPr id="18434" name="Rectangle 2"/>
-          <p:cNvSpPr>
-            <a:spLocks noGrp="1" noChangeArrowheads="1"/>
-          </p:cNvSpPr>
-          <p:nvPr>
-            <p:ph type="title"/>
-          </p:nvPr>
-        </p:nvSpPr>
-        <p:spPr>
-          <a:xfrm>
-            <a:off x="228600" y="228600"/>
-            <a:ext cx="7391400" cy="838200"/>
-          </a:xfrm>
-        </p:spPr>
-        <p:txBody>
-          <a:bodyPr/>
-          <a:lstStyle/>
-          <a:p>
-            <a:pPr eaLnBrk="1" hangingPunct="1"/>
-            <a:r>
-              <a:rPr lang="zh-CN" altLang="en-US" sz="2800" smtClean="0"/>
-              <a:t>专业领域专长和不足（结合通道能力标准）</a:t>
-            </a:r>
-          </a:p>
-        </p:txBody>
-      </p:sp>
-      <p:sp>
-        <p:nvSpPr>
-          <p:cNvPr id="7171" name="Rectangle 3"/>
+          <p:cNvPr id="10243" name="Rectangle 3"/>
           <p:cNvSpPr>
             <a:spLocks noGrp="1" noChangeArrowheads="1"/>
           </p:cNvSpPr>
@@ -7748,257 +7580,89 @@
         <p:spPr>
           <a:xfrm>
             <a:off x="685800" y="1219200"/>
-            <a:ext cx="7543800" cy="4191000"/>
+            <a:ext cx="8229600" cy="4419600"/>
           </a:xfrm>
         </p:spPr>
         <p:txBody>
           <a:bodyPr/>
           <a:lstStyle/>
           <a:p>
-            <a:pPr eaLnBrk="1" hangingPunct="1">
-              <a:defRPr/>
-            </a:pPr>
+            <a:pPr lvl="1" eaLnBrk="1" hangingPunct="1"/>
+            <a:endParaRPr lang="en-US" altLang="zh-CN" b="0" dirty="0" smtClean="0">
+              <a:latin typeface="宋体" charset="-122"/>
+            </a:endParaRPr>
+          </a:p>
+          <a:p>
+            <a:pPr lvl="1" eaLnBrk="1" hangingPunct="1"/>
+            <a:endParaRPr lang="en-US" altLang="zh-CN" b="0" dirty="0" smtClean="0">
+              <a:latin typeface="宋体" charset="-122"/>
+            </a:endParaRPr>
+          </a:p>
+        </p:txBody>
+      </p:sp>
+      <p:sp>
+        <p:nvSpPr>
+          <p:cNvPr id="91" name="Rectangle 2"/>
+          <p:cNvSpPr>
+            <a:spLocks noGrp="1" noChangeArrowheads="1"/>
+          </p:cNvSpPr>
+          <p:nvPr>
+            <p:ph type="title"/>
+          </p:nvPr>
+        </p:nvSpPr>
+        <p:spPr/>
+        <p:txBody>
+          <a:bodyPr/>
+          <a:lstStyle/>
+          <a:p>
+            <a:pPr eaLnBrk="1" hangingPunct="1"/>
             <a:r>
               <a:rPr lang="zh-CN" altLang="en-US" dirty="0" smtClean="0">
-                <a:latin typeface="宋体" panose="02010600030101010101" pitchFamily="2" charset="-122"/>
-              </a:rPr>
-              <a:t>在技术</a:t>
-            </a:r>
-            <a:r>
-              <a:rPr lang="zh-CN" altLang="zh-CN" dirty="0" smtClean="0">
-                <a:latin typeface="宋体" panose="02010600030101010101" pitchFamily="2" charset="-122"/>
-              </a:rPr>
-              <a:t>/业务领域的最突出的几项专长</a:t>
-            </a:r>
-            <a:endParaRPr lang="en-US" altLang="zh-CN" dirty="0" smtClean="0">
-              <a:latin typeface="宋体" panose="02010600030101010101" pitchFamily="2" charset="-122"/>
+                <a:latin typeface="微软雅黑" pitchFamily="34" charset="-122"/>
+                <a:ea typeface="微软雅黑" pitchFamily="34" charset="-122"/>
+              </a:rPr>
+              <a:t>场景物件的表现力强化</a:t>
+            </a:r>
+            <a:endParaRPr lang="zh-CN" altLang="en-US" dirty="0" smtClean="0">
+              <a:latin typeface="微软雅黑" pitchFamily="34" charset="-122"/>
+              <a:ea typeface="微软雅黑" pitchFamily="34" charset="-122"/>
             </a:endParaRPr>
           </a:p>
-          <a:p>
-            <a:pPr marL="798513" lvl="2" indent="-261938" eaLnBrk="1" hangingPunct="1">
-              <a:defRPr/>
-            </a:pPr>
-            <a:r>
-              <a:rPr lang="en-US" altLang="zh-CN" dirty="0" smtClean="0">
-                <a:latin typeface="宋体" panose="02010600030101010101" pitchFamily="2" charset="-122"/>
-                <a:cs typeface="+mn-cs"/>
-              </a:rPr>
-              <a:t>C</a:t>
-            </a:r>
-            <a:r>
-              <a:rPr lang="en-US" altLang="zh-CN" dirty="0">
-                <a:latin typeface="宋体" panose="02010600030101010101" pitchFamily="2" charset="-122"/>
-                <a:cs typeface="+mn-cs"/>
-              </a:rPr>
-              <a:t>++</a:t>
-            </a:r>
-            <a:r>
-              <a:rPr lang="zh-CN" altLang="en-US" dirty="0">
-                <a:latin typeface="宋体" panose="02010600030101010101" pitchFamily="2" charset="-122"/>
-                <a:cs typeface="+mn-cs"/>
-              </a:rPr>
-              <a:t>语言，</a:t>
-            </a:r>
-            <a:r>
-              <a:rPr lang="en-US" altLang="zh-CN" dirty="0" err="1">
-                <a:latin typeface="宋体" panose="02010600030101010101" pitchFamily="2" charset="-122"/>
-                <a:cs typeface="+mn-cs"/>
-              </a:rPr>
-              <a:t>Lua</a:t>
-            </a:r>
-            <a:r>
-              <a:rPr lang="zh-CN" altLang="en-US" dirty="0">
-                <a:latin typeface="宋体" panose="02010600030101010101" pitchFamily="2" charset="-122"/>
-                <a:cs typeface="+mn-cs"/>
-              </a:rPr>
-              <a:t>语言知识</a:t>
-            </a:r>
-            <a:r>
-              <a:rPr lang="zh-CN" altLang="en-US" dirty="0" smtClean="0">
-                <a:latin typeface="宋体" panose="02010600030101010101" pitchFamily="2" charset="-122"/>
-                <a:cs typeface="+mn-cs"/>
-              </a:rPr>
-              <a:t>：</a:t>
-            </a:r>
-            <a:r>
-              <a:rPr lang="zh-CN" altLang="en-US" b="0" dirty="0" smtClean="0">
-                <a:latin typeface="宋体" panose="02010600030101010101" pitchFamily="2" charset="-122"/>
-                <a:cs typeface="+mn-cs"/>
-              </a:rPr>
-              <a:t>掌握</a:t>
-            </a:r>
-            <a:r>
-              <a:rPr lang="en-US" altLang="zh-CN" b="0" dirty="0" smtClean="0">
-                <a:latin typeface="宋体" panose="02010600030101010101" pitchFamily="2" charset="-122"/>
-                <a:cs typeface="+mn-cs"/>
-              </a:rPr>
-              <a:t>C++</a:t>
-            </a:r>
-            <a:r>
-              <a:rPr lang="zh-CN" altLang="en-US" b="0" dirty="0" smtClean="0">
-                <a:latin typeface="宋体" panose="02010600030101010101" pitchFamily="2" charset="-122"/>
-                <a:cs typeface="+mn-cs"/>
-              </a:rPr>
-              <a:t>的继承，封装和多态，模版的使用方面知识，深入研究</a:t>
-            </a:r>
-            <a:r>
-              <a:rPr lang="en-US" altLang="zh-CN" b="0" dirty="0" smtClean="0">
-                <a:latin typeface="宋体" panose="02010600030101010101" pitchFamily="2" charset="-122"/>
-                <a:cs typeface="+mn-cs"/>
-              </a:rPr>
-              <a:t>cocos2dx</a:t>
-            </a:r>
-            <a:r>
-              <a:rPr lang="zh-CN" altLang="en-US" b="0" dirty="0" smtClean="0">
-                <a:latin typeface="宋体" panose="02010600030101010101" pitchFamily="2" charset="-122"/>
-                <a:cs typeface="+mn-cs"/>
-              </a:rPr>
-              <a:t>，</a:t>
-            </a:r>
-            <a:r>
-              <a:rPr lang="en-US" altLang="zh-CN" b="0" dirty="0" err="1" smtClean="0">
-                <a:latin typeface="宋体" panose="02010600030101010101" pitchFamily="2" charset="-122"/>
-                <a:cs typeface="+mn-cs"/>
-              </a:rPr>
-              <a:t>tolua</a:t>
-            </a:r>
-            <a:r>
-              <a:rPr lang="zh-CN" altLang="en-US" b="0" dirty="0" smtClean="0">
-                <a:latin typeface="宋体" panose="02010600030101010101" pitchFamily="2" charset="-122"/>
-                <a:cs typeface="+mn-cs"/>
-              </a:rPr>
-              <a:t>，</a:t>
-            </a:r>
-            <a:r>
-              <a:rPr lang="en-US" altLang="zh-CN" b="0" dirty="0" smtClean="0">
-                <a:latin typeface="宋体" panose="02010600030101010101" pitchFamily="2" charset="-122"/>
-                <a:cs typeface="+mn-cs"/>
-              </a:rPr>
-              <a:t>Cry3</a:t>
-            </a:r>
-            <a:r>
-              <a:rPr lang="zh-CN" altLang="en-US" b="0" dirty="0" smtClean="0">
-                <a:latin typeface="宋体" panose="02010600030101010101" pitchFamily="2" charset="-122"/>
-                <a:cs typeface="+mn-cs"/>
-              </a:rPr>
-              <a:t>的</a:t>
-            </a:r>
-            <a:r>
-              <a:rPr lang="en-US" altLang="zh-CN" b="0" dirty="0" err="1" smtClean="0">
-                <a:latin typeface="宋体" panose="02010600030101010101" pitchFamily="2" charset="-122"/>
-                <a:cs typeface="+mn-cs"/>
-              </a:rPr>
-              <a:t>lua</a:t>
-            </a:r>
-            <a:r>
-              <a:rPr lang="zh-CN" altLang="en-US" b="0" dirty="0" smtClean="0">
-                <a:latin typeface="宋体" panose="02010600030101010101" pitchFamily="2" charset="-122"/>
-                <a:cs typeface="+mn-cs"/>
-              </a:rPr>
-              <a:t>引擎，对动态语言的使用有更多的经验</a:t>
-            </a:r>
-            <a:endParaRPr lang="en-US" altLang="zh-CN" b="0" dirty="0" smtClean="0">
-              <a:latin typeface="宋体" panose="02010600030101010101" pitchFamily="2" charset="-122"/>
-              <a:cs typeface="+mn-cs"/>
-            </a:endParaRPr>
-          </a:p>
-          <a:p>
-            <a:pPr marL="798513" lvl="2" indent="-261938" eaLnBrk="1" hangingPunct="1">
-              <a:defRPr/>
-            </a:pPr>
-            <a:endParaRPr lang="en-US" altLang="zh-CN" b="0" dirty="0">
-              <a:latin typeface="宋体" panose="02010600030101010101" pitchFamily="2" charset="-122"/>
-              <a:cs typeface="+mn-cs"/>
-            </a:endParaRPr>
-          </a:p>
-          <a:p>
-            <a:pPr marL="798513" lvl="2" indent="-261938" eaLnBrk="1" hangingPunct="1">
-              <a:defRPr/>
-            </a:pPr>
-            <a:r>
-              <a:rPr lang="zh-CN" altLang="en-US" dirty="0" smtClean="0">
-                <a:latin typeface="宋体" panose="02010600030101010101" pitchFamily="2" charset="-122"/>
-                <a:cs typeface="+mn-cs"/>
-              </a:rPr>
-              <a:t>系统设计</a:t>
-            </a:r>
-            <a:r>
-              <a:rPr lang="zh-CN" altLang="en-US" dirty="0">
-                <a:latin typeface="宋体" panose="02010600030101010101" pitchFamily="2" charset="-122"/>
-                <a:cs typeface="+mn-cs"/>
-              </a:rPr>
-              <a:t>能力</a:t>
-            </a:r>
-            <a:r>
-              <a:rPr lang="zh-CN" altLang="en-US" dirty="0" smtClean="0">
-                <a:latin typeface="宋体" panose="02010600030101010101" pitchFamily="2" charset="-122"/>
-                <a:cs typeface="+mn-cs"/>
-              </a:rPr>
-              <a:t>：</a:t>
-            </a:r>
-            <a:r>
-              <a:rPr lang="zh-CN" altLang="en-US" b="0" dirty="0" smtClean="0">
-                <a:latin typeface="宋体" panose="02010600030101010101" pitchFamily="2" charset="-122"/>
-                <a:cs typeface="+mn-cs"/>
-              </a:rPr>
-              <a:t>通过场景物件系统，群体</a:t>
-            </a:r>
-            <a:r>
-              <a:rPr lang="en-US" altLang="zh-CN" b="0" dirty="0" smtClean="0">
-                <a:latin typeface="宋体" panose="02010600030101010101" pitchFamily="2" charset="-122"/>
-                <a:cs typeface="+mn-cs"/>
-              </a:rPr>
-              <a:t>AI</a:t>
-            </a:r>
-            <a:r>
-              <a:rPr lang="zh-CN" altLang="en-US" b="0" dirty="0" smtClean="0">
-                <a:latin typeface="宋体" panose="02010600030101010101" pitchFamily="2" charset="-122"/>
-                <a:cs typeface="+mn-cs"/>
-              </a:rPr>
-              <a:t>系统的开发和迭代优化，在系统层次划分，数据的静态动态处理，功能划分和重用这些基本原则有更深的认识，前后台同步方案以及怪物猎人这类使用引擎的单进程多副本架构有了深入理解</a:t>
-            </a:r>
-            <a:endParaRPr lang="en-US" altLang="zh-CN" b="0" dirty="0">
-              <a:latin typeface="宋体" panose="02010600030101010101" pitchFamily="2" charset="-122"/>
-              <a:cs typeface="+mn-cs"/>
-            </a:endParaRPr>
-          </a:p>
-          <a:p>
-            <a:pPr marL="798513" lvl="2" indent="-261938" eaLnBrk="1" hangingPunct="1">
-              <a:defRPr/>
-            </a:pPr>
-            <a:endParaRPr lang="zh-CN" altLang="en-US" sz="1600" b="0" dirty="0">
-              <a:latin typeface="宋体" panose="02010600030101010101" pitchFamily="2" charset="-122"/>
-              <a:cs typeface="+mn-cs"/>
-            </a:endParaRPr>
-          </a:p>
-          <a:p>
-            <a:pPr eaLnBrk="1" hangingPunct="1">
-              <a:defRPr/>
-            </a:pPr>
-            <a:endParaRPr lang="zh-CN" altLang="en-US" sz="1600" dirty="0" smtClean="0">
-              <a:latin typeface="宋体" panose="02010600030101010101" pitchFamily="2" charset="-122"/>
-            </a:endParaRPr>
-          </a:p>
-          <a:p>
-            <a:pPr eaLnBrk="1" hangingPunct="1">
-              <a:defRPr/>
-            </a:pPr>
-            <a:endParaRPr lang="zh-CN" altLang="en-US" sz="1600" dirty="0" smtClean="0">
-              <a:latin typeface="宋体" panose="02010600030101010101" pitchFamily="2" charset="-122"/>
-            </a:endParaRPr>
-          </a:p>
-          <a:p>
-            <a:pPr eaLnBrk="1" hangingPunct="1">
-              <a:buFontTx/>
-              <a:buNone/>
-              <a:defRPr/>
-            </a:pPr>
-            <a:endParaRPr lang="zh-CN" altLang="en-US" sz="1600" dirty="0" smtClean="0">
-              <a:latin typeface="宋体" panose="02010600030101010101" pitchFamily="2" charset="-122"/>
-            </a:endParaRPr>
-          </a:p>
-        </p:txBody>
-      </p:sp>
+        </p:txBody>
+      </p:sp>
+      <p:pic>
+        <p:nvPicPr>
+          <p:cNvPr id="11266" name="Picture 2"/>
+          <p:cNvPicPr>
+            <a:picLocks noChangeAspect="1" noChangeArrowheads="1"/>
+          </p:cNvPicPr>
+          <p:nvPr/>
+        </p:nvPicPr>
+        <p:blipFill>
+          <a:blip r:embed="rId3"/>
+          <a:srcRect/>
+          <a:stretch>
+            <a:fillRect/>
+          </a:stretch>
+        </p:blipFill>
+        <p:spPr bwMode="auto">
+          <a:xfrm>
+            <a:off x="2143125" y="1371600"/>
+            <a:ext cx="4857750" cy="4114800"/>
+          </a:xfrm>
+          <a:prstGeom prst="rect">
+            <a:avLst/>
+          </a:prstGeom>
+          <a:noFill/>
+          <a:ln w="9525">
+            <a:noFill/>
+            <a:miter lim="800000"/>
+            <a:headEnd/>
+            <a:tailEnd/>
+          </a:ln>
+          <a:effectLst/>
+        </p:spPr>
+      </p:pic>
     </p:spTree>
   </p:cSld>
   <p:clrMapOvr>
@@ -8053,7 +7717,10 @@
           <a:p>
             <a:pPr eaLnBrk="1" hangingPunct="1"/>
             <a:r>
-              <a:rPr lang="zh-CN" altLang="en-US" smtClean="0"/>
+              <a:rPr lang="zh-CN" altLang="en-US" dirty="0" smtClean="0">
+                <a:latin typeface="微软雅黑" pitchFamily="34" charset="-122"/>
+                <a:ea typeface="微软雅黑" pitchFamily="34" charset="-122"/>
+              </a:rPr>
               <a:t>个人经历概述</a:t>
             </a:r>
           </a:p>
@@ -8082,25 +7749,29 @@
             <a:pPr eaLnBrk="1" hangingPunct="1"/>
             <a:r>
               <a:rPr lang="zh-CN" altLang="en-US" sz="2400" dirty="0" smtClean="0">
-                <a:latin typeface="宋体" charset="-122"/>
+                <a:latin typeface="微软雅黑" pitchFamily="34" charset="-122"/>
+                <a:ea typeface="微软雅黑" pitchFamily="34" charset="-122"/>
               </a:rPr>
               <a:t>在怪物猎人个人经历</a:t>
             </a:r>
             <a:endParaRPr lang="en-US" altLang="zh-CN" sz="2400" dirty="0" smtClean="0">
-              <a:latin typeface="宋体" charset="-122"/>
+              <a:latin typeface="微软雅黑" pitchFamily="34" charset="-122"/>
+              <a:ea typeface="微软雅黑" pitchFamily="34" charset="-122"/>
             </a:endParaRPr>
           </a:p>
           <a:p>
             <a:pPr eaLnBrk="1" hangingPunct="1"/>
             <a:r>
               <a:rPr lang="zh-CN" altLang="en-US" sz="2400" dirty="0" smtClean="0">
-                <a:latin typeface="宋体" charset="-122"/>
+                <a:latin typeface="微软雅黑" pitchFamily="34" charset="-122"/>
+                <a:ea typeface="微软雅黑" pitchFamily="34" charset="-122"/>
               </a:rPr>
               <a:t>经历时间：</a:t>
             </a:r>
             <a:r>
               <a:rPr lang="en-US" altLang="zh-CN" sz="2400" b="0" dirty="0" smtClean="0">
-                <a:latin typeface="宋体" charset="-122"/>
+                <a:latin typeface="微软雅黑" pitchFamily="34" charset="-122"/>
+                <a:ea typeface="微软雅黑" pitchFamily="34" charset="-122"/>
               </a:rPr>
               <a:t>2009.7-2014.8</a:t>
             </a:r>
@@ -8109,55 +7780,64 @@
             <a:pPr eaLnBrk="1" hangingPunct="1"/>
             <a:r>
               <a:rPr lang="zh-CN" altLang="en-US" sz="2400" dirty="0" smtClean="0">
-                <a:latin typeface="宋体" charset="-122"/>
+                <a:latin typeface="微软雅黑" pitchFamily="34" charset="-122"/>
+                <a:ea typeface="微软雅黑" pitchFamily="34" charset="-122"/>
               </a:rPr>
               <a:t>经历阶段：</a:t>
             </a:r>
             <a:r>
               <a:rPr lang="zh-CN" altLang="en-US" sz="2400" b="0" dirty="0" smtClean="0">
-                <a:latin typeface="宋体" charset="-122"/>
+                <a:latin typeface="微软雅黑" pitchFamily="34" charset="-122"/>
+                <a:ea typeface="微软雅黑" pitchFamily="34" charset="-122"/>
               </a:rPr>
               <a:t>立项到第三次封闭测试</a:t>
             </a:r>
             <a:endParaRPr lang="en-US" altLang="zh-CN" sz="2400" b="0" dirty="0" smtClean="0">
-              <a:latin typeface="宋体" charset="-122"/>
+              <a:latin typeface="微软雅黑" pitchFamily="34" charset="-122"/>
+              <a:ea typeface="微软雅黑" pitchFamily="34" charset="-122"/>
             </a:endParaRPr>
           </a:p>
           <a:p>
             <a:pPr eaLnBrk="1" hangingPunct="1"/>
             <a:r>
               <a:rPr lang="zh-CN" altLang="en-US" sz="2400" dirty="0" smtClean="0">
-                <a:latin typeface="宋体" charset="-122"/>
+                <a:latin typeface="微软雅黑" pitchFamily="34" charset="-122"/>
+                <a:ea typeface="微软雅黑" pitchFamily="34" charset="-122"/>
               </a:rPr>
               <a:t>工作内容：</a:t>
             </a:r>
             <a:endParaRPr lang="en-US" altLang="zh-CN" sz="2400" dirty="0" smtClean="0">
-              <a:latin typeface="宋体" charset="-122"/>
+              <a:latin typeface="微软雅黑" pitchFamily="34" charset="-122"/>
+              <a:ea typeface="微软雅黑" pitchFamily="34" charset="-122"/>
             </a:endParaRPr>
           </a:p>
           <a:p>
             <a:pPr lvl="1" eaLnBrk="1" hangingPunct="1"/>
             <a:r>
               <a:rPr lang="zh-CN" altLang="en-US" sz="2400" b="0" dirty="0" smtClean="0">
-                <a:latin typeface="宋体" charset="-122"/>
+                <a:latin typeface="微软雅黑" pitchFamily="34" charset="-122"/>
+                <a:ea typeface="微软雅黑" pitchFamily="34" charset="-122"/>
               </a:rPr>
               <a:t>深圳用</a:t>
             </a:r>
             <a:r>
               <a:rPr lang="en-US" altLang="zh-CN" sz="2400" b="0" dirty="0" err="1" smtClean="0">
-                <a:latin typeface="宋体" charset="-122"/>
+                <a:latin typeface="微软雅黑" pitchFamily="34" charset="-122"/>
+                <a:ea typeface="微软雅黑" pitchFamily="34" charset="-122"/>
               </a:rPr>
               <a:t>Scaleform</a:t>
             </a:r>
             <a:r>
               <a:rPr lang="zh-CN" altLang="en-US" sz="2400" b="0" dirty="0" smtClean="0">
-                <a:latin typeface="宋体" charset="-122"/>
+                <a:latin typeface="微软雅黑" pitchFamily="34" charset="-122"/>
+                <a:ea typeface="微软雅黑" pitchFamily="34" charset="-122"/>
               </a:rPr>
               <a:t>搭建怪物猎人的</a:t>
             </a:r>
             <a:r>
               <a:rPr lang="en-US" altLang="zh-CN" sz="2400" b="0" dirty="0" smtClean="0">
-                <a:latin typeface="宋体" charset="-122"/>
+                <a:latin typeface="微软雅黑" pitchFamily="34" charset="-122"/>
+                <a:ea typeface="微软雅黑" pitchFamily="34" charset="-122"/>
               </a:rPr>
               <a:t>UI</a:t>
             </a:r>
@@ -8166,120 +7846,140 @@
             <a:pPr lvl="1" eaLnBrk="1" hangingPunct="1"/>
             <a:r>
               <a:rPr lang="zh-CN" altLang="en-US" sz="2400" b="0" dirty="0" smtClean="0">
-                <a:latin typeface="宋体" charset="-122"/>
+                <a:latin typeface="微软雅黑" pitchFamily="34" charset="-122"/>
+                <a:ea typeface="微软雅黑" pitchFamily="34" charset="-122"/>
               </a:rPr>
               <a:t>上海之后</a:t>
             </a:r>
             <a:r>
               <a:rPr lang="en-US" altLang="zh-CN" sz="2400" b="0" dirty="0" smtClean="0">
-                <a:latin typeface="宋体" charset="-122"/>
+                <a:latin typeface="微软雅黑" pitchFamily="34" charset="-122"/>
+                <a:ea typeface="微软雅黑" pitchFamily="34" charset="-122"/>
               </a:rPr>
               <a:t>evolution</a:t>
             </a:r>
             <a:r>
               <a:rPr lang="zh-CN" altLang="en-US" sz="2400" b="0" dirty="0" smtClean="0">
-                <a:latin typeface="宋体" charset="-122"/>
+                <a:latin typeface="微软雅黑" pitchFamily="34" charset="-122"/>
+                <a:ea typeface="微软雅黑" pitchFamily="34" charset="-122"/>
               </a:rPr>
               <a:t>引擎做过角色</a:t>
             </a:r>
             <a:endParaRPr lang="en-US" altLang="zh-CN" sz="2400" b="0" dirty="0" smtClean="0">
-              <a:latin typeface="宋体" charset="-122"/>
+              <a:latin typeface="微软雅黑" pitchFamily="34" charset="-122"/>
+              <a:ea typeface="微软雅黑" pitchFamily="34" charset="-122"/>
             </a:endParaRPr>
           </a:p>
           <a:p>
             <a:pPr lvl="1" eaLnBrk="1" hangingPunct="1"/>
             <a:r>
               <a:rPr lang="zh-CN" altLang="en-US" sz="2400" b="0" dirty="0" smtClean="0">
-                <a:latin typeface="宋体" charset="-122"/>
+                <a:latin typeface="微软雅黑" pitchFamily="34" charset="-122"/>
+                <a:ea typeface="微软雅黑" pitchFamily="34" charset="-122"/>
               </a:rPr>
               <a:t>怪物猎人使用</a:t>
             </a:r>
             <a:r>
               <a:rPr lang="en-US" altLang="zh-CN" sz="2400" b="0" dirty="0" smtClean="0">
-                <a:latin typeface="宋体" charset="-122"/>
+                <a:latin typeface="微软雅黑" pitchFamily="34" charset="-122"/>
+                <a:ea typeface="微软雅黑" pitchFamily="34" charset="-122"/>
               </a:rPr>
               <a:t>cry3</a:t>
             </a:r>
             <a:r>
               <a:rPr lang="zh-CN" altLang="en-US" sz="2400" b="0" dirty="0" smtClean="0">
-                <a:latin typeface="宋体" charset="-122"/>
+                <a:latin typeface="微软雅黑" pitchFamily="34" charset="-122"/>
+                <a:ea typeface="微软雅黑" pitchFamily="34" charset="-122"/>
               </a:rPr>
               <a:t>后初期做怪物</a:t>
             </a:r>
             <a:r>
               <a:rPr lang="en-US" altLang="zh-CN" sz="2400" b="0" dirty="0" smtClean="0">
-                <a:latin typeface="宋体" charset="-122"/>
+                <a:latin typeface="微软雅黑" pitchFamily="34" charset="-122"/>
+                <a:ea typeface="微软雅黑" pitchFamily="34" charset="-122"/>
               </a:rPr>
               <a:t>AI</a:t>
             </a:r>
             <a:r>
               <a:rPr lang="zh-CN" altLang="en-US" sz="2400" b="0" dirty="0" smtClean="0">
-                <a:latin typeface="宋体" charset="-122"/>
+                <a:latin typeface="微软雅黑" pitchFamily="34" charset="-122"/>
+                <a:ea typeface="微软雅黑" pitchFamily="34" charset="-122"/>
               </a:rPr>
               <a:t>开发</a:t>
             </a:r>
             <a:endParaRPr lang="en-US" altLang="zh-CN" sz="2400" b="0" dirty="0" smtClean="0">
-              <a:latin typeface="宋体" charset="-122"/>
+              <a:latin typeface="微软雅黑" pitchFamily="34" charset="-122"/>
+              <a:ea typeface="微软雅黑" pitchFamily="34" charset="-122"/>
             </a:endParaRPr>
           </a:p>
           <a:p>
             <a:pPr lvl="1" eaLnBrk="1" hangingPunct="1"/>
             <a:r>
               <a:rPr lang="zh-CN" altLang="en-US" sz="2400" b="0" dirty="0" smtClean="0">
-                <a:latin typeface="宋体" charset="-122"/>
+                <a:latin typeface="微软雅黑" pitchFamily="34" charset="-122"/>
+                <a:ea typeface="微软雅黑" pitchFamily="34" charset="-122"/>
               </a:rPr>
               <a:t>怪物猎人场景物件开发流程规范制定，系统搭建和需求实现以及后续优化，同步方案设计和实施</a:t>
             </a:r>
             <a:endParaRPr lang="en-US" altLang="zh-CN" sz="2400" b="0" dirty="0" smtClean="0">
-              <a:latin typeface="宋体" charset="-122"/>
+              <a:latin typeface="微软雅黑" pitchFamily="34" charset="-122"/>
+              <a:ea typeface="微软雅黑" pitchFamily="34" charset="-122"/>
             </a:endParaRPr>
           </a:p>
           <a:p>
             <a:pPr lvl="1" eaLnBrk="1" hangingPunct="1"/>
             <a:r>
               <a:rPr lang="zh-CN" altLang="en-US" sz="2400" b="0" dirty="0" smtClean="0">
-                <a:latin typeface="宋体" charset="-122"/>
+                <a:latin typeface="微软雅黑" pitchFamily="34" charset="-122"/>
+                <a:ea typeface="微软雅黑" pitchFamily="34" charset="-122"/>
               </a:rPr>
               <a:t>怪物特殊玩法实现，特殊移动，与物件的交互等</a:t>
             </a:r>
             <a:endParaRPr lang="en-US" altLang="zh-CN" sz="2400" b="0" dirty="0" smtClean="0">
-              <a:latin typeface="宋体" charset="-122"/>
+              <a:latin typeface="微软雅黑" pitchFamily="34" charset="-122"/>
+              <a:ea typeface="微软雅黑" pitchFamily="34" charset="-122"/>
             </a:endParaRPr>
           </a:p>
           <a:p>
             <a:pPr lvl="1" eaLnBrk="1" hangingPunct="1"/>
             <a:r>
               <a:rPr lang="zh-CN" altLang="en-US" sz="2400" b="0" dirty="0" smtClean="0">
-                <a:latin typeface="宋体" charset="-122"/>
+                <a:latin typeface="微软雅黑" pitchFamily="34" charset="-122"/>
+                <a:ea typeface="微软雅黑" pitchFamily="34" charset="-122"/>
               </a:rPr>
               <a:t>怪物群体</a:t>
             </a:r>
             <a:r>
               <a:rPr lang="en-US" altLang="zh-CN" sz="2400" b="0" dirty="0" smtClean="0">
-                <a:latin typeface="宋体" charset="-122"/>
+                <a:latin typeface="微软雅黑" pitchFamily="34" charset="-122"/>
+                <a:ea typeface="微软雅黑" pitchFamily="34" charset="-122"/>
               </a:rPr>
               <a:t>AI</a:t>
             </a:r>
             <a:r>
               <a:rPr lang="zh-CN" altLang="en-US" sz="2400" b="0" dirty="0" smtClean="0">
-                <a:latin typeface="宋体" charset="-122"/>
+                <a:latin typeface="微软雅黑" pitchFamily="34" charset="-122"/>
+                <a:ea typeface="微软雅黑" pitchFamily="34" charset="-122"/>
               </a:rPr>
               <a:t>系统的设计和实现</a:t>
             </a:r>
             <a:endParaRPr lang="en-US" altLang="zh-CN" sz="2400" b="0" dirty="0" smtClean="0">
-              <a:latin typeface="宋体" charset="-122"/>
+              <a:latin typeface="微软雅黑" pitchFamily="34" charset="-122"/>
+              <a:ea typeface="微软雅黑" pitchFamily="34" charset="-122"/>
             </a:endParaRPr>
           </a:p>
           <a:p>
             <a:pPr lvl="1" eaLnBrk="1" hangingPunct="1"/>
             <a:r>
               <a:rPr lang="zh-CN" altLang="en-US" sz="2400" b="0" dirty="0" smtClean="0">
-                <a:latin typeface="宋体" charset="-122"/>
+                <a:latin typeface="微软雅黑" pitchFamily="34" charset="-122"/>
+                <a:ea typeface="微软雅黑" pitchFamily="34" charset="-122"/>
               </a:rPr>
               <a:t>一些内存优化和系统重构工作</a:t>
             </a:r>
             <a:endParaRPr lang="en-US" altLang="zh-CN" sz="2400" b="0" dirty="0" smtClean="0">
-              <a:latin typeface="宋体" charset="-122"/>
+              <a:latin typeface="微软雅黑" pitchFamily="34" charset="-122"/>
+              <a:ea typeface="微软雅黑" pitchFamily="34" charset="-122"/>
             </a:endParaRPr>
           </a:p>
           <a:p>
@@ -8324,35 +8024,7 @@
       </p:grpSpPr>
       <p:sp>
         <p:nvSpPr>
-          <p:cNvPr id="18434" name="Rectangle 2"/>
-          <p:cNvSpPr>
-            <a:spLocks noGrp="1" noChangeArrowheads="1"/>
-          </p:cNvSpPr>
-          <p:nvPr>
-            <p:ph type="title"/>
-          </p:nvPr>
-        </p:nvSpPr>
-        <p:spPr>
-          <a:xfrm>
-            <a:off x="228600" y="228600"/>
-            <a:ext cx="7391400" cy="838200"/>
-          </a:xfrm>
-        </p:spPr>
-        <p:txBody>
-          <a:bodyPr/>
-          <a:lstStyle/>
-          <a:p>
-            <a:pPr eaLnBrk="1" hangingPunct="1"/>
-            <a:r>
-              <a:rPr lang="zh-CN" altLang="en-US" sz="2800" smtClean="0"/>
-              <a:t>专业领域专长和不足（结合通道能力标准）</a:t>
-            </a:r>
-          </a:p>
-        </p:txBody>
-      </p:sp>
-      <p:sp>
-        <p:nvSpPr>
-          <p:cNvPr id="7171" name="Rectangle 3"/>
+          <p:cNvPr id="10243" name="Rectangle 3"/>
           <p:cNvSpPr>
             <a:spLocks noGrp="1" noChangeArrowheads="1"/>
           </p:cNvSpPr>
@@ -8363,245 +8035,124 @@
         <p:spPr>
           <a:xfrm>
             <a:off x="685800" y="1219200"/>
-            <a:ext cx="7543800" cy="4191000"/>
+            <a:ext cx="8229600" cy="4419600"/>
           </a:xfrm>
         </p:spPr>
         <p:txBody>
           <a:bodyPr/>
           <a:lstStyle/>
           <a:p>
-            <a:pPr eaLnBrk="1" hangingPunct="1">
-              <a:defRPr/>
-            </a:pPr>
+            <a:pPr lvl="1" eaLnBrk="1" hangingPunct="1"/>
             <a:r>
               <a:rPr lang="zh-CN" altLang="en-US" dirty="0" smtClean="0">
-                <a:latin typeface="宋体" panose="02010600030101010101" pitchFamily="2" charset="-122"/>
-              </a:rPr>
-              <a:t>在技术</a:t>
-            </a:r>
-            <a:r>
-              <a:rPr lang="zh-CN" altLang="zh-CN" dirty="0" smtClean="0">
-                <a:latin typeface="宋体" panose="02010600030101010101" pitchFamily="2" charset="-122"/>
-              </a:rPr>
-              <a:t>/业务领域的最突出的几项专长</a:t>
+                <a:latin typeface="宋体" charset="-122"/>
+              </a:rPr>
+              <a:t>植被系统应用</a:t>
             </a:r>
             <a:endParaRPr lang="en-US" altLang="zh-CN" dirty="0" smtClean="0">
-              <a:latin typeface="宋体" panose="02010600030101010101" pitchFamily="2" charset="-122"/>
+              <a:latin typeface="宋体" charset="-122"/>
             </a:endParaRPr>
           </a:p>
           <a:p>
-            <a:pPr marL="798513" lvl="2" indent="-261938" eaLnBrk="1" hangingPunct="1">
-              <a:defRPr/>
-            </a:pPr>
+            <a:pPr lvl="1" eaLnBrk="1" hangingPunct="1"/>
             <a:r>
               <a:rPr lang="zh-CN" altLang="en-US" dirty="0" smtClean="0">
-                <a:latin typeface="宋体" panose="02010600030101010101" pitchFamily="2" charset="-122"/>
-                <a:cs typeface="+mn-cs"/>
-              </a:rPr>
-              <a:t>解决问题</a:t>
-            </a:r>
-            <a:r>
-              <a:rPr lang="zh-CN" altLang="en-US" dirty="0">
-                <a:latin typeface="宋体" panose="02010600030101010101" pitchFamily="2" charset="-122"/>
-                <a:cs typeface="+mn-cs"/>
-              </a:rPr>
-              <a:t>的能力</a:t>
+                <a:latin typeface="宋体" charset="-122"/>
+              </a:rPr>
+              <a:t>植被功能，</a:t>
+            </a:r>
+            <a:r>
+              <a:rPr lang="en-US" altLang="zh-CN" dirty="0" smtClean="0">
+                <a:latin typeface="宋体" charset="-122"/>
+              </a:rPr>
+              <a:t>detail bending </a:t>
             </a:r>
             <a:r>
               <a:rPr lang="zh-CN" altLang="en-US" dirty="0" smtClean="0">
-                <a:latin typeface="宋体" panose="02010600030101010101" pitchFamily="2" charset="-122"/>
-                <a:cs typeface="+mn-cs"/>
-              </a:rPr>
-              <a:t>：</a:t>
-            </a:r>
-            <a:r>
-              <a:rPr lang="zh-CN" altLang="en-US" b="0" dirty="0" smtClean="0">
-                <a:latin typeface="宋体" panose="02010600030101010101" pitchFamily="2" charset="-122"/>
-                <a:cs typeface="+mn-cs"/>
-              </a:rPr>
-              <a:t>一些棘手</a:t>
-            </a:r>
-            <a:r>
-              <a:rPr lang="en-US" altLang="zh-CN" b="0" dirty="0" smtClean="0">
-                <a:latin typeface="宋体" panose="02010600030101010101" pitchFamily="2" charset="-122"/>
-                <a:cs typeface="+mn-cs"/>
-              </a:rPr>
-              <a:t>bug</a:t>
-            </a:r>
-            <a:r>
-              <a:rPr lang="zh-CN" altLang="en-US" b="0" dirty="0" smtClean="0">
-                <a:latin typeface="宋体" panose="02010600030101010101" pitchFamily="2" charset="-122"/>
-                <a:cs typeface="+mn-cs"/>
-              </a:rPr>
-              <a:t>的处理，客户端服务器时间流逝微小差距问题，骨骼绑定的特效轻微摆动问题，引擎的可破坏物件碎片无法显示问题以及后来很多怪物同步</a:t>
-            </a:r>
-            <a:r>
-              <a:rPr lang="en-US" altLang="zh-CN" b="0" dirty="0" smtClean="0">
-                <a:latin typeface="宋体" panose="02010600030101010101" pitchFamily="2" charset="-122"/>
-                <a:cs typeface="+mn-cs"/>
-              </a:rPr>
-              <a:t>bug</a:t>
-            </a:r>
-            <a:r>
-              <a:rPr lang="zh-CN" altLang="en-US" b="0" dirty="0" smtClean="0">
-                <a:latin typeface="宋体" panose="02010600030101010101" pitchFamily="2" charset="-122"/>
-                <a:cs typeface="+mn-cs"/>
-              </a:rPr>
-              <a:t>的修复</a:t>
-            </a:r>
-            <a:endParaRPr lang="en-US" altLang="zh-CN" b="0" dirty="0">
-              <a:latin typeface="宋体" panose="02010600030101010101" pitchFamily="2" charset="-122"/>
-              <a:cs typeface="+mn-cs"/>
+                <a:latin typeface="宋体" charset="-122"/>
+              </a:rPr>
+              <a:t>和</a:t>
+            </a:r>
+            <a:r>
+              <a:rPr lang="en-US" altLang="zh-CN" dirty="0" smtClean="0">
+                <a:latin typeface="宋体" charset="-122"/>
+              </a:rPr>
+              <a:t>touch bending</a:t>
+            </a:r>
+            <a:r>
+              <a:rPr lang="zh-CN" altLang="en-US" dirty="0" smtClean="0">
+                <a:latin typeface="宋体" charset="-122"/>
+              </a:rPr>
+              <a:t>，渲染合并，响应风的影响</a:t>
+            </a:r>
+            <a:endParaRPr lang="en-US" altLang="zh-CN" dirty="0" smtClean="0">
+              <a:latin typeface="宋体" charset="-122"/>
             </a:endParaRPr>
           </a:p>
           <a:p>
-            <a:pPr marL="798513" lvl="2" indent="-261938" eaLnBrk="1" hangingPunct="1">
-              <a:defRPr/>
-            </a:pPr>
-            <a:r>
-              <a:rPr lang="zh-CN" altLang="en-US" dirty="0">
-                <a:latin typeface="宋体" panose="02010600030101010101" pitchFamily="2" charset="-122"/>
-                <a:cs typeface="+mn-cs"/>
-              </a:rPr>
-              <a:t>创新能力</a:t>
-            </a:r>
+            <a:pPr lvl="1" eaLnBrk="1" hangingPunct="1"/>
             <a:r>
               <a:rPr lang="zh-CN" altLang="en-US" dirty="0" smtClean="0">
-                <a:latin typeface="宋体" panose="02010600030101010101" pitchFamily="2" charset="-122"/>
-                <a:cs typeface="+mn-cs"/>
-              </a:rPr>
-              <a:t>：</a:t>
-            </a:r>
-            <a:r>
-              <a:rPr lang="zh-CN" altLang="en-US" b="0" dirty="0" smtClean="0">
-                <a:latin typeface="宋体" panose="02010600030101010101" pitchFamily="2" charset="-122"/>
-                <a:cs typeface="+mn-cs"/>
-              </a:rPr>
-              <a:t>物件系统同步逻辑的优化，对水，植被的扩展</a:t>
-            </a:r>
-            <a:endParaRPr lang="en-US" altLang="zh-CN" b="0" dirty="0">
-              <a:latin typeface="宋体" panose="02010600030101010101" pitchFamily="2" charset="-122"/>
-              <a:cs typeface="+mn-cs"/>
+                <a:latin typeface="宋体" charset="-122"/>
+              </a:rPr>
+              <a:t>解决多包围体导致</a:t>
+            </a:r>
+            <a:r>
+              <a:rPr lang="en-US" altLang="zh-CN" dirty="0" smtClean="0">
+                <a:latin typeface="宋体" charset="-122"/>
+              </a:rPr>
+              <a:t>touch bending</a:t>
+            </a:r>
+            <a:r>
+              <a:rPr lang="zh-CN" altLang="en-US" dirty="0" smtClean="0">
+                <a:latin typeface="宋体" charset="-122"/>
+              </a:rPr>
+              <a:t>异常问题</a:t>
+            </a:r>
+            <a:endParaRPr lang="en-US" altLang="zh-CN" dirty="0" smtClean="0">
+              <a:latin typeface="宋体" charset="-122"/>
             </a:endParaRPr>
           </a:p>
           <a:p>
-            <a:pPr marL="798513" lvl="2" indent="-261938" eaLnBrk="1" hangingPunct="1">
-              <a:defRPr/>
-            </a:pPr>
-            <a:r>
-              <a:rPr lang="zh-CN" altLang="en-US" dirty="0">
-                <a:latin typeface="宋体" panose="02010600030101010101" pitchFamily="2" charset="-122"/>
-                <a:cs typeface="+mn-cs"/>
-              </a:rPr>
-              <a:t>学习能力</a:t>
-            </a:r>
+            <a:pPr lvl="1" eaLnBrk="1" hangingPunct="1"/>
+            <a:endParaRPr lang="en-US" altLang="zh-CN" b="0" dirty="0" smtClean="0">
+              <a:latin typeface="宋体" charset="-122"/>
+            </a:endParaRPr>
+          </a:p>
+          <a:p>
+            <a:pPr lvl="1" eaLnBrk="1" hangingPunct="1"/>
+            <a:endParaRPr lang="en-US" altLang="zh-CN" b="0" dirty="0" smtClean="0">
+              <a:latin typeface="宋体" charset="-122"/>
+            </a:endParaRPr>
+          </a:p>
+        </p:txBody>
+      </p:sp>
+      <p:sp>
+        <p:nvSpPr>
+          <p:cNvPr id="91" name="Rectangle 2"/>
+          <p:cNvSpPr>
+            <a:spLocks noGrp="1" noChangeArrowheads="1"/>
+          </p:cNvSpPr>
+          <p:nvPr>
+            <p:ph type="title"/>
+          </p:nvPr>
+        </p:nvSpPr>
+        <p:spPr/>
+        <p:txBody>
+          <a:bodyPr/>
+          <a:lstStyle/>
+          <a:p>
+            <a:pPr eaLnBrk="1" hangingPunct="1"/>
             <a:r>
               <a:rPr lang="zh-CN" altLang="en-US" dirty="0" smtClean="0">
-                <a:latin typeface="宋体" panose="02010600030101010101" pitchFamily="2" charset="-122"/>
-                <a:cs typeface="+mn-cs"/>
-              </a:rPr>
-              <a:t>：</a:t>
-            </a:r>
-            <a:r>
-              <a:rPr lang="zh-CN" altLang="en-US" b="0" dirty="0" smtClean="0">
-                <a:latin typeface="宋体" panose="02010600030101010101" pitchFamily="2" charset="-122"/>
-                <a:cs typeface="+mn-cs"/>
-              </a:rPr>
-              <a:t>通过工作中的使用和扩展，对</a:t>
-            </a:r>
-            <a:r>
-              <a:rPr lang="en-US" altLang="zh-CN" b="0" dirty="0" err="1" smtClean="0">
-                <a:latin typeface="宋体" panose="02010600030101010101" pitchFamily="2" charset="-122"/>
-                <a:cs typeface="+mn-cs"/>
-              </a:rPr>
-              <a:t>CryEngine</a:t>
-            </a:r>
-            <a:r>
-              <a:rPr lang="zh-CN" altLang="en-US" b="0" dirty="0" smtClean="0">
-                <a:latin typeface="宋体" panose="02010600030101010101" pitchFamily="2" charset="-122"/>
-                <a:cs typeface="+mn-cs"/>
-              </a:rPr>
-              <a:t>的物理和脚本模块，</a:t>
-            </a:r>
-            <a:r>
-              <a:rPr lang="en-US" altLang="zh-CN" b="0" dirty="0" smtClean="0">
-                <a:latin typeface="宋体" panose="02010600030101010101" pitchFamily="2" charset="-122"/>
-                <a:cs typeface="+mn-cs"/>
-              </a:rPr>
-              <a:t>entity</a:t>
-            </a:r>
-            <a:r>
-              <a:rPr lang="zh-CN" altLang="en-US" b="0" dirty="0" smtClean="0">
-                <a:latin typeface="宋体" panose="02010600030101010101" pitchFamily="2" charset="-122"/>
-                <a:cs typeface="+mn-cs"/>
-              </a:rPr>
-              <a:t>系统有深入的了解，将这些知识运用到系统设计中</a:t>
-            </a:r>
-            <a:endParaRPr lang="zh-CN" b="0" dirty="0">
-              <a:latin typeface="宋体" panose="02010600030101010101" pitchFamily="2" charset="-122"/>
-              <a:cs typeface="+mn-cs"/>
-            </a:endParaRPr>
-          </a:p>
-          <a:p>
-            <a:pPr eaLnBrk="1" hangingPunct="1">
-              <a:defRPr/>
-            </a:pPr>
-            <a:r>
-              <a:rPr lang="zh-CN" altLang="en-US" dirty="0">
-                <a:latin typeface="宋体" panose="02010600030101010101" pitchFamily="2" charset="-122"/>
-              </a:rPr>
-              <a:t>待</a:t>
-            </a:r>
-            <a:r>
-              <a:rPr lang="zh-CN" altLang="en-US" dirty="0" smtClean="0">
-                <a:latin typeface="宋体" panose="02010600030101010101" pitchFamily="2" charset="-122"/>
-              </a:rPr>
-              <a:t>提升项</a:t>
-            </a:r>
-            <a:endParaRPr lang="en-US" altLang="zh-CN" dirty="0" smtClean="0">
-              <a:latin typeface="宋体" panose="02010600030101010101" pitchFamily="2" charset="-122"/>
-            </a:endParaRPr>
-          </a:p>
-          <a:p>
-            <a:pPr marL="798513" lvl="2" indent="-261938" eaLnBrk="1" hangingPunct="1">
-              <a:defRPr/>
-            </a:pPr>
-            <a:r>
-              <a:rPr lang="zh-CN" altLang="en-US" b="0" dirty="0" smtClean="0">
-                <a:latin typeface="宋体" panose="02010600030101010101" pitchFamily="2" charset="-122"/>
-                <a:cs typeface="+mn-cs"/>
-              </a:rPr>
-              <a:t>客户端渲染知识有一定研究，但是没有实战的机会</a:t>
-            </a:r>
-            <a:endParaRPr lang="zh-CN" altLang="en-US" b="0" dirty="0">
-              <a:latin typeface="宋体" panose="02010600030101010101" pitchFamily="2" charset="-122"/>
-              <a:cs typeface="+mn-cs"/>
-            </a:endParaRPr>
-          </a:p>
-          <a:p>
-            <a:pPr eaLnBrk="1" hangingPunct="1">
-              <a:defRPr/>
-            </a:pPr>
-            <a:endParaRPr lang="zh-CN" altLang="en-US" sz="1600" dirty="0" smtClean="0">
-              <a:latin typeface="宋体" panose="02010600030101010101" pitchFamily="2" charset="-122"/>
-            </a:endParaRPr>
-          </a:p>
-          <a:p>
-            <a:pPr eaLnBrk="1" hangingPunct="1">
-              <a:defRPr/>
-            </a:pPr>
-            <a:endParaRPr lang="zh-CN" altLang="en-US" sz="1600" dirty="0" smtClean="0">
-              <a:latin typeface="宋体" panose="02010600030101010101" pitchFamily="2" charset="-122"/>
-            </a:endParaRPr>
-          </a:p>
-          <a:p>
-            <a:pPr eaLnBrk="1" hangingPunct="1">
-              <a:buFontTx/>
-              <a:buNone/>
-              <a:defRPr/>
-            </a:pPr>
-            <a:endParaRPr lang="zh-CN" altLang="en-US" sz="1600" dirty="0" smtClean="0">
-              <a:latin typeface="宋体" panose="02010600030101010101" pitchFamily="2" charset="-122"/>
+                <a:latin typeface="微软雅黑" pitchFamily="34" charset="-122"/>
+                <a:ea typeface="微软雅黑" pitchFamily="34" charset="-122"/>
+              </a:rPr>
+              <a:t>场景物件的表现力强化</a:t>
+            </a:r>
+            <a:endParaRPr lang="zh-CN" altLang="en-US" dirty="0" smtClean="0">
+              <a:latin typeface="微软雅黑" pitchFamily="34" charset="-122"/>
+              <a:ea typeface="微软雅黑" pitchFamily="34" charset="-122"/>
             </a:endParaRPr>
           </a:p>
         </p:txBody>
@@ -8640,247 +8191,70 @@
       </p:grpSpPr>
       <p:sp>
         <p:nvSpPr>
-          <p:cNvPr id="19458" name="Rectangle 2"/>
+          <p:cNvPr id="10243" name="Rectangle 3"/>
           <p:cNvSpPr>
             <a:spLocks noGrp="1" noChangeArrowheads="1"/>
           </p:cNvSpPr>
           <p:nvPr>
-            <p:ph type="title"/>
+            <p:ph type="body" idx="1"/>
           </p:nvPr>
         </p:nvSpPr>
         <p:spPr>
           <a:xfrm>
-            <a:off x="304800" y="228600"/>
-            <a:ext cx="6011863" cy="838200"/>
+            <a:off x="685800" y="1219200"/>
+            <a:ext cx="8229600" cy="4419600"/>
           </a:xfrm>
         </p:spPr>
         <p:txBody>
           <a:bodyPr/>
           <a:lstStyle/>
           <a:p>
+            <a:pPr lvl="1" eaLnBrk="1" hangingPunct="1"/>
+            <a:r>
+              <a:rPr lang="zh-CN" altLang="en-US" b="0" dirty="0" smtClean="0">
+                <a:latin typeface="宋体" charset="-122"/>
+              </a:rPr>
+              <a:t>解决前</a:t>
+            </a:r>
+            <a:endParaRPr lang="en-US" altLang="zh-CN" b="0" dirty="0" smtClean="0">
+              <a:latin typeface="宋体" charset="-122"/>
+            </a:endParaRPr>
+          </a:p>
+          <a:p>
+            <a:pPr lvl="1" eaLnBrk="1" hangingPunct="1"/>
+            <a:endParaRPr lang="en-US" altLang="zh-CN" b="0" dirty="0" smtClean="0">
+              <a:latin typeface="宋体" charset="-122"/>
+            </a:endParaRPr>
+          </a:p>
+        </p:txBody>
+      </p:sp>
+      <p:sp>
+        <p:nvSpPr>
+          <p:cNvPr id="91" name="Rectangle 2"/>
+          <p:cNvSpPr>
+            <a:spLocks noGrp="1" noChangeArrowheads="1"/>
+          </p:cNvSpPr>
+          <p:nvPr>
+            <p:ph type="title"/>
+          </p:nvPr>
+        </p:nvSpPr>
+        <p:spPr/>
+        <p:txBody>
+          <a:bodyPr/>
+          <a:lstStyle/>
+          <a:p>
             <a:pPr eaLnBrk="1" hangingPunct="1"/>
             <a:r>
-              <a:rPr lang="zh-CN" altLang="en-US" dirty="0" smtClean="0"/>
-              <a:t>专业影响力和贡献</a:t>
-            </a:r>
-          </a:p>
-        </p:txBody>
-      </p:sp>
-      <p:sp>
-        <p:nvSpPr>
-          <p:cNvPr id="19459" name="Rectangle 3"/>
-          <p:cNvSpPr>
-            <a:spLocks noGrp="1" noChangeArrowheads="1"/>
-          </p:cNvSpPr>
-          <p:nvPr>
-            <p:ph type="body" idx="1"/>
-          </p:nvPr>
-        </p:nvSpPr>
-        <p:spPr>
-          <a:xfrm>
-            <a:off x="609600" y="1295400"/>
-            <a:ext cx="7543800" cy="4419600"/>
-          </a:xfrm>
-        </p:spPr>
-        <p:txBody>
-          <a:bodyPr/>
-          <a:lstStyle/>
-          <a:p>
-            <a:pPr eaLnBrk="1" hangingPunct="1"/>
-            <a:r>
-              <a:rPr lang="zh-CN" altLang="en-US" dirty="0" smtClean="0"/>
-              <a:t>知识的分享与传承</a:t>
-            </a:r>
-            <a:endParaRPr lang="en-US" altLang="zh-CN" dirty="0" smtClean="0"/>
-          </a:p>
-          <a:p>
-            <a:pPr lvl="1" eaLnBrk="1" hangingPunct="1"/>
-            <a:r>
-              <a:rPr lang="zh-CN" altLang="en-US" b="0" dirty="0" smtClean="0"/>
-              <a:t>组内分享原创课程</a:t>
-            </a:r>
-            <a:r>
-              <a:rPr lang="en-US" altLang="zh-CN" b="0" dirty="0" smtClean="0"/>
-              <a:t>《CE</a:t>
-            </a:r>
-            <a:r>
-              <a:rPr lang="zh-CN" altLang="en-US" b="0" dirty="0" smtClean="0"/>
-              <a:t>引擎</a:t>
-            </a:r>
-            <a:r>
-              <a:rPr lang="en-US" altLang="zh-CN" b="0" dirty="0" smtClean="0"/>
-              <a:t>LUA</a:t>
-            </a:r>
-            <a:r>
-              <a:rPr lang="zh-CN" altLang="en-US" b="0" dirty="0" smtClean="0"/>
-              <a:t>封装</a:t>
-            </a:r>
-            <a:r>
-              <a:rPr lang="en-US" altLang="zh-CN" b="0" dirty="0" smtClean="0"/>
-              <a:t>》</a:t>
-            </a:r>
-          </a:p>
-          <a:p>
-            <a:pPr lvl="1" eaLnBrk="1" hangingPunct="1"/>
-            <a:r>
-              <a:rPr lang="zh-CN" altLang="en-US" b="0" dirty="0" smtClean="0"/>
-              <a:t>组内分享场景物件系统的设计</a:t>
-            </a:r>
-            <a:endParaRPr lang="en-US" altLang="zh-CN" b="0" dirty="0" smtClean="0"/>
-          </a:p>
-          <a:p>
-            <a:pPr lvl="1" eaLnBrk="1" hangingPunct="1"/>
-            <a:r>
-              <a:rPr lang="en-US" altLang="zh-CN" b="0" dirty="0" smtClean="0"/>
-              <a:t>KM</a:t>
-            </a:r>
-            <a:r>
-              <a:rPr lang="zh-CN" altLang="en-US" b="0" dirty="0" smtClean="0"/>
-              <a:t>分享</a:t>
-            </a:r>
-            <a:r>
-              <a:rPr lang="en-US" altLang="zh-CN" b="0" dirty="0" smtClean="0"/>
-              <a:t>《</a:t>
-            </a:r>
-            <a:r>
-              <a:rPr lang="en-US" b="0" dirty="0" smtClean="0"/>
-              <a:t> LUA</a:t>
-            </a:r>
-            <a:r>
-              <a:rPr lang="zh-CN" altLang="en-US" b="0" dirty="0" smtClean="0"/>
-              <a:t>中的</a:t>
-            </a:r>
-            <a:r>
-              <a:rPr lang="en-US" b="0" dirty="0" err="1" smtClean="0"/>
-              <a:t>userdata</a:t>
-            </a:r>
-            <a:r>
-              <a:rPr lang="zh-CN" altLang="en-US" b="0" dirty="0" smtClean="0"/>
-              <a:t>的进阶用法</a:t>
-            </a:r>
-            <a:r>
-              <a:rPr lang="en-US" altLang="zh-CN" b="0" dirty="0" smtClean="0"/>
-              <a:t>》</a:t>
-            </a:r>
-            <a:r>
-              <a:rPr lang="zh-CN" altLang="en-US" b="0" dirty="0" smtClean="0"/>
-              <a:t>：</a:t>
-            </a:r>
-            <a:endParaRPr lang="en-US" altLang="zh-CN" b="0" dirty="0" smtClean="0"/>
-          </a:p>
-          <a:p>
-            <a:pPr lvl="1" eaLnBrk="1" hangingPunct="1"/>
-            <a:r>
-              <a:rPr lang="en-US" altLang="zh-CN" b="0" dirty="0" smtClean="0">
-                <a:hlinkClick r:id="rId3"/>
-              </a:rPr>
-              <a:t>http://km.oa.com/group/11892/articles/show/198557</a:t>
-            </a:r>
-            <a:endParaRPr lang="en-US" altLang="zh-CN" b="0" dirty="0" smtClean="0"/>
-          </a:p>
-          <a:p>
-            <a:pPr lvl="1" eaLnBrk="1" hangingPunct="1"/>
-            <a:r>
-              <a:rPr lang="en-US" altLang="zh-CN" b="0" dirty="0" smtClean="0"/>
-              <a:t>KM</a:t>
-            </a:r>
-            <a:r>
-              <a:rPr lang="zh-CN" altLang="en-US" b="0" dirty="0" smtClean="0"/>
-              <a:t>分享</a:t>
-            </a:r>
-            <a:r>
-              <a:rPr lang="en-US" altLang="zh-CN" b="0" dirty="0" smtClean="0"/>
-              <a:t>《</a:t>
-            </a:r>
-            <a:r>
-              <a:rPr lang="en-US" b="0" dirty="0" smtClean="0"/>
-              <a:t>CryEngine3</a:t>
-            </a:r>
-            <a:r>
-              <a:rPr lang="zh-CN" altLang="en-US" b="0" dirty="0" smtClean="0"/>
-              <a:t>的</a:t>
-            </a:r>
-            <a:r>
-              <a:rPr lang="en-US" b="0" dirty="0" smtClean="0"/>
-              <a:t>LUA</a:t>
-            </a:r>
-            <a:r>
-              <a:rPr lang="zh-CN" altLang="en-US" b="0" dirty="0" smtClean="0"/>
-              <a:t>框架分享</a:t>
-            </a:r>
-            <a:r>
-              <a:rPr lang="en-US" altLang="zh-CN" b="0" dirty="0" smtClean="0"/>
-              <a:t>》</a:t>
-            </a:r>
-            <a:r>
-              <a:rPr lang="zh-CN" altLang="en-US" b="0" dirty="0" smtClean="0"/>
-              <a:t>：</a:t>
-            </a:r>
-            <a:endParaRPr lang="en-US" altLang="zh-CN" b="0" dirty="0" smtClean="0"/>
-          </a:p>
-          <a:p>
-            <a:pPr lvl="1" eaLnBrk="1" hangingPunct="1"/>
-            <a:r>
-              <a:rPr lang="en-US" altLang="zh-CN" b="0" dirty="0" smtClean="0">
-                <a:hlinkClick r:id="rId4"/>
-              </a:rPr>
-              <a:t>http://km.oa.com/group/11892/articles/show/193069</a:t>
-            </a:r>
-            <a:endParaRPr lang="en-US" altLang="zh-CN" b="0" dirty="0" smtClean="0"/>
-          </a:p>
-          <a:p>
-            <a:pPr lvl="1" eaLnBrk="1" hangingPunct="1"/>
-            <a:r>
-              <a:rPr lang="en-US" altLang="zh-CN" b="0" dirty="0" smtClean="0"/>
-              <a:t>KM</a:t>
-            </a:r>
-            <a:r>
-              <a:rPr lang="zh-CN" altLang="en-US" b="0" dirty="0" smtClean="0"/>
-              <a:t>分享</a:t>
-            </a:r>
-            <a:r>
-              <a:rPr lang="en-US" altLang="zh-CN" b="0" dirty="0" smtClean="0"/>
-              <a:t>《</a:t>
-            </a:r>
-            <a:r>
-              <a:rPr lang="en-US" b="0" dirty="0" smtClean="0"/>
-              <a:t> LUA</a:t>
-            </a:r>
-            <a:r>
-              <a:rPr lang="zh-CN" altLang="en-US" b="0" dirty="0" smtClean="0"/>
-              <a:t>中注册类的任意成员函数</a:t>
-            </a:r>
-            <a:r>
-              <a:rPr lang="en-US" altLang="zh-CN" b="0" dirty="0" smtClean="0"/>
-              <a:t>》</a:t>
-            </a:r>
-            <a:r>
-              <a:rPr lang="zh-CN" altLang="en-US" b="0" dirty="0" smtClean="0"/>
-              <a:t>：</a:t>
-            </a:r>
-            <a:endParaRPr lang="en-US" altLang="zh-CN" b="0" dirty="0" smtClean="0"/>
-          </a:p>
-          <a:p>
-            <a:pPr lvl="1" eaLnBrk="1" hangingPunct="1"/>
-            <a:r>
-              <a:rPr lang="en-US" altLang="zh-CN" b="0" dirty="0" smtClean="0">
-                <a:hlinkClick r:id="rId5"/>
-              </a:rPr>
-              <a:t>http://km.oa.com/group/11892/articles/show/192023</a:t>
-            </a:r>
-            <a:endParaRPr lang="en-US" altLang="zh-CN" b="0" dirty="0" smtClean="0"/>
-          </a:p>
-          <a:p>
-            <a:pPr lvl="1" eaLnBrk="1" hangingPunct="1"/>
-            <a:endParaRPr lang="en-US" altLang="zh-CN" sz="1600" dirty="0" smtClean="0"/>
-          </a:p>
-          <a:p>
-            <a:pPr lvl="1" eaLnBrk="1" hangingPunct="1"/>
-            <a:endParaRPr lang="en-US" altLang="zh-CN" sz="1600" dirty="0" smtClean="0"/>
-          </a:p>
-          <a:p>
-            <a:pPr lvl="1" eaLnBrk="1" hangingPunct="1"/>
-            <a:endParaRPr lang="en-US" altLang="zh-CN" sz="1600" dirty="0" smtClean="0"/>
+              <a:rPr lang="zh-CN" altLang="en-US" dirty="0" smtClean="0">
+                <a:latin typeface="微软雅黑" pitchFamily="34" charset="-122"/>
+                <a:ea typeface="微软雅黑" pitchFamily="34" charset="-122"/>
+              </a:rPr>
+              <a:t>植被绑定多包围体功能开发</a:t>
+            </a:r>
+            <a:endParaRPr lang="zh-CN" altLang="en-US" dirty="0" smtClean="0">
+              <a:latin typeface="微软雅黑" pitchFamily="34" charset="-122"/>
+              <a:ea typeface="微软雅黑" pitchFamily="34" charset="-122"/>
+            </a:endParaRPr>
           </a:p>
         </p:txBody>
       </p:sp>
@@ -8918,176 +8292,70 @@
       </p:grpSpPr>
       <p:sp>
         <p:nvSpPr>
-          <p:cNvPr id="2" name="标题 1"/>
-          <p:cNvSpPr>
-            <a:spLocks noGrp="1"/>
-          </p:cNvSpPr>
-          <p:nvPr>
-            <p:ph type="title"/>
-          </p:nvPr>
-        </p:nvSpPr>
-        <p:spPr/>
-        <p:txBody>
-          <a:bodyPr/>
-          <a:lstStyle/>
-          <a:p>
-            <a:r>
-              <a:rPr lang="zh-CN" altLang="en-US" dirty="0" smtClean="0"/>
-              <a:t>专业影响力和贡献</a:t>
-            </a:r>
-            <a:endParaRPr lang="zh-CN" altLang="en-US" dirty="0"/>
-          </a:p>
-        </p:txBody>
-      </p:sp>
-      <p:sp>
-        <p:nvSpPr>
-          <p:cNvPr id="3" name="内容占位符 2"/>
-          <p:cNvSpPr>
-            <a:spLocks noGrp="1"/>
-          </p:cNvSpPr>
-          <p:nvPr>
-            <p:ph idx="1"/>
+          <p:cNvPr id="10243" name="Rectangle 3"/>
+          <p:cNvSpPr>
+            <a:spLocks noGrp="1" noChangeArrowheads="1"/>
+          </p:cNvSpPr>
+          <p:nvPr>
+            <p:ph type="body" idx="1"/>
           </p:nvPr>
         </p:nvSpPr>
         <p:spPr>
           <a:xfrm>
-            <a:off x="685800" y="1600200"/>
-            <a:ext cx="7543800" cy="3962400"/>
+            <a:off x="685800" y="1219200"/>
+            <a:ext cx="8229600" cy="4419600"/>
           </a:xfrm>
         </p:spPr>
         <p:txBody>
           <a:bodyPr/>
           <a:lstStyle/>
           <a:p>
+            <a:pPr lvl="1" eaLnBrk="1" hangingPunct="1"/>
+            <a:r>
+              <a:rPr lang="zh-CN" altLang="en-US" b="0" dirty="0" smtClean="0">
+                <a:latin typeface="宋体" charset="-122"/>
+              </a:rPr>
+              <a:t>解决后</a:t>
+            </a:r>
+            <a:endParaRPr lang="en-US" altLang="zh-CN" b="0" dirty="0" smtClean="0">
+              <a:latin typeface="宋体" charset="-122"/>
+            </a:endParaRPr>
+          </a:p>
+          <a:p>
+            <a:pPr lvl="1" eaLnBrk="1" hangingPunct="1"/>
+            <a:endParaRPr lang="en-US" altLang="zh-CN" b="0" dirty="0" smtClean="0">
+              <a:latin typeface="宋体" charset="-122"/>
+            </a:endParaRPr>
+          </a:p>
+        </p:txBody>
+      </p:sp>
+      <p:sp>
+        <p:nvSpPr>
+          <p:cNvPr id="91" name="Rectangle 2"/>
+          <p:cNvSpPr>
+            <a:spLocks noGrp="1" noChangeArrowheads="1"/>
+          </p:cNvSpPr>
+          <p:nvPr>
+            <p:ph type="title"/>
+          </p:nvPr>
+        </p:nvSpPr>
+        <p:spPr/>
+        <p:txBody>
+          <a:bodyPr/>
+          <a:lstStyle/>
+          <a:p>
             <a:pPr eaLnBrk="1" hangingPunct="1"/>
             <a:r>
-              <a:rPr lang="zh-CN" altLang="en-US" dirty="0" smtClean="0"/>
-              <a:t>专业课程的讲授</a:t>
-            </a:r>
-            <a:endParaRPr lang="en-US" altLang="zh-CN" dirty="0" smtClean="0"/>
-          </a:p>
-          <a:p>
-            <a:pPr lvl="1" eaLnBrk="1" hangingPunct="1"/>
-            <a:r>
-              <a:rPr lang="en-US" altLang="zh-CN" b="0" dirty="0" smtClean="0"/>
-              <a:t>BU</a:t>
-            </a:r>
-            <a:r>
-              <a:rPr lang="zh-CN" altLang="en-US" b="0" dirty="0" smtClean="0"/>
-              <a:t>内课程分享场景物件系统的设计</a:t>
-            </a:r>
-            <a:endParaRPr lang="en-US" altLang="zh-CN" b="0" dirty="0" smtClean="0"/>
-          </a:p>
-          <a:p>
-            <a:pPr eaLnBrk="1" hangingPunct="1"/>
-            <a:r>
-              <a:rPr lang="zh-CN" altLang="en-US" dirty="0" smtClean="0"/>
-              <a:t>流程</a:t>
-            </a:r>
-            <a:r>
-              <a:rPr lang="en-US" altLang="zh-CN" dirty="0" smtClean="0"/>
-              <a:t>/</a:t>
-            </a:r>
-            <a:r>
-              <a:rPr lang="zh-CN" altLang="en-US" dirty="0" smtClean="0"/>
-              <a:t>方法</a:t>
-            </a:r>
-            <a:r>
-              <a:rPr lang="en-US" altLang="zh-CN" dirty="0" smtClean="0"/>
-              <a:t>/</a:t>
-            </a:r>
-            <a:r>
-              <a:rPr lang="zh-CN" altLang="en-US" dirty="0" smtClean="0"/>
-              <a:t>工具的优化</a:t>
-            </a:r>
-            <a:endParaRPr lang="en-US" altLang="zh-CN" dirty="0" smtClean="0"/>
-          </a:p>
-          <a:p>
-            <a:pPr lvl="1" eaLnBrk="1" hangingPunct="1"/>
-            <a:r>
-              <a:rPr lang="zh-CN" altLang="en-US" b="0" dirty="0" smtClean="0"/>
-              <a:t>通过物件系统的迭代，组件化提高开发效率，</a:t>
-            </a:r>
-            <a:r>
-              <a:rPr lang="en-US" altLang="zh-CN" b="0" dirty="0" smtClean="0"/>
-              <a:t>archetype</a:t>
-            </a:r>
-            <a:r>
-              <a:rPr lang="zh-CN" altLang="en-US" b="0" dirty="0" smtClean="0"/>
-              <a:t>不断降低迭代成本</a:t>
-            </a:r>
-            <a:r>
-              <a:rPr lang="zh-CN" altLang="en-US" b="0" dirty="0" smtClean="0"/>
-              <a:t>，后期场景</a:t>
-            </a:r>
-            <a:r>
-              <a:rPr lang="zh-CN" altLang="en-US" b="0" dirty="0" smtClean="0"/>
-              <a:t>设计师几乎无返工现象</a:t>
-            </a:r>
-            <a:endParaRPr lang="en-US" altLang="zh-CN" b="0" dirty="0" smtClean="0"/>
-          </a:p>
-          <a:p>
-            <a:pPr lvl="1" eaLnBrk="1" hangingPunct="1"/>
-            <a:r>
-              <a:rPr lang="zh-CN" altLang="en-US" b="0" dirty="0" smtClean="0"/>
-              <a:t>成功将物件系统推广到角色组的</a:t>
-            </a:r>
-            <a:r>
-              <a:rPr lang="en-US" altLang="zh-CN" b="0" dirty="0" smtClean="0"/>
-              <a:t>item</a:t>
-            </a:r>
-            <a:r>
-              <a:rPr lang="zh-CN" altLang="en-US" b="0" dirty="0" smtClean="0"/>
-              <a:t>逻辑的使用</a:t>
-            </a:r>
-            <a:endParaRPr lang="en-US" altLang="zh-CN" b="0" dirty="0" smtClean="0"/>
-          </a:p>
-          <a:p>
-            <a:pPr lvl="1" eaLnBrk="1" hangingPunct="1"/>
-            <a:r>
-              <a:rPr lang="zh-CN" altLang="en-US" b="0" dirty="0" smtClean="0"/>
-              <a:t>数据分为静态动态思路优化了早期封装的动画系统，把静态数据共享，每个副本节约</a:t>
-            </a:r>
-            <a:r>
-              <a:rPr lang="en-US" altLang="zh-CN" b="0" dirty="0" smtClean="0"/>
-              <a:t>30M</a:t>
-            </a:r>
-            <a:r>
-              <a:rPr lang="zh-CN" altLang="en-US" b="0" dirty="0" smtClean="0"/>
-              <a:t>，同时学习了单进程多副本框架</a:t>
-            </a:r>
-            <a:endParaRPr lang="en-US" altLang="zh-CN" b="0" dirty="0" smtClean="0"/>
-          </a:p>
-          <a:p>
-            <a:pPr lvl="1" eaLnBrk="1" hangingPunct="1"/>
-            <a:r>
-              <a:rPr lang="zh-CN" altLang="en-US" b="0" dirty="0" smtClean="0"/>
-              <a:t>逻辑实现分层</a:t>
-            </a:r>
-            <a:r>
-              <a:rPr lang="zh-CN" altLang="en-US" b="0" dirty="0" smtClean="0"/>
-              <a:t>的</a:t>
-            </a:r>
-            <a:r>
-              <a:rPr lang="zh-CN" altLang="en-US" b="0" dirty="0" smtClean="0"/>
-              <a:t>思路</a:t>
-            </a:r>
-            <a:r>
-              <a:rPr lang="zh-CN" altLang="en-US" b="0" dirty="0" smtClean="0"/>
-              <a:t>推动</a:t>
-            </a:r>
-            <a:r>
-              <a:rPr lang="zh-CN" altLang="en-US" b="0" dirty="0" smtClean="0"/>
-              <a:t>怪物的一些系统开发</a:t>
-            </a:r>
-            <a:endParaRPr lang="en-US" altLang="zh-CN" b="0" dirty="0" smtClean="0"/>
-          </a:p>
-          <a:p>
-            <a:pPr lvl="1" eaLnBrk="1" hangingPunct="1"/>
-            <a:endParaRPr lang="en-US" altLang="zh-CN" sz="1200" dirty="0" smtClean="0"/>
-          </a:p>
-          <a:p>
-            <a:endParaRPr lang="zh-CN" altLang="en-US" dirty="0"/>
+              <a:rPr lang="zh-CN" altLang="en-US" dirty="0" smtClean="0">
+                <a:latin typeface="微软雅黑" pitchFamily="34" charset="-122"/>
+                <a:ea typeface="微软雅黑" pitchFamily="34" charset="-122"/>
+              </a:rPr>
+              <a:t>植被绑定多包围体功能开发</a:t>
+            </a:r>
+            <a:endParaRPr lang="zh-CN" altLang="en-US" dirty="0" smtClean="0">
+              <a:latin typeface="微软雅黑" pitchFamily="34" charset="-122"/>
+              <a:ea typeface="微软雅黑" pitchFamily="34" charset="-122"/>
+            </a:endParaRPr>
           </a:p>
         </p:txBody>
       </p:sp>
@@ -9096,6 +8364,13 @@
   <p:clrMapOvr>
     <a:masterClrMapping/>
   </p:clrMapOvr>
+  <p:timing>
+    <p:tnLst>
+      <p:par>
+        <p:cTn id="1" dur="indefinite" restart="never" nodeType="tmRoot"/>
+      </p:par>
+    </p:tnLst>
+  </p:timing>
 </p:sld>
 </file>
 
@@ -9118,6 +8393,981 @@
       </p:grpSpPr>
       <p:sp>
         <p:nvSpPr>
+          <p:cNvPr id="10243" name="Rectangle 3"/>
+          <p:cNvSpPr>
+            <a:spLocks noGrp="1" noChangeArrowheads="1"/>
+          </p:cNvSpPr>
+          <p:nvPr>
+            <p:ph type="body" idx="1"/>
+          </p:nvPr>
+        </p:nvSpPr>
+        <p:spPr>
+          <a:xfrm>
+            <a:off x="685800" y="1219200"/>
+            <a:ext cx="8229600" cy="4419600"/>
+          </a:xfrm>
+        </p:spPr>
+        <p:txBody>
+          <a:bodyPr/>
+          <a:lstStyle/>
+          <a:p>
+            <a:pPr lvl="1" eaLnBrk="1" hangingPunct="1"/>
+            <a:r>
+              <a:rPr lang="zh-CN" altLang="en-US" b="0" dirty="0" smtClean="0">
+                <a:latin typeface="微软雅黑" pitchFamily="34" charset="-122"/>
+                <a:ea typeface="微软雅黑" pitchFamily="34" charset="-122"/>
+              </a:rPr>
+              <a:t>水面升降，植被的燃烧进行单轴缩放</a:t>
+            </a:r>
+            <a:endParaRPr lang="en-US" altLang="zh-CN" b="0" dirty="0" smtClean="0">
+              <a:latin typeface="微软雅黑" pitchFamily="34" charset="-122"/>
+              <a:ea typeface="微软雅黑" pitchFamily="34" charset="-122"/>
+            </a:endParaRPr>
+          </a:p>
+          <a:p>
+            <a:pPr lvl="1" eaLnBrk="1" hangingPunct="1"/>
+            <a:r>
+              <a:rPr lang="zh-CN" altLang="en-US" b="0" dirty="0" smtClean="0">
+                <a:latin typeface="微软雅黑" pitchFamily="34" charset="-122"/>
+                <a:ea typeface="微软雅黑" pitchFamily="34" charset="-122"/>
+              </a:rPr>
+              <a:t>禁止反复物理化</a:t>
+            </a:r>
+            <a:endParaRPr lang="en-US" altLang="zh-CN" b="0" dirty="0" smtClean="0">
+              <a:latin typeface="微软雅黑" pitchFamily="34" charset="-122"/>
+              <a:ea typeface="微软雅黑" pitchFamily="34" charset="-122"/>
+            </a:endParaRPr>
+          </a:p>
+          <a:p>
+            <a:pPr lvl="1" eaLnBrk="1" hangingPunct="1"/>
+            <a:r>
+              <a:rPr lang="zh-CN" altLang="en-US" b="0" dirty="0" smtClean="0">
+                <a:latin typeface="微软雅黑" pitchFamily="34" charset="-122"/>
+                <a:ea typeface="微软雅黑" pitchFamily="34" charset="-122"/>
+              </a:rPr>
+              <a:t>效率和表现的折中</a:t>
+            </a:r>
+            <a:endParaRPr lang="en-US" altLang="zh-CN" b="0" dirty="0" smtClean="0">
+              <a:latin typeface="微软雅黑" pitchFamily="34" charset="-122"/>
+              <a:ea typeface="微软雅黑" pitchFamily="34" charset="-122"/>
+            </a:endParaRPr>
+          </a:p>
+        </p:txBody>
+      </p:sp>
+      <p:sp>
+        <p:nvSpPr>
+          <p:cNvPr id="91" name="Rectangle 2"/>
+          <p:cNvSpPr>
+            <a:spLocks noGrp="1" noChangeArrowheads="1"/>
+          </p:cNvSpPr>
+          <p:nvPr>
+            <p:ph type="title"/>
+          </p:nvPr>
+        </p:nvSpPr>
+        <p:spPr/>
+        <p:txBody>
+          <a:bodyPr/>
+          <a:lstStyle/>
+          <a:p>
+            <a:pPr eaLnBrk="1" hangingPunct="1"/>
+            <a:r>
+              <a:rPr lang="zh-CN" altLang="en-US" dirty="0" smtClean="0">
+                <a:latin typeface="微软雅黑" pitchFamily="34" charset="-122"/>
+                <a:ea typeface="微软雅黑" pitchFamily="34" charset="-122"/>
+              </a:rPr>
+              <a:t>扩展功能优化</a:t>
+            </a:r>
+            <a:endParaRPr lang="zh-CN" altLang="en-US" dirty="0" smtClean="0">
+              <a:latin typeface="微软雅黑" pitchFamily="34" charset="-122"/>
+              <a:ea typeface="微软雅黑" pitchFamily="34" charset="-122"/>
+            </a:endParaRPr>
+          </a:p>
+        </p:txBody>
+      </p:sp>
+    </p:spTree>
+  </p:cSld>
+  <p:clrMapOvr>
+    <a:masterClrMapping/>
+  </p:clrMapOvr>
+  <p:timing>
+    <p:tnLst>
+      <p:par>
+        <p:cTn id="1" dur="indefinite" restart="never" nodeType="tmRoot"/>
+      </p:par>
+    </p:tnLst>
+  </p:timing>
+</p:sld>
+</file>
+
+<file path=ppt/slides/slide24.xml><?xml version="1.0" encoding="utf-8"?>
+<p:sld xmlns:a="http://schemas.openxmlformats.org/drawingml/2006/main" xmlns:r="http://schemas.openxmlformats.org/officeDocument/2006/relationships" xmlns:p="http://schemas.openxmlformats.org/presentationml/2006/main">
+  <p:cSld>
+    <p:spTree>
+      <p:nvGrpSpPr>
+        <p:cNvPr id="1" name=""/>
+        <p:cNvGrpSpPr/>
+        <p:nvPr/>
+      </p:nvGrpSpPr>
+      <p:grpSpPr>
+        <a:xfrm>
+          <a:off x="0" y="0"/>
+          <a:ext cx="0" cy="0"/>
+          <a:chOff x="0" y="0"/>
+          <a:chExt cx="0" cy="0"/>
+        </a:xfrm>
+      </p:grpSpPr>
+      <p:sp>
+        <p:nvSpPr>
+          <p:cNvPr id="10243" name="Rectangle 3"/>
+          <p:cNvSpPr>
+            <a:spLocks noGrp="1" noChangeArrowheads="1"/>
+          </p:cNvSpPr>
+          <p:nvPr>
+            <p:ph type="body" idx="1"/>
+          </p:nvPr>
+        </p:nvSpPr>
+        <p:spPr>
+          <a:xfrm>
+            <a:off x="685800" y="1219200"/>
+            <a:ext cx="8229600" cy="4419600"/>
+          </a:xfrm>
+        </p:spPr>
+        <p:txBody>
+          <a:bodyPr/>
+          <a:lstStyle/>
+          <a:p>
+            <a:pPr lvl="1" eaLnBrk="1" hangingPunct="1"/>
+            <a:r>
+              <a:rPr lang="zh-CN" altLang="en-US" b="0" dirty="0" smtClean="0">
+                <a:latin typeface="宋体" charset="-122"/>
+              </a:rPr>
+              <a:t>顶移动</a:t>
+            </a:r>
+            <a:endParaRPr lang="en-US" altLang="zh-CN" b="0" dirty="0" smtClean="0">
+              <a:latin typeface="宋体" charset="-122"/>
+            </a:endParaRPr>
+          </a:p>
+        </p:txBody>
+      </p:sp>
+      <p:sp>
+        <p:nvSpPr>
+          <p:cNvPr id="91" name="Rectangle 2"/>
+          <p:cNvSpPr>
+            <a:spLocks noGrp="1" noChangeArrowheads="1"/>
+          </p:cNvSpPr>
+          <p:nvPr>
+            <p:ph type="title"/>
+          </p:nvPr>
+        </p:nvSpPr>
+        <p:spPr/>
+        <p:txBody>
+          <a:bodyPr/>
+          <a:lstStyle/>
+          <a:p>
+            <a:pPr eaLnBrk="1" hangingPunct="1"/>
+            <a:r>
+              <a:rPr lang="zh-CN" altLang="en-US" dirty="0" smtClean="0">
+                <a:latin typeface="微软雅黑" pitchFamily="34" charset="-122"/>
+                <a:ea typeface="微软雅黑" pitchFamily="34" charset="-122"/>
+              </a:rPr>
+              <a:t>丰富多样的怪物特殊玩法</a:t>
+            </a:r>
+          </a:p>
+        </p:txBody>
+      </p:sp>
+    </p:spTree>
+  </p:cSld>
+  <p:clrMapOvr>
+    <a:masterClrMapping/>
+  </p:clrMapOvr>
+  <p:timing>
+    <p:tnLst>
+      <p:par>
+        <p:cTn id="1" dur="indefinite" restart="never" nodeType="tmRoot"/>
+      </p:par>
+    </p:tnLst>
+  </p:timing>
+</p:sld>
+</file>
+
+<file path=ppt/slides/slide25.xml><?xml version="1.0" encoding="utf-8"?>
+<p:sld xmlns:a="http://schemas.openxmlformats.org/drawingml/2006/main" xmlns:r="http://schemas.openxmlformats.org/officeDocument/2006/relationships" xmlns:p="http://schemas.openxmlformats.org/presentationml/2006/main">
+  <p:cSld>
+    <p:spTree>
+      <p:nvGrpSpPr>
+        <p:cNvPr id="1" name=""/>
+        <p:cNvGrpSpPr/>
+        <p:nvPr/>
+      </p:nvGrpSpPr>
+      <p:grpSpPr>
+        <a:xfrm>
+          <a:off x="0" y="0"/>
+          <a:ext cx="0" cy="0"/>
+          <a:chOff x="0" y="0"/>
+          <a:chExt cx="0" cy="0"/>
+        </a:xfrm>
+      </p:grpSpPr>
+      <p:sp>
+        <p:nvSpPr>
+          <p:cNvPr id="10243" name="Rectangle 3"/>
+          <p:cNvSpPr>
+            <a:spLocks noGrp="1" noChangeArrowheads="1"/>
+          </p:cNvSpPr>
+          <p:nvPr>
+            <p:ph type="body" idx="1"/>
+          </p:nvPr>
+        </p:nvSpPr>
+        <p:spPr>
+          <a:xfrm>
+            <a:off x="685800" y="1219200"/>
+            <a:ext cx="8229600" cy="4419600"/>
+          </a:xfrm>
+        </p:spPr>
+        <p:txBody>
+          <a:bodyPr/>
+          <a:lstStyle/>
+          <a:p>
+            <a:pPr lvl="1" eaLnBrk="1" hangingPunct="1"/>
+            <a:r>
+              <a:rPr lang="zh-CN" altLang="en-US" b="0" dirty="0" smtClean="0">
+                <a:latin typeface="宋体" charset="-122"/>
+              </a:rPr>
+              <a:t>侧墙移动</a:t>
+            </a:r>
+            <a:endParaRPr lang="en-US" altLang="zh-CN" b="0" dirty="0" smtClean="0">
+              <a:latin typeface="宋体" charset="-122"/>
+            </a:endParaRPr>
+          </a:p>
+        </p:txBody>
+      </p:sp>
+      <p:sp>
+        <p:nvSpPr>
+          <p:cNvPr id="91" name="Rectangle 2"/>
+          <p:cNvSpPr>
+            <a:spLocks noGrp="1" noChangeArrowheads="1"/>
+          </p:cNvSpPr>
+          <p:nvPr>
+            <p:ph type="title"/>
+          </p:nvPr>
+        </p:nvSpPr>
+        <p:spPr/>
+        <p:txBody>
+          <a:bodyPr/>
+          <a:lstStyle/>
+          <a:p>
+            <a:pPr eaLnBrk="1" hangingPunct="1"/>
+            <a:r>
+              <a:rPr lang="zh-CN" altLang="en-US" dirty="0" smtClean="0">
+                <a:latin typeface="微软雅黑" pitchFamily="34" charset="-122"/>
+                <a:ea typeface="微软雅黑" pitchFamily="34" charset="-122"/>
+              </a:rPr>
+              <a:t>丰富多样的怪物特殊玩法</a:t>
+            </a:r>
+          </a:p>
+        </p:txBody>
+      </p:sp>
+    </p:spTree>
+  </p:cSld>
+  <p:clrMapOvr>
+    <a:masterClrMapping/>
+  </p:clrMapOvr>
+  <p:timing>
+    <p:tnLst>
+      <p:par>
+        <p:cTn id="1" dur="indefinite" restart="never" nodeType="tmRoot"/>
+      </p:par>
+    </p:tnLst>
+  </p:timing>
+</p:sld>
+</file>
+
+<file path=ppt/slides/slide26.xml><?xml version="1.0" encoding="utf-8"?>
+<p:sld xmlns:a="http://schemas.openxmlformats.org/drawingml/2006/main" xmlns:r="http://schemas.openxmlformats.org/officeDocument/2006/relationships" xmlns:p="http://schemas.openxmlformats.org/presentationml/2006/main">
+  <p:cSld>
+    <p:spTree>
+      <p:nvGrpSpPr>
+        <p:cNvPr id="1" name=""/>
+        <p:cNvGrpSpPr/>
+        <p:nvPr/>
+      </p:nvGrpSpPr>
+      <p:grpSpPr>
+        <a:xfrm>
+          <a:off x="0" y="0"/>
+          <a:ext cx="0" cy="0"/>
+          <a:chOff x="0" y="0"/>
+          <a:chExt cx="0" cy="0"/>
+        </a:xfrm>
+      </p:grpSpPr>
+      <p:sp>
+        <p:nvSpPr>
+          <p:cNvPr id="18434" name="Rectangle 2"/>
+          <p:cNvSpPr>
+            <a:spLocks noGrp="1" noChangeArrowheads="1"/>
+          </p:cNvSpPr>
+          <p:nvPr>
+            <p:ph type="title"/>
+          </p:nvPr>
+        </p:nvSpPr>
+        <p:spPr>
+          <a:xfrm>
+            <a:off x="228600" y="228600"/>
+            <a:ext cx="7391400" cy="838200"/>
+          </a:xfrm>
+        </p:spPr>
+        <p:txBody>
+          <a:bodyPr/>
+          <a:lstStyle/>
+          <a:p>
+            <a:pPr eaLnBrk="1" hangingPunct="1"/>
+            <a:r>
+              <a:rPr lang="zh-CN" altLang="en-US" sz="2800" smtClean="0"/>
+              <a:t>专业领域专长和不足（结合通道能力标准）</a:t>
+            </a:r>
+          </a:p>
+        </p:txBody>
+      </p:sp>
+      <p:sp>
+        <p:nvSpPr>
+          <p:cNvPr id="7171" name="Rectangle 3"/>
+          <p:cNvSpPr>
+            <a:spLocks noGrp="1" noChangeArrowheads="1"/>
+          </p:cNvSpPr>
+          <p:nvPr>
+            <p:ph type="body" idx="1"/>
+          </p:nvPr>
+        </p:nvSpPr>
+        <p:spPr>
+          <a:xfrm>
+            <a:off x="685800" y="1219200"/>
+            <a:ext cx="7543800" cy="4191000"/>
+          </a:xfrm>
+        </p:spPr>
+        <p:txBody>
+          <a:bodyPr/>
+          <a:lstStyle/>
+          <a:p>
+            <a:pPr eaLnBrk="1" hangingPunct="1">
+              <a:defRPr/>
+            </a:pPr>
+            <a:r>
+              <a:rPr lang="zh-CN" altLang="en-US" dirty="0" smtClean="0">
+                <a:latin typeface="宋体" panose="02010600030101010101" pitchFamily="2" charset="-122"/>
+              </a:rPr>
+              <a:t>在技术</a:t>
+            </a:r>
+            <a:r>
+              <a:rPr lang="zh-CN" altLang="zh-CN" dirty="0" smtClean="0">
+                <a:latin typeface="宋体" panose="02010600030101010101" pitchFamily="2" charset="-122"/>
+              </a:rPr>
+              <a:t>/业务领域的最突出的几项专长</a:t>
+            </a:r>
+            <a:endParaRPr lang="en-US" altLang="zh-CN" dirty="0" smtClean="0">
+              <a:latin typeface="宋体" panose="02010600030101010101" pitchFamily="2" charset="-122"/>
+            </a:endParaRPr>
+          </a:p>
+          <a:p>
+            <a:pPr marL="798513" lvl="2" indent="-261938" eaLnBrk="1" hangingPunct="1">
+              <a:defRPr/>
+            </a:pPr>
+            <a:r>
+              <a:rPr lang="en-US" altLang="zh-CN" dirty="0" smtClean="0">
+                <a:latin typeface="宋体" panose="02010600030101010101" pitchFamily="2" charset="-122"/>
+                <a:cs typeface="+mn-cs"/>
+              </a:rPr>
+              <a:t>C</a:t>
+            </a:r>
+            <a:r>
+              <a:rPr lang="en-US" altLang="zh-CN" dirty="0">
+                <a:latin typeface="宋体" panose="02010600030101010101" pitchFamily="2" charset="-122"/>
+                <a:cs typeface="+mn-cs"/>
+              </a:rPr>
+              <a:t>++</a:t>
+            </a:r>
+            <a:r>
+              <a:rPr lang="zh-CN" altLang="en-US" dirty="0">
+                <a:latin typeface="宋体" panose="02010600030101010101" pitchFamily="2" charset="-122"/>
+                <a:cs typeface="+mn-cs"/>
+              </a:rPr>
+              <a:t>语言，</a:t>
+            </a:r>
+            <a:r>
+              <a:rPr lang="en-US" altLang="zh-CN" dirty="0" err="1">
+                <a:latin typeface="宋体" panose="02010600030101010101" pitchFamily="2" charset="-122"/>
+                <a:cs typeface="+mn-cs"/>
+              </a:rPr>
+              <a:t>Lua</a:t>
+            </a:r>
+            <a:r>
+              <a:rPr lang="zh-CN" altLang="en-US" dirty="0">
+                <a:latin typeface="宋体" panose="02010600030101010101" pitchFamily="2" charset="-122"/>
+                <a:cs typeface="+mn-cs"/>
+              </a:rPr>
+              <a:t>语言知识</a:t>
+            </a:r>
+            <a:r>
+              <a:rPr lang="zh-CN" altLang="en-US" dirty="0" smtClean="0">
+                <a:latin typeface="宋体" panose="02010600030101010101" pitchFamily="2" charset="-122"/>
+                <a:cs typeface="+mn-cs"/>
+              </a:rPr>
+              <a:t>：</a:t>
+            </a:r>
+            <a:r>
+              <a:rPr lang="zh-CN" altLang="en-US" b="0" dirty="0" smtClean="0">
+                <a:latin typeface="宋体" panose="02010600030101010101" pitchFamily="2" charset="-122"/>
+                <a:cs typeface="+mn-cs"/>
+              </a:rPr>
+              <a:t>掌握</a:t>
+            </a:r>
+            <a:r>
+              <a:rPr lang="en-US" altLang="zh-CN" b="0" dirty="0" smtClean="0">
+                <a:latin typeface="宋体" panose="02010600030101010101" pitchFamily="2" charset="-122"/>
+                <a:cs typeface="+mn-cs"/>
+              </a:rPr>
+              <a:t>C++</a:t>
+            </a:r>
+            <a:r>
+              <a:rPr lang="zh-CN" altLang="en-US" b="0" dirty="0" smtClean="0">
+                <a:latin typeface="宋体" panose="02010600030101010101" pitchFamily="2" charset="-122"/>
+                <a:cs typeface="+mn-cs"/>
+              </a:rPr>
+              <a:t>的继承，封装和多态，模版的使用方面知识，深入研究</a:t>
+            </a:r>
+            <a:r>
+              <a:rPr lang="en-US" altLang="zh-CN" b="0" dirty="0" smtClean="0">
+                <a:latin typeface="宋体" panose="02010600030101010101" pitchFamily="2" charset="-122"/>
+                <a:cs typeface="+mn-cs"/>
+              </a:rPr>
+              <a:t>cocos2dx</a:t>
+            </a:r>
+            <a:r>
+              <a:rPr lang="zh-CN" altLang="en-US" b="0" dirty="0" smtClean="0">
+                <a:latin typeface="宋体" panose="02010600030101010101" pitchFamily="2" charset="-122"/>
+                <a:cs typeface="+mn-cs"/>
+              </a:rPr>
+              <a:t>，</a:t>
+            </a:r>
+            <a:r>
+              <a:rPr lang="en-US" altLang="zh-CN" b="0" dirty="0" err="1" smtClean="0">
+                <a:latin typeface="宋体" panose="02010600030101010101" pitchFamily="2" charset="-122"/>
+                <a:cs typeface="+mn-cs"/>
+              </a:rPr>
+              <a:t>tolua</a:t>
+            </a:r>
+            <a:r>
+              <a:rPr lang="zh-CN" altLang="en-US" b="0" dirty="0" smtClean="0">
+                <a:latin typeface="宋体" panose="02010600030101010101" pitchFamily="2" charset="-122"/>
+                <a:cs typeface="+mn-cs"/>
+              </a:rPr>
+              <a:t>，</a:t>
+            </a:r>
+            <a:r>
+              <a:rPr lang="en-US" altLang="zh-CN" b="0" dirty="0" smtClean="0">
+                <a:latin typeface="宋体" panose="02010600030101010101" pitchFamily="2" charset="-122"/>
+                <a:cs typeface="+mn-cs"/>
+              </a:rPr>
+              <a:t>Cry3</a:t>
+            </a:r>
+            <a:r>
+              <a:rPr lang="zh-CN" altLang="en-US" b="0" dirty="0" smtClean="0">
+                <a:latin typeface="宋体" panose="02010600030101010101" pitchFamily="2" charset="-122"/>
+                <a:cs typeface="+mn-cs"/>
+              </a:rPr>
+              <a:t>的</a:t>
+            </a:r>
+            <a:r>
+              <a:rPr lang="en-US" altLang="zh-CN" b="0" dirty="0" err="1" smtClean="0">
+                <a:latin typeface="宋体" panose="02010600030101010101" pitchFamily="2" charset="-122"/>
+                <a:cs typeface="+mn-cs"/>
+              </a:rPr>
+              <a:t>lua</a:t>
+            </a:r>
+            <a:r>
+              <a:rPr lang="zh-CN" altLang="en-US" b="0" dirty="0" smtClean="0">
+                <a:latin typeface="宋体" panose="02010600030101010101" pitchFamily="2" charset="-122"/>
+                <a:cs typeface="+mn-cs"/>
+              </a:rPr>
+              <a:t>引擎，对动态语言的使用有更多的经验</a:t>
+            </a:r>
+            <a:endParaRPr lang="en-US" altLang="zh-CN" b="0" dirty="0" smtClean="0">
+              <a:latin typeface="宋体" panose="02010600030101010101" pitchFamily="2" charset="-122"/>
+              <a:cs typeface="+mn-cs"/>
+            </a:endParaRPr>
+          </a:p>
+          <a:p>
+            <a:pPr marL="798513" lvl="2" indent="-261938" eaLnBrk="1" hangingPunct="1">
+              <a:defRPr/>
+            </a:pPr>
+            <a:endParaRPr lang="en-US" altLang="zh-CN" b="0" dirty="0">
+              <a:latin typeface="宋体" panose="02010600030101010101" pitchFamily="2" charset="-122"/>
+              <a:cs typeface="+mn-cs"/>
+            </a:endParaRPr>
+          </a:p>
+          <a:p>
+            <a:pPr marL="798513" lvl="2" indent="-261938" eaLnBrk="1" hangingPunct="1">
+              <a:defRPr/>
+            </a:pPr>
+            <a:r>
+              <a:rPr lang="zh-CN" altLang="en-US" dirty="0" smtClean="0">
+                <a:latin typeface="宋体" panose="02010600030101010101" pitchFamily="2" charset="-122"/>
+                <a:cs typeface="+mn-cs"/>
+              </a:rPr>
+              <a:t>系统设计</a:t>
+            </a:r>
+            <a:r>
+              <a:rPr lang="zh-CN" altLang="en-US" dirty="0">
+                <a:latin typeface="宋体" panose="02010600030101010101" pitchFamily="2" charset="-122"/>
+                <a:cs typeface="+mn-cs"/>
+              </a:rPr>
+              <a:t>能力</a:t>
+            </a:r>
+            <a:r>
+              <a:rPr lang="zh-CN" altLang="en-US" dirty="0" smtClean="0">
+                <a:latin typeface="宋体" panose="02010600030101010101" pitchFamily="2" charset="-122"/>
+                <a:cs typeface="+mn-cs"/>
+              </a:rPr>
+              <a:t>：</a:t>
+            </a:r>
+            <a:r>
+              <a:rPr lang="zh-CN" altLang="en-US" b="0" dirty="0" smtClean="0">
+                <a:latin typeface="宋体" panose="02010600030101010101" pitchFamily="2" charset="-122"/>
+                <a:cs typeface="+mn-cs"/>
+              </a:rPr>
+              <a:t>通过场景物件系统，群体</a:t>
+            </a:r>
+            <a:r>
+              <a:rPr lang="en-US" altLang="zh-CN" b="0" dirty="0" smtClean="0">
+                <a:latin typeface="宋体" panose="02010600030101010101" pitchFamily="2" charset="-122"/>
+                <a:cs typeface="+mn-cs"/>
+              </a:rPr>
+              <a:t>AI</a:t>
+            </a:r>
+            <a:r>
+              <a:rPr lang="zh-CN" altLang="en-US" b="0" dirty="0" smtClean="0">
+                <a:latin typeface="宋体" panose="02010600030101010101" pitchFamily="2" charset="-122"/>
+                <a:cs typeface="+mn-cs"/>
+              </a:rPr>
+              <a:t>系统的开发和迭代优化，在系统层次划分，数据的静态动态处理，功能划分和重用这些基本原则有更深的认识，前后台同步方案以及怪物猎人这类使用引擎的单进程多副本架构有了深入理解</a:t>
+            </a:r>
+            <a:endParaRPr lang="en-US" altLang="zh-CN" b="0" dirty="0">
+              <a:latin typeface="宋体" panose="02010600030101010101" pitchFamily="2" charset="-122"/>
+              <a:cs typeface="+mn-cs"/>
+            </a:endParaRPr>
+          </a:p>
+          <a:p>
+            <a:pPr marL="798513" lvl="2" indent="-261938" eaLnBrk="1" hangingPunct="1">
+              <a:defRPr/>
+            </a:pPr>
+            <a:endParaRPr lang="zh-CN" altLang="en-US" sz="1600" b="0" dirty="0">
+              <a:latin typeface="宋体" panose="02010600030101010101" pitchFamily="2" charset="-122"/>
+              <a:cs typeface="+mn-cs"/>
+            </a:endParaRPr>
+          </a:p>
+          <a:p>
+            <a:pPr eaLnBrk="1" hangingPunct="1">
+              <a:defRPr/>
+            </a:pPr>
+            <a:endParaRPr lang="zh-CN" altLang="en-US" sz="1600" dirty="0" smtClean="0">
+              <a:latin typeface="宋体" panose="02010600030101010101" pitchFamily="2" charset="-122"/>
+            </a:endParaRPr>
+          </a:p>
+          <a:p>
+            <a:pPr eaLnBrk="1" hangingPunct="1">
+              <a:defRPr/>
+            </a:pPr>
+            <a:endParaRPr lang="zh-CN" altLang="en-US" sz="1600" dirty="0" smtClean="0">
+              <a:latin typeface="宋体" panose="02010600030101010101" pitchFamily="2" charset="-122"/>
+            </a:endParaRPr>
+          </a:p>
+          <a:p>
+            <a:pPr eaLnBrk="1" hangingPunct="1">
+              <a:buFontTx/>
+              <a:buNone/>
+              <a:defRPr/>
+            </a:pPr>
+            <a:endParaRPr lang="zh-CN" altLang="en-US" sz="1600" dirty="0" smtClean="0">
+              <a:latin typeface="宋体" panose="02010600030101010101" pitchFamily="2" charset="-122"/>
+            </a:endParaRPr>
+          </a:p>
+        </p:txBody>
+      </p:sp>
+    </p:spTree>
+  </p:cSld>
+  <p:clrMapOvr>
+    <a:masterClrMapping/>
+  </p:clrMapOvr>
+  <p:timing>
+    <p:tnLst>
+      <p:par>
+        <p:cTn id="1" dur="indefinite" restart="never" nodeType="tmRoot"/>
+      </p:par>
+    </p:tnLst>
+  </p:timing>
+</p:sld>
+</file>
+
+<file path=ppt/slides/slide27.xml><?xml version="1.0" encoding="utf-8"?>
+<p:sld xmlns:a="http://schemas.openxmlformats.org/drawingml/2006/main" xmlns:r="http://schemas.openxmlformats.org/officeDocument/2006/relationships" xmlns:p="http://schemas.openxmlformats.org/presentationml/2006/main">
+  <p:cSld>
+    <p:spTree>
+      <p:nvGrpSpPr>
+        <p:cNvPr id="1" name=""/>
+        <p:cNvGrpSpPr/>
+        <p:nvPr/>
+      </p:nvGrpSpPr>
+      <p:grpSpPr>
+        <a:xfrm>
+          <a:off x="0" y="0"/>
+          <a:ext cx="0" cy="0"/>
+          <a:chOff x="0" y="0"/>
+          <a:chExt cx="0" cy="0"/>
+        </a:xfrm>
+      </p:grpSpPr>
+      <p:sp>
+        <p:nvSpPr>
+          <p:cNvPr id="18434" name="Rectangle 2"/>
+          <p:cNvSpPr>
+            <a:spLocks noGrp="1" noChangeArrowheads="1"/>
+          </p:cNvSpPr>
+          <p:nvPr>
+            <p:ph type="title"/>
+          </p:nvPr>
+        </p:nvSpPr>
+        <p:spPr>
+          <a:xfrm>
+            <a:off x="228600" y="228600"/>
+            <a:ext cx="7391400" cy="838200"/>
+          </a:xfrm>
+        </p:spPr>
+        <p:txBody>
+          <a:bodyPr/>
+          <a:lstStyle/>
+          <a:p>
+            <a:pPr eaLnBrk="1" hangingPunct="1"/>
+            <a:r>
+              <a:rPr lang="zh-CN" altLang="en-US" sz="2800" smtClean="0"/>
+              <a:t>专业领域专长和不足（结合通道能力标准）</a:t>
+            </a:r>
+          </a:p>
+        </p:txBody>
+      </p:sp>
+      <p:sp>
+        <p:nvSpPr>
+          <p:cNvPr id="7171" name="Rectangle 3"/>
+          <p:cNvSpPr>
+            <a:spLocks noGrp="1" noChangeArrowheads="1"/>
+          </p:cNvSpPr>
+          <p:nvPr>
+            <p:ph type="body" idx="1"/>
+          </p:nvPr>
+        </p:nvSpPr>
+        <p:spPr>
+          <a:xfrm>
+            <a:off x="685800" y="1219200"/>
+            <a:ext cx="7543800" cy="4191000"/>
+          </a:xfrm>
+        </p:spPr>
+        <p:txBody>
+          <a:bodyPr/>
+          <a:lstStyle/>
+          <a:p>
+            <a:pPr eaLnBrk="1" hangingPunct="1">
+              <a:defRPr/>
+            </a:pPr>
+            <a:r>
+              <a:rPr lang="zh-CN" altLang="en-US" dirty="0" smtClean="0">
+                <a:latin typeface="宋体" panose="02010600030101010101" pitchFamily="2" charset="-122"/>
+              </a:rPr>
+              <a:t>在技术</a:t>
+            </a:r>
+            <a:r>
+              <a:rPr lang="zh-CN" altLang="zh-CN" dirty="0" smtClean="0">
+                <a:latin typeface="宋体" panose="02010600030101010101" pitchFamily="2" charset="-122"/>
+              </a:rPr>
+              <a:t>/业务领域的最突出的几项专长</a:t>
+            </a:r>
+            <a:endParaRPr lang="en-US" altLang="zh-CN" dirty="0" smtClean="0">
+              <a:latin typeface="宋体" panose="02010600030101010101" pitchFamily="2" charset="-122"/>
+            </a:endParaRPr>
+          </a:p>
+          <a:p>
+            <a:pPr marL="798513" lvl="2" indent="-261938" eaLnBrk="1" hangingPunct="1">
+              <a:defRPr/>
+            </a:pPr>
+            <a:r>
+              <a:rPr lang="zh-CN" altLang="en-US" dirty="0" smtClean="0">
+                <a:latin typeface="宋体" panose="02010600030101010101" pitchFamily="2" charset="-122"/>
+                <a:cs typeface="+mn-cs"/>
+              </a:rPr>
+              <a:t>解决问题</a:t>
+            </a:r>
+            <a:r>
+              <a:rPr lang="zh-CN" altLang="en-US" dirty="0">
+                <a:latin typeface="宋体" panose="02010600030101010101" pitchFamily="2" charset="-122"/>
+                <a:cs typeface="+mn-cs"/>
+              </a:rPr>
+              <a:t>的能力</a:t>
+            </a:r>
+            <a:r>
+              <a:rPr lang="zh-CN" altLang="en-US" dirty="0" smtClean="0">
+                <a:latin typeface="宋体" panose="02010600030101010101" pitchFamily="2" charset="-122"/>
+                <a:cs typeface="+mn-cs"/>
+              </a:rPr>
+              <a:t>：</a:t>
+            </a:r>
+            <a:r>
+              <a:rPr lang="zh-CN" altLang="en-US" b="0" dirty="0" smtClean="0">
+                <a:latin typeface="宋体" panose="02010600030101010101" pitchFamily="2" charset="-122"/>
+                <a:cs typeface="+mn-cs"/>
+              </a:rPr>
+              <a:t>一些棘手</a:t>
+            </a:r>
+            <a:r>
+              <a:rPr lang="en-US" altLang="zh-CN" b="0" dirty="0" smtClean="0">
+                <a:latin typeface="宋体" panose="02010600030101010101" pitchFamily="2" charset="-122"/>
+                <a:cs typeface="+mn-cs"/>
+              </a:rPr>
+              <a:t>bug</a:t>
+            </a:r>
+            <a:r>
+              <a:rPr lang="zh-CN" altLang="en-US" b="0" dirty="0" smtClean="0">
+                <a:latin typeface="宋体" panose="02010600030101010101" pitchFamily="2" charset="-122"/>
+                <a:cs typeface="+mn-cs"/>
+              </a:rPr>
+              <a:t>的处理，客户端服务器时间流逝微小差距问题，骨骼绑定的特效轻微摆动问题，引擎的可破坏物件碎片无法显示问题以及后来很多怪物同步</a:t>
+            </a:r>
+            <a:r>
+              <a:rPr lang="en-US" altLang="zh-CN" b="0" dirty="0" smtClean="0">
+                <a:latin typeface="宋体" panose="02010600030101010101" pitchFamily="2" charset="-122"/>
+                <a:cs typeface="+mn-cs"/>
+              </a:rPr>
+              <a:t>bug</a:t>
+            </a:r>
+            <a:r>
+              <a:rPr lang="zh-CN" altLang="en-US" b="0" dirty="0" smtClean="0">
+                <a:latin typeface="宋体" panose="02010600030101010101" pitchFamily="2" charset="-122"/>
+                <a:cs typeface="+mn-cs"/>
+              </a:rPr>
+              <a:t>的修复</a:t>
+            </a:r>
+            <a:endParaRPr lang="en-US" altLang="zh-CN" b="0" dirty="0">
+              <a:latin typeface="宋体" panose="02010600030101010101" pitchFamily="2" charset="-122"/>
+              <a:cs typeface="+mn-cs"/>
+            </a:endParaRPr>
+          </a:p>
+          <a:p>
+            <a:pPr marL="798513" lvl="2" indent="-261938" eaLnBrk="1" hangingPunct="1">
+              <a:defRPr/>
+            </a:pPr>
+            <a:r>
+              <a:rPr lang="zh-CN" altLang="en-US" dirty="0">
+                <a:latin typeface="宋体" panose="02010600030101010101" pitchFamily="2" charset="-122"/>
+                <a:cs typeface="+mn-cs"/>
+              </a:rPr>
+              <a:t>创新能力</a:t>
+            </a:r>
+            <a:r>
+              <a:rPr lang="zh-CN" altLang="en-US" dirty="0" smtClean="0">
+                <a:latin typeface="宋体" panose="02010600030101010101" pitchFamily="2" charset="-122"/>
+                <a:cs typeface="+mn-cs"/>
+              </a:rPr>
+              <a:t>：</a:t>
+            </a:r>
+            <a:r>
+              <a:rPr lang="zh-CN" altLang="en-US" b="0" dirty="0" smtClean="0">
+                <a:latin typeface="宋体" panose="02010600030101010101" pitchFamily="2" charset="-122"/>
+                <a:cs typeface="+mn-cs"/>
+              </a:rPr>
+              <a:t>物件</a:t>
+            </a:r>
+            <a:r>
+              <a:rPr lang="zh-CN" altLang="en-US" b="0" dirty="0" smtClean="0">
+                <a:latin typeface="宋体" panose="02010600030101010101" pitchFamily="2" charset="-122"/>
+                <a:cs typeface="+mn-cs"/>
+              </a:rPr>
+              <a:t>系统</a:t>
+            </a:r>
+            <a:r>
+              <a:rPr lang="zh-CN" altLang="en-US" b="0" dirty="0" smtClean="0">
+                <a:latin typeface="宋体" panose="02010600030101010101" pitchFamily="2" charset="-122"/>
+                <a:cs typeface="+mn-cs"/>
+              </a:rPr>
+              <a:t>恢复</a:t>
+            </a:r>
+            <a:r>
+              <a:rPr lang="zh-CN" altLang="en-US" b="0" dirty="0" smtClean="0">
+                <a:latin typeface="宋体" panose="02010600030101010101" pitchFamily="2" charset="-122"/>
+                <a:cs typeface="+mn-cs"/>
+              </a:rPr>
+              <a:t>逻辑</a:t>
+            </a:r>
+            <a:r>
+              <a:rPr lang="zh-CN" altLang="en-US" b="0" dirty="0" smtClean="0">
+                <a:latin typeface="宋体" panose="02010600030101010101" pitchFamily="2" charset="-122"/>
+                <a:cs typeface="+mn-cs"/>
+              </a:rPr>
+              <a:t>的优化，对水，植被的扩展</a:t>
+            </a:r>
+            <a:endParaRPr lang="en-US" altLang="zh-CN" b="0" dirty="0">
+              <a:latin typeface="宋体" panose="02010600030101010101" pitchFamily="2" charset="-122"/>
+              <a:cs typeface="+mn-cs"/>
+            </a:endParaRPr>
+          </a:p>
+          <a:p>
+            <a:pPr marL="798513" lvl="2" indent="-261938" eaLnBrk="1" hangingPunct="1">
+              <a:defRPr/>
+            </a:pPr>
+            <a:r>
+              <a:rPr lang="zh-CN" altLang="en-US" dirty="0">
+                <a:latin typeface="宋体" panose="02010600030101010101" pitchFamily="2" charset="-122"/>
+                <a:cs typeface="+mn-cs"/>
+              </a:rPr>
+              <a:t>学习能力</a:t>
+            </a:r>
+            <a:r>
+              <a:rPr lang="zh-CN" altLang="en-US" dirty="0" smtClean="0">
+                <a:latin typeface="宋体" panose="02010600030101010101" pitchFamily="2" charset="-122"/>
+                <a:cs typeface="+mn-cs"/>
+              </a:rPr>
+              <a:t>：</a:t>
+            </a:r>
+            <a:r>
+              <a:rPr lang="zh-CN" altLang="en-US" b="0" dirty="0" smtClean="0">
+                <a:latin typeface="宋体" panose="02010600030101010101" pitchFamily="2" charset="-122"/>
+                <a:cs typeface="+mn-cs"/>
+              </a:rPr>
+              <a:t>通过工作中的使用和扩展，对</a:t>
+            </a:r>
+            <a:r>
+              <a:rPr lang="en-US" altLang="zh-CN" b="0" dirty="0" err="1" smtClean="0">
+                <a:latin typeface="宋体" panose="02010600030101010101" pitchFamily="2" charset="-122"/>
+                <a:cs typeface="+mn-cs"/>
+              </a:rPr>
+              <a:t>CryEngine</a:t>
+            </a:r>
+            <a:r>
+              <a:rPr lang="zh-CN" altLang="en-US" b="0" dirty="0" smtClean="0">
+                <a:latin typeface="宋体" panose="02010600030101010101" pitchFamily="2" charset="-122"/>
+                <a:cs typeface="+mn-cs"/>
+              </a:rPr>
+              <a:t>的物理和脚本模块，</a:t>
+            </a:r>
+            <a:r>
+              <a:rPr lang="en-US" altLang="zh-CN" b="0" dirty="0" smtClean="0">
+                <a:latin typeface="宋体" panose="02010600030101010101" pitchFamily="2" charset="-122"/>
+                <a:cs typeface="+mn-cs"/>
+              </a:rPr>
+              <a:t>entity</a:t>
+            </a:r>
+            <a:r>
+              <a:rPr lang="zh-CN" altLang="en-US" b="0" dirty="0" smtClean="0">
+                <a:latin typeface="宋体" panose="02010600030101010101" pitchFamily="2" charset="-122"/>
+                <a:cs typeface="+mn-cs"/>
+              </a:rPr>
+              <a:t>系统有深入的了解，将这些知识运用到系统设计中</a:t>
+            </a:r>
+            <a:endParaRPr lang="zh-CN" b="0" dirty="0">
+              <a:latin typeface="宋体" panose="02010600030101010101" pitchFamily="2" charset="-122"/>
+              <a:cs typeface="+mn-cs"/>
+            </a:endParaRPr>
+          </a:p>
+          <a:p>
+            <a:pPr eaLnBrk="1" hangingPunct="1">
+              <a:defRPr/>
+            </a:pPr>
+            <a:r>
+              <a:rPr lang="zh-CN" altLang="en-US" dirty="0">
+                <a:latin typeface="宋体" panose="02010600030101010101" pitchFamily="2" charset="-122"/>
+              </a:rPr>
+              <a:t>待</a:t>
+            </a:r>
+            <a:r>
+              <a:rPr lang="zh-CN" altLang="en-US" dirty="0" smtClean="0">
+                <a:latin typeface="宋体" panose="02010600030101010101" pitchFamily="2" charset="-122"/>
+              </a:rPr>
+              <a:t>提升项</a:t>
+            </a:r>
+            <a:endParaRPr lang="en-US" altLang="zh-CN" dirty="0" smtClean="0">
+              <a:latin typeface="宋体" panose="02010600030101010101" pitchFamily="2" charset="-122"/>
+            </a:endParaRPr>
+          </a:p>
+          <a:p>
+            <a:pPr marL="798513" lvl="2" indent="-261938" eaLnBrk="1" hangingPunct="1">
+              <a:defRPr/>
+            </a:pPr>
+            <a:r>
+              <a:rPr lang="zh-CN" altLang="en-US" b="0" dirty="0" smtClean="0">
+                <a:latin typeface="宋体" panose="02010600030101010101" pitchFamily="2" charset="-122"/>
+                <a:cs typeface="+mn-cs"/>
+              </a:rPr>
+              <a:t>客户端渲染知识有一定研究，但是没有实战的机会</a:t>
+            </a:r>
+            <a:endParaRPr lang="zh-CN" altLang="en-US" b="0" dirty="0">
+              <a:latin typeface="宋体" panose="02010600030101010101" pitchFamily="2" charset="-122"/>
+              <a:cs typeface="+mn-cs"/>
+            </a:endParaRPr>
+          </a:p>
+          <a:p>
+            <a:pPr eaLnBrk="1" hangingPunct="1">
+              <a:defRPr/>
+            </a:pPr>
+            <a:endParaRPr lang="zh-CN" altLang="en-US" sz="1600" dirty="0" smtClean="0">
+              <a:latin typeface="宋体" panose="02010600030101010101" pitchFamily="2" charset="-122"/>
+            </a:endParaRPr>
+          </a:p>
+          <a:p>
+            <a:pPr eaLnBrk="1" hangingPunct="1">
+              <a:defRPr/>
+            </a:pPr>
+            <a:endParaRPr lang="zh-CN" altLang="en-US" sz="1600" dirty="0" smtClean="0">
+              <a:latin typeface="宋体" panose="02010600030101010101" pitchFamily="2" charset="-122"/>
+            </a:endParaRPr>
+          </a:p>
+          <a:p>
+            <a:pPr eaLnBrk="1" hangingPunct="1">
+              <a:buFontTx/>
+              <a:buNone/>
+              <a:defRPr/>
+            </a:pPr>
+            <a:endParaRPr lang="zh-CN" altLang="en-US" sz="1600" dirty="0" smtClean="0">
+              <a:latin typeface="宋体" panose="02010600030101010101" pitchFamily="2" charset="-122"/>
+            </a:endParaRPr>
+          </a:p>
+        </p:txBody>
+      </p:sp>
+    </p:spTree>
+  </p:cSld>
+  <p:clrMapOvr>
+    <a:masterClrMapping/>
+  </p:clrMapOvr>
+  <p:timing>
+    <p:tnLst>
+      <p:par>
+        <p:cTn id="1" dur="indefinite" restart="never" nodeType="tmRoot"/>
+      </p:par>
+    </p:tnLst>
+  </p:timing>
+</p:sld>
+</file>
+
+<file path=ppt/slides/slide28.xml><?xml version="1.0" encoding="utf-8"?>
+<p:sld xmlns:a="http://schemas.openxmlformats.org/drawingml/2006/main" xmlns:r="http://schemas.openxmlformats.org/officeDocument/2006/relationships" xmlns:p="http://schemas.openxmlformats.org/presentationml/2006/main">
+  <p:cSld>
+    <p:spTree>
+      <p:nvGrpSpPr>
+        <p:cNvPr id="1" name=""/>
+        <p:cNvGrpSpPr/>
+        <p:nvPr/>
+      </p:nvGrpSpPr>
+      <p:grpSpPr>
+        <a:xfrm>
+          <a:off x="0" y="0"/>
+          <a:ext cx="0" cy="0"/>
+          <a:chOff x="0" y="0"/>
+          <a:chExt cx="0" cy="0"/>
+        </a:xfrm>
+      </p:grpSpPr>
+      <p:sp>
+        <p:nvSpPr>
           <p:cNvPr id="19458" name="Rectangle 2"/>
           <p:cNvSpPr>
             <a:spLocks noGrp="1" noChangeArrowheads="1"/>
@@ -9139,7 +9389,7 @@
             <a:pPr eaLnBrk="1" hangingPunct="1"/>
             <a:r>
               <a:rPr lang="zh-CN" altLang="en-US" dirty="0" smtClean="0"/>
-              <a:t>工作感言</a:t>
+              <a:t>专业影响力和贡献</a:t>
             </a:r>
           </a:p>
         </p:txBody>
@@ -9164,12 +9414,189 @@
           <a:bodyPr/>
           <a:lstStyle/>
           <a:p>
+            <a:pPr eaLnBrk="1" hangingPunct="1"/>
+            <a:r>
+              <a:rPr lang="zh-CN" altLang="en-US" dirty="0" smtClean="0"/>
+              <a:t>知识的分享与传承</a:t>
+            </a:r>
+            <a:endParaRPr lang="en-US" altLang="zh-CN" dirty="0" smtClean="0"/>
+          </a:p>
+          <a:p>
             <a:pPr lvl="1" eaLnBrk="1" hangingPunct="1"/>
             <a:r>
-              <a:rPr lang="zh-CN" altLang="en-US" sz="2400" dirty="0" smtClean="0"/>
-              <a:t>面对工作中的不爽，不要抱怨，不要逃避，那是新的发光点，去试图解决，优化，看似简单工作也能做的出彩</a:t>
-            </a:r>
-            <a:endParaRPr lang="en-US" altLang="zh-CN" sz="2400" dirty="0" smtClean="0"/>
+              <a:rPr lang="zh-CN" altLang="en-US" b="0" dirty="0" smtClean="0"/>
+              <a:t>组内分享原创课程</a:t>
+            </a:r>
+            <a:r>
+              <a:rPr lang="en-US" altLang="zh-CN" b="0" dirty="0" smtClean="0"/>
+              <a:t>《CE</a:t>
+            </a:r>
+            <a:r>
+              <a:rPr lang="zh-CN" altLang="en-US" b="0" dirty="0" smtClean="0"/>
+              <a:t>引擎</a:t>
+            </a:r>
+            <a:r>
+              <a:rPr lang="en-US" altLang="zh-CN" b="0" dirty="0" smtClean="0"/>
+              <a:t>LUA</a:t>
+            </a:r>
+            <a:r>
+              <a:rPr lang="zh-CN" altLang="en-US" b="0" dirty="0" smtClean="0"/>
+              <a:t>封装</a:t>
+            </a:r>
+            <a:r>
+              <a:rPr lang="en-US" altLang="zh-CN" b="0" dirty="0" smtClean="0"/>
+              <a:t>》</a:t>
+            </a:r>
+          </a:p>
+          <a:p>
+            <a:pPr lvl="1" eaLnBrk="1" hangingPunct="1"/>
+            <a:r>
+              <a:rPr lang="zh-CN" altLang="en-US" b="0" dirty="0" smtClean="0"/>
+              <a:t>组内分享场景物件系统的设计</a:t>
+            </a:r>
+            <a:endParaRPr lang="en-US" altLang="zh-CN" b="0" dirty="0" smtClean="0"/>
+          </a:p>
+          <a:p>
+            <a:pPr lvl="1" eaLnBrk="1" hangingPunct="1"/>
+            <a:r>
+              <a:rPr lang="en-US" altLang="zh-CN" b="0" dirty="0" smtClean="0"/>
+              <a:t>KM</a:t>
+            </a:r>
+            <a:r>
+              <a:rPr lang="zh-CN" altLang="en-US" b="0" dirty="0" smtClean="0"/>
+              <a:t>分享</a:t>
+            </a:r>
+            <a:r>
+              <a:rPr lang="en-US" altLang="zh-CN" b="0" dirty="0" smtClean="0"/>
+              <a:t>《</a:t>
+            </a:r>
+            <a:r>
+              <a:rPr lang="en-US" b="0" dirty="0" smtClean="0"/>
+              <a:t> LUA</a:t>
+            </a:r>
+            <a:r>
+              <a:rPr lang="zh-CN" altLang="en-US" b="0" dirty="0" smtClean="0"/>
+              <a:t>中的</a:t>
+            </a:r>
+            <a:r>
+              <a:rPr lang="en-US" b="0" dirty="0" err="1" smtClean="0"/>
+              <a:t>userdata</a:t>
+            </a:r>
+            <a:r>
+              <a:rPr lang="zh-CN" altLang="en-US" b="0" dirty="0" smtClean="0"/>
+              <a:t>的进阶用法</a:t>
+            </a:r>
+            <a:r>
+              <a:rPr lang="en-US" altLang="zh-CN" b="0" dirty="0" smtClean="0"/>
+              <a:t>》</a:t>
+            </a:r>
+            <a:r>
+              <a:rPr lang="zh-CN" altLang="en-US" b="0" dirty="0" smtClean="0"/>
+              <a:t>：</a:t>
+            </a:r>
+            <a:endParaRPr lang="en-US" altLang="zh-CN" b="0" dirty="0" smtClean="0"/>
+          </a:p>
+          <a:p>
+            <a:pPr lvl="1" eaLnBrk="1" hangingPunct="1"/>
+            <a:r>
+              <a:rPr lang="en-US" altLang="zh-CN" b="0" dirty="0" smtClean="0">
+                <a:hlinkClick r:id="rId3"/>
+              </a:rPr>
+              <a:t>http://km.oa.com/group/11892/articles/show/198557</a:t>
+            </a:r>
+            <a:endParaRPr lang="en-US" altLang="zh-CN" b="0" dirty="0" smtClean="0"/>
+          </a:p>
+          <a:p>
+            <a:pPr lvl="1" eaLnBrk="1" hangingPunct="1"/>
+            <a:r>
+              <a:rPr lang="en-US" altLang="zh-CN" b="0" dirty="0" smtClean="0"/>
+              <a:t>KM</a:t>
+            </a:r>
+            <a:r>
+              <a:rPr lang="zh-CN" altLang="en-US" b="0" dirty="0" smtClean="0"/>
+              <a:t>分享</a:t>
+            </a:r>
+            <a:r>
+              <a:rPr lang="en-US" altLang="zh-CN" b="0" dirty="0" smtClean="0"/>
+              <a:t>《</a:t>
+            </a:r>
+            <a:r>
+              <a:rPr lang="en-US" b="0" dirty="0" smtClean="0"/>
+              <a:t>CryEngine3</a:t>
+            </a:r>
+            <a:r>
+              <a:rPr lang="zh-CN" altLang="en-US" b="0" dirty="0" smtClean="0"/>
+              <a:t>的</a:t>
+            </a:r>
+            <a:r>
+              <a:rPr lang="en-US" b="0" dirty="0" smtClean="0"/>
+              <a:t>LUA</a:t>
+            </a:r>
+            <a:r>
+              <a:rPr lang="zh-CN" altLang="en-US" b="0" dirty="0" smtClean="0"/>
+              <a:t>框架分享</a:t>
+            </a:r>
+            <a:r>
+              <a:rPr lang="en-US" altLang="zh-CN" b="0" dirty="0" smtClean="0"/>
+              <a:t>》</a:t>
+            </a:r>
+            <a:r>
+              <a:rPr lang="zh-CN" altLang="en-US" b="0" dirty="0" smtClean="0"/>
+              <a:t>：</a:t>
+            </a:r>
+            <a:endParaRPr lang="en-US" altLang="zh-CN" b="0" dirty="0" smtClean="0"/>
+          </a:p>
+          <a:p>
+            <a:pPr lvl="1" eaLnBrk="1" hangingPunct="1"/>
+            <a:r>
+              <a:rPr lang="en-US" altLang="zh-CN" b="0" dirty="0" smtClean="0">
+                <a:hlinkClick r:id="rId4"/>
+              </a:rPr>
+              <a:t>http://km.oa.com/group/11892/articles/show/193069</a:t>
+            </a:r>
+            <a:endParaRPr lang="en-US" altLang="zh-CN" b="0" dirty="0" smtClean="0"/>
+          </a:p>
+          <a:p>
+            <a:pPr lvl="1" eaLnBrk="1" hangingPunct="1"/>
+            <a:r>
+              <a:rPr lang="en-US" altLang="zh-CN" b="0" dirty="0" smtClean="0"/>
+              <a:t>KM</a:t>
+            </a:r>
+            <a:r>
+              <a:rPr lang="zh-CN" altLang="en-US" b="0" dirty="0" smtClean="0"/>
+              <a:t>分享</a:t>
+            </a:r>
+            <a:r>
+              <a:rPr lang="en-US" altLang="zh-CN" b="0" dirty="0" smtClean="0"/>
+              <a:t>《</a:t>
+            </a:r>
+            <a:r>
+              <a:rPr lang="en-US" b="0" dirty="0" smtClean="0"/>
+              <a:t> LUA</a:t>
+            </a:r>
+            <a:r>
+              <a:rPr lang="zh-CN" altLang="en-US" b="0" dirty="0" smtClean="0"/>
+              <a:t>中注册类的任意成员函数</a:t>
+            </a:r>
+            <a:r>
+              <a:rPr lang="en-US" altLang="zh-CN" b="0" dirty="0" smtClean="0"/>
+              <a:t>》</a:t>
+            </a:r>
+            <a:r>
+              <a:rPr lang="zh-CN" altLang="en-US" b="0" dirty="0" smtClean="0"/>
+              <a:t>：</a:t>
+            </a:r>
+            <a:endParaRPr lang="en-US" altLang="zh-CN" b="0" dirty="0" smtClean="0"/>
+          </a:p>
+          <a:p>
+            <a:pPr lvl="1" eaLnBrk="1" hangingPunct="1"/>
+            <a:r>
+              <a:rPr lang="en-US" altLang="zh-CN" b="0" dirty="0" smtClean="0">
+                <a:hlinkClick r:id="rId5"/>
+              </a:rPr>
+              <a:t>http://km.oa.com/group/11892/articles/show/192023</a:t>
+            </a:r>
+            <a:endParaRPr lang="en-US" altLang="zh-CN" b="0" dirty="0" smtClean="0"/>
           </a:p>
           <a:p>
             <a:pPr lvl="1" eaLnBrk="1" hangingPunct="1"/>
@@ -9182,6 +9609,189 @@
           <a:p>
             <a:pPr lvl="1" eaLnBrk="1" hangingPunct="1"/>
             <a:endParaRPr lang="en-US" altLang="zh-CN" sz="1600" dirty="0" smtClean="0"/>
+          </a:p>
+        </p:txBody>
+      </p:sp>
+    </p:spTree>
+  </p:cSld>
+  <p:clrMapOvr>
+    <a:masterClrMapping/>
+  </p:clrMapOvr>
+  <p:timing>
+    <p:tnLst>
+      <p:par>
+        <p:cTn id="1" dur="indefinite" restart="never" nodeType="tmRoot"/>
+      </p:par>
+    </p:tnLst>
+  </p:timing>
+</p:sld>
+</file>
+
+<file path=ppt/slides/slide29.xml><?xml version="1.0" encoding="utf-8"?>
+<p:sld xmlns:a="http://schemas.openxmlformats.org/drawingml/2006/main" xmlns:r="http://schemas.openxmlformats.org/officeDocument/2006/relationships" xmlns:p="http://schemas.openxmlformats.org/presentationml/2006/main">
+  <p:cSld>
+    <p:spTree>
+      <p:nvGrpSpPr>
+        <p:cNvPr id="1" name=""/>
+        <p:cNvGrpSpPr/>
+        <p:nvPr/>
+      </p:nvGrpSpPr>
+      <p:grpSpPr>
+        <a:xfrm>
+          <a:off x="0" y="0"/>
+          <a:ext cx="0" cy="0"/>
+          <a:chOff x="0" y="0"/>
+          <a:chExt cx="0" cy="0"/>
+        </a:xfrm>
+      </p:grpSpPr>
+      <p:sp>
+        <p:nvSpPr>
+          <p:cNvPr id="2" name="标题 1"/>
+          <p:cNvSpPr>
+            <a:spLocks noGrp="1"/>
+          </p:cNvSpPr>
+          <p:nvPr>
+            <p:ph type="title"/>
+          </p:nvPr>
+        </p:nvSpPr>
+        <p:spPr/>
+        <p:txBody>
+          <a:bodyPr/>
+          <a:lstStyle/>
+          <a:p>
+            <a:r>
+              <a:rPr lang="zh-CN" altLang="en-US" dirty="0" smtClean="0"/>
+              <a:t>专业影响力和贡献</a:t>
+            </a:r>
+            <a:endParaRPr lang="zh-CN" altLang="en-US" dirty="0"/>
+          </a:p>
+        </p:txBody>
+      </p:sp>
+      <p:sp>
+        <p:nvSpPr>
+          <p:cNvPr id="3" name="内容占位符 2"/>
+          <p:cNvSpPr>
+            <a:spLocks noGrp="1"/>
+          </p:cNvSpPr>
+          <p:nvPr>
+            <p:ph idx="1"/>
+          </p:nvPr>
+        </p:nvSpPr>
+        <p:spPr>
+          <a:xfrm>
+            <a:off x="685800" y="1600200"/>
+            <a:ext cx="7543800" cy="3962400"/>
+          </a:xfrm>
+        </p:spPr>
+        <p:txBody>
+          <a:bodyPr/>
+          <a:lstStyle/>
+          <a:p>
+            <a:pPr eaLnBrk="1" hangingPunct="1"/>
+            <a:r>
+              <a:rPr lang="zh-CN" altLang="en-US" dirty="0" smtClean="0"/>
+              <a:t>专业课程的讲授</a:t>
+            </a:r>
+            <a:endParaRPr lang="en-US" altLang="zh-CN" dirty="0" smtClean="0"/>
+          </a:p>
+          <a:p>
+            <a:pPr lvl="1" eaLnBrk="1" hangingPunct="1"/>
+            <a:r>
+              <a:rPr lang="en-US" altLang="zh-CN" b="0" dirty="0" smtClean="0"/>
+              <a:t>BU</a:t>
+            </a:r>
+            <a:r>
+              <a:rPr lang="zh-CN" altLang="en-US" b="0" dirty="0" smtClean="0"/>
+              <a:t>内课程分享场景物件系统的设计</a:t>
+            </a:r>
+            <a:endParaRPr lang="en-US" altLang="zh-CN" b="0" dirty="0" smtClean="0"/>
+          </a:p>
+          <a:p>
+            <a:pPr eaLnBrk="1" hangingPunct="1"/>
+            <a:r>
+              <a:rPr lang="zh-CN" altLang="en-US" dirty="0" smtClean="0"/>
+              <a:t>流程</a:t>
+            </a:r>
+            <a:r>
+              <a:rPr lang="en-US" altLang="zh-CN" dirty="0" smtClean="0"/>
+              <a:t>/</a:t>
+            </a:r>
+            <a:r>
+              <a:rPr lang="zh-CN" altLang="en-US" dirty="0" smtClean="0"/>
+              <a:t>方法</a:t>
+            </a:r>
+            <a:r>
+              <a:rPr lang="en-US" altLang="zh-CN" dirty="0" smtClean="0"/>
+              <a:t>/</a:t>
+            </a:r>
+            <a:r>
+              <a:rPr lang="zh-CN" altLang="en-US" dirty="0" smtClean="0"/>
+              <a:t>工具的优化</a:t>
+            </a:r>
+            <a:endParaRPr lang="en-US" altLang="zh-CN" dirty="0" smtClean="0"/>
+          </a:p>
+          <a:p>
+            <a:pPr lvl="1" eaLnBrk="1" hangingPunct="1"/>
+            <a:r>
+              <a:rPr lang="zh-CN" altLang="en-US" b="0" dirty="0" smtClean="0"/>
+              <a:t>通过物件系统的迭代，组件化提高开发效率，</a:t>
+            </a:r>
+            <a:r>
+              <a:rPr lang="en-US" altLang="zh-CN" b="0" dirty="0" smtClean="0"/>
+              <a:t>archetype</a:t>
+            </a:r>
+            <a:r>
+              <a:rPr lang="zh-CN" altLang="en-US" b="0" dirty="0" smtClean="0"/>
+              <a:t>不断降低迭代成本，后期场景设计师几乎无返工现象</a:t>
+            </a:r>
+            <a:endParaRPr lang="en-US" altLang="zh-CN" b="0" dirty="0" smtClean="0"/>
+          </a:p>
+          <a:p>
+            <a:pPr lvl="1" eaLnBrk="1" hangingPunct="1"/>
+            <a:r>
+              <a:rPr lang="zh-CN" altLang="en-US" b="0" dirty="0" smtClean="0"/>
+              <a:t>成功将物件系统推广到角色组的</a:t>
+            </a:r>
+            <a:r>
+              <a:rPr lang="en-US" altLang="zh-CN" b="0" dirty="0" smtClean="0"/>
+              <a:t>item</a:t>
+            </a:r>
+            <a:r>
+              <a:rPr lang="zh-CN" altLang="en-US" b="0" dirty="0" smtClean="0"/>
+              <a:t>逻辑的使用</a:t>
+            </a:r>
+            <a:endParaRPr lang="en-US" altLang="zh-CN" b="0" dirty="0" smtClean="0"/>
+          </a:p>
+          <a:p>
+            <a:pPr lvl="1" eaLnBrk="1" hangingPunct="1"/>
+            <a:r>
+              <a:rPr lang="zh-CN" altLang="en-US" b="0" dirty="0" smtClean="0"/>
+              <a:t>数据分为静态动态思路优化了早期封装的动画系统，把静态数据共享，每个副本节约</a:t>
+            </a:r>
+            <a:r>
+              <a:rPr lang="en-US" altLang="zh-CN" b="0" dirty="0" smtClean="0"/>
+              <a:t>30M</a:t>
+            </a:r>
+            <a:r>
+              <a:rPr lang="zh-CN" altLang="en-US" b="0" dirty="0" smtClean="0"/>
+              <a:t>，同时学习了单进程多副本框架</a:t>
+            </a:r>
+            <a:endParaRPr lang="en-US" altLang="zh-CN" b="0" dirty="0" smtClean="0"/>
+          </a:p>
+          <a:p>
+            <a:pPr lvl="1" eaLnBrk="1" hangingPunct="1"/>
+            <a:r>
+              <a:rPr lang="zh-CN" altLang="en-US" b="0" dirty="0" smtClean="0"/>
+              <a:t>逻辑实现分层的思路推动怪物的一些系统开发</a:t>
+            </a:r>
+            <a:endParaRPr lang="en-US" altLang="zh-CN" b="0" dirty="0" smtClean="0"/>
+          </a:p>
+          <a:p>
+            <a:pPr lvl="1" eaLnBrk="1" hangingPunct="1"/>
+            <a:endParaRPr lang="en-US" altLang="zh-CN" sz="1200" dirty="0" smtClean="0"/>
+          </a:p>
+          <a:p>
+            <a:endParaRPr lang="zh-CN" altLang="en-US" dirty="0"/>
           </a:p>
         </p:txBody>
       </p:sp>
@@ -9239,9 +9849,23 @@
           <a:p>
             <a:pPr eaLnBrk="1" hangingPunct="1"/>
             <a:r>
-              <a:rPr lang="zh-CN" altLang="en-US" dirty="0" smtClean="0"/>
-              <a:t>灵活功能强大的场景物件系统</a:t>
-            </a:r>
+              <a:rPr lang="zh-CN" altLang="en-US" dirty="0" smtClean="0">
+                <a:latin typeface="微软雅黑" pitchFamily="34" charset="-122"/>
+                <a:ea typeface="微软雅黑" pitchFamily="34" charset="-122"/>
+              </a:rPr>
+              <a:t>灵活</a:t>
+            </a:r>
+            <a:r>
+              <a:rPr lang="zh-CN" altLang="en-US" dirty="0" smtClean="0">
+                <a:latin typeface="微软雅黑" pitchFamily="34" charset="-122"/>
+                <a:ea typeface="微软雅黑" pitchFamily="34" charset="-122"/>
+              </a:rPr>
+              <a:t>的组件模式</a:t>
+            </a:r>
+            <a:endParaRPr lang="zh-CN" altLang="en-US" dirty="0" smtClean="0">
+              <a:latin typeface="微软雅黑" pitchFamily="34" charset="-122"/>
+              <a:ea typeface="微软雅黑" pitchFamily="34" charset="-122"/>
+            </a:endParaRPr>
           </a:p>
         </p:txBody>
       </p:sp>
@@ -9267,28 +9891,33 @@
           <a:p>
             <a:pPr eaLnBrk="1" hangingPunct="1"/>
             <a:r>
-              <a:rPr lang="en-US" altLang="zh-CN" dirty="0" smtClean="0"/>
+              <a:rPr lang="en-US" altLang="zh-CN" dirty="0" smtClean="0">
+                <a:latin typeface="微软雅黑" pitchFamily="34" charset="-122"/>
+                <a:ea typeface="微软雅黑" pitchFamily="34" charset="-122"/>
+              </a:rPr>
               <a:t>Cry3</a:t>
             </a:r>
             <a:r>
-              <a:rPr lang="zh-CN" altLang="en-US" dirty="0" smtClean="0"/>
-              <a:t>的</a:t>
-            </a:r>
-            <a:r>
-              <a:rPr lang="en-US" altLang="zh-CN" dirty="0" smtClean="0"/>
-              <a:t>entity</a:t>
-            </a:r>
-            <a:r>
-              <a:rPr lang="zh-CN" altLang="en-US" dirty="0" smtClean="0"/>
-              <a:t>系统简介</a:t>
-            </a:r>
+              <a:rPr lang="zh-CN" altLang="en-US" dirty="0" smtClean="0">
+                <a:latin typeface="微软雅黑" pitchFamily="34" charset="-122"/>
+                <a:ea typeface="微软雅黑" pitchFamily="34" charset="-122"/>
+              </a:rPr>
+              <a:t>的物件系统</a:t>
+            </a:r>
+            <a:endParaRPr lang="en-US" altLang="zh-CN" dirty="0" smtClean="0">
+              <a:latin typeface="微软雅黑" pitchFamily="34" charset="-122"/>
+              <a:ea typeface="微软雅黑" pitchFamily="34" charset="-122"/>
+            </a:endParaRPr>
+          </a:p>
+          <a:p>
+            <a:pPr eaLnBrk="1" hangingPunct="1"/>
             <a:endParaRPr lang="en-US" altLang="zh-CN" dirty="0" smtClean="0"/>
           </a:p>
         </p:txBody>
       </p:sp>
       <p:pic>
         <p:nvPicPr>
-          <p:cNvPr id="2050" name="Picture 2"/>
+          <p:cNvPr id="1032" name="Picture 8"/>
           <p:cNvPicPr>
             <a:picLocks noChangeAspect="1" noChangeArrowheads="1"/>
           </p:cNvPicPr>
@@ -9303,8 +9932,8 @@
         </p:blipFill>
         <p:spPr bwMode="auto">
           <a:xfrm>
-            <a:off x="1295400" y="1752600"/>
-            <a:ext cx="6445561" cy="4114800"/>
+            <a:off x="2286000" y="1905000"/>
+            <a:ext cx="3962400" cy="4219575"/>
           </a:xfrm>
           <a:prstGeom prst="rect">
             <a:avLst/>
@@ -9319,6 +9948,107 @@
           <a:effectLst/>
         </p:spPr>
       </p:pic>
+    </p:spTree>
+  </p:cSld>
+  <p:clrMapOvr>
+    <a:masterClrMapping/>
+  </p:clrMapOvr>
+  <p:timing>
+    <p:tnLst>
+      <p:par>
+        <p:cTn id="1" dur="indefinite" restart="never" nodeType="tmRoot"/>
+      </p:par>
+    </p:tnLst>
+  </p:timing>
+</p:sld>
+</file>
+
+<file path=ppt/slides/slide30.xml><?xml version="1.0" encoding="utf-8"?>
+<p:sld xmlns:a="http://schemas.openxmlformats.org/drawingml/2006/main" xmlns:r="http://schemas.openxmlformats.org/officeDocument/2006/relationships" xmlns:p="http://schemas.openxmlformats.org/presentationml/2006/main">
+  <p:cSld>
+    <p:spTree>
+      <p:nvGrpSpPr>
+        <p:cNvPr id="1" name=""/>
+        <p:cNvGrpSpPr/>
+        <p:nvPr/>
+      </p:nvGrpSpPr>
+      <p:grpSpPr>
+        <a:xfrm>
+          <a:off x="0" y="0"/>
+          <a:ext cx="0" cy="0"/>
+          <a:chOff x="0" y="0"/>
+          <a:chExt cx="0" cy="0"/>
+        </a:xfrm>
+      </p:grpSpPr>
+      <p:sp>
+        <p:nvSpPr>
+          <p:cNvPr id="19458" name="Rectangle 2"/>
+          <p:cNvSpPr>
+            <a:spLocks noGrp="1" noChangeArrowheads="1"/>
+          </p:cNvSpPr>
+          <p:nvPr>
+            <p:ph type="title"/>
+          </p:nvPr>
+        </p:nvSpPr>
+        <p:spPr>
+          <a:xfrm>
+            <a:off x="304800" y="228600"/>
+            <a:ext cx="6011863" cy="838200"/>
+          </a:xfrm>
+        </p:spPr>
+        <p:txBody>
+          <a:bodyPr/>
+          <a:lstStyle/>
+          <a:p>
+            <a:pPr eaLnBrk="1" hangingPunct="1"/>
+            <a:r>
+              <a:rPr lang="zh-CN" altLang="en-US" dirty="0" smtClean="0"/>
+              <a:t>工作感言</a:t>
+            </a:r>
+          </a:p>
+        </p:txBody>
+      </p:sp>
+      <p:sp>
+        <p:nvSpPr>
+          <p:cNvPr id="19459" name="Rectangle 3"/>
+          <p:cNvSpPr>
+            <a:spLocks noGrp="1" noChangeArrowheads="1"/>
+          </p:cNvSpPr>
+          <p:nvPr>
+            <p:ph type="body" idx="1"/>
+          </p:nvPr>
+        </p:nvSpPr>
+        <p:spPr>
+          <a:xfrm>
+            <a:off x="609600" y="1295400"/>
+            <a:ext cx="7543800" cy="4419600"/>
+          </a:xfrm>
+        </p:spPr>
+        <p:txBody>
+          <a:bodyPr/>
+          <a:lstStyle/>
+          <a:p>
+            <a:pPr lvl="1" eaLnBrk="1" hangingPunct="1"/>
+            <a:r>
+              <a:rPr lang="zh-CN" altLang="en-US" sz="2400" dirty="0" smtClean="0"/>
+              <a:t>面对工作中的不爽，不要抱怨，不要逃避，那是新的发光点，去试图解决，优化，看似简单工作也能做的出彩</a:t>
+            </a:r>
+            <a:endParaRPr lang="en-US" altLang="zh-CN" sz="2400" dirty="0" smtClean="0"/>
+          </a:p>
+          <a:p>
+            <a:pPr lvl="1" eaLnBrk="1" hangingPunct="1"/>
+            <a:endParaRPr lang="en-US" altLang="zh-CN" sz="1600" dirty="0" smtClean="0"/>
+          </a:p>
+          <a:p>
+            <a:pPr lvl="1" eaLnBrk="1" hangingPunct="1"/>
+            <a:endParaRPr lang="en-US" altLang="zh-CN" sz="1600" dirty="0" smtClean="0"/>
+          </a:p>
+          <a:p>
+            <a:pPr lvl="1" eaLnBrk="1" hangingPunct="1"/>
+            <a:endParaRPr lang="en-US" altLang="zh-CN" sz="1600" dirty="0" smtClean="0"/>
+          </a:p>
+        </p:txBody>
+      </p:sp>
     </p:spTree>
   </p:cSld>
   <p:clrMapOvr>
@@ -9373,249 +10103,30 @@
           <a:p>
             <a:pPr eaLnBrk="1" hangingPunct="1"/>
             <a:r>
-              <a:rPr lang="zh-CN" altLang="en-US" dirty="0" smtClean="0"/>
-              <a:t>灵活功能强大的场景物件系统</a:t>
-            </a:r>
-          </a:p>
-        </p:txBody>
-      </p:sp>
-      <p:sp>
-        <p:nvSpPr>
-          <p:cNvPr id="9219" name="Rectangle 3"/>
-          <p:cNvSpPr>
-            <a:spLocks noGrp="1" noChangeArrowheads="1"/>
-          </p:cNvSpPr>
-          <p:nvPr>
-            <p:ph type="body" idx="1"/>
-          </p:nvPr>
-        </p:nvSpPr>
-        <p:spPr>
-          <a:xfrm>
-            <a:off x="685800" y="1219200"/>
-            <a:ext cx="8229600" cy="4953000"/>
-          </a:xfrm>
-        </p:spPr>
-        <p:txBody>
-          <a:bodyPr/>
-          <a:lstStyle/>
-          <a:p>
-            <a:pPr eaLnBrk="1" hangingPunct="1"/>
-            <a:r>
-              <a:rPr lang="en-US" altLang="zh-CN" dirty="0" smtClean="0"/>
+              <a:rPr lang="en-US" altLang="zh-CN" dirty="0" smtClean="0">
+                <a:latin typeface="微软雅黑" pitchFamily="34" charset="-122"/>
+                <a:ea typeface="微软雅黑" pitchFamily="34" charset="-122"/>
+              </a:rPr>
               <a:t>Cry3</a:t>
             </a:r>
             <a:r>
-              <a:rPr lang="zh-CN" altLang="en-US" dirty="0" smtClean="0"/>
-              <a:t>提供的物件系统</a:t>
-            </a:r>
-            <a:endParaRPr lang="en-US" altLang="zh-CN" dirty="0" smtClean="0"/>
-          </a:p>
-          <a:p>
-            <a:pPr eaLnBrk="1" hangingPunct="1"/>
-            <a:r>
-              <a:rPr lang="zh-CN" altLang="en-US" dirty="0" smtClean="0"/>
-              <a:t>用</a:t>
-            </a:r>
-            <a:r>
-              <a:rPr lang="en-US" altLang="zh-CN" dirty="0" smtClean="0"/>
-              <a:t>LUA</a:t>
-            </a:r>
-            <a:r>
-              <a:rPr lang="zh-CN" altLang="en-US" dirty="0" smtClean="0"/>
-              <a:t>来定义</a:t>
-            </a:r>
-            <a:r>
-              <a:rPr lang="en-US" altLang="zh-CN" dirty="0" smtClean="0"/>
-              <a:t>entity</a:t>
-            </a:r>
-            <a:r>
-              <a:rPr lang="zh-CN" altLang="en-US" dirty="0" smtClean="0"/>
-              <a:t>，假设</a:t>
-            </a:r>
-            <a:r>
-              <a:rPr lang="en-US" altLang="zh-CN" dirty="0" smtClean="0"/>
-              <a:t>A.lua</a:t>
-            </a:r>
-          </a:p>
-          <a:p>
-            <a:pPr eaLnBrk="1" hangingPunct="1">
-              <a:buNone/>
-            </a:pPr>
-            <a:r>
-              <a:rPr lang="en-US" altLang="zh-CN" b="0" dirty="0" smtClean="0"/>
-              <a:t>	A = </a:t>
-            </a:r>
-          </a:p>
-          <a:p>
-            <a:pPr eaLnBrk="1" hangingPunct="1">
-              <a:buNone/>
-            </a:pPr>
-            <a:r>
-              <a:rPr lang="en-US" altLang="zh-CN" b="0" dirty="0" smtClean="0"/>
-              <a:t>	{</a:t>
-            </a:r>
-          </a:p>
-          <a:p>
-            <a:pPr lvl="1" eaLnBrk="1" hangingPunct="1">
-              <a:buNone/>
-            </a:pPr>
-            <a:r>
-              <a:rPr lang="en-US" altLang="zh-CN" b="0" dirty="0" smtClean="0"/>
-              <a:t>	Properties = </a:t>
-            </a:r>
-          </a:p>
-          <a:p>
-            <a:pPr lvl="1" eaLnBrk="1" hangingPunct="1">
-              <a:buNone/>
-            </a:pPr>
-            <a:r>
-              <a:rPr lang="en-US" altLang="zh-CN" b="0" dirty="0" smtClean="0"/>
-              <a:t>	{</a:t>
-            </a:r>
-          </a:p>
-          <a:p>
-            <a:pPr lvl="2" eaLnBrk="1" hangingPunct="1">
-              <a:buNone/>
-            </a:pPr>
-            <a:r>
-              <a:rPr lang="en-US" altLang="zh-CN" b="0" dirty="0" smtClean="0"/>
-              <a:t>	Model = “objects/box.cga”,</a:t>
-            </a:r>
-          </a:p>
-          <a:p>
-            <a:pPr lvl="1" eaLnBrk="1" hangingPunct="1">
-              <a:buNone/>
-            </a:pPr>
-            <a:r>
-              <a:rPr lang="en-US" altLang="zh-CN" b="0" dirty="0" smtClean="0"/>
-              <a:t>	},</a:t>
-            </a:r>
-          </a:p>
-          <a:p>
-            <a:pPr eaLnBrk="1" hangingPunct="1">
-              <a:buNone/>
-            </a:pPr>
-            <a:r>
-              <a:rPr lang="en-US" altLang="zh-CN" b="0" dirty="0" smtClean="0"/>
-              <a:t>	}</a:t>
-            </a:r>
-          </a:p>
-          <a:p>
-            <a:pPr eaLnBrk="1" hangingPunct="1">
-              <a:buNone/>
-            </a:pPr>
-            <a:r>
-              <a:rPr lang="en-US" altLang="zh-CN" b="0" dirty="0" smtClean="0"/>
-              <a:t>	function A:OnSpawn()</a:t>
-            </a:r>
-          </a:p>
-          <a:p>
-            <a:pPr eaLnBrk="1" hangingPunct="1">
-              <a:buNone/>
-            </a:pPr>
-            <a:r>
-              <a:rPr lang="en-US" altLang="zh-CN" b="0" dirty="0" smtClean="0"/>
-              <a:t>		…</a:t>
-            </a:r>
-          </a:p>
-          <a:p>
-            <a:pPr eaLnBrk="1" hangingPunct="1">
-              <a:buNone/>
-            </a:pPr>
-            <a:r>
-              <a:rPr lang="en-US" altLang="zh-CN" b="0" dirty="0" smtClean="0"/>
-              <a:t>	end </a:t>
-            </a:r>
-          </a:p>
-          <a:p>
-            <a:pPr eaLnBrk="1" hangingPunct="1">
-              <a:buNone/>
-            </a:pPr>
-            <a:r>
-              <a:rPr lang="en-US" altLang="zh-CN" b="0" dirty="0" smtClean="0"/>
-              <a:t>	</a:t>
-            </a:r>
-            <a:r>
-              <a:rPr lang="en-US" altLang="zh-CN" b="0" dirty="0" err="1" smtClean="0"/>
-              <a:t>RegisterFactory</a:t>
-            </a:r>
-            <a:r>
-              <a:rPr lang="en-US" altLang="zh-CN" b="0" dirty="0" smtClean="0"/>
-              <a:t>(“</a:t>
-            </a:r>
-            <a:r>
-              <a:rPr lang="en-US" altLang="zh-CN" b="0" dirty="0" err="1" smtClean="0"/>
-              <a:t>A”,&amp;ClassACreator</a:t>
-            </a:r>
-            <a:r>
-              <a:rPr lang="en-US" altLang="zh-CN" b="0" dirty="0" smtClean="0"/>
-              <a:t>);     //C++</a:t>
-            </a:r>
-            <a:r>
-              <a:rPr lang="zh-CN" altLang="en-US" b="0" dirty="0" smtClean="0"/>
-              <a:t>中调用</a:t>
-            </a:r>
-            <a:endParaRPr lang="en-US" altLang="zh-CN" b="0" dirty="0" smtClean="0"/>
-          </a:p>
-        </p:txBody>
-      </p:sp>
-    </p:spTree>
-  </p:cSld>
-  <p:clrMapOvr>
-    <a:masterClrMapping/>
-  </p:clrMapOvr>
-  <p:timing>
-    <p:tnLst>
-      <p:par>
-        <p:cTn id="1" dur="indefinite" restart="never" nodeType="tmRoot"/>
-      </p:par>
-    </p:tnLst>
-  </p:timing>
-</p:sld>
-</file>
-
-<file path=ppt/slides/slide5.xml><?xml version="1.0" encoding="utf-8"?>
-<p:sld xmlns:a="http://schemas.openxmlformats.org/drawingml/2006/main" xmlns:r="http://schemas.openxmlformats.org/officeDocument/2006/relationships" xmlns:p="http://schemas.openxmlformats.org/presentationml/2006/main">
-  <p:cSld>
-    <p:spTree>
-      <p:nvGrpSpPr>
-        <p:cNvPr id="1" name=""/>
-        <p:cNvGrpSpPr/>
-        <p:nvPr/>
-      </p:nvGrpSpPr>
-      <p:grpSpPr>
-        <a:xfrm>
-          <a:off x="0" y="0"/>
-          <a:ext cx="0" cy="0"/>
-          <a:chOff x="0" y="0"/>
-          <a:chExt cx="0" cy="0"/>
-        </a:xfrm>
-      </p:grpSpPr>
-      <p:sp>
-        <p:nvSpPr>
-          <p:cNvPr id="9218" name="Rectangle 2"/>
-          <p:cNvSpPr>
-            <a:spLocks noGrp="1" noChangeArrowheads="1"/>
-          </p:cNvSpPr>
-          <p:nvPr>
-            <p:ph type="title"/>
-          </p:nvPr>
-        </p:nvSpPr>
-        <p:spPr>
-          <a:xfrm>
-            <a:off x="228600" y="228600"/>
-            <a:ext cx="6011863" cy="838200"/>
-          </a:xfrm>
-        </p:spPr>
-        <p:txBody>
-          <a:bodyPr/>
-          <a:lstStyle/>
-          <a:p>
-            <a:pPr eaLnBrk="1" hangingPunct="1"/>
-            <a:r>
-              <a:rPr lang="zh-CN" altLang="en-US" dirty="0" smtClean="0"/>
-              <a:t>灵活功能强大的场景物件系统</a:t>
-            </a:r>
+              <a:rPr lang="zh-CN" altLang="en-US" dirty="0" smtClean="0">
+                <a:latin typeface="微软雅黑" pitchFamily="34" charset="-122"/>
+                <a:ea typeface="微软雅黑" pitchFamily="34" charset="-122"/>
+              </a:rPr>
+              <a:t>的</a:t>
+            </a:r>
+            <a:r>
+              <a:rPr lang="en-US" altLang="zh-CN" dirty="0" smtClean="0">
+                <a:latin typeface="微软雅黑" pitchFamily="34" charset="-122"/>
+                <a:ea typeface="微软雅黑" pitchFamily="34" charset="-122"/>
+              </a:rPr>
+              <a:t>Flow Graph</a:t>
+            </a:r>
+            <a:endParaRPr lang="zh-CN" altLang="en-US" dirty="0" smtClean="0">
+              <a:latin typeface="微软雅黑" pitchFamily="34" charset="-122"/>
+              <a:ea typeface="微软雅黑" pitchFamily="34" charset="-122"/>
+            </a:endParaRPr>
           </a:p>
         </p:txBody>
       </p:sp>
@@ -9641,490 +10152,23 @@
           <a:p>
             <a:pPr eaLnBrk="1" hangingPunct="1"/>
             <a:r>
-              <a:rPr lang="en-US" altLang="zh-CN" dirty="0" smtClean="0"/>
-              <a:t>Cry3</a:t>
-            </a:r>
-            <a:r>
-              <a:rPr lang="zh-CN" altLang="en-US" dirty="0" smtClean="0"/>
-              <a:t>提供的物件系统</a:t>
-            </a:r>
-            <a:endParaRPr lang="en-US" altLang="zh-CN" dirty="0" smtClean="0"/>
-          </a:p>
-          <a:p>
-            <a:pPr lvl="1" eaLnBrk="1" hangingPunct="1"/>
-            <a:r>
-              <a:rPr lang="zh-CN" altLang="en-US" sz="2400" b="0" dirty="0" smtClean="0"/>
-              <a:t>每个物件功能单一，与</a:t>
-            </a:r>
-            <a:r>
-              <a:rPr lang="en-US" altLang="zh-CN" sz="2400" b="0" dirty="0" smtClean="0"/>
-              <a:t>C++</a:t>
-            </a:r>
-            <a:r>
-              <a:rPr lang="zh-CN" altLang="en-US" sz="2400" b="0" dirty="0" smtClean="0"/>
-              <a:t>的对象唯一对应，</a:t>
-            </a:r>
-            <a:r>
-              <a:rPr lang="en-US" altLang="zh-CN" sz="2400" b="0" dirty="0" smtClean="0"/>
-              <a:t>game factory</a:t>
-            </a:r>
-            <a:r>
-              <a:rPr lang="zh-CN" altLang="en-US" sz="2400" b="0" dirty="0" smtClean="0"/>
-              <a:t>的</a:t>
-            </a:r>
-            <a:r>
-              <a:rPr lang="en-US" altLang="zh-CN" sz="2400" b="0" dirty="0" smtClean="0"/>
-              <a:t>key</a:t>
-            </a:r>
-            <a:r>
-              <a:rPr lang="zh-CN" altLang="en-US" sz="2400" b="0" dirty="0" smtClean="0"/>
-              <a:t>与</a:t>
-            </a:r>
-            <a:r>
-              <a:rPr lang="en-US" altLang="zh-CN" sz="2400" b="0" dirty="0" smtClean="0"/>
-              <a:t>LUA</a:t>
-            </a:r>
-            <a:r>
-              <a:rPr lang="zh-CN" altLang="en-US" sz="2400" b="0" dirty="0" smtClean="0"/>
-              <a:t>文件名</a:t>
-            </a:r>
-            <a:endParaRPr lang="en-US" altLang="zh-CN" sz="2400" b="0" dirty="0" smtClean="0"/>
-          </a:p>
-          <a:p>
-            <a:pPr lvl="1" eaLnBrk="1" hangingPunct="1"/>
-            <a:r>
-              <a:rPr lang="en-US" altLang="zh-CN" sz="2400" b="0" dirty="0" smtClean="0"/>
-              <a:t>Flow graph</a:t>
-            </a:r>
-            <a:r>
-              <a:rPr lang="zh-CN" altLang="en-US" sz="2400" b="0" dirty="0" smtClean="0"/>
-              <a:t>用来把各个物件串起来</a:t>
-            </a:r>
-            <a:endParaRPr lang="en-US" altLang="zh-CN" sz="2400" b="0" dirty="0" smtClean="0"/>
-          </a:p>
-          <a:p>
-            <a:pPr lvl="1" eaLnBrk="1" hangingPunct="1"/>
-            <a:r>
-              <a:rPr lang="zh-CN" altLang="en-US" sz="2400" b="0" dirty="0" smtClean="0"/>
-              <a:t>无同步和恢复逻辑（基本与</a:t>
-            </a:r>
-            <a:r>
-              <a:rPr lang="en-US" altLang="zh-CN" sz="2400" b="0" dirty="0" smtClean="0"/>
-              <a:t>game play</a:t>
-            </a:r>
-            <a:r>
-              <a:rPr lang="zh-CN" altLang="en-US" sz="2400" b="0" dirty="0" smtClean="0"/>
-              <a:t>无关，同步的是导致物件状态或者属性改变的事件，爆炸，进入离开等，或者是起到配置作用，重力场，出生点）</a:t>
-            </a:r>
-            <a:endParaRPr lang="en-US" altLang="zh-CN" sz="2400" b="0" dirty="0" smtClean="0"/>
-          </a:p>
-          <a:p>
-            <a:pPr lvl="1" eaLnBrk="1" hangingPunct="1"/>
-            <a:r>
-              <a:rPr lang="zh-CN" altLang="en-US" sz="2400" b="0" dirty="0" smtClean="0"/>
-              <a:t>动态生成的物件逻辑只能用</a:t>
-            </a:r>
-            <a:r>
-              <a:rPr lang="en-US" altLang="zh-CN" sz="2400" b="0" dirty="0" smtClean="0"/>
-              <a:t>LUA</a:t>
-            </a:r>
-            <a:r>
-              <a:rPr lang="zh-CN" altLang="en-US" sz="2400" b="0" dirty="0" smtClean="0"/>
-              <a:t>脚本编写逻辑</a:t>
-            </a:r>
-            <a:endParaRPr lang="en-US" altLang="zh-CN" sz="2400" b="0" dirty="0" smtClean="0"/>
-          </a:p>
-          <a:p>
-            <a:pPr lvl="1" eaLnBrk="1" hangingPunct="1"/>
-            <a:r>
-              <a:rPr lang="zh-CN" altLang="en-US" sz="2400" b="0" dirty="0" smtClean="0"/>
-              <a:t>大部分拖入场景的物件，基本属性保存在关卡数据内</a:t>
-            </a:r>
-            <a:endParaRPr lang="en-US" altLang="zh-CN" sz="2400" b="0" dirty="0" smtClean="0"/>
-          </a:p>
-          <a:p>
-            <a:pPr lvl="1" eaLnBrk="1" hangingPunct="1"/>
-            <a:r>
-              <a:rPr lang="zh-CN" altLang="en-US" sz="2400" b="0" dirty="0" smtClean="0"/>
-              <a:t>游戏一些基本元素水，植被等只有渲染逻辑，不可控制</a:t>
-            </a:r>
-            <a:endParaRPr lang="en-US" altLang="zh-CN" sz="2400" b="0" dirty="0" smtClean="0"/>
-          </a:p>
-        </p:txBody>
-      </p:sp>
-    </p:spTree>
-  </p:cSld>
-  <p:clrMapOvr>
-    <a:masterClrMapping/>
-  </p:clrMapOvr>
-  <p:timing>
-    <p:tnLst>
-      <p:par>
-        <p:cTn id="1" dur="indefinite" restart="never" nodeType="tmRoot"/>
-      </p:par>
-    </p:tnLst>
-  </p:timing>
-</p:sld>
-</file>
-
-<file path=ppt/slides/slide6.xml><?xml version="1.0" encoding="utf-8"?>
-<p:sld xmlns:a="http://schemas.openxmlformats.org/drawingml/2006/main" xmlns:r="http://schemas.openxmlformats.org/officeDocument/2006/relationships" xmlns:p="http://schemas.openxmlformats.org/presentationml/2006/main">
-  <p:cSld>
-    <p:spTree>
-      <p:nvGrpSpPr>
-        <p:cNvPr id="1" name=""/>
-        <p:cNvGrpSpPr/>
-        <p:nvPr/>
-      </p:nvGrpSpPr>
-      <p:grpSpPr>
-        <a:xfrm>
-          <a:off x="0" y="0"/>
-          <a:ext cx="0" cy="0"/>
-          <a:chOff x="0" y="0"/>
-          <a:chExt cx="0" cy="0"/>
-        </a:xfrm>
-      </p:grpSpPr>
-      <p:sp>
-        <p:nvSpPr>
-          <p:cNvPr id="9218" name="Rectangle 2"/>
-          <p:cNvSpPr>
-            <a:spLocks noGrp="1" noChangeArrowheads="1"/>
-          </p:cNvSpPr>
-          <p:nvPr>
-            <p:ph type="title"/>
-          </p:nvPr>
-        </p:nvSpPr>
-        <p:spPr>
-          <a:xfrm>
-            <a:off x="228600" y="228600"/>
-            <a:ext cx="6011863" cy="838200"/>
-          </a:xfrm>
-        </p:spPr>
-        <p:txBody>
-          <a:bodyPr/>
-          <a:lstStyle/>
-          <a:p>
-            <a:pPr eaLnBrk="1" hangingPunct="1"/>
-            <a:r>
-              <a:rPr lang="zh-CN" altLang="en-US" dirty="0" smtClean="0"/>
-              <a:t>灵活功能强大的场景物件系统</a:t>
-            </a:r>
-          </a:p>
-        </p:txBody>
-      </p:sp>
-      <p:sp>
-        <p:nvSpPr>
-          <p:cNvPr id="9219" name="Rectangle 3"/>
-          <p:cNvSpPr>
-            <a:spLocks noGrp="1" noChangeArrowheads="1"/>
-          </p:cNvSpPr>
-          <p:nvPr>
-            <p:ph type="body" idx="1"/>
-          </p:nvPr>
-        </p:nvSpPr>
-        <p:spPr>
-          <a:xfrm>
-            <a:off x="685800" y="1219200"/>
-            <a:ext cx="8229600" cy="4572000"/>
-          </a:xfrm>
-        </p:spPr>
-        <p:txBody>
-          <a:bodyPr/>
-          <a:lstStyle/>
-          <a:p>
-            <a:pPr eaLnBrk="1" hangingPunct="1"/>
-            <a:r>
-              <a:rPr lang="en-US" altLang="zh-CN" dirty="0" smtClean="0"/>
-              <a:t>Cry3</a:t>
-            </a:r>
-            <a:r>
-              <a:rPr lang="zh-CN" altLang="en-US" dirty="0" smtClean="0"/>
-              <a:t>的</a:t>
-            </a:r>
-            <a:r>
-              <a:rPr lang="en-US" altLang="zh-CN" dirty="0" smtClean="0"/>
-              <a:t>Flow Graph</a:t>
-            </a:r>
-          </a:p>
-          <a:p>
-            <a:pPr eaLnBrk="1" hangingPunct="1"/>
-            <a:r>
-              <a:rPr lang="zh-CN" altLang="en-US" dirty="0" smtClean="0"/>
-              <a:t>图</a:t>
-            </a:r>
-            <a:r>
-              <a:rPr lang="en-US" altLang="zh-CN" dirty="0" smtClean="0"/>
-              <a:t>1 </a:t>
-            </a:r>
-          </a:p>
-        </p:txBody>
-      </p:sp>
-      <p:pic>
-        <p:nvPicPr>
-          <p:cNvPr id="2050" name="Picture 2"/>
-          <p:cNvPicPr>
-            <a:picLocks noChangeAspect="1" noChangeArrowheads="1"/>
-          </p:cNvPicPr>
-          <p:nvPr/>
-        </p:nvPicPr>
-        <p:blipFill>
-          <a:blip r:embed="rId3"/>
-          <a:srcRect/>
-          <a:stretch>
-            <a:fillRect/>
-          </a:stretch>
-        </p:blipFill>
-        <p:spPr bwMode="auto">
-          <a:xfrm>
-            <a:off x="1600200" y="2209800"/>
-            <a:ext cx="5819641" cy="3429000"/>
-          </a:xfrm>
-          <a:prstGeom prst="rect">
-            <a:avLst/>
-          </a:prstGeom>
-          <a:noFill/>
-          <a:ln w="9525">
-            <a:noFill/>
-            <a:miter lim="800000"/>
-            <a:headEnd/>
-            <a:tailEnd/>
-          </a:ln>
-          <a:effectLst/>
-        </p:spPr>
-      </p:pic>
-    </p:spTree>
-  </p:cSld>
-  <p:clrMapOvr>
-    <a:masterClrMapping/>
-  </p:clrMapOvr>
-  <p:timing>
-    <p:tnLst>
-      <p:par>
-        <p:cTn id="1" dur="indefinite" restart="never" nodeType="tmRoot"/>
-      </p:par>
-    </p:tnLst>
-  </p:timing>
-</p:sld>
-</file>
-
-<file path=ppt/slides/slide7.xml><?xml version="1.0" encoding="utf-8"?>
-<p:sld xmlns:a="http://schemas.openxmlformats.org/drawingml/2006/main" xmlns:r="http://schemas.openxmlformats.org/officeDocument/2006/relationships" xmlns:p="http://schemas.openxmlformats.org/presentationml/2006/main">
-  <p:cSld>
-    <p:spTree>
-      <p:nvGrpSpPr>
-        <p:cNvPr id="1" name=""/>
-        <p:cNvGrpSpPr/>
-        <p:nvPr/>
-      </p:nvGrpSpPr>
-      <p:grpSpPr>
-        <a:xfrm>
-          <a:off x="0" y="0"/>
-          <a:ext cx="0" cy="0"/>
-          <a:chOff x="0" y="0"/>
-          <a:chExt cx="0" cy="0"/>
-        </a:xfrm>
-      </p:grpSpPr>
-      <p:sp>
-        <p:nvSpPr>
-          <p:cNvPr id="9218" name="Rectangle 2"/>
-          <p:cNvSpPr>
-            <a:spLocks noGrp="1" noChangeArrowheads="1"/>
-          </p:cNvSpPr>
-          <p:nvPr>
-            <p:ph type="title"/>
-          </p:nvPr>
-        </p:nvSpPr>
-        <p:spPr>
-          <a:xfrm>
-            <a:off x="228600" y="228600"/>
-            <a:ext cx="6011863" cy="838200"/>
-          </a:xfrm>
-        </p:spPr>
-        <p:txBody>
-          <a:bodyPr/>
-          <a:lstStyle/>
-          <a:p>
-            <a:pPr eaLnBrk="1" hangingPunct="1"/>
-            <a:r>
-              <a:rPr lang="zh-CN" altLang="en-US" dirty="0" smtClean="0"/>
-              <a:t>灵活功能强大的场景物件系统</a:t>
-            </a:r>
-          </a:p>
-        </p:txBody>
-      </p:sp>
-      <p:sp>
-        <p:nvSpPr>
-          <p:cNvPr id="9219" name="Rectangle 3"/>
-          <p:cNvSpPr>
-            <a:spLocks noGrp="1" noChangeArrowheads="1"/>
-          </p:cNvSpPr>
-          <p:nvPr>
-            <p:ph type="body" idx="1"/>
-          </p:nvPr>
-        </p:nvSpPr>
-        <p:spPr>
-          <a:xfrm>
-            <a:off x="685800" y="1219200"/>
-            <a:ext cx="8229600" cy="4572000"/>
-          </a:xfrm>
-        </p:spPr>
-        <p:txBody>
-          <a:bodyPr/>
-          <a:lstStyle/>
-          <a:p>
-            <a:pPr eaLnBrk="1" hangingPunct="1"/>
-            <a:r>
-              <a:rPr lang="en-US" altLang="zh-CN" dirty="0" smtClean="0"/>
-              <a:t>Cry3</a:t>
-            </a:r>
-            <a:r>
-              <a:rPr lang="zh-CN" altLang="en-US" dirty="0" smtClean="0"/>
-              <a:t>的</a:t>
-            </a:r>
-            <a:r>
-              <a:rPr lang="en-US" altLang="zh-CN" dirty="0" smtClean="0"/>
-              <a:t>Flow Graph</a:t>
-            </a:r>
-          </a:p>
-          <a:p>
-            <a:pPr eaLnBrk="1" hangingPunct="1"/>
-            <a:r>
-              <a:rPr lang="zh-CN" altLang="en-US" dirty="0" smtClean="0"/>
-              <a:t>图</a:t>
-            </a:r>
-            <a:r>
-              <a:rPr lang="en-US" altLang="zh-CN" dirty="0" smtClean="0"/>
-              <a:t>2</a:t>
-            </a:r>
-          </a:p>
-        </p:txBody>
-      </p:sp>
-      <p:pic>
-        <p:nvPicPr>
-          <p:cNvPr id="3074" name="Picture 2"/>
-          <p:cNvPicPr>
-            <a:picLocks noChangeAspect="1" noChangeArrowheads="1"/>
-          </p:cNvPicPr>
-          <p:nvPr/>
-        </p:nvPicPr>
-        <p:blipFill>
-          <a:blip r:embed="rId3"/>
-          <a:srcRect/>
-          <a:stretch>
-            <a:fillRect/>
-          </a:stretch>
-        </p:blipFill>
-        <p:spPr bwMode="auto">
-          <a:xfrm>
-            <a:off x="990600" y="1981200"/>
-            <a:ext cx="7147560" cy="3962400"/>
-          </a:xfrm>
-          <a:prstGeom prst="rect">
-            <a:avLst/>
-          </a:prstGeom>
-          <a:noFill/>
-          <a:ln w="9525">
-            <a:noFill/>
-            <a:miter lim="800000"/>
-            <a:headEnd/>
-            <a:tailEnd/>
-          </a:ln>
-          <a:effectLst/>
-        </p:spPr>
-      </p:pic>
-    </p:spTree>
-  </p:cSld>
-  <p:clrMapOvr>
-    <a:masterClrMapping/>
-  </p:clrMapOvr>
-  <p:timing>
-    <p:tnLst>
-      <p:par>
-        <p:cTn id="1" dur="indefinite" restart="never" nodeType="tmRoot"/>
-      </p:par>
-    </p:tnLst>
-  </p:timing>
-</p:sld>
-</file>
-
-<file path=ppt/slides/slide8.xml><?xml version="1.0" encoding="utf-8"?>
-<p:sld xmlns:a="http://schemas.openxmlformats.org/drawingml/2006/main" xmlns:r="http://schemas.openxmlformats.org/officeDocument/2006/relationships" xmlns:p="http://schemas.openxmlformats.org/presentationml/2006/main">
-  <p:cSld>
-    <p:spTree>
-      <p:nvGrpSpPr>
-        <p:cNvPr id="1" name=""/>
-        <p:cNvGrpSpPr/>
-        <p:nvPr/>
-      </p:nvGrpSpPr>
-      <p:grpSpPr>
-        <a:xfrm>
-          <a:off x="0" y="0"/>
-          <a:ext cx="0" cy="0"/>
-          <a:chOff x="0" y="0"/>
-          <a:chExt cx="0" cy="0"/>
-        </a:xfrm>
-      </p:grpSpPr>
-      <p:sp>
-        <p:nvSpPr>
-          <p:cNvPr id="9218" name="Rectangle 2"/>
-          <p:cNvSpPr>
-            <a:spLocks noGrp="1" noChangeArrowheads="1"/>
-          </p:cNvSpPr>
-          <p:nvPr>
-            <p:ph type="title"/>
-          </p:nvPr>
-        </p:nvSpPr>
-        <p:spPr>
-          <a:xfrm>
-            <a:off x="228600" y="228600"/>
-            <a:ext cx="6011863" cy="838200"/>
-          </a:xfrm>
-        </p:spPr>
-        <p:txBody>
-          <a:bodyPr/>
-          <a:lstStyle/>
-          <a:p>
-            <a:pPr eaLnBrk="1" hangingPunct="1"/>
-            <a:r>
-              <a:rPr lang="zh-CN" altLang="en-US" dirty="0" smtClean="0"/>
-              <a:t>灵活功能强大的场景物件系统</a:t>
-            </a:r>
-          </a:p>
-        </p:txBody>
-      </p:sp>
-      <p:sp>
-        <p:nvSpPr>
-          <p:cNvPr id="9219" name="Rectangle 3"/>
-          <p:cNvSpPr>
-            <a:spLocks noGrp="1" noChangeArrowheads="1"/>
-          </p:cNvSpPr>
-          <p:nvPr>
-            <p:ph type="body" idx="1"/>
-          </p:nvPr>
-        </p:nvSpPr>
-        <p:spPr>
-          <a:xfrm>
-            <a:off x="685800" y="1219200"/>
-            <a:ext cx="8229600" cy="4572000"/>
-          </a:xfrm>
-        </p:spPr>
-        <p:txBody>
-          <a:bodyPr/>
-          <a:lstStyle/>
-          <a:p>
-            <a:pPr eaLnBrk="1" hangingPunct="1"/>
-            <a:r>
-              <a:rPr lang="en-US" altLang="zh-CN" dirty="0" smtClean="0"/>
-              <a:t>Cry3</a:t>
-            </a:r>
-            <a:r>
-              <a:rPr lang="zh-CN" altLang="en-US" dirty="0" smtClean="0"/>
-              <a:t>的</a:t>
-            </a:r>
-            <a:r>
-              <a:rPr lang="en-US" altLang="zh-CN" dirty="0" smtClean="0"/>
-              <a:t>Flow Graph</a:t>
-            </a:r>
+              <a:rPr lang="en-US" altLang="zh-CN" dirty="0" smtClean="0">
+                <a:latin typeface="微软雅黑" pitchFamily="34" charset="-122"/>
+                <a:ea typeface="微软雅黑" pitchFamily="34" charset="-122"/>
+              </a:rPr>
+              <a:t>Flow Graph </a:t>
+            </a:r>
+            <a:r>
+              <a:rPr lang="zh-CN" altLang="en-US" dirty="0" smtClean="0">
+                <a:latin typeface="微软雅黑" pitchFamily="34" charset="-122"/>
+                <a:ea typeface="微软雅黑" pitchFamily="34" charset="-122"/>
+              </a:rPr>
+              <a:t>示例</a:t>
+            </a:r>
+            <a:endParaRPr lang="en-US" altLang="zh-CN" dirty="0" smtClean="0">
+              <a:latin typeface="微软雅黑" pitchFamily="34" charset="-122"/>
+              <a:ea typeface="微软雅黑" pitchFamily="34" charset="-122"/>
+            </a:endParaRPr>
           </a:p>
           <a:p>
             <a:pPr eaLnBrk="1" hangingPunct="1"/>
@@ -10180,6 +10224,1020 @@
 </p:sld>
 </file>
 
+<file path=ppt/slides/slide5.xml><?xml version="1.0" encoding="utf-8"?>
+<p:sld xmlns:a="http://schemas.openxmlformats.org/drawingml/2006/main" xmlns:r="http://schemas.openxmlformats.org/officeDocument/2006/relationships" xmlns:p="http://schemas.openxmlformats.org/presentationml/2006/main">
+  <p:cSld>
+    <p:spTree>
+      <p:nvGrpSpPr>
+        <p:cNvPr id="1" name=""/>
+        <p:cNvGrpSpPr/>
+        <p:nvPr/>
+      </p:nvGrpSpPr>
+      <p:grpSpPr>
+        <a:xfrm>
+          <a:off x="0" y="0"/>
+          <a:ext cx="0" cy="0"/>
+          <a:chOff x="0" y="0"/>
+          <a:chExt cx="0" cy="0"/>
+        </a:xfrm>
+      </p:grpSpPr>
+      <p:sp>
+        <p:nvSpPr>
+          <p:cNvPr id="9218" name="Rectangle 2"/>
+          <p:cNvSpPr>
+            <a:spLocks noGrp="1" noChangeArrowheads="1"/>
+          </p:cNvSpPr>
+          <p:nvPr>
+            <p:ph type="title"/>
+          </p:nvPr>
+        </p:nvSpPr>
+        <p:spPr>
+          <a:xfrm>
+            <a:off x="228600" y="228600"/>
+            <a:ext cx="6011863" cy="838200"/>
+          </a:xfrm>
+        </p:spPr>
+        <p:txBody>
+          <a:bodyPr/>
+          <a:lstStyle/>
+          <a:p>
+            <a:pPr eaLnBrk="1" hangingPunct="1"/>
+            <a:r>
+              <a:rPr lang="zh-CN" altLang="en-US" dirty="0" smtClean="0">
+                <a:latin typeface="微软雅黑" pitchFamily="34" charset="-122"/>
+                <a:ea typeface="微软雅黑" pitchFamily="34" charset="-122"/>
+              </a:rPr>
+              <a:t>灵活的组件模式</a:t>
+            </a:r>
+            <a:endParaRPr lang="zh-CN" altLang="en-US" dirty="0" smtClean="0">
+              <a:latin typeface="微软雅黑" pitchFamily="34" charset="-122"/>
+              <a:ea typeface="微软雅黑" pitchFamily="34" charset="-122"/>
+            </a:endParaRPr>
+          </a:p>
+        </p:txBody>
+      </p:sp>
+      <p:sp>
+        <p:nvSpPr>
+          <p:cNvPr id="9219" name="Rectangle 3"/>
+          <p:cNvSpPr>
+            <a:spLocks noGrp="1" noChangeArrowheads="1"/>
+          </p:cNvSpPr>
+          <p:nvPr>
+            <p:ph type="body" idx="1"/>
+          </p:nvPr>
+        </p:nvSpPr>
+        <p:spPr>
+          <a:xfrm>
+            <a:off x="685800" y="1219200"/>
+            <a:ext cx="8229600" cy="4953000"/>
+          </a:xfrm>
+        </p:spPr>
+        <p:txBody>
+          <a:bodyPr/>
+          <a:lstStyle/>
+          <a:p>
+            <a:pPr eaLnBrk="1" hangingPunct="1"/>
+            <a:r>
+              <a:rPr lang="zh-CN" altLang="en-US" dirty="0" smtClean="0">
+                <a:latin typeface="微软雅黑" pitchFamily="34" charset="-122"/>
+                <a:ea typeface="微软雅黑" pitchFamily="34" charset="-122"/>
+              </a:rPr>
+              <a:t>扩展后的</a:t>
+            </a:r>
+            <a:r>
+              <a:rPr lang="zh-CN" altLang="en-US" dirty="0" smtClean="0">
+                <a:latin typeface="微软雅黑" pitchFamily="34" charset="-122"/>
+                <a:ea typeface="微软雅黑" pitchFamily="34" charset="-122"/>
+              </a:rPr>
+              <a:t>物件系统，</a:t>
+            </a:r>
+            <a:r>
+              <a:rPr lang="zh-CN" altLang="en-US" dirty="0" smtClean="0">
+                <a:latin typeface="微软雅黑" pitchFamily="34" charset="-122"/>
+                <a:ea typeface="微软雅黑" pitchFamily="34" charset="-122"/>
+              </a:rPr>
+              <a:t>解决动态生成</a:t>
+            </a:r>
+            <a:endParaRPr lang="en-US" altLang="zh-CN" dirty="0" smtClean="0">
+              <a:latin typeface="微软雅黑" pitchFamily="34" charset="-122"/>
+              <a:ea typeface="微软雅黑" pitchFamily="34" charset="-122"/>
+            </a:endParaRPr>
+          </a:p>
+        </p:txBody>
+      </p:sp>
+      <p:pic>
+        <p:nvPicPr>
+          <p:cNvPr id="2055" name="Picture 7"/>
+          <p:cNvPicPr>
+            <a:picLocks noChangeAspect="1" noChangeArrowheads="1"/>
+          </p:cNvPicPr>
+          <p:nvPr/>
+        </p:nvPicPr>
+        <p:blipFill>
+          <a:blip r:embed="rId3"/>
+          <a:srcRect/>
+          <a:stretch>
+            <a:fillRect/>
+          </a:stretch>
+        </p:blipFill>
+        <p:spPr bwMode="auto">
+          <a:xfrm>
+            <a:off x="2286000" y="1905000"/>
+            <a:ext cx="3962400" cy="4133850"/>
+          </a:xfrm>
+          <a:prstGeom prst="rect">
+            <a:avLst/>
+          </a:prstGeom>
+          <a:noFill/>
+          <a:ln w="9525">
+            <a:noFill/>
+            <a:miter lim="800000"/>
+            <a:headEnd/>
+            <a:tailEnd/>
+          </a:ln>
+          <a:effectLst/>
+        </p:spPr>
+      </p:pic>
+    </p:spTree>
+  </p:cSld>
+  <p:clrMapOvr>
+    <a:masterClrMapping/>
+  </p:clrMapOvr>
+  <p:timing>
+    <p:tnLst>
+      <p:par>
+        <p:cTn id="1" dur="indefinite" restart="never" nodeType="tmRoot"/>
+      </p:par>
+    </p:tnLst>
+  </p:timing>
+</p:sld>
+</file>
+
+<file path=ppt/slides/slide6.xml><?xml version="1.0" encoding="utf-8"?>
+<p:sld xmlns:a="http://schemas.openxmlformats.org/drawingml/2006/main" xmlns:r="http://schemas.openxmlformats.org/officeDocument/2006/relationships" xmlns:p="http://schemas.openxmlformats.org/presentationml/2006/main">
+  <p:cSld>
+    <p:spTree>
+      <p:nvGrpSpPr>
+        <p:cNvPr id="1" name=""/>
+        <p:cNvGrpSpPr/>
+        <p:nvPr/>
+      </p:nvGrpSpPr>
+      <p:grpSpPr>
+        <a:xfrm>
+          <a:off x="0" y="0"/>
+          <a:ext cx="0" cy="0"/>
+          <a:chOff x="0" y="0"/>
+          <a:chExt cx="0" cy="0"/>
+        </a:xfrm>
+      </p:grpSpPr>
+      <p:sp>
+        <p:nvSpPr>
+          <p:cNvPr id="10243" name="Rectangle 3"/>
+          <p:cNvSpPr>
+            <a:spLocks noGrp="1" noChangeArrowheads="1"/>
+          </p:cNvSpPr>
+          <p:nvPr>
+            <p:ph type="body" idx="1"/>
+          </p:nvPr>
+        </p:nvSpPr>
+        <p:spPr>
+          <a:xfrm>
+            <a:off x="685800" y="1219200"/>
+            <a:ext cx="8229600" cy="4572000"/>
+          </a:xfrm>
+        </p:spPr>
+        <p:txBody>
+          <a:bodyPr/>
+          <a:lstStyle/>
+          <a:p>
+            <a:pPr eaLnBrk="1" hangingPunct="1"/>
+            <a:r>
+              <a:rPr lang="en-US" altLang="zh-CN" dirty="0" smtClean="0">
+                <a:latin typeface="微软雅黑" pitchFamily="34" charset="-122"/>
+                <a:ea typeface="微软雅黑" pitchFamily="34" charset="-122"/>
+              </a:rPr>
+              <a:t>LUA</a:t>
+            </a:r>
+            <a:r>
+              <a:rPr lang="zh-CN" altLang="en-US" dirty="0" smtClean="0">
+                <a:latin typeface="微软雅黑" pitchFamily="34" charset="-122"/>
+                <a:ea typeface="微软雅黑" pitchFamily="34" charset="-122"/>
+              </a:rPr>
+              <a:t>脚本大量冗余</a:t>
+            </a:r>
+            <a:endParaRPr lang="en-US" altLang="zh-CN" dirty="0" smtClean="0">
+              <a:latin typeface="微软雅黑" pitchFamily="34" charset="-122"/>
+              <a:ea typeface="微软雅黑" pitchFamily="34" charset="-122"/>
+            </a:endParaRPr>
+          </a:p>
+          <a:p>
+            <a:pPr lvl="1" eaLnBrk="1" hangingPunct="1"/>
+            <a:r>
+              <a:rPr lang="en-US" altLang="zh-CN" b="0" dirty="0" smtClean="0">
+                <a:latin typeface="微软雅黑" pitchFamily="34" charset="-122"/>
+                <a:ea typeface="微软雅黑" pitchFamily="34" charset="-122"/>
+              </a:rPr>
+              <a:t>A = </a:t>
+            </a:r>
+          </a:p>
+          <a:p>
+            <a:pPr lvl="1" eaLnBrk="1" hangingPunct="1">
+              <a:buNone/>
+            </a:pPr>
+            <a:r>
+              <a:rPr lang="en-US" altLang="zh-CN" b="0" dirty="0" smtClean="0">
+                <a:latin typeface="微软雅黑" pitchFamily="34" charset="-122"/>
+                <a:ea typeface="微软雅黑" pitchFamily="34" charset="-122"/>
+              </a:rPr>
+              <a:t>	{</a:t>
+            </a:r>
+          </a:p>
+          <a:p>
+            <a:pPr lvl="2" eaLnBrk="1" hangingPunct="1">
+              <a:buNone/>
+            </a:pPr>
+            <a:r>
+              <a:rPr lang="en-US" altLang="zh-CN" b="0" dirty="0" smtClean="0">
+                <a:latin typeface="微软雅黑" pitchFamily="34" charset="-122"/>
+                <a:ea typeface="微软雅黑" pitchFamily="34" charset="-122"/>
+              </a:rPr>
+              <a:t>	</a:t>
+            </a:r>
+            <a:r>
+              <a:rPr lang="en-US" altLang="zh-CN" b="0" dirty="0" err="1" smtClean="0">
+                <a:latin typeface="微软雅黑" pitchFamily="34" charset="-122"/>
+                <a:ea typeface="微软雅黑" pitchFamily="34" charset="-122"/>
+              </a:rPr>
+              <a:t>buffInfo</a:t>
+            </a:r>
+            <a:r>
+              <a:rPr lang="en-US" altLang="zh-CN" b="0" dirty="0" smtClean="0">
+                <a:latin typeface="微软雅黑" pitchFamily="34" charset="-122"/>
+                <a:ea typeface="微软雅黑" pitchFamily="34" charset="-122"/>
+              </a:rPr>
+              <a:t> = “…”,</a:t>
+            </a:r>
+          </a:p>
+          <a:p>
+            <a:pPr lvl="2" eaLnBrk="1" hangingPunct="1">
+              <a:buNone/>
+            </a:pPr>
+            <a:r>
+              <a:rPr lang="en-US" altLang="zh-CN" b="0" dirty="0" smtClean="0">
+                <a:latin typeface="微软雅黑" pitchFamily="34" charset="-122"/>
+                <a:ea typeface="微软雅黑" pitchFamily="34" charset="-122"/>
+              </a:rPr>
+              <a:t>	Function </a:t>
+            </a:r>
+            <a:r>
+              <a:rPr lang="en-US" altLang="zh-CN" b="0" dirty="0" err="1" smtClean="0">
+                <a:latin typeface="微软雅黑" pitchFamily="34" charset="-122"/>
+                <a:ea typeface="微软雅黑" pitchFamily="34" charset="-122"/>
+              </a:rPr>
+              <a:t>addbuff</a:t>
+            </a:r>
+            <a:endParaRPr lang="en-US" altLang="zh-CN" b="0" dirty="0" smtClean="0">
+              <a:latin typeface="微软雅黑" pitchFamily="34" charset="-122"/>
+              <a:ea typeface="微软雅黑" pitchFamily="34" charset="-122"/>
+            </a:endParaRPr>
+          </a:p>
+          <a:p>
+            <a:pPr lvl="1" eaLnBrk="1" hangingPunct="1">
+              <a:buNone/>
+            </a:pPr>
+            <a:r>
+              <a:rPr lang="en-US" altLang="zh-CN" b="0" dirty="0" smtClean="0">
+                <a:latin typeface="微软雅黑" pitchFamily="34" charset="-122"/>
+                <a:ea typeface="微软雅黑" pitchFamily="34" charset="-122"/>
+              </a:rPr>
+              <a:t>	}</a:t>
+            </a:r>
+          </a:p>
+          <a:p>
+            <a:pPr lvl="1" eaLnBrk="1" hangingPunct="1"/>
+            <a:endParaRPr lang="en-US" altLang="zh-CN" b="0" dirty="0" smtClean="0">
+              <a:latin typeface="微软雅黑" pitchFamily="34" charset="-122"/>
+              <a:ea typeface="微软雅黑" pitchFamily="34" charset="-122"/>
+            </a:endParaRPr>
+          </a:p>
+          <a:p>
+            <a:pPr lvl="1" eaLnBrk="1" hangingPunct="1"/>
+            <a:r>
+              <a:rPr lang="en-US" altLang="zh-CN" b="0" dirty="0" smtClean="0">
+                <a:latin typeface="微软雅黑" pitchFamily="34" charset="-122"/>
+                <a:ea typeface="微软雅黑" pitchFamily="34" charset="-122"/>
+              </a:rPr>
+              <a:t>B = </a:t>
+            </a:r>
+          </a:p>
+          <a:p>
+            <a:pPr lvl="1" eaLnBrk="1" hangingPunct="1">
+              <a:buNone/>
+            </a:pPr>
+            <a:r>
+              <a:rPr lang="en-US" altLang="zh-CN" b="0" dirty="0" smtClean="0">
+                <a:latin typeface="微软雅黑" pitchFamily="34" charset="-122"/>
+                <a:ea typeface="微软雅黑" pitchFamily="34" charset="-122"/>
+              </a:rPr>
+              <a:t>	{</a:t>
+            </a:r>
+          </a:p>
+          <a:p>
+            <a:pPr lvl="2" eaLnBrk="1" hangingPunct="1">
+              <a:buNone/>
+            </a:pPr>
+            <a:r>
+              <a:rPr lang="en-US" altLang="zh-CN" b="0" dirty="0" smtClean="0">
+                <a:latin typeface="微软雅黑" pitchFamily="34" charset="-122"/>
+                <a:ea typeface="微软雅黑" pitchFamily="34" charset="-122"/>
+              </a:rPr>
+              <a:t>	</a:t>
+            </a:r>
+            <a:r>
+              <a:rPr lang="en-US" altLang="zh-CN" b="0" dirty="0" err="1" smtClean="0">
+                <a:latin typeface="微软雅黑" pitchFamily="34" charset="-122"/>
+                <a:ea typeface="微软雅黑" pitchFamily="34" charset="-122"/>
+              </a:rPr>
+              <a:t>buffInfo</a:t>
+            </a:r>
+            <a:r>
+              <a:rPr lang="en-US" altLang="zh-CN" b="0" dirty="0" smtClean="0">
+                <a:latin typeface="微软雅黑" pitchFamily="34" charset="-122"/>
+                <a:ea typeface="微软雅黑" pitchFamily="34" charset="-122"/>
+              </a:rPr>
+              <a:t> = “…”,</a:t>
+            </a:r>
+          </a:p>
+          <a:p>
+            <a:pPr lvl="2" eaLnBrk="1" hangingPunct="1">
+              <a:buNone/>
+            </a:pPr>
+            <a:r>
+              <a:rPr lang="en-US" altLang="zh-CN" b="0" dirty="0" smtClean="0">
+                <a:latin typeface="微软雅黑" pitchFamily="34" charset="-122"/>
+                <a:ea typeface="微软雅黑" pitchFamily="34" charset="-122"/>
+              </a:rPr>
+              <a:t>	Function </a:t>
+            </a:r>
+            <a:r>
+              <a:rPr lang="en-US" altLang="zh-CN" b="0" dirty="0" err="1" smtClean="0">
+                <a:latin typeface="微软雅黑" pitchFamily="34" charset="-122"/>
+                <a:ea typeface="微软雅黑" pitchFamily="34" charset="-122"/>
+              </a:rPr>
+              <a:t>addbuff</a:t>
+            </a:r>
+            <a:endParaRPr lang="en-US" altLang="zh-CN" b="0" dirty="0" smtClean="0">
+              <a:latin typeface="微软雅黑" pitchFamily="34" charset="-122"/>
+              <a:ea typeface="微软雅黑" pitchFamily="34" charset="-122"/>
+            </a:endParaRPr>
+          </a:p>
+          <a:p>
+            <a:pPr lvl="1" eaLnBrk="1" hangingPunct="1">
+              <a:buNone/>
+            </a:pPr>
+            <a:r>
+              <a:rPr lang="en-US" altLang="zh-CN" b="0" dirty="0" smtClean="0">
+                <a:latin typeface="微软雅黑" pitchFamily="34" charset="-122"/>
+                <a:ea typeface="微软雅黑" pitchFamily="34" charset="-122"/>
+              </a:rPr>
+              <a:t>	}</a:t>
+            </a:r>
+            <a:endParaRPr lang="en-US" altLang="zh-CN" b="0" dirty="0" smtClean="0">
+              <a:latin typeface="微软雅黑" pitchFamily="34" charset="-122"/>
+              <a:ea typeface="微软雅黑" pitchFamily="34" charset="-122"/>
+            </a:endParaRPr>
+          </a:p>
+          <a:p>
+            <a:endParaRPr lang="en-US" altLang="zh-CN" sz="1600" b="0" dirty="0" smtClean="0">
+              <a:latin typeface="宋体" charset="-122"/>
+            </a:endParaRPr>
+          </a:p>
+        </p:txBody>
+      </p:sp>
+      <p:sp>
+        <p:nvSpPr>
+          <p:cNvPr id="91" name="Rectangle 2"/>
+          <p:cNvSpPr>
+            <a:spLocks noGrp="1" noChangeArrowheads="1"/>
+          </p:cNvSpPr>
+          <p:nvPr>
+            <p:ph type="title"/>
+          </p:nvPr>
+        </p:nvSpPr>
+        <p:spPr/>
+        <p:txBody>
+          <a:bodyPr/>
+          <a:lstStyle/>
+          <a:p>
+            <a:pPr eaLnBrk="1" hangingPunct="1"/>
+            <a:r>
+              <a:rPr lang="zh-CN" altLang="en-US" dirty="0" smtClean="0">
+                <a:latin typeface="微软雅黑" pitchFamily="34" charset="-122"/>
+                <a:ea typeface="微软雅黑" pitchFamily="34" charset="-122"/>
+              </a:rPr>
+              <a:t>灵活的组件模式</a:t>
+            </a:r>
+            <a:endParaRPr lang="zh-CN" altLang="en-US" dirty="0" smtClean="0">
+              <a:latin typeface="微软雅黑" pitchFamily="34" charset="-122"/>
+              <a:ea typeface="微软雅黑" pitchFamily="34" charset="-122"/>
+            </a:endParaRPr>
+          </a:p>
+        </p:txBody>
+      </p:sp>
+    </p:spTree>
+  </p:cSld>
+  <p:clrMapOvr>
+    <a:masterClrMapping/>
+  </p:clrMapOvr>
+  <p:timing>
+    <p:tnLst>
+      <p:par>
+        <p:cTn id="1" dur="indefinite" restart="never" nodeType="tmRoot"/>
+      </p:par>
+    </p:tnLst>
+  </p:timing>
+</p:sld>
+</file>
+
+<file path=ppt/slides/slide7.xml><?xml version="1.0" encoding="utf-8"?>
+<p:sld xmlns:a="http://schemas.openxmlformats.org/drawingml/2006/main" xmlns:r="http://schemas.openxmlformats.org/officeDocument/2006/relationships" xmlns:p="http://schemas.openxmlformats.org/presentationml/2006/main">
+  <p:cSld>
+    <p:spTree>
+      <p:nvGrpSpPr>
+        <p:cNvPr id="1" name=""/>
+        <p:cNvGrpSpPr/>
+        <p:nvPr/>
+      </p:nvGrpSpPr>
+      <p:grpSpPr>
+        <a:xfrm>
+          <a:off x="0" y="0"/>
+          <a:ext cx="0" cy="0"/>
+          <a:chOff x="0" y="0"/>
+          <a:chExt cx="0" cy="0"/>
+        </a:xfrm>
+      </p:grpSpPr>
+      <p:sp>
+        <p:nvSpPr>
+          <p:cNvPr id="10243" name="Rectangle 3"/>
+          <p:cNvSpPr>
+            <a:spLocks noGrp="1" noChangeArrowheads="1"/>
+          </p:cNvSpPr>
+          <p:nvPr>
+            <p:ph type="body" idx="1"/>
+          </p:nvPr>
+        </p:nvSpPr>
+        <p:spPr>
+          <a:xfrm>
+            <a:off x="685800" y="1219200"/>
+            <a:ext cx="8229600" cy="4648200"/>
+          </a:xfrm>
+        </p:spPr>
+        <p:txBody>
+          <a:bodyPr/>
+          <a:lstStyle/>
+          <a:p>
+            <a:pPr eaLnBrk="1" hangingPunct="1"/>
+            <a:r>
+              <a:rPr lang="zh-CN" altLang="en-US" dirty="0" smtClean="0">
+                <a:latin typeface="微软雅黑" pitchFamily="34" charset="-122"/>
+                <a:ea typeface="微软雅黑" pitchFamily="34" charset="-122"/>
+              </a:rPr>
+              <a:t>充分利用</a:t>
+            </a:r>
+            <a:r>
+              <a:rPr lang="en-US" altLang="zh-CN" dirty="0" smtClean="0">
+                <a:latin typeface="微软雅黑" pitchFamily="34" charset="-122"/>
+                <a:ea typeface="微软雅黑" pitchFamily="34" charset="-122"/>
+              </a:rPr>
+              <a:t>LUA</a:t>
+            </a:r>
+            <a:r>
+              <a:rPr lang="zh-CN" altLang="en-US" dirty="0" smtClean="0">
+                <a:latin typeface="微软雅黑" pitchFamily="34" charset="-122"/>
+                <a:ea typeface="微软雅黑" pitchFamily="34" charset="-122"/>
+              </a:rPr>
+              <a:t>的动态语言特性</a:t>
+            </a:r>
+            <a:endParaRPr lang="en-US" altLang="zh-CN" b="0" dirty="0" smtClean="0">
+              <a:latin typeface="微软雅黑" pitchFamily="34" charset="-122"/>
+              <a:ea typeface="微软雅黑" pitchFamily="34" charset="-122"/>
+            </a:endParaRPr>
+          </a:p>
+          <a:p>
+            <a:pPr lvl="1" eaLnBrk="1" hangingPunct="1"/>
+            <a:r>
+              <a:rPr lang="zh-CN" altLang="en-US" b="0" dirty="0" smtClean="0">
+                <a:latin typeface="微软雅黑" pitchFamily="34" charset="-122"/>
+                <a:ea typeface="微软雅黑" pitchFamily="34" charset="-122"/>
+              </a:rPr>
+              <a:t>利用</a:t>
+            </a:r>
+            <a:r>
+              <a:rPr lang="en-US" altLang="zh-CN" b="0" dirty="0" err="1" smtClean="0">
+                <a:latin typeface="微软雅黑" pitchFamily="34" charset="-122"/>
+                <a:ea typeface="微软雅黑" pitchFamily="34" charset="-122"/>
+              </a:rPr>
+              <a:t>dofile</a:t>
+            </a:r>
+            <a:r>
+              <a:rPr lang="zh-CN" altLang="en-US" b="0" dirty="0" smtClean="0">
+                <a:latin typeface="微软雅黑" pitchFamily="34" charset="-122"/>
+                <a:ea typeface="微软雅黑" pitchFamily="34" charset="-122"/>
+              </a:rPr>
+              <a:t>会执行全局函数的功能，预先定义各种全局函数</a:t>
+            </a:r>
+            <a:endParaRPr lang="en-US" altLang="zh-CN" b="0" dirty="0" smtClean="0">
+              <a:latin typeface="微软雅黑" pitchFamily="34" charset="-122"/>
+              <a:ea typeface="微软雅黑" pitchFamily="34" charset="-122"/>
+            </a:endParaRPr>
+          </a:p>
+          <a:p>
+            <a:pPr lvl="1" eaLnBrk="1" hangingPunct="1"/>
+            <a:r>
+              <a:rPr lang="en-US" altLang="zh-CN" b="0" dirty="0" smtClean="0">
+                <a:latin typeface="微软雅黑" pitchFamily="34" charset="-122"/>
+                <a:ea typeface="微软雅黑" pitchFamily="34" charset="-122"/>
+              </a:rPr>
+              <a:t>function </a:t>
+            </a:r>
+            <a:r>
+              <a:rPr lang="en-US" altLang="zh-CN" b="0" dirty="0" err="1" smtClean="0">
+                <a:latin typeface="微软雅黑" pitchFamily="34" charset="-122"/>
+                <a:ea typeface="微软雅黑" pitchFamily="34" charset="-122"/>
+              </a:rPr>
+              <a:t>makeBuffModule</a:t>
+            </a:r>
+            <a:r>
+              <a:rPr lang="en-US" altLang="zh-CN" b="0" dirty="0" smtClean="0">
+                <a:latin typeface="微软雅黑" pitchFamily="34" charset="-122"/>
+                <a:ea typeface="微软雅黑" pitchFamily="34" charset="-122"/>
+              </a:rPr>
+              <a:t>(table)</a:t>
+            </a:r>
+          </a:p>
+          <a:p>
+            <a:pPr lvl="2" eaLnBrk="1" hangingPunct="1">
+              <a:buNone/>
+            </a:pPr>
+            <a:r>
+              <a:rPr lang="en-US" altLang="zh-CN" b="0" dirty="0" smtClean="0">
+                <a:latin typeface="微软雅黑" pitchFamily="34" charset="-122"/>
+                <a:ea typeface="微软雅黑" pitchFamily="34" charset="-122"/>
+              </a:rPr>
+              <a:t>	</a:t>
+            </a:r>
+            <a:r>
+              <a:rPr lang="en-US" altLang="zh-CN" b="0" dirty="0" err="1" smtClean="0">
+                <a:latin typeface="微软雅黑" pitchFamily="34" charset="-122"/>
+                <a:ea typeface="微软雅黑" pitchFamily="34" charset="-122"/>
+              </a:rPr>
+              <a:t>table.Properties.buffInfo</a:t>
+            </a:r>
+            <a:r>
+              <a:rPr lang="en-US" altLang="zh-CN" b="0" dirty="0" smtClean="0">
+                <a:latin typeface="微软雅黑" pitchFamily="34" charset="-122"/>
+                <a:ea typeface="微软雅黑" pitchFamily="34" charset="-122"/>
+              </a:rPr>
+              <a:t> = {…}</a:t>
+            </a:r>
+          </a:p>
+          <a:p>
+            <a:pPr lvl="2" eaLnBrk="1" hangingPunct="1">
+              <a:buNone/>
+            </a:pPr>
+            <a:r>
+              <a:rPr lang="en-US" altLang="zh-CN" b="0" dirty="0" smtClean="0">
+                <a:latin typeface="微软雅黑" pitchFamily="34" charset="-122"/>
+                <a:ea typeface="微软雅黑" pitchFamily="34" charset="-122"/>
+              </a:rPr>
+              <a:t>	 function </a:t>
+            </a:r>
+            <a:r>
+              <a:rPr lang="en-US" altLang="zh-CN" b="0" dirty="0" err="1" smtClean="0">
+                <a:latin typeface="微软雅黑" pitchFamily="34" charset="-122"/>
+                <a:ea typeface="微软雅黑" pitchFamily="34" charset="-122"/>
+              </a:rPr>
+              <a:t>table:AddBuff</a:t>
+            </a:r>
+            <a:r>
+              <a:rPr lang="en-US" altLang="zh-CN" b="0" dirty="0" smtClean="0">
+                <a:latin typeface="微软雅黑" pitchFamily="34" charset="-122"/>
+                <a:ea typeface="微软雅黑" pitchFamily="34" charset="-122"/>
+              </a:rPr>
+              <a:t>()</a:t>
+            </a:r>
+          </a:p>
+          <a:p>
+            <a:pPr lvl="2" eaLnBrk="1" hangingPunct="1">
+              <a:buNone/>
+            </a:pPr>
+            <a:r>
+              <a:rPr lang="en-US" altLang="zh-CN" b="0" dirty="0" smtClean="0">
+                <a:latin typeface="微软雅黑" pitchFamily="34" charset="-122"/>
+                <a:ea typeface="微软雅黑" pitchFamily="34" charset="-122"/>
+              </a:rPr>
+              <a:t>		 add(</a:t>
+            </a:r>
+            <a:r>
+              <a:rPr lang="en-US" altLang="zh-CN" b="0" dirty="0" err="1" smtClean="0">
+                <a:latin typeface="微软雅黑" pitchFamily="34" charset="-122"/>
+                <a:ea typeface="微软雅黑" pitchFamily="34" charset="-122"/>
+              </a:rPr>
+              <a:t>self,buffstring</a:t>
+            </a:r>
+            <a:r>
+              <a:rPr lang="en-US" altLang="zh-CN" b="0" dirty="0" smtClean="0">
+                <a:latin typeface="微软雅黑" pitchFamily="34" charset="-122"/>
+                <a:ea typeface="微软雅黑" pitchFamily="34" charset="-122"/>
+              </a:rPr>
+              <a:t>)</a:t>
+            </a:r>
+          </a:p>
+          <a:p>
+            <a:pPr lvl="2" eaLnBrk="1" hangingPunct="1">
+              <a:buNone/>
+            </a:pPr>
+            <a:r>
+              <a:rPr lang="en-US" altLang="zh-CN" b="0" dirty="0" smtClean="0">
+                <a:latin typeface="微软雅黑" pitchFamily="34" charset="-122"/>
+                <a:ea typeface="微软雅黑" pitchFamily="34" charset="-122"/>
+              </a:rPr>
+              <a:t>		 …</a:t>
+            </a:r>
+          </a:p>
+          <a:p>
+            <a:pPr lvl="2" eaLnBrk="1" hangingPunct="1">
+              <a:buNone/>
+            </a:pPr>
+            <a:r>
+              <a:rPr lang="en-US" altLang="zh-CN" b="0" dirty="0" smtClean="0">
+                <a:latin typeface="微软雅黑" pitchFamily="34" charset="-122"/>
+                <a:ea typeface="微软雅黑" pitchFamily="34" charset="-122"/>
+              </a:rPr>
+              <a:t>	 end</a:t>
+            </a:r>
+          </a:p>
+          <a:p>
+            <a:pPr lvl="1" eaLnBrk="1" hangingPunct="1">
+              <a:buNone/>
+            </a:pPr>
+            <a:r>
+              <a:rPr lang="en-US" altLang="zh-CN" b="0" dirty="0" smtClean="0">
+                <a:latin typeface="微软雅黑" pitchFamily="34" charset="-122"/>
+                <a:ea typeface="微软雅黑" pitchFamily="34" charset="-122"/>
+              </a:rPr>
+              <a:t>	end;</a:t>
+            </a:r>
+          </a:p>
+          <a:p>
+            <a:pPr lvl="1" eaLnBrk="1" hangingPunct="1"/>
+            <a:r>
+              <a:rPr lang="en-US" altLang="zh-CN" b="0" dirty="0" err="1" smtClean="0">
+                <a:latin typeface="微软雅黑" pitchFamily="34" charset="-122"/>
+                <a:ea typeface="微软雅黑" pitchFamily="34" charset="-122"/>
+              </a:rPr>
+              <a:t>makeBuffModule</a:t>
+            </a:r>
+            <a:r>
+              <a:rPr lang="en-US" altLang="zh-CN" b="0" dirty="0" smtClean="0">
+                <a:latin typeface="微软雅黑" pitchFamily="34" charset="-122"/>
+                <a:ea typeface="微软雅黑" pitchFamily="34" charset="-122"/>
+              </a:rPr>
+              <a:t>(A);</a:t>
+            </a:r>
+          </a:p>
+          <a:p>
+            <a:pPr lvl="1" eaLnBrk="1" hangingPunct="1">
+              <a:buNone/>
+            </a:pPr>
+            <a:r>
+              <a:rPr lang="en-US" altLang="zh-CN" b="0" dirty="0" smtClean="0">
+                <a:latin typeface="微软雅黑" pitchFamily="34" charset="-122"/>
+                <a:ea typeface="微软雅黑" pitchFamily="34" charset="-122"/>
+              </a:rPr>
+              <a:t>	A.lua</a:t>
+            </a:r>
+            <a:r>
+              <a:rPr lang="zh-CN" altLang="en-US" b="0" dirty="0" smtClean="0">
+                <a:latin typeface="微软雅黑" pitchFamily="34" charset="-122"/>
+                <a:ea typeface="微软雅黑" pitchFamily="34" charset="-122"/>
+              </a:rPr>
+              <a:t>中调用，</a:t>
+            </a:r>
+            <a:r>
+              <a:rPr lang="en-US" altLang="zh-CN" b="0" dirty="0" smtClean="0">
+                <a:latin typeface="微软雅黑" pitchFamily="34" charset="-122"/>
+                <a:ea typeface="微软雅黑" pitchFamily="34" charset="-122"/>
+              </a:rPr>
+              <a:t>A</a:t>
+            </a:r>
+            <a:r>
+              <a:rPr lang="zh-CN" altLang="en-US" b="0" dirty="0" smtClean="0">
+                <a:latin typeface="微软雅黑" pitchFamily="34" charset="-122"/>
+                <a:ea typeface="微软雅黑" pitchFamily="34" charset="-122"/>
+              </a:rPr>
+              <a:t>就有了</a:t>
+            </a:r>
+            <a:r>
+              <a:rPr lang="en-US" altLang="zh-CN" b="0" dirty="0" smtClean="0">
+                <a:latin typeface="微软雅黑" pitchFamily="34" charset="-122"/>
+                <a:ea typeface="微软雅黑" pitchFamily="34" charset="-122"/>
+              </a:rPr>
+              <a:t>buff</a:t>
+            </a:r>
+            <a:r>
+              <a:rPr lang="zh-CN" altLang="en-US" b="0" dirty="0" smtClean="0">
+                <a:latin typeface="微软雅黑" pitchFamily="34" charset="-122"/>
+                <a:ea typeface="微软雅黑" pitchFamily="34" charset="-122"/>
+              </a:rPr>
+              <a:t>模块的属性和功能等</a:t>
+            </a:r>
+            <a:endParaRPr lang="en-US" altLang="zh-CN" b="0" dirty="0" smtClean="0">
+              <a:latin typeface="微软雅黑" pitchFamily="34" charset="-122"/>
+              <a:ea typeface="微软雅黑" pitchFamily="34" charset="-122"/>
+            </a:endParaRPr>
+          </a:p>
+          <a:p>
+            <a:pPr lvl="1" eaLnBrk="1" hangingPunct="1">
+              <a:buNone/>
+            </a:pPr>
+            <a:r>
+              <a:rPr lang="en-US" altLang="zh-CN" b="0" dirty="0" smtClean="0">
+                <a:latin typeface="微软雅黑" pitchFamily="34" charset="-122"/>
+                <a:ea typeface="微软雅黑" pitchFamily="34" charset="-122"/>
+              </a:rPr>
+              <a:t>	</a:t>
+            </a:r>
+            <a:r>
+              <a:rPr lang="zh-CN" altLang="en-US" b="0" dirty="0" smtClean="0">
+                <a:latin typeface="微软雅黑" pitchFamily="34" charset="-122"/>
+                <a:ea typeface="微软雅黑" pitchFamily="34" charset="-122"/>
+              </a:rPr>
+              <a:t>调用完毕根据需要重载默认函数</a:t>
+            </a:r>
+            <a:endParaRPr lang="en-US" altLang="zh-CN" b="0" dirty="0" smtClean="0">
+              <a:latin typeface="微软雅黑" pitchFamily="34" charset="-122"/>
+              <a:ea typeface="微软雅黑" pitchFamily="34" charset="-122"/>
+            </a:endParaRPr>
+          </a:p>
+          <a:p>
+            <a:pPr lvl="1" eaLnBrk="1" hangingPunct="1"/>
+            <a:endParaRPr lang="en-US" altLang="zh-CN" b="0" dirty="0" smtClean="0">
+              <a:latin typeface="宋体" charset="-122"/>
+            </a:endParaRPr>
+          </a:p>
+          <a:p>
+            <a:endParaRPr lang="en-US" altLang="zh-CN" sz="1600" b="0" dirty="0" smtClean="0">
+              <a:latin typeface="宋体" charset="-122"/>
+            </a:endParaRPr>
+          </a:p>
+        </p:txBody>
+      </p:sp>
+      <p:sp>
+        <p:nvSpPr>
+          <p:cNvPr id="91" name="Rectangle 2"/>
+          <p:cNvSpPr>
+            <a:spLocks noGrp="1" noChangeArrowheads="1"/>
+          </p:cNvSpPr>
+          <p:nvPr>
+            <p:ph type="title"/>
+          </p:nvPr>
+        </p:nvSpPr>
+        <p:spPr/>
+        <p:txBody>
+          <a:bodyPr/>
+          <a:lstStyle/>
+          <a:p>
+            <a:pPr eaLnBrk="1" hangingPunct="1"/>
+            <a:r>
+              <a:rPr lang="zh-CN" altLang="en-US" dirty="0" smtClean="0">
+                <a:latin typeface="微软雅黑" pitchFamily="34" charset="-122"/>
+                <a:ea typeface="微软雅黑" pitchFamily="34" charset="-122"/>
+              </a:rPr>
+              <a:t>消灭冗余</a:t>
+            </a:r>
+            <a:r>
+              <a:rPr lang="en-US" altLang="zh-CN" dirty="0" smtClean="0">
+                <a:latin typeface="微软雅黑" pitchFamily="34" charset="-122"/>
+                <a:ea typeface="微软雅黑" pitchFamily="34" charset="-122"/>
+              </a:rPr>
+              <a:t>LUA</a:t>
+            </a:r>
+            <a:r>
+              <a:rPr lang="zh-CN" altLang="en-US" dirty="0" smtClean="0">
+                <a:latin typeface="微软雅黑" pitchFamily="34" charset="-122"/>
+                <a:ea typeface="微软雅黑" pitchFamily="34" charset="-122"/>
+              </a:rPr>
+              <a:t>代码</a:t>
+            </a:r>
+            <a:endParaRPr lang="zh-CN" altLang="en-US" dirty="0" smtClean="0">
+              <a:latin typeface="微软雅黑" pitchFamily="34" charset="-122"/>
+              <a:ea typeface="微软雅黑" pitchFamily="34" charset="-122"/>
+            </a:endParaRPr>
+          </a:p>
+        </p:txBody>
+      </p:sp>
+    </p:spTree>
+  </p:cSld>
+  <p:clrMapOvr>
+    <a:masterClrMapping/>
+  </p:clrMapOvr>
+  <p:timing>
+    <p:tnLst>
+      <p:par>
+        <p:cTn id="1" dur="indefinite" restart="never" nodeType="tmRoot"/>
+      </p:par>
+    </p:tnLst>
+  </p:timing>
+</p:sld>
+</file>
+
+<file path=ppt/slides/slide8.xml><?xml version="1.0" encoding="utf-8"?>
+<p:sld xmlns:a="http://schemas.openxmlformats.org/drawingml/2006/main" xmlns:r="http://schemas.openxmlformats.org/officeDocument/2006/relationships" xmlns:p="http://schemas.openxmlformats.org/presentationml/2006/main">
+  <p:cSld>
+    <p:spTree>
+      <p:nvGrpSpPr>
+        <p:cNvPr id="1" name=""/>
+        <p:cNvGrpSpPr/>
+        <p:nvPr/>
+      </p:nvGrpSpPr>
+      <p:grpSpPr>
+        <a:xfrm>
+          <a:off x="0" y="0"/>
+          <a:ext cx="0" cy="0"/>
+          <a:chOff x="0" y="0"/>
+          <a:chExt cx="0" cy="0"/>
+        </a:xfrm>
+      </p:grpSpPr>
+      <p:sp>
+        <p:nvSpPr>
+          <p:cNvPr id="10243" name="Rectangle 3"/>
+          <p:cNvSpPr>
+            <a:spLocks noGrp="1" noChangeArrowheads="1"/>
+          </p:cNvSpPr>
+          <p:nvPr>
+            <p:ph type="body" idx="1"/>
+          </p:nvPr>
+        </p:nvSpPr>
+        <p:spPr>
+          <a:xfrm>
+            <a:off x="685800" y="1219200"/>
+            <a:ext cx="8229600" cy="4419600"/>
+          </a:xfrm>
+        </p:spPr>
+        <p:txBody>
+          <a:bodyPr/>
+          <a:lstStyle/>
+          <a:p>
+            <a:pPr eaLnBrk="1" hangingPunct="1"/>
+            <a:r>
+              <a:rPr lang="zh-CN" altLang="en-US" dirty="0" smtClean="0">
+                <a:latin typeface="微软雅黑" pitchFamily="34" charset="-122"/>
+                <a:ea typeface="微软雅黑" pitchFamily="34" charset="-122"/>
+              </a:rPr>
+              <a:t>动态物件的开发流程优化</a:t>
+            </a:r>
+            <a:endParaRPr lang="en-US" altLang="zh-CN" dirty="0" smtClean="0">
+              <a:latin typeface="微软雅黑" pitchFamily="34" charset="-122"/>
+              <a:ea typeface="微软雅黑" pitchFamily="34" charset="-122"/>
+            </a:endParaRPr>
+          </a:p>
+          <a:p>
+            <a:pPr lvl="1" eaLnBrk="1" hangingPunct="1"/>
+            <a:r>
+              <a:rPr lang="en-US" altLang="zh-CN" b="0" dirty="0" smtClean="0">
+                <a:latin typeface="微软雅黑" pitchFamily="34" charset="-122"/>
+                <a:ea typeface="微软雅黑" pitchFamily="34" charset="-122"/>
+              </a:rPr>
+              <a:t>BT</a:t>
+            </a:r>
+            <a:r>
+              <a:rPr lang="zh-CN" altLang="en-US" b="0" dirty="0" smtClean="0">
+                <a:latin typeface="微软雅黑" pitchFamily="34" charset="-122"/>
+                <a:ea typeface="微软雅黑" pitchFamily="34" charset="-122"/>
+              </a:rPr>
+              <a:t>优势：支持动态创建，有项目内完善的编辑器和</a:t>
+            </a:r>
+            <a:r>
+              <a:rPr lang="en-US" altLang="zh-CN" b="0" dirty="0" smtClean="0">
+                <a:latin typeface="微软雅黑" pitchFamily="34" charset="-122"/>
+                <a:ea typeface="微软雅黑" pitchFamily="34" charset="-122"/>
+              </a:rPr>
+              <a:t>debug</a:t>
+            </a:r>
+            <a:r>
+              <a:rPr lang="zh-CN" altLang="en-US" b="0" dirty="0" smtClean="0">
+                <a:latin typeface="微软雅黑" pitchFamily="34" charset="-122"/>
+                <a:ea typeface="微软雅黑" pitchFamily="34" charset="-122"/>
+              </a:rPr>
+              <a:t>工具，支持远程调试 </a:t>
+            </a:r>
+            <a:endParaRPr lang="en-US" altLang="zh-CN" b="0" dirty="0" smtClean="0">
+              <a:latin typeface="微软雅黑" pitchFamily="34" charset="-122"/>
+              <a:ea typeface="微软雅黑" pitchFamily="34" charset="-122"/>
+            </a:endParaRPr>
+          </a:p>
+          <a:p>
+            <a:pPr lvl="1" eaLnBrk="1" hangingPunct="1"/>
+            <a:r>
+              <a:rPr lang="zh-CN" altLang="en-US" b="0" dirty="0" smtClean="0">
+                <a:latin typeface="微软雅黑" pitchFamily="34" charset="-122"/>
+                <a:ea typeface="微软雅黑" pitchFamily="34" charset="-122"/>
+              </a:rPr>
+              <a:t>缺点：物件间相互引用没有</a:t>
+            </a:r>
+            <a:r>
+              <a:rPr lang="en-US" altLang="zh-CN" b="0" dirty="0" smtClean="0">
+                <a:latin typeface="微软雅黑" pitchFamily="34" charset="-122"/>
+                <a:ea typeface="微软雅黑" pitchFamily="34" charset="-122"/>
+              </a:rPr>
+              <a:t>flow graph</a:t>
+            </a:r>
+            <a:r>
+              <a:rPr lang="zh-CN" altLang="en-US" b="0" dirty="0" smtClean="0">
+                <a:latin typeface="微软雅黑" pitchFamily="34" charset="-122"/>
+                <a:ea typeface="微软雅黑" pitchFamily="34" charset="-122"/>
+              </a:rPr>
+              <a:t>直观</a:t>
+            </a:r>
+            <a:endParaRPr lang="en-US" altLang="zh-CN" b="0" dirty="0" smtClean="0">
+              <a:latin typeface="微软雅黑" pitchFamily="34" charset="-122"/>
+              <a:ea typeface="微软雅黑" pitchFamily="34" charset="-122"/>
+            </a:endParaRPr>
+          </a:p>
+          <a:p>
+            <a:pPr lvl="1" eaLnBrk="1" hangingPunct="1"/>
+            <a:r>
+              <a:rPr lang="zh-CN" altLang="en-US" b="0" dirty="0" smtClean="0">
+                <a:latin typeface="微软雅黑" pitchFamily="34" charset="-122"/>
+                <a:ea typeface="微软雅黑" pitchFamily="34" charset="-122"/>
+              </a:rPr>
+              <a:t>直接关系通过组件解决，间接关系无这类需求</a:t>
+            </a:r>
+            <a:endParaRPr lang="en-US" altLang="zh-CN" b="0" dirty="0" smtClean="0">
+              <a:latin typeface="微软雅黑" pitchFamily="34" charset="-122"/>
+              <a:ea typeface="微软雅黑" pitchFamily="34" charset="-122"/>
+            </a:endParaRPr>
+          </a:p>
+          <a:p>
+            <a:endParaRPr lang="en-US" altLang="zh-CN" sz="1600" b="0" dirty="0" smtClean="0">
+              <a:latin typeface="宋体" charset="-122"/>
+            </a:endParaRPr>
+          </a:p>
+        </p:txBody>
+      </p:sp>
+      <p:sp>
+        <p:nvSpPr>
+          <p:cNvPr id="91" name="Rectangle 2"/>
+          <p:cNvSpPr>
+            <a:spLocks noGrp="1" noChangeArrowheads="1"/>
+          </p:cNvSpPr>
+          <p:nvPr>
+            <p:ph type="title"/>
+          </p:nvPr>
+        </p:nvSpPr>
+        <p:spPr/>
+        <p:txBody>
+          <a:bodyPr/>
+          <a:lstStyle/>
+          <a:p>
+            <a:pPr eaLnBrk="1" hangingPunct="1"/>
+            <a:r>
+              <a:rPr lang="en-US" altLang="zh-CN" dirty="0" smtClean="0">
+                <a:latin typeface="微软雅黑" pitchFamily="34" charset="-122"/>
+                <a:ea typeface="微软雅黑" pitchFamily="34" charset="-122"/>
+              </a:rPr>
+              <a:t>BT</a:t>
+            </a:r>
+            <a:r>
+              <a:rPr lang="zh-CN" altLang="en-US" dirty="0" smtClean="0">
+                <a:latin typeface="微软雅黑" pitchFamily="34" charset="-122"/>
+                <a:ea typeface="微软雅黑" pitchFamily="34" charset="-122"/>
+              </a:rPr>
+              <a:t>功能集成助力逻辑开发</a:t>
+            </a:r>
+            <a:endParaRPr lang="zh-CN" altLang="en-US" dirty="0" smtClean="0">
+              <a:latin typeface="微软雅黑" pitchFamily="34" charset="-122"/>
+              <a:ea typeface="微软雅黑" pitchFamily="34" charset="-122"/>
+            </a:endParaRPr>
+          </a:p>
+        </p:txBody>
+      </p:sp>
+    </p:spTree>
+  </p:cSld>
+  <p:clrMapOvr>
+    <a:masterClrMapping/>
+  </p:clrMapOvr>
+  <p:timing>
+    <p:tnLst>
+      <p:par>
+        <p:cTn id="1" dur="indefinite" restart="never" nodeType="tmRoot"/>
+      </p:par>
+    </p:tnLst>
+  </p:timing>
+</p:sld>
+</file>
+
 <file path=ppt/slides/slide9.xml><?xml version="1.0" encoding="utf-8"?>
 <p:sld xmlns:a="http://schemas.openxmlformats.org/drawingml/2006/main" xmlns:r="http://schemas.openxmlformats.org/officeDocument/2006/relationships" xmlns:p="http://schemas.openxmlformats.org/presentationml/2006/main">
   <p:cSld>
@@ -10199,161 +11257,64 @@
       </p:grpSpPr>
       <p:sp>
         <p:nvSpPr>
-          <p:cNvPr id="10243" name="Rectangle 3"/>
-          <p:cNvSpPr>
-            <a:spLocks noGrp="1" noChangeArrowheads="1"/>
-          </p:cNvSpPr>
-          <p:nvPr>
-            <p:ph type="body" idx="1"/>
-          </p:nvPr>
-        </p:nvSpPr>
-        <p:spPr>
-          <a:xfrm>
-            <a:off x="685800" y="1219200"/>
-            <a:ext cx="8229600" cy="3886200"/>
-          </a:xfrm>
-        </p:spPr>
+          <p:cNvPr id="2" name="标题 1"/>
+          <p:cNvSpPr>
+            <a:spLocks noGrp="1"/>
+          </p:cNvSpPr>
+          <p:nvPr>
+            <p:ph type="title"/>
+          </p:nvPr>
+        </p:nvSpPr>
+        <p:spPr/>
         <p:txBody>
           <a:bodyPr/>
           <a:lstStyle/>
           <a:p>
-            <a:pPr eaLnBrk="1" hangingPunct="1"/>
+            <a:r>
+              <a:rPr lang="en-US" altLang="zh-CN" dirty="0" smtClean="0">
+                <a:latin typeface="微软雅黑" pitchFamily="34" charset="-122"/>
+                <a:ea typeface="微软雅黑" pitchFamily="34" charset="-122"/>
+              </a:rPr>
+              <a:t>BT</a:t>
+            </a:r>
+            <a:r>
+              <a:rPr lang="zh-CN" altLang="en-US" dirty="0" smtClean="0">
+                <a:latin typeface="微软雅黑" pitchFamily="34" charset="-122"/>
+                <a:ea typeface="微软雅黑" pitchFamily="34" charset="-122"/>
+              </a:rPr>
+              <a:t>功能集成助力逻辑开发</a:t>
+            </a:r>
+            <a:endParaRPr lang="zh-CN" altLang="en-US" dirty="0">
+              <a:latin typeface="微软雅黑" pitchFamily="34" charset="-122"/>
+              <a:ea typeface="微软雅黑" pitchFamily="34" charset="-122"/>
+            </a:endParaRPr>
+          </a:p>
+        </p:txBody>
+      </p:sp>
+      <p:sp>
+        <p:nvSpPr>
+          <p:cNvPr id="3" name="内容占位符 2"/>
+          <p:cNvSpPr>
+            <a:spLocks noGrp="1"/>
+          </p:cNvSpPr>
+          <p:nvPr>
+            <p:ph idx="1"/>
+          </p:nvPr>
+        </p:nvSpPr>
+        <p:spPr/>
+        <p:txBody>
+          <a:bodyPr/>
+          <a:lstStyle/>
+          <a:p>
             <a:r>
               <a:rPr lang="en-US" altLang="zh-CN" dirty="0" smtClean="0"/>
-              <a:t>Cry3</a:t>
+              <a:t>BT</a:t>
             </a:r>
             <a:r>
               <a:rPr lang="zh-CN" altLang="en-US" dirty="0" smtClean="0"/>
-              <a:t>物件系统的缺点：</a:t>
-            </a:r>
-            <a:endParaRPr lang="en-US" altLang="zh-CN" dirty="0" smtClean="0"/>
-          </a:p>
-          <a:p>
-            <a:pPr lvl="1" eaLnBrk="1" hangingPunct="1"/>
-            <a:r>
-              <a:rPr lang="zh-CN" altLang="en-US" b="0" dirty="0" smtClean="0">
-                <a:latin typeface="宋体" charset="-122"/>
-              </a:rPr>
-              <a:t>不能应对策划的复杂需求，比如物件的多样化和组合关系，尤其是组合关系</a:t>
-            </a:r>
-            <a:endParaRPr lang="en-US" altLang="zh-CN" b="0" dirty="0" smtClean="0">
-              <a:latin typeface="宋体" charset="-122"/>
-            </a:endParaRPr>
-          </a:p>
-          <a:p>
-            <a:pPr lvl="1" eaLnBrk="1" hangingPunct="1"/>
-            <a:r>
-              <a:rPr lang="zh-CN" altLang="en-US" b="0" dirty="0" smtClean="0">
-                <a:latin typeface="宋体" charset="-122"/>
-              </a:rPr>
-              <a:t>同步和恢复只能靠客户端自己计算（比如可破坏物件，同步的是爆炸，而不是物件的行为），计算结果可能不一致</a:t>
-            </a:r>
-            <a:endParaRPr lang="en-US" altLang="zh-CN" b="0" dirty="0" smtClean="0">
-              <a:latin typeface="宋体" charset="-122"/>
-            </a:endParaRPr>
-          </a:p>
-          <a:p>
-            <a:pPr lvl="1" eaLnBrk="1" hangingPunct="1"/>
-            <a:r>
-              <a:rPr lang="zh-CN" altLang="en-US" b="0" dirty="0" smtClean="0">
-                <a:latin typeface="宋体" charset="-122"/>
-              </a:rPr>
-              <a:t>动态物件开发只能在脚本中进行，策划和</a:t>
-            </a:r>
-            <a:r>
-              <a:rPr lang="en-US" altLang="zh-CN" b="0" dirty="0" smtClean="0">
-                <a:latin typeface="宋体" charset="-122"/>
-              </a:rPr>
-              <a:t>level designer</a:t>
-            </a:r>
-            <a:r>
-              <a:rPr lang="zh-CN" altLang="en-US" b="0" dirty="0" smtClean="0">
-                <a:latin typeface="宋体" charset="-122"/>
-              </a:rPr>
-              <a:t>参与度低</a:t>
-            </a:r>
-            <a:endParaRPr lang="en-US" altLang="zh-CN" b="0" dirty="0" smtClean="0">
-              <a:latin typeface="宋体" charset="-122"/>
-            </a:endParaRPr>
-          </a:p>
-          <a:p>
-            <a:pPr lvl="1" eaLnBrk="1" hangingPunct="1"/>
-            <a:r>
-              <a:rPr lang="zh-CN" altLang="en-US" b="0" dirty="0" smtClean="0">
-                <a:latin typeface="宋体" charset="-122"/>
-              </a:rPr>
-              <a:t>属性保存在关卡文件，当物件逻辑迭代的时候需要打开关卡修改，尤其是属性默认值发生修改的时候，由于之前的值已经写入关卡数据，新的默认值无法生效，</a:t>
-            </a:r>
-            <a:r>
-              <a:rPr lang="en-US" altLang="zh-CN" b="0" dirty="0" smtClean="0">
-                <a:latin typeface="宋体" charset="-122"/>
-              </a:rPr>
-              <a:t>LD</a:t>
-            </a:r>
-            <a:r>
-              <a:rPr lang="zh-CN" altLang="en-US" b="0" dirty="0" smtClean="0">
-                <a:latin typeface="宋体" charset="-122"/>
-              </a:rPr>
-              <a:t>需要逐个修改</a:t>
-            </a:r>
-            <a:endParaRPr lang="en-US" altLang="zh-CN" b="0" dirty="0" smtClean="0">
-              <a:latin typeface="宋体" charset="-122"/>
-            </a:endParaRPr>
-          </a:p>
-          <a:p>
-            <a:pPr lvl="1" eaLnBrk="1" hangingPunct="1"/>
-            <a:r>
-              <a:rPr lang="zh-CN" altLang="en-US" b="0" dirty="0" smtClean="0">
-                <a:latin typeface="宋体" charset="-122"/>
-              </a:rPr>
-              <a:t>一些功能缺失，比如水的升降，</a:t>
-            </a:r>
-            <a:r>
-              <a:rPr lang="en-US" altLang="zh-CN" b="0" dirty="0" smtClean="0">
-                <a:latin typeface="宋体" charset="-122"/>
-              </a:rPr>
-              <a:t>entity </a:t>
-            </a:r>
-            <a:r>
-              <a:rPr lang="zh-CN" altLang="en-US" b="0" dirty="0" smtClean="0">
-                <a:latin typeface="宋体" charset="-122"/>
-              </a:rPr>
-              <a:t>模型支持</a:t>
-            </a:r>
-            <a:r>
-              <a:rPr lang="en-US" altLang="zh-CN" b="0" dirty="0" smtClean="0">
-                <a:latin typeface="宋体" charset="-122"/>
-              </a:rPr>
-              <a:t>touch bending</a:t>
-            </a:r>
-          </a:p>
-          <a:p>
-            <a:endParaRPr lang="en-US" altLang="zh-CN" sz="1600" b="0" dirty="0" smtClean="0">
-              <a:latin typeface="宋体" charset="-122"/>
-            </a:endParaRPr>
-          </a:p>
-        </p:txBody>
-      </p:sp>
-      <p:sp>
-        <p:nvSpPr>
-          <p:cNvPr id="91" name="Rectangle 2"/>
-          <p:cNvSpPr>
-            <a:spLocks noGrp="1" noChangeArrowheads="1"/>
-          </p:cNvSpPr>
-          <p:nvPr>
-            <p:ph type="title"/>
-          </p:nvPr>
-        </p:nvSpPr>
-        <p:spPr/>
-        <p:txBody>
-          <a:bodyPr/>
-          <a:lstStyle/>
-          <a:p>
-            <a:pPr eaLnBrk="1" hangingPunct="1"/>
-            <a:r>
-              <a:rPr lang="zh-CN" altLang="en-US" dirty="0" smtClean="0"/>
-              <a:t>灵活功能强大的场景物件系统</a:t>
-            </a:r>
+              <a:t>截图</a:t>
+            </a:r>
+            <a:endParaRPr lang="zh-CN" altLang="en-US" dirty="0"/>
           </a:p>
         </p:txBody>
       </p:sp>
